--- a/VEEPortingGuide/images/uiLL.pptx
+++ b/VEEPortingGuide/images/uiLL.pptx
@@ -202,7 +202,7 @@
           <a:p>
             <a:fld id="{F47202D6-4449-4ABC-9430-570B72DCED4F}" type="datetimeFigureOut">
               <a:rPr lang="en-US" smtClean="0"/>
-              <a:t>21/07/19</a:t>
+              <a:t>4/25/23</a:t>
             </a:fld>
             <a:endParaRPr lang="en-US"/>
           </a:p>
@@ -702,7 +702,7 @@
           <a:p>
             <a:fld id="{4E285625-C24A-4341-90BC-6CD71F835625}" type="datetimeFigureOut">
               <a:rPr lang="en-GB" smtClean="0"/>
-              <a:t>19/07/2021</a:t>
+              <a:t>25/04/2023</a:t>
             </a:fld>
             <a:endParaRPr lang="en-GB"/>
           </a:p>
@@ -902,7 +902,7 @@
           <a:p>
             <a:fld id="{4E285625-C24A-4341-90BC-6CD71F835625}" type="datetimeFigureOut">
               <a:rPr lang="en-GB" smtClean="0"/>
-              <a:t>19/07/2021</a:t>
+              <a:t>25/04/2023</a:t>
             </a:fld>
             <a:endParaRPr lang="en-GB"/>
           </a:p>
@@ -1112,7 +1112,7 @@
           <a:p>
             <a:fld id="{4E285625-C24A-4341-90BC-6CD71F835625}" type="datetimeFigureOut">
               <a:rPr lang="en-GB" smtClean="0"/>
-              <a:t>19/07/2021</a:t>
+              <a:t>25/04/2023</a:t>
             </a:fld>
             <a:endParaRPr lang="en-GB"/>
           </a:p>
@@ -1312,7 +1312,7 @@
           <a:p>
             <a:fld id="{4E285625-C24A-4341-90BC-6CD71F835625}" type="datetimeFigureOut">
               <a:rPr lang="en-GB" smtClean="0"/>
-              <a:t>19/07/2021</a:t>
+              <a:t>25/04/2023</a:t>
             </a:fld>
             <a:endParaRPr lang="en-GB"/>
           </a:p>
@@ -1588,7 +1588,7 @@
           <a:p>
             <a:fld id="{4E285625-C24A-4341-90BC-6CD71F835625}" type="datetimeFigureOut">
               <a:rPr lang="en-GB" smtClean="0"/>
-              <a:t>19/07/2021</a:t>
+              <a:t>25/04/2023</a:t>
             </a:fld>
             <a:endParaRPr lang="en-GB"/>
           </a:p>
@@ -1856,7 +1856,7 @@
           <a:p>
             <a:fld id="{4E285625-C24A-4341-90BC-6CD71F835625}" type="datetimeFigureOut">
               <a:rPr lang="en-GB" smtClean="0"/>
-              <a:t>19/07/2021</a:t>
+              <a:t>25/04/2023</a:t>
             </a:fld>
             <a:endParaRPr lang="en-GB"/>
           </a:p>
@@ -2271,7 +2271,7 @@
           <a:p>
             <a:fld id="{4E285625-C24A-4341-90BC-6CD71F835625}" type="datetimeFigureOut">
               <a:rPr lang="en-GB" smtClean="0"/>
-              <a:t>19/07/2021</a:t>
+              <a:t>25/04/2023</a:t>
             </a:fld>
             <a:endParaRPr lang="en-GB"/>
           </a:p>
@@ -2413,7 +2413,7 @@
           <a:p>
             <a:fld id="{4E285625-C24A-4341-90BC-6CD71F835625}" type="datetimeFigureOut">
               <a:rPr lang="en-GB" smtClean="0"/>
-              <a:t>19/07/2021</a:t>
+              <a:t>25/04/2023</a:t>
             </a:fld>
             <a:endParaRPr lang="en-GB"/>
           </a:p>
@@ -2526,7 +2526,7 @@
           <a:p>
             <a:fld id="{4E285625-C24A-4341-90BC-6CD71F835625}" type="datetimeFigureOut">
               <a:rPr lang="en-GB" smtClean="0"/>
-              <a:t>19/07/2021</a:t>
+              <a:t>25/04/2023</a:t>
             </a:fld>
             <a:endParaRPr lang="en-GB"/>
           </a:p>
@@ -2839,7 +2839,7 @@
           <a:p>
             <a:fld id="{4E285625-C24A-4341-90BC-6CD71F835625}" type="datetimeFigureOut">
               <a:rPr lang="en-GB" smtClean="0"/>
-              <a:t>19/07/2021</a:t>
+              <a:t>25/04/2023</a:t>
             </a:fld>
             <a:endParaRPr lang="en-GB"/>
           </a:p>
@@ -3128,7 +3128,7 @@
           <a:p>
             <a:fld id="{4E285625-C24A-4341-90BC-6CD71F835625}" type="datetimeFigureOut">
               <a:rPr lang="en-GB" smtClean="0"/>
-              <a:t>19/07/2021</a:t>
+              <a:t>25/04/2023</a:t>
             </a:fld>
             <a:endParaRPr lang="en-GB"/>
           </a:p>
@@ -3371,7 +3371,7 @@
           <a:p>
             <a:fld id="{4E285625-C24A-4341-90BC-6CD71F835625}" type="datetimeFigureOut">
               <a:rPr lang="en-GB" smtClean="0"/>
-              <a:t>19/07/2021</a:t>
+              <a:t>25/04/2023</a:t>
             </a:fld>
             <a:endParaRPr lang="en-GB"/>
           </a:p>
@@ -7758,7 +7758,7 @@
         <p:spPr>
           <a:xfrm>
             <a:off x="479375" y="1803599"/>
-            <a:ext cx="1645920" cy="288000"/>
+            <a:ext cx="1645918" cy="288000"/>
           </a:xfrm>
           <a:prstGeom prst="roundRect">
             <a:avLst/>
@@ -8125,8 +8125,8 @@
         </p:nvSpPr>
         <p:spPr>
           <a:xfrm>
-            <a:off x="4956065" y="1803599"/>
-            <a:ext cx="1645920" cy="288000"/>
+            <a:off x="3917373" y="1803599"/>
+            <a:ext cx="2684612" cy="288000"/>
           </a:xfrm>
           <a:prstGeom prst="roundRect">
             <a:avLst/>
@@ -8283,8 +8283,8 @@
         </p:nvSpPr>
         <p:spPr>
           <a:xfrm>
-            <a:off x="4956065" y="2206514"/>
-            <a:ext cx="1645920" cy="288000"/>
+            <a:off x="3917373" y="2209635"/>
+            <a:ext cx="1163782" cy="288000"/>
           </a:xfrm>
           <a:prstGeom prst="roundRect">
             <a:avLst/>
@@ -8441,8 +8441,8 @@
         </p:nvSpPr>
         <p:spPr>
           <a:xfrm>
-            <a:off x="2242809" y="2209635"/>
-            <a:ext cx="1280160" cy="288000"/>
+            <a:off x="2242808" y="2209635"/>
+            <a:ext cx="1557049" cy="288000"/>
           </a:xfrm>
           <a:prstGeom prst="roundRect">
             <a:avLst/>
@@ -8570,14 +8570,14 @@
           <a:p>
             <a:pPr algn="ctr"/>
             <a:r>
-              <a:rPr lang="en-US" sz="1100" dirty="0" err="1">
+              <a:rPr lang="en-US" sz="1200" dirty="0" err="1">
                 <a:solidFill>
                   <a:schemeClr val="bg1"/>
                 </a:solidFill>
               </a:rPr>
-              <a:t>UIDrawingDefault</a:t>
+              <a:t>DisplayDrawer</a:t>
             </a:r>
-            <a:endParaRPr lang="en-US" sz="1100" dirty="0">
+            <a:endParaRPr lang="en-US" sz="1200" dirty="0">
               <a:solidFill>
                 <a:schemeClr val="bg1"/>
               </a:solidFill>
@@ -10128,10 +10128,10 @@
       </p:sp>
       <p:sp>
         <p:nvSpPr>
-          <p:cNvPr id="47" name="Rounded Rectangle 19">
-            <a:extLst>
-              <a:ext uri="{FF2B5EF4-FFF2-40B4-BE49-F238E27FC236}">
-                <a16:creationId xmlns:a16="http://schemas.microsoft.com/office/drawing/2014/main" id="{6CCAB5E7-AEA6-499E-8E3A-8018D98658CB}"/>
+          <p:cNvPr id="51" name="Rounded Rectangle 11">
+            <a:extLst>
+              <a:ext uri="{FF2B5EF4-FFF2-40B4-BE49-F238E27FC236}">
+                <a16:creationId xmlns:a16="http://schemas.microsoft.com/office/drawing/2014/main" id="{9A02C670-7839-478C-8E5F-B5000F4FC315}"/>
               </a:ext>
             </a:extLst>
           </p:cNvPr>
@@ -10140,324 +10140,8 @@
         </p:nvSpPr>
         <p:spPr>
           <a:xfrm>
-            <a:off x="10213862" y="2203332"/>
-            <a:ext cx="1645920" cy="288000"/>
-          </a:xfrm>
-          <a:prstGeom prst="roundRect">
-            <a:avLst/>
-          </a:prstGeom>
-          <a:solidFill>
-            <a:srgbClr val="00AEC7"/>
-          </a:solidFill>
-          <a:ln>
-            <a:noFill/>
-          </a:ln>
-        </p:spPr>
-        <p:style>
-          <a:lnRef idx="2">
-            <a:schemeClr val="accent1">
-              <a:shade val="50000"/>
-            </a:schemeClr>
-          </a:lnRef>
-          <a:fillRef idx="1">
-            <a:schemeClr val="accent1"/>
-          </a:fillRef>
-          <a:effectRef idx="0">
-            <a:schemeClr val="accent1"/>
-          </a:effectRef>
-          <a:fontRef idx="minor">
-            <a:schemeClr val="lt1"/>
-          </a:fontRef>
-        </p:style>
-        <p:txBody>
-          <a:bodyPr rtlCol="0" anchor="ctr"/>
-          <a:lstStyle>
-            <a:defPPr>
-              <a:defRPr lang="en-US"/>
-            </a:defPPr>
-            <a:lvl1pPr marL="0" algn="l" defTabSz="914377" rtl="0" eaLnBrk="1" latinLnBrk="0" hangingPunct="1">
-              <a:defRPr sz="1800" kern="1200">
-                <a:solidFill>
-                  <a:schemeClr val="lt1"/>
-                </a:solidFill>
-                <a:latin typeface="+mn-lt"/>
-                <a:ea typeface="+mn-ea"/>
-                <a:cs typeface="+mn-cs"/>
-              </a:defRPr>
-            </a:lvl1pPr>
-            <a:lvl2pPr marL="457189" algn="l" defTabSz="914377" rtl="0" eaLnBrk="1" latinLnBrk="0" hangingPunct="1">
-              <a:defRPr sz="1800" kern="1200">
-                <a:solidFill>
-                  <a:schemeClr val="lt1"/>
-                </a:solidFill>
-                <a:latin typeface="+mn-lt"/>
-                <a:ea typeface="+mn-ea"/>
-                <a:cs typeface="+mn-cs"/>
-              </a:defRPr>
-            </a:lvl2pPr>
-            <a:lvl3pPr marL="914377" algn="l" defTabSz="914377" rtl="0" eaLnBrk="1" latinLnBrk="0" hangingPunct="1">
-              <a:defRPr sz="1800" kern="1200">
-                <a:solidFill>
-                  <a:schemeClr val="lt1"/>
-                </a:solidFill>
-                <a:latin typeface="+mn-lt"/>
-                <a:ea typeface="+mn-ea"/>
-                <a:cs typeface="+mn-cs"/>
-              </a:defRPr>
-            </a:lvl3pPr>
-            <a:lvl4pPr marL="1371566" algn="l" defTabSz="914377" rtl="0" eaLnBrk="1" latinLnBrk="0" hangingPunct="1">
-              <a:defRPr sz="1800" kern="1200">
-                <a:solidFill>
-                  <a:schemeClr val="lt1"/>
-                </a:solidFill>
-                <a:latin typeface="+mn-lt"/>
-                <a:ea typeface="+mn-ea"/>
-                <a:cs typeface="+mn-cs"/>
-              </a:defRPr>
-            </a:lvl4pPr>
-            <a:lvl5pPr marL="1828754" algn="l" defTabSz="914377" rtl="0" eaLnBrk="1" latinLnBrk="0" hangingPunct="1">
-              <a:defRPr sz="1800" kern="1200">
-                <a:solidFill>
-                  <a:schemeClr val="lt1"/>
-                </a:solidFill>
-                <a:latin typeface="+mn-lt"/>
-                <a:ea typeface="+mn-ea"/>
-                <a:cs typeface="+mn-cs"/>
-              </a:defRPr>
-            </a:lvl5pPr>
-            <a:lvl6pPr marL="2285943" algn="l" defTabSz="914377" rtl="0" eaLnBrk="1" latinLnBrk="0" hangingPunct="1">
-              <a:defRPr sz="1800" kern="1200">
-                <a:solidFill>
-                  <a:schemeClr val="lt1"/>
-                </a:solidFill>
-                <a:latin typeface="+mn-lt"/>
-                <a:ea typeface="+mn-ea"/>
-                <a:cs typeface="+mn-cs"/>
-              </a:defRPr>
-            </a:lvl6pPr>
-            <a:lvl7pPr marL="2743131" algn="l" defTabSz="914377" rtl="0" eaLnBrk="1" latinLnBrk="0" hangingPunct="1">
-              <a:defRPr sz="1800" kern="1200">
-                <a:solidFill>
-                  <a:schemeClr val="lt1"/>
-                </a:solidFill>
-                <a:latin typeface="+mn-lt"/>
-                <a:ea typeface="+mn-ea"/>
-                <a:cs typeface="+mn-cs"/>
-              </a:defRPr>
-            </a:lvl7pPr>
-            <a:lvl8pPr marL="3200320" algn="l" defTabSz="914377" rtl="0" eaLnBrk="1" latinLnBrk="0" hangingPunct="1">
-              <a:defRPr sz="1800" kern="1200">
-                <a:solidFill>
-                  <a:schemeClr val="lt1"/>
-                </a:solidFill>
-                <a:latin typeface="+mn-lt"/>
-                <a:ea typeface="+mn-ea"/>
-                <a:cs typeface="+mn-cs"/>
-              </a:defRPr>
-            </a:lvl8pPr>
-            <a:lvl9pPr marL="3657509" algn="l" defTabSz="914377" rtl="0" eaLnBrk="1" latinLnBrk="0" hangingPunct="1">
-              <a:defRPr sz="1800" kern="1200">
-                <a:solidFill>
-                  <a:schemeClr val="lt1"/>
-                </a:solidFill>
-                <a:latin typeface="+mn-lt"/>
-                <a:ea typeface="+mn-ea"/>
-                <a:cs typeface="+mn-cs"/>
-              </a:defRPr>
-            </a:lvl9pPr>
-          </a:lstStyle>
-          <a:p>
-            <a:pPr algn="ctr"/>
-            <a:r>
-              <a:rPr lang="en-US" sz="1200" dirty="0" err="1">
-                <a:solidFill>
-                  <a:schemeClr val="bg1"/>
-                </a:solidFill>
-              </a:rPr>
-              <a:t>DWDrawing</a:t>
-            </a:r>
-            <a:endParaRPr lang="en-US" sz="1200" dirty="0">
-              <a:solidFill>
-                <a:schemeClr val="bg1"/>
-              </a:solidFill>
-            </a:endParaRPr>
-          </a:p>
-        </p:txBody>
-      </p:sp>
-      <p:sp>
-        <p:nvSpPr>
-          <p:cNvPr id="49" name="Rounded Rectangle 19">
-            <a:extLst>
-              <a:ext uri="{FF2B5EF4-FFF2-40B4-BE49-F238E27FC236}">
-                <a16:creationId xmlns:a16="http://schemas.microsoft.com/office/drawing/2014/main" id="{4DA431B1-9F5A-4E06-9271-9337D9088256}"/>
-              </a:ext>
-            </a:extLst>
-          </p:cNvPr>
-          <p:cNvSpPr/>
-          <p:nvPr/>
-        </p:nvSpPr>
-        <p:spPr>
-          <a:xfrm>
-            <a:off x="3562843" y="2209635"/>
-            <a:ext cx="1280160" cy="288000"/>
-          </a:xfrm>
-          <a:prstGeom prst="roundRect">
-            <a:avLst/>
-          </a:prstGeom>
-          <a:solidFill>
-            <a:srgbClr val="00AEC7"/>
-          </a:solidFill>
-          <a:ln>
-            <a:noFill/>
-          </a:ln>
-        </p:spPr>
-        <p:style>
-          <a:lnRef idx="2">
-            <a:schemeClr val="accent1">
-              <a:shade val="50000"/>
-            </a:schemeClr>
-          </a:lnRef>
-          <a:fillRef idx="1">
-            <a:schemeClr val="accent1"/>
-          </a:fillRef>
-          <a:effectRef idx="0">
-            <a:schemeClr val="accent1"/>
-          </a:effectRef>
-          <a:fontRef idx="minor">
-            <a:schemeClr val="lt1"/>
-          </a:fontRef>
-        </p:style>
-        <p:txBody>
-          <a:bodyPr rtlCol="0" anchor="ctr"/>
-          <a:lstStyle>
-            <a:defPPr>
-              <a:defRPr lang="en-US"/>
-            </a:defPPr>
-            <a:lvl1pPr marL="0" algn="l" defTabSz="914377" rtl="0" eaLnBrk="1" latinLnBrk="0" hangingPunct="1">
-              <a:defRPr sz="1800" kern="1200">
-                <a:solidFill>
-                  <a:schemeClr val="lt1"/>
-                </a:solidFill>
-                <a:latin typeface="+mn-lt"/>
-                <a:ea typeface="+mn-ea"/>
-                <a:cs typeface="+mn-cs"/>
-              </a:defRPr>
-            </a:lvl1pPr>
-            <a:lvl2pPr marL="457189" algn="l" defTabSz="914377" rtl="0" eaLnBrk="1" latinLnBrk="0" hangingPunct="1">
-              <a:defRPr sz="1800" kern="1200">
-                <a:solidFill>
-                  <a:schemeClr val="lt1"/>
-                </a:solidFill>
-                <a:latin typeface="+mn-lt"/>
-                <a:ea typeface="+mn-ea"/>
-                <a:cs typeface="+mn-cs"/>
-              </a:defRPr>
-            </a:lvl2pPr>
-            <a:lvl3pPr marL="914377" algn="l" defTabSz="914377" rtl="0" eaLnBrk="1" latinLnBrk="0" hangingPunct="1">
-              <a:defRPr sz="1800" kern="1200">
-                <a:solidFill>
-                  <a:schemeClr val="lt1"/>
-                </a:solidFill>
-                <a:latin typeface="+mn-lt"/>
-                <a:ea typeface="+mn-ea"/>
-                <a:cs typeface="+mn-cs"/>
-              </a:defRPr>
-            </a:lvl3pPr>
-            <a:lvl4pPr marL="1371566" algn="l" defTabSz="914377" rtl="0" eaLnBrk="1" latinLnBrk="0" hangingPunct="1">
-              <a:defRPr sz="1800" kern="1200">
-                <a:solidFill>
-                  <a:schemeClr val="lt1"/>
-                </a:solidFill>
-                <a:latin typeface="+mn-lt"/>
-                <a:ea typeface="+mn-ea"/>
-                <a:cs typeface="+mn-cs"/>
-              </a:defRPr>
-            </a:lvl4pPr>
-            <a:lvl5pPr marL="1828754" algn="l" defTabSz="914377" rtl="0" eaLnBrk="1" latinLnBrk="0" hangingPunct="1">
-              <a:defRPr sz="1800" kern="1200">
-                <a:solidFill>
-                  <a:schemeClr val="lt1"/>
-                </a:solidFill>
-                <a:latin typeface="+mn-lt"/>
-                <a:ea typeface="+mn-ea"/>
-                <a:cs typeface="+mn-cs"/>
-              </a:defRPr>
-            </a:lvl5pPr>
-            <a:lvl6pPr marL="2285943" algn="l" defTabSz="914377" rtl="0" eaLnBrk="1" latinLnBrk="0" hangingPunct="1">
-              <a:defRPr sz="1800" kern="1200">
-                <a:solidFill>
-                  <a:schemeClr val="lt1"/>
-                </a:solidFill>
-                <a:latin typeface="+mn-lt"/>
-                <a:ea typeface="+mn-ea"/>
-                <a:cs typeface="+mn-cs"/>
-              </a:defRPr>
-            </a:lvl6pPr>
-            <a:lvl7pPr marL="2743131" algn="l" defTabSz="914377" rtl="0" eaLnBrk="1" latinLnBrk="0" hangingPunct="1">
-              <a:defRPr sz="1800" kern="1200">
-                <a:solidFill>
-                  <a:schemeClr val="lt1"/>
-                </a:solidFill>
-                <a:latin typeface="+mn-lt"/>
-                <a:ea typeface="+mn-ea"/>
-                <a:cs typeface="+mn-cs"/>
-              </a:defRPr>
-            </a:lvl7pPr>
-            <a:lvl8pPr marL="3200320" algn="l" defTabSz="914377" rtl="0" eaLnBrk="1" latinLnBrk="0" hangingPunct="1">
-              <a:defRPr sz="1800" kern="1200">
-                <a:solidFill>
-                  <a:schemeClr val="lt1"/>
-                </a:solidFill>
-                <a:latin typeface="+mn-lt"/>
-                <a:ea typeface="+mn-ea"/>
-                <a:cs typeface="+mn-cs"/>
-              </a:defRPr>
-            </a:lvl8pPr>
-            <a:lvl9pPr marL="3657509" algn="l" defTabSz="914377" rtl="0" eaLnBrk="1" latinLnBrk="0" hangingPunct="1">
-              <a:defRPr sz="1800" kern="1200">
-                <a:solidFill>
-                  <a:schemeClr val="lt1"/>
-                </a:solidFill>
-                <a:latin typeface="+mn-lt"/>
-                <a:ea typeface="+mn-ea"/>
-                <a:cs typeface="+mn-cs"/>
-              </a:defRPr>
-            </a:lvl9pPr>
-          </a:lstStyle>
-          <a:p>
-            <a:pPr algn="ctr"/>
-            <a:r>
-              <a:rPr lang="en-US" sz="1050" dirty="0" err="1">
-                <a:solidFill>
-                  <a:schemeClr val="bg1"/>
-                </a:solidFill>
-              </a:rPr>
-              <a:t>DWDrawingDefault</a:t>
-            </a:r>
-            <a:endParaRPr lang="en-US" sz="1050" dirty="0">
-              <a:solidFill>
-                <a:schemeClr val="bg1"/>
-              </a:solidFill>
-            </a:endParaRPr>
-          </a:p>
-        </p:txBody>
-      </p:sp>
-      <p:sp>
-        <p:nvSpPr>
-          <p:cNvPr id="51" name="Rounded Rectangle 11">
-            <a:extLst>
-              <a:ext uri="{FF2B5EF4-FFF2-40B4-BE49-F238E27FC236}">
-                <a16:creationId xmlns:a16="http://schemas.microsoft.com/office/drawing/2014/main" id="{9A02C670-7839-478C-8E5F-B5000F4FC315}"/>
-              </a:ext>
-            </a:extLst>
-          </p:cNvPr>
-          <p:cNvSpPr/>
-          <p:nvPr/>
-        </p:nvSpPr>
-        <p:spPr>
-          <a:xfrm>
-            <a:off x="2242809" y="1803599"/>
-            <a:ext cx="2595742" cy="288000"/>
+            <a:off x="2242808" y="1803599"/>
+            <a:ext cx="1557050" cy="288000"/>
           </a:xfrm>
           <a:prstGeom prst="roundRect">
             <a:avLst/>
@@ -10619,9 +10303,9 @@
         <p:grpSpPr>
           <a:xfrm>
             <a:off x="321535" y="4473206"/>
-            <a:ext cx="2135915" cy="276999"/>
+            <a:ext cx="2605681" cy="276999"/>
             <a:chOff x="1181100" y="4410075"/>
-            <a:chExt cx="2135915" cy="276999"/>
+            <a:chExt cx="2605681" cy="276999"/>
           </a:xfrm>
         </p:grpSpPr>
         <p:sp>
@@ -10687,8 +10371,8 @@
           </p:nvSpPr>
           <p:spPr>
             <a:xfrm>
-              <a:off x="1428751" y="4410075"/>
-              <a:ext cx="1888264" cy="276999"/>
+              <a:off x="1428750" y="4410075"/>
+              <a:ext cx="2358031" cy="276999"/>
             </a:xfrm>
             <a:prstGeom prst="rect">
               <a:avLst/>
@@ -10814,6 +10498,164 @@
           </p:txBody>
         </p:sp>
       </p:grpSp>
+      <p:sp>
+        <p:nvSpPr>
+          <p:cNvPr id="2" name="Rounded Rectangle 19">
+            <a:extLst>
+              <a:ext uri="{FF2B5EF4-FFF2-40B4-BE49-F238E27FC236}">
+                <a16:creationId xmlns:a16="http://schemas.microsoft.com/office/drawing/2014/main" id="{C849706E-7BCB-7462-B349-5F0552E72B4A}"/>
+              </a:ext>
+            </a:extLst>
+          </p:cNvPr>
+          <p:cNvSpPr/>
+          <p:nvPr/>
+        </p:nvSpPr>
+        <p:spPr>
+          <a:xfrm>
+            <a:off x="5198669" y="2209635"/>
+            <a:ext cx="1403316" cy="288000"/>
+          </a:xfrm>
+          <a:prstGeom prst="roundRect">
+            <a:avLst/>
+          </a:prstGeom>
+          <a:solidFill>
+            <a:srgbClr val="00AEC7"/>
+          </a:solidFill>
+          <a:ln>
+            <a:noFill/>
+          </a:ln>
+        </p:spPr>
+        <p:style>
+          <a:lnRef idx="2">
+            <a:schemeClr val="accent1">
+              <a:shade val="50000"/>
+            </a:schemeClr>
+          </a:lnRef>
+          <a:fillRef idx="1">
+            <a:schemeClr val="accent1"/>
+          </a:fillRef>
+          <a:effectRef idx="0">
+            <a:schemeClr val="accent1"/>
+          </a:effectRef>
+          <a:fontRef idx="minor">
+            <a:schemeClr val="lt1"/>
+          </a:fontRef>
+        </p:style>
+        <p:txBody>
+          <a:bodyPr rtlCol="0" anchor="ctr"/>
+          <a:lstStyle>
+            <a:defPPr>
+              <a:defRPr lang="en-US"/>
+            </a:defPPr>
+            <a:lvl1pPr marL="0" algn="l" defTabSz="914377" rtl="0" eaLnBrk="1" latinLnBrk="0" hangingPunct="1">
+              <a:defRPr sz="1800" kern="1200">
+                <a:solidFill>
+                  <a:schemeClr val="lt1"/>
+                </a:solidFill>
+                <a:latin typeface="+mn-lt"/>
+                <a:ea typeface="+mn-ea"/>
+                <a:cs typeface="+mn-cs"/>
+              </a:defRPr>
+            </a:lvl1pPr>
+            <a:lvl2pPr marL="457189" algn="l" defTabSz="914377" rtl="0" eaLnBrk="1" latinLnBrk="0" hangingPunct="1">
+              <a:defRPr sz="1800" kern="1200">
+                <a:solidFill>
+                  <a:schemeClr val="lt1"/>
+                </a:solidFill>
+                <a:latin typeface="+mn-lt"/>
+                <a:ea typeface="+mn-ea"/>
+                <a:cs typeface="+mn-cs"/>
+              </a:defRPr>
+            </a:lvl2pPr>
+            <a:lvl3pPr marL="914377" algn="l" defTabSz="914377" rtl="0" eaLnBrk="1" latinLnBrk="0" hangingPunct="1">
+              <a:defRPr sz="1800" kern="1200">
+                <a:solidFill>
+                  <a:schemeClr val="lt1"/>
+                </a:solidFill>
+                <a:latin typeface="+mn-lt"/>
+                <a:ea typeface="+mn-ea"/>
+                <a:cs typeface="+mn-cs"/>
+              </a:defRPr>
+            </a:lvl3pPr>
+            <a:lvl4pPr marL="1371566" algn="l" defTabSz="914377" rtl="0" eaLnBrk="1" latinLnBrk="0" hangingPunct="1">
+              <a:defRPr sz="1800" kern="1200">
+                <a:solidFill>
+                  <a:schemeClr val="lt1"/>
+                </a:solidFill>
+                <a:latin typeface="+mn-lt"/>
+                <a:ea typeface="+mn-ea"/>
+                <a:cs typeface="+mn-cs"/>
+              </a:defRPr>
+            </a:lvl4pPr>
+            <a:lvl5pPr marL="1828754" algn="l" defTabSz="914377" rtl="0" eaLnBrk="1" latinLnBrk="0" hangingPunct="1">
+              <a:defRPr sz="1800" kern="1200">
+                <a:solidFill>
+                  <a:schemeClr val="lt1"/>
+                </a:solidFill>
+                <a:latin typeface="+mn-lt"/>
+                <a:ea typeface="+mn-ea"/>
+                <a:cs typeface="+mn-cs"/>
+              </a:defRPr>
+            </a:lvl5pPr>
+            <a:lvl6pPr marL="2285943" algn="l" defTabSz="914377" rtl="0" eaLnBrk="1" latinLnBrk="0" hangingPunct="1">
+              <a:defRPr sz="1800" kern="1200">
+                <a:solidFill>
+                  <a:schemeClr val="lt1"/>
+                </a:solidFill>
+                <a:latin typeface="+mn-lt"/>
+                <a:ea typeface="+mn-ea"/>
+                <a:cs typeface="+mn-cs"/>
+              </a:defRPr>
+            </a:lvl6pPr>
+            <a:lvl7pPr marL="2743131" algn="l" defTabSz="914377" rtl="0" eaLnBrk="1" latinLnBrk="0" hangingPunct="1">
+              <a:defRPr sz="1800" kern="1200">
+                <a:solidFill>
+                  <a:schemeClr val="lt1"/>
+                </a:solidFill>
+                <a:latin typeface="+mn-lt"/>
+                <a:ea typeface="+mn-ea"/>
+                <a:cs typeface="+mn-cs"/>
+              </a:defRPr>
+            </a:lvl7pPr>
+            <a:lvl8pPr marL="3200320" algn="l" defTabSz="914377" rtl="0" eaLnBrk="1" latinLnBrk="0" hangingPunct="1">
+              <a:defRPr sz="1800" kern="1200">
+                <a:solidFill>
+                  <a:schemeClr val="lt1"/>
+                </a:solidFill>
+                <a:latin typeface="+mn-lt"/>
+                <a:ea typeface="+mn-ea"/>
+                <a:cs typeface="+mn-cs"/>
+              </a:defRPr>
+            </a:lvl8pPr>
+            <a:lvl9pPr marL="3657509" algn="l" defTabSz="914377" rtl="0" eaLnBrk="1" latinLnBrk="0" hangingPunct="1">
+              <a:defRPr sz="1800" kern="1200">
+                <a:solidFill>
+                  <a:schemeClr val="lt1"/>
+                </a:solidFill>
+                <a:latin typeface="+mn-lt"/>
+                <a:ea typeface="+mn-ea"/>
+                <a:cs typeface="+mn-cs"/>
+              </a:defRPr>
+            </a:lvl9pPr>
+          </a:lstStyle>
+          <a:p>
+            <a:pPr algn="ctr"/>
+            <a:r>
+              <a:rPr lang="en-US" sz="1200" dirty="0" err="1">
+                <a:solidFill>
+                  <a:schemeClr val="bg1"/>
+                </a:solidFill>
+              </a:rPr>
+              <a:t>UIImageDrawing</a:t>
+            </a:r>
+            <a:endParaRPr lang="en-US" sz="1200" dirty="0">
+              <a:solidFill>
+                <a:schemeClr val="bg1"/>
+              </a:solidFill>
+            </a:endParaRPr>
+          </a:p>
+        </p:txBody>
+      </p:sp>
     </p:spTree>
     <p:extLst>
       <p:ext uri="{BB962C8B-B14F-4D97-AF65-F5344CB8AC3E}">

--- a/VEEPortingGuide/images/uiLL.pptx
+++ b/VEEPortingGuide/images/uiLL.pptx
@@ -202,7 +202,7 @@
           <a:p>
             <a:fld id="{F47202D6-4449-4ABC-9430-570B72DCED4F}" type="datetimeFigureOut">
               <a:rPr lang="en-US" smtClean="0"/>
-              <a:t>4/25/23</a:t>
+              <a:t>23/05/09</a:t>
             </a:fld>
             <a:endParaRPr lang="en-US"/>
           </a:p>
@@ -702,7 +702,7 @@
           <a:p>
             <a:fld id="{4E285625-C24A-4341-90BC-6CD71F835625}" type="datetimeFigureOut">
               <a:rPr lang="en-GB" smtClean="0"/>
-              <a:t>25/04/2023</a:t>
+              <a:t>09/05/2023</a:t>
             </a:fld>
             <a:endParaRPr lang="en-GB"/>
           </a:p>
@@ -902,7 +902,7 @@
           <a:p>
             <a:fld id="{4E285625-C24A-4341-90BC-6CD71F835625}" type="datetimeFigureOut">
               <a:rPr lang="en-GB" smtClean="0"/>
-              <a:t>25/04/2023</a:t>
+              <a:t>09/05/2023</a:t>
             </a:fld>
             <a:endParaRPr lang="en-GB"/>
           </a:p>
@@ -1112,7 +1112,7 @@
           <a:p>
             <a:fld id="{4E285625-C24A-4341-90BC-6CD71F835625}" type="datetimeFigureOut">
               <a:rPr lang="en-GB" smtClean="0"/>
-              <a:t>25/04/2023</a:t>
+              <a:t>09/05/2023</a:t>
             </a:fld>
             <a:endParaRPr lang="en-GB"/>
           </a:p>
@@ -1312,7 +1312,7 @@
           <a:p>
             <a:fld id="{4E285625-C24A-4341-90BC-6CD71F835625}" type="datetimeFigureOut">
               <a:rPr lang="en-GB" smtClean="0"/>
-              <a:t>25/04/2023</a:t>
+              <a:t>09/05/2023</a:t>
             </a:fld>
             <a:endParaRPr lang="en-GB"/>
           </a:p>
@@ -1588,7 +1588,7 @@
           <a:p>
             <a:fld id="{4E285625-C24A-4341-90BC-6CD71F835625}" type="datetimeFigureOut">
               <a:rPr lang="en-GB" smtClean="0"/>
-              <a:t>25/04/2023</a:t>
+              <a:t>09/05/2023</a:t>
             </a:fld>
             <a:endParaRPr lang="en-GB"/>
           </a:p>
@@ -1856,7 +1856,7 @@
           <a:p>
             <a:fld id="{4E285625-C24A-4341-90BC-6CD71F835625}" type="datetimeFigureOut">
               <a:rPr lang="en-GB" smtClean="0"/>
-              <a:t>25/04/2023</a:t>
+              <a:t>09/05/2023</a:t>
             </a:fld>
             <a:endParaRPr lang="en-GB"/>
           </a:p>
@@ -2271,7 +2271,7 @@
           <a:p>
             <a:fld id="{4E285625-C24A-4341-90BC-6CD71F835625}" type="datetimeFigureOut">
               <a:rPr lang="en-GB" smtClean="0"/>
-              <a:t>25/04/2023</a:t>
+              <a:t>09/05/2023</a:t>
             </a:fld>
             <a:endParaRPr lang="en-GB"/>
           </a:p>
@@ -2413,7 +2413,7 @@
           <a:p>
             <a:fld id="{4E285625-C24A-4341-90BC-6CD71F835625}" type="datetimeFigureOut">
               <a:rPr lang="en-GB" smtClean="0"/>
-              <a:t>25/04/2023</a:t>
+              <a:t>09/05/2023</a:t>
             </a:fld>
             <a:endParaRPr lang="en-GB"/>
           </a:p>
@@ -2526,7 +2526,7 @@
           <a:p>
             <a:fld id="{4E285625-C24A-4341-90BC-6CD71F835625}" type="datetimeFigureOut">
               <a:rPr lang="en-GB" smtClean="0"/>
-              <a:t>25/04/2023</a:t>
+              <a:t>09/05/2023</a:t>
             </a:fld>
             <a:endParaRPr lang="en-GB"/>
           </a:p>
@@ -2839,7 +2839,7 @@
           <a:p>
             <a:fld id="{4E285625-C24A-4341-90BC-6CD71F835625}" type="datetimeFigureOut">
               <a:rPr lang="en-GB" smtClean="0"/>
-              <a:t>25/04/2023</a:t>
+              <a:t>09/05/2023</a:t>
             </a:fld>
             <a:endParaRPr lang="en-GB"/>
           </a:p>
@@ -3128,7 +3128,7 @@
           <a:p>
             <a:fld id="{4E285625-C24A-4341-90BC-6CD71F835625}" type="datetimeFigureOut">
               <a:rPr lang="en-GB" smtClean="0"/>
-              <a:t>25/04/2023</a:t>
+              <a:t>09/05/2023</a:t>
             </a:fld>
             <a:endParaRPr lang="en-GB"/>
           </a:p>
@@ -3371,7 +3371,7 @@
           <a:p>
             <a:fld id="{4E285625-C24A-4341-90BC-6CD71F835625}" type="datetimeFigureOut">
               <a:rPr lang="en-GB" smtClean="0"/>
-              <a:t>25/04/2023</a:t>
+              <a:t>09/05/2023</a:t>
             </a:fld>
             <a:endParaRPr lang="en-GB"/>
           </a:p>
@@ -3802,8 +3802,8 @@
         </p:nvSpPr>
         <p:spPr>
           <a:xfrm>
-            <a:off x="6194720" y="3896742"/>
-            <a:ext cx="5802369" cy="524072"/>
+            <a:off x="332218" y="3941146"/>
+            <a:ext cx="5433083" cy="955073"/>
           </a:xfrm>
           <a:prstGeom prst="roundRect">
             <a:avLst>
@@ -3864,12 +3864,12 @@
         </p:nvSpPr>
         <p:spPr>
           <a:xfrm>
-            <a:off x="295233" y="3896742"/>
-            <a:ext cx="3859729" cy="524072"/>
+            <a:off x="8229600" y="3941147"/>
+            <a:ext cx="3811007" cy="1286635"/>
           </a:xfrm>
           <a:prstGeom prst="roundRect">
             <a:avLst>
-              <a:gd name="adj" fmla="val 5059"/>
+              <a:gd name="adj" fmla="val 8146"/>
             </a:avLst>
           </a:prstGeom>
           <a:solidFill>
@@ -3988,7 +3988,7 @@
         </p:nvSpPr>
         <p:spPr>
           <a:xfrm>
-            <a:off x="479375" y="1803599"/>
+            <a:off x="4001867" y="1820333"/>
             <a:ext cx="1645920" cy="288000"/>
           </a:xfrm>
           <a:prstGeom prst="roundRect">
@@ -4043,7 +4043,7 @@
         </p:nvSpPr>
         <p:spPr>
           <a:xfrm>
-            <a:off x="479375" y="2594743"/>
+            <a:off x="4001867" y="2611477"/>
             <a:ext cx="1645920" cy="288000"/>
           </a:xfrm>
           <a:prstGeom prst="roundRect">
@@ -4356,7 +4356,7 @@
         </p:nvSpPr>
         <p:spPr>
           <a:xfrm>
-            <a:off x="4956065" y="1803599"/>
+            <a:off x="8478557" y="1820333"/>
             <a:ext cx="1645920" cy="288000"/>
           </a:xfrm>
           <a:prstGeom prst="roundRect">
@@ -4514,7 +4514,7 @@
         </p:nvSpPr>
         <p:spPr>
           <a:xfrm>
-            <a:off x="4956065" y="2206514"/>
+            <a:off x="8478557" y="4432159"/>
             <a:ext cx="1645920" cy="288000"/>
           </a:xfrm>
           <a:prstGeom prst="roundRect">
@@ -4672,7 +4672,7 @@
         </p:nvSpPr>
         <p:spPr>
           <a:xfrm>
-            <a:off x="2242809" y="2209635"/>
+            <a:off x="5765301" y="2226369"/>
             <a:ext cx="1280160" cy="288000"/>
           </a:xfrm>
           <a:prstGeom prst="roundRect">
@@ -4830,7 +4830,7 @@
         </p:nvSpPr>
         <p:spPr>
           <a:xfrm>
-            <a:off x="335184" y="3622936"/>
+            <a:off x="8229600" y="3664148"/>
             <a:ext cx="2767809" cy="276999"/>
           </a:xfrm>
           <a:prstGeom prst="rect">
@@ -4870,7 +4870,7 @@
         </p:nvSpPr>
         <p:spPr>
           <a:xfrm>
-            <a:off x="493024" y="4029741"/>
+            <a:off x="8478557" y="4074147"/>
             <a:ext cx="1645920" cy="288000"/>
           </a:xfrm>
           <a:prstGeom prst="roundRect">
@@ -5028,7 +5028,7 @@
         </p:nvSpPr>
         <p:spPr>
           <a:xfrm>
-            <a:off x="479375" y="2202865"/>
+            <a:off x="4001867" y="2219599"/>
             <a:ext cx="1645920" cy="288000"/>
           </a:xfrm>
           <a:prstGeom prst="roundRect">
@@ -5186,7 +5186,7 @@
         </p:nvSpPr>
         <p:spPr>
           <a:xfrm>
-            <a:off x="6719499" y="2591937"/>
+            <a:off x="2242810" y="2625826"/>
             <a:ext cx="1645920" cy="288000"/>
           </a:xfrm>
           <a:prstGeom prst="roundRect">
@@ -5344,7 +5344,7 @@
         </p:nvSpPr>
         <p:spPr>
           <a:xfrm>
-            <a:off x="6719499" y="2209635"/>
+            <a:off x="2242810" y="2243524"/>
             <a:ext cx="1645920" cy="288000"/>
           </a:xfrm>
           <a:prstGeom prst="roundRect">
@@ -5502,7 +5502,7 @@
         </p:nvSpPr>
         <p:spPr>
           <a:xfrm>
-            <a:off x="8482934" y="1803599"/>
+            <a:off x="479375" y="2625826"/>
             <a:ext cx="1645920" cy="288000"/>
           </a:xfrm>
           <a:prstGeom prst="roundRect">
@@ -5660,7 +5660,7 @@
         </p:nvSpPr>
         <p:spPr>
           <a:xfrm>
-            <a:off x="2255349" y="4034141"/>
+            <a:off x="10213862" y="4078547"/>
             <a:ext cx="1645920" cy="288000"/>
           </a:xfrm>
           <a:prstGeom prst="roundRect">
@@ -6131,7 +6131,7 @@
         </p:nvSpPr>
         <p:spPr>
           <a:xfrm>
-            <a:off x="6719499" y="1803599"/>
+            <a:off x="2242810" y="1837488"/>
             <a:ext cx="1645920" cy="288000"/>
           </a:xfrm>
           <a:prstGeom prst="roundRect">
@@ -6186,7 +6186,7 @@
         </p:nvSpPr>
         <p:spPr>
           <a:xfrm>
-            <a:off x="6194720" y="3643477"/>
+            <a:off x="332218" y="3628961"/>
             <a:ext cx="413896" cy="276999"/>
           </a:xfrm>
           <a:prstGeom prst="rect">
@@ -6221,7 +6221,7 @@
         </p:nvSpPr>
         <p:spPr>
           <a:xfrm>
-            <a:off x="6311125" y="4014778"/>
+            <a:off x="2242810" y="4074147"/>
             <a:ext cx="1645920" cy="288000"/>
           </a:xfrm>
           <a:prstGeom prst="roundRect">
@@ -6379,7 +6379,7 @@
         </p:nvSpPr>
         <p:spPr>
           <a:xfrm>
-            <a:off x="8210612" y="4014778"/>
+            <a:off x="4001867" y="4074147"/>
             <a:ext cx="1645920" cy="288000"/>
           </a:xfrm>
           <a:prstGeom prst="roundRect">
@@ -6537,7 +6537,7 @@
         </p:nvSpPr>
         <p:spPr>
           <a:xfrm>
-            <a:off x="10098289" y="4014778"/>
+            <a:off x="479375" y="4074147"/>
             <a:ext cx="1645920" cy="288000"/>
           </a:xfrm>
           <a:prstGeom prst="roundRect">
@@ -6695,7 +6695,7 @@
         </p:nvSpPr>
         <p:spPr>
           <a:xfrm>
-            <a:off x="10213862" y="2203332"/>
+            <a:off x="10213862" y="4432159"/>
             <a:ext cx="1645920" cy="288000"/>
           </a:xfrm>
           <a:prstGeom prst="roundRect">
@@ -6829,7 +6829,7 @@
                   <a:schemeClr val="bg1"/>
                 </a:solidFill>
               </a:rPr>
-              <a:t>dw_drawing.h</a:t>
+              <a:t>ui_image_drawing.h</a:t>
             </a:r>
             <a:endParaRPr lang="en-US" sz="1200" dirty="0">
               <a:solidFill>
@@ -6853,7 +6853,7 @@
         </p:nvSpPr>
         <p:spPr>
           <a:xfrm>
-            <a:off x="3562843" y="2209635"/>
+            <a:off x="7085335" y="2226369"/>
             <a:ext cx="1280160" cy="288000"/>
           </a:xfrm>
           <a:prstGeom prst="roundRect">
@@ -7011,7 +7011,7 @@
         </p:nvSpPr>
         <p:spPr>
           <a:xfrm>
-            <a:off x="2225098" y="1803599"/>
+            <a:off x="5747590" y="1820333"/>
             <a:ext cx="2595742" cy="288000"/>
           </a:xfrm>
           <a:prstGeom prst="roundRect">
@@ -7066,7 +7066,7 @@
         </p:nvGrpSpPr>
         <p:grpSpPr>
           <a:xfrm>
-            <a:off x="335184" y="4622715"/>
+            <a:off x="315544" y="5161319"/>
             <a:ext cx="1809751" cy="276999"/>
             <a:chOff x="1181100" y="4410075"/>
             <a:chExt cx="1809751" cy="276999"/>
@@ -7173,7 +7173,7 @@
         </p:nvGrpSpPr>
         <p:grpSpPr>
           <a:xfrm>
-            <a:off x="335184" y="4899714"/>
+            <a:off x="315544" y="5438318"/>
             <a:ext cx="1809751" cy="276999"/>
             <a:chOff x="1181100" y="4410075"/>
             <a:chExt cx="1809751" cy="276999"/>
@@ -7278,7 +7278,7 @@
         </p:nvGrpSpPr>
         <p:grpSpPr>
           <a:xfrm>
-            <a:off x="335184" y="5180701"/>
+            <a:off x="315544" y="5719305"/>
             <a:ext cx="1809751" cy="276999"/>
             <a:chOff x="1181100" y="4410075"/>
             <a:chExt cx="1809751" cy="276999"/>
@@ -7383,7 +7383,7 @@
         </p:nvSpPr>
         <p:spPr>
           <a:xfrm>
-            <a:off x="6719499" y="2991158"/>
+            <a:off x="2242810" y="3025047"/>
             <a:ext cx="1645920" cy="288000"/>
           </a:xfrm>
           <a:prstGeom prst="roundRect">
@@ -7518,6 +7518,480 @@
                 </a:solidFill>
               </a:rPr>
               <a:t>microui_constants.h</a:t>
+            </a:r>
+            <a:endParaRPr lang="en-US" sz="1200" dirty="0">
+              <a:solidFill>
+                <a:schemeClr val="bg1"/>
+              </a:solidFill>
+            </a:endParaRPr>
+          </a:p>
+        </p:txBody>
+      </p:sp>
+      <p:sp>
+        <p:nvSpPr>
+          <p:cNvPr id="3" name="Rounded Rectangle 47">
+            <a:extLst>
+              <a:ext uri="{FF2B5EF4-FFF2-40B4-BE49-F238E27FC236}">
+                <a16:creationId xmlns:a16="http://schemas.microsoft.com/office/drawing/2014/main" id="{AEFAECC8-9936-461D-00CD-90FA60D49176}"/>
+              </a:ext>
+            </a:extLst>
+          </p:cNvPr>
+          <p:cNvSpPr/>
+          <p:nvPr/>
+        </p:nvSpPr>
+        <p:spPr>
+          <a:xfrm>
+            <a:off x="4001867" y="4432159"/>
+            <a:ext cx="1645920" cy="288000"/>
+          </a:xfrm>
+          <a:prstGeom prst="roundRect">
+            <a:avLst/>
+          </a:prstGeom>
+          <a:solidFill>
+            <a:srgbClr val="00AEC7"/>
+          </a:solidFill>
+          <a:ln>
+            <a:noFill/>
+          </a:ln>
+        </p:spPr>
+        <p:style>
+          <a:lnRef idx="2">
+            <a:schemeClr val="accent1">
+              <a:shade val="50000"/>
+            </a:schemeClr>
+          </a:lnRef>
+          <a:fillRef idx="1">
+            <a:schemeClr val="accent1"/>
+          </a:fillRef>
+          <a:effectRef idx="0">
+            <a:schemeClr val="accent1"/>
+          </a:effectRef>
+          <a:fontRef idx="minor">
+            <a:schemeClr val="lt1"/>
+          </a:fontRef>
+        </p:style>
+        <p:txBody>
+          <a:bodyPr rtlCol="0" anchor="ctr"/>
+          <a:lstStyle>
+            <a:defPPr>
+              <a:defRPr lang="en-US"/>
+            </a:defPPr>
+            <a:lvl1pPr marL="0" algn="l" defTabSz="914377" rtl="0" eaLnBrk="1" latinLnBrk="0" hangingPunct="1">
+              <a:defRPr sz="1800" kern="1200">
+                <a:solidFill>
+                  <a:schemeClr val="lt1"/>
+                </a:solidFill>
+                <a:latin typeface="+mn-lt"/>
+                <a:ea typeface="+mn-ea"/>
+                <a:cs typeface="+mn-cs"/>
+              </a:defRPr>
+            </a:lvl1pPr>
+            <a:lvl2pPr marL="457189" algn="l" defTabSz="914377" rtl="0" eaLnBrk="1" latinLnBrk="0" hangingPunct="1">
+              <a:defRPr sz="1800" kern="1200">
+                <a:solidFill>
+                  <a:schemeClr val="lt1"/>
+                </a:solidFill>
+                <a:latin typeface="+mn-lt"/>
+                <a:ea typeface="+mn-ea"/>
+                <a:cs typeface="+mn-cs"/>
+              </a:defRPr>
+            </a:lvl2pPr>
+            <a:lvl3pPr marL="914377" algn="l" defTabSz="914377" rtl="0" eaLnBrk="1" latinLnBrk="0" hangingPunct="1">
+              <a:defRPr sz="1800" kern="1200">
+                <a:solidFill>
+                  <a:schemeClr val="lt1"/>
+                </a:solidFill>
+                <a:latin typeface="+mn-lt"/>
+                <a:ea typeface="+mn-ea"/>
+                <a:cs typeface="+mn-cs"/>
+              </a:defRPr>
+            </a:lvl3pPr>
+            <a:lvl4pPr marL="1371566" algn="l" defTabSz="914377" rtl="0" eaLnBrk="1" latinLnBrk="0" hangingPunct="1">
+              <a:defRPr sz="1800" kern="1200">
+                <a:solidFill>
+                  <a:schemeClr val="lt1"/>
+                </a:solidFill>
+                <a:latin typeface="+mn-lt"/>
+                <a:ea typeface="+mn-ea"/>
+                <a:cs typeface="+mn-cs"/>
+              </a:defRPr>
+            </a:lvl4pPr>
+            <a:lvl5pPr marL="1828754" algn="l" defTabSz="914377" rtl="0" eaLnBrk="1" latinLnBrk="0" hangingPunct="1">
+              <a:defRPr sz="1800" kern="1200">
+                <a:solidFill>
+                  <a:schemeClr val="lt1"/>
+                </a:solidFill>
+                <a:latin typeface="+mn-lt"/>
+                <a:ea typeface="+mn-ea"/>
+                <a:cs typeface="+mn-cs"/>
+              </a:defRPr>
+            </a:lvl5pPr>
+            <a:lvl6pPr marL="2285943" algn="l" defTabSz="914377" rtl="0" eaLnBrk="1" latinLnBrk="0" hangingPunct="1">
+              <a:defRPr sz="1800" kern="1200">
+                <a:solidFill>
+                  <a:schemeClr val="lt1"/>
+                </a:solidFill>
+                <a:latin typeface="+mn-lt"/>
+                <a:ea typeface="+mn-ea"/>
+                <a:cs typeface="+mn-cs"/>
+              </a:defRPr>
+            </a:lvl6pPr>
+            <a:lvl7pPr marL="2743131" algn="l" defTabSz="914377" rtl="0" eaLnBrk="1" latinLnBrk="0" hangingPunct="1">
+              <a:defRPr sz="1800" kern="1200">
+                <a:solidFill>
+                  <a:schemeClr val="lt1"/>
+                </a:solidFill>
+                <a:latin typeface="+mn-lt"/>
+                <a:ea typeface="+mn-ea"/>
+                <a:cs typeface="+mn-cs"/>
+              </a:defRPr>
+            </a:lvl7pPr>
+            <a:lvl8pPr marL="3200320" algn="l" defTabSz="914377" rtl="0" eaLnBrk="1" latinLnBrk="0" hangingPunct="1">
+              <a:defRPr sz="1800" kern="1200">
+                <a:solidFill>
+                  <a:schemeClr val="lt1"/>
+                </a:solidFill>
+                <a:latin typeface="+mn-lt"/>
+                <a:ea typeface="+mn-ea"/>
+                <a:cs typeface="+mn-cs"/>
+              </a:defRPr>
+            </a:lvl8pPr>
+            <a:lvl9pPr marL="3657509" algn="l" defTabSz="914377" rtl="0" eaLnBrk="1" latinLnBrk="0" hangingPunct="1">
+              <a:defRPr sz="1800" kern="1200">
+                <a:solidFill>
+                  <a:schemeClr val="lt1"/>
+                </a:solidFill>
+                <a:latin typeface="+mn-lt"/>
+                <a:ea typeface="+mn-ea"/>
+                <a:cs typeface="+mn-cs"/>
+              </a:defRPr>
+            </a:lvl9pPr>
+          </a:lstStyle>
+          <a:p>
+            <a:pPr algn="ctr"/>
+            <a:r>
+              <a:rPr lang="en-US" sz="1200" dirty="0" err="1">
+                <a:solidFill>
+                  <a:schemeClr val="bg1"/>
+                </a:solidFill>
+              </a:rPr>
+              <a:t>ui_drawing_gpu.c</a:t>
+            </a:r>
+            <a:endParaRPr lang="en-US" sz="1200" dirty="0">
+              <a:solidFill>
+                <a:schemeClr val="bg1"/>
+              </a:solidFill>
+            </a:endParaRPr>
+          </a:p>
+        </p:txBody>
+      </p:sp>
+      <p:sp>
+        <p:nvSpPr>
+          <p:cNvPr id="4" name="Rounded Rectangle 19">
+            <a:extLst>
+              <a:ext uri="{FF2B5EF4-FFF2-40B4-BE49-F238E27FC236}">
+                <a16:creationId xmlns:a16="http://schemas.microsoft.com/office/drawing/2014/main" id="{72651173-7860-DE52-23BF-67E19D1CF4E2}"/>
+              </a:ext>
+            </a:extLst>
+          </p:cNvPr>
+          <p:cNvSpPr/>
+          <p:nvPr/>
+        </p:nvSpPr>
+        <p:spPr>
+          <a:xfrm>
+            <a:off x="8478557" y="4796342"/>
+            <a:ext cx="1645920" cy="288000"/>
+          </a:xfrm>
+          <a:prstGeom prst="roundRect">
+            <a:avLst/>
+          </a:prstGeom>
+          <a:solidFill>
+            <a:srgbClr val="00AEC7"/>
+          </a:solidFill>
+          <a:ln>
+            <a:noFill/>
+          </a:ln>
+        </p:spPr>
+        <p:style>
+          <a:lnRef idx="2">
+            <a:schemeClr val="accent1">
+              <a:shade val="50000"/>
+            </a:schemeClr>
+          </a:lnRef>
+          <a:fillRef idx="1">
+            <a:schemeClr val="accent1"/>
+          </a:fillRef>
+          <a:effectRef idx="0">
+            <a:schemeClr val="accent1"/>
+          </a:effectRef>
+          <a:fontRef idx="minor">
+            <a:schemeClr val="lt1"/>
+          </a:fontRef>
+        </p:style>
+        <p:txBody>
+          <a:bodyPr rtlCol="0" anchor="ctr"/>
+          <a:lstStyle>
+            <a:defPPr>
+              <a:defRPr lang="en-US"/>
+            </a:defPPr>
+            <a:lvl1pPr marL="0" algn="l" defTabSz="914377" rtl="0" eaLnBrk="1" latinLnBrk="0" hangingPunct="1">
+              <a:defRPr sz="1800" kern="1200">
+                <a:solidFill>
+                  <a:schemeClr val="lt1"/>
+                </a:solidFill>
+                <a:latin typeface="+mn-lt"/>
+                <a:ea typeface="+mn-ea"/>
+                <a:cs typeface="+mn-cs"/>
+              </a:defRPr>
+            </a:lvl1pPr>
+            <a:lvl2pPr marL="457189" algn="l" defTabSz="914377" rtl="0" eaLnBrk="1" latinLnBrk="0" hangingPunct="1">
+              <a:defRPr sz="1800" kern="1200">
+                <a:solidFill>
+                  <a:schemeClr val="lt1"/>
+                </a:solidFill>
+                <a:latin typeface="+mn-lt"/>
+                <a:ea typeface="+mn-ea"/>
+                <a:cs typeface="+mn-cs"/>
+              </a:defRPr>
+            </a:lvl2pPr>
+            <a:lvl3pPr marL="914377" algn="l" defTabSz="914377" rtl="0" eaLnBrk="1" latinLnBrk="0" hangingPunct="1">
+              <a:defRPr sz="1800" kern="1200">
+                <a:solidFill>
+                  <a:schemeClr val="lt1"/>
+                </a:solidFill>
+                <a:latin typeface="+mn-lt"/>
+                <a:ea typeface="+mn-ea"/>
+                <a:cs typeface="+mn-cs"/>
+              </a:defRPr>
+            </a:lvl3pPr>
+            <a:lvl4pPr marL="1371566" algn="l" defTabSz="914377" rtl="0" eaLnBrk="1" latinLnBrk="0" hangingPunct="1">
+              <a:defRPr sz="1800" kern="1200">
+                <a:solidFill>
+                  <a:schemeClr val="lt1"/>
+                </a:solidFill>
+                <a:latin typeface="+mn-lt"/>
+                <a:ea typeface="+mn-ea"/>
+                <a:cs typeface="+mn-cs"/>
+              </a:defRPr>
+            </a:lvl4pPr>
+            <a:lvl5pPr marL="1828754" algn="l" defTabSz="914377" rtl="0" eaLnBrk="1" latinLnBrk="0" hangingPunct="1">
+              <a:defRPr sz="1800" kern="1200">
+                <a:solidFill>
+                  <a:schemeClr val="lt1"/>
+                </a:solidFill>
+                <a:latin typeface="+mn-lt"/>
+                <a:ea typeface="+mn-ea"/>
+                <a:cs typeface="+mn-cs"/>
+              </a:defRPr>
+            </a:lvl5pPr>
+            <a:lvl6pPr marL="2285943" algn="l" defTabSz="914377" rtl="0" eaLnBrk="1" latinLnBrk="0" hangingPunct="1">
+              <a:defRPr sz="1800" kern="1200">
+                <a:solidFill>
+                  <a:schemeClr val="lt1"/>
+                </a:solidFill>
+                <a:latin typeface="+mn-lt"/>
+                <a:ea typeface="+mn-ea"/>
+                <a:cs typeface="+mn-cs"/>
+              </a:defRPr>
+            </a:lvl6pPr>
+            <a:lvl7pPr marL="2743131" algn="l" defTabSz="914377" rtl="0" eaLnBrk="1" latinLnBrk="0" hangingPunct="1">
+              <a:defRPr sz="1800" kern="1200">
+                <a:solidFill>
+                  <a:schemeClr val="lt1"/>
+                </a:solidFill>
+                <a:latin typeface="+mn-lt"/>
+                <a:ea typeface="+mn-ea"/>
+                <a:cs typeface="+mn-cs"/>
+              </a:defRPr>
+            </a:lvl7pPr>
+            <a:lvl8pPr marL="3200320" algn="l" defTabSz="914377" rtl="0" eaLnBrk="1" latinLnBrk="0" hangingPunct="1">
+              <a:defRPr sz="1800" kern="1200">
+                <a:solidFill>
+                  <a:schemeClr val="lt1"/>
+                </a:solidFill>
+                <a:latin typeface="+mn-lt"/>
+                <a:ea typeface="+mn-ea"/>
+                <a:cs typeface="+mn-cs"/>
+              </a:defRPr>
+            </a:lvl8pPr>
+            <a:lvl9pPr marL="3657509" algn="l" defTabSz="914377" rtl="0" eaLnBrk="1" latinLnBrk="0" hangingPunct="1">
+              <a:defRPr sz="1800" kern="1200">
+                <a:solidFill>
+                  <a:schemeClr val="lt1"/>
+                </a:solidFill>
+                <a:latin typeface="+mn-lt"/>
+                <a:ea typeface="+mn-ea"/>
+                <a:cs typeface="+mn-cs"/>
+              </a:defRPr>
+            </a:lvl9pPr>
+          </a:lstStyle>
+          <a:p>
+            <a:pPr algn="ctr"/>
+            <a:r>
+              <a:rPr lang="en-US" sz="1200" dirty="0" err="1">
+                <a:solidFill>
+                  <a:schemeClr val="bg1"/>
+                </a:solidFill>
+              </a:rPr>
+              <a:t>ui_drawing.c</a:t>
+            </a:r>
+            <a:endParaRPr lang="en-US" sz="1200" dirty="0">
+              <a:solidFill>
+                <a:schemeClr val="bg1"/>
+              </a:solidFill>
+            </a:endParaRPr>
+          </a:p>
+        </p:txBody>
+      </p:sp>
+      <p:sp>
+        <p:nvSpPr>
+          <p:cNvPr id="6" name="Rounded Rectangle 19">
+            <a:extLst>
+              <a:ext uri="{FF2B5EF4-FFF2-40B4-BE49-F238E27FC236}">
+                <a16:creationId xmlns:a16="http://schemas.microsoft.com/office/drawing/2014/main" id="{08329A8F-A755-23DB-76D4-7238B21C4233}"/>
+              </a:ext>
+            </a:extLst>
+          </p:cNvPr>
+          <p:cNvSpPr/>
+          <p:nvPr/>
+        </p:nvSpPr>
+        <p:spPr>
+          <a:xfrm>
+            <a:off x="10213862" y="4796342"/>
+            <a:ext cx="1645920" cy="288000"/>
+          </a:xfrm>
+          <a:prstGeom prst="roundRect">
+            <a:avLst/>
+          </a:prstGeom>
+          <a:solidFill>
+            <a:srgbClr val="00AEC7"/>
+          </a:solidFill>
+          <a:ln>
+            <a:noFill/>
+          </a:ln>
+        </p:spPr>
+        <p:style>
+          <a:lnRef idx="2">
+            <a:schemeClr val="accent1">
+              <a:shade val="50000"/>
+            </a:schemeClr>
+          </a:lnRef>
+          <a:fillRef idx="1">
+            <a:schemeClr val="accent1"/>
+          </a:fillRef>
+          <a:effectRef idx="0">
+            <a:schemeClr val="accent1"/>
+          </a:effectRef>
+          <a:fontRef idx="minor">
+            <a:schemeClr val="lt1"/>
+          </a:fontRef>
+        </p:style>
+        <p:txBody>
+          <a:bodyPr rtlCol="0" anchor="ctr"/>
+          <a:lstStyle>
+            <a:defPPr>
+              <a:defRPr lang="en-US"/>
+            </a:defPPr>
+            <a:lvl1pPr marL="0" algn="l" defTabSz="914377" rtl="0" eaLnBrk="1" latinLnBrk="0" hangingPunct="1">
+              <a:defRPr sz="1800" kern="1200">
+                <a:solidFill>
+                  <a:schemeClr val="lt1"/>
+                </a:solidFill>
+                <a:latin typeface="+mn-lt"/>
+                <a:ea typeface="+mn-ea"/>
+                <a:cs typeface="+mn-cs"/>
+              </a:defRPr>
+            </a:lvl1pPr>
+            <a:lvl2pPr marL="457189" algn="l" defTabSz="914377" rtl="0" eaLnBrk="1" latinLnBrk="0" hangingPunct="1">
+              <a:defRPr sz="1800" kern="1200">
+                <a:solidFill>
+                  <a:schemeClr val="lt1"/>
+                </a:solidFill>
+                <a:latin typeface="+mn-lt"/>
+                <a:ea typeface="+mn-ea"/>
+                <a:cs typeface="+mn-cs"/>
+              </a:defRPr>
+            </a:lvl2pPr>
+            <a:lvl3pPr marL="914377" algn="l" defTabSz="914377" rtl="0" eaLnBrk="1" latinLnBrk="0" hangingPunct="1">
+              <a:defRPr sz="1800" kern="1200">
+                <a:solidFill>
+                  <a:schemeClr val="lt1"/>
+                </a:solidFill>
+                <a:latin typeface="+mn-lt"/>
+                <a:ea typeface="+mn-ea"/>
+                <a:cs typeface="+mn-cs"/>
+              </a:defRPr>
+            </a:lvl3pPr>
+            <a:lvl4pPr marL="1371566" algn="l" defTabSz="914377" rtl="0" eaLnBrk="1" latinLnBrk="0" hangingPunct="1">
+              <a:defRPr sz="1800" kern="1200">
+                <a:solidFill>
+                  <a:schemeClr val="lt1"/>
+                </a:solidFill>
+                <a:latin typeface="+mn-lt"/>
+                <a:ea typeface="+mn-ea"/>
+                <a:cs typeface="+mn-cs"/>
+              </a:defRPr>
+            </a:lvl4pPr>
+            <a:lvl5pPr marL="1828754" algn="l" defTabSz="914377" rtl="0" eaLnBrk="1" latinLnBrk="0" hangingPunct="1">
+              <a:defRPr sz="1800" kern="1200">
+                <a:solidFill>
+                  <a:schemeClr val="lt1"/>
+                </a:solidFill>
+                <a:latin typeface="+mn-lt"/>
+                <a:ea typeface="+mn-ea"/>
+                <a:cs typeface="+mn-cs"/>
+              </a:defRPr>
+            </a:lvl5pPr>
+            <a:lvl6pPr marL="2285943" algn="l" defTabSz="914377" rtl="0" eaLnBrk="1" latinLnBrk="0" hangingPunct="1">
+              <a:defRPr sz="1800" kern="1200">
+                <a:solidFill>
+                  <a:schemeClr val="lt1"/>
+                </a:solidFill>
+                <a:latin typeface="+mn-lt"/>
+                <a:ea typeface="+mn-ea"/>
+                <a:cs typeface="+mn-cs"/>
+              </a:defRPr>
+            </a:lvl6pPr>
+            <a:lvl7pPr marL="2743131" algn="l" defTabSz="914377" rtl="0" eaLnBrk="1" latinLnBrk="0" hangingPunct="1">
+              <a:defRPr sz="1800" kern="1200">
+                <a:solidFill>
+                  <a:schemeClr val="lt1"/>
+                </a:solidFill>
+                <a:latin typeface="+mn-lt"/>
+                <a:ea typeface="+mn-ea"/>
+                <a:cs typeface="+mn-cs"/>
+              </a:defRPr>
+            </a:lvl7pPr>
+            <a:lvl8pPr marL="3200320" algn="l" defTabSz="914377" rtl="0" eaLnBrk="1" latinLnBrk="0" hangingPunct="1">
+              <a:defRPr sz="1800" kern="1200">
+                <a:solidFill>
+                  <a:schemeClr val="lt1"/>
+                </a:solidFill>
+                <a:latin typeface="+mn-lt"/>
+                <a:ea typeface="+mn-ea"/>
+                <a:cs typeface="+mn-cs"/>
+              </a:defRPr>
+            </a:lvl8pPr>
+            <a:lvl9pPr marL="3657509" algn="l" defTabSz="914377" rtl="0" eaLnBrk="1" latinLnBrk="0" hangingPunct="1">
+              <a:defRPr sz="1800" kern="1200">
+                <a:solidFill>
+                  <a:schemeClr val="lt1"/>
+                </a:solidFill>
+                <a:latin typeface="+mn-lt"/>
+                <a:ea typeface="+mn-ea"/>
+                <a:cs typeface="+mn-cs"/>
+              </a:defRPr>
+            </a:lvl9pPr>
+          </a:lstStyle>
+          <a:p>
+            <a:pPr algn="ctr"/>
+            <a:r>
+              <a:rPr lang="en-US" sz="1200" dirty="0" err="1">
+                <a:solidFill>
+                  <a:schemeClr val="bg1"/>
+                </a:solidFill>
+              </a:rPr>
+              <a:t>ui_image_drawing.c</a:t>
             </a:r>
             <a:endParaRPr lang="en-US" sz="1200" dirty="0">
               <a:solidFill>
@@ -7757,7 +8231,7 @@
         </p:nvSpPr>
         <p:spPr>
           <a:xfrm>
-            <a:off x="479375" y="1803599"/>
+            <a:off x="4001867" y="1807374"/>
             <a:ext cx="1645918" cy="288000"/>
           </a:xfrm>
           <a:prstGeom prst="roundRect">
@@ -7812,7 +8286,7 @@
         </p:nvSpPr>
         <p:spPr>
           <a:xfrm>
-            <a:off x="479375" y="2594743"/>
+            <a:off x="4001867" y="2598518"/>
             <a:ext cx="1645920" cy="288000"/>
           </a:xfrm>
           <a:prstGeom prst="roundRect">
@@ -8125,8 +8599,8 @@
         </p:nvSpPr>
         <p:spPr>
           <a:xfrm>
-            <a:off x="3917373" y="1803599"/>
-            <a:ext cx="2684612" cy="288000"/>
+            <a:off x="7524358" y="1807374"/>
+            <a:ext cx="2600119" cy="288000"/>
           </a:xfrm>
           <a:prstGeom prst="roundRect">
             <a:avLst/>
@@ -8283,8 +8757,8 @@
         </p:nvSpPr>
         <p:spPr>
           <a:xfrm>
-            <a:off x="3917373" y="2209635"/>
-            <a:ext cx="1163782" cy="288000"/>
+            <a:off x="7524358" y="2213410"/>
+            <a:ext cx="1645200" cy="288000"/>
           </a:xfrm>
           <a:prstGeom prst="roundRect">
             <a:avLst/>
@@ -8417,7 +8891,7 @@
                   <a:schemeClr val="bg1"/>
                 </a:solidFill>
               </a:rPr>
-              <a:t>UIDrawing</a:t>
+              <a:t>UIImageDrawing</a:t>
             </a:r>
             <a:endParaRPr lang="en-US" sz="1200" dirty="0">
               <a:solidFill>
@@ -8441,8 +8915,8 @@
         </p:nvSpPr>
         <p:spPr>
           <a:xfrm>
-            <a:off x="2242808" y="2209635"/>
-            <a:ext cx="1557049" cy="288000"/>
+            <a:off x="5765299" y="2213410"/>
+            <a:ext cx="1645200" cy="288000"/>
           </a:xfrm>
           <a:prstGeom prst="roundRect">
             <a:avLst/>
@@ -8788,7 +9262,7 @@
         </p:nvSpPr>
         <p:spPr>
           <a:xfrm>
-            <a:off x="479375" y="2202865"/>
+            <a:off x="4001867" y="2206640"/>
             <a:ext cx="1645920" cy="288000"/>
           </a:xfrm>
           <a:prstGeom prst="roundRect">
@@ -8946,7 +9420,7 @@
         </p:nvSpPr>
         <p:spPr>
           <a:xfrm>
-            <a:off x="6719499" y="2209635"/>
+            <a:off x="2242808" y="2206640"/>
             <a:ext cx="1645920" cy="288000"/>
           </a:xfrm>
           <a:prstGeom prst="roundRect">
@@ -9104,7 +9578,7 @@
         </p:nvSpPr>
         <p:spPr>
           <a:xfrm>
-            <a:off x="8482934" y="1803599"/>
+            <a:off x="479375" y="2598518"/>
             <a:ext cx="1645920" cy="288000"/>
           </a:xfrm>
           <a:prstGeom prst="roundRect">
@@ -9238,7 +9712,7 @@
                   <a:schemeClr val="bg1"/>
                 </a:solidFill>
               </a:rPr>
-              <a:t>LLUILed_impl.h</a:t>
+              <a:t>LLUILedImpl</a:t>
             </a:r>
             <a:endParaRPr lang="en-US" sz="1200" dirty="0">
               <a:solidFill>
@@ -9575,7 +10049,7 @@
         </p:nvSpPr>
         <p:spPr>
           <a:xfrm>
-            <a:off x="6719499" y="1803599"/>
+            <a:off x="2242808" y="1807374"/>
             <a:ext cx="1645920" cy="288000"/>
           </a:xfrm>
           <a:prstGeom prst="roundRect">
@@ -10140,8 +10614,8 @@
         </p:nvSpPr>
         <p:spPr>
           <a:xfrm>
-            <a:off x="2242808" y="1803599"/>
-            <a:ext cx="1557050" cy="288000"/>
+            <a:off x="5765300" y="1807374"/>
+            <a:ext cx="1645200" cy="288000"/>
           </a:xfrm>
           <a:prstGeom prst="roundRect">
             <a:avLst/>
@@ -10512,8 +10986,8 @@
         </p:nvSpPr>
         <p:spPr>
           <a:xfrm>
-            <a:off x="5198669" y="2209635"/>
-            <a:ext cx="1403316" cy="288000"/>
+            <a:off x="9263319" y="2213410"/>
+            <a:ext cx="2599200" cy="288000"/>
           </a:xfrm>
           <a:prstGeom prst="roundRect">
             <a:avLst/>
@@ -10646,7 +11120,165 @@
                   <a:schemeClr val="bg1"/>
                 </a:solidFill>
               </a:rPr>
-              <a:t>UIImageDrawing</a:t>
+              <a:t>UIDrawing</a:t>
+            </a:r>
+            <a:endParaRPr lang="en-US" sz="1200" dirty="0">
+              <a:solidFill>
+                <a:schemeClr val="bg1"/>
+              </a:solidFill>
+            </a:endParaRPr>
+          </a:p>
+        </p:txBody>
+      </p:sp>
+      <p:sp>
+        <p:nvSpPr>
+          <p:cNvPr id="3" name="Rounded Rectangle 17">
+            <a:extLst>
+              <a:ext uri="{FF2B5EF4-FFF2-40B4-BE49-F238E27FC236}">
+                <a16:creationId xmlns:a16="http://schemas.microsoft.com/office/drawing/2014/main" id="{6C30FFF4-918B-C15B-B2B6-E333E1BC5C34}"/>
+              </a:ext>
+            </a:extLst>
+          </p:cNvPr>
+          <p:cNvSpPr/>
+          <p:nvPr/>
+        </p:nvSpPr>
+        <p:spPr>
+          <a:xfrm>
+            <a:off x="7524357" y="2598518"/>
+            <a:ext cx="2600120" cy="288000"/>
+          </a:xfrm>
+          <a:prstGeom prst="roundRect">
+            <a:avLst/>
+          </a:prstGeom>
+          <a:solidFill>
+            <a:srgbClr val="00AEC7"/>
+          </a:solidFill>
+          <a:ln>
+            <a:noFill/>
+          </a:ln>
+        </p:spPr>
+        <p:style>
+          <a:lnRef idx="2">
+            <a:schemeClr val="accent1">
+              <a:shade val="50000"/>
+            </a:schemeClr>
+          </a:lnRef>
+          <a:fillRef idx="1">
+            <a:schemeClr val="accent1"/>
+          </a:fillRef>
+          <a:effectRef idx="0">
+            <a:schemeClr val="accent1"/>
+          </a:effectRef>
+          <a:fontRef idx="minor">
+            <a:schemeClr val="lt1"/>
+          </a:fontRef>
+        </p:style>
+        <p:txBody>
+          <a:bodyPr rtlCol="0" anchor="ctr"/>
+          <a:lstStyle>
+            <a:defPPr>
+              <a:defRPr lang="en-US"/>
+            </a:defPPr>
+            <a:lvl1pPr marL="0" algn="l" defTabSz="914377" rtl="0" eaLnBrk="1" latinLnBrk="0" hangingPunct="1">
+              <a:defRPr sz="1800" kern="1200">
+                <a:solidFill>
+                  <a:schemeClr val="lt1"/>
+                </a:solidFill>
+                <a:latin typeface="+mn-lt"/>
+                <a:ea typeface="+mn-ea"/>
+                <a:cs typeface="+mn-cs"/>
+              </a:defRPr>
+            </a:lvl1pPr>
+            <a:lvl2pPr marL="457189" algn="l" defTabSz="914377" rtl="0" eaLnBrk="1" latinLnBrk="0" hangingPunct="1">
+              <a:defRPr sz="1800" kern="1200">
+                <a:solidFill>
+                  <a:schemeClr val="lt1"/>
+                </a:solidFill>
+                <a:latin typeface="+mn-lt"/>
+                <a:ea typeface="+mn-ea"/>
+                <a:cs typeface="+mn-cs"/>
+              </a:defRPr>
+            </a:lvl2pPr>
+            <a:lvl3pPr marL="914377" algn="l" defTabSz="914377" rtl="0" eaLnBrk="1" latinLnBrk="0" hangingPunct="1">
+              <a:defRPr sz="1800" kern="1200">
+                <a:solidFill>
+                  <a:schemeClr val="lt1"/>
+                </a:solidFill>
+                <a:latin typeface="+mn-lt"/>
+                <a:ea typeface="+mn-ea"/>
+                <a:cs typeface="+mn-cs"/>
+              </a:defRPr>
+            </a:lvl3pPr>
+            <a:lvl4pPr marL="1371566" algn="l" defTabSz="914377" rtl="0" eaLnBrk="1" latinLnBrk="0" hangingPunct="1">
+              <a:defRPr sz="1800" kern="1200">
+                <a:solidFill>
+                  <a:schemeClr val="lt1"/>
+                </a:solidFill>
+                <a:latin typeface="+mn-lt"/>
+                <a:ea typeface="+mn-ea"/>
+                <a:cs typeface="+mn-cs"/>
+              </a:defRPr>
+            </a:lvl4pPr>
+            <a:lvl5pPr marL="1828754" algn="l" defTabSz="914377" rtl="0" eaLnBrk="1" latinLnBrk="0" hangingPunct="1">
+              <a:defRPr sz="1800" kern="1200">
+                <a:solidFill>
+                  <a:schemeClr val="lt1"/>
+                </a:solidFill>
+                <a:latin typeface="+mn-lt"/>
+                <a:ea typeface="+mn-ea"/>
+                <a:cs typeface="+mn-cs"/>
+              </a:defRPr>
+            </a:lvl5pPr>
+            <a:lvl6pPr marL="2285943" algn="l" defTabSz="914377" rtl="0" eaLnBrk="1" latinLnBrk="0" hangingPunct="1">
+              <a:defRPr sz="1800" kern="1200">
+                <a:solidFill>
+                  <a:schemeClr val="lt1"/>
+                </a:solidFill>
+                <a:latin typeface="+mn-lt"/>
+                <a:ea typeface="+mn-ea"/>
+                <a:cs typeface="+mn-cs"/>
+              </a:defRPr>
+            </a:lvl6pPr>
+            <a:lvl7pPr marL="2743131" algn="l" defTabSz="914377" rtl="0" eaLnBrk="1" latinLnBrk="0" hangingPunct="1">
+              <a:defRPr sz="1800" kern="1200">
+                <a:solidFill>
+                  <a:schemeClr val="lt1"/>
+                </a:solidFill>
+                <a:latin typeface="+mn-lt"/>
+                <a:ea typeface="+mn-ea"/>
+                <a:cs typeface="+mn-cs"/>
+              </a:defRPr>
+            </a:lvl7pPr>
+            <a:lvl8pPr marL="3200320" algn="l" defTabSz="914377" rtl="0" eaLnBrk="1" latinLnBrk="0" hangingPunct="1">
+              <a:defRPr sz="1800" kern="1200">
+                <a:solidFill>
+                  <a:schemeClr val="lt1"/>
+                </a:solidFill>
+                <a:latin typeface="+mn-lt"/>
+                <a:ea typeface="+mn-ea"/>
+                <a:cs typeface="+mn-cs"/>
+              </a:defRPr>
+            </a:lvl8pPr>
+            <a:lvl9pPr marL="3657509" algn="l" defTabSz="914377" rtl="0" eaLnBrk="1" latinLnBrk="0" hangingPunct="1">
+              <a:defRPr sz="1800" kern="1200">
+                <a:solidFill>
+                  <a:schemeClr val="lt1"/>
+                </a:solidFill>
+                <a:latin typeface="+mn-lt"/>
+                <a:ea typeface="+mn-ea"/>
+                <a:cs typeface="+mn-cs"/>
+              </a:defRPr>
+            </a:lvl9pPr>
+          </a:lstStyle>
+          <a:p>
+            <a:pPr algn="ctr"/>
+            <a:r>
+              <a:rPr lang="en-US" sz="1200" dirty="0" err="1">
+                <a:solidFill>
+                  <a:schemeClr val="bg1"/>
+                </a:solidFill>
+              </a:rPr>
+              <a:t>BufferedImageProvider</a:t>
             </a:r>
             <a:endParaRPr lang="en-US" sz="1200" dirty="0">
               <a:solidFill>

--- a/VEEPortingGuide/images/uiLL.pptx
+++ b/VEEPortingGuide/images/uiLL.pptx
@@ -5,7 +5,7 @@
     <p:sldMasterId id="2147483648" r:id="rId1"/>
   </p:sldMasterIdLst>
   <p:notesMasterIdLst>
-    <p:notesMasterId r:id="rId8"/>
+    <p:notesMasterId r:id="rId9"/>
   </p:notesMasterIdLst>
   <p:sldIdLst>
     <p:sldId id="257" r:id="rId2"/>
@@ -14,6 +14,7 @@
     <p:sldId id="260" r:id="rId5"/>
     <p:sldId id="261" r:id="rId6"/>
     <p:sldId id="262" r:id="rId7"/>
+    <p:sldId id="272" r:id="rId8"/>
   </p:sldIdLst>
   <p:sldSz cx="12192000" cy="6858000"/>
   <p:notesSz cx="6858000" cy="9144000"/>
@@ -202,7 +203,7 @@
           <a:p>
             <a:fld id="{F47202D6-4449-4ABC-9430-570B72DCED4F}" type="datetimeFigureOut">
               <a:rPr lang="en-US" smtClean="0"/>
-              <a:t>23/05/09</a:t>
+              <a:t>23/06/02</a:t>
             </a:fld>
             <a:endParaRPr lang="en-US"/>
           </a:p>
@@ -553,6 +554,90 @@
 </p:notes>
 </file>
 
+<file path=ppt/notesSlides/notesSlide2.xml><?xml version="1.0" encoding="utf-8"?>
+<p:notes xmlns:a="http://schemas.openxmlformats.org/drawingml/2006/main" xmlns:r="http://schemas.openxmlformats.org/officeDocument/2006/relationships" xmlns:p="http://schemas.openxmlformats.org/presentationml/2006/main">
+  <p:cSld>
+    <p:spTree>
+      <p:nvGrpSpPr>
+        <p:cNvPr id="1" name=""/>
+        <p:cNvGrpSpPr/>
+        <p:nvPr/>
+      </p:nvGrpSpPr>
+      <p:grpSpPr>
+        <a:xfrm>
+          <a:off x="0" y="0"/>
+          <a:ext cx="0" cy="0"/>
+          <a:chOff x="0" y="0"/>
+          <a:chExt cx="0" cy="0"/>
+        </a:xfrm>
+      </p:grpSpPr>
+      <p:sp>
+        <p:nvSpPr>
+          <p:cNvPr id="2" name="Slide Image Placeholder 1"/>
+          <p:cNvSpPr>
+            <a:spLocks noGrp="1" noRot="1" noChangeAspect="1"/>
+          </p:cNvSpPr>
+          <p:nvPr>
+            <p:ph type="sldImg"/>
+          </p:nvPr>
+        </p:nvSpPr>
+        <p:spPr/>
+      </p:sp>
+      <p:sp>
+        <p:nvSpPr>
+          <p:cNvPr id="3" name="Notes Placeholder 2"/>
+          <p:cNvSpPr>
+            <a:spLocks noGrp="1"/>
+          </p:cNvSpPr>
+          <p:nvPr>
+            <p:ph type="body" idx="1"/>
+          </p:nvPr>
+        </p:nvSpPr>
+        <p:spPr/>
+        <p:txBody>
+          <a:bodyPr/>
+          <a:lstStyle/>
+          <a:p>
+            <a:endParaRPr lang="en-US" dirty="0"/>
+          </a:p>
+        </p:txBody>
+      </p:sp>
+      <p:sp>
+        <p:nvSpPr>
+          <p:cNvPr id="4" name="Slide Number Placeholder 3"/>
+          <p:cNvSpPr>
+            <a:spLocks noGrp="1"/>
+          </p:cNvSpPr>
+          <p:nvPr>
+            <p:ph type="sldNum" sz="quarter" idx="5"/>
+          </p:nvPr>
+        </p:nvSpPr>
+        <p:spPr/>
+        <p:txBody>
+          <a:bodyPr/>
+          <a:lstStyle/>
+          <a:p>
+            <a:fld id="{B2471954-9953-446B-A15A-2CCA1609A68F}" type="slidenum">
+              <a:rPr lang="en-US" smtClean="0"/>
+              <a:t>7</a:t>
+            </a:fld>
+            <a:endParaRPr lang="en-US"/>
+          </a:p>
+        </p:txBody>
+      </p:sp>
+    </p:spTree>
+    <p:extLst>
+      <p:ext uri="{BB962C8B-B14F-4D97-AF65-F5344CB8AC3E}">
+        <p14:creationId xmlns:p14="http://schemas.microsoft.com/office/powerpoint/2010/main" val="4127916007"/>
+      </p:ext>
+    </p:extLst>
+  </p:cSld>
+  <p:clrMapOvr>
+    <a:masterClrMapping/>
+  </p:clrMapOvr>
+</p:notes>
+</file>
+
 <file path=ppt/slideLayouts/slideLayout1.xml><?xml version="1.0" encoding="utf-8"?>
 <p:sldLayout xmlns:a="http://schemas.openxmlformats.org/drawingml/2006/main" xmlns:r="http://schemas.openxmlformats.org/officeDocument/2006/relationships" xmlns:p="http://schemas.openxmlformats.org/presentationml/2006/main" type="title" preserve="1">
   <p:cSld name="Title Slide">
@@ -702,7 +787,7 @@
           <a:p>
             <a:fld id="{4E285625-C24A-4341-90BC-6CD71F835625}" type="datetimeFigureOut">
               <a:rPr lang="en-GB" smtClean="0"/>
-              <a:t>09/05/2023</a:t>
+              <a:t>02/06/2023</a:t>
             </a:fld>
             <a:endParaRPr lang="en-GB"/>
           </a:p>
@@ -902,7 +987,7 @@
           <a:p>
             <a:fld id="{4E285625-C24A-4341-90BC-6CD71F835625}" type="datetimeFigureOut">
               <a:rPr lang="en-GB" smtClean="0"/>
-              <a:t>09/05/2023</a:t>
+              <a:t>02/06/2023</a:t>
             </a:fld>
             <a:endParaRPr lang="en-GB"/>
           </a:p>
@@ -1112,7 +1197,7 @@
           <a:p>
             <a:fld id="{4E285625-C24A-4341-90BC-6CD71F835625}" type="datetimeFigureOut">
               <a:rPr lang="en-GB" smtClean="0"/>
-              <a:t>09/05/2023</a:t>
+              <a:t>02/06/2023</a:t>
             </a:fld>
             <a:endParaRPr lang="en-GB"/>
           </a:p>
@@ -1312,7 +1397,7 @@
           <a:p>
             <a:fld id="{4E285625-C24A-4341-90BC-6CD71F835625}" type="datetimeFigureOut">
               <a:rPr lang="en-GB" smtClean="0"/>
-              <a:t>09/05/2023</a:t>
+              <a:t>02/06/2023</a:t>
             </a:fld>
             <a:endParaRPr lang="en-GB"/>
           </a:p>
@@ -1588,7 +1673,7 @@
           <a:p>
             <a:fld id="{4E285625-C24A-4341-90BC-6CD71F835625}" type="datetimeFigureOut">
               <a:rPr lang="en-GB" smtClean="0"/>
-              <a:t>09/05/2023</a:t>
+              <a:t>02/06/2023</a:t>
             </a:fld>
             <a:endParaRPr lang="en-GB"/>
           </a:p>
@@ -1856,7 +1941,7 @@
           <a:p>
             <a:fld id="{4E285625-C24A-4341-90BC-6CD71F835625}" type="datetimeFigureOut">
               <a:rPr lang="en-GB" smtClean="0"/>
-              <a:t>09/05/2023</a:t>
+              <a:t>02/06/2023</a:t>
             </a:fld>
             <a:endParaRPr lang="en-GB"/>
           </a:p>
@@ -2271,7 +2356,7 @@
           <a:p>
             <a:fld id="{4E285625-C24A-4341-90BC-6CD71F835625}" type="datetimeFigureOut">
               <a:rPr lang="en-GB" smtClean="0"/>
-              <a:t>09/05/2023</a:t>
+              <a:t>02/06/2023</a:t>
             </a:fld>
             <a:endParaRPr lang="en-GB"/>
           </a:p>
@@ -2413,7 +2498,7 @@
           <a:p>
             <a:fld id="{4E285625-C24A-4341-90BC-6CD71F835625}" type="datetimeFigureOut">
               <a:rPr lang="en-GB" smtClean="0"/>
-              <a:t>09/05/2023</a:t>
+              <a:t>02/06/2023</a:t>
             </a:fld>
             <a:endParaRPr lang="en-GB"/>
           </a:p>
@@ -2526,7 +2611,7 @@
           <a:p>
             <a:fld id="{4E285625-C24A-4341-90BC-6CD71F835625}" type="datetimeFigureOut">
               <a:rPr lang="en-GB" smtClean="0"/>
-              <a:t>09/05/2023</a:t>
+              <a:t>02/06/2023</a:t>
             </a:fld>
             <a:endParaRPr lang="en-GB"/>
           </a:p>
@@ -2839,7 +2924,7 @@
           <a:p>
             <a:fld id="{4E285625-C24A-4341-90BC-6CD71F835625}" type="datetimeFigureOut">
               <a:rPr lang="en-GB" smtClean="0"/>
-              <a:t>09/05/2023</a:t>
+              <a:t>02/06/2023</a:t>
             </a:fld>
             <a:endParaRPr lang="en-GB"/>
           </a:p>
@@ -3128,7 +3213,7 @@
           <a:p>
             <a:fld id="{4E285625-C24A-4341-90BC-6CD71F835625}" type="datetimeFigureOut">
               <a:rPr lang="en-GB" smtClean="0"/>
-              <a:t>09/05/2023</a:t>
+              <a:t>02/06/2023</a:t>
             </a:fld>
             <a:endParaRPr lang="en-GB"/>
           </a:p>
@@ -3371,7 +3456,7 @@
           <a:p>
             <a:fld id="{4E285625-C24A-4341-90BC-6CD71F835625}" type="datetimeFigureOut">
               <a:rPr lang="en-GB" smtClean="0"/>
-              <a:t>09/05/2023</a:t>
+              <a:t>02/06/2023</a:t>
             </a:fld>
             <a:endParaRPr lang="en-GB"/>
           </a:p>
@@ -17737,7 +17822,7 @@
         <p:spPr>
           <a:xfrm>
             <a:off x="6027947" y="3769636"/>
-            <a:ext cx="1444752" cy="288000"/>
+            <a:ext cx="2995980" cy="288000"/>
           </a:xfrm>
           <a:prstGeom prst="roundRect">
             <a:avLst/>
@@ -19009,164 +19094,6 @@
                 </a:solidFill>
               </a:rPr>
               <a:t>LLUI_DISPLAY_impl.c</a:t>
-            </a:r>
-            <a:endParaRPr lang="en-US" sz="1200" dirty="0">
-              <a:solidFill>
-                <a:schemeClr val="bg1"/>
-              </a:solidFill>
-            </a:endParaRPr>
-          </a:p>
-        </p:txBody>
-      </p:sp>
-      <p:sp>
-        <p:nvSpPr>
-          <p:cNvPr id="51" name="Rounded Rectangle 19">
-            <a:extLst>
-              <a:ext uri="{FF2B5EF4-FFF2-40B4-BE49-F238E27FC236}">
-                <a16:creationId xmlns:a16="http://schemas.microsoft.com/office/drawing/2014/main" id="{951B2EFE-A5FA-4ADD-84B9-65F8AB49479C}"/>
-              </a:ext>
-            </a:extLst>
-          </p:cNvPr>
-          <p:cNvSpPr/>
-          <p:nvPr/>
-        </p:nvSpPr>
-        <p:spPr>
-          <a:xfrm>
-            <a:off x="7512400" y="3783406"/>
-            <a:ext cx="1511525" cy="288000"/>
-          </a:xfrm>
-          <a:prstGeom prst="roundRect">
-            <a:avLst/>
-          </a:prstGeom>
-          <a:solidFill>
-            <a:srgbClr val="00AEC7"/>
-          </a:solidFill>
-          <a:ln>
-            <a:noFill/>
-          </a:ln>
-        </p:spPr>
-        <p:style>
-          <a:lnRef idx="2">
-            <a:schemeClr val="accent1">
-              <a:shade val="50000"/>
-            </a:schemeClr>
-          </a:lnRef>
-          <a:fillRef idx="1">
-            <a:schemeClr val="accent1"/>
-          </a:fillRef>
-          <a:effectRef idx="0">
-            <a:schemeClr val="accent1"/>
-          </a:effectRef>
-          <a:fontRef idx="minor">
-            <a:schemeClr val="lt1"/>
-          </a:fontRef>
-        </p:style>
-        <p:txBody>
-          <a:bodyPr rtlCol="0" anchor="ctr"/>
-          <a:lstStyle>
-            <a:defPPr>
-              <a:defRPr lang="en-US"/>
-            </a:defPPr>
-            <a:lvl1pPr marL="0" algn="l" defTabSz="914377" rtl="0" eaLnBrk="1" latinLnBrk="0" hangingPunct="1">
-              <a:defRPr sz="1800" kern="1200">
-                <a:solidFill>
-                  <a:schemeClr val="lt1"/>
-                </a:solidFill>
-                <a:latin typeface="+mn-lt"/>
-                <a:ea typeface="+mn-ea"/>
-                <a:cs typeface="+mn-cs"/>
-              </a:defRPr>
-            </a:lvl1pPr>
-            <a:lvl2pPr marL="457189" algn="l" defTabSz="914377" rtl="0" eaLnBrk="1" latinLnBrk="0" hangingPunct="1">
-              <a:defRPr sz="1800" kern="1200">
-                <a:solidFill>
-                  <a:schemeClr val="lt1"/>
-                </a:solidFill>
-                <a:latin typeface="+mn-lt"/>
-                <a:ea typeface="+mn-ea"/>
-                <a:cs typeface="+mn-cs"/>
-              </a:defRPr>
-            </a:lvl2pPr>
-            <a:lvl3pPr marL="914377" algn="l" defTabSz="914377" rtl="0" eaLnBrk="1" latinLnBrk="0" hangingPunct="1">
-              <a:defRPr sz="1800" kern="1200">
-                <a:solidFill>
-                  <a:schemeClr val="lt1"/>
-                </a:solidFill>
-                <a:latin typeface="+mn-lt"/>
-                <a:ea typeface="+mn-ea"/>
-                <a:cs typeface="+mn-cs"/>
-              </a:defRPr>
-            </a:lvl3pPr>
-            <a:lvl4pPr marL="1371566" algn="l" defTabSz="914377" rtl="0" eaLnBrk="1" latinLnBrk="0" hangingPunct="1">
-              <a:defRPr sz="1800" kern="1200">
-                <a:solidFill>
-                  <a:schemeClr val="lt1"/>
-                </a:solidFill>
-                <a:latin typeface="+mn-lt"/>
-                <a:ea typeface="+mn-ea"/>
-                <a:cs typeface="+mn-cs"/>
-              </a:defRPr>
-            </a:lvl4pPr>
-            <a:lvl5pPr marL="1828754" algn="l" defTabSz="914377" rtl="0" eaLnBrk="1" latinLnBrk="0" hangingPunct="1">
-              <a:defRPr sz="1800" kern="1200">
-                <a:solidFill>
-                  <a:schemeClr val="lt1"/>
-                </a:solidFill>
-                <a:latin typeface="+mn-lt"/>
-                <a:ea typeface="+mn-ea"/>
-                <a:cs typeface="+mn-cs"/>
-              </a:defRPr>
-            </a:lvl5pPr>
-            <a:lvl6pPr marL="2285943" algn="l" defTabSz="914377" rtl="0" eaLnBrk="1" latinLnBrk="0" hangingPunct="1">
-              <a:defRPr sz="1800" kern="1200">
-                <a:solidFill>
-                  <a:schemeClr val="lt1"/>
-                </a:solidFill>
-                <a:latin typeface="+mn-lt"/>
-                <a:ea typeface="+mn-ea"/>
-                <a:cs typeface="+mn-cs"/>
-              </a:defRPr>
-            </a:lvl6pPr>
-            <a:lvl7pPr marL="2743131" algn="l" defTabSz="914377" rtl="0" eaLnBrk="1" latinLnBrk="0" hangingPunct="1">
-              <a:defRPr sz="1800" kern="1200">
-                <a:solidFill>
-                  <a:schemeClr val="lt1"/>
-                </a:solidFill>
-                <a:latin typeface="+mn-lt"/>
-                <a:ea typeface="+mn-ea"/>
-                <a:cs typeface="+mn-cs"/>
-              </a:defRPr>
-            </a:lvl7pPr>
-            <a:lvl8pPr marL="3200320" algn="l" defTabSz="914377" rtl="0" eaLnBrk="1" latinLnBrk="0" hangingPunct="1">
-              <a:defRPr sz="1800" kern="1200">
-                <a:solidFill>
-                  <a:schemeClr val="lt1"/>
-                </a:solidFill>
-                <a:latin typeface="+mn-lt"/>
-                <a:ea typeface="+mn-ea"/>
-                <a:cs typeface="+mn-cs"/>
-              </a:defRPr>
-            </a:lvl8pPr>
-            <a:lvl9pPr marL="3657509" algn="l" defTabSz="914377" rtl="0" eaLnBrk="1" latinLnBrk="0" hangingPunct="1">
-              <a:defRPr sz="1800" kern="1200">
-                <a:solidFill>
-                  <a:schemeClr val="lt1"/>
-                </a:solidFill>
-                <a:latin typeface="+mn-lt"/>
-                <a:ea typeface="+mn-ea"/>
-                <a:cs typeface="+mn-cs"/>
-              </a:defRPr>
-            </a:lvl9pPr>
-          </a:lstStyle>
-          <a:p>
-            <a:pPr algn="ctr"/>
-            <a:r>
-              <a:rPr lang="en-US" sz="1200" dirty="0" err="1">
-                <a:solidFill>
-                  <a:schemeClr val="bg1"/>
-                </a:solidFill>
-              </a:rPr>
-              <a:t>dw_drawing.h</a:t>
             </a:r>
             <a:endParaRPr lang="en-US" sz="1200" dirty="0">
               <a:solidFill>
@@ -23317,6 +23244,2961 @@
     <p:extLst>
       <p:ext uri="{BB962C8B-B14F-4D97-AF65-F5344CB8AC3E}">
         <p14:creationId xmlns:p14="http://schemas.microsoft.com/office/powerpoint/2010/main" val="856986903"/>
+      </p:ext>
+    </p:extLst>
+  </p:cSld>
+  <p:clrMapOvr>
+    <a:masterClrMapping/>
+  </p:clrMapOvr>
+</p:sld>
+</file>
+
+<file path=ppt/slides/slide7.xml><?xml version="1.0" encoding="utf-8"?>
+<p:sld xmlns:a="http://schemas.openxmlformats.org/drawingml/2006/main" xmlns:r="http://schemas.openxmlformats.org/officeDocument/2006/relationships" xmlns:p="http://schemas.openxmlformats.org/presentationml/2006/main">
+  <p:cSld>
+    <p:spTree>
+      <p:nvGrpSpPr>
+        <p:cNvPr id="1" name=""/>
+        <p:cNvGrpSpPr/>
+        <p:nvPr/>
+      </p:nvGrpSpPr>
+      <p:grpSpPr>
+        <a:xfrm>
+          <a:off x="0" y="0"/>
+          <a:ext cx="0" cy="0"/>
+          <a:chOff x="0" y="0"/>
+          <a:chExt cx="0" cy="0"/>
+        </a:xfrm>
+      </p:grpSpPr>
+      <p:grpSp>
+        <p:nvGrpSpPr>
+          <p:cNvPr id="95" name="Group 94">
+            <a:extLst>
+              <a:ext uri="{FF2B5EF4-FFF2-40B4-BE49-F238E27FC236}">
+                <a16:creationId xmlns:a16="http://schemas.microsoft.com/office/drawing/2014/main" id="{F7F2653A-8BC6-4641-FE41-90D5F5B71FB7}"/>
+              </a:ext>
+            </a:extLst>
+          </p:cNvPr>
+          <p:cNvGrpSpPr/>
+          <p:nvPr/>
+        </p:nvGrpSpPr>
+        <p:grpSpPr>
+          <a:xfrm>
+            <a:off x="168037" y="1531819"/>
+            <a:ext cx="1916922" cy="796288"/>
+            <a:chOff x="115315" y="1222701"/>
+            <a:chExt cx="1916922" cy="796288"/>
+          </a:xfrm>
+        </p:grpSpPr>
+        <p:sp>
+          <p:nvSpPr>
+            <p:cNvPr id="4" name="Rounded Rectangle 62">
+              <a:extLst>
+                <a:ext uri="{FF2B5EF4-FFF2-40B4-BE49-F238E27FC236}">
+                  <a16:creationId xmlns:a16="http://schemas.microsoft.com/office/drawing/2014/main" id="{AA9A0801-3292-173F-A4DC-91210479254F}"/>
+                </a:ext>
+              </a:extLst>
+            </p:cNvPr>
+            <p:cNvSpPr/>
+            <p:nvPr/>
+          </p:nvSpPr>
+          <p:spPr>
+            <a:xfrm>
+              <a:off x="162506" y="1459881"/>
+              <a:ext cx="1869731" cy="559108"/>
+            </a:xfrm>
+            <a:prstGeom prst="roundRect">
+              <a:avLst>
+                <a:gd name="adj" fmla="val 5059"/>
+              </a:avLst>
+            </a:prstGeom>
+            <a:solidFill>
+              <a:schemeClr val="bg1">
+                <a:lumMod val="95000"/>
+              </a:schemeClr>
+            </a:solidFill>
+            <a:ln w="19050">
+              <a:noFill/>
+            </a:ln>
+          </p:spPr>
+          <p:style>
+            <a:lnRef idx="2">
+              <a:schemeClr val="accent1">
+                <a:shade val="50000"/>
+              </a:schemeClr>
+            </a:lnRef>
+            <a:fillRef idx="1">
+              <a:schemeClr val="accent1"/>
+            </a:fillRef>
+            <a:effectRef idx="0">
+              <a:schemeClr val="accent1"/>
+            </a:effectRef>
+            <a:fontRef idx="minor">
+              <a:schemeClr val="lt1"/>
+            </a:fontRef>
+          </p:style>
+          <p:txBody>
+            <a:bodyPr wrap="square" lIns="0" tIns="0" rIns="0" bIns="0" rtlCol="0" anchor="ctr"/>
+            <a:lstStyle/>
+            <a:p>
+              <a:pPr algn="ctr"/>
+              <a:endParaRPr lang="en-US" sz="1200" dirty="0">
+                <a:solidFill>
+                  <a:schemeClr val="bg1">
+                    <a:lumMod val="95000"/>
+                  </a:schemeClr>
+                </a:solidFill>
+              </a:endParaRPr>
+            </a:p>
+          </p:txBody>
+        </p:sp>
+        <p:sp>
+          <p:nvSpPr>
+            <p:cNvPr id="8" name="Rectangle 7">
+              <a:extLst>
+                <a:ext uri="{FF2B5EF4-FFF2-40B4-BE49-F238E27FC236}">
+                  <a16:creationId xmlns:a16="http://schemas.microsoft.com/office/drawing/2014/main" id="{B374F2E0-535C-6203-02BE-B5A30F957759}"/>
+                </a:ext>
+              </a:extLst>
+            </p:cNvPr>
+            <p:cNvSpPr/>
+            <p:nvPr/>
+          </p:nvSpPr>
+          <p:spPr>
+            <a:xfrm>
+              <a:off x="115315" y="1222701"/>
+              <a:ext cx="644600" cy="276999"/>
+            </a:xfrm>
+            <a:prstGeom prst="rect">
+              <a:avLst/>
+            </a:prstGeom>
+          </p:spPr>
+          <p:txBody>
+            <a:bodyPr wrap="none">
+              <a:spAutoFit/>
+            </a:bodyPr>
+            <a:lstStyle/>
+            <a:p>
+              <a:r>
+                <a:rPr lang="en-US" sz="1200" dirty="0"/>
+                <a:t>UI Pack</a:t>
+              </a:r>
+            </a:p>
+          </p:txBody>
+        </p:sp>
+        <p:sp>
+          <p:nvSpPr>
+            <p:cNvPr id="11" name="Rounded Rectangle 17">
+              <a:extLst>
+                <a:ext uri="{FF2B5EF4-FFF2-40B4-BE49-F238E27FC236}">
+                  <a16:creationId xmlns:a16="http://schemas.microsoft.com/office/drawing/2014/main" id="{F7BBB758-4A60-BB52-EBC7-D2B690B3F058}"/>
+                </a:ext>
+              </a:extLst>
+            </p:cNvPr>
+            <p:cNvSpPr/>
+            <p:nvPr/>
+          </p:nvSpPr>
+          <p:spPr>
+            <a:xfrm>
+              <a:off x="291036" y="1607847"/>
+              <a:ext cx="1645920" cy="288000"/>
+            </a:xfrm>
+            <a:prstGeom prst="roundRect">
+              <a:avLst/>
+            </a:prstGeom>
+            <a:solidFill>
+              <a:srgbClr val="6CC24A"/>
+            </a:solidFill>
+            <a:ln>
+              <a:noFill/>
+            </a:ln>
+          </p:spPr>
+          <p:style>
+            <a:lnRef idx="2">
+              <a:schemeClr val="accent1">
+                <a:shade val="50000"/>
+              </a:schemeClr>
+            </a:lnRef>
+            <a:fillRef idx="1">
+              <a:schemeClr val="accent1"/>
+            </a:fillRef>
+            <a:effectRef idx="0">
+              <a:schemeClr val="accent1"/>
+            </a:effectRef>
+            <a:fontRef idx="minor">
+              <a:schemeClr val="lt1"/>
+            </a:fontRef>
+          </p:style>
+          <p:txBody>
+            <a:bodyPr rtlCol="0" anchor="ctr"/>
+            <a:lstStyle>
+              <a:defPPr>
+                <a:defRPr lang="en-US"/>
+              </a:defPPr>
+              <a:lvl1pPr marL="0" algn="l" defTabSz="914377" rtl="0" eaLnBrk="1" latinLnBrk="0" hangingPunct="1">
+                <a:defRPr sz="1800" kern="1200">
+                  <a:solidFill>
+                    <a:schemeClr val="lt1"/>
+                  </a:solidFill>
+                  <a:latin typeface="+mn-lt"/>
+                  <a:ea typeface="+mn-ea"/>
+                  <a:cs typeface="+mn-cs"/>
+                </a:defRPr>
+              </a:lvl1pPr>
+              <a:lvl2pPr marL="457189" algn="l" defTabSz="914377" rtl="0" eaLnBrk="1" latinLnBrk="0" hangingPunct="1">
+                <a:defRPr sz="1800" kern="1200">
+                  <a:solidFill>
+                    <a:schemeClr val="lt1"/>
+                  </a:solidFill>
+                  <a:latin typeface="+mn-lt"/>
+                  <a:ea typeface="+mn-ea"/>
+                  <a:cs typeface="+mn-cs"/>
+                </a:defRPr>
+              </a:lvl2pPr>
+              <a:lvl3pPr marL="914377" algn="l" defTabSz="914377" rtl="0" eaLnBrk="1" latinLnBrk="0" hangingPunct="1">
+                <a:defRPr sz="1800" kern="1200">
+                  <a:solidFill>
+                    <a:schemeClr val="lt1"/>
+                  </a:solidFill>
+                  <a:latin typeface="+mn-lt"/>
+                  <a:ea typeface="+mn-ea"/>
+                  <a:cs typeface="+mn-cs"/>
+                </a:defRPr>
+              </a:lvl3pPr>
+              <a:lvl4pPr marL="1371566" algn="l" defTabSz="914377" rtl="0" eaLnBrk="1" latinLnBrk="0" hangingPunct="1">
+                <a:defRPr sz="1800" kern="1200">
+                  <a:solidFill>
+                    <a:schemeClr val="lt1"/>
+                  </a:solidFill>
+                  <a:latin typeface="+mn-lt"/>
+                  <a:ea typeface="+mn-ea"/>
+                  <a:cs typeface="+mn-cs"/>
+                </a:defRPr>
+              </a:lvl4pPr>
+              <a:lvl5pPr marL="1828754" algn="l" defTabSz="914377" rtl="0" eaLnBrk="1" latinLnBrk="0" hangingPunct="1">
+                <a:defRPr sz="1800" kern="1200">
+                  <a:solidFill>
+                    <a:schemeClr val="lt1"/>
+                  </a:solidFill>
+                  <a:latin typeface="+mn-lt"/>
+                  <a:ea typeface="+mn-ea"/>
+                  <a:cs typeface="+mn-cs"/>
+                </a:defRPr>
+              </a:lvl5pPr>
+              <a:lvl6pPr marL="2285943" algn="l" defTabSz="914377" rtl="0" eaLnBrk="1" latinLnBrk="0" hangingPunct="1">
+                <a:defRPr sz="1800" kern="1200">
+                  <a:solidFill>
+                    <a:schemeClr val="lt1"/>
+                  </a:solidFill>
+                  <a:latin typeface="+mn-lt"/>
+                  <a:ea typeface="+mn-ea"/>
+                  <a:cs typeface="+mn-cs"/>
+                </a:defRPr>
+              </a:lvl6pPr>
+              <a:lvl7pPr marL="2743131" algn="l" defTabSz="914377" rtl="0" eaLnBrk="1" latinLnBrk="0" hangingPunct="1">
+                <a:defRPr sz="1800" kern="1200">
+                  <a:solidFill>
+                    <a:schemeClr val="lt1"/>
+                  </a:solidFill>
+                  <a:latin typeface="+mn-lt"/>
+                  <a:ea typeface="+mn-ea"/>
+                  <a:cs typeface="+mn-cs"/>
+                </a:defRPr>
+              </a:lvl7pPr>
+              <a:lvl8pPr marL="3200320" algn="l" defTabSz="914377" rtl="0" eaLnBrk="1" latinLnBrk="0" hangingPunct="1">
+                <a:defRPr sz="1800" kern="1200">
+                  <a:solidFill>
+                    <a:schemeClr val="lt1"/>
+                  </a:solidFill>
+                  <a:latin typeface="+mn-lt"/>
+                  <a:ea typeface="+mn-ea"/>
+                  <a:cs typeface="+mn-cs"/>
+                </a:defRPr>
+              </a:lvl8pPr>
+              <a:lvl9pPr marL="3657509" algn="l" defTabSz="914377" rtl="0" eaLnBrk="1" latinLnBrk="0" hangingPunct="1">
+                <a:defRPr sz="1800" kern="1200">
+                  <a:solidFill>
+                    <a:schemeClr val="lt1"/>
+                  </a:solidFill>
+                  <a:latin typeface="+mn-lt"/>
+                  <a:ea typeface="+mn-ea"/>
+                  <a:cs typeface="+mn-cs"/>
+                </a:defRPr>
+              </a:lvl9pPr>
+            </a:lstStyle>
+            <a:p>
+              <a:pPr algn="ctr"/>
+              <a:r>
+                <a:rPr lang="en-US" sz="1200" dirty="0" err="1">
+                  <a:solidFill>
+                    <a:schemeClr val="bg1"/>
+                  </a:solidFill>
+                </a:rPr>
+                <a:t>LLUI_PAINTER_impl.h</a:t>
+              </a:r>
+              <a:endParaRPr lang="en-US" sz="1200" dirty="0">
+                <a:solidFill>
+                  <a:schemeClr val="bg1"/>
+                </a:solidFill>
+              </a:endParaRPr>
+            </a:p>
+          </p:txBody>
+        </p:sp>
+      </p:grpSp>
+      <p:sp>
+        <p:nvSpPr>
+          <p:cNvPr id="2" name="Rounded Rectangle 62">
+            <a:extLst>
+              <a:ext uri="{FF2B5EF4-FFF2-40B4-BE49-F238E27FC236}">
+                <a16:creationId xmlns:a16="http://schemas.microsoft.com/office/drawing/2014/main" id="{00F79921-C7DD-622C-A23E-14467ADCB5C7}"/>
+              </a:ext>
+            </a:extLst>
+          </p:cNvPr>
+          <p:cNvSpPr/>
+          <p:nvPr/>
+        </p:nvSpPr>
+        <p:spPr>
+          <a:xfrm>
+            <a:off x="2552661" y="1825429"/>
+            <a:ext cx="1887202" cy="1251078"/>
+          </a:xfrm>
+          <a:prstGeom prst="roundRect">
+            <a:avLst>
+              <a:gd name="adj" fmla="val 5059"/>
+            </a:avLst>
+          </a:prstGeom>
+          <a:solidFill>
+            <a:schemeClr val="bg1">
+              <a:lumMod val="95000"/>
+            </a:schemeClr>
+          </a:solidFill>
+          <a:ln w="19050">
+            <a:solidFill>
+              <a:schemeClr val="tx2"/>
+            </a:solidFill>
+          </a:ln>
+        </p:spPr>
+        <p:style>
+          <a:lnRef idx="2">
+            <a:schemeClr val="accent1">
+              <a:shade val="50000"/>
+            </a:schemeClr>
+          </a:lnRef>
+          <a:fillRef idx="1">
+            <a:schemeClr val="accent1"/>
+          </a:fillRef>
+          <a:effectRef idx="0">
+            <a:schemeClr val="accent1"/>
+          </a:effectRef>
+          <a:fontRef idx="minor">
+            <a:schemeClr val="lt1"/>
+          </a:fontRef>
+        </p:style>
+        <p:txBody>
+          <a:bodyPr wrap="square" lIns="0" tIns="0" rIns="0" bIns="0" rtlCol="0" anchor="ctr"/>
+          <a:lstStyle/>
+          <a:p>
+            <a:pPr algn="ctr"/>
+            <a:endParaRPr lang="en-US" sz="1200" dirty="0">
+              <a:solidFill>
+                <a:schemeClr val="bg1">
+                  <a:lumMod val="95000"/>
+                </a:schemeClr>
+              </a:solidFill>
+            </a:endParaRPr>
+          </a:p>
+        </p:txBody>
+      </p:sp>
+      <p:sp>
+        <p:nvSpPr>
+          <p:cNvPr id="3" name="Rectangle 2">
+            <a:extLst>
+              <a:ext uri="{FF2B5EF4-FFF2-40B4-BE49-F238E27FC236}">
+                <a16:creationId xmlns:a16="http://schemas.microsoft.com/office/drawing/2014/main" id="{1B2FEDF8-A44D-6CF8-64E2-E59650CCDB66}"/>
+              </a:ext>
+            </a:extLst>
+          </p:cNvPr>
+          <p:cNvSpPr/>
+          <p:nvPr/>
+        </p:nvSpPr>
+        <p:spPr>
+          <a:xfrm>
+            <a:off x="2548003" y="1521213"/>
+            <a:ext cx="1325106" cy="276999"/>
+          </a:xfrm>
+          <a:prstGeom prst="rect">
+            <a:avLst/>
+          </a:prstGeom>
+        </p:spPr>
+        <p:txBody>
+          <a:bodyPr wrap="none">
+            <a:spAutoFit/>
+          </a:bodyPr>
+          <a:lstStyle/>
+          <a:p>
+            <a:r>
+              <a:rPr lang="en-US" sz="1200" dirty="0"/>
+              <a:t>C Module </a:t>
+            </a:r>
+            <a:r>
+              <a:rPr lang="en-US" sz="1200" dirty="0" err="1"/>
+              <a:t>MicroUI</a:t>
+            </a:r>
+            <a:endParaRPr lang="en-US" sz="1200" dirty="0"/>
+          </a:p>
+        </p:txBody>
+      </p:sp>
+      <p:sp>
+        <p:nvSpPr>
+          <p:cNvPr id="5" name="Rounded Rectangle 29">
+            <a:extLst>
+              <a:ext uri="{FF2B5EF4-FFF2-40B4-BE49-F238E27FC236}">
+                <a16:creationId xmlns:a16="http://schemas.microsoft.com/office/drawing/2014/main" id="{25B4B334-91FC-F5BC-F42B-3C8E95A38B2F}"/>
+              </a:ext>
+            </a:extLst>
+          </p:cNvPr>
+          <p:cNvSpPr/>
+          <p:nvPr/>
+        </p:nvSpPr>
+        <p:spPr>
+          <a:xfrm>
+            <a:off x="2673302" y="1912067"/>
+            <a:ext cx="1645920" cy="288000"/>
+          </a:xfrm>
+          <a:prstGeom prst="roundRect">
+            <a:avLst/>
+          </a:prstGeom>
+          <a:solidFill>
+            <a:srgbClr val="00AEC7"/>
+          </a:solidFill>
+          <a:ln>
+            <a:noFill/>
+          </a:ln>
+        </p:spPr>
+        <p:style>
+          <a:lnRef idx="2">
+            <a:schemeClr val="accent1">
+              <a:shade val="50000"/>
+            </a:schemeClr>
+          </a:lnRef>
+          <a:fillRef idx="1">
+            <a:schemeClr val="accent1"/>
+          </a:fillRef>
+          <a:effectRef idx="0">
+            <a:schemeClr val="accent1"/>
+          </a:effectRef>
+          <a:fontRef idx="minor">
+            <a:schemeClr val="lt1"/>
+          </a:fontRef>
+        </p:style>
+        <p:txBody>
+          <a:bodyPr rtlCol="0" anchor="ctr"/>
+          <a:lstStyle>
+            <a:defPPr>
+              <a:defRPr lang="en-US"/>
+            </a:defPPr>
+            <a:lvl1pPr marL="0" algn="l" defTabSz="914377" rtl="0" eaLnBrk="1" latinLnBrk="0" hangingPunct="1">
+              <a:defRPr sz="1800" kern="1200">
+                <a:solidFill>
+                  <a:schemeClr val="lt1"/>
+                </a:solidFill>
+                <a:latin typeface="+mn-lt"/>
+                <a:ea typeface="+mn-ea"/>
+                <a:cs typeface="+mn-cs"/>
+              </a:defRPr>
+            </a:lvl1pPr>
+            <a:lvl2pPr marL="457189" algn="l" defTabSz="914377" rtl="0" eaLnBrk="1" latinLnBrk="0" hangingPunct="1">
+              <a:defRPr sz="1800" kern="1200">
+                <a:solidFill>
+                  <a:schemeClr val="lt1"/>
+                </a:solidFill>
+                <a:latin typeface="+mn-lt"/>
+                <a:ea typeface="+mn-ea"/>
+                <a:cs typeface="+mn-cs"/>
+              </a:defRPr>
+            </a:lvl2pPr>
+            <a:lvl3pPr marL="914377" algn="l" defTabSz="914377" rtl="0" eaLnBrk="1" latinLnBrk="0" hangingPunct="1">
+              <a:defRPr sz="1800" kern="1200">
+                <a:solidFill>
+                  <a:schemeClr val="lt1"/>
+                </a:solidFill>
+                <a:latin typeface="+mn-lt"/>
+                <a:ea typeface="+mn-ea"/>
+                <a:cs typeface="+mn-cs"/>
+              </a:defRPr>
+            </a:lvl3pPr>
+            <a:lvl4pPr marL="1371566" algn="l" defTabSz="914377" rtl="0" eaLnBrk="1" latinLnBrk="0" hangingPunct="1">
+              <a:defRPr sz="1800" kern="1200">
+                <a:solidFill>
+                  <a:schemeClr val="lt1"/>
+                </a:solidFill>
+                <a:latin typeface="+mn-lt"/>
+                <a:ea typeface="+mn-ea"/>
+                <a:cs typeface="+mn-cs"/>
+              </a:defRPr>
+            </a:lvl4pPr>
+            <a:lvl5pPr marL="1828754" algn="l" defTabSz="914377" rtl="0" eaLnBrk="1" latinLnBrk="0" hangingPunct="1">
+              <a:defRPr sz="1800" kern="1200">
+                <a:solidFill>
+                  <a:schemeClr val="lt1"/>
+                </a:solidFill>
+                <a:latin typeface="+mn-lt"/>
+                <a:ea typeface="+mn-ea"/>
+                <a:cs typeface="+mn-cs"/>
+              </a:defRPr>
+            </a:lvl5pPr>
+            <a:lvl6pPr marL="2285943" algn="l" defTabSz="914377" rtl="0" eaLnBrk="1" latinLnBrk="0" hangingPunct="1">
+              <a:defRPr sz="1800" kern="1200">
+                <a:solidFill>
+                  <a:schemeClr val="lt1"/>
+                </a:solidFill>
+                <a:latin typeface="+mn-lt"/>
+                <a:ea typeface="+mn-ea"/>
+                <a:cs typeface="+mn-cs"/>
+              </a:defRPr>
+            </a:lvl6pPr>
+            <a:lvl7pPr marL="2743131" algn="l" defTabSz="914377" rtl="0" eaLnBrk="1" latinLnBrk="0" hangingPunct="1">
+              <a:defRPr sz="1800" kern="1200">
+                <a:solidFill>
+                  <a:schemeClr val="lt1"/>
+                </a:solidFill>
+                <a:latin typeface="+mn-lt"/>
+                <a:ea typeface="+mn-ea"/>
+                <a:cs typeface="+mn-cs"/>
+              </a:defRPr>
+            </a:lvl7pPr>
+            <a:lvl8pPr marL="3200320" algn="l" defTabSz="914377" rtl="0" eaLnBrk="1" latinLnBrk="0" hangingPunct="1">
+              <a:defRPr sz="1800" kern="1200">
+                <a:solidFill>
+                  <a:schemeClr val="lt1"/>
+                </a:solidFill>
+                <a:latin typeface="+mn-lt"/>
+                <a:ea typeface="+mn-ea"/>
+                <a:cs typeface="+mn-cs"/>
+              </a:defRPr>
+            </a:lvl8pPr>
+            <a:lvl9pPr marL="3657509" algn="l" defTabSz="914377" rtl="0" eaLnBrk="1" latinLnBrk="0" hangingPunct="1">
+              <a:defRPr sz="1800" kern="1200">
+                <a:solidFill>
+                  <a:schemeClr val="lt1"/>
+                </a:solidFill>
+                <a:latin typeface="+mn-lt"/>
+                <a:ea typeface="+mn-ea"/>
+                <a:cs typeface="+mn-cs"/>
+              </a:defRPr>
+            </a:lvl9pPr>
+          </a:lstStyle>
+          <a:p>
+            <a:pPr algn="ctr"/>
+            <a:r>
+              <a:rPr lang="en-US" sz="1200" dirty="0" err="1">
+                <a:solidFill>
+                  <a:schemeClr val="bg1"/>
+                </a:solidFill>
+              </a:rPr>
+              <a:t>LLUI_PAINTER_impl.c</a:t>
+            </a:r>
+            <a:endParaRPr lang="en-US" sz="1200" dirty="0">
+              <a:solidFill>
+                <a:schemeClr val="bg1"/>
+              </a:solidFill>
+            </a:endParaRPr>
+          </a:p>
+        </p:txBody>
+      </p:sp>
+      <p:cxnSp>
+        <p:nvCxnSpPr>
+          <p:cNvPr id="32" name="Straight Arrow Connector 31">
+            <a:extLst>
+              <a:ext uri="{FF2B5EF4-FFF2-40B4-BE49-F238E27FC236}">
+                <a16:creationId xmlns:a16="http://schemas.microsoft.com/office/drawing/2014/main" id="{312DA880-82E9-D4F9-A51C-447B572C9CE5}"/>
+              </a:ext>
+            </a:extLst>
+          </p:cNvPr>
+          <p:cNvCxnSpPr>
+            <a:cxnSpLocks/>
+            <a:stCxn id="5" idx="1"/>
+            <a:endCxn id="11" idx="3"/>
+          </p:cNvCxnSpPr>
+          <p:nvPr/>
+        </p:nvCxnSpPr>
+        <p:spPr>
+          <a:xfrm flipH="1">
+            <a:off x="1989678" y="2056067"/>
+            <a:ext cx="683624" cy="4898"/>
+          </a:xfrm>
+          <a:prstGeom prst="straightConnector1">
+            <a:avLst/>
+          </a:prstGeom>
+          <a:ln>
+            <a:tailEnd type="triangle"/>
+          </a:ln>
+        </p:spPr>
+        <p:style>
+          <a:lnRef idx="1">
+            <a:schemeClr val="accent1"/>
+          </a:lnRef>
+          <a:fillRef idx="0">
+            <a:schemeClr val="accent1"/>
+          </a:fillRef>
+          <a:effectRef idx="0">
+            <a:schemeClr val="accent1"/>
+          </a:effectRef>
+          <a:fontRef idx="minor">
+            <a:schemeClr val="tx1"/>
+          </a:fontRef>
+        </p:style>
+      </p:cxnSp>
+      <p:sp>
+        <p:nvSpPr>
+          <p:cNvPr id="17" name="Rounded Rectangle 62">
+            <a:extLst>
+              <a:ext uri="{FF2B5EF4-FFF2-40B4-BE49-F238E27FC236}">
+                <a16:creationId xmlns:a16="http://schemas.microsoft.com/office/drawing/2014/main" id="{E7D45980-4DB5-9A2A-61F8-A9F201B7CA9B}"/>
+              </a:ext>
+            </a:extLst>
+          </p:cNvPr>
+          <p:cNvSpPr/>
+          <p:nvPr/>
+        </p:nvSpPr>
+        <p:spPr>
+          <a:xfrm>
+            <a:off x="5055568" y="2880659"/>
+            <a:ext cx="1861683" cy="1273820"/>
+          </a:xfrm>
+          <a:prstGeom prst="roundRect">
+            <a:avLst>
+              <a:gd name="adj" fmla="val 5059"/>
+            </a:avLst>
+          </a:prstGeom>
+          <a:solidFill>
+            <a:schemeClr val="bg1">
+              <a:lumMod val="95000"/>
+            </a:schemeClr>
+          </a:solidFill>
+          <a:ln w="19050">
+            <a:solidFill>
+              <a:schemeClr val="tx2"/>
+            </a:solidFill>
+          </a:ln>
+        </p:spPr>
+        <p:style>
+          <a:lnRef idx="2">
+            <a:schemeClr val="accent1">
+              <a:shade val="50000"/>
+            </a:schemeClr>
+          </a:lnRef>
+          <a:fillRef idx="1">
+            <a:schemeClr val="accent1"/>
+          </a:fillRef>
+          <a:effectRef idx="0">
+            <a:schemeClr val="accent1"/>
+          </a:effectRef>
+          <a:fontRef idx="minor">
+            <a:schemeClr val="lt1"/>
+          </a:fontRef>
+        </p:style>
+        <p:txBody>
+          <a:bodyPr wrap="square" lIns="0" tIns="0" rIns="0" bIns="0" rtlCol="0" anchor="ctr"/>
+          <a:lstStyle/>
+          <a:p>
+            <a:pPr algn="ctr"/>
+            <a:endParaRPr lang="en-US" sz="1200" dirty="0">
+              <a:solidFill>
+                <a:schemeClr val="bg1">
+                  <a:lumMod val="95000"/>
+                </a:schemeClr>
+              </a:solidFill>
+            </a:endParaRPr>
+          </a:p>
+        </p:txBody>
+      </p:sp>
+      <p:sp>
+        <p:nvSpPr>
+          <p:cNvPr id="9" name="Rectangle 8">
+            <a:extLst>
+              <a:ext uri="{FF2B5EF4-FFF2-40B4-BE49-F238E27FC236}">
+                <a16:creationId xmlns:a16="http://schemas.microsoft.com/office/drawing/2014/main" id="{F73A66E6-715A-15CD-62D7-CC26C81ADF1D}"/>
+              </a:ext>
+            </a:extLst>
+          </p:cNvPr>
+          <p:cNvSpPr/>
+          <p:nvPr/>
+        </p:nvSpPr>
+        <p:spPr>
+          <a:xfrm>
+            <a:off x="5055568" y="2622705"/>
+            <a:ext cx="2296168" cy="276999"/>
+          </a:xfrm>
+          <a:prstGeom prst="rect">
+            <a:avLst/>
+          </a:prstGeom>
+        </p:spPr>
+        <p:txBody>
+          <a:bodyPr wrap="square">
+            <a:spAutoFit/>
+          </a:bodyPr>
+          <a:lstStyle/>
+          <a:p>
+            <a:r>
+              <a:rPr lang="en-US" sz="1200" dirty="0"/>
+              <a:t>C Module </a:t>
+            </a:r>
+            <a:r>
+              <a:rPr lang="en-US" sz="1200" dirty="0" err="1"/>
+              <a:t>MicroUI-VGLite</a:t>
+            </a:r>
+            <a:endParaRPr lang="en-US" sz="1200" dirty="0"/>
+          </a:p>
+        </p:txBody>
+      </p:sp>
+      <p:sp>
+        <p:nvSpPr>
+          <p:cNvPr id="16" name="Rounded Rectangle 29">
+            <a:extLst>
+              <a:ext uri="{FF2B5EF4-FFF2-40B4-BE49-F238E27FC236}">
+                <a16:creationId xmlns:a16="http://schemas.microsoft.com/office/drawing/2014/main" id="{85A1D995-378C-A69A-2510-ACCD588350BC}"/>
+              </a:ext>
+            </a:extLst>
+          </p:cNvPr>
+          <p:cNvSpPr/>
+          <p:nvPr/>
+        </p:nvSpPr>
+        <p:spPr>
+          <a:xfrm>
+            <a:off x="5139479" y="2995109"/>
+            <a:ext cx="1645920" cy="288000"/>
+          </a:xfrm>
+          <a:prstGeom prst="roundRect">
+            <a:avLst/>
+          </a:prstGeom>
+          <a:solidFill>
+            <a:srgbClr val="00AEC7"/>
+          </a:solidFill>
+          <a:ln>
+            <a:noFill/>
+          </a:ln>
+        </p:spPr>
+        <p:style>
+          <a:lnRef idx="2">
+            <a:schemeClr val="accent1">
+              <a:shade val="50000"/>
+            </a:schemeClr>
+          </a:lnRef>
+          <a:fillRef idx="1">
+            <a:schemeClr val="accent1"/>
+          </a:fillRef>
+          <a:effectRef idx="0">
+            <a:schemeClr val="accent1"/>
+          </a:effectRef>
+          <a:fontRef idx="minor">
+            <a:schemeClr val="lt1"/>
+          </a:fontRef>
+        </p:style>
+        <p:txBody>
+          <a:bodyPr rtlCol="0" anchor="ctr"/>
+          <a:lstStyle>
+            <a:defPPr>
+              <a:defRPr lang="en-US"/>
+            </a:defPPr>
+            <a:lvl1pPr marL="0" algn="l" defTabSz="914377" rtl="0" eaLnBrk="1" latinLnBrk="0" hangingPunct="1">
+              <a:defRPr sz="1800" kern="1200">
+                <a:solidFill>
+                  <a:schemeClr val="lt1"/>
+                </a:solidFill>
+                <a:latin typeface="+mn-lt"/>
+                <a:ea typeface="+mn-ea"/>
+                <a:cs typeface="+mn-cs"/>
+              </a:defRPr>
+            </a:lvl1pPr>
+            <a:lvl2pPr marL="457189" algn="l" defTabSz="914377" rtl="0" eaLnBrk="1" latinLnBrk="0" hangingPunct="1">
+              <a:defRPr sz="1800" kern="1200">
+                <a:solidFill>
+                  <a:schemeClr val="lt1"/>
+                </a:solidFill>
+                <a:latin typeface="+mn-lt"/>
+                <a:ea typeface="+mn-ea"/>
+                <a:cs typeface="+mn-cs"/>
+              </a:defRPr>
+            </a:lvl2pPr>
+            <a:lvl3pPr marL="914377" algn="l" defTabSz="914377" rtl="0" eaLnBrk="1" latinLnBrk="0" hangingPunct="1">
+              <a:defRPr sz="1800" kern="1200">
+                <a:solidFill>
+                  <a:schemeClr val="lt1"/>
+                </a:solidFill>
+                <a:latin typeface="+mn-lt"/>
+                <a:ea typeface="+mn-ea"/>
+                <a:cs typeface="+mn-cs"/>
+              </a:defRPr>
+            </a:lvl3pPr>
+            <a:lvl4pPr marL="1371566" algn="l" defTabSz="914377" rtl="0" eaLnBrk="1" latinLnBrk="0" hangingPunct="1">
+              <a:defRPr sz="1800" kern="1200">
+                <a:solidFill>
+                  <a:schemeClr val="lt1"/>
+                </a:solidFill>
+                <a:latin typeface="+mn-lt"/>
+                <a:ea typeface="+mn-ea"/>
+                <a:cs typeface="+mn-cs"/>
+              </a:defRPr>
+            </a:lvl4pPr>
+            <a:lvl5pPr marL="1828754" algn="l" defTabSz="914377" rtl="0" eaLnBrk="1" latinLnBrk="0" hangingPunct="1">
+              <a:defRPr sz="1800" kern="1200">
+                <a:solidFill>
+                  <a:schemeClr val="lt1"/>
+                </a:solidFill>
+                <a:latin typeface="+mn-lt"/>
+                <a:ea typeface="+mn-ea"/>
+                <a:cs typeface="+mn-cs"/>
+              </a:defRPr>
+            </a:lvl5pPr>
+            <a:lvl6pPr marL="2285943" algn="l" defTabSz="914377" rtl="0" eaLnBrk="1" latinLnBrk="0" hangingPunct="1">
+              <a:defRPr sz="1800" kern="1200">
+                <a:solidFill>
+                  <a:schemeClr val="lt1"/>
+                </a:solidFill>
+                <a:latin typeface="+mn-lt"/>
+                <a:ea typeface="+mn-ea"/>
+                <a:cs typeface="+mn-cs"/>
+              </a:defRPr>
+            </a:lvl6pPr>
+            <a:lvl7pPr marL="2743131" algn="l" defTabSz="914377" rtl="0" eaLnBrk="1" latinLnBrk="0" hangingPunct="1">
+              <a:defRPr sz="1800" kern="1200">
+                <a:solidFill>
+                  <a:schemeClr val="lt1"/>
+                </a:solidFill>
+                <a:latin typeface="+mn-lt"/>
+                <a:ea typeface="+mn-ea"/>
+                <a:cs typeface="+mn-cs"/>
+              </a:defRPr>
+            </a:lvl7pPr>
+            <a:lvl8pPr marL="3200320" algn="l" defTabSz="914377" rtl="0" eaLnBrk="1" latinLnBrk="0" hangingPunct="1">
+              <a:defRPr sz="1800" kern="1200">
+                <a:solidFill>
+                  <a:schemeClr val="lt1"/>
+                </a:solidFill>
+                <a:latin typeface="+mn-lt"/>
+                <a:ea typeface="+mn-ea"/>
+                <a:cs typeface="+mn-cs"/>
+              </a:defRPr>
+            </a:lvl8pPr>
+            <a:lvl9pPr marL="3657509" algn="l" defTabSz="914377" rtl="0" eaLnBrk="1" latinLnBrk="0" hangingPunct="1">
+              <a:defRPr sz="1800" kern="1200">
+                <a:solidFill>
+                  <a:schemeClr val="lt1"/>
+                </a:solidFill>
+                <a:latin typeface="+mn-lt"/>
+                <a:ea typeface="+mn-ea"/>
+                <a:cs typeface="+mn-cs"/>
+              </a:defRPr>
+            </a:lvl9pPr>
+          </a:lstStyle>
+          <a:p>
+            <a:pPr algn="ctr"/>
+            <a:r>
+              <a:rPr lang="en-US" sz="1200" dirty="0" err="1">
+                <a:solidFill>
+                  <a:schemeClr val="bg1"/>
+                </a:solidFill>
+              </a:rPr>
+              <a:t>ui_drawing_vglite.c</a:t>
+            </a:r>
+            <a:endParaRPr lang="en-US" sz="1200" dirty="0">
+              <a:solidFill>
+                <a:schemeClr val="bg1"/>
+              </a:solidFill>
+            </a:endParaRPr>
+          </a:p>
+        </p:txBody>
+      </p:sp>
+      <p:sp>
+        <p:nvSpPr>
+          <p:cNvPr id="7" name="Rounded Rectangle 29">
+            <a:extLst>
+              <a:ext uri="{FF2B5EF4-FFF2-40B4-BE49-F238E27FC236}">
+                <a16:creationId xmlns:a16="http://schemas.microsoft.com/office/drawing/2014/main" id="{52B0C09E-03A3-195B-108C-9AD23AF3EAB8}"/>
+              </a:ext>
+            </a:extLst>
+          </p:cNvPr>
+          <p:cNvSpPr/>
+          <p:nvPr/>
+        </p:nvSpPr>
+        <p:spPr>
+          <a:xfrm>
+            <a:off x="5139479" y="3368422"/>
+            <a:ext cx="1645920" cy="288000"/>
+          </a:xfrm>
+          <a:prstGeom prst="roundRect">
+            <a:avLst/>
+          </a:prstGeom>
+          <a:solidFill>
+            <a:srgbClr val="00AEC7"/>
+          </a:solidFill>
+          <a:ln>
+            <a:noFill/>
+          </a:ln>
+        </p:spPr>
+        <p:style>
+          <a:lnRef idx="2">
+            <a:schemeClr val="accent1">
+              <a:shade val="50000"/>
+            </a:schemeClr>
+          </a:lnRef>
+          <a:fillRef idx="1">
+            <a:schemeClr val="accent1"/>
+          </a:fillRef>
+          <a:effectRef idx="0">
+            <a:schemeClr val="accent1"/>
+          </a:effectRef>
+          <a:fontRef idx="minor">
+            <a:schemeClr val="lt1"/>
+          </a:fontRef>
+        </p:style>
+        <p:txBody>
+          <a:bodyPr rtlCol="0" anchor="ctr"/>
+          <a:lstStyle>
+            <a:defPPr>
+              <a:defRPr lang="en-US"/>
+            </a:defPPr>
+            <a:lvl1pPr marL="0" algn="l" defTabSz="914377" rtl="0" eaLnBrk="1" latinLnBrk="0" hangingPunct="1">
+              <a:defRPr sz="1800" kern="1200">
+                <a:solidFill>
+                  <a:schemeClr val="lt1"/>
+                </a:solidFill>
+                <a:latin typeface="+mn-lt"/>
+                <a:ea typeface="+mn-ea"/>
+                <a:cs typeface="+mn-cs"/>
+              </a:defRPr>
+            </a:lvl1pPr>
+            <a:lvl2pPr marL="457189" algn="l" defTabSz="914377" rtl="0" eaLnBrk="1" latinLnBrk="0" hangingPunct="1">
+              <a:defRPr sz="1800" kern="1200">
+                <a:solidFill>
+                  <a:schemeClr val="lt1"/>
+                </a:solidFill>
+                <a:latin typeface="+mn-lt"/>
+                <a:ea typeface="+mn-ea"/>
+                <a:cs typeface="+mn-cs"/>
+              </a:defRPr>
+            </a:lvl2pPr>
+            <a:lvl3pPr marL="914377" algn="l" defTabSz="914377" rtl="0" eaLnBrk="1" latinLnBrk="0" hangingPunct="1">
+              <a:defRPr sz="1800" kern="1200">
+                <a:solidFill>
+                  <a:schemeClr val="lt1"/>
+                </a:solidFill>
+                <a:latin typeface="+mn-lt"/>
+                <a:ea typeface="+mn-ea"/>
+                <a:cs typeface="+mn-cs"/>
+              </a:defRPr>
+            </a:lvl3pPr>
+            <a:lvl4pPr marL="1371566" algn="l" defTabSz="914377" rtl="0" eaLnBrk="1" latinLnBrk="0" hangingPunct="1">
+              <a:defRPr sz="1800" kern="1200">
+                <a:solidFill>
+                  <a:schemeClr val="lt1"/>
+                </a:solidFill>
+                <a:latin typeface="+mn-lt"/>
+                <a:ea typeface="+mn-ea"/>
+                <a:cs typeface="+mn-cs"/>
+              </a:defRPr>
+            </a:lvl4pPr>
+            <a:lvl5pPr marL="1828754" algn="l" defTabSz="914377" rtl="0" eaLnBrk="1" latinLnBrk="0" hangingPunct="1">
+              <a:defRPr sz="1800" kern="1200">
+                <a:solidFill>
+                  <a:schemeClr val="lt1"/>
+                </a:solidFill>
+                <a:latin typeface="+mn-lt"/>
+                <a:ea typeface="+mn-ea"/>
+                <a:cs typeface="+mn-cs"/>
+              </a:defRPr>
+            </a:lvl5pPr>
+            <a:lvl6pPr marL="2285943" algn="l" defTabSz="914377" rtl="0" eaLnBrk="1" latinLnBrk="0" hangingPunct="1">
+              <a:defRPr sz="1800" kern="1200">
+                <a:solidFill>
+                  <a:schemeClr val="lt1"/>
+                </a:solidFill>
+                <a:latin typeface="+mn-lt"/>
+                <a:ea typeface="+mn-ea"/>
+                <a:cs typeface="+mn-cs"/>
+              </a:defRPr>
+            </a:lvl6pPr>
+            <a:lvl7pPr marL="2743131" algn="l" defTabSz="914377" rtl="0" eaLnBrk="1" latinLnBrk="0" hangingPunct="1">
+              <a:defRPr sz="1800" kern="1200">
+                <a:solidFill>
+                  <a:schemeClr val="lt1"/>
+                </a:solidFill>
+                <a:latin typeface="+mn-lt"/>
+                <a:ea typeface="+mn-ea"/>
+                <a:cs typeface="+mn-cs"/>
+              </a:defRPr>
+            </a:lvl7pPr>
+            <a:lvl8pPr marL="3200320" algn="l" defTabSz="914377" rtl="0" eaLnBrk="1" latinLnBrk="0" hangingPunct="1">
+              <a:defRPr sz="1800" kern="1200">
+                <a:solidFill>
+                  <a:schemeClr val="lt1"/>
+                </a:solidFill>
+                <a:latin typeface="+mn-lt"/>
+                <a:ea typeface="+mn-ea"/>
+                <a:cs typeface="+mn-cs"/>
+              </a:defRPr>
+            </a:lvl8pPr>
+            <a:lvl9pPr marL="3657509" algn="l" defTabSz="914377" rtl="0" eaLnBrk="1" latinLnBrk="0" hangingPunct="1">
+              <a:defRPr sz="1800" kern="1200">
+                <a:solidFill>
+                  <a:schemeClr val="lt1"/>
+                </a:solidFill>
+                <a:latin typeface="+mn-lt"/>
+                <a:ea typeface="+mn-ea"/>
+                <a:cs typeface="+mn-cs"/>
+              </a:defRPr>
+            </a:lvl9pPr>
+          </a:lstStyle>
+          <a:p>
+            <a:pPr algn="ctr"/>
+            <a:r>
+              <a:rPr lang="en-US" sz="1200" dirty="0" err="1">
+                <a:solidFill>
+                  <a:schemeClr val="bg1"/>
+                </a:solidFill>
+              </a:rPr>
+              <a:t>display_vglite.c</a:t>
+            </a:r>
+            <a:endParaRPr lang="en-US" sz="1200" dirty="0">
+              <a:solidFill>
+                <a:schemeClr val="bg1"/>
+              </a:solidFill>
+            </a:endParaRPr>
+          </a:p>
+        </p:txBody>
+      </p:sp>
+      <p:sp>
+        <p:nvSpPr>
+          <p:cNvPr id="13" name="Rounded Rectangle 29">
+            <a:extLst>
+              <a:ext uri="{FF2B5EF4-FFF2-40B4-BE49-F238E27FC236}">
+                <a16:creationId xmlns:a16="http://schemas.microsoft.com/office/drawing/2014/main" id="{F0100BDB-F62D-EF14-CD74-FAC87EBFD6BA}"/>
+              </a:ext>
+            </a:extLst>
+          </p:cNvPr>
+          <p:cNvSpPr/>
+          <p:nvPr/>
+        </p:nvSpPr>
+        <p:spPr>
+          <a:xfrm>
+            <a:off x="5139479" y="3727620"/>
+            <a:ext cx="1645920" cy="288000"/>
+          </a:xfrm>
+          <a:prstGeom prst="roundRect">
+            <a:avLst/>
+          </a:prstGeom>
+          <a:solidFill>
+            <a:srgbClr val="00AEC7"/>
+          </a:solidFill>
+          <a:ln>
+            <a:noFill/>
+          </a:ln>
+        </p:spPr>
+        <p:style>
+          <a:lnRef idx="2">
+            <a:schemeClr val="accent1">
+              <a:shade val="50000"/>
+            </a:schemeClr>
+          </a:lnRef>
+          <a:fillRef idx="1">
+            <a:schemeClr val="accent1"/>
+          </a:fillRef>
+          <a:effectRef idx="0">
+            <a:schemeClr val="accent1"/>
+          </a:effectRef>
+          <a:fontRef idx="minor">
+            <a:schemeClr val="lt1"/>
+          </a:fontRef>
+        </p:style>
+        <p:txBody>
+          <a:bodyPr rtlCol="0" anchor="ctr"/>
+          <a:lstStyle>
+            <a:defPPr>
+              <a:defRPr lang="en-US"/>
+            </a:defPPr>
+            <a:lvl1pPr marL="0" algn="l" defTabSz="914377" rtl="0" eaLnBrk="1" latinLnBrk="0" hangingPunct="1">
+              <a:defRPr sz="1800" kern="1200">
+                <a:solidFill>
+                  <a:schemeClr val="lt1"/>
+                </a:solidFill>
+                <a:latin typeface="+mn-lt"/>
+                <a:ea typeface="+mn-ea"/>
+                <a:cs typeface="+mn-cs"/>
+              </a:defRPr>
+            </a:lvl1pPr>
+            <a:lvl2pPr marL="457189" algn="l" defTabSz="914377" rtl="0" eaLnBrk="1" latinLnBrk="0" hangingPunct="1">
+              <a:defRPr sz="1800" kern="1200">
+                <a:solidFill>
+                  <a:schemeClr val="lt1"/>
+                </a:solidFill>
+                <a:latin typeface="+mn-lt"/>
+                <a:ea typeface="+mn-ea"/>
+                <a:cs typeface="+mn-cs"/>
+              </a:defRPr>
+            </a:lvl2pPr>
+            <a:lvl3pPr marL="914377" algn="l" defTabSz="914377" rtl="0" eaLnBrk="1" latinLnBrk="0" hangingPunct="1">
+              <a:defRPr sz="1800" kern="1200">
+                <a:solidFill>
+                  <a:schemeClr val="lt1"/>
+                </a:solidFill>
+                <a:latin typeface="+mn-lt"/>
+                <a:ea typeface="+mn-ea"/>
+                <a:cs typeface="+mn-cs"/>
+              </a:defRPr>
+            </a:lvl3pPr>
+            <a:lvl4pPr marL="1371566" algn="l" defTabSz="914377" rtl="0" eaLnBrk="1" latinLnBrk="0" hangingPunct="1">
+              <a:defRPr sz="1800" kern="1200">
+                <a:solidFill>
+                  <a:schemeClr val="lt1"/>
+                </a:solidFill>
+                <a:latin typeface="+mn-lt"/>
+                <a:ea typeface="+mn-ea"/>
+                <a:cs typeface="+mn-cs"/>
+              </a:defRPr>
+            </a:lvl4pPr>
+            <a:lvl5pPr marL="1828754" algn="l" defTabSz="914377" rtl="0" eaLnBrk="1" latinLnBrk="0" hangingPunct="1">
+              <a:defRPr sz="1800" kern="1200">
+                <a:solidFill>
+                  <a:schemeClr val="lt1"/>
+                </a:solidFill>
+                <a:latin typeface="+mn-lt"/>
+                <a:ea typeface="+mn-ea"/>
+                <a:cs typeface="+mn-cs"/>
+              </a:defRPr>
+            </a:lvl5pPr>
+            <a:lvl6pPr marL="2285943" algn="l" defTabSz="914377" rtl="0" eaLnBrk="1" latinLnBrk="0" hangingPunct="1">
+              <a:defRPr sz="1800" kern="1200">
+                <a:solidFill>
+                  <a:schemeClr val="lt1"/>
+                </a:solidFill>
+                <a:latin typeface="+mn-lt"/>
+                <a:ea typeface="+mn-ea"/>
+                <a:cs typeface="+mn-cs"/>
+              </a:defRPr>
+            </a:lvl6pPr>
+            <a:lvl7pPr marL="2743131" algn="l" defTabSz="914377" rtl="0" eaLnBrk="1" latinLnBrk="0" hangingPunct="1">
+              <a:defRPr sz="1800" kern="1200">
+                <a:solidFill>
+                  <a:schemeClr val="lt1"/>
+                </a:solidFill>
+                <a:latin typeface="+mn-lt"/>
+                <a:ea typeface="+mn-ea"/>
+                <a:cs typeface="+mn-cs"/>
+              </a:defRPr>
+            </a:lvl7pPr>
+            <a:lvl8pPr marL="3200320" algn="l" defTabSz="914377" rtl="0" eaLnBrk="1" latinLnBrk="0" hangingPunct="1">
+              <a:defRPr sz="1800" kern="1200">
+                <a:solidFill>
+                  <a:schemeClr val="lt1"/>
+                </a:solidFill>
+                <a:latin typeface="+mn-lt"/>
+                <a:ea typeface="+mn-ea"/>
+                <a:cs typeface="+mn-cs"/>
+              </a:defRPr>
+            </a:lvl8pPr>
+            <a:lvl9pPr marL="3657509" algn="l" defTabSz="914377" rtl="0" eaLnBrk="1" latinLnBrk="0" hangingPunct="1">
+              <a:defRPr sz="1800" kern="1200">
+                <a:solidFill>
+                  <a:schemeClr val="lt1"/>
+                </a:solidFill>
+                <a:latin typeface="+mn-lt"/>
+                <a:ea typeface="+mn-ea"/>
+                <a:cs typeface="+mn-cs"/>
+              </a:defRPr>
+            </a:lvl9pPr>
+          </a:lstStyle>
+          <a:p>
+            <a:pPr algn="ctr"/>
+            <a:r>
+              <a:rPr lang="en-US" sz="1200" dirty="0" err="1">
+                <a:solidFill>
+                  <a:schemeClr val="bg1"/>
+                </a:solidFill>
+              </a:rPr>
+              <a:t>vglite_path.c</a:t>
+            </a:r>
+            <a:endParaRPr lang="en-US" sz="1200" dirty="0">
+              <a:solidFill>
+                <a:schemeClr val="bg1"/>
+              </a:solidFill>
+            </a:endParaRPr>
+          </a:p>
+        </p:txBody>
+      </p:sp>
+      <p:grpSp>
+        <p:nvGrpSpPr>
+          <p:cNvPr id="130" name="Group 129">
+            <a:extLst>
+              <a:ext uri="{FF2B5EF4-FFF2-40B4-BE49-F238E27FC236}">
+                <a16:creationId xmlns:a16="http://schemas.microsoft.com/office/drawing/2014/main" id="{313FB7B3-BE7A-AC58-8506-5BE50E779BF4}"/>
+              </a:ext>
+            </a:extLst>
+          </p:cNvPr>
+          <p:cNvGrpSpPr/>
+          <p:nvPr/>
+        </p:nvGrpSpPr>
+        <p:grpSpPr>
+          <a:xfrm>
+            <a:off x="289228" y="3610338"/>
+            <a:ext cx="1046818" cy="544141"/>
+            <a:chOff x="195827" y="6170286"/>
+            <a:chExt cx="1046818" cy="544141"/>
+          </a:xfrm>
+        </p:grpSpPr>
+        <p:sp>
+          <p:nvSpPr>
+            <p:cNvPr id="134" name="Rectangle 133">
+              <a:extLst>
+                <a:ext uri="{FF2B5EF4-FFF2-40B4-BE49-F238E27FC236}">
+                  <a16:creationId xmlns:a16="http://schemas.microsoft.com/office/drawing/2014/main" id="{0A46A596-4A97-7F36-64EF-8D8E21527EC5}"/>
+                </a:ext>
+              </a:extLst>
+            </p:cNvPr>
+            <p:cNvSpPr/>
+            <p:nvPr/>
+          </p:nvSpPr>
+          <p:spPr>
+            <a:xfrm>
+              <a:off x="231685" y="6170286"/>
+              <a:ext cx="927049" cy="276999"/>
+            </a:xfrm>
+            <a:prstGeom prst="rect">
+              <a:avLst/>
+            </a:prstGeom>
+          </p:spPr>
+          <p:txBody>
+            <a:bodyPr wrap="none">
+              <a:spAutoFit/>
+            </a:bodyPr>
+            <a:lstStyle/>
+            <a:p>
+              <a:r>
+                <a:rPr lang="en-US" sz="1200" dirty="0"/>
+                <a:t>implements</a:t>
+              </a:r>
+            </a:p>
+          </p:txBody>
+        </p:sp>
+        <p:cxnSp>
+          <p:nvCxnSpPr>
+            <p:cNvPr id="135" name="Straight Arrow Connector 134">
+              <a:extLst>
+                <a:ext uri="{FF2B5EF4-FFF2-40B4-BE49-F238E27FC236}">
+                  <a16:creationId xmlns:a16="http://schemas.microsoft.com/office/drawing/2014/main" id="{48B9013D-E597-AE1D-4BBC-E26EA575EA74}"/>
+                </a:ext>
+              </a:extLst>
+            </p:cNvPr>
+            <p:cNvCxnSpPr>
+              <a:cxnSpLocks/>
+            </p:cNvCxnSpPr>
+            <p:nvPr/>
+          </p:nvCxnSpPr>
+          <p:spPr>
+            <a:xfrm flipH="1">
+              <a:off x="195827" y="6437428"/>
+              <a:ext cx="1046818" cy="1660"/>
+            </a:xfrm>
+            <a:prstGeom prst="straightConnector1">
+              <a:avLst/>
+            </a:prstGeom>
+            <a:ln>
+              <a:tailEnd type="triangle"/>
+            </a:ln>
+          </p:spPr>
+          <p:style>
+            <a:lnRef idx="1">
+              <a:schemeClr val="accent1"/>
+            </a:lnRef>
+            <a:fillRef idx="0">
+              <a:schemeClr val="accent1"/>
+            </a:fillRef>
+            <a:effectRef idx="0">
+              <a:schemeClr val="accent1"/>
+            </a:effectRef>
+            <a:fontRef idx="minor">
+              <a:schemeClr val="tx1"/>
+            </a:fontRef>
+          </p:style>
+        </p:cxnSp>
+        <p:sp>
+          <p:nvSpPr>
+            <p:cNvPr id="137" name="Rectangle 136">
+              <a:extLst>
+                <a:ext uri="{FF2B5EF4-FFF2-40B4-BE49-F238E27FC236}">
+                  <a16:creationId xmlns:a16="http://schemas.microsoft.com/office/drawing/2014/main" id="{C881B6EA-E9EA-90AA-D2A2-DBDFD765F6D4}"/>
+                </a:ext>
+              </a:extLst>
+            </p:cNvPr>
+            <p:cNvSpPr/>
+            <p:nvPr/>
+          </p:nvSpPr>
+          <p:spPr>
+            <a:xfrm>
+              <a:off x="231685" y="6437428"/>
+              <a:ext cx="696729" cy="276999"/>
+            </a:xfrm>
+            <a:prstGeom prst="rect">
+              <a:avLst/>
+            </a:prstGeom>
+          </p:spPr>
+          <p:txBody>
+            <a:bodyPr wrap="none">
+              <a:spAutoFit/>
+            </a:bodyPr>
+            <a:lstStyle/>
+            <a:p>
+              <a:r>
+                <a:rPr lang="en-US" sz="1200" dirty="0"/>
+                <a:t>requires</a:t>
+              </a:r>
+            </a:p>
+          </p:txBody>
+        </p:sp>
+        <p:cxnSp>
+          <p:nvCxnSpPr>
+            <p:cNvPr id="138" name="Straight Arrow Connector 137">
+              <a:extLst>
+                <a:ext uri="{FF2B5EF4-FFF2-40B4-BE49-F238E27FC236}">
+                  <a16:creationId xmlns:a16="http://schemas.microsoft.com/office/drawing/2014/main" id="{C7AE6EAB-124A-2145-A56F-F27234B7EC07}"/>
+                </a:ext>
+              </a:extLst>
+            </p:cNvPr>
+            <p:cNvCxnSpPr>
+              <a:cxnSpLocks/>
+            </p:cNvCxnSpPr>
+            <p:nvPr/>
+          </p:nvCxnSpPr>
+          <p:spPr>
+            <a:xfrm flipH="1">
+              <a:off x="195827" y="6706230"/>
+              <a:ext cx="1046818" cy="0"/>
+            </a:xfrm>
+            <a:prstGeom prst="straightConnector1">
+              <a:avLst/>
+            </a:prstGeom>
+            <a:ln>
+              <a:tailEnd type="triangle"/>
+            </a:ln>
+          </p:spPr>
+          <p:style>
+            <a:lnRef idx="1">
+              <a:schemeClr val="accent2"/>
+            </a:lnRef>
+            <a:fillRef idx="0">
+              <a:schemeClr val="accent2"/>
+            </a:fillRef>
+            <a:effectRef idx="0">
+              <a:schemeClr val="accent2"/>
+            </a:effectRef>
+            <a:fontRef idx="minor">
+              <a:schemeClr val="tx1"/>
+            </a:fontRef>
+          </p:style>
+        </p:cxnSp>
+      </p:grpSp>
+      <p:cxnSp>
+        <p:nvCxnSpPr>
+          <p:cNvPr id="156" name="Straight Arrow Connector 155">
+            <a:extLst>
+              <a:ext uri="{FF2B5EF4-FFF2-40B4-BE49-F238E27FC236}">
+                <a16:creationId xmlns:a16="http://schemas.microsoft.com/office/drawing/2014/main" id="{1AB6B6B5-F553-FB3F-D66F-8EEE2BF53CDF}"/>
+              </a:ext>
+            </a:extLst>
+          </p:cNvPr>
+          <p:cNvCxnSpPr>
+            <a:cxnSpLocks/>
+            <a:stCxn id="17" idx="3"/>
+            <a:endCxn id="119" idx="1"/>
+          </p:cNvCxnSpPr>
+          <p:nvPr/>
+        </p:nvCxnSpPr>
+        <p:spPr>
+          <a:xfrm flipV="1">
+            <a:off x="6917251" y="3510439"/>
+            <a:ext cx="876363" cy="7130"/>
+          </a:xfrm>
+          <a:prstGeom prst="straightConnector1">
+            <a:avLst/>
+          </a:prstGeom>
+          <a:ln>
+            <a:tailEnd type="triangle"/>
+          </a:ln>
+        </p:spPr>
+        <p:style>
+          <a:lnRef idx="1">
+            <a:schemeClr val="accent2"/>
+          </a:lnRef>
+          <a:fillRef idx="0">
+            <a:schemeClr val="accent2"/>
+          </a:fillRef>
+          <a:effectRef idx="0">
+            <a:schemeClr val="accent2"/>
+          </a:effectRef>
+          <a:fontRef idx="minor">
+            <a:schemeClr val="tx1"/>
+          </a:fontRef>
+        </p:style>
+      </p:cxnSp>
+      <p:cxnSp>
+        <p:nvCxnSpPr>
+          <p:cNvPr id="34" name="Straight Arrow Connector 33">
+            <a:extLst>
+              <a:ext uri="{FF2B5EF4-FFF2-40B4-BE49-F238E27FC236}">
+                <a16:creationId xmlns:a16="http://schemas.microsoft.com/office/drawing/2014/main" id="{DA324B84-925D-C7C9-EB01-35FAA994BD05}"/>
+              </a:ext>
+            </a:extLst>
+          </p:cNvPr>
+          <p:cNvCxnSpPr>
+            <a:cxnSpLocks/>
+            <a:stCxn id="16" idx="1"/>
+            <a:endCxn id="25" idx="3"/>
+          </p:cNvCxnSpPr>
+          <p:nvPr/>
+        </p:nvCxnSpPr>
+        <p:spPr>
+          <a:xfrm flipH="1" flipV="1">
+            <a:off x="4319222" y="2419752"/>
+            <a:ext cx="820257" cy="719357"/>
+          </a:xfrm>
+          <a:prstGeom prst="straightConnector1">
+            <a:avLst/>
+          </a:prstGeom>
+          <a:ln>
+            <a:tailEnd type="triangle"/>
+          </a:ln>
+        </p:spPr>
+        <p:style>
+          <a:lnRef idx="1">
+            <a:schemeClr val="accent1"/>
+          </a:lnRef>
+          <a:fillRef idx="0">
+            <a:schemeClr val="accent1"/>
+          </a:fillRef>
+          <a:effectRef idx="0">
+            <a:schemeClr val="accent1"/>
+          </a:effectRef>
+          <a:fontRef idx="minor">
+            <a:schemeClr val="tx1"/>
+          </a:fontRef>
+        </p:style>
+      </p:cxnSp>
+      <p:grpSp>
+        <p:nvGrpSpPr>
+          <p:cNvPr id="118" name="Group 117">
+            <a:extLst>
+              <a:ext uri="{FF2B5EF4-FFF2-40B4-BE49-F238E27FC236}">
+                <a16:creationId xmlns:a16="http://schemas.microsoft.com/office/drawing/2014/main" id="{A3A22C73-5836-C990-F305-E3C7BB703C33}"/>
+              </a:ext>
+            </a:extLst>
+          </p:cNvPr>
+          <p:cNvGrpSpPr/>
+          <p:nvPr/>
+        </p:nvGrpSpPr>
+        <p:grpSpPr>
+          <a:xfrm>
+            <a:off x="7793614" y="2815642"/>
+            <a:ext cx="1786503" cy="1112595"/>
+            <a:chOff x="9856130" y="1428812"/>
+            <a:chExt cx="1786503" cy="1112595"/>
+          </a:xfrm>
+        </p:grpSpPr>
+        <p:sp>
+          <p:nvSpPr>
+            <p:cNvPr id="119" name="Rounded Rectangle 62">
+              <a:extLst>
+                <a:ext uri="{FF2B5EF4-FFF2-40B4-BE49-F238E27FC236}">
+                  <a16:creationId xmlns:a16="http://schemas.microsoft.com/office/drawing/2014/main" id="{BFA02B11-8CF9-F243-2EE1-CA4CA0B32A78}"/>
+                </a:ext>
+              </a:extLst>
+            </p:cNvPr>
+            <p:cNvSpPr/>
+            <p:nvPr/>
+          </p:nvSpPr>
+          <p:spPr>
+            <a:xfrm>
+              <a:off x="9856130" y="1705811"/>
+              <a:ext cx="1786503" cy="835596"/>
+            </a:xfrm>
+            <a:prstGeom prst="roundRect">
+              <a:avLst>
+                <a:gd name="adj" fmla="val 5059"/>
+              </a:avLst>
+            </a:prstGeom>
+            <a:solidFill>
+              <a:schemeClr val="bg1">
+                <a:lumMod val="95000"/>
+              </a:schemeClr>
+            </a:solidFill>
+            <a:ln w="19050">
+              <a:noFill/>
+            </a:ln>
+          </p:spPr>
+          <p:style>
+            <a:lnRef idx="2">
+              <a:schemeClr val="accent1">
+                <a:shade val="50000"/>
+              </a:schemeClr>
+            </a:lnRef>
+            <a:fillRef idx="1">
+              <a:schemeClr val="accent1"/>
+            </a:fillRef>
+            <a:effectRef idx="0">
+              <a:schemeClr val="accent1"/>
+            </a:effectRef>
+            <a:fontRef idx="minor">
+              <a:schemeClr val="lt1"/>
+            </a:fontRef>
+          </p:style>
+          <p:txBody>
+            <a:bodyPr wrap="square" lIns="0" tIns="0" rIns="0" bIns="0" rtlCol="0" anchor="ctr"/>
+            <a:lstStyle/>
+            <a:p>
+              <a:pPr algn="ctr"/>
+              <a:endParaRPr lang="en-US" sz="1200" dirty="0">
+                <a:solidFill>
+                  <a:schemeClr val="bg1">
+                    <a:lumMod val="95000"/>
+                  </a:schemeClr>
+                </a:solidFill>
+              </a:endParaRPr>
+            </a:p>
+          </p:txBody>
+        </p:sp>
+        <p:sp>
+          <p:nvSpPr>
+            <p:cNvPr id="120" name="Rectangle 119">
+              <a:extLst>
+                <a:ext uri="{FF2B5EF4-FFF2-40B4-BE49-F238E27FC236}">
+                  <a16:creationId xmlns:a16="http://schemas.microsoft.com/office/drawing/2014/main" id="{76AE76FD-4400-7C78-6028-A760A1F5F52C}"/>
+                </a:ext>
+              </a:extLst>
+            </p:cNvPr>
+            <p:cNvSpPr/>
+            <p:nvPr/>
+          </p:nvSpPr>
+          <p:spPr>
+            <a:xfrm>
+              <a:off x="9856130" y="1428812"/>
+              <a:ext cx="1556836" cy="276999"/>
+            </a:xfrm>
+            <a:prstGeom prst="rect">
+              <a:avLst/>
+            </a:prstGeom>
+          </p:spPr>
+          <p:txBody>
+            <a:bodyPr wrap="none">
+              <a:spAutoFit/>
+            </a:bodyPr>
+            <a:lstStyle/>
+            <a:p>
+              <a:r>
+                <a:rPr lang="en-US" sz="1200" dirty="0"/>
+                <a:t>Library </a:t>
+              </a:r>
+              <a:r>
+                <a:rPr lang="en-US" sz="1200" dirty="0" err="1"/>
+                <a:t>Vivante</a:t>
+              </a:r>
+              <a:r>
+                <a:rPr lang="en-US" sz="1200" dirty="0"/>
+                <a:t> </a:t>
+              </a:r>
+              <a:r>
+                <a:rPr lang="en-US" sz="1200" dirty="0" err="1"/>
+                <a:t>VGLite</a:t>
+              </a:r>
+              <a:endParaRPr lang="en-US" sz="1200" dirty="0"/>
+            </a:p>
+          </p:txBody>
+        </p:sp>
+        <p:sp>
+          <p:nvSpPr>
+            <p:cNvPr id="121" name="Rounded Rectangle 12">
+              <a:extLst>
+                <a:ext uri="{FF2B5EF4-FFF2-40B4-BE49-F238E27FC236}">
+                  <a16:creationId xmlns:a16="http://schemas.microsoft.com/office/drawing/2014/main" id="{7E47ED9A-27C5-0A34-0300-21857E43E1FE}"/>
+                </a:ext>
+              </a:extLst>
+            </p:cNvPr>
+            <p:cNvSpPr/>
+            <p:nvPr/>
+          </p:nvSpPr>
+          <p:spPr>
+            <a:xfrm>
+              <a:off x="9920126" y="1811781"/>
+              <a:ext cx="1645920" cy="288000"/>
+            </a:xfrm>
+            <a:prstGeom prst="roundRect">
+              <a:avLst/>
+            </a:prstGeom>
+            <a:solidFill>
+              <a:srgbClr val="6CC24A"/>
+            </a:solidFill>
+            <a:ln>
+              <a:noFill/>
+            </a:ln>
+          </p:spPr>
+          <p:style>
+            <a:lnRef idx="2">
+              <a:schemeClr val="accent1">
+                <a:shade val="50000"/>
+              </a:schemeClr>
+            </a:lnRef>
+            <a:fillRef idx="1">
+              <a:schemeClr val="accent1"/>
+            </a:fillRef>
+            <a:effectRef idx="0">
+              <a:schemeClr val="accent1"/>
+            </a:effectRef>
+            <a:fontRef idx="minor">
+              <a:schemeClr val="lt1"/>
+            </a:fontRef>
+          </p:style>
+          <p:txBody>
+            <a:bodyPr rtlCol="0" anchor="ctr"/>
+            <a:lstStyle>
+              <a:defPPr>
+                <a:defRPr lang="en-US"/>
+              </a:defPPr>
+              <a:lvl1pPr marL="0" algn="l" defTabSz="914377" rtl="0" eaLnBrk="1" latinLnBrk="0" hangingPunct="1">
+                <a:defRPr sz="1800" kern="1200">
+                  <a:solidFill>
+                    <a:schemeClr val="lt1"/>
+                  </a:solidFill>
+                  <a:latin typeface="+mn-lt"/>
+                  <a:ea typeface="+mn-ea"/>
+                  <a:cs typeface="+mn-cs"/>
+                </a:defRPr>
+              </a:lvl1pPr>
+              <a:lvl2pPr marL="457189" algn="l" defTabSz="914377" rtl="0" eaLnBrk="1" latinLnBrk="0" hangingPunct="1">
+                <a:defRPr sz="1800" kern="1200">
+                  <a:solidFill>
+                    <a:schemeClr val="lt1"/>
+                  </a:solidFill>
+                  <a:latin typeface="+mn-lt"/>
+                  <a:ea typeface="+mn-ea"/>
+                  <a:cs typeface="+mn-cs"/>
+                </a:defRPr>
+              </a:lvl2pPr>
+              <a:lvl3pPr marL="914377" algn="l" defTabSz="914377" rtl="0" eaLnBrk="1" latinLnBrk="0" hangingPunct="1">
+                <a:defRPr sz="1800" kern="1200">
+                  <a:solidFill>
+                    <a:schemeClr val="lt1"/>
+                  </a:solidFill>
+                  <a:latin typeface="+mn-lt"/>
+                  <a:ea typeface="+mn-ea"/>
+                  <a:cs typeface="+mn-cs"/>
+                </a:defRPr>
+              </a:lvl3pPr>
+              <a:lvl4pPr marL="1371566" algn="l" defTabSz="914377" rtl="0" eaLnBrk="1" latinLnBrk="0" hangingPunct="1">
+                <a:defRPr sz="1800" kern="1200">
+                  <a:solidFill>
+                    <a:schemeClr val="lt1"/>
+                  </a:solidFill>
+                  <a:latin typeface="+mn-lt"/>
+                  <a:ea typeface="+mn-ea"/>
+                  <a:cs typeface="+mn-cs"/>
+                </a:defRPr>
+              </a:lvl4pPr>
+              <a:lvl5pPr marL="1828754" algn="l" defTabSz="914377" rtl="0" eaLnBrk="1" latinLnBrk="0" hangingPunct="1">
+                <a:defRPr sz="1800" kern="1200">
+                  <a:solidFill>
+                    <a:schemeClr val="lt1"/>
+                  </a:solidFill>
+                  <a:latin typeface="+mn-lt"/>
+                  <a:ea typeface="+mn-ea"/>
+                  <a:cs typeface="+mn-cs"/>
+                </a:defRPr>
+              </a:lvl5pPr>
+              <a:lvl6pPr marL="2285943" algn="l" defTabSz="914377" rtl="0" eaLnBrk="1" latinLnBrk="0" hangingPunct="1">
+                <a:defRPr sz="1800" kern="1200">
+                  <a:solidFill>
+                    <a:schemeClr val="lt1"/>
+                  </a:solidFill>
+                  <a:latin typeface="+mn-lt"/>
+                  <a:ea typeface="+mn-ea"/>
+                  <a:cs typeface="+mn-cs"/>
+                </a:defRPr>
+              </a:lvl6pPr>
+              <a:lvl7pPr marL="2743131" algn="l" defTabSz="914377" rtl="0" eaLnBrk="1" latinLnBrk="0" hangingPunct="1">
+                <a:defRPr sz="1800" kern="1200">
+                  <a:solidFill>
+                    <a:schemeClr val="lt1"/>
+                  </a:solidFill>
+                  <a:latin typeface="+mn-lt"/>
+                  <a:ea typeface="+mn-ea"/>
+                  <a:cs typeface="+mn-cs"/>
+                </a:defRPr>
+              </a:lvl7pPr>
+              <a:lvl8pPr marL="3200320" algn="l" defTabSz="914377" rtl="0" eaLnBrk="1" latinLnBrk="0" hangingPunct="1">
+                <a:defRPr sz="1800" kern="1200">
+                  <a:solidFill>
+                    <a:schemeClr val="lt1"/>
+                  </a:solidFill>
+                  <a:latin typeface="+mn-lt"/>
+                  <a:ea typeface="+mn-ea"/>
+                  <a:cs typeface="+mn-cs"/>
+                </a:defRPr>
+              </a:lvl8pPr>
+              <a:lvl9pPr marL="3657509" algn="l" defTabSz="914377" rtl="0" eaLnBrk="1" latinLnBrk="0" hangingPunct="1">
+                <a:defRPr sz="1800" kern="1200">
+                  <a:solidFill>
+                    <a:schemeClr val="lt1"/>
+                  </a:solidFill>
+                  <a:latin typeface="+mn-lt"/>
+                  <a:ea typeface="+mn-ea"/>
+                  <a:cs typeface="+mn-cs"/>
+                </a:defRPr>
+              </a:lvl9pPr>
+            </a:lstStyle>
+            <a:p>
+              <a:pPr algn="ctr"/>
+              <a:r>
+                <a:rPr lang="en-US" sz="1200" dirty="0">
+                  <a:solidFill>
+                    <a:schemeClr val="bg1"/>
+                  </a:solidFill>
+                </a:rPr>
+                <a:t>[…]</a:t>
+              </a:r>
+            </a:p>
+          </p:txBody>
+        </p:sp>
+        <p:sp>
+          <p:nvSpPr>
+            <p:cNvPr id="122" name="Rounded Rectangle 28">
+              <a:extLst>
+                <a:ext uri="{FF2B5EF4-FFF2-40B4-BE49-F238E27FC236}">
+                  <a16:creationId xmlns:a16="http://schemas.microsoft.com/office/drawing/2014/main" id="{274712E9-D671-4FA9-9851-36C04260CB84}"/>
+                </a:ext>
+              </a:extLst>
+            </p:cNvPr>
+            <p:cNvSpPr/>
+            <p:nvPr/>
+          </p:nvSpPr>
+          <p:spPr>
+            <a:xfrm>
+              <a:off x="9908678" y="2185734"/>
+              <a:ext cx="1645920" cy="288000"/>
+            </a:xfrm>
+            <a:prstGeom prst="roundRect">
+              <a:avLst/>
+            </a:prstGeom>
+            <a:solidFill>
+              <a:srgbClr val="00AEC7"/>
+            </a:solidFill>
+            <a:ln>
+              <a:noFill/>
+            </a:ln>
+          </p:spPr>
+          <p:style>
+            <a:lnRef idx="2">
+              <a:schemeClr val="accent1">
+                <a:shade val="50000"/>
+              </a:schemeClr>
+            </a:lnRef>
+            <a:fillRef idx="1">
+              <a:schemeClr val="accent1"/>
+            </a:fillRef>
+            <a:effectRef idx="0">
+              <a:schemeClr val="accent1"/>
+            </a:effectRef>
+            <a:fontRef idx="minor">
+              <a:schemeClr val="lt1"/>
+            </a:fontRef>
+          </p:style>
+          <p:txBody>
+            <a:bodyPr rtlCol="0" anchor="ctr"/>
+            <a:lstStyle>
+              <a:defPPr>
+                <a:defRPr lang="en-US"/>
+              </a:defPPr>
+              <a:lvl1pPr marL="0" algn="l" defTabSz="914377" rtl="0" eaLnBrk="1" latinLnBrk="0" hangingPunct="1">
+                <a:defRPr sz="1800" kern="1200">
+                  <a:solidFill>
+                    <a:schemeClr val="lt1"/>
+                  </a:solidFill>
+                  <a:latin typeface="+mn-lt"/>
+                  <a:ea typeface="+mn-ea"/>
+                  <a:cs typeface="+mn-cs"/>
+                </a:defRPr>
+              </a:lvl1pPr>
+              <a:lvl2pPr marL="457189" algn="l" defTabSz="914377" rtl="0" eaLnBrk="1" latinLnBrk="0" hangingPunct="1">
+                <a:defRPr sz="1800" kern="1200">
+                  <a:solidFill>
+                    <a:schemeClr val="lt1"/>
+                  </a:solidFill>
+                  <a:latin typeface="+mn-lt"/>
+                  <a:ea typeface="+mn-ea"/>
+                  <a:cs typeface="+mn-cs"/>
+                </a:defRPr>
+              </a:lvl2pPr>
+              <a:lvl3pPr marL="914377" algn="l" defTabSz="914377" rtl="0" eaLnBrk="1" latinLnBrk="0" hangingPunct="1">
+                <a:defRPr sz="1800" kern="1200">
+                  <a:solidFill>
+                    <a:schemeClr val="lt1"/>
+                  </a:solidFill>
+                  <a:latin typeface="+mn-lt"/>
+                  <a:ea typeface="+mn-ea"/>
+                  <a:cs typeface="+mn-cs"/>
+                </a:defRPr>
+              </a:lvl3pPr>
+              <a:lvl4pPr marL="1371566" algn="l" defTabSz="914377" rtl="0" eaLnBrk="1" latinLnBrk="0" hangingPunct="1">
+                <a:defRPr sz="1800" kern="1200">
+                  <a:solidFill>
+                    <a:schemeClr val="lt1"/>
+                  </a:solidFill>
+                  <a:latin typeface="+mn-lt"/>
+                  <a:ea typeface="+mn-ea"/>
+                  <a:cs typeface="+mn-cs"/>
+                </a:defRPr>
+              </a:lvl4pPr>
+              <a:lvl5pPr marL="1828754" algn="l" defTabSz="914377" rtl="0" eaLnBrk="1" latinLnBrk="0" hangingPunct="1">
+                <a:defRPr sz="1800" kern="1200">
+                  <a:solidFill>
+                    <a:schemeClr val="lt1"/>
+                  </a:solidFill>
+                  <a:latin typeface="+mn-lt"/>
+                  <a:ea typeface="+mn-ea"/>
+                  <a:cs typeface="+mn-cs"/>
+                </a:defRPr>
+              </a:lvl5pPr>
+              <a:lvl6pPr marL="2285943" algn="l" defTabSz="914377" rtl="0" eaLnBrk="1" latinLnBrk="0" hangingPunct="1">
+                <a:defRPr sz="1800" kern="1200">
+                  <a:solidFill>
+                    <a:schemeClr val="lt1"/>
+                  </a:solidFill>
+                  <a:latin typeface="+mn-lt"/>
+                  <a:ea typeface="+mn-ea"/>
+                  <a:cs typeface="+mn-cs"/>
+                </a:defRPr>
+              </a:lvl6pPr>
+              <a:lvl7pPr marL="2743131" algn="l" defTabSz="914377" rtl="0" eaLnBrk="1" latinLnBrk="0" hangingPunct="1">
+                <a:defRPr sz="1800" kern="1200">
+                  <a:solidFill>
+                    <a:schemeClr val="lt1"/>
+                  </a:solidFill>
+                  <a:latin typeface="+mn-lt"/>
+                  <a:ea typeface="+mn-ea"/>
+                  <a:cs typeface="+mn-cs"/>
+                </a:defRPr>
+              </a:lvl7pPr>
+              <a:lvl8pPr marL="3200320" algn="l" defTabSz="914377" rtl="0" eaLnBrk="1" latinLnBrk="0" hangingPunct="1">
+                <a:defRPr sz="1800" kern="1200">
+                  <a:solidFill>
+                    <a:schemeClr val="lt1"/>
+                  </a:solidFill>
+                  <a:latin typeface="+mn-lt"/>
+                  <a:ea typeface="+mn-ea"/>
+                  <a:cs typeface="+mn-cs"/>
+                </a:defRPr>
+              </a:lvl8pPr>
+              <a:lvl9pPr marL="3657509" algn="l" defTabSz="914377" rtl="0" eaLnBrk="1" latinLnBrk="0" hangingPunct="1">
+                <a:defRPr sz="1800" kern="1200">
+                  <a:solidFill>
+                    <a:schemeClr val="lt1"/>
+                  </a:solidFill>
+                  <a:latin typeface="+mn-lt"/>
+                  <a:ea typeface="+mn-ea"/>
+                  <a:cs typeface="+mn-cs"/>
+                </a:defRPr>
+              </a:lvl9pPr>
+            </a:lstStyle>
+            <a:p>
+              <a:pPr algn="ctr"/>
+              <a:r>
+                <a:rPr lang="en-US" sz="1200" dirty="0">
+                  <a:solidFill>
+                    <a:schemeClr val="bg1"/>
+                  </a:solidFill>
+                </a:rPr>
+                <a:t>[…]</a:t>
+              </a:r>
+            </a:p>
+          </p:txBody>
+        </p:sp>
+      </p:grpSp>
+      <p:sp>
+        <p:nvSpPr>
+          <p:cNvPr id="25" name="Rounded Rectangle 19">
+            <a:extLst>
+              <a:ext uri="{FF2B5EF4-FFF2-40B4-BE49-F238E27FC236}">
+                <a16:creationId xmlns:a16="http://schemas.microsoft.com/office/drawing/2014/main" id="{BBC5A0EF-97C9-45D3-6ADA-D75BF8E6C45E}"/>
+              </a:ext>
+            </a:extLst>
+          </p:cNvPr>
+          <p:cNvSpPr/>
+          <p:nvPr/>
+        </p:nvSpPr>
+        <p:spPr>
+          <a:xfrm>
+            <a:off x="2673302" y="2275752"/>
+            <a:ext cx="1645920" cy="288000"/>
+          </a:xfrm>
+          <a:prstGeom prst="roundRect">
+            <a:avLst/>
+          </a:prstGeom>
+          <a:solidFill>
+            <a:srgbClr val="6CC24A"/>
+          </a:solidFill>
+          <a:ln>
+            <a:noFill/>
+          </a:ln>
+        </p:spPr>
+        <p:style>
+          <a:lnRef idx="2">
+            <a:schemeClr val="accent1">
+              <a:shade val="50000"/>
+            </a:schemeClr>
+          </a:lnRef>
+          <a:fillRef idx="1">
+            <a:schemeClr val="accent1"/>
+          </a:fillRef>
+          <a:effectRef idx="0">
+            <a:schemeClr val="accent1"/>
+          </a:effectRef>
+          <a:fontRef idx="minor">
+            <a:schemeClr val="lt1"/>
+          </a:fontRef>
+        </p:style>
+        <p:txBody>
+          <a:bodyPr rtlCol="0" anchor="ctr"/>
+          <a:lstStyle>
+            <a:defPPr>
+              <a:defRPr lang="en-US"/>
+            </a:defPPr>
+            <a:lvl1pPr marL="0" algn="l" defTabSz="914377" rtl="0" eaLnBrk="1" latinLnBrk="0" hangingPunct="1">
+              <a:defRPr sz="1800" kern="1200">
+                <a:solidFill>
+                  <a:schemeClr val="lt1"/>
+                </a:solidFill>
+                <a:latin typeface="+mn-lt"/>
+                <a:ea typeface="+mn-ea"/>
+                <a:cs typeface="+mn-cs"/>
+              </a:defRPr>
+            </a:lvl1pPr>
+            <a:lvl2pPr marL="457189" algn="l" defTabSz="914377" rtl="0" eaLnBrk="1" latinLnBrk="0" hangingPunct="1">
+              <a:defRPr sz="1800" kern="1200">
+                <a:solidFill>
+                  <a:schemeClr val="lt1"/>
+                </a:solidFill>
+                <a:latin typeface="+mn-lt"/>
+                <a:ea typeface="+mn-ea"/>
+                <a:cs typeface="+mn-cs"/>
+              </a:defRPr>
+            </a:lvl2pPr>
+            <a:lvl3pPr marL="914377" algn="l" defTabSz="914377" rtl="0" eaLnBrk="1" latinLnBrk="0" hangingPunct="1">
+              <a:defRPr sz="1800" kern="1200">
+                <a:solidFill>
+                  <a:schemeClr val="lt1"/>
+                </a:solidFill>
+                <a:latin typeface="+mn-lt"/>
+                <a:ea typeface="+mn-ea"/>
+                <a:cs typeface="+mn-cs"/>
+              </a:defRPr>
+            </a:lvl3pPr>
+            <a:lvl4pPr marL="1371566" algn="l" defTabSz="914377" rtl="0" eaLnBrk="1" latinLnBrk="0" hangingPunct="1">
+              <a:defRPr sz="1800" kern="1200">
+                <a:solidFill>
+                  <a:schemeClr val="lt1"/>
+                </a:solidFill>
+                <a:latin typeface="+mn-lt"/>
+                <a:ea typeface="+mn-ea"/>
+                <a:cs typeface="+mn-cs"/>
+              </a:defRPr>
+            </a:lvl4pPr>
+            <a:lvl5pPr marL="1828754" algn="l" defTabSz="914377" rtl="0" eaLnBrk="1" latinLnBrk="0" hangingPunct="1">
+              <a:defRPr sz="1800" kern="1200">
+                <a:solidFill>
+                  <a:schemeClr val="lt1"/>
+                </a:solidFill>
+                <a:latin typeface="+mn-lt"/>
+                <a:ea typeface="+mn-ea"/>
+                <a:cs typeface="+mn-cs"/>
+              </a:defRPr>
+            </a:lvl5pPr>
+            <a:lvl6pPr marL="2285943" algn="l" defTabSz="914377" rtl="0" eaLnBrk="1" latinLnBrk="0" hangingPunct="1">
+              <a:defRPr sz="1800" kern="1200">
+                <a:solidFill>
+                  <a:schemeClr val="lt1"/>
+                </a:solidFill>
+                <a:latin typeface="+mn-lt"/>
+                <a:ea typeface="+mn-ea"/>
+                <a:cs typeface="+mn-cs"/>
+              </a:defRPr>
+            </a:lvl6pPr>
+            <a:lvl7pPr marL="2743131" algn="l" defTabSz="914377" rtl="0" eaLnBrk="1" latinLnBrk="0" hangingPunct="1">
+              <a:defRPr sz="1800" kern="1200">
+                <a:solidFill>
+                  <a:schemeClr val="lt1"/>
+                </a:solidFill>
+                <a:latin typeface="+mn-lt"/>
+                <a:ea typeface="+mn-ea"/>
+                <a:cs typeface="+mn-cs"/>
+              </a:defRPr>
+            </a:lvl7pPr>
+            <a:lvl8pPr marL="3200320" algn="l" defTabSz="914377" rtl="0" eaLnBrk="1" latinLnBrk="0" hangingPunct="1">
+              <a:defRPr sz="1800" kern="1200">
+                <a:solidFill>
+                  <a:schemeClr val="lt1"/>
+                </a:solidFill>
+                <a:latin typeface="+mn-lt"/>
+                <a:ea typeface="+mn-ea"/>
+                <a:cs typeface="+mn-cs"/>
+              </a:defRPr>
+            </a:lvl8pPr>
+            <a:lvl9pPr marL="3657509" algn="l" defTabSz="914377" rtl="0" eaLnBrk="1" latinLnBrk="0" hangingPunct="1">
+              <a:defRPr sz="1800" kern="1200">
+                <a:solidFill>
+                  <a:schemeClr val="lt1"/>
+                </a:solidFill>
+                <a:latin typeface="+mn-lt"/>
+                <a:ea typeface="+mn-ea"/>
+                <a:cs typeface="+mn-cs"/>
+              </a:defRPr>
+            </a:lvl9pPr>
+          </a:lstStyle>
+          <a:p>
+            <a:pPr algn="ctr"/>
+            <a:r>
+              <a:rPr lang="en-US" sz="1200" dirty="0" err="1">
+                <a:solidFill>
+                  <a:schemeClr val="bg1"/>
+                </a:solidFill>
+              </a:rPr>
+              <a:t>ui_drawing.h</a:t>
+            </a:r>
+            <a:endParaRPr lang="en-US" sz="1200" dirty="0">
+              <a:solidFill>
+                <a:schemeClr val="bg1"/>
+              </a:solidFill>
+            </a:endParaRPr>
+          </a:p>
+        </p:txBody>
+      </p:sp>
+      <p:sp>
+        <p:nvSpPr>
+          <p:cNvPr id="26" name="Rounded Rectangle 19">
+            <a:extLst>
+              <a:ext uri="{FF2B5EF4-FFF2-40B4-BE49-F238E27FC236}">
+                <a16:creationId xmlns:a16="http://schemas.microsoft.com/office/drawing/2014/main" id="{5D47CC50-A6B8-F84B-CABC-C6F5820A4644}"/>
+              </a:ext>
+            </a:extLst>
+          </p:cNvPr>
+          <p:cNvSpPr/>
+          <p:nvPr/>
+        </p:nvSpPr>
+        <p:spPr>
+          <a:xfrm>
+            <a:off x="2673302" y="2659157"/>
+            <a:ext cx="1645920" cy="288000"/>
+          </a:xfrm>
+          <a:prstGeom prst="roundRect">
+            <a:avLst/>
+          </a:prstGeom>
+          <a:solidFill>
+            <a:srgbClr val="6CC24A"/>
+          </a:solidFill>
+          <a:ln>
+            <a:noFill/>
+          </a:ln>
+        </p:spPr>
+        <p:style>
+          <a:lnRef idx="2">
+            <a:schemeClr val="accent1">
+              <a:shade val="50000"/>
+            </a:schemeClr>
+          </a:lnRef>
+          <a:fillRef idx="1">
+            <a:schemeClr val="accent1"/>
+          </a:fillRef>
+          <a:effectRef idx="0">
+            <a:schemeClr val="accent1"/>
+          </a:effectRef>
+          <a:fontRef idx="minor">
+            <a:schemeClr val="lt1"/>
+          </a:fontRef>
+        </p:style>
+        <p:txBody>
+          <a:bodyPr rtlCol="0" anchor="ctr"/>
+          <a:lstStyle>
+            <a:defPPr>
+              <a:defRPr lang="en-US"/>
+            </a:defPPr>
+            <a:lvl1pPr marL="0" algn="l" defTabSz="914377" rtl="0" eaLnBrk="1" latinLnBrk="0" hangingPunct="1">
+              <a:defRPr sz="1800" kern="1200">
+                <a:solidFill>
+                  <a:schemeClr val="lt1"/>
+                </a:solidFill>
+                <a:latin typeface="+mn-lt"/>
+                <a:ea typeface="+mn-ea"/>
+                <a:cs typeface="+mn-cs"/>
+              </a:defRPr>
+            </a:lvl1pPr>
+            <a:lvl2pPr marL="457189" algn="l" defTabSz="914377" rtl="0" eaLnBrk="1" latinLnBrk="0" hangingPunct="1">
+              <a:defRPr sz="1800" kern="1200">
+                <a:solidFill>
+                  <a:schemeClr val="lt1"/>
+                </a:solidFill>
+                <a:latin typeface="+mn-lt"/>
+                <a:ea typeface="+mn-ea"/>
+                <a:cs typeface="+mn-cs"/>
+              </a:defRPr>
+            </a:lvl2pPr>
+            <a:lvl3pPr marL="914377" algn="l" defTabSz="914377" rtl="0" eaLnBrk="1" latinLnBrk="0" hangingPunct="1">
+              <a:defRPr sz="1800" kern="1200">
+                <a:solidFill>
+                  <a:schemeClr val="lt1"/>
+                </a:solidFill>
+                <a:latin typeface="+mn-lt"/>
+                <a:ea typeface="+mn-ea"/>
+                <a:cs typeface="+mn-cs"/>
+              </a:defRPr>
+            </a:lvl3pPr>
+            <a:lvl4pPr marL="1371566" algn="l" defTabSz="914377" rtl="0" eaLnBrk="1" latinLnBrk="0" hangingPunct="1">
+              <a:defRPr sz="1800" kern="1200">
+                <a:solidFill>
+                  <a:schemeClr val="lt1"/>
+                </a:solidFill>
+                <a:latin typeface="+mn-lt"/>
+                <a:ea typeface="+mn-ea"/>
+                <a:cs typeface="+mn-cs"/>
+              </a:defRPr>
+            </a:lvl4pPr>
+            <a:lvl5pPr marL="1828754" algn="l" defTabSz="914377" rtl="0" eaLnBrk="1" latinLnBrk="0" hangingPunct="1">
+              <a:defRPr sz="1800" kern="1200">
+                <a:solidFill>
+                  <a:schemeClr val="lt1"/>
+                </a:solidFill>
+                <a:latin typeface="+mn-lt"/>
+                <a:ea typeface="+mn-ea"/>
+                <a:cs typeface="+mn-cs"/>
+              </a:defRPr>
+            </a:lvl5pPr>
+            <a:lvl6pPr marL="2285943" algn="l" defTabSz="914377" rtl="0" eaLnBrk="1" latinLnBrk="0" hangingPunct="1">
+              <a:defRPr sz="1800" kern="1200">
+                <a:solidFill>
+                  <a:schemeClr val="lt1"/>
+                </a:solidFill>
+                <a:latin typeface="+mn-lt"/>
+                <a:ea typeface="+mn-ea"/>
+                <a:cs typeface="+mn-cs"/>
+              </a:defRPr>
+            </a:lvl6pPr>
+            <a:lvl7pPr marL="2743131" algn="l" defTabSz="914377" rtl="0" eaLnBrk="1" latinLnBrk="0" hangingPunct="1">
+              <a:defRPr sz="1800" kern="1200">
+                <a:solidFill>
+                  <a:schemeClr val="lt1"/>
+                </a:solidFill>
+                <a:latin typeface="+mn-lt"/>
+                <a:ea typeface="+mn-ea"/>
+                <a:cs typeface="+mn-cs"/>
+              </a:defRPr>
+            </a:lvl7pPr>
+            <a:lvl8pPr marL="3200320" algn="l" defTabSz="914377" rtl="0" eaLnBrk="1" latinLnBrk="0" hangingPunct="1">
+              <a:defRPr sz="1800" kern="1200">
+                <a:solidFill>
+                  <a:schemeClr val="lt1"/>
+                </a:solidFill>
+                <a:latin typeface="+mn-lt"/>
+                <a:ea typeface="+mn-ea"/>
+                <a:cs typeface="+mn-cs"/>
+              </a:defRPr>
+            </a:lvl8pPr>
+            <a:lvl9pPr marL="3657509" algn="l" defTabSz="914377" rtl="0" eaLnBrk="1" latinLnBrk="0" hangingPunct="1">
+              <a:defRPr sz="1800" kern="1200">
+                <a:solidFill>
+                  <a:schemeClr val="lt1"/>
+                </a:solidFill>
+                <a:latin typeface="+mn-lt"/>
+                <a:ea typeface="+mn-ea"/>
+                <a:cs typeface="+mn-cs"/>
+              </a:defRPr>
+            </a:lvl9pPr>
+          </a:lstStyle>
+          <a:p>
+            <a:pPr algn="ctr"/>
+            <a:r>
+              <a:rPr lang="en-US" sz="1200" dirty="0" err="1">
+                <a:solidFill>
+                  <a:schemeClr val="bg1"/>
+                </a:solidFill>
+              </a:rPr>
+              <a:t>ui_image_drawing.h</a:t>
+            </a:r>
+            <a:endParaRPr lang="en-US" sz="1200" dirty="0">
+              <a:solidFill>
+                <a:schemeClr val="bg1"/>
+              </a:solidFill>
+            </a:endParaRPr>
+          </a:p>
+        </p:txBody>
+      </p:sp>
+      <p:sp>
+        <p:nvSpPr>
+          <p:cNvPr id="45" name="Rounded Rectangle 62">
+            <a:extLst>
+              <a:ext uri="{FF2B5EF4-FFF2-40B4-BE49-F238E27FC236}">
+                <a16:creationId xmlns:a16="http://schemas.microsoft.com/office/drawing/2014/main" id="{7F314EDC-5CBE-F631-91D7-078F50166933}"/>
+              </a:ext>
+            </a:extLst>
+          </p:cNvPr>
+          <p:cNvSpPr/>
+          <p:nvPr/>
+        </p:nvSpPr>
+        <p:spPr>
+          <a:xfrm>
+            <a:off x="5049795" y="1618538"/>
+            <a:ext cx="1867456" cy="535449"/>
+          </a:xfrm>
+          <a:prstGeom prst="roundRect">
+            <a:avLst>
+              <a:gd name="adj" fmla="val 5059"/>
+            </a:avLst>
+          </a:prstGeom>
+          <a:solidFill>
+            <a:schemeClr val="bg1">
+              <a:lumMod val="95000"/>
+            </a:schemeClr>
+          </a:solidFill>
+          <a:ln w="19050">
+            <a:solidFill>
+              <a:schemeClr val="tx2"/>
+            </a:solidFill>
+          </a:ln>
+        </p:spPr>
+        <p:style>
+          <a:lnRef idx="2">
+            <a:schemeClr val="accent1">
+              <a:shade val="50000"/>
+            </a:schemeClr>
+          </a:lnRef>
+          <a:fillRef idx="1">
+            <a:schemeClr val="accent1"/>
+          </a:fillRef>
+          <a:effectRef idx="0">
+            <a:schemeClr val="accent1"/>
+          </a:effectRef>
+          <a:fontRef idx="minor">
+            <a:schemeClr val="lt1"/>
+          </a:fontRef>
+        </p:style>
+        <p:txBody>
+          <a:bodyPr wrap="square" lIns="0" tIns="0" rIns="0" bIns="0" rtlCol="0" anchor="ctr"/>
+          <a:lstStyle/>
+          <a:p>
+            <a:pPr algn="ctr"/>
+            <a:endParaRPr lang="en-US" sz="1200" dirty="0">
+              <a:solidFill>
+                <a:schemeClr val="bg1">
+                  <a:lumMod val="95000"/>
+                </a:schemeClr>
+              </a:solidFill>
+            </a:endParaRPr>
+          </a:p>
+        </p:txBody>
+      </p:sp>
+      <p:sp>
+        <p:nvSpPr>
+          <p:cNvPr id="46" name="Rectangle 45">
+            <a:extLst>
+              <a:ext uri="{FF2B5EF4-FFF2-40B4-BE49-F238E27FC236}">
+                <a16:creationId xmlns:a16="http://schemas.microsoft.com/office/drawing/2014/main" id="{E0159EF2-4B1A-756D-FE59-35D7EFC60B4C}"/>
+              </a:ext>
+            </a:extLst>
+          </p:cNvPr>
+          <p:cNvSpPr/>
+          <p:nvPr/>
+        </p:nvSpPr>
+        <p:spPr>
+          <a:xfrm>
+            <a:off x="5049795" y="1360584"/>
+            <a:ext cx="2296168" cy="276999"/>
+          </a:xfrm>
+          <a:prstGeom prst="rect">
+            <a:avLst/>
+          </a:prstGeom>
+        </p:spPr>
+        <p:txBody>
+          <a:bodyPr wrap="square">
+            <a:spAutoFit/>
+          </a:bodyPr>
+          <a:lstStyle/>
+          <a:p>
+            <a:r>
+              <a:rPr lang="en-US" sz="1200" dirty="0"/>
+              <a:t>C Module MicroUI-DMA2D</a:t>
+            </a:r>
+          </a:p>
+        </p:txBody>
+      </p:sp>
+      <p:sp>
+        <p:nvSpPr>
+          <p:cNvPr id="60" name="Rounded Rectangle 29">
+            <a:extLst>
+              <a:ext uri="{FF2B5EF4-FFF2-40B4-BE49-F238E27FC236}">
+                <a16:creationId xmlns:a16="http://schemas.microsoft.com/office/drawing/2014/main" id="{48D5C952-7225-78E6-0A4D-073786260F20}"/>
+              </a:ext>
+            </a:extLst>
+          </p:cNvPr>
+          <p:cNvSpPr/>
+          <p:nvPr/>
+        </p:nvSpPr>
+        <p:spPr>
+          <a:xfrm>
+            <a:off x="5151462" y="1732988"/>
+            <a:ext cx="1645920" cy="288000"/>
+          </a:xfrm>
+          <a:prstGeom prst="roundRect">
+            <a:avLst/>
+          </a:prstGeom>
+          <a:solidFill>
+            <a:srgbClr val="00AEC7"/>
+          </a:solidFill>
+          <a:ln>
+            <a:noFill/>
+          </a:ln>
+        </p:spPr>
+        <p:style>
+          <a:lnRef idx="2">
+            <a:schemeClr val="accent1">
+              <a:shade val="50000"/>
+            </a:schemeClr>
+          </a:lnRef>
+          <a:fillRef idx="1">
+            <a:schemeClr val="accent1"/>
+          </a:fillRef>
+          <a:effectRef idx="0">
+            <a:schemeClr val="accent1"/>
+          </a:effectRef>
+          <a:fontRef idx="minor">
+            <a:schemeClr val="lt1"/>
+          </a:fontRef>
+        </p:style>
+        <p:txBody>
+          <a:bodyPr rtlCol="0" anchor="ctr"/>
+          <a:lstStyle>
+            <a:defPPr>
+              <a:defRPr lang="en-US"/>
+            </a:defPPr>
+            <a:lvl1pPr marL="0" algn="l" defTabSz="914377" rtl="0" eaLnBrk="1" latinLnBrk="0" hangingPunct="1">
+              <a:defRPr sz="1800" kern="1200">
+                <a:solidFill>
+                  <a:schemeClr val="lt1"/>
+                </a:solidFill>
+                <a:latin typeface="+mn-lt"/>
+                <a:ea typeface="+mn-ea"/>
+                <a:cs typeface="+mn-cs"/>
+              </a:defRPr>
+            </a:lvl1pPr>
+            <a:lvl2pPr marL="457189" algn="l" defTabSz="914377" rtl="0" eaLnBrk="1" latinLnBrk="0" hangingPunct="1">
+              <a:defRPr sz="1800" kern="1200">
+                <a:solidFill>
+                  <a:schemeClr val="lt1"/>
+                </a:solidFill>
+                <a:latin typeface="+mn-lt"/>
+                <a:ea typeface="+mn-ea"/>
+                <a:cs typeface="+mn-cs"/>
+              </a:defRPr>
+            </a:lvl2pPr>
+            <a:lvl3pPr marL="914377" algn="l" defTabSz="914377" rtl="0" eaLnBrk="1" latinLnBrk="0" hangingPunct="1">
+              <a:defRPr sz="1800" kern="1200">
+                <a:solidFill>
+                  <a:schemeClr val="lt1"/>
+                </a:solidFill>
+                <a:latin typeface="+mn-lt"/>
+                <a:ea typeface="+mn-ea"/>
+                <a:cs typeface="+mn-cs"/>
+              </a:defRPr>
+            </a:lvl3pPr>
+            <a:lvl4pPr marL="1371566" algn="l" defTabSz="914377" rtl="0" eaLnBrk="1" latinLnBrk="0" hangingPunct="1">
+              <a:defRPr sz="1800" kern="1200">
+                <a:solidFill>
+                  <a:schemeClr val="lt1"/>
+                </a:solidFill>
+                <a:latin typeface="+mn-lt"/>
+                <a:ea typeface="+mn-ea"/>
+                <a:cs typeface="+mn-cs"/>
+              </a:defRPr>
+            </a:lvl4pPr>
+            <a:lvl5pPr marL="1828754" algn="l" defTabSz="914377" rtl="0" eaLnBrk="1" latinLnBrk="0" hangingPunct="1">
+              <a:defRPr sz="1800" kern="1200">
+                <a:solidFill>
+                  <a:schemeClr val="lt1"/>
+                </a:solidFill>
+                <a:latin typeface="+mn-lt"/>
+                <a:ea typeface="+mn-ea"/>
+                <a:cs typeface="+mn-cs"/>
+              </a:defRPr>
+            </a:lvl5pPr>
+            <a:lvl6pPr marL="2285943" algn="l" defTabSz="914377" rtl="0" eaLnBrk="1" latinLnBrk="0" hangingPunct="1">
+              <a:defRPr sz="1800" kern="1200">
+                <a:solidFill>
+                  <a:schemeClr val="lt1"/>
+                </a:solidFill>
+                <a:latin typeface="+mn-lt"/>
+                <a:ea typeface="+mn-ea"/>
+                <a:cs typeface="+mn-cs"/>
+              </a:defRPr>
+            </a:lvl6pPr>
+            <a:lvl7pPr marL="2743131" algn="l" defTabSz="914377" rtl="0" eaLnBrk="1" latinLnBrk="0" hangingPunct="1">
+              <a:defRPr sz="1800" kern="1200">
+                <a:solidFill>
+                  <a:schemeClr val="lt1"/>
+                </a:solidFill>
+                <a:latin typeface="+mn-lt"/>
+                <a:ea typeface="+mn-ea"/>
+                <a:cs typeface="+mn-cs"/>
+              </a:defRPr>
+            </a:lvl7pPr>
+            <a:lvl8pPr marL="3200320" algn="l" defTabSz="914377" rtl="0" eaLnBrk="1" latinLnBrk="0" hangingPunct="1">
+              <a:defRPr sz="1800" kern="1200">
+                <a:solidFill>
+                  <a:schemeClr val="lt1"/>
+                </a:solidFill>
+                <a:latin typeface="+mn-lt"/>
+                <a:ea typeface="+mn-ea"/>
+                <a:cs typeface="+mn-cs"/>
+              </a:defRPr>
+            </a:lvl8pPr>
+            <a:lvl9pPr marL="3657509" algn="l" defTabSz="914377" rtl="0" eaLnBrk="1" latinLnBrk="0" hangingPunct="1">
+              <a:defRPr sz="1800" kern="1200">
+                <a:solidFill>
+                  <a:schemeClr val="lt1"/>
+                </a:solidFill>
+                <a:latin typeface="+mn-lt"/>
+                <a:ea typeface="+mn-ea"/>
+                <a:cs typeface="+mn-cs"/>
+              </a:defRPr>
+            </a:lvl9pPr>
+          </a:lstStyle>
+          <a:p>
+            <a:pPr algn="ctr"/>
+            <a:r>
+              <a:rPr lang="en-US" sz="1200" dirty="0">
+                <a:solidFill>
+                  <a:schemeClr val="bg1"/>
+                </a:solidFill>
+              </a:rPr>
+              <a:t>ui_drawing_dma2d.c</a:t>
+            </a:r>
+          </a:p>
+        </p:txBody>
+      </p:sp>
+      <p:grpSp>
+        <p:nvGrpSpPr>
+          <p:cNvPr id="75" name="Group 74">
+            <a:extLst>
+              <a:ext uri="{FF2B5EF4-FFF2-40B4-BE49-F238E27FC236}">
+                <a16:creationId xmlns:a16="http://schemas.microsoft.com/office/drawing/2014/main" id="{517F6C28-E310-2558-07AC-24EC3DCAFA46}"/>
+              </a:ext>
+            </a:extLst>
+          </p:cNvPr>
+          <p:cNvGrpSpPr/>
+          <p:nvPr/>
+        </p:nvGrpSpPr>
+        <p:grpSpPr>
+          <a:xfrm>
+            <a:off x="7799910" y="1195549"/>
+            <a:ext cx="1786503" cy="1112595"/>
+            <a:chOff x="9856130" y="1428812"/>
+            <a:chExt cx="1786503" cy="1112595"/>
+          </a:xfrm>
+        </p:grpSpPr>
+        <p:sp>
+          <p:nvSpPr>
+            <p:cNvPr id="76" name="Rounded Rectangle 62">
+              <a:extLst>
+                <a:ext uri="{FF2B5EF4-FFF2-40B4-BE49-F238E27FC236}">
+                  <a16:creationId xmlns:a16="http://schemas.microsoft.com/office/drawing/2014/main" id="{A6A6F203-A1AB-C7F8-02EE-57EF5042600E}"/>
+                </a:ext>
+              </a:extLst>
+            </p:cNvPr>
+            <p:cNvSpPr/>
+            <p:nvPr/>
+          </p:nvSpPr>
+          <p:spPr>
+            <a:xfrm>
+              <a:off x="9856130" y="1705811"/>
+              <a:ext cx="1786503" cy="835596"/>
+            </a:xfrm>
+            <a:prstGeom prst="roundRect">
+              <a:avLst>
+                <a:gd name="adj" fmla="val 5059"/>
+              </a:avLst>
+            </a:prstGeom>
+            <a:solidFill>
+              <a:schemeClr val="bg1">
+                <a:lumMod val="95000"/>
+              </a:schemeClr>
+            </a:solidFill>
+            <a:ln w="19050">
+              <a:noFill/>
+            </a:ln>
+          </p:spPr>
+          <p:style>
+            <a:lnRef idx="2">
+              <a:schemeClr val="accent1">
+                <a:shade val="50000"/>
+              </a:schemeClr>
+            </a:lnRef>
+            <a:fillRef idx="1">
+              <a:schemeClr val="accent1"/>
+            </a:fillRef>
+            <a:effectRef idx="0">
+              <a:schemeClr val="accent1"/>
+            </a:effectRef>
+            <a:fontRef idx="minor">
+              <a:schemeClr val="lt1"/>
+            </a:fontRef>
+          </p:style>
+          <p:txBody>
+            <a:bodyPr wrap="square" lIns="0" tIns="0" rIns="0" bIns="0" rtlCol="0" anchor="ctr"/>
+            <a:lstStyle/>
+            <a:p>
+              <a:pPr algn="ctr"/>
+              <a:endParaRPr lang="en-US" sz="1200" dirty="0">
+                <a:solidFill>
+                  <a:schemeClr val="bg1">
+                    <a:lumMod val="95000"/>
+                  </a:schemeClr>
+                </a:solidFill>
+              </a:endParaRPr>
+            </a:p>
+          </p:txBody>
+        </p:sp>
+        <p:sp>
+          <p:nvSpPr>
+            <p:cNvPr id="77" name="Rectangle 76">
+              <a:extLst>
+                <a:ext uri="{FF2B5EF4-FFF2-40B4-BE49-F238E27FC236}">
+                  <a16:creationId xmlns:a16="http://schemas.microsoft.com/office/drawing/2014/main" id="{33246464-2B76-600B-EF6F-D28981C57325}"/>
+                </a:ext>
+              </a:extLst>
+            </p:cNvPr>
+            <p:cNvSpPr/>
+            <p:nvPr/>
+          </p:nvSpPr>
+          <p:spPr>
+            <a:xfrm>
+              <a:off x="9856130" y="1428812"/>
+              <a:ext cx="1557542" cy="276999"/>
+            </a:xfrm>
+            <a:prstGeom prst="rect">
+              <a:avLst/>
+            </a:prstGeom>
+          </p:spPr>
+          <p:txBody>
+            <a:bodyPr wrap="none">
+              <a:spAutoFit/>
+            </a:bodyPr>
+            <a:lstStyle/>
+            <a:p>
+              <a:r>
+                <a:rPr lang="en-US" sz="1200" dirty="0"/>
+                <a:t>Driver STM32 DMA2D</a:t>
+              </a:r>
+            </a:p>
+          </p:txBody>
+        </p:sp>
+        <p:sp>
+          <p:nvSpPr>
+            <p:cNvPr id="78" name="Rounded Rectangle 12">
+              <a:extLst>
+                <a:ext uri="{FF2B5EF4-FFF2-40B4-BE49-F238E27FC236}">
+                  <a16:creationId xmlns:a16="http://schemas.microsoft.com/office/drawing/2014/main" id="{301B2FC0-8609-2028-8552-37BABDD6B973}"/>
+                </a:ext>
+              </a:extLst>
+            </p:cNvPr>
+            <p:cNvSpPr/>
+            <p:nvPr/>
+          </p:nvSpPr>
+          <p:spPr>
+            <a:xfrm>
+              <a:off x="9920126" y="1811781"/>
+              <a:ext cx="1645920" cy="288000"/>
+            </a:xfrm>
+            <a:prstGeom prst="roundRect">
+              <a:avLst/>
+            </a:prstGeom>
+            <a:solidFill>
+              <a:srgbClr val="6CC24A"/>
+            </a:solidFill>
+            <a:ln>
+              <a:noFill/>
+            </a:ln>
+          </p:spPr>
+          <p:style>
+            <a:lnRef idx="2">
+              <a:schemeClr val="accent1">
+                <a:shade val="50000"/>
+              </a:schemeClr>
+            </a:lnRef>
+            <a:fillRef idx="1">
+              <a:schemeClr val="accent1"/>
+            </a:fillRef>
+            <a:effectRef idx="0">
+              <a:schemeClr val="accent1"/>
+            </a:effectRef>
+            <a:fontRef idx="minor">
+              <a:schemeClr val="lt1"/>
+            </a:fontRef>
+          </p:style>
+          <p:txBody>
+            <a:bodyPr rtlCol="0" anchor="ctr"/>
+            <a:lstStyle>
+              <a:defPPr>
+                <a:defRPr lang="en-US"/>
+              </a:defPPr>
+              <a:lvl1pPr marL="0" algn="l" defTabSz="914377" rtl="0" eaLnBrk="1" latinLnBrk="0" hangingPunct="1">
+                <a:defRPr sz="1800" kern="1200">
+                  <a:solidFill>
+                    <a:schemeClr val="lt1"/>
+                  </a:solidFill>
+                  <a:latin typeface="+mn-lt"/>
+                  <a:ea typeface="+mn-ea"/>
+                  <a:cs typeface="+mn-cs"/>
+                </a:defRPr>
+              </a:lvl1pPr>
+              <a:lvl2pPr marL="457189" algn="l" defTabSz="914377" rtl="0" eaLnBrk="1" latinLnBrk="0" hangingPunct="1">
+                <a:defRPr sz="1800" kern="1200">
+                  <a:solidFill>
+                    <a:schemeClr val="lt1"/>
+                  </a:solidFill>
+                  <a:latin typeface="+mn-lt"/>
+                  <a:ea typeface="+mn-ea"/>
+                  <a:cs typeface="+mn-cs"/>
+                </a:defRPr>
+              </a:lvl2pPr>
+              <a:lvl3pPr marL="914377" algn="l" defTabSz="914377" rtl="0" eaLnBrk="1" latinLnBrk="0" hangingPunct="1">
+                <a:defRPr sz="1800" kern="1200">
+                  <a:solidFill>
+                    <a:schemeClr val="lt1"/>
+                  </a:solidFill>
+                  <a:latin typeface="+mn-lt"/>
+                  <a:ea typeface="+mn-ea"/>
+                  <a:cs typeface="+mn-cs"/>
+                </a:defRPr>
+              </a:lvl3pPr>
+              <a:lvl4pPr marL="1371566" algn="l" defTabSz="914377" rtl="0" eaLnBrk="1" latinLnBrk="0" hangingPunct="1">
+                <a:defRPr sz="1800" kern="1200">
+                  <a:solidFill>
+                    <a:schemeClr val="lt1"/>
+                  </a:solidFill>
+                  <a:latin typeface="+mn-lt"/>
+                  <a:ea typeface="+mn-ea"/>
+                  <a:cs typeface="+mn-cs"/>
+                </a:defRPr>
+              </a:lvl4pPr>
+              <a:lvl5pPr marL="1828754" algn="l" defTabSz="914377" rtl="0" eaLnBrk="1" latinLnBrk="0" hangingPunct="1">
+                <a:defRPr sz="1800" kern="1200">
+                  <a:solidFill>
+                    <a:schemeClr val="lt1"/>
+                  </a:solidFill>
+                  <a:latin typeface="+mn-lt"/>
+                  <a:ea typeface="+mn-ea"/>
+                  <a:cs typeface="+mn-cs"/>
+                </a:defRPr>
+              </a:lvl5pPr>
+              <a:lvl6pPr marL="2285943" algn="l" defTabSz="914377" rtl="0" eaLnBrk="1" latinLnBrk="0" hangingPunct="1">
+                <a:defRPr sz="1800" kern="1200">
+                  <a:solidFill>
+                    <a:schemeClr val="lt1"/>
+                  </a:solidFill>
+                  <a:latin typeface="+mn-lt"/>
+                  <a:ea typeface="+mn-ea"/>
+                  <a:cs typeface="+mn-cs"/>
+                </a:defRPr>
+              </a:lvl6pPr>
+              <a:lvl7pPr marL="2743131" algn="l" defTabSz="914377" rtl="0" eaLnBrk="1" latinLnBrk="0" hangingPunct="1">
+                <a:defRPr sz="1800" kern="1200">
+                  <a:solidFill>
+                    <a:schemeClr val="lt1"/>
+                  </a:solidFill>
+                  <a:latin typeface="+mn-lt"/>
+                  <a:ea typeface="+mn-ea"/>
+                  <a:cs typeface="+mn-cs"/>
+                </a:defRPr>
+              </a:lvl7pPr>
+              <a:lvl8pPr marL="3200320" algn="l" defTabSz="914377" rtl="0" eaLnBrk="1" latinLnBrk="0" hangingPunct="1">
+                <a:defRPr sz="1800" kern="1200">
+                  <a:solidFill>
+                    <a:schemeClr val="lt1"/>
+                  </a:solidFill>
+                  <a:latin typeface="+mn-lt"/>
+                  <a:ea typeface="+mn-ea"/>
+                  <a:cs typeface="+mn-cs"/>
+                </a:defRPr>
+              </a:lvl8pPr>
+              <a:lvl9pPr marL="3657509" algn="l" defTabSz="914377" rtl="0" eaLnBrk="1" latinLnBrk="0" hangingPunct="1">
+                <a:defRPr sz="1800" kern="1200">
+                  <a:solidFill>
+                    <a:schemeClr val="lt1"/>
+                  </a:solidFill>
+                  <a:latin typeface="+mn-lt"/>
+                  <a:ea typeface="+mn-ea"/>
+                  <a:cs typeface="+mn-cs"/>
+                </a:defRPr>
+              </a:lvl9pPr>
+            </a:lstStyle>
+            <a:p>
+              <a:pPr algn="ctr"/>
+              <a:r>
+                <a:rPr lang="en-US" sz="1200" dirty="0">
+                  <a:solidFill>
+                    <a:schemeClr val="bg1"/>
+                  </a:solidFill>
+                </a:rPr>
+                <a:t>[…]</a:t>
+              </a:r>
+            </a:p>
+          </p:txBody>
+        </p:sp>
+        <p:sp>
+          <p:nvSpPr>
+            <p:cNvPr id="79" name="Rounded Rectangle 28">
+              <a:extLst>
+                <a:ext uri="{FF2B5EF4-FFF2-40B4-BE49-F238E27FC236}">
+                  <a16:creationId xmlns:a16="http://schemas.microsoft.com/office/drawing/2014/main" id="{0B332F7B-9B91-58F1-6089-479CE848274B}"/>
+                </a:ext>
+              </a:extLst>
+            </p:cNvPr>
+            <p:cNvSpPr/>
+            <p:nvPr/>
+          </p:nvSpPr>
+          <p:spPr>
+            <a:xfrm>
+              <a:off x="9908678" y="2185734"/>
+              <a:ext cx="1645920" cy="288000"/>
+            </a:xfrm>
+            <a:prstGeom prst="roundRect">
+              <a:avLst/>
+            </a:prstGeom>
+            <a:solidFill>
+              <a:srgbClr val="00AEC7"/>
+            </a:solidFill>
+            <a:ln>
+              <a:noFill/>
+            </a:ln>
+          </p:spPr>
+          <p:style>
+            <a:lnRef idx="2">
+              <a:schemeClr val="accent1">
+                <a:shade val="50000"/>
+              </a:schemeClr>
+            </a:lnRef>
+            <a:fillRef idx="1">
+              <a:schemeClr val="accent1"/>
+            </a:fillRef>
+            <a:effectRef idx="0">
+              <a:schemeClr val="accent1"/>
+            </a:effectRef>
+            <a:fontRef idx="minor">
+              <a:schemeClr val="lt1"/>
+            </a:fontRef>
+          </p:style>
+          <p:txBody>
+            <a:bodyPr rtlCol="0" anchor="ctr"/>
+            <a:lstStyle>
+              <a:defPPr>
+                <a:defRPr lang="en-US"/>
+              </a:defPPr>
+              <a:lvl1pPr marL="0" algn="l" defTabSz="914377" rtl="0" eaLnBrk="1" latinLnBrk="0" hangingPunct="1">
+                <a:defRPr sz="1800" kern="1200">
+                  <a:solidFill>
+                    <a:schemeClr val="lt1"/>
+                  </a:solidFill>
+                  <a:latin typeface="+mn-lt"/>
+                  <a:ea typeface="+mn-ea"/>
+                  <a:cs typeface="+mn-cs"/>
+                </a:defRPr>
+              </a:lvl1pPr>
+              <a:lvl2pPr marL="457189" algn="l" defTabSz="914377" rtl="0" eaLnBrk="1" latinLnBrk="0" hangingPunct="1">
+                <a:defRPr sz="1800" kern="1200">
+                  <a:solidFill>
+                    <a:schemeClr val="lt1"/>
+                  </a:solidFill>
+                  <a:latin typeface="+mn-lt"/>
+                  <a:ea typeface="+mn-ea"/>
+                  <a:cs typeface="+mn-cs"/>
+                </a:defRPr>
+              </a:lvl2pPr>
+              <a:lvl3pPr marL="914377" algn="l" defTabSz="914377" rtl="0" eaLnBrk="1" latinLnBrk="0" hangingPunct="1">
+                <a:defRPr sz="1800" kern="1200">
+                  <a:solidFill>
+                    <a:schemeClr val="lt1"/>
+                  </a:solidFill>
+                  <a:latin typeface="+mn-lt"/>
+                  <a:ea typeface="+mn-ea"/>
+                  <a:cs typeface="+mn-cs"/>
+                </a:defRPr>
+              </a:lvl3pPr>
+              <a:lvl4pPr marL="1371566" algn="l" defTabSz="914377" rtl="0" eaLnBrk="1" latinLnBrk="0" hangingPunct="1">
+                <a:defRPr sz="1800" kern="1200">
+                  <a:solidFill>
+                    <a:schemeClr val="lt1"/>
+                  </a:solidFill>
+                  <a:latin typeface="+mn-lt"/>
+                  <a:ea typeface="+mn-ea"/>
+                  <a:cs typeface="+mn-cs"/>
+                </a:defRPr>
+              </a:lvl4pPr>
+              <a:lvl5pPr marL="1828754" algn="l" defTabSz="914377" rtl="0" eaLnBrk="1" latinLnBrk="0" hangingPunct="1">
+                <a:defRPr sz="1800" kern="1200">
+                  <a:solidFill>
+                    <a:schemeClr val="lt1"/>
+                  </a:solidFill>
+                  <a:latin typeface="+mn-lt"/>
+                  <a:ea typeface="+mn-ea"/>
+                  <a:cs typeface="+mn-cs"/>
+                </a:defRPr>
+              </a:lvl5pPr>
+              <a:lvl6pPr marL="2285943" algn="l" defTabSz="914377" rtl="0" eaLnBrk="1" latinLnBrk="0" hangingPunct="1">
+                <a:defRPr sz="1800" kern="1200">
+                  <a:solidFill>
+                    <a:schemeClr val="lt1"/>
+                  </a:solidFill>
+                  <a:latin typeface="+mn-lt"/>
+                  <a:ea typeface="+mn-ea"/>
+                  <a:cs typeface="+mn-cs"/>
+                </a:defRPr>
+              </a:lvl6pPr>
+              <a:lvl7pPr marL="2743131" algn="l" defTabSz="914377" rtl="0" eaLnBrk="1" latinLnBrk="0" hangingPunct="1">
+                <a:defRPr sz="1800" kern="1200">
+                  <a:solidFill>
+                    <a:schemeClr val="lt1"/>
+                  </a:solidFill>
+                  <a:latin typeface="+mn-lt"/>
+                  <a:ea typeface="+mn-ea"/>
+                  <a:cs typeface="+mn-cs"/>
+                </a:defRPr>
+              </a:lvl7pPr>
+              <a:lvl8pPr marL="3200320" algn="l" defTabSz="914377" rtl="0" eaLnBrk="1" latinLnBrk="0" hangingPunct="1">
+                <a:defRPr sz="1800" kern="1200">
+                  <a:solidFill>
+                    <a:schemeClr val="lt1"/>
+                  </a:solidFill>
+                  <a:latin typeface="+mn-lt"/>
+                  <a:ea typeface="+mn-ea"/>
+                  <a:cs typeface="+mn-cs"/>
+                </a:defRPr>
+              </a:lvl8pPr>
+              <a:lvl9pPr marL="3657509" algn="l" defTabSz="914377" rtl="0" eaLnBrk="1" latinLnBrk="0" hangingPunct="1">
+                <a:defRPr sz="1800" kern="1200">
+                  <a:solidFill>
+                    <a:schemeClr val="lt1"/>
+                  </a:solidFill>
+                  <a:latin typeface="+mn-lt"/>
+                  <a:ea typeface="+mn-ea"/>
+                  <a:cs typeface="+mn-cs"/>
+                </a:defRPr>
+              </a:lvl9pPr>
+            </a:lstStyle>
+            <a:p>
+              <a:pPr algn="ctr"/>
+              <a:r>
+                <a:rPr lang="en-US" sz="1200" dirty="0">
+                  <a:solidFill>
+                    <a:schemeClr val="bg1"/>
+                  </a:solidFill>
+                </a:rPr>
+                <a:t>[…]</a:t>
+              </a:r>
+            </a:p>
+          </p:txBody>
+        </p:sp>
+      </p:grpSp>
+      <p:cxnSp>
+        <p:nvCxnSpPr>
+          <p:cNvPr id="82" name="Straight Arrow Connector 81">
+            <a:extLst>
+              <a:ext uri="{FF2B5EF4-FFF2-40B4-BE49-F238E27FC236}">
+                <a16:creationId xmlns:a16="http://schemas.microsoft.com/office/drawing/2014/main" id="{5524E213-BAA5-24CD-DFD8-10F908BE159A}"/>
+              </a:ext>
+            </a:extLst>
+          </p:cNvPr>
+          <p:cNvCxnSpPr>
+            <a:cxnSpLocks/>
+            <a:stCxn id="60" idx="3"/>
+            <a:endCxn id="76" idx="1"/>
+          </p:cNvCxnSpPr>
+          <p:nvPr/>
+        </p:nvCxnSpPr>
+        <p:spPr>
+          <a:xfrm>
+            <a:off x="6797382" y="1876988"/>
+            <a:ext cx="1002528" cy="13358"/>
+          </a:xfrm>
+          <a:prstGeom prst="straightConnector1">
+            <a:avLst/>
+          </a:prstGeom>
+          <a:ln>
+            <a:tailEnd type="triangle"/>
+          </a:ln>
+        </p:spPr>
+        <p:style>
+          <a:lnRef idx="1">
+            <a:schemeClr val="accent2"/>
+          </a:lnRef>
+          <a:fillRef idx="0">
+            <a:schemeClr val="accent2"/>
+          </a:fillRef>
+          <a:effectRef idx="0">
+            <a:schemeClr val="accent2"/>
+          </a:effectRef>
+          <a:fontRef idx="minor">
+            <a:schemeClr val="tx1"/>
+          </a:fontRef>
+        </p:style>
+      </p:cxnSp>
+      <p:cxnSp>
+        <p:nvCxnSpPr>
+          <p:cNvPr id="86" name="Straight Arrow Connector 85">
+            <a:extLst>
+              <a:ext uri="{FF2B5EF4-FFF2-40B4-BE49-F238E27FC236}">
+                <a16:creationId xmlns:a16="http://schemas.microsoft.com/office/drawing/2014/main" id="{6AD33D90-C3CD-EED5-201E-37B0C7CE3994}"/>
+              </a:ext>
+            </a:extLst>
+          </p:cNvPr>
+          <p:cNvCxnSpPr>
+            <a:cxnSpLocks/>
+            <a:stCxn id="60" idx="1"/>
+            <a:endCxn id="25" idx="3"/>
+          </p:cNvCxnSpPr>
+          <p:nvPr/>
+        </p:nvCxnSpPr>
+        <p:spPr>
+          <a:xfrm flipH="1">
+            <a:off x="4319222" y="1876988"/>
+            <a:ext cx="832240" cy="542764"/>
+          </a:xfrm>
+          <a:prstGeom prst="straightConnector1">
+            <a:avLst/>
+          </a:prstGeom>
+          <a:ln>
+            <a:tailEnd type="triangle"/>
+          </a:ln>
+        </p:spPr>
+        <p:style>
+          <a:lnRef idx="1">
+            <a:schemeClr val="accent1"/>
+          </a:lnRef>
+          <a:fillRef idx="0">
+            <a:schemeClr val="accent1"/>
+          </a:fillRef>
+          <a:effectRef idx="0">
+            <a:schemeClr val="accent1"/>
+          </a:effectRef>
+          <a:fontRef idx="minor">
+            <a:schemeClr val="tx1"/>
+          </a:fontRef>
+        </p:style>
+      </p:cxnSp>
+    </p:spTree>
+    <p:extLst>
+      <p:ext uri="{BB962C8B-B14F-4D97-AF65-F5344CB8AC3E}">
+        <p14:creationId xmlns:p14="http://schemas.microsoft.com/office/powerpoint/2010/main" val="2932953995"/>
       </p:ext>
     </p:extLst>
   </p:cSld>

--- a/VEEPortingGuide/images/uiLL.pptx
+++ b/VEEPortingGuide/images/uiLL.pptx
@@ -5,7 +5,7 @@
     <p:sldMasterId id="2147483648" r:id="rId1"/>
   </p:sldMasterIdLst>
   <p:notesMasterIdLst>
-    <p:notesMasterId r:id="rId9"/>
+    <p:notesMasterId r:id="rId8"/>
   </p:notesMasterIdLst>
   <p:sldIdLst>
     <p:sldId id="257" r:id="rId2"/>
@@ -13,8 +13,7 @@
     <p:sldId id="259" r:id="rId4"/>
     <p:sldId id="260" r:id="rId5"/>
     <p:sldId id="261" r:id="rId6"/>
-    <p:sldId id="262" r:id="rId7"/>
-    <p:sldId id="272" r:id="rId8"/>
+    <p:sldId id="272" r:id="rId7"/>
   </p:sldIdLst>
   <p:sldSz cx="12192000" cy="6858000"/>
   <p:notesSz cx="6858000" cy="9144000"/>
@@ -619,7 +618,7 @@
           <a:p>
             <a:fld id="{B2471954-9953-446B-A15A-2CCA1609A68F}" type="slidenum">
               <a:rPr lang="en-US" smtClean="0"/>
-              <a:t>7</a:t>
+              <a:t>6</a:t>
             </a:fld>
             <a:endParaRPr lang="en-US"/>
           </a:p>
@@ -4135,7 +4134,7 @@
             <a:avLst/>
           </a:prstGeom>
           <a:solidFill>
-            <a:srgbClr val="00AEC7"/>
+            <a:srgbClr val="6CC24A"/>
           </a:solidFill>
           <a:ln>
             <a:noFill/>
@@ -4448,7 +4447,7 @@
             <a:avLst/>
           </a:prstGeom>
           <a:solidFill>
-            <a:srgbClr val="00AEC7"/>
+            <a:srgbClr val="6CC24A"/>
           </a:solidFill>
           <a:ln>
             <a:noFill/>
@@ -4606,7 +4605,7 @@
             <a:avLst/>
           </a:prstGeom>
           <a:solidFill>
-            <a:srgbClr val="00AEC7"/>
+            <a:srgbClr val="6CC24A"/>
           </a:solidFill>
           <a:ln>
             <a:noFill/>
@@ -4764,7 +4763,7 @@
             <a:avLst/>
           </a:prstGeom>
           <a:solidFill>
-            <a:srgbClr val="00AEC7"/>
+            <a:srgbClr val="6CC24A"/>
           </a:solidFill>
           <a:ln>
             <a:noFill/>
@@ -4886,14 +4885,14 @@
           <a:p>
             <a:pPr algn="ctr"/>
             <a:r>
-              <a:rPr lang="en-US" sz="1100" dirty="0" err="1">
+              <a:rPr lang="en-US" sz="1050" dirty="0" err="1">
                 <a:solidFill>
                   <a:schemeClr val="bg1"/>
                 </a:solidFill>
               </a:rPr>
               <a:t>ui_drawing_soft.h</a:t>
             </a:r>
-            <a:endParaRPr lang="en-US" sz="1100" dirty="0">
+            <a:endParaRPr lang="en-US" sz="1050" dirty="0">
               <a:solidFill>
                 <a:schemeClr val="bg1"/>
               </a:solidFill>
@@ -5120,7 +5119,7 @@
             <a:avLst/>
           </a:prstGeom>
           <a:solidFill>
-            <a:srgbClr val="00AEC7"/>
+            <a:srgbClr val="6CC24A"/>
           </a:solidFill>
           <a:ln>
             <a:noFill/>
@@ -5278,7 +5277,7 @@
             <a:avLst/>
           </a:prstGeom>
           <a:solidFill>
-            <a:srgbClr val="00AEC7"/>
+            <a:srgbClr val="6CC24A"/>
           </a:solidFill>
           <a:ln>
             <a:noFill/>
@@ -5436,7 +5435,7 @@
             <a:avLst/>
           </a:prstGeom>
           <a:solidFill>
-            <a:srgbClr val="00AEC7"/>
+            <a:srgbClr val="6CC24A"/>
           </a:solidFill>
           <a:ln>
             <a:noFill/>
@@ -5594,7 +5593,7 @@
             <a:avLst/>
           </a:prstGeom>
           <a:solidFill>
-            <a:srgbClr val="00AEC7"/>
+            <a:srgbClr val="6CC24A"/>
           </a:solidFill>
           <a:ln>
             <a:noFill/>
@@ -6065,7 +6064,7 @@
             <a:avLst/>
           </a:prstGeom>
           <a:solidFill>
-            <a:srgbClr val="00AEC7"/>
+            <a:srgbClr val="6CC24A"/>
           </a:solidFill>
           <a:ln>
             <a:noFill/>
@@ -6787,7 +6786,7 @@
             <a:avLst/>
           </a:prstGeom>
           <a:solidFill>
-            <a:srgbClr val="00AEC7"/>
+            <a:srgbClr val="6CC24A"/>
           </a:solidFill>
           <a:ln>
             <a:noFill/>
@@ -6945,7 +6944,7 @@
             <a:avLst/>
           </a:prstGeom>
           <a:solidFill>
-            <a:srgbClr val="00AEC7"/>
+            <a:srgbClr val="6CC24A"/>
           </a:solidFill>
           <a:ln>
             <a:noFill/>
@@ -7258,7 +7257,7 @@
         </p:nvGrpSpPr>
         <p:grpSpPr>
           <a:xfrm>
-            <a:off x="315544" y="5438318"/>
+            <a:off x="315544" y="5710043"/>
             <a:ext cx="1809751" cy="276999"/>
             <a:chOff x="1181100" y="4410075"/>
             <a:chExt cx="1809751" cy="276999"/>
@@ -7343,7 +7342,7 @@
             <a:p>
               <a:r>
                 <a:rPr lang="en-US" sz="1200" dirty="0"/>
-                <a:t>C/H file (.c, .h)</a:t>
+                <a:t>C file</a:t>
               </a:r>
             </a:p>
           </p:txBody>
@@ -7363,7 +7362,7 @@
         </p:nvGrpSpPr>
         <p:grpSpPr>
           <a:xfrm>
-            <a:off x="315544" y="5719305"/>
+            <a:off x="315544" y="5984405"/>
             <a:ext cx="1809751" cy="276999"/>
             <a:chOff x="1181100" y="4410075"/>
             <a:chExt cx="1809751" cy="276999"/>
@@ -7475,7 +7474,7 @@
             <a:avLst/>
           </a:prstGeom>
           <a:solidFill>
-            <a:srgbClr val="00AEC7"/>
+            <a:srgbClr val="6CC24A"/>
           </a:solidFill>
           <a:ln>
             <a:noFill/>
@@ -8086,6 +8085,114 @@
           </a:p>
         </p:txBody>
       </p:sp>
+      <p:grpSp>
+        <p:nvGrpSpPr>
+          <p:cNvPr id="8" name="Group 7">
+            <a:extLst>
+              <a:ext uri="{FF2B5EF4-FFF2-40B4-BE49-F238E27FC236}">
+                <a16:creationId xmlns:a16="http://schemas.microsoft.com/office/drawing/2014/main" id="{E7513CAB-30DE-30D0-91D4-E376D962D265}"/>
+              </a:ext>
+            </a:extLst>
+          </p:cNvPr>
+          <p:cNvGrpSpPr/>
+          <p:nvPr/>
+        </p:nvGrpSpPr>
+        <p:grpSpPr>
+          <a:xfrm>
+            <a:off x="315544" y="5435681"/>
+            <a:ext cx="1809751" cy="276999"/>
+            <a:chOff x="1181100" y="4410075"/>
+            <a:chExt cx="1809751" cy="276999"/>
+          </a:xfrm>
+        </p:grpSpPr>
+        <p:sp>
+          <p:nvSpPr>
+            <p:cNvPr id="10" name="Oval 9">
+              <a:extLst>
+                <a:ext uri="{FF2B5EF4-FFF2-40B4-BE49-F238E27FC236}">
+                  <a16:creationId xmlns:a16="http://schemas.microsoft.com/office/drawing/2014/main" id="{61446CAA-1CA8-CAF0-BF48-DA36D4CD1C3F}"/>
+                </a:ext>
+              </a:extLst>
+            </p:cNvPr>
+            <p:cNvSpPr/>
+            <p:nvPr/>
+          </p:nvSpPr>
+          <p:spPr>
+            <a:xfrm>
+              <a:off x="1181100" y="4410075"/>
+              <a:ext cx="247650" cy="238125"/>
+            </a:xfrm>
+            <a:prstGeom prst="ellipse">
+              <a:avLst/>
+            </a:prstGeom>
+            <a:solidFill>
+              <a:schemeClr val="accent6"/>
+            </a:solidFill>
+            <a:ln w="12700">
+              <a:solidFill>
+                <a:srgbClr val="2F528F"/>
+              </a:solidFill>
+            </a:ln>
+          </p:spPr>
+          <p:style>
+            <a:lnRef idx="1">
+              <a:schemeClr val="accent6"/>
+            </a:lnRef>
+            <a:fillRef idx="3">
+              <a:schemeClr val="accent6"/>
+            </a:fillRef>
+            <a:effectRef idx="2">
+              <a:schemeClr val="accent6"/>
+            </a:effectRef>
+            <a:fontRef idx="minor">
+              <a:schemeClr val="lt1"/>
+            </a:fontRef>
+          </p:style>
+          <p:txBody>
+            <a:bodyPr rtlCol="0" anchor="ctr"/>
+            <a:lstStyle/>
+            <a:p>
+              <a:pPr algn="ctr"/>
+              <a:endParaRPr lang="en-US" dirty="0"/>
+            </a:p>
+          </p:txBody>
+        </p:sp>
+        <p:sp>
+          <p:nvSpPr>
+            <p:cNvPr id="12" name="TextBox 11">
+              <a:extLst>
+                <a:ext uri="{FF2B5EF4-FFF2-40B4-BE49-F238E27FC236}">
+                  <a16:creationId xmlns:a16="http://schemas.microsoft.com/office/drawing/2014/main" id="{8526498E-CF0C-4214-44C9-3E6C423F5150}"/>
+                </a:ext>
+              </a:extLst>
+            </p:cNvPr>
+            <p:cNvSpPr txBox="1"/>
+            <p:nvPr/>
+          </p:nvSpPr>
+          <p:spPr>
+            <a:xfrm>
+              <a:off x="1428751" y="4410075"/>
+              <a:ext cx="1562100" cy="276999"/>
+            </a:xfrm>
+            <a:prstGeom prst="rect">
+              <a:avLst/>
+            </a:prstGeom>
+            <a:noFill/>
+          </p:spPr>
+          <p:txBody>
+            <a:bodyPr wrap="square" rtlCol="0">
+              <a:spAutoFit/>
+            </a:bodyPr>
+            <a:lstStyle/>
+            <a:p>
+              <a:r>
+                <a:rPr lang="en-US" sz="1200" dirty="0"/>
+                <a:t>H file</a:t>
+              </a:r>
+            </a:p>
+          </p:txBody>
+        </p:sp>
+      </p:grpSp>
     </p:spTree>
     <p:extLst>
       <p:ext uri="{BB962C8B-B14F-4D97-AF65-F5344CB8AC3E}">
@@ -10189,8 +10296,8 @@
         </p:nvSpPr>
         <p:spPr>
           <a:xfrm>
-            <a:off x="6181071" y="3196861"/>
-            <a:ext cx="1932004" cy="276999"/>
+            <a:off x="6173025" y="3196861"/>
+            <a:ext cx="1948098" cy="276999"/>
           </a:xfrm>
           <a:prstGeom prst="rect">
             <a:avLst/>
@@ -10205,7 +10312,7 @@
             <a:pPr algn="ctr"/>
             <a:r>
               <a:rPr lang="en-US" sz="1200" dirty="0"/>
-              <a:t>Front panel Platform project</a:t>
+              <a:t>Front panel VEE Port project</a:t>
             </a:r>
           </a:p>
         </p:txBody>
@@ -11765,7 +11872,7 @@
             <a:avLst/>
           </a:prstGeom>
           <a:solidFill>
-            <a:srgbClr val="00AEC7"/>
+            <a:srgbClr val="6CC24A"/>
           </a:solidFill>
           <a:ln>
             <a:noFill/>
@@ -13096,7 +13203,7 @@
             <a:avLst/>
           </a:prstGeom>
           <a:solidFill>
-            <a:srgbClr val="00AEC7"/>
+            <a:srgbClr val="6CC24A"/>
           </a:solidFill>
           <a:ln>
             <a:noFill/>
@@ -13440,8 +13547,8 @@
         </p:nvSpPr>
         <p:spPr>
           <a:xfrm>
-            <a:off x="1480695" y="1206278"/>
-            <a:ext cx="725070" cy="276999"/>
+            <a:off x="1520932" y="1206278"/>
+            <a:ext cx="644600" cy="276999"/>
           </a:xfrm>
           <a:prstGeom prst="rect">
             <a:avLst/>
@@ -13456,7 +13563,7 @@
             <a:pPr algn="ctr"/>
             <a:r>
               <a:rPr lang="en-US" sz="1200" dirty="0"/>
-              <a:t>Platform</a:t>
+              <a:t>UI Pack</a:t>
             </a:r>
           </a:p>
         </p:txBody>
@@ -13737,7 +13844,7 @@
         </p:nvSpPr>
         <p:spPr>
           <a:xfrm>
-            <a:off x="-197696" y="4184950"/>
+            <a:off x="1688254" y="3280075"/>
             <a:ext cx="5639328" cy="1661668"/>
           </a:xfrm>
           <a:prstGeom prst="roundRect">
@@ -13799,7 +13906,7 @@
         </p:nvSpPr>
         <p:spPr>
           <a:xfrm>
-            <a:off x="-200643" y="1731498"/>
+            <a:off x="1685307" y="826623"/>
             <a:ext cx="5639328" cy="2221574"/>
           </a:xfrm>
           <a:prstGeom prst="roundRect">
@@ -13849,10 +13956,10 @@
       </p:sp>
       <p:sp>
         <p:nvSpPr>
-          <p:cNvPr id="5" name="Rounded Rectangle 62">
-            <a:extLst>
-              <a:ext uri="{FF2B5EF4-FFF2-40B4-BE49-F238E27FC236}">
-                <a16:creationId xmlns:a16="http://schemas.microsoft.com/office/drawing/2014/main" id="{13401AA6-A8D3-48B9-830A-340BEBBC99FB}"/>
+          <p:cNvPr id="31" name="Rounded Rectangle 34">
+            <a:extLst>
+              <a:ext uri="{FF2B5EF4-FFF2-40B4-BE49-F238E27FC236}">
+                <a16:creationId xmlns:a16="http://schemas.microsoft.com/office/drawing/2014/main" id="{DB34D9E8-77F0-4DDC-B501-9D0ADCD10393}"/>
               </a:ext>
             </a:extLst>
           </p:cNvPr>
@@ -13861,20 +13968,16 @@
         </p:nvSpPr>
         <p:spPr>
           <a:xfrm>
-            <a:off x="6562724" y="3429000"/>
-            <a:ext cx="1934229" cy="524072"/>
+            <a:off x="3436889" y="2498725"/>
+            <a:ext cx="1645920" cy="288000"/>
           </a:xfrm>
           <a:prstGeom prst="roundRect">
-            <a:avLst>
-              <a:gd name="adj" fmla="val 5059"/>
-            </a:avLst>
+            <a:avLst/>
           </a:prstGeom>
           <a:solidFill>
-            <a:schemeClr val="bg1">
-              <a:lumMod val="95000"/>
-            </a:schemeClr>
+            <a:srgbClr val="6CC24A"/>
           </a:solidFill>
-          <a:ln w="19050">
+          <a:ln>
             <a:noFill/>
           </a:ln>
         </p:spPr>
@@ -13895,15 +13998,115 @@
           </a:fontRef>
         </p:style>
         <p:txBody>
-          <a:bodyPr wrap="square" lIns="0" tIns="0" rIns="0" bIns="0" rtlCol="0" anchor="ctr"/>
-          <a:lstStyle/>
+          <a:bodyPr rtlCol="0" anchor="ctr"/>
+          <a:lstStyle>
+            <a:defPPr>
+              <a:defRPr lang="en-US"/>
+            </a:defPPr>
+            <a:lvl1pPr marL="0" algn="l" defTabSz="914377" rtl="0" eaLnBrk="1" latinLnBrk="0" hangingPunct="1">
+              <a:defRPr sz="1800" kern="1200">
+                <a:solidFill>
+                  <a:schemeClr val="lt1"/>
+                </a:solidFill>
+                <a:latin typeface="+mn-lt"/>
+                <a:ea typeface="+mn-ea"/>
+                <a:cs typeface="+mn-cs"/>
+              </a:defRPr>
+            </a:lvl1pPr>
+            <a:lvl2pPr marL="457189" algn="l" defTabSz="914377" rtl="0" eaLnBrk="1" latinLnBrk="0" hangingPunct="1">
+              <a:defRPr sz="1800" kern="1200">
+                <a:solidFill>
+                  <a:schemeClr val="lt1"/>
+                </a:solidFill>
+                <a:latin typeface="+mn-lt"/>
+                <a:ea typeface="+mn-ea"/>
+                <a:cs typeface="+mn-cs"/>
+              </a:defRPr>
+            </a:lvl2pPr>
+            <a:lvl3pPr marL="914377" algn="l" defTabSz="914377" rtl="0" eaLnBrk="1" latinLnBrk="0" hangingPunct="1">
+              <a:defRPr sz="1800" kern="1200">
+                <a:solidFill>
+                  <a:schemeClr val="lt1"/>
+                </a:solidFill>
+                <a:latin typeface="+mn-lt"/>
+                <a:ea typeface="+mn-ea"/>
+                <a:cs typeface="+mn-cs"/>
+              </a:defRPr>
+            </a:lvl3pPr>
+            <a:lvl4pPr marL="1371566" algn="l" defTabSz="914377" rtl="0" eaLnBrk="1" latinLnBrk="0" hangingPunct="1">
+              <a:defRPr sz="1800" kern="1200">
+                <a:solidFill>
+                  <a:schemeClr val="lt1"/>
+                </a:solidFill>
+                <a:latin typeface="+mn-lt"/>
+                <a:ea typeface="+mn-ea"/>
+                <a:cs typeface="+mn-cs"/>
+              </a:defRPr>
+            </a:lvl4pPr>
+            <a:lvl5pPr marL="1828754" algn="l" defTabSz="914377" rtl="0" eaLnBrk="1" latinLnBrk="0" hangingPunct="1">
+              <a:defRPr sz="1800" kern="1200">
+                <a:solidFill>
+                  <a:schemeClr val="lt1"/>
+                </a:solidFill>
+                <a:latin typeface="+mn-lt"/>
+                <a:ea typeface="+mn-ea"/>
+                <a:cs typeface="+mn-cs"/>
+              </a:defRPr>
+            </a:lvl5pPr>
+            <a:lvl6pPr marL="2285943" algn="l" defTabSz="914377" rtl="0" eaLnBrk="1" latinLnBrk="0" hangingPunct="1">
+              <a:defRPr sz="1800" kern="1200">
+                <a:solidFill>
+                  <a:schemeClr val="lt1"/>
+                </a:solidFill>
+                <a:latin typeface="+mn-lt"/>
+                <a:ea typeface="+mn-ea"/>
+                <a:cs typeface="+mn-cs"/>
+              </a:defRPr>
+            </a:lvl6pPr>
+            <a:lvl7pPr marL="2743131" algn="l" defTabSz="914377" rtl="0" eaLnBrk="1" latinLnBrk="0" hangingPunct="1">
+              <a:defRPr sz="1800" kern="1200">
+                <a:solidFill>
+                  <a:schemeClr val="lt1"/>
+                </a:solidFill>
+                <a:latin typeface="+mn-lt"/>
+                <a:ea typeface="+mn-ea"/>
+                <a:cs typeface="+mn-cs"/>
+              </a:defRPr>
+            </a:lvl7pPr>
+            <a:lvl8pPr marL="3200320" algn="l" defTabSz="914377" rtl="0" eaLnBrk="1" latinLnBrk="0" hangingPunct="1">
+              <a:defRPr sz="1800" kern="1200">
+                <a:solidFill>
+                  <a:schemeClr val="lt1"/>
+                </a:solidFill>
+                <a:latin typeface="+mn-lt"/>
+                <a:ea typeface="+mn-ea"/>
+                <a:cs typeface="+mn-cs"/>
+              </a:defRPr>
+            </a:lvl8pPr>
+            <a:lvl9pPr marL="3657509" algn="l" defTabSz="914377" rtl="0" eaLnBrk="1" latinLnBrk="0" hangingPunct="1">
+              <a:defRPr sz="1800" kern="1200">
+                <a:solidFill>
+                  <a:schemeClr val="lt1"/>
+                </a:solidFill>
+                <a:latin typeface="+mn-lt"/>
+                <a:ea typeface="+mn-ea"/>
+                <a:cs typeface="+mn-cs"/>
+              </a:defRPr>
+            </a:lvl9pPr>
+          </a:lstStyle>
           <a:p>
             <a:pPr algn="ctr"/>
-            <a:endParaRPr lang="en-US" sz="1400" dirty="0">
+            <a:r>
+              <a:rPr lang="en-US" sz="1200" dirty="0" err="1">
+                <a:solidFill>
+                  <a:schemeClr val="bg1"/>
+                </a:solidFill>
+              </a:rPr>
+              <a:t>LLUI_INPUT.h</a:t>
+            </a:r>
+            <a:endParaRPr lang="en-US" sz="1200" dirty="0">
               <a:solidFill>
-                <a:schemeClr val="bg1">
-                  <a:lumMod val="95000"/>
-                </a:schemeClr>
+                <a:schemeClr val="bg1"/>
               </a:solidFill>
             </a:endParaRPr>
           </a:p>
@@ -13911,10 +14114,10 @@
       </p:sp>
       <p:sp>
         <p:nvSpPr>
-          <p:cNvPr id="9" name="Rounded Rectangle 62">
-            <a:extLst>
-              <a:ext uri="{FF2B5EF4-FFF2-40B4-BE49-F238E27FC236}">
-                <a16:creationId xmlns:a16="http://schemas.microsoft.com/office/drawing/2014/main" id="{B239E5AC-5DEE-4254-AFE1-434552419997}"/>
+          <p:cNvPr id="41" name="Rounded Rectangle 43">
+            <a:extLst>
+              <a:ext uri="{FF2B5EF4-FFF2-40B4-BE49-F238E27FC236}">
+                <a16:creationId xmlns:a16="http://schemas.microsoft.com/office/drawing/2014/main" id="{E617D3FF-F74E-4B83-AD00-7531189127CC}"/>
               </a:ext>
             </a:extLst>
           </p:cNvPr>
@@ -13923,20 +14126,16 @@
         </p:nvSpPr>
         <p:spPr>
           <a:xfrm>
-            <a:off x="6562725" y="1282851"/>
-            <a:ext cx="1934229" cy="1846982"/>
+            <a:off x="3677161" y="1649410"/>
+            <a:ext cx="1645920" cy="288000"/>
           </a:xfrm>
           <a:prstGeom prst="roundRect">
-            <a:avLst>
-              <a:gd name="adj" fmla="val 5059"/>
-            </a:avLst>
+            <a:avLst/>
           </a:prstGeom>
           <a:solidFill>
-            <a:schemeClr val="bg1">
-              <a:lumMod val="95000"/>
-            </a:schemeClr>
+            <a:srgbClr val="EE502E"/>
           </a:solidFill>
-          <a:ln w="19050">
+          <a:ln>
             <a:noFill/>
           </a:ln>
         </p:spPr>
@@ -13957,26 +14156,23 @@
           </a:fontRef>
         </p:style>
         <p:txBody>
-          <a:bodyPr wrap="square" lIns="0" tIns="0" rIns="0" bIns="0" rtlCol="0" anchor="ctr"/>
+          <a:bodyPr rtlCol="0" anchor="ctr"/>
           <a:lstStyle/>
           <a:p>
             <a:pPr algn="ctr"/>
-            <a:endParaRPr lang="en-US" sz="1400" dirty="0">
-              <a:solidFill>
-                <a:schemeClr val="bg1">
-                  <a:lumMod val="95000"/>
-                </a:schemeClr>
-              </a:solidFill>
-            </a:endParaRPr>
+            <a:r>
+              <a:rPr lang="en-US" sz="1200" dirty="0"/>
+              <a:t>Event Engine</a:t>
+            </a:r>
           </a:p>
         </p:txBody>
       </p:sp>
       <p:sp>
         <p:nvSpPr>
-          <p:cNvPr id="15" name="Rounded Rectangle 15">
-            <a:extLst>
-              <a:ext uri="{FF2B5EF4-FFF2-40B4-BE49-F238E27FC236}">
-                <a16:creationId xmlns:a16="http://schemas.microsoft.com/office/drawing/2014/main" id="{5C966CDA-1EBB-48EA-AC16-022FFBFC3ACF}"/>
+          <p:cNvPr id="4" name="Rounded Rectangle 15">
+            <a:extLst>
+              <a:ext uri="{FF2B5EF4-FFF2-40B4-BE49-F238E27FC236}">
+                <a16:creationId xmlns:a16="http://schemas.microsoft.com/office/drawing/2014/main" id="{E6A58955-926D-451A-8952-F377E331D797}"/>
               </a:ext>
             </a:extLst>
           </p:cNvPr>
@@ -13985,7 +14181,7 @@
         </p:nvSpPr>
         <p:spPr>
           <a:xfrm>
-            <a:off x="6719499" y="1419682"/>
+            <a:off x="3693746" y="987948"/>
             <a:ext cx="1645920" cy="288000"/>
           </a:xfrm>
           <a:prstGeom prst="roundRect">
@@ -14128,10 +14324,10 @@
       </p:sp>
       <p:sp>
         <p:nvSpPr>
-          <p:cNvPr id="29" name="Rounded Rectangle 28">
-            <a:extLst>
-              <a:ext uri="{FF2B5EF4-FFF2-40B4-BE49-F238E27FC236}">
-                <a16:creationId xmlns:a16="http://schemas.microsoft.com/office/drawing/2014/main" id="{71D98C80-760D-41F1-9913-2F96AEEBC8F4}"/>
+          <p:cNvPr id="6" name="Rounded Rectangle 46">
+            <a:extLst>
+              <a:ext uri="{FF2B5EF4-FFF2-40B4-BE49-F238E27FC236}">
+                <a16:creationId xmlns:a16="http://schemas.microsoft.com/office/drawing/2014/main" id="{5544D694-9569-48DC-890A-DB92F8DD071E}"/>
               </a:ext>
             </a:extLst>
           </p:cNvPr>
@@ -14140,7 +14336,7 @@
         </p:nvSpPr>
         <p:spPr>
           <a:xfrm>
-            <a:off x="6719499" y="2591937"/>
+            <a:off x="5611503" y="4522113"/>
             <a:ext cx="1645920" cy="288000"/>
           </a:xfrm>
           <a:prstGeom prst="roundRect">
@@ -14274,6 +14470,164 @@
                   <a:schemeClr val="bg1"/>
                 </a:solidFill>
               </a:rPr>
+              <a:t>LLUI_INPUT_impl.c</a:t>
+            </a:r>
+            <a:endParaRPr lang="en-US" sz="1200" dirty="0">
+              <a:solidFill>
+                <a:schemeClr val="bg1"/>
+              </a:solidFill>
+            </a:endParaRPr>
+          </a:p>
+        </p:txBody>
+      </p:sp>
+      <p:sp>
+        <p:nvSpPr>
+          <p:cNvPr id="8" name="Rounded Rectangle 46">
+            <a:extLst>
+              <a:ext uri="{FF2B5EF4-FFF2-40B4-BE49-F238E27FC236}">
+                <a16:creationId xmlns:a16="http://schemas.microsoft.com/office/drawing/2014/main" id="{F0229A48-66C0-46F3-96E6-4B1F7983B8BB}"/>
+              </a:ext>
+            </a:extLst>
+          </p:cNvPr>
+          <p:cNvSpPr/>
+          <p:nvPr/>
+        </p:nvSpPr>
+        <p:spPr>
+          <a:xfrm>
+            <a:off x="5200023" y="2505725"/>
+            <a:ext cx="1645920" cy="288000"/>
+          </a:xfrm>
+          <a:prstGeom prst="roundRect">
+            <a:avLst/>
+          </a:prstGeom>
+          <a:solidFill>
+            <a:srgbClr val="6CC24A"/>
+          </a:solidFill>
+          <a:ln>
+            <a:noFill/>
+          </a:ln>
+        </p:spPr>
+        <p:style>
+          <a:lnRef idx="2">
+            <a:schemeClr val="accent1">
+              <a:shade val="50000"/>
+            </a:schemeClr>
+          </a:lnRef>
+          <a:fillRef idx="1">
+            <a:schemeClr val="accent1"/>
+          </a:fillRef>
+          <a:effectRef idx="0">
+            <a:schemeClr val="accent1"/>
+          </a:effectRef>
+          <a:fontRef idx="minor">
+            <a:schemeClr val="lt1"/>
+          </a:fontRef>
+        </p:style>
+        <p:txBody>
+          <a:bodyPr rtlCol="0" anchor="ctr"/>
+          <a:lstStyle>
+            <a:defPPr>
+              <a:defRPr lang="en-US"/>
+            </a:defPPr>
+            <a:lvl1pPr marL="0" algn="l" defTabSz="914377" rtl="0" eaLnBrk="1" latinLnBrk="0" hangingPunct="1">
+              <a:defRPr sz="1800" kern="1200">
+                <a:solidFill>
+                  <a:schemeClr val="lt1"/>
+                </a:solidFill>
+                <a:latin typeface="+mn-lt"/>
+                <a:ea typeface="+mn-ea"/>
+                <a:cs typeface="+mn-cs"/>
+              </a:defRPr>
+            </a:lvl1pPr>
+            <a:lvl2pPr marL="457189" algn="l" defTabSz="914377" rtl="0" eaLnBrk="1" latinLnBrk="0" hangingPunct="1">
+              <a:defRPr sz="1800" kern="1200">
+                <a:solidFill>
+                  <a:schemeClr val="lt1"/>
+                </a:solidFill>
+                <a:latin typeface="+mn-lt"/>
+                <a:ea typeface="+mn-ea"/>
+                <a:cs typeface="+mn-cs"/>
+              </a:defRPr>
+            </a:lvl2pPr>
+            <a:lvl3pPr marL="914377" algn="l" defTabSz="914377" rtl="0" eaLnBrk="1" latinLnBrk="0" hangingPunct="1">
+              <a:defRPr sz="1800" kern="1200">
+                <a:solidFill>
+                  <a:schemeClr val="lt1"/>
+                </a:solidFill>
+                <a:latin typeface="+mn-lt"/>
+                <a:ea typeface="+mn-ea"/>
+                <a:cs typeface="+mn-cs"/>
+              </a:defRPr>
+            </a:lvl3pPr>
+            <a:lvl4pPr marL="1371566" algn="l" defTabSz="914377" rtl="0" eaLnBrk="1" latinLnBrk="0" hangingPunct="1">
+              <a:defRPr sz="1800" kern="1200">
+                <a:solidFill>
+                  <a:schemeClr val="lt1"/>
+                </a:solidFill>
+                <a:latin typeface="+mn-lt"/>
+                <a:ea typeface="+mn-ea"/>
+                <a:cs typeface="+mn-cs"/>
+              </a:defRPr>
+            </a:lvl4pPr>
+            <a:lvl5pPr marL="1828754" algn="l" defTabSz="914377" rtl="0" eaLnBrk="1" latinLnBrk="0" hangingPunct="1">
+              <a:defRPr sz="1800" kern="1200">
+                <a:solidFill>
+                  <a:schemeClr val="lt1"/>
+                </a:solidFill>
+                <a:latin typeface="+mn-lt"/>
+                <a:ea typeface="+mn-ea"/>
+                <a:cs typeface="+mn-cs"/>
+              </a:defRPr>
+            </a:lvl5pPr>
+            <a:lvl6pPr marL="2285943" algn="l" defTabSz="914377" rtl="0" eaLnBrk="1" latinLnBrk="0" hangingPunct="1">
+              <a:defRPr sz="1800" kern="1200">
+                <a:solidFill>
+                  <a:schemeClr val="lt1"/>
+                </a:solidFill>
+                <a:latin typeface="+mn-lt"/>
+                <a:ea typeface="+mn-ea"/>
+                <a:cs typeface="+mn-cs"/>
+              </a:defRPr>
+            </a:lvl6pPr>
+            <a:lvl7pPr marL="2743131" algn="l" defTabSz="914377" rtl="0" eaLnBrk="1" latinLnBrk="0" hangingPunct="1">
+              <a:defRPr sz="1800" kern="1200">
+                <a:solidFill>
+                  <a:schemeClr val="lt1"/>
+                </a:solidFill>
+                <a:latin typeface="+mn-lt"/>
+                <a:ea typeface="+mn-ea"/>
+                <a:cs typeface="+mn-cs"/>
+              </a:defRPr>
+            </a:lvl7pPr>
+            <a:lvl8pPr marL="3200320" algn="l" defTabSz="914377" rtl="0" eaLnBrk="1" latinLnBrk="0" hangingPunct="1">
+              <a:defRPr sz="1800" kern="1200">
+                <a:solidFill>
+                  <a:schemeClr val="lt1"/>
+                </a:solidFill>
+                <a:latin typeface="+mn-lt"/>
+                <a:ea typeface="+mn-ea"/>
+                <a:cs typeface="+mn-cs"/>
+              </a:defRPr>
+            </a:lvl8pPr>
+            <a:lvl9pPr marL="3657509" algn="l" defTabSz="914377" rtl="0" eaLnBrk="1" latinLnBrk="0" hangingPunct="1">
+              <a:defRPr sz="1800" kern="1200">
+                <a:solidFill>
+                  <a:schemeClr val="lt1"/>
+                </a:solidFill>
+                <a:latin typeface="+mn-lt"/>
+                <a:ea typeface="+mn-ea"/>
+                <a:cs typeface="+mn-cs"/>
+              </a:defRPr>
+            </a:lvl9pPr>
+          </a:lstStyle>
+          <a:p>
+            <a:pPr algn="ctr"/>
+            <a:r>
+              <a:rPr lang="en-US" sz="1200" dirty="0" err="1">
+                <a:solidFill>
+                  <a:schemeClr val="bg1"/>
+                </a:solidFill>
+              </a:rPr>
               <a:t>LLUI_INPUT_impl.h</a:t>
             </a:r>
             <a:endParaRPr lang="en-US" sz="1200" dirty="0">
@@ -14286,10 +14640,10 @@
       </p:sp>
       <p:sp>
         <p:nvSpPr>
-          <p:cNvPr id="31" name="Rounded Rectangle 34">
-            <a:extLst>
-              <a:ext uri="{FF2B5EF4-FFF2-40B4-BE49-F238E27FC236}">
-                <a16:creationId xmlns:a16="http://schemas.microsoft.com/office/drawing/2014/main" id="{DB34D9E8-77F0-4DDC-B501-9D0ADCD10393}"/>
+          <p:cNvPr id="10" name="Rounded Rectangle 34">
+            <a:extLst>
+              <a:ext uri="{FF2B5EF4-FFF2-40B4-BE49-F238E27FC236}">
+                <a16:creationId xmlns:a16="http://schemas.microsoft.com/office/drawing/2014/main" id="{6238C6AD-80F3-45F7-8EF8-2FA4F019A61A}"/>
               </a:ext>
             </a:extLst>
           </p:cNvPr>
@@ -14298,7 +14652,323 @@
         </p:nvSpPr>
         <p:spPr>
           <a:xfrm>
-            <a:off x="1550939" y="3403600"/>
+            <a:off x="2422741" y="4024412"/>
+            <a:ext cx="1645920" cy="288000"/>
+          </a:xfrm>
+          <a:prstGeom prst="roundRect">
+            <a:avLst/>
+          </a:prstGeom>
+          <a:solidFill>
+            <a:srgbClr val="6CC24A"/>
+          </a:solidFill>
+          <a:ln>
+            <a:noFill/>
+          </a:ln>
+        </p:spPr>
+        <p:style>
+          <a:lnRef idx="2">
+            <a:schemeClr val="accent1">
+              <a:shade val="50000"/>
+            </a:schemeClr>
+          </a:lnRef>
+          <a:fillRef idx="1">
+            <a:schemeClr val="accent1"/>
+          </a:fillRef>
+          <a:effectRef idx="0">
+            <a:schemeClr val="accent1"/>
+          </a:effectRef>
+          <a:fontRef idx="minor">
+            <a:schemeClr val="lt1"/>
+          </a:fontRef>
+        </p:style>
+        <p:txBody>
+          <a:bodyPr rtlCol="0" anchor="ctr"/>
+          <a:lstStyle>
+            <a:defPPr>
+              <a:defRPr lang="en-US"/>
+            </a:defPPr>
+            <a:lvl1pPr marL="0" algn="l" defTabSz="914377" rtl="0" eaLnBrk="1" latinLnBrk="0" hangingPunct="1">
+              <a:defRPr sz="1800" kern="1200">
+                <a:solidFill>
+                  <a:schemeClr val="lt1"/>
+                </a:solidFill>
+                <a:latin typeface="+mn-lt"/>
+                <a:ea typeface="+mn-ea"/>
+                <a:cs typeface="+mn-cs"/>
+              </a:defRPr>
+            </a:lvl1pPr>
+            <a:lvl2pPr marL="457189" algn="l" defTabSz="914377" rtl="0" eaLnBrk="1" latinLnBrk="0" hangingPunct="1">
+              <a:defRPr sz="1800" kern="1200">
+                <a:solidFill>
+                  <a:schemeClr val="lt1"/>
+                </a:solidFill>
+                <a:latin typeface="+mn-lt"/>
+                <a:ea typeface="+mn-ea"/>
+                <a:cs typeface="+mn-cs"/>
+              </a:defRPr>
+            </a:lvl2pPr>
+            <a:lvl3pPr marL="914377" algn="l" defTabSz="914377" rtl="0" eaLnBrk="1" latinLnBrk="0" hangingPunct="1">
+              <a:defRPr sz="1800" kern="1200">
+                <a:solidFill>
+                  <a:schemeClr val="lt1"/>
+                </a:solidFill>
+                <a:latin typeface="+mn-lt"/>
+                <a:ea typeface="+mn-ea"/>
+                <a:cs typeface="+mn-cs"/>
+              </a:defRPr>
+            </a:lvl3pPr>
+            <a:lvl4pPr marL="1371566" algn="l" defTabSz="914377" rtl="0" eaLnBrk="1" latinLnBrk="0" hangingPunct="1">
+              <a:defRPr sz="1800" kern="1200">
+                <a:solidFill>
+                  <a:schemeClr val="lt1"/>
+                </a:solidFill>
+                <a:latin typeface="+mn-lt"/>
+                <a:ea typeface="+mn-ea"/>
+                <a:cs typeface="+mn-cs"/>
+              </a:defRPr>
+            </a:lvl4pPr>
+            <a:lvl5pPr marL="1828754" algn="l" defTabSz="914377" rtl="0" eaLnBrk="1" latinLnBrk="0" hangingPunct="1">
+              <a:defRPr sz="1800" kern="1200">
+                <a:solidFill>
+                  <a:schemeClr val="lt1"/>
+                </a:solidFill>
+                <a:latin typeface="+mn-lt"/>
+                <a:ea typeface="+mn-ea"/>
+                <a:cs typeface="+mn-cs"/>
+              </a:defRPr>
+            </a:lvl5pPr>
+            <a:lvl6pPr marL="2285943" algn="l" defTabSz="914377" rtl="0" eaLnBrk="1" latinLnBrk="0" hangingPunct="1">
+              <a:defRPr sz="1800" kern="1200">
+                <a:solidFill>
+                  <a:schemeClr val="lt1"/>
+                </a:solidFill>
+                <a:latin typeface="+mn-lt"/>
+                <a:ea typeface="+mn-ea"/>
+                <a:cs typeface="+mn-cs"/>
+              </a:defRPr>
+            </a:lvl6pPr>
+            <a:lvl7pPr marL="2743131" algn="l" defTabSz="914377" rtl="0" eaLnBrk="1" latinLnBrk="0" hangingPunct="1">
+              <a:defRPr sz="1800" kern="1200">
+                <a:solidFill>
+                  <a:schemeClr val="lt1"/>
+                </a:solidFill>
+                <a:latin typeface="+mn-lt"/>
+                <a:ea typeface="+mn-ea"/>
+                <a:cs typeface="+mn-cs"/>
+              </a:defRPr>
+            </a:lvl7pPr>
+            <a:lvl8pPr marL="3200320" algn="l" defTabSz="914377" rtl="0" eaLnBrk="1" latinLnBrk="0" hangingPunct="1">
+              <a:defRPr sz="1800" kern="1200">
+                <a:solidFill>
+                  <a:schemeClr val="lt1"/>
+                </a:solidFill>
+                <a:latin typeface="+mn-lt"/>
+                <a:ea typeface="+mn-ea"/>
+                <a:cs typeface="+mn-cs"/>
+              </a:defRPr>
+            </a:lvl8pPr>
+            <a:lvl9pPr marL="3657509" algn="l" defTabSz="914377" rtl="0" eaLnBrk="1" latinLnBrk="0" hangingPunct="1">
+              <a:defRPr sz="1800" kern="1200">
+                <a:solidFill>
+                  <a:schemeClr val="lt1"/>
+                </a:solidFill>
+                <a:latin typeface="+mn-lt"/>
+                <a:ea typeface="+mn-ea"/>
+                <a:cs typeface="+mn-cs"/>
+              </a:defRPr>
+            </a:lvl9pPr>
+          </a:lstStyle>
+          <a:p>
+            <a:pPr algn="ctr"/>
+            <a:r>
+              <a:rPr lang="en-US" sz="1200" dirty="0" err="1">
+                <a:solidFill>
+                  <a:schemeClr val="bg1"/>
+                </a:solidFill>
+              </a:rPr>
+              <a:t>Input_listener.h</a:t>
+            </a:r>
+            <a:endParaRPr lang="en-US" sz="1200" dirty="0">
+              <a:solidFill>
+                <a:schemeClr val="bg1"/>
+              </a:solidFill>
+            </a:endParaRPr>
+          </a:p>
+        </p:txBody>
+      </p:sp>
+      <p:sp>
+        <p:nvSpPr>
+          <p:cNvPr id="12" name="Rounded Rectangle 34">
+            <a:extLst>
+              <a:ext uri="{FF2B5EF4-FFF2-40B4-BE49-F238E27FC236}">
+                <a16:creationId xmlns:a16="http://schemas.microsoft.com/office/drawing/2014/main" id="{E7123BB0-7490-4E6B-86CE-F4838CCF6D2E}"/>
+              </a:ext>
+            </a:extLst>
+          </p:cNvPr>
+          <p:cNvSpPr/>
+          <p:nvPr/>
+        </p:nvSpPr>
+        <p:spPr>
+          <a:xfrm>
+            <a:off x="1867107" y="3468974"/>
+            <a:ext cx="1645920" cy="288000"/>
+          </a:xfrm>
+          <a:prstGeom prst="roundRect">
+            <a:avLst/>
+          </a:prstGeom>
+          <a:solidFill>
+            <a:srgbClr val="6CC24A"/>
+          </a:solidFill>
+          <a:ln>
+            <a:noFill/>
+          </a:ln>
+        </p:spPr>
+        <p:style>
+          <a:lnRef idx="2">
+            <a:schemeClr val="accent1">
+              <a:shade val="50000"/>
+            </a:schemeClr>
+          </a:lnRef>
+          <a:fillRef idx="1">
+            <a:schemeClr val="accent1"/>
+          </a:fillRef>
+          <a:effectRef idx="0">
+            <a:schemeClr val="accent1"/>
+          </a:effectRef>
+          <a:fontRef idx="minor">
+            <a:schemeClr val="lt1"/>
+          </a:fontRef>
+        </p:style>
+        <p:txBody>
+          <a:bodyPr rtlCol="0" anchor="ctr"/>
+          <a:lstStyle>
+            <a:defPPr>
+              <a:defRPr lang="en-US"/>
+            </a:defPPr>
+            <a:lvl1pPr marL="0" algn="l" defTabSz="914377" rtl="0" eaLnBrk="1" latinLnBrk="0" hangingPunct="1">
+              <a:defRPr sz="1800" kern="1200">
+                <a:solidFill>
+                  <a:schemeClr val="lt1"/>
+                </a:solidFill>
+                <a:latin typeface="+mn-lt"/>
+                <a:ea typeface="+mn-ea"/>
+                <a:cs typeface="+mn-cs"/>
+              </a:defRPr>
+            </a:lvl1pPr>
+            <a:lvl2pPr marL="457189" algn="l" defTabSz="914377" rtl="0" eaLnBrk="1" latinLnBrk="0" hangingPunct="1">
+              <a:defRPr sz="1800" kern="1200">
+                <a:solidFill>
+                  <a:schemeClr val="lt1"/>
+                </a:solidFill>
+                <a:latin typeface="+mn-lt"/>
+                <a:ea typeface="+mn-ea"/>
+                <a:cs typeface="+mn-cs"/>
+              </a:defRPr>
+            </a:lvl2pPr>
+            <a:lvl3pPr marL="914377" algn="l" defTabSz="914377" rtl="0" eaLnBrk="1" latinLnBrk="0" hangingPunct="1">
+              <a:defRPr sz="1800" kern="1200">
+                <a:solidFill>
+                  <a:schemeClr val="lt1"/>
+                </a:solidFill>
+                <a:latin typeface="+mn-lt"/>
+                <a:ea typeface="+mn-ea"/>
+                <a:cs typeface="+mn-cs"/>
+              </a:defRPr>
+            </a:lvl3pPr>
+            <a:lvl4pPr marL="1371566" algn="l" defTabSz="914377" rtl="0" eaLnBrk="1" latinLnBrk="0" hangingPunct="1">
+              <a:defRPr sz="1800" kern="1200">
+                <a:solidFill>
+                  <a:schemeClr val="lt1"/>
+                </a:solidFill>
+                <a:latin typeface="+mn-lt"/>
+                <a:ea typeface="+mn-ea"/>
+                <a:cs typeface="+mn-cs"/>
+              </a:defRPr>
+            </a:lvl4pPr>
+            <a:lvl5pPr marL="1828754" algn="l" defTabSz="914377" rtl="0" eaLnBrk="1" latinLnBrk="0" hangingPunct="1">
+              <a:defRPr sz="1800" kern="1200">
+                <a:solidFill>
+                  <a:schemeClr val="lt1"/>
+                </a:solidFill>
+                <a:latin typeface="+mn-lt"/>
+                <a:ea typeface="+mn-ea"/>
+                <a:cs typeface="+mn-cs"/>
+              </a:defRPr>
+            </a:lvl5pPr>
+            <a:lvl6pPr marL="2285943" algn="l" defTabSz="914377" rtl="0" eaLnBrk="1" latinLnBrk="0" hangingPunct="1">
+              <a:defRPr sz="1800" kern="1200">
+                <a:solidFill>
+                  <a:schemeClr val="lt1"/>
+                </a:solidFill>
+                <a:latin typeface="+mn-lt"/>
+                <a:ea typeface="+mn-ea"/>
+                <a:cs typeface="+mn-cs"/>
+              </a:defRPr>
+            </a:lvl6pPr>
+            <a:lvl7pPr marL="2743131" algn="l" defTabSz="914377" rtl="0" eaLnBrk="1" latinLnBrk="0" hangingPunct="1">
+              <a:defRPr sz="1800" kern="1200">
+                <a:solidFill>
+                  <a:schemeClr val="lt1"/>
+                </a:solidFill>
+                <a:latin typeface="+mn-lt"/>
+                <a:ea typeface="+mn-ea"/>
+                <a:cs typeface="+mn-cs"/>
+              </a:defRPr>
+            </a:lvl7pPr>
+            <a:lvl8pPr marL="3200320" algn="l" defTabSz="914377" rtl="0" eaLnBrk="1" latinLnBrk="0" hangingPunct="1">
+              <a:defRPr sz="1800" kern="1200">
+                <a:solidFill>
+                  <a:schemeClr val="lt1"/>
+                </a:solidFill>
+                <a:latin typeface="+mn-lt"/>
+                <a:ea typeface="+mn-ea"/>
+                <a:cs typeface="+mn-cs"/>
+              </a:defRPr>
+            </a:lvl8pPr>
+            <a:lvl9pPr marL="3657509" algn="l" defTabSz="914377" rtl="0" eaLnBrk="1" latinLnBrk="0" hangingPunct="1">
+              <a:defRPr sz="1800" kern="1200">
+                <a:solidFill>
+                  <a:schemeClr val="lt1"/>
+                </a:solidFill>
+                <a:latin typeface="+mn-lt"/>
+                <a:ea typeface="+mn-ea"/>
+                <a:cs typeface="+mn-cs"/>
+              </a:defRPr>
+            </a:lvl9pPr>
+          </a:lstStyle>
+          <a:p>
+            <a:pPr algn="ctr"/>
+            <a:r>
+              <a:rPr lang="en-US" sz="1200" dirty="0" err="1">
+                <a:solidFill>
+                  <a:schemeClr val="bg1"/>
+                </a:solidFill>
+              </a:rPr>
+              <a:t>Input_listener.c</a:t>
+            </a:r>
+            <a:endParaRPr lang="en-US" sz="1200" dirty="0">
+              <a:solidFill>
+                <a:schemeClr val="bg1"/>
+              </a:solidFill>
+            </a:endParaRPr>
+          </a:p>
+        </p:txBody>
+      </p:sp>
+      <p:sp>
+        <p:nvSpPr>
+          <p:cNvPr id="14" name="Rounded Rectangle 46">
+            <a:extLst>
+              <a:ext uri="{FF2B5EF4-FFF2-40B4-BE49-F238E27FC236}">
+                <a16:creationId xmlns:a16="http://schemas.microsoft.com/office/drawing/2014/main" id="{4DB21356-A0ED-4740-AA9F-A2A37E5139CA}"/>
+              </a:ext>
+            </a:extLst>
+          </p:cNvPr>
+          <p:cNvSpPr/>
+          <p:nvPr/>
+        </p:nvSpPr>
+        <p:spPr>
+          <a:xfrm>
+            <a:off x="3677161" y="4509852"/>
             <a:ext cx="1645920" cy="288000"/>
           </a:xfrm>
           <a:prstGeom prst="roundRect">
@@ -14432,1557 +15102,6 @@
                   <a:schemeClr val="bg1"/>
                 </a:solidFill>
               </a:rPr>
-              <a:t>LLUI_INPUT.h</a:t>
-            </a:r>
-            <a:endParaRPr lang="en-US" sz="1200" dirty="0">
-              <a:solidFill>
-                <a:schemeClr val="bg1"/>
-              </a:solidFill>
-            </a:endParaRPr>
-          </a:p>
-        </p:txBody>
-      </p:sp>
-      <p:sp>
-        <p:nvSpPr>
-          <p:cNvPr id="41" name="Rounded Rectangle 43">
-            <a:extLst>
-              <a:ext uri="{FF2B5EF4-FFF2-40B4-BE49-F238E27FC236}">
-                <a16:creationId xmlns:a16="http://schemas.microsoft.com/office/drawing/2014/main" id="{E617D3FF-F74E-4B83-AD00-7531189127CC}"/>
-              </a:ext>
-            </a:extLst>
-          </p:cNvPr>
-          <p:cNvSpPr/>
-          <p:nvPr/>
-        </p:nvSpPr>
-        <p:spPr>
-          <a:xfrm>
-            <a:off x="1791211" y="2554285"/>
-            <a:ext cx="1645920" cy="288000"/>
-          </a:xfrm>
-          <a:prstGeom prst="roundRect">
-            <a:avLst/>
-          </a:prstGeom>
-          <a:solidFill>
-            <a:srgbClr val="EE502E"/>
-          </a:solidFill>
-          <a:ln>
-            <a:noFill/>
-          </a:ln>
-        </p:spPr>
-        <p:style>
-          <a:lnRef idx="2">
-            <a:schemeClr val="accent1">
-              <a:shade val="50000"/>
-            </a:schemeClr>
-          </a:lnRef>
-          <a:fillRef idx="1">
-            <a:schemeClr val="accent1"/>
-          </a:fillRef>
-          <a:effectRef idx="0">
-            <a:schemeClr val="accent1"/>
-          </a:effectRef>
-          <a:fontRef idx="minor">
-            <a:schemeClr val="lt1"/>
-          </a:fontRef>
-        </p:style>
-        <p:txBody>
-          <a:bodyPr rtlCol="0" anchor="ctr"/>
-          <a:lstStyle/>
-          <a:p>
-            <a:pPr algn="ctr"/>
-            <a:r>
-              <a:rPr lang="en-US" sz="1200" dirty="0"/>
-              <a:t>Event Engine</a:t>
-            </a:r>
-          </a:p>
-        </p:txBody>
-      </p:sp>
-      <p:sp>
-        <p:nvSpPr>
-          <p:cNvPr id="45" name="Rounded Rectangle 46">
-            <a:extLst>
-              <a:ext uri="{FF2B5EF4-FFF2-40B4-BE49-F238E27FC236}">
-                <a16:creationId xmlns:a16="http://schemas.microsoft.com/office/drawing/2014/main" id="{3006C0CE-84FA-4D8C-A786-4B4DE7EDDE2E}"/>
-              </a:ext>
-            </a:extLst>
-          </p:cNvPr>
-          <p:cNvSpPr/>
-          <p:nvPr/>
-        </p:nvSpPr>
-        <p:spPr>
-          <a:xfrm>
-            <a:off x="6706878" y="3547036"/>
-            <a:ext cx="1645920" cy="288000"/>
-          </a:xfrm>
-          <a:prstGeom prst="roundRect">
-            <a:avLst/>
-          </a:prstGeom>
-          <a:solidFill>
-            <a:srgbClr val="00AEC7"/>
-          </a:solidFill>
-          <a:ln>
-            <a:noFill/>
-          </a:ln>
-        </p:spPr>
-        <p:style>
-          <a:lnRef idx="2">
-            <a:schemeClr val="accent1">
-              <a:shade val="50000"/>
-            </a:schemeClr>
-          </a:lnRef>
-          <a:fillRef idx="1">
-            <a:schemeClr val="accent1"/>
-          </a:fillRef>
-          <a:effectRef idx="0">
-            <a:schemeClr val="accent1"/>
-          </a:effectRef>
-          <a:fontRef idx="minor">
-            <a:schemeClr val="lt1"/>
-          </a:fontRef>
-        </p:style>
-        <p:txBody>
-          <a:bodyPr rtlCol="0" anchor="ctr"/>
-          <a:lstStyle>
-            <a:defPPr>
-              <a:defRPr lang="en-US"/>
-            </a:defPPr>
-            <a:lvl1pPr marL="0" algn="l" defTabSz="914377" rtl="0" eaLnBrk="1" latinLnBrk="0" hangingPunct="1">
-              <a:defRPr sz="1800" kern="1200">
-                <a:solidFill>
-                  <a:schemeClr val="lt1"/>
-                </a:solidFill>
-                <a:latin typeface="+mn-lt"/>
-                <a:ea typeface="+mn-ea"/>
-                <a:cs typeface="+mn-cs"/>
-              </a:defRPr>
-            </a:lvl1pPr>
-            <a:lvl2pPr marL="457189" algn="l" defTabSz="914377" rtl="0" eaLnBrk="1" latinLnBrk="0" hangingPunct="1">
-              <a:defRPr sz="1800" kern="1200">
-                <a:solidFill>
-                  <a:schemeClr val="lt1"/>
-                </a:solidFill>
-                <a:latin typeface="+mn-lt"/>
-                <a:ea typeface="+mn-ea"/>
-                <a:cs typeface="+mn-cs"/>
-              </a:defRPr>
-            </a:lvl2pPr>
-            <a:lvl3pPr marL="914377" algn="l" defTabSz="914377" rtl="0" eaLnBrk="1" latinLnBrk="0" hangingPunct="1">
-              <a:defRPr sz="1800" kern="1200">
-                <a:solidFill>
-                  <a:schemeClr val="lt1"/>
-                </a:solidFill>
-                <a:latin typeface="+mn-lt"/>
-                <a:ea typeface="+mn-ea"/>
-                <a:cs typeface="+mn-cs"/>
-              </a:defRPr>
-            </a:lvl3pPr>
-            <a:lvl4pPr marL="1371566" algn="l" defTabSz="914377" rtl="0" eaLnBrk="1" latinLnBrk="0" hangingPunct="1">
-              <a:defRPr sz="1800" kern="1200">
-                <a:solidFill>
-                  <a:schemeClr val="lt1"/>
-                </a:solidFill>
-                <a:latin typeface="+mn-lt"/>
-                <a:ea typeface="+mn-ea"/>
-                <a:cs typeface="+mn-cs"/>
-              </a:defRPr>
-            </a:lvl4pPr>
-            <a:lvl5pPr marL="1828754" algn="l" defTabSz="914377" rtl="0" eaLnBrk="1" latinLnBrk="0" hangingPunct="1">
-              <a:defRPr sz="1800" kern="1200">
-                <a:solidFill>
-                  <a:schemeClr val="lt1"/>
-                </a:solidFill>
-                <a:latin typeface="+mn-lt"/>
-                <a:ea typeface="+mn-ea"/>
-                <a:cs typeface="+mn-cs"/>
-              </a:defRPr>
-            </a:lvl5pPr>
-            <a:lvl6pPr marL="2285943" algn="l" defTabSz="914377" rtl="0" eaLnBrk="1" latinLnBrk="0" hangingPunct="1">
-              <a:defRPr sz="1800" kern="1200">
-                <a:solidFill>
-                  <a:schemeClr val="lt1"/>
-                </a:solidFill>
-                <a:latin typeface="+mn-lt"/>
-                <a:ea typeface="+mn-ea"/>
-                <a:cs typeface="+mn-cs"/>
-              </a:defRPr>
-            </a:lvl6pPr>
-            <a:lvl7pPr marL="2743131" algn="l" defTabSz="914377" rtl="0" eaLnBrk="1" latinLnBrk="0" hangingPunct="1">
-              <a:defRPr sz="1800" kern="1200">
-                <a:solidFill>
-                  <a:schemeClr val="lt1"/>
-                </a:solidFill>
-                <a:latin typeface="+mn-lt"/>
-                <a:ea typeface="+mn-ea"/>
-                <a:cs typeface="+mn-cs"/>
-              </a:defRPr>
-            </a:lvl7pPr>
-            <a:lvl8pPr marL="3200320" algn="l" defTabSz="914377" rtl="0" eaLnBrk="1" latinLnBrk="0" hangingPunct="1">
-              <a:defRPr sz="1800" kern="1200">
-                <a:solidFill>
-                  <a:schemeClr val="lt1"/>
-                </a:solidFill>
-                <a:latin typeface="+mn-lt"/>
-                <a:ea typeface="+mn-ea"/>
-                <a:cs typeface="+mn-cs"/>
-              </a:defRPr>
-            </a:lvl8pPr>
-            <a:lvl9pPr marL="3657509" algn="l" defTabSz="914377" rtl="0" eaLnBrk="1" latinLnBrk="0" hangingPunct="1">
-              <a:defRPr sz="1800" kern="1200">
-                <a:solidFill>
-                  <a:schemeClr val="lt1"/>
-                </a:solidFill>
-                <a:latin typeface="+mn-lt"/>
-                <a:ea typeface="+mn-ea"/>
-                <a:cs typeface="+mn-cs"/>
-              </a:defRPr>
-            </a:lvl9pPr>
-          </a:lstStyle>
-          <a:p>
-            <a:pPr algn="ctr"/>
-            <a:r>
-              <a:rPr lang="en-US" sz="1200" dirty="0" err="1">
-                <a:solidFill>
-                  <a:schemeClr val="bg1"/>
-                </a:solidFill>
-              </a:rPr>
-              <a:t>LLUI_INPUT_impl.c</a:t>
-            </a:r>
-            <a:endParaRPr lang="en-US" sz="1200" dirty="0">
-              <a:solidFill>
-                <a:schemeClr val="bg1"/>
-              </a:solidFill>
-            </a:endParaRPr>
-          </a:p>
-        </p:txBody>
-      </p:sp>
-      <p:grpSp>
-        <p:nvGrpSpPr>
-          <p:cNvPr id="69" name="Group 68">
-            <a:extLst>
-              <a:ext uri="{FF2B5EF4-FFF2-40B4-BE49-F238E27FC236}">
-                <a16:creationId xmlns:a16="http://schemas.microsoft.com/office/drawing/2014/main" id="{4153F155-4AE2-4638-A893-53D67D6ACE68}"/>
-              </a:ext>
-            </a:extLst>
-          </p:cNvPr>
-          <p:cNvGrpSpPr/>
-          <p:nvPr/>
-        </p:nvGrpSpPr>
-        <p:grpSpPr>
-          <a:xfrm>
-            <a:off x="6543047" y="4252239"/>
-            <a:ext cx="1809751" cy="276999"/>
-            <a:chOff x="1181100" y="4410075"/>
-            <a:chExt cx="1809751" cy="276999"/>
-          </a:xfrm>
-        </p:grpSpPr>
-        <p:sp>
-          <p:nvSpPr>
-            <p:cNvPr id="67" name="Oval 66">
-              <a:extLst>
-                <a:ext uri="{FF2B5EF4-FFF2-40B4-BE49-F238E27FC236}">
-                  <a16:creationId xmlns:a16="http://schemas.microsoft.com/office/drawing/2014/main" id="{430FF09A-D724-41CE-8B6B-C8A9E2109DD7}"/>
-                </a:ext>
-              </a:extLst>
-            </p:cNvPr>
-            <p:cNvSpPr/>
-            <p:nvPr/>
-          </p:nvSpPr>
-          <p:spPr>
-            <a:xfrm>
-              <a:off x="1181100" y="4410075"/>
-              <a:ext cx="247650" cy="238125"/>
-            </a:xfrm>
-            <a:prstGeom prst="ellipse">
-              <a:avLst/>
-            </a:prstGeom>
-            <a:solidFill>
-              <a:schemeClr val="bg2">
-                <a:lumMod val="90000"/>
-              </a:schemeClr>
-            </a:solidFill>
-          </p:spPr>
-          <p:style>
-            <a:lnRef idx="2">
-              <a:schemeClr val="accent1">
-                <a:shade val="50000"/>
-              </a:schemeClr>
-            </a:lnRef>
-            <a:fillRef idx="1">
-              <a:schemeClr val="accent1"/>
-            </a:fillRef>
-            <a:effectRef idx="0">
-              <a:schemeClr val="accent1"/>
-            </a:effectRef>
-            <a:fontRef idx="minor">
-              <a:schemeClr val="lt1"/>
-            </a:fontRef>
-          </p:style>
-          <p:txBody>
-            <a:bodyPr rtlCol="0" anchor="ctr"/>
-            <a:lstStyle/>
-            <a:p>
-              <a:pPr algn="ctr"/>
-              <a:endParaRPr lang="en-US" dirty="0"/>
-            </a:p>
-          </p:txBody>
-        </p:sp>
-        <p:sp>
-          <p:nvSpPr>
-            <p:cNvPr id="68" name="TextBox 67">
-              <a:extLst>
-                <a:ext uri="{FF2B5EF4-FFF2-40B4-BE49-F238E27FC236}">
-                  <a16:creationId xmlns:a16="http://schemas.microsoft.com/office/drawing/2014/main" id="{BC94D93E-94BC-4701-A362-2E6A761D76CA}"/>
-                </a:ext>
-              </a:extLst>
-            </p:cNvPr>
-            <p:cNvSpPr txBox="1"/>
-            <p:nvPr/>
-          </p:nvSpPr>
-          <p:spPr>
-            <a:xfrm>
-              <a:off x="1428751" y="4410075"/>
-              <a:ext cx="1562100" cy="276999"/>
-            </a:xfrm>
-            <a:prstGeom prst="rect">
-              <a:avLst/>
-            </a:prstGeom>
-            <a:noFill/>
-          </p:spPr>
-          <p:txBody>
-            <a:bodyPr wrap="square" rtlCol="0">
-              <a:spAutoFit/>
-            </a:bodyPr>
-            <a:lstStyle/>
-            <a:p>
-              <a:r>
-                <a:rPr lang="en-US" sz="1200" dirty="0"/>
-                <a:t>Foundation library</a:t>
-              </a:r>
-            </a:p>
-          </p:txBody>
-        </p:sp>
-      </p:grpSp>
-      <p:grpSp>
-        <p:nvGrpSpPr>
-          <p:cNvPr id="70" name="Group 69">
-            <a:extLst>
-              <a:ext uri="{FF2B5EF4-FFF2-40B4-BE49-F238E27FC236}">
-                <a16:creationId xmlns:a16="http://schemas.microsoft.com/office/drawing/2014/main" id="{7FC92D7C-F8FF-4B3D-80E1-8245E81CFC64}"/>
-              </a:ext>
-            </a:extLst>
-          </p:cNvPr>
-          <p:cNvGrpSpPr/>
-          <p:nvPr/>
-        </p:nvGrpSpPr>
-        <p:grpSpPr>
-          <a:xfrm>
-            <a:off x="6543047" y="4529238"/>
-            <a:ext cx="1809751" cy="276999"/>
-            <a:chOff x="1181100" y="4410075"/>
-            <a:chExt cx="1809751" cy="276999"/>
-          </a:xfrm>
-        </p:grpSpPr>
-        <p:sp>
-          <p:nvSpPr>
-            <p:cNvPr id="71" name="Oval 70">
-              <a:extLst>
-                <a:ext uri="{FF2B5EF4-FFF2-40B4-BE49-F238E27FC236}">
-                  <a16:creationId xmlns:a16="http://schemas.microsoft.com/office/drawing/2014/main" id="{D6B12055-8574-4D9C-8A73-8524AA28590A}"/>
-                </a:ext>
-              </a:extLst>
-            </p:cNvPr>
-            <p:cNvSpPr/>
-            <p:nvPr/>
-          </p:nvSpPr>
-          <p:spPr>
-            <a:xfrm>
-              <a:off x="1181100" y="4410075"/>
-              <a:ext cx="247650" cy="238125"/>
-            </a:xfrm>
-            <a:prstGeom prst="ellipse">
-              <a:avLst/>
-            </a:prstGeom>
-            <a:solidFill>
-              <a:srgbClr val="00AEC7"/>
-            </a:solidFill>
-          </p:spPr>
-          <p:style>
-            <a:lnRef idx="2">
-              <a:schemeClr val="accent1">
-                <a:shade val="50000"/>
-              </a:schemeClr>
-            </a:lnRef>
-            <a:fillRef idx="1">
-              <a:schemeClr val="accent1"/>
-            </a:fillRef>
-            <a:effectRef idx="0">
-              <a:schemeClr val="accent1"/>
-            </a:effectRef>
-            <a:fontRef idx="minor">
-              <a:schemeClr val="lt1"/>
-            </a:fontRef>
-          </p:style>
-          <p:txBody>
-            <a:bodyPr rtlCol="0" anchor="ctr"/>
-            <a:lstStyle/>
-            <a:p>
-              <a:pPr algn="ctr"/>
-              <a:endParaRPr lang="en-US" dirty="0"/>
-            </a:p>
-          </p:txBody>
-        </p:sp>
-        <p:sp>
-          <p:nvSpPr>
-            <p:cNvPr id="72" name="TextBox 71">
-              <a:extLst>
-                <a:ext uri="{FF2B5EF4-FFF2-40B4-BE49-F238E27FC236}">
-                  <a16:creationId xmlns:a16="http://schemas.microsoft.com/office/drawing/2014/main" id="{3F25C3E2-A8C1-44ED-AB5C-CFBA9A21701F}"/>
-                </a:ext>
-              </a:extLst>
-            </p:cNvPr>
-            <p:cNvSpPr txBox="1"/>
-            <p:nvPr/>
-          </p:nvSpPr>
-          <p:spPr>
-            <a:xfrm>
-              <a:off x="1428751" y="4410075"/>
-              <a:ext cx="1562100" cy="276999"/>
-            </a:xfrm>
-            <a:prstGeom prst="rect">
-              <a:avLst/>
-            </a:prstGeom>
-            <a:noFill/>
-          </p:spPr>
-          <p:txBody>
-            <a:bodyPr wrap="square" rtlCol="0">
-              <a:spAutoFit/>
-            </a:bodyPr>
-            <a:lstStyle/>
-            <a:p>
-              <a:r>
-                <a:rPr lang="en-US" sz="1200" dirty="0"/>
-                <a:t>C/H file (.c, .h)</a:t>
-              </a:r>
-            </a:p>
-          </p:txBody>
-        </p:sp>
-      </p:grpSp>
-      <p:grpSp>
-        <p:nvGrpSpPr>
-          <p:cNvPr id="73" name="Group 72">
-            <a:extLst>
-              <a:ext uri="{FF2B5EF4-FFF2-40B4-BE49-F238E27FC236}">
-                <a16:creationId xmlns:a16="http://schemas.microsoft.com/office/drawing/2014/main" id="{206EB95F-DCD3-406E-A4FD-DA8A77EAD71A}"/>
-              </a:ext>
-            </a:extLst>
-          </p:cNvPr>
-          <p:cNvGrpSpPr/>
-          <p:nvPr/>
-        </p:nvGrpSpPr>
-        <p:grpSpPr>
-          <a:xfrm>
-            <a:off x="6543047" y="4810225"/>
-            <a:ext cx="1809751" cy="276999"/>
-            <a:chOff x="1181100" y="4410075"/>
-            <a:chExt cx="1809751" cy="276999"/>
-          </a:xfrm>
-        </p:grpSpPr>
-        <p:sp>
-          <p:nvSpPr>
-            <p:cNvPr id="74" name="Oval 73">
-              <a:extLst>
-                <a:ext uri="{FF2B5EF4-FFF2-40B4-BE49-F238E27FC236}">
-                  <a16:creationId xmlns:a16="http://schemas.microsoft.com/office/drawing/2014/main" id="{04529874-353A-4B5A-BA92-E997FB3D98A2}"/>
-                </a:ext>
-              </a:extLst>
-            </p:cNvPr>
-            <p:cNvSpPr/>
-            <p:nvPr/>
-          </p:nvSpPr>
-          <p:spPr>
-            <a:xfrm>
-              <a:off x="1181100" y="4410075"/>
-              <a:ext cx="247650" cy="238125"/>
-            </a:xfrm>
-            <a:prstGeom prst="ellipse">
-              <a:avLst/>
-            </a:prstGeom>
-            <a:solidFill>
-              <a:srgbClr val="EE502E"/>
-            </a:solidFill>
-          </p:spPr>
-          <p:style>
-            <a:lnRef idx="2">
-              <a:schemeClr val="accent1">
-                <a:shade val="50000"/>
-              </a:schemeClr>
-            </a:lnRef>
-            <a:fillRef idx="1">
-              <a:schemeClr val="accent1"/>
-            </a:fillRef>
-            <a:effectRef idx="0">
-              <a:schemeClr val="accent1"/>
-            </a:effectRef>
-            <a:fontRef idx="minor">
-              <a:schemeClr val="lt1"/>
-            </a:fontRef>
-          </p:style>
-          <p:txBody>
-            <a:bodyPr rtlCol="0" anchor="ctr"/>
-            <a:lstStyle/>
-            <a:p>
-              <a:pPr algn="ctr"/>
-              <a:endParaRPr lang="en-US" dirty="0"/>
-            </a:p>
-          </p:txBody>
-        </p:sp>
-        <p:sp>
-          <p:nvSpPr>
-            <p:cNvPr id="75" name="TextBox 74">
-              <a:extLst>
-                <a:ext uri="{FF2B5EF4-FFF2-40B4-BE49-F238E27FC236}">
-                  <a16:creationId xmlns:a16="http://schemas.microsoft.com/office/drawing/2014/main" id="{5B258D0E-39BB-43B3-8601-ECD846FB076B}"/>
-                </a:ext>
-              </a:extLst>
-            </p:cNvPr>
-            <p:cNvSpPr txBox="1"/>
-            <p:nvPr/>
-          </p:nvSpPr>
-          <p:spPr>
-            <a:xfrm>
-              <a:off x="1428751" y="4410075"/>
-              <a:ext cx="1562100" cy="276999"/>
-            </a:xfrm>
-            <a:prstGeom prst="rect">
-              <a:avLst/>
-            </a:prstGeom>
-            <a:noFill/>
-          </p:spPr>
-          <p:txBody>
-            <a:bodyPr wrap="square" rtlCol="0">
-              <a:spAutoFit/>
-            </a:bodyPr>
-            <a:lstStyle/>
-            <a:p>
-              <a:r>
-                <a:rPr lang="en-US" sz="1200" dirty="0"/>
-                <a:t>Archive file (.a)</a:t>
-              </a:r>
-            </a:p>
-          </p:txBody>
-        </p:sp>
-      </p:grpSp>
-      <p:sp>
-        <p:nvSpPr>
-          <p:cNvPr id="2" name="Rectangle 1">
-            <a:extLst>
-              <a:ext uri="{FF2B5EF4-FFF2-40B4-BE49-F238E27FC236}">
-                <a16:creationId xmlns:a16="http://schemas.microsoft.com/office/drawing/2014/main" id="{F72A8CBB-79BA-4B61-9B59-9E72D6036C34}"/>
-              </a:ext>
-            </a:extLst>
-          </p:cNvPr>
-          <p:cNvSpPr/>
-          <p:nvPr/>
-        </p:nvSpPr>
-        <p:spPr>
-          <a:xfrm>
-            <a:off x="6543047" y="3211512"/>
-            <a:ext cx="413896" cy="276999"/>
-          </a:xfrm>
-          <a:prstGeom prst="rect">
-            <a:avLst/>
-          </a:prstGeom>
-        </p:spPr>
-        <p:txBody>
-          <a:bodyPr wrap="none">
-            <a:spAutoFit/>
-          </a:bodyPr>
-          <a:lstStyle/>
-          <a:p>
-            <a:pPr algn="ctr"/>
-            <a:r>
-              <a:rPr lang="en-US" sz="1200" dirty="0"/>
-              <a:t>BSP</a:t>
-            </a:r>
-          </a:p>
-        </p:txBody>
-      </p:sp>
-      <p:sp>
-        <p:nvSpPr>
-          <p:cNvPr id="3" name="Rectangle 2">
-            <a:extLst>
-              <a:ext uri="{FF2B5EF4-FFF2-40B4-BE49-F238E27FC236}">
-                <a16:creationId xmlns:a16="http://schemas.microsoft.com/office/drawing/2014/main" id="{52B47B43-5216-4F83-B87B-83DE345FFF86}"/>
-              </a:ext>
-            </a:extLst>
-          </p:cNvPr>
-          <p:cNvSpPr/>
-          <p:nvPr/>
-        </p:nvSpPr>
-        <p:spPr>
-          <a:xfrm>
-            <a:off x="6543047" y="984421"/>
-            <a:ext cx="725070" cy="276999"/>
-          </a:xfrm>
-          <a:prstGeom prst="rect">
-            <a:avLst/>
-          </a:prstGeom>
-        </p:spPr>
-        <p:txBody>
-          <a:bodyPr wrap="none">
-            <a:spAutoFit/>
-          </a:bodyPr>
-          <a:lstStyle/>
-          <a:p>
-            <a:pPr algn="ctr"/>
-            <a:r>
-              <a:rPr lang="en-US" sz="1200" dirty="0"/>
-              <a:t>Platform</a:t>
-            </a:r>
-          </a:p>
-        </p:txBody>
-      </p:sp>
-      <p:sp>
-        <p:nvSpPr>
-          <p:cNvPr id="4" name="Rounded Rectangle 15">
-            <a:extLst>
-              <a:ext uri="{FF2B5EF4-FFF2-40B4-BE49-F238E27FC236}">
-                <a16:creationId xmlns:a16="http://schemas.microsoft.com/office/drawing/2014/main" id="{E6A58955-926D-451A-8952-F377E331D797}"/>
-              </a:ext>
-            </a:extLst>
-          </p:cNvPr>
-          <p:cNvSpPr/>
-          <p:nvPr/>
-        </p:nvSpPr>
-        <p:spPr>
-          <a:xfrm>
-            <a:off x="1807796" y="1892823"/>
-            <a:ext cx="1645920" cy="288000"/>
-          </a:xfrm>
-          <a:prstGeom prst="roundRect">
-            <a:avLst/>
-          </a:prstGeom>
-          <a:solidFill>
-            <a:schemeClr val="bg2">
-              <a:lumMod val="90000"/>
-            </a:schemeClr>
-          </a:solidFill>
-          <a:ln>
-            <a:noFill/>
-          </a:ln>
-        </p:spPr>
-        <p:style>
-          <a:lnRef idx="2">
-            <a:schemeClr val="accent1">
-              <a:shade val="50000"/>
-            </a:schemeClr>
-          </a:lnRef>
-          <a:fillRef idx="1">
-            <a:schemeClr val="accent1"/>
-          </a:fillRef>
-          <a:effectRef idx="0">
-            <a:schemeClr val="accent1"/>
-          </a:effectRef>
-          <a:fontRef idx="minor">
-            <a:schemeClr val="lt1"/>
-          </a:fontRef>
-        </p:style>
-        <p:txBody>
-          <a:bodyPr rtlCol="0" anchor="ctr"/>
-          <a:lstStyle>
-            <a:defPPr>
-              <a:defRPr lang="en-US"/>
-            </a:defPPr>
-            <a:lvl1pPr marL="0" algn="l" defTabSz="914377" rtl="0" eaLnBrk="1" latinLnBrk="0" hangingPunct="1">
-              <a:defRPr sz="1800" kern="1200">
-                <a:solidFill>
-                  <a:schemeClr val="lt1"/>
-                </a:solidFill>
-                <a:latin typeface="+mn-lt"/>
-                <a:ea typeface="+mn-ea"/>
-                <a:cs typeface="+mn-cs"/>
-              </a:defRPr>
-            </a:lvl1pPr>
-            <a:lvl2pPr marL="457189" algn="l" defTabSz="914377" rtl="0" eaLnBrk="1" latinLnBrk="0" hangingPunct="1">
-              <a:defRPr sz="1800" kern="1200">
-                <a:solidFill>
-                  <a:schemeClr val="lt1"/>
-                </a:solidFill>
-                <a:latin typeface="+mn-lt"/>
-                <a:ea typeface="+mn-ea"/>
-                <a:cs typeface="+mn-cs"/>
-              </a:defRPr>
-            </a:lvl2pPr>
-            <a:lvl3pPr marL="914377" algn="l" defTabSz="914377" rtl="0" eaLnBrk="1" latinLnBrk="0" hangingPunct="1">
-              <a:defRPr sz="1800" kern="1200">
-                <a:solidFill>
-                  <a:schemeClr val="lt1"/>
-                </a:solidFill>
-                <a:latin typeface="+mn-lt"/>
-                <a:ea typeface="+mn-ea"/>
-                <a:cs typeface="+mn-cs"/>
-              </a:defRPr>
-            </a:lvl3pPr>
-            <a:lvl4pPr marL="1371566" algn="l" defTabSz="914377" rtl="0" eaLnBrk="1" latinLnBrk="0" hangingPunct="1">
-              <a:defRPr sz="1800" kern="1200">
-                <a:solidFill>
-                  <a:schemeClr val="lt1"/>
-                </a:solidFill>
-                <a:latin typeface="+mn-lt"/>
-                <a:ea typeface="+mn-ea"/>
-                <a:cs typeface="+mn-cs"/>
-              </a:defRPr>
-            </a:lvl4pPr>
-            <a:lvl5pPr marL="1828754" algn="l" defTabSz="914377" rtl="0" eaLnBrk="1" latinLnBrk="0" hangingPunct="1">
-              <a:defRPr sz="1800" kern="1200">
-                <a:solidFill>
-                  <a:schemeClr val="lt1"/>
-                </a:solidFill>
-                <a:latin typeface="+mn-lt"/>
-                <a:ea typeface="+mn-ea"/>
-                <a:cs typeface="+mn-cs"/>
-              </a:defRPr>
-            </a:lvl5pPr>
-            <a:lvl6pPr marL="2285943" algn="l" defTabSz="914377" rtl="0" eaLnBrk="1" latinLnBrk="0" hangingPunct="1">
-              <a:defRPr sz="1800" kern="1200">
-                <a:solidFill>
-                  <a:schemeClr val="lt1"/>
-                </a:solidFill>
-                <a:latin typeface="+mn-lt"/>
-                <a:ea typeface="+mn-ea"/>
-                <a:cs typeface="+mn-cs"/>
-              </a:defRPr>
-            </a:lvl6pPr>
-            <a:lvl7pPr marL="2743131" algn="l" defTabSz="914377" rtl="0" eaLnBrk="1" latinLnBrk="0" hangingPunct="1">
-              <a:defRPr sz="1800" kern="1200">
-                <a:solidFill>
-                  <a:schemeClr val="lt1"/>
-                </a:solidFill>
-                <a:latin typeface="+mn-lt"/>
-                <a:ea typeface="+mn-ea"/>
-                <a:cs typeface="+mn-cs"/>
-              </a:defRPr>
-            </a:lvl7pPr>
-            <a:lvl8pPr marL="3200320" algn="l" defTabSz="914377" rtl="0" eaLnBrk="1" latinLnBrk="0" hangingPunct="1">
-              <a:defRPr sz="1800" kern="1200">
-                <a:solidFill>
-                  <a:schemeClr val="lt1"/>
-                </a:solidFill>
-                <a:latin typeface="+mn-lt"/>
-                <a:ea typeface="+mn-ea"/>
-                <a:cs typeface="+mn-cs"/>
-              </a:defRPr>
-            </a:lvl8pPr>
-            <a:lvl9pPr marL="3657509" algn="l" defTabSz="914377" rtl="0" eaLnBrk="1" latinLnBrk="0" hangingPunct="1">
-              <a:defRPr sz="1800" kern="1200">
-                <a:solidFill>
-                  <a:schemeClr val="lt1"/>
-                </a:solidFill>
-                <a:latin typeface="+mn-lt"/>
-                <a:ea typeface="+mn-ea"/>
-                <a:cs typeface="+mn-cs"/>
-              </a:defRPr>
-            </a:lvl9pPr>
-          </a:lstStyle>
-          <a:p>
-            <a:pPr algn="ctr"/>
-            <a:r>
-              <a:rPr lang="en-US" sz="1200" dirty="0">
-                <a:solidFill>
-                  <a:schemeClr val="tx2"/>
-                </a:solidFill>
-              </a:rPr>
-              <a:t>MICROUI-3.0</a:t>
-            </a:r>
-          </a:p>
-        </p:txBody>
-      </p:sp>
-      <p:sp>
-        <p:nvSpPr>
-          <p:cNvPr id="6" name="Rounded Rectangle 46">
-            <a:extLst>
-              <a:ext uri="{FF2B5EF4-FFF2-40B4-BE49-F238E27FC236}">
-                <a16:creationId xmlns:a16="http://schemas.microsoft.com/office/drawing/2014/main" id="{5544D694-9569-48DC-890A-DB92F8DD071E}"/>
-              </a:ext>
-            </a:extLst>
-          </p:cNvPr>
-          <p:cNvSpPr/>
-          <p:nvPr/>
-        </p:nvSpPr>
-        <p:spPr>
-          <a:xfrm>
-            <a:off x="3725553" y="5426988"/>
-            <a:ext cx="1645920" cy="288000"/>
-          </a:xfrm>
-          <a:prstGeom prst="roundRect">
-            <a:avLst/>
-          </a:prstGeom>
-          <a:solidFill>
-            <a:srgbClr val="00AEC7"/>
-          </a:solidFill>
-          <a:ln>
-            <a:noFill/>
-          </a:ln>
-        </p:spPr>
-        <p:style>
-          <a:lnRef idx="2">
-            <a:schemeClr val="accent1">
-              <a:shade val="50000"/>
-            </a:schemeClr>
-          </a:lnRef>
-          <a:fillRef idx="1">
-            <a:schemeClr val="accent1"/>
-          </a:fillRef>
-          <a:effectRef idx="0">
-            <a:schemeClr val="accent1"/>
-          </a:effectRef>
-          <a:fontRef idx="minor">
-            <a:schemeClr val="lt1"/>
-          </a:fontRef>
-        </p:style>
-        <p:txBody>
-          <a:bodyPr rtlCol="0" anchor="ctr"/>
-          <a:lstStyle>
-            <a:defPPr>
-              <a:defRPr lang="en-US"/>
-            </a:defPPr>
-            <a:lvl1pPr marL="0" algn="l" defTabSz="914377" rtl="0" eaLnBrk="1" latinLnBrk="0" hangingPunct="1">
-              <a:defRPr sz="1800" kern="1200">
-                <a:solidFill>
-                  <a:schemeClr val="lt1"/>
-                </a:solidFill>
-                <a:latin typeface="+mn-lt"/>
-                <a:ea typeface="+mn-ea"/>
-                <a:cs typeface="+mn-cs"/>
-              </a:defRPr>
-            </a:lvl1pPr>
-            <a:lvl2pPr marL="457189" algn="l" defTabSz="914377" rtl="0" eaLnBrk="1" latinLnBrk="0" hangingPunct="1">
-              <a:defRPr sz="1800" kern="1200">
-                <a:solidFill>
-                  <a:schemeClr val="lt1"/>
-                </a:solidFill>
-                <a:latin typeface="+mn-lt"/>
-                <a:ea typeface="+mn-ea"/>
-                <a:cs typeface="+mn-cs"/>
-              </a:defRPr>
-            </a:lvl2pPr>
-            <a:lvl3pPr marL="914377" algn="l" defTabSz="914377" rtl="0" eaLnBrk="1" latinLnBrk="0" hangingPunct="1">
-              <a:defRPr sz="1800" kern="1200">
-                <a:solidFill>
-                  <a:schemeClr val="lt1"/>
-                </a:solidFill>
-                <a:latin typeface="+mn-lt"/>
-                <a:ea typeface="+mn-ea"/>
-                <a:cs typeface="+mn-cs"/>
-              </a:defRPr>
-            </a:lvl3pPr>
-            <a:lvl4pPr marL="1371566" algn="l" defTabSz="914377" rtl="0" eaLnBrk="1" latinLnBrk="0" hangingPunct="1">
-              <a:defRPr sz="1800" kern="1200">
-                <a:solidFill>
-                  <a:schemeClr val="lt1"/>
-                </a:solidFill>
-                <a:latin typeface="+mn-lt"/>
-                <a:ea typeface="+mn-ea"/>
-                <a:cs typeface="+mn-cs"/>
-              </a:defRPr>
-            </a:lvl4pPr>
-            <a:lvl5pPr marL="1828754" algn="l" defTabSz="914377" rtl="0" eaLnBrk="1" latinLnBrk="0" hangingPunct="1">
-              <a:defRPr sz="1800" kern="1200">
-                <a:solidFill>
-                  <a:schemeClr val="lt1"/>
-                </a:solidFill>
-                <a:latin typeface="+mn-lt"/>
-                <a:ea typeface="+mn-ea"/>
-                <a:cs typeface="+mn-cs"/>
-              </a:defRPr>
-            </a:lvl5pPr>
-            <a:lvl6pPr marL="2285943" algn="l" defTabSz="914377" rtl="0" eaLnBrk="1" latinLnBrk="0" hangingPunct="1">
-              <a:defRPr sz="1800" kern="1200">
-                <a:solidFill>
-                  <a:schemeClr val="lt1"/>
-                </a:solidFill>
-                <a:latin typeface="+mn-lt"/>
-                <a:ea typeface="+mn-ea"/>
-                <a:cs typeface="+mn-cs"/>
-              </a:defRPr>
-            </a:lvl6pPr>
-            <a:lvl7pPr marL="2743131" algn="l" defTabSz="914377" rtl="0" eaLnBrk="1" latinLnBrk="0" hangingPunct="1">
-              <a:defRPr sz="1800" kern="1200">
-                <a:solidFill>
-                  <a:schemeClr val="lt1"/>
-                </a:solidFill>
-                <a:latin typeface="+mn-lt"/>
-                <a:ea typeface="+mn-ea"/>
-                <a:cs typeface="+mn-cs"/>
-              </a:defRPr>
-            </a:lvl7pPr>
-            <a:lvl8pPr marL="3200320" algn="l" defTabSz="914377" rtl="0" eaLnBrk="1" latinLnBrk="0" hangingPunct="1">
-              <a:defRPr sz="1800" kern="1200">
-                <a:solidFill>
-                  <a:schemeClr val="lt1"/>
-                </a:solidFill>
-                <a:latin typeface="+mn-lt"/>
-                <a:ea typeface="+mn-ea"/>
-                <a:cs typeface="+mn-cs"/>
-              </a:defRPr>
-            </a:lvl8pPr>
-            <a:lvl9pPr marL="3657509" algn="l" defTabSz="914377" rtl="0" eaLnBrk="1" latinLnBrk="0" hangingPunct="1">
-              <a:defRPr sz="1800" kern="1200">
-                <a:solidFill>
-                  <a:schemeClr val="lt1"/>
-                </a:solidFill>
-                <a:latin typeface="+mn-lt"/>
-                <a:ea typeface="+mn-ea"/>
-                <a:cs typeface="+mn-cs"/>
-              </a:defRPr>
-            </a:lvl9pPr>
-          </a:lstStyle>
-          <a:p>
-            <a:pPr algn="ctr"/>
-            <a:r>
-              <a:rPr lang="en-US" sz="1200" dirty="0" err="1">
-                <a:solidFill>
-                  <a:schemeClr val="bg1"/>
-                </a:solidFill>
-              </a:rPr>
-              <a:t>LLUI_INPUT_impl.c</a:t>
-            </a:r>
-            <a:endParaRPr lang="en-US" sz="1200" dirty="0">
-              <a:solidFill>
-                <a:schemeClr val="bg1"/>
-              </a:solidFill>
-            </a:endParaRPr>
-          </a:p>
-        </p:txBody>
-      </p:sp>
-      <p:sp>
-        <p:nvSpPr>
-          <p:cNvPr id="8" name="Rounded Rectangle 46">
-            <a:extLst>
-              <a:ext uri="{FF2B5EF4-FFF2-40B4-BE49-F238E27FC236}">
-                <a16:creationId xmlns:a16="http://schemas.microsoft.com/office/drawing/2014/main" id="{F0229A48-66C0-46F3-96E6-4B1F7983B8BB}"/>
-              </a:ext>
-            </a:extLst>
-          </p:cNvPr>
-          <p:cNvSpPr/>
-          <p:nvPr/>
-        </p:nvSpPr>
-        <p:spPr>
-          <a:xfrm>
-            <a:off x="3314073" y="3410600"/>
-            <a:ext cx="1645920" cy="288000"/>
-          </a:xfrm>
-          <a:prstGeom prst="roundRect">
-            <a:avLst/>
-          </a:prstGeom>
-          <a:solidFill>
-            <a:srgbClr val="00AEC7"/>
-          </a:solidFill>
-          <a:ln>
-            <a:noFill/>
-          </a:ln>
-        </p:spPr>
-        <p:style>
-          <a:lnRef idx="2">
-            <a:schemeClr val="accent1">
-              <a:shade val="50000"/>
-            </a:schemeClr>
-          </a:lnRef>
-          <a:fillRef idx="1">
-            <a:schemeClr val="accent1"/>
-          </a:fillRef>
-          <a:effectRef idx="0">
-            <a:schemeClr val="accent1"/>
-          </a:effectRef>
-          <a:fontRef idx="minor">
-            <a:schemeClr val="lt1"/>
-          </a:fontRef>
-        </p:style>
-        <p:txBody>
-          <a:bodyPr rtlCol="0" anchor="ctr"/>
-          <a:lstStyle>
-            <a:defPPr>
-              <a:defRPr lang="en-US"/>
-            </a:defPPr>
-            <a:lvl1pPr marL="0" algn="l" defTabSz="914377" rtl="0" eaLnBrk="1" latinLnBrk="0" hangingPunct="1">
-              <a:defRPr sz="1800" kern="1200">
-                <a:solidFill>
-                  <a:schemeClr val="lt1"/>
-                </a:solidFill>
-                <a:latin typeface="+mn-lt"/>
-                <a:ea typeface="+mn-ea"/>
-                <a:cs typeface="+mn-cs"/>
-              </a:defRPr>
-            </a:lvl1pPr>
-            <a:lvl2pPr marL="457189" algn="l" defTabSz="914377" rtl="0" eaLnBrk="1" latinLnBrk="0" hangingPunct="1">
-              <a:defRPr sz="1800" kern="1200">
-                <a:solidFill>
-                  <a:schemeClr val="lt1"/>
-                </a:solidFill>
-                <a:latin typeface="+mn-lt"/>
-                <a:ea typeface="+mn-ea"/>
-                <a:cs typeface="+mn-cs"/>
-              </a:defRPr>
-            </a:lvl2pPr>
-            <a:lvl3pPr marL="914377" algn="l" defTabSz="914377" rtl="0" eaLnBrk="1" latinLnBrk="0" hangingPunct="1">
-              <a:defRPr sz="1800" kern="1200">
-                <a:solidFill>
-                  <a:schemeClr val="lt1"/>
-                </a:solidFill>
-                <a:latin typeface="+mn-lt"/>
-                <a:ea typeface="+mn-ea"/>
-                <a:cs typeface="+mn-cs"/>
-              </a:defRPr>
-            </a:lvl3pPr>
-            <a:lvl4pPr marL="1371566" algn="l" defTabSz="914377" rtl="0" eaLnBrk="1" latinLnBrk="0" hangingPunct="1">
-              <a:defRPr sz="1800" kern="1200">
-                <a:solidFill>
-                  <a:schemeClr val="lt1"/>
-                </a:solidFill>
-                <a:latin typeface="+mn-lt"/>
-                <a:ea typeface="+mn-ea"/>
-                <a:cs typeface="+mn-cs"/>
-              </a:defRPr>
-            </a:lvl4pPr>
-            <a:lvl5pPr marL="1828754" algn="l" defTabSz="914377" rtl="0" eaLnBrk="1" latinLnBrk="0" hangingPunct="1">
-              <a:defRPr sz="1800" kern="1200">
-                <a:solidFill>
-                  <a:schemeClr val="lt1"/>
-                </a:solidFill>
-                <a:latin typeface="+mn-lt"/>
-                <a:ea typeface="+mn-ea"/>
-                <a:cs typeface="+mn-cs"/>
-              </a:defRPr>
-            </a:lvl5pPr>
-            <a:lvl6pPr marL="2285943" algn="l" defTabSz="914377" rtl="0" eaLnBrk="1" latinLnBrk="0" hangingPunct="1">
-              <a:defRPr sz="1800" kern="1200">
-                <a:solidFill>
-                  <a:schemeClr val="lt1"/>
-                </a:solidFill>
-                <a:latin typeface="+mn-lt"/>
-                <a:ea typeface="+mn-ea"/>
-                <a:cs typeface="+mn-cs"/>
-              </a:defRPr>
-            </a:lvl6pPr>
-            <a:lvl7pPr marL="2743131" algn="l" defTabSz="914377" rtl="0" eaLnBrk="1" latinLnBrk="0" hangingPunct="1">
-              <a:defRPr sz="1800" kern="1200">
-                <a:solidFill>
-                  <a:schemeClr val="lt1"/>
-                </a:solidFill>
-                <a:latin typeface="+mn-lt"/>
-                <a:ea typeface="+mn-ea"/>
-                <a:cs typeface="+mn-cs"/>
-              </a:defRPr>
-            </a:lvl7pPr>
-            <a:lvl8pPr marL="3200320" algn="l" defTabSz="914377" rtl="0" eaLnBrk="1" latinLnBrk="0" hangingPunct="1">
-              <a:defRPr sz="1800" kern="1200">
-                <a:solidFill>
-                  <a:schemeClr val="lt1"/>
-                </a:solidFill>
-                <a:latin typeface="+mn-lt"/>
-                <a:ea typeface="+mn-ea"/>
-                <a:cs typeface="+mn-cs"/>
-              </a:defRPr>
-            </a:lvl8pPr>
-            <a:lvl9pPr marL="3657509" algn="l" defTabSz="914377" rtl="0" eaLnBrk="1" latinLnBrk="0" hangingPunct="1">
-              <a:defRPr sz="1800" kern="1200">
-                <a:solidFill>
-                  <a:schemeClr val="lt1"/>
-                </a:solidFill>
-                <a:latin typeface="+mn-lt"/>
-                <a:ea typeface="+mn-ea"/>
-                <a:cs typeface="+mn-cs"/>
-              </a:defRPr>
-            </a:lvl9pPr>
-          </a:lstStyle>
-          <a:p>
-            <a:pPr algn="ctr"/>
-            <a:r>
-              <a:rPr lang="en-US" sz="1200" dirty="0" err="1">
-                <a:solidFill>
-                  <a:schemeClr val="bg1"/>
-                </a:solidFill>
-              </a:rPr>
-              <a:t>LLUI_INPUT_impl.h</a:t>
-            </a:r>
-            <a:endParaRPr lang="en-US" sz="1200" dirty="0">
-              <a:solidFill>
-                <a:schemeClr val="bg1"/>
-              </a:solidFill>
-            </a:endParaRPr>
-          </a:p>
-        </p:txBody>
-      </p:sp>
-      <p:sp>
-        <p:nvSpPr>
-          <p:cNvPr id="10" name="Rounded Rectangle 34">
-            <a:extLst>
-              <a:ext uri="{FF2B5EF4-FFF2-40B4-BE49-F238E27FC236}">
-                <a16:creationId xmlns:a16="http://schemas.microsoft.com/office/drawing/2014/main" id="{6238C6AD-80F3-45F7-8EF8-2FA4F019A61A}"/>
-              </a:ext>
-            </a:extLst>
-          </p:cNvPr>
-          <p:cNvSpPr/>
-          <p:nvPr/>
-        </p:nvSpPr>
-        <p:spPr>
-          <a:xfrm>
-            <a:off x="536791" y="4929287"/>
-            <a:ext cx="1645920" cy="288000"/>
-          </a:xfrm>
-          <a:prstGeom prst="roundRect">
-            <a:avLst/>
-          </a:prstGeom>
-          <a:solidFill>
-            <a:schemeClr val="accent6">
-              <a:lumMod val="40000"/>
-              <a:lumOff val="60000"/>
-            </a:schemeClr>
-          </a:solidFill>
-          <a:ln>
-            <a:noFill/>
-          </a:ln>
-        </p:spPr>
-        <p:style>
-          <a:lnRef idx="2">
-            <a:schemeClr val="accent1">
-              <a:shade val="50000"/>
-            </a:schemeClr>
-          </a:lnRef>
-          <a:fillRef idx="1">
-            <a:schemeClr val="accent1"/>
-          </a:fillRef>
-          <a:effectRef idx="0">
-            <a:schemeClr val="accent1"/>
-          </a:effectRef>
-          <a:fontRef idx="minor">
-            <a:schemeClr val="lt1"/>
-          </a:fontRef>
-        </p:style>
-        <p:txBody>
-          <a:bodyPr rtlCol="0" anchor="ctr"/>
-          <a:lstStyle>
-            <a:defPPr>
-              <a:defRPr lang="en-US"/>
-            </a:defPPr>
-            <a:lvl1pPr marL="0" algn="l" defTabSz="914377" rtl="0" eaLnBrk="1" latinLnBrk="0" hangingPunct="1">
-              <a:defRPr sz="1800" kern="1200">
-                <a:solidFill>
-                  <a:schemeClr val="lt1"/>
-                </a:solidFill>
-                <a:latin typeface="+mn-lt"/>
-                <a:ea typeface="+mn-ea"/>
-                <a:cs typeface="+mn-cs"/>
-              </a:defRPr>
-            </a:lvl1pPr>
-            <a:lvl2pPr marL="457189" algn="l" defTabSz="914377" rtl="0" eaLnBrk="1" latinLnBrk="0" hangingPunct="1">
-              <a:defRPr sz="1800" kern="1200">
-                <a:solidFill>
-                  <a:schemeClr val="lt1"/>
-                </a:solidFill>
-                <a:latin typeface="+mn-lt"/>
-                <a:ea typeface="+mn-ea"/>
-                <a:cs typeface="+mn-cs"/>
-              </a:defRPr>
-            </a:lvl2pPr>
-            <a:lvl3pPr marL="914377" algn="l" defTabSz="914377" rtl="0" eaLnBrk="1" latinLnBrk="0" hangingPunct="1">
-              <a:defRPr sz="1800" kern="1200">
-                <a:solidFill>
-                  <a:schemeClr val="lt1"/>
-                </a:solidFill>
-                <a:latin typeface="+mn-lt"/>
-                <a:ea typeface="+mn-ea"/>
-                <a:cs typeface="+mn-cs"/>
-              </a:defRPr>
-            </a:lvl3pPr>
-            <a:lvl4pPr marL="1371566" algn="l" defTabSz="914377" rtl="0" eaLnBrk="1" latinLnBrk="0" hangingPunct="1">
-              <a:defRPr sz="1800" kern="1200">
-                <a:solidFill>
-                  <a:schemeClr val="lt1"/>
-                </a:solidFill>
-                <a:latin typeface="+mn-lt"/>
-                <a:ea typeface="+mn-ea"/>
-                <a:cs typeface="+mn-cs"/>
-              </a:defRPr>
-            </a:lvl4pPr>
-            <a:lvl5pPr marL="1828754" algn="l" defTabSz="914377" rtl="0" eaLnBrk="1" latinLnBrk="0" hangingPunct="1">
-              <a:defRPr sz="1800" kern="1200">
-                <a:solidFill>
-                  <a:schemeClr val="lt1"/>
-                </a:solidFill>
-                <a:latin typeface="+mn-lt"/>
-                <a:ea typeface="+mn-ea"/>
-                <a:cs typeface="+mn-cs"/>
-              </a:defRPr>
-            </a:lvl5pPr>
-            <a:lvl6pPr marL="2285943" algn="l" defTabSz="914377" rtl="0" eaLnBrk="1" latinLnBrk="0" hangingPunct="1">
-              <a:defRPr sz="1800" kern="1200">
-                <a:solidFill>
-                  <a:schemeClr val="lt1"/>
-                </a:solidFill>
-                <a:latin typeface="+mn-lt"/>
-                <a:ea typeface="+mn-ea"/>
-                <a:cs typeface="+mn-cs"/>
-              </a:defRPr>
-            </a:lvl6pPr>
-            <a:lvl7pPr marL="2743131" algn="l" defTabSz="914377" rtl="0" eaLnBrk="1" latinLnBrk="0" hangingPunct="1">
-              <a:defRPr sz="1800" kern="1200">
-                <a:solidFill>
-                  <a:schemeClr val="lt1"/>
-                </a:solidFill>
-                <a:latin typeface="+mn-lt"/>
-                <a:ea typeface="+mn-ea"/>
-                <a:cs typeface="+mn-cs"/>
-              </a:defRPr>
-            </a:lvl7pPr>
-            <a:lvl8pPr marL="3200320" algn="l" defTabSz="914377" rtl="0" eaLnBrk="1" latinLnBrk="0" hangingPunct="1">
-              <a:defRPr sz="1800" kern="1200">
-                <a:solidFill>
-                  <a:schemeClr val="lt1"/>
-                </a:solidFill>
-                <a:latin typeface="+mn-lt"/>
-                <a:ea typeface="+mn-ea"/>
-                <a:cs typeface="+mn-cs"/>
-              </a:defRPr>
-            </a:lvl8pPr>
-            <a:lvl9pPr marL="3657509" algn="l" defTabSz="914377" rtl="0" eaLnBrk="1" latinLnBrk="0" hangingPunct="1">
-              <a:defRPr sz="1800" kern="1200">
-                <a:solidFill>
-                  <a:schemeClr val="lt1"/>
-                </a:solidFill>
-                <a:latin typeface="+mn-lt"/>
-                <a:ea typeface="+mn-ea"/>
-                <a:cs typeface="+mn-cs"/>
-              </a:defRPr>
-            </a:lvl9pPr>
-          </a:lstStyle>
-          <a:p>
-            <a:pPr algn="ctr"/>
-            <a:r>
-              <a:rPr lang="en-US" sz="1200" dirty="0" err="1">
-                <a:solidFill>
-                  <a:schemeClr val="tx2"/>
-                </a:solidFill>
-              </a:rPr>
-              <a:t>Input_listener.h</a:t>
-            </a:r>
-            <a:endParaRPr lang="en-US" sz="1200" dirty="0">
-              <a:solidFill>
-                <a:schemeClr val="tx2"/>
-              </a:solidFill>
-            </a:endParaRPr>
-          </a:p>
-        </p:txBody>
-      </p:sp>
-      <p:sp>
-        <p:nvSpPr>
-          <p:cNvPr id="12" name="Rounded Rectangle 34">
-            <a:extLst>
-              <a:ext uri="{FF2B5EF4-FFF2-40B4-BE49-F238E27FC236}">
-                <a16:creationId xmlns:a16="http://schemas.microsoft.com/office/drawing/2014/main" id="{E7123BB0-7490-4E6B-86CE-F4838CCF6D2E}"/>
-              </a:ext>
-            </a:extLst>
-          </p:cNvPr>
-          <p:cNvSpPr/>
-          <p:nvPr/>
-        </p:nvSpPr>
-        <p:spPr>
-          <a:xfrm>
-            <a:off x="-18843" y="4373849"/>
-            <a:ext cx="1645920" cy="288000"/>
-          </a:xfrm>
-          <a:prstGeom prst="roundRect">
-            <a:avLst/>
-          </a:prstGeom>
-          <a:solidFill>
-            <a:schemeClr val="accent6">
-              <a:lumMod val="40000"/>
-              <a:lumOff val="60000"/>
-            </a:schemeClr>
-          </a:solidFill>
-          <a:ln>
-            <a:noFill/>
-          </a:ln>
-        </p:spPr>
-        <p:style>
-          <a:lnRef idx="2">
-            <a:schemeClr val="accent1">
-              <a:shade val="50000"/>
-            </a:schemeClr>
-          </a:lnRef>
-          <a:fillRef idx="1">
-            <a:schemeClr val="accent1"/>
-          </a:fillRef>
-          <a:effectRef idx="0">
-            <a:schemeClr val="accent1"/>
-          </a:effectRef>
-          <a:fontRef idx="minor">
-            <a:schemeClr val="lt1"/>
-          </a:fontRef>
-        </p:style>
-        <p:txBody>
-          <a:bodyPr rtlCol="0" anchor="ctr"/>
-          <a:lstStyle>
-            <a:defPPr>
-              <a:defRPr lang="en-US"/>
-            </a:defPPr>
-            <a:lvl1pPr marL="0" algn="l" defTabSz="914377" rtl="0" eaLnBrk="1" latinLnBrk="0" hangingPunct="1">
-              <a:defRPr sz="1800" kern="1200">
-                <a:solidFill>
-                  <a:schemeClr val="lt1"/>
-                </a:solidFill>
-                <a:latin typeface="+mn-lt"/>
-                <a:ea typeface="+mn-ea"/>
-                <a:cs typeface="+mn-cs"/>
-              </a:defRPr>
-            </a:lvl1pPr>
-            <a:lvl2pPr marL="457189" algn="l" defTabSz="914377" rtl="0" eaLnBrk="1" latinLnBrk="0" hangingPunct="1">
-              <a:defRPr sz="1800" kern="1200">
-                <a:solidFill>
-                  <a:schemeClr val="lt1"/>
-                </a:solidFill>
-                <a:latin typeface="+mn-lt"/>
-                <a:ea typeface="+mn-ea"/>
-                <a:cs typeface="+mn-cs"/>
-              </a:defRPr>
-            </a:lvl2pPr>
-            <a:lvl3pPr marL="914377" algn="l" defTabSz="914377" rtl="0" eaLnBrk="1" latinLnBrk="0" hangingPunct="1">
-              <a:defRPr sz="1800" kern="1200">
-                <a:solidFill>
-                  <a:schemeClr val="lt1"/>
-                </a:solidFill>
-                <a:latin typeface="+mn-lt"/>
-                <a:ea typeface="+mn-ea"/>
-                <a:cs typeface="+mn-cs"/>
-              </a:defRPr>
-            </a:lvl3pPr>
-            <a:lvl4pPr marL="1371566" algn="l" defTabSz="914377" rtl="0" eaLnBrk="1" latinLnBrk="0" hangingPunct="1">
-              <a:defRPr sz="1800" kern="1200">
-                <a:solidFill>
-                  <a:schemeClr val="lt1"/>
-                </a:solidFill>
-                <a:latin typeface="+mn-lt"/>
-                <a:ea typeface="+mn-ea"/>
-                <a:cs typeface="+mn-cs"/>
-              </a:defRPr>
-            </a:lvl4pPr>
-            <a:lvl5pPr marL="1828754" algn="l" defTabSz="914377" rtl="0" eaLnBrk="1" latinLnBrk="0" hangingPunct="1">
-              <a:defRPr sz="1800" kern="1200">
-                <a:solidFill>
-                  <a:schemeClr val="lt1"/>
-                </a:solidFill>
-                <a:latin typeface="+mn-lt"/>
-                <a:ea typeface="+mn-ea"/>
-                <a:cs typeface="+mn-cs"/>
-              </a:defRPr>
-            </a:lvl5pPr>
-            <a:lvl6pPr marL="2285943" algn="l" defTabSz="914377" rtl="0" eaLnBrk="1" latinLnBrk="0" hangingPunct="1">
-              <a:defRPr sz="1800" kern="1200">
-                <a:solidFill>
-                  <a:schemeClr val="lt1"/>
-                </a:solidFill>
-                <a:latin typeface="+mn-lt"/>
-                <a:ea typeface="+mn-ea"/>
-                <a:cs typeface="+mn-cs"/>
-              </a:defRPr>
-            </a:lvl6pPr>
-            <a:lvl7pPr marL="2743131" algn="l" defTabSz="914377" rtl="0" eaLnBrk="1" latinLnBrk="0" hangingPunct="1">
-              <a:defRPr sz="1800" kern="1200">
-                <a:solidFill>
-                  <a:schemeClr val="lt1"/>
-                </a:solidFill>
-                <a:latin typeface="+mn-lt"/>
-                <a:ea typeface="+mn-ea"/>
-                <a:cs typeface="+mn-cs"/>
-              </a:defRPr>
-            </a:lvl7pPr>
-            <a:lvl8pPr marL="3200320" algn="l" defTabSz="914377" rtl="0" eaLnBrk="1" latinLnBrk="0" hangingPunct="1">
-              <a:defRPr sz="1800" kern="1200">
-                <a:solidFill>
-                  <a:schemeClr val="lt1"/>
-                </a:solidFill>
-                <a:latin typeface="+mn-lt"/>
-                <a:ea typeface="+mn-ea"/>
-                <a:cs typeface="+mn-cs"/>
-              </a:defRPr>
-            </a:lvl8pPr>
-            <a:lvl9pPr marL="3657509" algn="l" defTabSz="914377" rtl="0" eaLnBrk="1" latinLnBrk="0" hangingPunct="1">
-              <a:defRPr sz="1800" kern="1200">
-                <a:solidFill>
-                  <a:schemeClr val="lt1"/>
-                </a:solidFill>
-                <a:latin typeface="+mn-lt"/>
-                <a:ea typeface="+mn-ea"/>
-                <a:cs typeface="+mn-cs"/>
-              </a:defRPr>
-            </a:lvl9pPr>
-          </a:lstStyle>
-          <a:p>
-            <a:pPr algn="ctr"/>
-            <a:r>
-              <a:rPr lang="en-US" sz="1200" dirty="0" err="1">
-                <a:solidFill>
-                  <a:schemeClr val="tx2"/>
-                </a:solidFill>
-              </a:rPr>
-              <a:t>Input_listener.c</a:t>
-            </a:r>
-            <a:endParaRPr lang="en-US" sz="1200" dirty="0">
-              <a:solidFill>
-                <a:schemeClr val="tx2"/>
-              </a:solidFill>
-            </a:endParaRPr>
-          </a:p>
-        </p:txBody>
-      </p:sp>
-      <p:sp>
-        <p:nvSpPr>
-          <p:cNvPr id="14" name="Rounded Rectangle 46">
-            <a:extLst>
-              <a:ext uri="{FF2B5EF4-FFF2-40B4-BE49-F238E27FC236}">
-                <a16:creationId xmlns:a16="http://schemas.microsoft.com/office/drawing/2014/main" id="{4DB21356-A0ED-4740-AA9F-A2A37E5139CA}"/>
-              </a:ext>
-            </a:extLst>
-          </p:cNvPr>
-          <p:cNvSpPr/>
-          <p:nvPr/>
-        </p:nvSpPr>
-        <p:spPr>
-          <a:xfrm>
-            <a:off x="1791211" y="5414727"/>
-            <a:ext cx="1645920" cy="288000"/>
-          </a:xfrm>
-          <a:prstGeom prst="roundRect">
-            <a:avLst/>
-          </a:prstGeom>
-          <a:solidFill>
-            <a:srgbClr val="00AEC7"/>
-          </a:solidFill>
-          <a:ln>
-            <a:noFill/>
-          </a:ln>
-        </p:spPr>
-        <p:style>
-          <a:lnRef idx="2">
-            <a:schemeClr val="accent1">
-              <a:shade val="50000"/>
-            </a:schemeClr>
-          </a:lnRef>
-          <a:fillRef idx="1">
-            <a:schemeClr val="accent1"/>
-          </a:fillRef>
-          <a:effectRef idx="0">
-            <a:schemeClr val="accent1"/>
-          </a:effectRef>
-          <a:fontRef idx="minor">
-            <a:schemeClr val="lt1"/>
-          </a:fontRef>
-        </p:style>
-        <p:txBody>
-          <a:bodyPr rtlCol="0" anchor="ctr"/>
-          <a:lstStyle>
-            <a:defPPr>
-              <a:defRPr lang="en-US"/>
-            </a:defPPr>
-            <a:lvl1pPr marL="0" algn="l" defTabSz="914377" rtl="0" eaLnBrk="1" latinLnBrk="0" hangingPunct="1">
-              <a:defRPr sz="1800" kern="1200">
-                <a:solidFill>
-                  <a:schemeClr val="lt1"/>
-                </a:solidFill>
-                <a:latin typeface="+mn-lt"/>
-                <a:ea typeface="+mn-ea"/>
-                <a:cs typeface="+mn-cs"/>
-              </a:defRPr>
-            </a:lvl1pPr>
-            <a:lvl2pPr marL="457189" algn="l" defTabSz="914377" rtl="0" eaLnBrk="1" latinLnBrk="0" hangingPunct="1">
-              <a:defRPr sz="1800" kern="1200">
-                <a:solidFill>
-                  <a:schemeClr val="lt1"/>
-                </a:solidFill>
-                <a:latin typeface="+mn-lt"/>
-                <a:ea typeface="+mn-ea"/>
-                <a:cs typeface="+mn-cs"/>
-              </a:defRPr>
-            </a:lvl2pPr>
-            <a:lvl3pPr marL="914377" algn="l" defTabSz="914377" rtl="0" eaLnBrk="1" latinLnBrk="0" hangingPunct="1">
-              <a:defRPr sz="1800" kern="1200">
-                <a:solidFill>
-                  <a:schemeClr val="lt1"/>
-                </a:solidFill>
-                <a:latin typeface="+mn-lt"/>
-                <a:ea typeface="+mn-ea"/>
-                <a:cs typeface="+mn-cs"/>
-              </a:defRPr>
-            </a:lvl3pPr>
-            <a:lvl4pPr marL="1371566" algn="l" defTabSz="914377" rtl="0" eaLnBrk="1" latinLnBrk="0" hangingPunct="1">
-              <a:defRPr sz="1800" kern="1200">
-                <a:solidFill>
-                  <a:schemeClr val="lt1"/>
-                </a:solidFill>
-                <a:latin typeface="+mn-lt"/>
-                <a:ea typeface="+mn-ea"/>
-                <a:cs typeface="+mn-cs"/>
-              </a:defRPr>
-            </a:lvl4pPr>
-            <a:lvl5pPr marL="1828754" algn="l" defTabSz="914377" rtl="0" eaLnBrk="1" latinLnBrk="0" hangingPunct="1">
-              <a:defRPr sz="1800" kern="1200">
-                <a:solidFill>
-                  <a:schemeClr val="lt1"/>
-                </a:solidFill>
-                <a:latin typeface="+mn-lt"/>
-                <a:ea typeface="+mn-ea"/>
-                <a:cs typeface="+mn-cs"/>
-              </a:defRPr>
-            </a:lvl5pPr>
-            <a:lvl6pPr marL="2285943" algn="l" defTabSz="914377" rtl="0" eaLnBrk="1" latinLnBrk="0" hangingPunct="1">
-              <a:defRPr sz="1800" kern="1200">
-                <a:solidFill>
-                  <a:schemeClr val="lt1"/>
-                </a:solidFill>
-                <a:latin typeface="+mn-lt"/>
-                <a:ea typeface="+mn-ea"/>
-                <a:cs typeface="+mn-cs"/>
-              </a:defRPr>
-            </a:lvl6pPr>
-            <a:lvl7pPr marL="2743131" algn="l" defTabSz="914377" rtl="0" eaLnBrk="1" latinLnBrk="0" hangingPunct="1">
-              <a:defRPr sz="1800" kern="1200">
-                <a:solidFill>
-                  <a:schemeClr val="lt1"/>
-                </a:solidFill>
-                <a:latin typeface="+mn-lt"/>
-                <a:ea typeface="+mn-ea"/>
-                <a:cs typeface="+mn-cs"/>
-              </a:defRPr>
-            </a:lvl7pPr>
-            <a:lvl8pPr marL="3200320" algn="l" defTabSz="914377" rtl="0" eaLnBrk="1" latinLnBrk="0" hangingPunct="1">
-              <a:defRPr sz="1800" kern="1200">
-                <a:solidFill>
-                  <a:schemeClr val="lt1"/>
-                </a:solidFill>
-                <a:latin typeface="+mn-lt"/>
-                <a:ea typeface="+mn-ea"/>
-                <a:cs typeface="+mn-cs"/>
-              </a:defRPr>
-            </a:lvl8pPr>
-            <a:lvl9pPr marL="3657509" algn="l" defTabSz="914377" rtl="0" eaLnBrk="1" latinLnBrk="0" hangingPunct="1">
-              <a:defRPr sz="1800" kern="1200">
-                <a:solidFill>
-                  <a:schemeClr val="lt1"/>
-                </a:solidFill>
-                <a:latin typeface="+mn-lt"/>
-                <a:ea typeface="+mn-ea"/>
-                <a:cs typeface="+mn-cs"/>
-              </a:defRPr>
-            </a:lvl9pPr>
-          </a:lstStyle>
-          <a:p>
-            <a:pPr algn="ctr"/>
-            <a:r>
-              <a:rPr lang="en-US" sz="1200" dirty="0" err="1">
-                <a:solidFill>
-                  <a:schemeClr val="bg1"/>
-                </a:solidFill>
-              </a:rPr>
               <a:t>driver.c</a:t>
             </a:r>
             <a:endParaRPr lang="en-US" sz="1200" dirty="0">
@@ -16007,7 +15126,7 @@
         </p:nvSpPr>
         <p:spPr>
           <a:xfrm>
-            <a:off x="-200643" y="6035517"/>
+            <a:off x="1685307" y="5130642"/>
             <a:ext cx="5639328" cy="308802"/>
           </a:xfrm>
           <a:prstGeom prst="roundRect">
@@ -16167,7 +15286,7 @@
         </p:nvCxnSpPr>
         <p:spPr>
           <a:xfrm>
-            <a:off x="2614171" y="5702727"/>
+            <a:off x="4500121" y="4797852"/>
             <a:ext cx="4850" cy="332790"/>
           </a:xfrm>
           <a:prstGeom prst="line">
@@ -16188,219 +15307,6 @@
           <a:effectLst/>
         </p:spPr>
       </p:cxnSp>
-      <p:sp>
-        <p:nvSpPr>
-          <p:cNvPr id="26" name="Rounded Rectangle 43">
-            <a:extLst>
-              <a:ext uri="{FF2B5EF4-FFF2-40B4-BE49-F238E27FC236}">
-                <a16:creationId xmlns:a16="http://schemas.microsoft.com/office/drawing/2014/main" id="{FEDC1031-2E0E-4269-96EC-B4A00E19B521}"/>
-              </a:ext>
-            </a:extLst>
-          </p:cNvPr>
-          <p:cNvSpPr/>
-          <p:nvPr/>
-        </p:nvSpPr>
-        <p:spPr>
-          <a:xfrm>
-            <a:off x="6719499" y="1839376"/>
-            <a:ext cx="1645920" cy="288000"/>
-          </a:xfrm>
-          <a:prstGeom prst="roundRect">
-            <a:avLst/>
-          </a:prstGeom>
-          <a:solidFill>
-            <a:srgbClr val="EE502E"/>
-          </a:solidFill>
-          <a:ln>
-            <a:noFill/>
-          </a:ln>
-        </p:spPr>
-        <p:style>
-          <a:lnRef idx="2">
-            <a:schemeClr val="accent1">
-              <a:shade val="50000"/>
-            </a:schemeClr>
-          </a:lnRef>
-          <a:fillRef idx="1">
-            <a:schemeClr val="accent1"/>
-          </a:fillRef>
-          <a:effectRef idx="0">
-            <a:schemeClr val="accent1"/>
-          </a:effectRef>
-          <a:fontRef idx="minor">
-            <a:schemeClr val="lt1"/>
-          </a:fontRef>
-        </p:style>
-        <p:txBody>
-          <a:bodyPr rtlCol="0" anchor="ctr"/>
-          <a:lstStyle/>
-          <a:p>
-            <a:pPr algn="ctr"/>
-            <a:r>
-              <a:rPr lang="en-US" sz="1200" dirty="0"/>
-              <a:t>Event Engine</a:t>
-            </a:r>
-          </a:p>
-        </p:txBody>
-      </p:sp>
-      <p:sp>
-        <p:nvSpPr>
-          <p:cNvPr id="28" name="Rounded Rectangle 34">
-            <a:extLst>
-              <a:ext uri="{FF2B5EF4-FFF2-40B4-BE49-F238E27FC236}">
-                <a16:creationId xmlns:a16="http://schemas.microsoft.com/office/drawing/2014/main" id="{C403C79B-708E-4964-B17E-D4BAE6C4F5D1}"/>
-              </a:ext>
-            </a:extLst>
-          </p:cNvPr>
-          <p:cNvSpPr/>
-          <p:nvPr/>
-        </p:nvSpPr>
-        <p:spPr>
-          <a:xfrm>
-            <a:off x="6719499" y="2206342"/>
-            <a:ext cx="1645920" cy="288000"/>
-          </a:xfrm>
-          <a:prstGeom prst="roundRect">
-            <a:avLst/>
-          </a:prstGeom>
-          <a:solidFill>
-            <a:srgbClr val="00AEC7"/>
-          </a:solidFill>
-          <a:ln>
-            <a:noFill/>
-          </a:ln>
-        </p:spPr>
-        <p:style>
-          <a:lnRef idx="2">
-            <a:schemeClr val="accent1">
-              <a:shade val="50000"/>
-            </a:schemeClr>
-          </a:lnRef>
-          <a:fillRef idx="1">
-            <a:schemeClr val="accent1"/>
-          </a:fillRef>
-          <a:effectRef idx="0">
-            <a:schemeClr val="accent1"/>
-          </a:effectRef>
-          <a:fontRef idx="minor">
-            <a:schemeClr val="lt1"/>
-          </a:fontRef>
-        </p:style>
-        <p:txBody>
-          <a:bodyPr rtlCol="0" anchor="ctr"/>
-          <a:lstStyle>
-            <a:defPPr>
-              <a:defRPr lang="en-US"/>
-            </a:defPPr>
-            <a:lvl1pPr marL="0" algn="l" defTabSz="914377" rtl="0" eaLnBrk="1" latinLnBrk="0" hangingPunct="1">
-              <a:defRPr sz="1800" kern="1200">
-                <a:solidFill>
-                  <a:schemeClr val="lt1"/>
-                </a:solidFill>
-                <a:latin typeface="+mn-lt"/>
-                <a:ea typeface="+mn-ea"/>
-                <a:cs typeface="+mn-cs"/>
-              </a:defRPr>
-            </a:lvl1pPr>
-            <a:lvl2pPr marL="457189" algn="l" defTabSz="914377" rtl="0" eaLnBrk="1" latinLnBrk="0" hangingPunct="1">
-              <a:defRPr sz="1800" kern="1200">
-                <a:solidFill>
-                  <a:schemeClr val="lt1"/>
-                </a:solidFill>
-                <a:latin typeface="+mn-lt"/>
-                <a:ea typeface="+mn-ea"/>
-                <a:cs typeface="+mn-cs"/>
-              </a:defRPr>
-            </a:lvl2pPr>
-            <a:lvl3pPr marL="914377" algn="l" defTabSz="914377" rtl="0" eaLnBrk="1" latinLnBrk="0" hangingPunct="1">
-              <a:defRPr sz="1800" kern="1200">
-                <a:solidFill>
-                  <a:schemeClr val="lt1"/>
-                </a:solidFill>
-                <a:latin typeface="+mn-lt"/>
-                <a:ea typeface="+mn-ea"/>
-                <a:cs typeface="+mn-cs"/>
-              </a:defRPr>
-            </a:lvl3pPr>
-            <a:lvl4pPr marL="1371566" algn="l" defTabSz="914377" rtl="0" eaLnBrk="1" latinLnBrk="0" hangingPunct="1">
-              <a:defRPr sz="1800" kern="1200">
-                <a:solidFill>
-                  <a:schemeClr val="lt1"/>
-                </a:solidFill>
-                <a:latin typeface="+mn-lt"/>
-                <a:ea typeface="+mn-ea"/>
-                <a:cs typeface="+mn-cs"/>
-              </a:defRPr>
-            </a:lvl4pPr>
-            <a:lvl5pPr marL="1828754" algn="l" defTabSz="914377" rtl="0" eaLnBrk="1" latinLnBrk="0" hangingPunct="1">
-              <a:defRPr sz="1800" kern="1200">
-                <a:solidFill>
-                  <a:schemeClr val="lt1"/>
-                </a:solidFill>
-                <a:latin typeface="+mn-lt"/>
-                <a:ea typeface="+mn-ea"/>
-                <a:cs typeface="+mn-cs"/>
-              </a:defRPr>
-            </a:lvl5pPr>
-            <a:lvl6pPr marL="2285943" algn="l" defTabSz="914377" rtl="0" eaLnBrk="1" latinLnBrk="0" hangingPunct="1">
-              <a:defRPr sz="1800" kern="1200">
-                <a:solidFill>
-                  <a:schemeClr val="lt1"/>
-                </a:solidFill>
-                <a:latin typeface="+mn-lt"/>
-                <a:ea typeface="+mn-ea"/>
-                <a:cs typeface="+mn-cs"/>
-              </a:defRPr>
-            </a:lvl6pPr>
-            <a:lvl7pPr marL="2743131" algn="l" defTabSz="914377" rtl="0" eaLnBrk="1" latinLnBrk="0" hangingPunct="1">
-              <a:defRPr sz="1800" kern="1200">
-                <a:solidFill>
-                  <a:schemeClr val="lt1"/>
-                </a:solidFill>
-                <a:latin typeface="+mn-lt"/>
-                <a:ea typeface="+mn-ea"/>
-                <a:cs typeface="+mn-cs"/>
-              </a:defRPr>
-            </a:lvl7pPr>
-            <a:lvl8pPr marL="3200320" algn="l" defTabSz="914377" rtl="0" eaLnBrk="1" latinLnBrk="0" hangingPunct="1">
-              <a:defRPr sz="1800" kern="1200">
-                <a:solidFill>
-                  <a:schemeClr val="lt1"/>
-                </a:solidFill>
-                <a:latin typeface="+mn-lt"/>
-                <a:ea typeface="+mn-ea"/>
-                <a:cs typeface="+mn-cs"/>
-              </a:defRPr>
-            </a:lvl8pPr>
-            <a:lvl9pPr marL="3657509" algn="l" defTabSz="914377" rtl="0" eaLnBrk="1" latinLnBrk="0" hangingPunct="1">
-              <a:defRPr sz="1800" kern="1200">
-                <a:solidFill>
-                  <a:schemeClr val="lt1"/>
-                </a:solidFill>
-                <a:latin typeface="+mn-lt"/>
-                <a:ea typeface="+mn-ea"/>
-                <a:cs typeface="+mn-cs"/>
-              </a:defRPr>
-            </a:lvl9pPr>
-          </a:lstStyle>
-          <a:p>
-            <a:pPr algn="ctr"/>
-            <a:r>
-              <a:rPr lang="en-US" sz="1200" dirty="0" err="1">
-                <a:solidFill>
-                  <a:schemeClr val="bg1"/>
-                </a:solidFill>
-              </a:rPr>
-              <a:t>LLUI_INPUT.h</a:t>
-            </a:r>
-            <a:endParaRPr lang="en-US" sz="1200" dirty="0">
-              <a:solidFill>
-                <a:schemeClr val="bg1"/>
-              </a:solidFill>
-            </a:endParaRPr>
-          </a:p>
-        </p:txBody>
-      </p:sp>
       <p:cxnSp>
         <p:nvCxnSpPr>
           <p:cNvPr id="76" name="Straight Connector 75">
@@ -16419,7 +15325,7 @@
         </p:nvCxnSpPr>
         <p:spPr>
           <a:xfrm>
-            <a:off x="804117" y="4661849"/>
+            <a:off x="2690067" y="3756974"/>
             <a:ext cx="987094" cy="896878"/>
           </a:xfrm>
           <a:prstGeom prst="line">
@@ -16456,7 +15362,7 @@
         </p:nvCxnSpPr>
         <p:spPr>
           <a:xfrm flipH="1">
-            <a:off x="804117" y="2842747"/>
+            <a:off x="2690067" y="1937872"/>
             <a:ext cx="1566222" cy="1531102"/>
           </a:xfrm>
           <a:prstGeom prst="line">
@@ -16494,7 +15400,7 @@
         </p:nvCxnSpPr>
         <p:spPr>
           <a:xfrm>
-            <a:off x="2614171" y="2842285"/>
+            <a:off x="4500121" y="1937410"/>
             <a:ext cx="0" cy="2572442"/>
           </a:xfrm>
           <a:prstGeom prst="line">
@@ -16532,7 +15438,7 @@
         </p:nvCxnSpPr>
         <p:spPr>
           <a:xfrm flipV="1">
-            <a:off x="2614171" y="2180823"/>
+            <a:off x="4500121" y="1275948"/>
             <a:ext cx="16585" cy="373462"/>
           </a:xfrm>
           <a:prstGeom prst="line">
@@ -16570,7 +15476,7 @@
         </p:nvCxnSpPr>
         <p:spPr>
           <a:xfrm flipH="1" flipV="1">
-            <a:off x="3210386" y="2842747"/>
+            <a:off x="5096336" y="1937872"/>
             <a:ext cx="1338127" cy="2584241"/>
           </a:xfrm>
           <a:prstGeom prst="line">
@@ -16592,10 +15498,10 @@
       </p:cxnSp>
       <p:sp>
         <p:nvSpPr>
-          <p:cNvPr id="116" name="Rounded Rectangle 43">
-            <a:extLst>
-              <a:ext uri="{FF2B5EF4-FFF2-40B4-BE49-F238E27FC236}">
-                <a16:creationId xmlns:a16="http://schemas.microsoft.com/office/drawing/2014/main" id="{59AE104F-08E2-430B-9303-F439D7B79B81}"/>
+          <p:cNvPr id="143" name="Rectangle 142">
+            <a:extLst>
+              <a:ext uri="{FF2B5EF4-FFF2-40B4-BE49-F238E27FC236}">
+                <a16:creationId xmlns:a16="http://schemas.microsoft.com/office/drawing/2014/main" id="{91E92607-87B4-4929-B1D3-B4F62B752887}"/>
               </a:ext>
             </a:extLst>
           </p:cNvPr>
@@ -16604,376 +15510,8 @@
         </p:nvSpPr>
         <p:spPr>
           <a:xfrm>
-            <a:off x="9493329" y="3528270"/>
-            <a:ext cx="3465255" cy="288000"/>
-          </a:xfrm>
-          <a:prstGeom prst="roundRect">
-            <a:avLst/>
-          </a:prstGeom>
-          <a:solidFill>
-            <a:srgbClr val="EE502E"/>
-          </a:solidFill>
-          <a:ln>
-            <a:noFill/>
-          </a:ln>
-        </p:spPr>
-        <p:style>
-          <a:lnRef idx="2">
-            <a:schemeClr val="accent1">
-              <a:shade val="50000"/>
-            </a:schemeClr>
-          </a:lnRef>
-          <a:fillRef idx="1">
-            <a:schemeClr val="accent1"/>
-          </a:fillRef>
-          <a:effectRef idx="0">
-            <a:schemeClr val="accent1"/>
-          </a:effectRef>
-          <a:fontRef idx="minor">
-            <a:schemeClr val="lt1"/>
-          </a:fontRef>
-        </p:style>
-        <p:txBody>
-          <a:bodyPr rtlCol="0" anchor="ctr"/>
-          <a:lstStyle/>
-          <a:p>
-            <a:pPr algn="ctr"/>
-            <a:r>
-              <a:rPr lang="en-US" sz="1200" dirty="0"/>
-              <a:t>Event Engine</a:t>
-            </a:r>
-          </a:p>
-        </p:txBody>
-      </p:sp>
-      <p:sp>
-        <p:nvSpPr>
-          <p:cNvPr id="118" name="Rounded Rectangle 34">
-            <a:extLst>
-              <a:ext uri="{FF2B5EF4-FFF2-40B4-BE49-F238E27FC236}">
-                <a16:creationId xmlns:a16="http://schemas.microsoft.com/office/drawing/2014/main" id="{81F8BFC9-A8E1-4D66-ADCA-AC754D565C4B}"/>
-              </a:ext>
-            </a:extLst>
-          </p:cNvPr>
-          <p:cNvSpPr/>
-          <p:nvPr/>
-        </p:nvSpPr>
-        <p:spPr>
-          <a:xfrm>
-            <a:off x="9493329" y="3237968"/>
-            <a:ext cx="1645920" cy="288000"/>
-          </a:xfrm>
-          <a:prstGeom prst="roundRect">
-            <a:avLst/>
-          </a:prstGeom>
-          <a:solidFill>
-            <a:srgbClr val="00AEC7"/>
-          </a:solidFill>
-          <a:ln>
-            <a:noFill/>
-          </a:ln>
-        </p:spPr>
-        <p:style>
-          <a:lnRef idx="2">
-            <a:schemeClr val="accent1">
-              <a:shade val="50000"/>
-            </a:schemeClr>
-          </a:lnRef>
-          <a:fillRef idx="1">
-            <a:schemeClr val="accent1"/>
-          </a:fillRef>
-          <a:effectRef idx="0">
-            <a:schemeClr val="accent1"/>
-          </a:effectRef>
-          <a:fontRef idx="minor">
-            <a:schemeClr val="lt1"/>
-          </a:fontRef>
-        </p:style>
-        <p:txBody>
-          <a:bodyPr rtlCol="0" anchor="ctr"/>
-          <a:lstStyle>
-            <a:defPPr>
-              <a:defRPr lang="en-US"/>
-            </a:defPPr>
-            <a:lvl1pPr marL="0" algn="l" defTabSz="914377" rtl="0" eaLnBrk="1" latinLnBrk="0" hangingPunct="1">
-              <a:defRPr sz="1800" kern="1200">
-                <a:solidFill>
-                  <a:schemeClr val="lt1"/>
-                </a:solidFill>
-                <a:latin typeface="+mn-lt"/>
-                <a:ea typeface="+mn-ea"/>
-                <a:cs typeface="+mn-cs"/>
-              </a:defRPr>
-            </a:lvl1pPr>
-            <a:lvl2pPr marL="457189" algn="l" defTabSz="914377" rtl="0" eaLnBrk="1" latinLnBrk="0" hangingPunct="1">
-              <a:defRPr sz="1800" kern="1200">
-                <a:solidFill>
-                  <a:schemeClr val="lt1"/>
-                </a:solidFill>
-                <a:latin typeface="+mn-lt"/>
-                <a:ea typeface="+mn-ea"/>
-                <a:cs typeface="+mn-cs"/>
-              </a:defRPr>
-            </a:lvl2pPr>
-            <a:lvl3pPr marL="914377" algn="l" defTabSz="914377" rtl="0" eaLnBrk="1" latinLnBrk="0" hangingPunct="1">
-              <a:defRPr sz="1800" kern="1200">
-                <a:solidFill>
-                  <a:schemeClr val="lt1"/>
-                </a:solidFill>
-                <a:latin typeface="+mn-lt"/>
-                <a:ea typeface="+mn-ea"/>
-                <a:cs typeface="+mn-cs"/>
-              </a:defRPr>
-            </a:lvl3pPr>
-            <a:lvl4pPr marL="1371566" algn="l" defTabSz="914377" rtl="0" eaLnBrk="1" latinLnBrk="0" hangingPunct="1">
-              <a:defRPr sz="1800" kern="1200">
-                <a:solidFill>
-                  <a:schemeClr val="lt1"/>
-                </a:solidFill>
-                <a:latin typeface="+mn-lt"/>
-                <a:ea typeface="+mn-ea"/>
-                <a:cs typeface="+mn-cs"/>
-              </a:defRPr>
-            </a:lvl4pPr>
-            <a:lvl5pPr marL="1828754" algn="l" defTabSz="914377" rtl="0" eaLnBrk="1" latinLnBrk="0" hangingPunct="1">
-              <a:defRPr sz="1800" kern="1200">
-                <a:solidFill>
-                  <a:schemeClr val="lt1"/>
-                </a:solidFill>
-                <a:latin typeface="+mn-lt"/>
-                <a:ea typeface="+mn-ea"/>
-                <a:cs typeface="+mn-cs"/>
-              </a:defRPr>
-            </a:lvl5pPr>
-            <a:lvl6pPr marL="2285943" algn="l" defTabSz="914377" rtl="0" eaLnBrk="1" latinLnBrk="0" hangingPunct="1">
-              <a:defRPr sz="1800" kern="1200">
-                <a:solidFill>
-                  <a:schemeClr val="lt1"/>
-                </a:solidFill>
-                <a:latin typeface="+mn-lt"/>
-                <a:ea typeface="+mn-ea"/>
-                <a:cs typeface="+mn-cs"/>
-              </a:defRPr>
-            </a:lvl6pPr>
-            <a:lvl7pPr marL="2743131" algn="l" defTabSz="914377" rtl="0" eaLnBrk="1" latinLnBrk="0" hangingPunct="1">
-              <a:defRPr sz="1800" kern="1200">
-                <a:solidFill>
-                  <a:schemeClr val="lt1"/>
-                </a:solidFill>
-                <a:latin typeface="+mn-lt"/>
-                <a:ea typeface="+mn-ea"/>
-                <a:cs typeface="+mn-cs"/>
-              </a:defRPr>
-            </a:lvl7pPr>
-            <a:lvl8pPr marL="3200320" algn="l" defTabSz="914377" rtl="0" eaLnBrk="1" latinLnBrk="0" hangingPunct="1">
-              <a:defRPr sz="1800" kern="1200">
-                <a:solidFill>
-                  <a:schemeClr val="lt1"/>
-                </a:solidFill>
-                <a:latin typeface="+mn-lt"/>
-                <a:ea typeface="+mn-ea"/>
-                <a:cs typeface="+mn-cs"/>
-              </a:defRPr>
-            </a:lvl8pPr>
-            <a:lvl9pPr marL="3657509" algn="l" defTabSz="914377" rtl="0" eaLnBrk="1" latinLnBrk="0" hangingPunct="1">
-              <a:defRPr sz="1800" kern="1200">
-                <a:solidFill>
-                  <a:schemeClr val="lt1"/>
-                </a:solidFill>
-                <a:latin typeface="+mn-lt"/>
-                <a:ea typeface="+mn-ea"/>
-                <a:cs typeface="+mn-cs"/>
-              </a:defRPr>
-            </a:lvl9pPr>
-          </a:lstStyle>
-          <a:p>
-            <a:pPr algn="ctr"/>
-            <a:r>
-              <a:rPr lang="en-US" sz="1200" dirty="0" err="1">
-                <a:solidFill>
-                  <a:schemeClr val="bg1"/>
-                </a:solidFill>
-              </a:rPr>
-              <a:t>LLUI_INPUT.h</a:t>
-            </a:r>
-            <a:endParaRPr lang="en-US" sz="1200" dirty="0">
-              <a:solidFill>
-                <a:schemeClr val="bg1"/>
-              </a:solidFill>
-            </a:endParaRPr>
-          </a:p>
-        </p:txBody>
-      </p:sp>
-      <p:sp>
-        <p:nvSpPr>
-          <p:cNvPr id="120" name="Rounded Rectangle 15">
-            <a:extLst>
-              <a:ext uri="{FF2B5EF4-FFF2-40B4-BE49-F238E27FC236}">
-                <a16:creationId xmlns:a16="http://schemas.microsoft.com/office/drawing/2014/main" id="{4626CEC9-F89B-4C66-845B-CA8B707EA1C4}"/>
-              </a:ext>
-            </a:extLst>
-          </p:cNvPr>
-          <p:cNvSpPr/>
-          <p:nvPr/>
-        </p:nvSpPr>
-        <p:spPr>
-          <a:xfrm>
-            <a:off x="11358846" y="1983376"/>
-            <a:ext cx="1645920" cy="288000"/>
-          </a:xfrm>
-          <a:prstGeom prst="roundRect">
-            <a:avLst/>
-          </a:prstGeom>
-          <a:solidFill>
-            <a:schemeClr val="bg2">
-              <a:lumMod val="90000"/>
-            </a:schemeClr>
-          </a:solidFill>
-          <a:ln>
-            <a:noFill/>
-          </a:ln>
-        </p:spPr>
-        <p:style>
-          <a:lnRef idx="2">
-            <a:schemeClr val="accent1">
-              <a:shade val="50000"/>
-            </a:schemeClr>
-          </a:lnRef>
-          <a:fillRef idx="1">
-            <a:schemeClr val="accent1"/>
-          </a:fillRef>
-          <a:effectRef idx="0">
-            <a:schemeClr val="accent1"/>
-          </a:effectRef>
-          <a:fontRef idx="minor">
-            <a:schemeClr val="lt1"/>
-          </a:fontRef>
-        </p:style>
-        <p:txBody>
-          <a:bodyPr rtlCol="0" anchor="ctr"/>
-          <a:lstStyle>
-            <a:defPPr>
-              <a:defRPr lang="en-US"/>
-            </a:defPPr>
-            <a:lvl1pPr marL="0" algn="l" defTabSz="914377" rtl="0" eaLnBrk="1" latinLnBrk="0" hangingPunct="1">
-              <a:defRPr sz="1800" kern="1200">
-                <a:solidFill>
-                  <a:schemeClr val="lt1"/>
-                </a:solidFill>
-                <a:latin typeface="+mn-lt"/>
-                <a:ea typeface="+mn-ea"/>
-                <a:cs typeface="+mn-cs"/>
-              </a:defRPr>
-            </a:lvl1pPr>
-            <a:lvl2pPr marL="457189" algn="l" defTabSz="914377" rtl="0" eaLnBrk="1" latinLnBrk="0" hangingPunct="1">
-              <a:defRPr sz="1800" kern="1200">
-                <a:solidFill>
-                  <a:schemeClr val="lt1"/>
-                </a:solidFill>
-                <a:latin typeface="+mn-lt"/>
-                <a:ea typeface="+mn-ea"/>
-                <a:cs typeface="+mn-cs"/>
-              </a:defRPr>
-            </a:lvl2pPr>
-            <a:lvl3pPr marL="914377" algn="l" defTabSz="914377" rtl="0" eaLnBrk="1" latinLnBrk="0" hangingPunct="1">
-              <a:defRPr sz="1800" kern="1200">
-                <a:solidFill>
-                  <a:schemeClr val="lt1"/>
-                </a:solidFill>
-                <a:latin typeface="+mn-lt"/>
-                <a:ea typeface="+mn-ea"/>
-                <a:cs typeface="+mn-cs"/>
-              </a:defRPr>
-            </a:lvl3pPr>
-            <a:lvl4pPr marL="1371566" algn="l" defTabSz="914377" rtl="0" eaLnBrk="1" latinLnBrk="0" hangingPunct="1">
-              <a:defRPr sz="1800" kern="1200">
-                <a:solidFill>
-                  <a:schemeClr val="lt1"/>
-                </a:solidFill>
-                <a:latin typeface="+mn-lt"/>
-                <a:ea typeface="+mn-ea"/>
-                <a:cs typeface="+mn-cs"/>
-              </a:defRPr>
-            </a:lvl4pPr>
-            <a:lvl5pPr marL="1828754" algn="l" defTabSz="914377" rtl="0" eaLnBrk="1" latinLnBrk="0" hangingPunct="1">
-              <a:defRPr sz="1800" kern="1200">
-                <a:solidFill>
-                  <a:schemeClr val="lt1"/>
-                </a:solidFill>
-                <a:latin typeface="+mn-lt"/>
-                <a:ea typeface="+mn-ea"/>
-                <a:cs typeface="+mn-cs"/>
-              </a:defRPr>
-            </a:lvl5pPr>
-            <a:lvl6pPr marL="2285943" algn="l" defTabSz="914377" rtl="0" eaLnBrk="1" latinLnBrk="0" hangingPunct="1">
-              <a:defRPr sz="1800" kern="1200">
-                <a:solidFill>
-                  <a:schemeClr val="lt1"/>
-                </a:solidFill>
-                <a:latin typeface="+mn-lt"/>
-                <a:ea typeface="+mn-ea"/>
-                <a:cs typeface="+mn-cs"/>
-              </a:defRPr>
-            </a:lvl6pPr>
-            <a:lvl7pPr marL="2743131" algn="l" defTabSz="914377" rtl="0" eaLnBrk="1" latinLnBrk="0" hangingPunct="1">
-              <a:defRPr sz="1800" kern="1200">
-                <a:solidFill>
-                  <a:schemeClr val="lt1"/>
-                </a:solidFill>
-                <a:latin typeface="+mn-lt"/>
-                <a:ea typeface="+mn-ea"/>
-                <a:cs typeface="+mn-cs"/>
-              </a:defRPr>
-            </a:lvl7pPr>
-            <a:lvl8pPr marL="3200320" algn="l" defTabSz="914377" rtl="0" eaLnBrk="1" latinLnBrk="0" hangingPunct="1">
-              <a:defRPr sz="1800" kern="1200">
-                <a:solidFill>
-                  <a:schemeClr val="lt1"/>
-                </a:solidFill>
-                <a:latin typeface="+mn-lt"/>
-                <a:ea typeface="+mn-ea"/>
-                <a:cs typeface="+mn-cs"/>
-              </a:defRPr>
-            </a:lvl8pPr>
-            <a:lvl9pPr marL="3657509" algn="l" defTabSz="914377" rtl="0" eaLnBrk="1" latinLnBrk="0" hangingPunct="1">
-              <a:defRPr sz="1800" kern="1200">
-                <a:solidFill>
-                  <a:schemeClr val="lt1"/>
-                </a:solidFill>
-                <a:latin typeface="+mn-lt"/>
-                <a:ea typeface="+mn-ea"/>
-                <a:cs typeface="+mn-cs"/>
-              </a:defRPr>
-            </a:lvl9pPr>
-          </a:lstStyle>
-          <a:p>
-            <a:pPr algn="ctr"/>
-            <a:r>
-              <a:rPr lang="en-US" sz="1200" dirty="0">
-                <a:solidFill>
-                  <a:schemeClr val="tx2"/>
-                </a:solidFill>
-              </a:rPr>
-              <a:t>MICROUI-3.0</a:t>
-            </a:r>
-          </a:p>
-        </p:txBody>
-      </p:sp>
-      <p:sp>
-        <p:nvSpPr>
-          <p:cNvPr id="143" name="Rectangle 142">
-            <a:extLst>
-              <a:ext uri="{FF2B5EF4-FFF2-40B4-BE49-F238E27FC236}">
-                <a16:creationId xmlns:a16="http://schemas.microsoft.com/office/drawing/2014/main" id="{91E92607-87B4-4929-B1D3-B4F62B752887}"/>
-              </a:ext>
-            </a:extLst>
-          </p:cNvPr>
-          <p:cNvSpPr/>
-          <p:nvPr/>
-        </p:nvSpPr>
-        <p:spPr>
-          <a:xfrm>
-            <a:off x="4684166" y="1827019"/>
-            <a:ext cx="725070" cy="276999"/>
+            <a:off x="6610352" y="922144"/>
+            <a:ext cx="644600" cy="276999"/>
           </a:xfrm>
           <a:prstGeom prst="rect">
             <a:avLst/>
@@ -16988,7 +15526,7 @@
             <a:pPr algn="ctr"/>
             <a:r>
               <a:rPr lang="en-US" sz="1200" dirty="0"/>
-              <a:t>Platform</a:t>
+              <a:t>UI Pack</a:t>
             </a:r>
           </a:p>
         </p:txBody>
@@ -17007,7 +15545,7 @@
         </p:nvSpPr>
         <p:spPr>
           <a:xfrm>
-            <a:off x="5010027" y="4226359"/>
+            <a:off x="6895977" y="3321484"/>
             <a:ext cx="413896" cy="276999"/>
           </a:xfrm>
           <a:prstGeom prst="rect">
@@ -17042,7 +15580,7 @@
         </p:nvSpPr>
         <p:spPr>
           <a:xfrm>
-            <a:off x="-129820" y="4233487"/>
+            <a:off x="1756130" y="3328612"/>
             <a:ext cx="2500153" cy="1135438"/>
           </a:xfrm>
           <a:prstGeom prst="roundRect">
@@ -17106,7 +15644,7 @@
         </p:nvSpPr>
         <p:spPr>
           <a:xfrm>
-            <a:off x="-173306" y="5129187"/>
+            <a:off x="1712644" y="4224312"/>
             <a:ext cx="703334" cy="276999"/>
           </a:xfrm>
           <a:prstGeom prst="rect">
@@ -17357,7 +15895,7 @@
             <a:avLst/>
           </a:prstGeom>
           <a:solidFill>
-            <a:srgbClr val="00AEC7"/>
+            <a:srgbClr val="6CC24A"/>
           </a:solidFill>
           <a:ln>
             <a:noFill/>
@@ -17670,7 +16208,7 @@
             <a:avLst/>
           </a:prstGeom>
           <a:solidFill>
-            <a:srgbClr val="00AEC7"/>
+            <a:srgbClr val="6CC24A"/>
           </a:solidFill>
           <a:ln>
             <a:noFill/>
@@ -17828,7 +16366,7 @@
             <a:avLst/>
           </a:prstGeom>
           <a:solidFill>
-            <a:srgbClr val="00AEC7"/>
+            <a:srgbClr val="6CC24A"/>
           </a:solidFill>
           <a:ln>
             <a:noFill/>
@@ -17986,7 +16524,7 @@
             <a:avLst/>
           </a:prstGeom>
           <a:solidFill>
-            <a:srgbClr val="00AEC7"/>
+            <a:srgbClr val="6CC24A"/>
           </a:solidFill>
           <a:ln>
             <a:noFill/>
@@ -18302,7 +16840,7 @@
             <a:avLst/>
           </a:prstGeom>
           <a:solidFill>
-            <a:srgbClr val="00AEC7"/>
+            <a:srgbClr val="6CC24A"/>
           </a:solidFill>
           <a:ln>
             <a:noFill/>
@@ -18773,7 +17311,7 @@
             <a:avLst/>
           </a:prstGeom>
           <a:solidFill>
-            <a:srgbClr val="00AEC7"/>
+            <a:srgbClr val="6CC24A"/>
           </a:solidFill>
           <a:ln>
             <a:noFill/>
@@ -19124,7 +17662,7 @@
             <a:avLst/>
           </a:prstGeom>
           <a:solidFill>
-            <a:srgbClr val="00AEC7"/>
+            <a:srgbClr val="6CC24A"/>
           </a:solidFill>
           <a:ln>
             <a:noFill/>
@@ -20106,8 +18644,8 @@
         </p:nvSpPr>
         <p:spPr>
           <a:xfrm>
-            <a:off x="26991" y="199964"/>
-            <a:ext cx="725070" cy="276999"/>
+            <a:off x="67227" y="199964"/>
+            <a:ext cx="644600" cy="276999"/>
           </a:xfrm>
           <a:prstGeom prst="rect">
             <a:avLst/>
@@ -20122,7 +18660,7 @@
             <a:pPr algn="ctr"/>
             <a:r>
               <a:rPr lang="en-US" sz="1200" dirty="0"/>
-              <a:t>Platform</a:t>
+              <a:t>UI Pack</a:t>
             </a:r>
           </a:p>
         </p:txBody>
@@ -20176,3084 +18714,6 @@
 </file>
 
 <file path=ppt/slides/slide6.xml><?xml version="1.0" encoding="utf-8"?>
-<p:sld xmlns:a="http://schemas.openxmlformats.org/drawingml/2006/main" xmlns:r="http://schemas.openxmlformats.org/officeDocument/2006/relationships" xmlns:p="http://schemas.openxmlformats.org/presentationml/2006/main">
-  <p:cSld>
-    <p:spTree>
-      <p:nvGrpSpPr>
-        <p:cNvPr id="1" name=""/>
-        <p:cNvGrpSpPr/>
-        <p:nvPr/>
-      </p:nvGrpSpPr>
-      <p:grpSpPr>
-        <a:xfrm>
-          <a:off x="0" y="0"/>
-          <a:ext cx="0" cy="0"/>
-          <a:chOff x="0" y="0"/>
-          <a:chExt cx="0" cy="0"/>
-        </a:xfrm>
-      </p:grpSpPr>
-      <p:sp>
-        <p:nvSpPr>
-          <p:cNvPr id="5" name="Rounded Rectangle 62">
-            <a:extLst>
-              <a:ext uri="{FF2B5EF4-FFF2-40B4-BE49-F238E27FC236}">
-                <a16:creationId xmlns:a16="http://schemas.microsoft.com/office/drawing/2014/main" id="{13401AA6-A8D3-48B9-830A-340BEBBC99FB}"/>
-              </a:ext>
-            </a:extLst>
-          </p:cNvPr>
-          <p:cNvSpPr/>
-          <p:nvPr/>
-        </p:nvSpPr>
-        <p:spPr>
-          <a:xfrm>
-            <a:off x="1000635" y="6042749"/>
-            <a:ext cx="5802369" cy="524072"/>
-          </a:xfrm>
-          <a:prstGeom prst="roundRect">
-            <a:avLst>
-              <a:gd name="adj" fmla="val 5059"/>
-            </a:avLst>
-          </a:prstGeom>
-          <a:solidFill>
-            <a:schemeClr val="bg1">
-              <a:lumMod val="95000"/>
-            </a:schemeClr>
-          </a:solidFill>
-          <a:ln w="19050">
-            <a:noFill/>
-          </a:ln>
-        </p:spPr>
-        <p:style>
-          <a:lnRef idx="2">
-            <a:schemeClr val="accent1">
-              <a:shade val="50000"/>
-            </a:schemeClr>
-          </a:lnRef>
-          <a:fillRef idx="1">
-            <a:schemeClr val="accent1"/>
-          </a:fillRef>
-          <a:effectRef idx="0">
-            <a:schemeClr val="accent1"/>
-          </a:effectRef>
-          <a:fontRef idx="minor">
-            <a:schemeClr val="lt1"/>
-          </a:fontRef>
-        </p:style>
-        <p:txBody>
-          <a:bodyPr wrap="square" lIns="0" tIns="0" rIns="0" bIns="0" rtlCol="0" anchor="ctr"/>
-          <a:lstStyle/>
-          <a:p>
-            <a:pPr algn="ctr"/>
-            <a:endParaRPr lang="en-US" sz="1400" dirty="0">
-              <a:solidFill>
-                <a:schemeClr val="bg1">
-                  <a:lumMod val="95000"/>
-                </a:schemeClr>
-              </a:solidFill>
-            </a:endParaRPr>
-          </a:p>
-        </p:txBody>
-      </p:sp>
-      <p:sp>
-        <p:nvSpPr>
-          <p:cNvPr id="7" name="Rounded Rectangle 62">
-            <a:extLst>
-              <a:ext uri="{FF2B5EF4-FFF2-40B4-BE49-F238E27FC236}">
-                <a16:creationId xmlns:a16="http://schemas.microsoft.com/office/drawing/2014/main" id="{58AE33E7-3B7F-46CA-ADB5-436638BCC465}"/>
-              </a:ext>
-            </a:extLst>
-          </p:cNvPr>
-          <p:cNvSpPr/>
-          <p:nvPr/>
-        </p:nvSpPr>
-        <p:spPr>
-          <a:xfrm>
-            <a:off x="281584" y="3470234"/>
-            <a:ext cx="3859729" cy="524072"/>
-          </a:xfrm>
-          <a:prstGeom prst="roundRect">
-            <a:avLst>
-              <a:gd name="adj" fmla="val 5059"/>
-            </a:avLst>
-          </a:prstGeom>
-          <a:solidFill>
-            <a:schemeClr val="bg1">
-              <a:lumMod val="95000"/>
-            </a:schemeClr>
-          </a:solidFill>
-          <a:ln w="19050">
-            <a:noFill/>
-          </a:ln>
-        </p:spPr>
-        <p:style>
-          <a:lnRef idx="2">
-            <a:schemeClr val="accent1">
-              <a:shade val="50000"/>
-            </a:schemeClr>
-          </a:lnRef>
-          <a:fillRef idx="1">
-            <a:schemeClr val="accent1"/>
-          </a:fillRef>
-          <a:effectRef idx="0">
-            <a:schemeClr val="accent1"/>
-          </a:effectRef>
-          <a:fontRef idx="minor">
-            <a:schemeClr val="lt1"/>
-          </a:fontRef>
-        </p:style>
-        <p:txBody>
-          <a:bodyPr wrap="square" lIns="0" tIns="0" rIns="0" bIns="0" rtlCol="0" anchor="ctr"/>
-          <a:lstStyle/>
-          <a:p>
-            <a:pPr algn="ctr"/>
-            <a:endParaRPr lang="en-US" sz="1400" dirty="0">
-              <a:solidFill>
-                <a:schemeClr val="bg1">
-                  <a:lumMod val="95000"/>
-                </a:schemeClr>
-              </a:solidFill>
-            </a:endParaRPr>
-          </a:p>
-        </p:txBody>
-      </p:sp>
-      <p:sp>
-        <p:nvSpPr>
-          <p:cNvPr id="9" name="Rounded Rectangle 62">
-            <a:extLst>
-              <a:ext uri="{FF2B5EF4-FFF2-40B4-BE49-F238E27FC236}">
-                <a16:creationId xmlns:a16="http://schemas.microsoft.com/office/drawing/2014/main" id="{B239E5AC-5DEE-4254-AFE1-434552419997}"/>
-              </a:ext>
-            </a:extLst>
-          </p:cNvPr>
-          <p:cNvSpPr/>
-          <p:nvPr/>
-        </p:nvSpPr>
-        <p:spPr>
-          <a:xfrm>
-            <a:off x="1516310" y="4989700"/>
-            <a:ext cx="7440843" cy="1110687"/>
-          </a:xfrm>
-          <a:prstGeom prst="roundRect">
-            <a:avLst>
-              <a:gd name="adj" fmla="val 5059"/>
-            </a:avLst>
-          </a:prstGeom>
-          <a:solidFill>
-            <a:schemeClr val="bg1">
-              <a:lumMod val="95000"/>
-            </a:schemeClr>
-          </a:solidFill>
-          <a:ln w="19050">
-            <a:noFill/>
-          </a:ln>
-        </p:spPr>
-        <p:style>
-          <a:lnRef idx="2">
-            <a:schemeClr val="accent1">
-              <a:shade val="50000"/>
-            </a:schemeClr>
-          </a:lnRef>
-          <a:fillRef idx="1">
-            <a:schemeClr val="accent1"/>
-          </a:fillRef>
-          <a:effectRef idx="0">
-            <a:schemeClr val="accent1"/>
-          </a:effectRef>
-          <a:fontRef idx="minor">
-            <a:schemeClr val="lt1"/>
-          </a:fontRef>
-        </p:style>
-        <p:txBody>
-          <a:bodyPr wrap="square" lIns="0" tIns="0" rIns="0" bIns="0" rtlCol="0" anchor="ctr"/>
-          <a:lstStyle/>
-          <a:p>
-            <a:pPr algn="ctr"/>
-            <a:endParaRPr lang="en-US" sz="1400" dirty="0">
-              <a:solidFill>
-                <a:schemeClr val="bg1">
-                  <a:lumMod val="95000"/>
-                </a:schemeClr>
-              </a:solidFill>
-            </a:endParaRPr>
-          </a:p>
-        </p:txBody>
-      </p:sp>
-      <p:sp>
-        <p:nvSpPr>
-          <p:cNvPr id="11" name="Rounded Rectangle 11">
-            <a:extLst>
-              <a:ext uri="{FF2B5EF4-FFF2-40B4-BE49-F238E27FC236}">
-                <a16:creationId xmlns:a16="http://schemas.microsoft.com/office/drawing/2014/main" id="{A1B6700A-6999-4EF9-AFD6-C118830EC500}"/>
-              </a:ext>
-            </a:extLst>
-          </p:cNvPr>
-          <p:cNvSpPr/>
-          <p:nvPr/>
-        </p:nvSpPr>
-        <p:spPr>
-          <a:xfrm>
-            <a:off x="900345" y="1696375"/>
-            <a:ext cx="3434932" cy="288000"/>
-          </a:xfrm>
-          <a:prstGeom prst="roundRect">
-            <a:avLst/>
-          </a:prstGeom>
-          <a:solidFill>
-            <a:srgbClr val="EE502E"/>
-          </a:solidFill>
-          <a:ln>
-            <a:noFill/>
-          </a:ln>
-        </p:spPr>
-        <p:style>
-          <a:lnRef idx="2">
-            <a:schemeClr val="accent1">
-              <a:shade val="50000"/>
-            </a:schemeClr>
-          </a:lnRef>
-          <a:fillRef idx="1">
-            <a:schemeClr val="accent1"/>
-          </a:fillRef>
-          <a:effectRef idx="0">
-            <a:schemeClr val="accent1"/>
-          </a:effectRef>
-          <a:fontRef idx="minor">
-            <a:schemeClr val="lt1"/>
-          </a:fontRef>
-        </p:style>
-        <p:txBody>
-          <a:bodyPr rtlCol="0" anchor="ctr"/>
-          <a:lstStyle/>
-          <a:p>
-            <a:pPr algn="ctr"/>
-            <a:r>
-              <a:rPr lang="en-US" sz="1200" dirty="0"/>
-              <a:t>Graphics Engine</a:t>
-            </a:r>
-          </a:p>
-        </p:txBody>
-      </p:sp>
-      <p:sp>
-        <p:nvSpPr>
-          <p:cNvPr id="13" name="Rounded Rectangle 12">
-            <a:extLst>
-              <a:ext uri="{FF2B5EF4-FFF2-40B4-BE49-F238E27FC236}">
-                <a16:creationId xmlns:a16="http://schemas.microsoft.com/office/drawing/2014/main" id="{DB796CC1-F8ED-43A6-AE21-7F6FA80A001F}"/>
-              </a:ext>
-            </a:extLst>
-          </p:cNvPr>
-          <p:cNvSpPr/>
-          <p:nvPr/>
-        </p:nvSpPr>
-        <p:spPr>
-          <a:xfrm>
-            <a:off x="900344" y="2311088"/>
-            <a:ext cx="1645920" cy="288000"/>
-          </a:xfrm>
-          <a:prstGeom prst="roundRect">
-            <a:avLst/>
-          </a:prstGeom>
-          <a:solidFill>
-            <a:srgbClr val="00AEC7"/>
-          </a:solidFill>
-          <a:ln>
-            <a:noFill/>
-          </a:ln>
-        </p:spPr>
-        <p:style>
-          <a:lnRef idx="2">
-            <a:schemeClr val="accent1">
-              <a:shade val="50000"/>
-            </a:schemeClr>
-          </a:lnRef>
-          <a:fillRef idx="1">
-            <a:schemeClr val="accent1"/>
-          </a:fillRef>
-          <a:effectRef idx="0">
-            <a:schemeClr val="accent1"/>
-          </a:effectRef>
-          <a:fontRef idx="minor">
-            <a:schemeClr val="lt1"/>
-          </a:fontRef>
-        </p:style>
-        <p:txBody>
-          <a:bodyPr rtlCol="0" anchor="ctr"/>
-          <a:lstStyle>
-            <a:defPPr>
-              <a:defRPr lang="en-US"/>
-            </a:defPPr>
-            <a:lvl1pPr marL="0" algn="l" defTabSz="914377" rtl="0" eaLnBrk="1" latinLnBrk="0" hangingPunct="1">
-              <a:defRPr sz="1800" kern="1200">
-                <a:solidFill>
-                  <a:schemeClr val="lt1"/>
-                </a:solidFill>
-                <a:latin typeface="+mn-lt"/>
-                <a:ea typeface="+mn-ea"/>
-                <a:cs typeface="+mn-cs"/>
-              </a:defRPr>
-            </a:lvl1pPr>
-            <a:lvl2pPr marL="457189" algn="l" defTabSz="914377" rtl="0" eaLnBrk="1" latinLnBrk="0" hangingPunct="1">
-              <a:defRPr sz="1800" kern="1200">
-                <a:solidFill>
-                  <a:schemeClr val="lt1"/>
-                </a:solidFill>
-                <a:latin typeface="+mn-lt"/>
-                <a:ea typeface="+mn-ea"/>
-                <a:cs typeface="+mn-cs"/>
-              </a:defRPr>
-            </a:lvl2pPr>
-            <a:lvl3pPr marL="914377" algn="l" defTabSz="914377" rtl="0" eaLnBrk="1" latinLnBrk="0" hangingPunct="1">
-              <a:defRPr sz="1800" kern="1200">
-                <a:solidFill>
-                  <a:schemeClr val="lt1"/>
-                </a:solidFill>
-                <a:latin typeface="+mn-lt"/>
-                <a:ea typeface="+mn-ea"/>
-                <a:cs typeface="+mn-cs"/>
-              </a:defRPr>
-            </a:lvl3pPr>
-            <a:lvl4pPr marL="1371566" algn="l" defTabSz="914377" rtl="0" eaLnBrk="1" latinLnBrk="0" hangingPunct="1">
-              <a:defRPr sz="1800" kern="1200">
-                <a:solidFill>
-                  <a:schemeClr val="lt1"/>
-                </a:solidFill>
-                <a:latin typeface="+mn-lt"/>
-                <a:ea typeface="+mn-ea"/>
-                <a:cs typeface="+mn-cs"/>
-              </a:defRPr>
-            </a:lvl4pPr>
-            <a:lvl5pPr marL="1828754" algn="l" defTabSz="914377" rtl="0" eaLnBrk="1" latinLnBrk="0" hangingPunct="1">
-              <a:defRPr sz="1800" kern="1200">
-                <a:solidFill>
-                  <a:schemeClr val="lt1"/>
-                </a:solidFill>
-                <a:latin typeface="+mn-lt"/>
-                <a:ea typeface="+mn-ea"/>
-                <a:cs typeface="+mn-cs"/>
-              </a:defRPr>
-            </a:lvl5pPr>
-            <a:lvl6pPr marL="2285943" algn="l" defTabSz="914377" rtl="0" eaLnBrk="1" latinLnBrk="0" hangingPunct="1">
-              <a:defRPr sz="1800" kern="1200">
-                <a:solidFill>
-                  <a:schemeClr val="lt1"/>
-                </a:solidFill>
-                <a:latin typeface="+mn-lt"/>
-                <a:ea typeface="+mn-ea"/>
-                <a:cs typeface="+mn-cs"/>
-              </a:defRPr>
-            </a:lvl6pPr>
-            <a:lvl7pPr marL="2743131" algn="l" defTabSz="914377" rtl="0" eaLnBrk="1" latinLnBrk="0" hangingPunct="1">
-              <a:defRPr sz="1800" kern="1200">
-                <a:solidFill>
-                  <a:schemeClr val="lt1"/>
-                </a:solidFill>
-                <a:latin typeface="+mn-lt"/>
-                <a:ea typeface="+mn-ea"/>
-                <a:cs typeface="+mn-cs"/>
-              </a:defRPr>
-            </a:lvl7pPr>
-            <a:lvl8pPr marL="3200320" algn="l" defTabSz="914377" rtl="0" eaLnBrk="1" latinLnBrk="0" hangingPunct="1">
-              <a:defRPr sz="1800" kern="1200">
-                <a:solidFill>
-                  <a:schemeClr val="lt1"/>
-                </a:solidFill>
-                <a:latin typeface="+mn-lt"/>
-                <a:ea typeface="+mn-ea"/>
-                <a:cs typeface="+mn-cs"/>
-              </a:defRPr>
-            </a:lvl8pPr>
-            <a:lvl9pPr marL="3657509" algn="l" defTabSz="914377" rtl="0" eaLnBrk="1" latinLnBrk="0" hangingPunct="1">
-              <a:defRPr sz="1800" kern="1200">
-                <a:solidFill>
-                  <a:schemeClr val="lt1"/>
-                </a:solidFill>
-                <a:latin typeface="+mn-lt"/>
-                <a:ea typeface="+mn-ea"/>
-                <a:cs typeface="+mn-cs"/>
-              </a:defRPr>
-            </a:lvl9pPr>
-          </a:lstStyle>
-          <a:p>
-            <a:pPr algn="ctr"/>
-            <a:r>
-              <a:rPr lang="en-US" sz="1200" dirty="0" err="1">
-                <a:solidFill>
-                  <a:schemeClr val="bg1"/>
-                </a:solidFill>
-              </a:rPr>
-              <a:t>LLUI_DISPLAY_impl.h</a:t>
-            </a:r>
-            <a:endParaRPr lang="en-US" sz="1200" dirty="0">
-              <a:solidFill>
-                <a:schemeClr val="bg1"/>
-              </a:solidFill>
-            </a:endParaRPr>
-          </a:p>
-        </p:txBody>
-      </p:sp>
-      <p:sp>
-        <p:nvSpPr>
-          <p:cNvPr id="15" name="Rounded Rectangle 15">
-            <a:extLst>
-              <a:ext uri="{FF2B5EF4-FFF2-40B4-BE49-F238E27FC236}">
-                <a16:creationId xmlns:a16="http://schemas.microsoft.com/office/drawing/2014/main" id="{5C966CDA-1EBB-48EA-AC16-022FFBFC3ACF}"/>
-              </a:ext>
-            </a:extLst>
-          </p:cNvPr>
-          <p:cNvSpPr/>
-          <p:nvPr/>
-        </p:nvSpPr>
-        <p:spPr>
-          <a:xfrm>
-            <a:off x="2602770" y="793650"/>
-            <a:ext cx="6391388" cy="288000"/>
-          </a:xfrm>
-          <a:prstGeom prst="roundRect">
-            <a:avLst/>
-          </a:prstGeom>
-          <a:solidFill>
-            <a:schemeClr val="bg2">
-              <a:lumMod val="90000"/>
-            </a:schemeClr>
-          </a:solidFill>
-          <a:ln>
-            <a:noFill/>
-          </a:ln>
-        </p:spPr>
-        <p:style>
-          <a:lnRef idx="2">
-            <a:schemeClr val="accent1">
-              <a:shade val="50000"/>
-            </a:schemeClr>
-          </a:lnRef>
-          <a:fillRef idx="1">
-            <a:schemeClr val="accent1"/>
-          </a:fillRef>
-          <a:effectRef idx="0">
-            <a:schemeClr val="accent1"/>
-          </a:effectRef>
-          <a:fontRef idx="minor">
-            <a:schemeClr val="lt1"/>
-          </a:fontRef>
-        </p:style>
-        <p:txBody>
-          <a:bodyPr rtlCol="0" anchor="ctr"/>
-          <a:lstStyle>
-            <a:defPPr>
-              <a:defRPr lang="en-US"/>
-            </a:defPPr>
-            <a:lvl1pPr marL="0" algn="l" defTabSz="914377" rtl="0" eaLnBrk="1" latinLnBrk="0" hangingPunct="1">
-              <a:defRPr sz="1800" kern="1200">
-                <a:solidFill>
-                  <a:schemeClr val="lt1"/>
-                </a:solidFill>
-                <a:latin typeface="+mn-lt"/>
-                <a:ea typeface="+mn-ea"/>
-                <a:cs typeface="+mn-cs"/>
-              </a:defRPr>
-            </a:lvl1pPr>
-            <a:lvl2pPr marL="457189" algn="l" defTabSz="914377" rtl="0" eaLnBrk="1" latinLnBrk="0" hangingPunct="1">
-              <a:defRPr sz="1800" kern="1200">
-                <a:solidFill>
-                  <a:schemeClr val="lt1"/>
-                </a:solidFill>
-                <a:latin typeface="+mn-lt"/>
-                <a:ea typeface="+mn-ea"/>
-                <a:cs typeface="+mn-cs"/>
-              </a:defRPr>
-            </a:lvl2pPr>
-            <a:lvl3pPr marL="914377" algn="l" defTabSz="914377" rtl="0" eaLnBrk="1" latinLnBrk="0" hangingPunct="1">
-              <a:defRPr sz="1800" kern="1200">
-                <a:solidFill>
-                  <a:schemeClr val="lt1"/>
-                </a:solidFill>
-                <a:latin typeface="+mn-lt"/>
-                <a:ea typeface="+mn-ea"/>
-                <a:cs typeface="+mn-cs"/>
-              </a:defRPr>
-            </a:lvl3pPr>
-            <a:lvl4pPr marL="1371566" algn="l" defTabSz="914377" rtl="0" eaLnBrk="1" latinLnBrk="0" hangingPunct="1">
-              <a:defRPr sz="1800" kern="1200">
-                <a:solidFill>
-                  <a:schemeClr val="lt1"/>
-                </a:solidFill>
-                <a:latin typeface="+mn-lt"/>
-                <a:ea typeface="+mn-ea"/>
-                <a:cs typeface="+mn-cs"/>
-              </a:defRPr>
-            </a:lvl4pPr>
-            <a:lvl5pPr marL="1828754" algn="l" defTabSz="914377" rtl="0" eaLnBrk="1" latinLnBrk="0" hangingPunct="1">
-              <a:defRPr sz="1800" kern="1200">
-                <a:solidFill>
-                  <a:schemeClr val="lt1"/>
-                </a:solidFill>
-                <a:latin typeface="+mn-lt"/>
-                <a:ea typeface="+mn-ea"/>
-                <a:cs typeface="+mn-cs"/>
-              </a:defRPr>
-            </a:lvl5pPr>
-            <a:lvl6pPr marL="2285943" algn="l" defTabSz="914377" rtl="0" eaLnBrk="1" latinLnBrk="0" hangingPunct="1">
-              <a:defRPr sz="1800" kern="1200">
-                <a:solidFill>
-                  <a:schemeClr val="lt1"/>
-                </a:solidFill>
-                <a:latin typeface="+mn-lt"/>
-                <a:ea typeface="+mn-ea"/>
-                <a:cs typeface="+mn-cs"/>
-              </a:defRPr>
-            </a:lvl6pPr>
-            <a:lvl7pPr marL="2743131" algn="l" defTabSz="914377" rtl="0" eaLnBrk="1" latinLnBrk="0" hangingPunct="1">
-              <a:defRPr sz="1800" kern="1200">
-                <a:solidFill>
-                  <a:schemeClr val="lt1"/>
-                </a:solidFill>
-                <a:latin typeface="+mn-lt"/>
-                <a:ea typeface="+mn-ea"/>
-                <a:cs typeface="+mn-cs"/>
-              </a:defRPr>
-            </a:lvl7pPr>
-            <a:lvl8pPr marL="3200320" algn="l" defTabSz="914377" rtl="0" eaLnBrk="1" latinLnBrk="0" hangingPunct="1">
-              <a:defRPr sz="1800" kern="1200">
-                <a:solidFill>
-                  <a:schemeClr val="lt1"/>
-                </a:solidFill>
-                <a:latin typeface="+mn-lt"/>
-                <a:ea typeface="+mn-ea"/>
-                <a:cs typeface="+mn-cs"/>
-              </a:defRPr>
-            </a:lvl8pPr>
-            <a:lvl9pPr marL="3657509" algn="l" defTabSz="914377" rtl="0" eaLnBrk="1" latinLnBrk="0" hangingPunct="1">
-              <a:defRPr sz="1800" kern="1200">
-                <a:solidFill>
-                  <a:schemeClr val="lt1"/>
-                </a:solidFill>
-                <a:latin typeface="+mn-lt"/>
-                <a:ea typeface="+mn-ea"/>
-                <a:cs typeface="+mn-cs"/>
-              </a:defRPr>
-            </a:lvl9pPr>
-          </a:lstStyle>
-          <a:p>
-            <a:pPr algn="ctr"/>
-            <a:r>
-              <a:rPr lang="en-US" sz="1200" dirty="0">
-                <a:solidFill>
-                  <a:schemeClr val="tx2"/>
-                </a:solidFill>
-              </a:rPr>
-              <a:t>MICROUI-3.0</a:t>
-            </a:r>
-          </a:p>
-        </p:txBody>
-      </p:sp>
-      <p:sp>
-        <p:nvSpPr>
-          <p:cNvPr id="17" name="Rounded Rectangle 17">
-            <a:extLst>
-              <a:ext uri="{FF2B5EF4-FFF2-40B4-BE49-F238E27FC236}">
-                <a16:creationId xmlns:a16="http://schemas.microsoft.com/office/drawing/2014/main" id="{095D8A88-ACB9-49C2-BADC-666B799FB62D}"/>
-              </a:ext>
-            </a:extLst>
-          </p:cNvPr>
-          <p:cNvSpPr/>
-          <p:nvPr/>
-        </p:nvSpPr>
-        <p:spPr>
-          <a:xfrm>
-            <a:off x="7383826" y="1686502"/>
-            <a:ext cx="1645920" cy="288000"/>
-          </a:xfrm>
-          <a:prstGeom prst="roundRect">
-            <a:avLst/>
-          </a:prstGeom>
-          <a:solidFill>
-            <a:srgbClr val="00AEC7"/>
-          </a:solidFill>
-          <a:ln>
-            <a:noFill/>
-          </a:ln>
-        </p:spPr>
-        <p:style>
-          <a:lnRef idx="2">
-            <a:schemeClr val="accent1">
-              <a:shade val="50000"/>
-            </a:schemeClr>
-          </a:lnRef>
-          <a:fillRef idx="1">
-            <a:schemeClr val="accent1"/>
-          </a:fillRef>
-          <a:effectRef idx="0">
-            <a:schemeClr val="accent1"/>
-          </a:effectRef>
-          <a:fontRef idx="minor">
-            <a:schemeClr val="lt1"/>
-          </a:fontRef>
-        </p:style>
-        <p:txBody>
-          <a:bodyPr rtlCol="0" anchor="ctr"/>
-          <a:lstStyle>
-            <a:defPPr>
-              <a:defRPr lang="en-US"/>
-            </a:defPPr>
-            <a:lvl1pPr marL="0" algn="l" defTabSz="914377" rtl="0" eaLnBrk="1" latinLnBrk="0" hangingPunct="1">
-              <a:defRPr sz="1800" kern="1200">
-                <a:solidFill>
-                  <a:schemeClr val="lt1"/>
-                </a:solidFill>
-                <a:latin typeface="+mn-lt"/>
-                <a:ea typeface="+mn-ea"/>
-                <a:cs typeface="+mn-cs"/>
-              </a:defRPr>
-            </a:lvl1pPr>
-            <a:lvl2pPr marL="457189" algn="l" defTabSz="914377" rtl="0" eaLnBrk="1" latinLnBrk="0" hangingPunct="1">
-              <a:defRPr sz="1800" kern="1200">
-                <a:solidFill>
-                  <a:schemeClr val="lt1"/>
-                </a:solidFill>
-                <a:latin typeface="+mn-lt"/>
-                <a:ea typeface="+mn-ea"/>
-                <a:cs typeface="+mn-cs"/>
-              </a:defRPr>
-            </a:lvl2pPr>
-            <a:lvl3pPr marL="914377" algn="l" defTabSz="914377" rtl="0" eaLnBrk="1" latinLnBrk="0" hangingPunct="1">
-              <a:defRPr sz="1800" kern="1200">
-                <a:solidFill>
-                  <a:schemeClr val="lt1"/>
-                </a:solidFill>
-                <a:latin typeface="+mn-lt"/>
-                <a:ea typeface="+mn-ea"/>
-                <a:cs typeface="+mn-cs"/>
-              </a:defRPr>
-            </a:lvl3pPr>
-            <a:lvl4pPr marL="1371566" algn="l" defTabSz="914377" rtl="0" eaLnBrk="1" latinLnBrk="0" hangingPunct="1">
-              <a:defRPr sz="1800" kern="1200">
-                <a:solidFill>
-                  <a:schemeClr val="lt1"/>
-                </a:solidFill>
-                <a:latin typeface="+mn-lt"/>
-                <a:ea typeface="+mn-ea"/>
-                <a:cs typeface="+mn-cs"/>
-              </a:defRPr>
-            </a:lvl4pPr>
-            <a:lvl5pPr marL="1828754" algn="l" defTabSz="914377" rtl="0" eaLnBrk="1" latinLnBrk="0" hangingPunct="1">
-              <a:defRPr sz="1800" kern="1200">
-                <a:solidFill>
-                  <a:schemeClr val="lt1"/>
-                </a:solidFill>
-                <a:latin typeface="+mn-lt"/>
-                <a:ea typeface="+mn-ea"/>
-                <a:cs typeface="+mn-cs"/>
-              </a:defRPr>
-            </a:lvl5pPr>
-            <a:lvl6pPr marL="2285943" algn="l" defTabSz="914377" rtl="0" eaLnBrk="1" latinLnBrk="0" hangingPunct="1">
-              <a:defRPr sz="1800" kern="1200">
-                <a:solidFill>
-                  <a:schemeClr val="lt1"/>
-                </a:solidFill>
-                <a:latin typeface="+mn-lt"/>
-                <a:ea typeface="+mn-ea"/>
-                <a:cs typeface="+mn-cs"/>
-              </a:defRPr>
-            </a:lvl6pPr>
-            <a:lvl7pPr marL="2743131" algn="l" defTabSz="914377" rtl="0" eaLnBrk="1" latinLnBrk="0" hangingPunct="1">
-              <a:defRPr sz="1800" kern="1200">
-                <a:solidFill>
-                  <a:schemeClr val="lt1"/>
-                </a:solidFill>
-                <a:latin typeface="+mn-lt"/>
-                <a:ea typeface="+mn-ea"/>
-                <a:cs typeface="+mn-cs"/>
-              </a:defRPr>
-            </a:lvl7pPr>
-            <a:lvl8pPr marL="3200320" algn="l" defTabSz="914377" rtl="0" eaLnBrk="1" latinLnBrk="0" hangingPunct="1">
-              <a:defRPr sz="1800" kern="1200">
-                <a:solidFill>
-                  <a:schemeClr val="lt1"/>
-                </a:solidFill>
-                <a:latin typeface="+mn-lt"/>
-                <a:ea typeface="+mn-ea"/>
-                <a:cs typeface="+mn-cs"/>
-              </a:defRPr>
-            </a:lvl8pPr>
-            <a:lvl9pPr marL="3657509" algn="l" defTabSz="914377" rtl="0" eaLnBrk="1" latinLnBrk="0" hangingPunct="1">
-              <a:defRPr sz="1800" kern="1200">
-                <a:solidFill>
-                  <a:schemeClr val="lt1"/>
-                </a:solidFill>
-                <a:latin typeface="+mn-lt"/>
-                <a:ea typeface="+mn-ea"/>
-                <a:cs typeface="+mn-cs"/>
-              </a:defRPr>
-            </a:lvl9pPr>
-          </a:lstStyle>
-          <a:p>
-            <a:pPr algn="ctr"/>
-            <a:r>
-              <a:rPr lang="en-US" sz="1200" dirty="0" err="1">
-                <a:solidFill>
-                  <a:schemeClr val="bg1"/>
-                </a:solidFill>
-              </a:rPr>
-              <a:t>LLUI_PAINTER_impl.h</a:t>
-            </a:r>
-            <a:endParaRPr lang="en-US" sz="1200" dirty="0">
-              <a:solidFill>
-                <a:schemeClr val="bg1"/>
-              </a:solidFill>
-            </a:endParaRPr>
-          </a:p>
-        </p:txBody>
-      </p:sp>
-      <p:sp>
-        <p:nvSpPr>
-          <p:cNvPr id="19" name="Rounded Rectangle 19">
-            <a:extLst>
-              <a:ext uri="{FF2B5EF4-FFF2-40B4-BE49-F238E27FC236}">
-                <a16:creationId xmlns:a16="http://schemas.microsoft.com/office/drawing/2014/main" id="{86171E10-EFF4-4063-BDAF-EFD427E659D4}"/>
-              </a:ext>
-            </a:extLst>
-          </p:cNvPr>
-          <p:cNvSpPr/>
-          <p:nvPr/>
-        </p:nvSpPr>
-        <p:spPr>
-          <a:xfrm>
-            <a:off x="7348238" y="3673020"/>
-            <a:ext cx="1645920" cy="288000"/>
-          </a:xfrm>
-          <a:prstGeom prst="roundRect">
-            <a:avLst/>
-          </a:prstGeom>
-          <a:solidFill>
-            <a:srgbClr val="00AEC7"/>
-          </a:solidFill>
-          <a:ln>
-            <a:noFill/>
-          </a:ln>
-        </p:spPr>
-        <p:style>
-          <a:lnRef idx="2">
-            <a:schemeClr val="accent1">
-              <a:shade val="50000"/>
-            </a:schemeClr>
-          </a:lnRef>
-          <a:fillRef idx="1">
-            <a:schemeClr val="accent1"/>
-          </a:fillRef>
-          <a:effectRef idx="0">
-            <a:schemeClr val="accent1"/>
-          </a:effectRef>
-          <a:fontRef idx="minor">
-            <a:schemeClr val="lt1"/>
-          </a:fontRef>
-        </p:style>
-        <p:txBody>
-          <a:bodyPr rtlCol="0" anchor="ctr"/>
-          <a:lstStyle>
-            <a:defPPr>
-              <a:defRPr lang="en-US"/>
-            </a:defPPr>
-            <a:lvl1pPr marL="0" algn="l" defTabSz="914377" rtl="0" eaLnBrk="1" latinLnBrk="0" hangingPunct="1">
-              <a:defRPr sz="1800" kern="1200">
-                <a:solidFill>
-                  <a:schemeClr val="lt1"/>
-                </a:solidFill>
-                <a:latin typeface="+mn-lt"/>
-                <a:ea typeface="+mn-ea"/>
-                <a:cs typeface="+mn-cs"/>
-              </a:defRPr>
-            </a:lvl1pPr>
-            <a:lvl2pPr marL="457189" algn="l" defTabSz="914377" rtl="0" eaLnBrk="1" latinLnBrk="0" hangingPunct="1">
-              <a:defRPr sz="1800" kern="1200">
-                <a:solidFill>
-                  <a:schemeClr val="lt1"/>
-                </a:solidFill>
-                <a:latin typeface="+mn-lt"/>
-                <a:ea typeface="+mn-ea"/>
-                <a:cs typeface="+mn-cs"/>
-              </a:defRPr>
-            </a:lvl2pPr>
-            <a:lvl3pPr marL="914377" algn="l" defTabSz="914377" rtl="0" eaLnBrk="1" latinLnBrk="0" hangingPunct="1">
-              <a:defRPr sz="1800" kern="1200">
-                <a:solidFill>
-                  <a:schemeClr val="lt1"/>
-                </a:solidFill>
-                <a:latin typeface="+mn-lt"/>
-                <a:ea typeface="+mn-ea"/>
-                <a:cs typeface="+mn-cs"/>
-              </a:defRPr>
-            </a:lvl3pPr>
-            <a:lvl4pPr marL="1371566" algn="l" defTabSz="914377" rtl="0" eaLnBrk="1" latinLnBrk="0" hangingPunct="1">
-              <a:defRPr sz="1800" kern="1200">
-                <a:solidFill>
-                  <a:schemeClr val="lt1"/>
-                </a:solidFill>
-                <a:latin typeface="+mn-lt"/>
-                <a:ea typeface="+mn-ea"/>
-                <a:cs typeface="+mn-cs"/>
-              </a:defRPr>
-            </a:lvl4pPr>
-            <a:lvl5pPr marL="1828754" algn="l" defTabSz="914377" rtl="0" eaLnBrk="1" latinLnBrk="0" hangingPunct="1">
-              <a:defRPr sz="1800" kern="1200">
-                <a:solidFill>
-                  <a:schemeClr val="lt1"/>
-                </a:solidFill>
-                <a:latin typeface="+mn-lt"/>
-                <a:ea typeface="+mn-ea"/>
-                <a:cs typeface="+mn-cs"/>
-              </a:defRPr>
-            </a:lvl5pPr>
-            <a:lvl6pPr marL="2285943" algn="l" defTabSz="914377" rtl="0" eaLnBrk="1" latinLnBrk="0" hangingPunct="1">
-              <a:defRPr sz="1800" kern="1200">
-                <a:solidFill>
-                  <a:schemeClr val="lt1"/>
-                </a:solidFill>
-                <a:latin typeface="+mn-lt"/>
-                <a:ea typeface="+mn-ea"/>
-                <a:cs typeface="+mn-cs"/>
-              </a:defRPr>
-            </a:lvl6pPr>
-            <a:lvl7pPr marL="2743131" algn="l" defTabSz="914377" rtl="0" eaLnBrk="1" latinLnBrk="0" hangingPunct="1">
-              <a:defRPr sz="1800" kern="1200">
-                <a:solidFill>
-                  <a:schemeClr val="lt1"/>
-                </a:solidFill>
-                <a:latin typeface="+mn-lt"/>
-                <a:ea typeface="+mn-ea"/>
-                <a:cs typeface="+mn-cs"/>
-              </a:defRPr>
-            </a:lvl7pPr>
-            <a:lvl8pPr marL="3200320" algn="l" defTabSz="914377" rtl="0" eaLnBrk="1" latinLnBrk="0" hangingPunct="1">
-              <a:defRPr sz="1800" kern="1200">
-                <a:solidFill>
-                  <a:schemeClr val="lt1"/>
-                </a:solidFill>
-                <a:latin typeface="+mn-lt"/>
-                <a:ea typeface="+mn-ea"/>
-                <a:cs typeface="+mn-cs"/>
-              </a:defRPr>
-            </a:lvl8pPr>
-            <a:lvl9pPr marL="3657509" algn="l" defTabSz="914377" rtl="0" eaLnBrk="1" latinLnBrk="0" hangingPunct="1">
-              <a:defRPr sz="1800" kern="1200">
-                <a:solidFill>
-                  <a:schemeClr val="lt1"/>
-                </a:solidFill>
-                <a:latin typeface="+mn-lt"/>
-                <a:ea typeface="+mn-ea"/>
-                <a:cs typeface="+mn-cs"/>
-              </a:defRPr>
-            </a:lvl9pPr>
-          </a:lstStyle>
-          <a:p>
-            <a:pPr algn="ctr"/>
-            <a:r>
-              <a:rPr lang="en-US" sz="1200" dirty="0" err="1">
-                <a:solidFill>
-                  <a:schemeClr val="bg1"/>
-                </a:solidFill>
-              </a:rPr>
-              <a:t>ui_drawing.h</a:t>
-            </a:r>
-            <a:endParaRPr lang="en-US" sz="1200" dirty="0">
-              <a:solidFill>
-                <a:schemeClr val="bg1"/>
-              </a:solidFill>
-            </a:endParaRPr>
-          </a:p>
-        </p:txBody>
-      </p:sp>
-      <p:sp>
-        <p:nvSpPr>
-          <p:cNvPr id="21" name="Rounded Rectangle 20">
-            <a:extLst>
-              <a:ext uri="{FF2B5EF4-FFF2-40B4-BE49-F238E27FC236}">
-                <a16:creationId xmlns:a16="http://schemas.microsoft.com/office/drawing/2014/main" id="{7434EAEF-0DC6-4D56-8FDB-667CD52CF390}"/>
-              </a:ext>
-            </a:extLst>
-          </p:cNvPr>
-          <p:cNvSpPr/>
-          <p:nvPr/>
-        </p:nvSpPr>
-        <p:spPr>
-          <a:xfrm>
-            <a:off x="4502350" y="2314371"/>
-            <a:ext cx="1280160" cy="288000"/>
-          </a:xfrm>
-          <a:prstGeom prst="roundRect">
-            <a:avLst/>
-          </a:prstGeom>
-          <a:solidFill>
-            <a:srgbClr val="00AEC7"/>
-          </a:solidFill>
-          <a:ln>
-            <a:noFill/>
-          </a:ln>
-        </p:spPr>
-        <p:style>
-          <a:lnRef idx="2">
-            <a:schemeClr val="accent1">
-              <a:shade val="50000"/>
-            </a:schemeClr>
-          </a:lnRef>
-          <a:fillRef idx="1">
-            <a:schemeClr val="accent1"/>
-          </a:fillRef>
-          <a:effectRef idx="0">
-            <a:schemeClr val="accent1"/>
-          </a:effectRef>
-          <a:fontRef idx="minor">
-            <a:schemeClr val="lt1"/>
-          </a:fontRef>
-        </p:style>
-        <p:txBody>
-          <a:bodyPr rtlCol="0" anchor="ctr"/>
-          <a:lstStyle>
-            <a:defPPr>
-              <a:defRPr lang="en-US"/>
-            </a:defPPr>
-            <a:lvl1pPr marL="0" algn="l" defTabSz="914377" rtl="0" eaLnBrk="1" latinLnBrk="0" hangingPunct="1">
-              <a:defRPr sz="1800" kern="1200">
-                <a:solidFill>
-                  <a:schemeClr val="lt1"/>
-                </a:solidFill>
-                <a:latin typeface="+mn-lt"/>
-                <a:ea typeface="+mn-ea"/>
-                <a:cs typeface="+mn-cs"/>
-              </a:defRPr>
-            </a:lvl1pPr>
-            <a:lvl2pPr marL="457189" algn="l" defTabSz="914377" rtl="0" eaLnBrk="1" latinLnBrk="0" hangingPunct="1">
-              <a:defRPr sz="1800" kern="1200">
-                <a:solidFill>
-                  <a:schemeClr val="lt1"/>
-                </a:solidFill>
-                <a:latin typeface="+mn-lt"/>
-                <a:ea typeface="+mn-ea"/>
-                <a:cs typeface="+mn-cs"/>
-              </a:defRPr>
-            </a:lvl2pPr>
-            <a:lvl3pPr marL="914377" algn="l" defTabSz="914377" rtl="0" eaLnBrk="1" latinLnBrk="0" hangingPunct="1">
-              <a:defRPr sz="1800" kern="1200">
-                <a:solidFill>
-                  <a:schemeClr val="lt1"/>
-                </a:solidFill>
-                <a:latin typeface="+mn-lt"/>
-                <a:ea typeface="+mn-ea"/>
-                <a:cs typeface="+mn-cs"/>
-              </a:defRPr>
-            </a:lvl3pPr>
-            <a:lvl4pPr marL="1371566" algn="l" defTabSz="914377" rtl="0" eaLnBrk="1" latinLnBrk="0" hangingPunct="1">
-              <a:defRPr sz="1800" kern="1200">
-                <a:solidFill>
-                  <a:schemeClr val="lt1"/>
-                </a:solidFill>
-                <a:latin typeface="+mn-lt"/>
-                <a:ea typeface="+mn-ea"/>
-                <a:cs typeface="+mn-cs"/>
-              </a:defRPr>
-            </a:lvl4pPr>
-            <a:lvl5pPr marL="1828754" algn="l" defTabSz="914377" rtl="0" eaLnBrk="1" latinLnBrk="0" hangingPunct="1">
-              <a:defRPr sz="1800" kern="1200">
-                <a:solidFill>
-                  <a:schemeClr val="lt1"/>
-                </a:solidFill>
-                <a:latin typeface="+mn-lt"/>
-                <a:ea typeface="+mn-ea"/>
-                <a:cs typeface="+mn-cs"/>
-              </a:defRPr>
-            </a:lvl5pPr>
-            <a:lvl6pPr marL="2285943" algn="l" defTabSz="914377" rtl="0" eaLnBrk="1" latinLnBrk="0" hangingPunct="1">
-              <a:defRPr sz="1800" kern="1200">
-                <a:solidFill>
-                  <a:schemeClr val="lt1"/>
-                </a:solidFill>
-                <a:latin typeface="+mn-lt"/>
-                <a:ea typeface="+mn-ea"/>
-                <a:cs typeface="+mn-cs"/>
-              </a:defRPr>
-            </a:lvl6pPr>
-            <a:lvl7pPr marL="2743131" algn="l" defTabSz="914377" rtl="0" eaLnBrk="1" latinLnBrk="0" hangingPunct="1">
-              <a:defRPr sz="1800" kern="1200">
-                <a:solidFill>
-                  <a:schemeClr val="lt1"/>
-                </a:solidFill>
-                <a:latin typeface="+mn-lt"/>
-                <a:ea typeface="+mn-ea"/>
-                <a:cs typeface="+mn-cs"/>
-              </a:defRPr>
-            </a:lvl7pPr>
-            <a:lvl8pPr marL="3200320" algn="l" defTabSz="914377" rtl="0" eaLnBrk="1" latinLnBrk="0" hangingPunct="1">
-              <a:defRPr sz="1800" kern="1200">
-                <a:solidFill>
-                  <a:schemeClr val="lt1"/>
-                </a:solidFill>
-                <a:latin typeface="+mn-lt"/>
-                <a:ea typeface="+mn-ea"/>
-                <a:cs typeface="+mn-cs"/>
-              </a:defRPr>
-            </a:lvl8pPr>
-            <a:lvl9pPr marL="3657509" algn="l" defTabSz="914377" rtl="0" eaLnBrk="1" latinLnBrk="0" hangingPunct="1">
-              <a:defRPr sz="1800" kern="1200">
-                <a:solidFill>
-                  <a:schemeClr val="lt1"/>
-                </a:solidFill>
-                <a:latin typeface="+mn-lt"/>
-                <a:ea typeface="+mn-ea"/>
-                <a:cs typeface="+mn-cs"/>
-              </a:defRPr>
-            </a:lvl9pPr>
-          </a:lstStyle>
-          <a:p>
-            <a:pPr algn="ctr"/>
-            <a:r>
-              <a:rPr lang="en-US" sz="1100" dirty="0" err="1">
-                <a:solidFill>
-                  <a:schemeClr val="bg1"/>
-                </a:solidFill>
-              </a:rPr>
-              <a:t>ui_drawing_soft.h</a:t>
-            </a:r>
-            <a:endParaRPr lang="en-US" sz="1100" dirty="0">
-              <a:solidFill>
-                <a:schemeClr val="bg1"/>
-              </a:solidFill>
-            </a:endParaRPr>
-          </a:p>
-        </p:txBody>
-      </p:sp>
-      <p:sp>
-        <p:nvSpPr>
-          <p:cNvPr id="23" name="Rectangle 22">
-            <a:extLst>
-              <a:ext uri="{FF2B5EF4-FFF2-40B4-BE49-F238E27FC236}">
-                <a16:creationId xmlns:a16="http://schemas.microsoft.com/office/drawing/2014/main" id="{B64FAF90-B7D6-48CD-AB2A-C5DC2F661945}"/>
-              </a:ext>
-            </a:extLst>
-          </p:cNvPr>
-          <p:cNvSpPr/>
-          <p:nvPr/>
-        </p:nvSpPr>
-        <p:spPr>
-          <a:xfrm>
-            <a:off x="281584" y="3205278"/>
-            <a:ext cx="3328283" cy="276999"/>
-          </a:xfrm>
-          <a:prstGeom prst="rect">
-            <a:avLst/>
-          </a:prstGeom>
-        </p:spPr>
-        <p:txBody>
-          <a:bodyPr wrap="none">
-            <a:spAutoFit/>
-          </a:bodyPr>
-          <a:lstStyle/>
-          <a:p>
-            <a:pPr algn="ctr"/>
-            <a:r>
-              <a:rPr lang="en-US" sz="1200" dirty="0"/>
-              <a:t>CCO - </a:t>
-            </a:r>
-            <a:r>
-              <a:rPr lang="en-US" sz="1200" dirty="0" err="1"/>
-              <a:t>com.microej.clibrary.llimpl#microui-drawings</a:t>
-            </a:r>
-            <a:endParaRPr lang="en-US" sz="1200" dirty="0"/>
-          </a:p>
-        </p:txBody>
-      </p:sp>
-      <p:sp>
-        <p:nvSpPr>
-          <p:cNvPr id="25" name="Rounded Rectangle 29">
-            <a:extLst>
-              <a:ext uri="{FF2B5EF4-FFF2-40B4-BE49-F238E27FC236}">
-                <a16:creationId xmlns:a16="http://schemas.microsoft.com/office/drawing/2014/main" id="{6B4FEE64-729E-466E-949E-C24D6C2654B7}"/>
-              </a:ext>
-            </a:extLst>
-          </p:cNvPr>
-          <p:cNvSpPr/>
-          <p:nvPr/>
-        </p:nvSpPr>
-        <p:spPr>
-          <a:xfrm>
-            <a:off x="7348238" y="2823761"/>
-            <a:ext cx="1645920" cy="288000"/>
-          </a:xfrm>
-          <a:prstGeom prst="roundRect">
-            <a:avLst/>
-          </a:prstGeom>
-          <a:solidFill>
-            <a:srgbClr val="00AEC7"/>
-          </a:solidFill>
-          <a:ln>
-            <a:noFill/>
-          </a:ln>
-        </p:spPr>
-        <p:style>
-          <a:lnRef idx="2">
-            <a:schemeClr val="accent1">
-              <a:shade val="50000"/>
-            </a:schemeClr>
-          </a:lnRef>
-          <a:fillRef idx="1">
-            <a:schemeClr val="accent1"/>
-          </a:fillRef>
-          <a:effectRef idx="0">
-            <a:schemeClr val="accent1"/>
-          </a:effectRef>
-          <a:fontRef idx="minor">
-            <a:schemeClr val="lt1"/>
-          </a:fontRef>
-        </p:style>
-        <p:txBody>
-          <a:bodyPr rtlCol="0" anchor="ctr"/>
-          <a:lstStyle>
-            <a:defPPr>
-              <a:defRPr lang="en-US"/>
-            </a:defPPr>
-            <a:lvl1pPr marL="0" algn="l" defTabSz="914377" rtl="0" eaLnBrk="1" latinLnBrk="0" hangingPunct="1">
-              <a:defRPr sz="1800" kern="1200">
-                <a:solidFill>
-                  <a:schemeClr val="lt1"/>
-                </a:solidFill>
-                <a:latin typeface="+mn-lt"/>
-                <a:ea typeface="+mn-ea"/>
-                <a:cs typeface="+mn-cs"/>
-              </a:defRPr>
-            </a:lvl1pPr>
-            <a:lvl2pPr marL="457189" algn="l" defTabSz="914377" rtl="0" eaLnBrk="1" latinLnBrk="0" hangingPunct="1">
-              <a:defRPr sz="1800" kern="1200">
-                <a:solidFill>
-                  <a:schemeClr val="lt1"/>
-                </a:solidFill>
-                <a:latin typeface="+mn-lt"/>
-                <a:ea typeface="+mn-ea"/>
-                <a:cs typeface="+mn-cs"/>
-              </a:defRPr>
-            </a:lvl2pPr>
-            <a:lvl3pPr marL="914377" algn="l" defTabSz="914377" rtl="0" eaLnBrk="1" latinLnBrk="0" hangingPunct="1">
-              <a:defRPr sz="1800" kern="1200">
-                <a:solidFill>
-                  <a:schemeClr val="lt1"/>
-                </a:solidFill>
-                <a:latin typeface="+mn-lt"/>
-                <a:ea typeface="+mn-ea"/>
-                <a:cs typeface="+mn-cs"/>
-              </a:defRPr>
-            </a:lvl3pPr>
-            <a:lvl4pPr marL="1371566" algn="l" defTabSz="914377" rtl="0" eaLnBrk="1" latinLnBrk="0" hangingPunct="1">
-              <a:defRPr sz="1800" kern="1200">
-                <a:solidFill>
-                  <a:schemeClr val="lt1"/>
-                </a:solidFill>
-                <a:latin typeface="+mn-lt"/>
-                <a:ea typeface="+mn-ea"/>
-                <a:cs typeface="+mn-cs"/>
-              </a:defRPr>
-            </a:lvl4pPr>
-            <a:lvl5pPr marL="1828754" algn="l" defTabSz="914377" rtl="0" eaLnBrk="1" latinLnBrk="0" hangingPunct="1">
-              <a:defRPr sz="1800" kern="1200">
-                <a:solidFill>
-                  <a:schemeClr val="lt1"/>
-                </a:solidFill>
-                <a:latin typeface="+mn-lt"/>
-                <a:ea typeface="+mn-ea"/>
-                <a:cs typeface="+mn-cs"/>
-              </a:defRPr>
-            </a:lvl5pPr>
-            <a:lvl6pPr marL="2285943" algn="l" defTabSz="914377" rtl="0" eaLnBrk="1" latinLnBrk="0" hangingPunct="1">
-              <a:defRPr sz="1800" kern="1200">
-                <a:solidFill>
-                  <a:schemeClr val="lt1"/>
-                </a:solidFill>
-                <a:latin typeface="+mn-lt"/>
-                <a:ea typeface="+mn-ea"/>
-                <a:cs typeface="+mn-cs"/>
-              </a:defRPr>
-            </a:lvl6pPr>
-            <a:lvl7pPr marL="2743131" algn="l" defTabSz="914377" rtl="0" eaLnBrk="1" latinLnBrk="0" hangingPunct="1">
-              <a:defRPr sz="1800" kern="1200">
-                <a:solidFill>
-                  <a:schemeClr val="lt1"/>
-                </a:solidFill>
-                <a:latin typeface="+mn-lt"/>
-                <a:ea typeface="+mn-ea"/>
-                <a:cs typeface="+mn-cs"/>
-              </a:defRPr>
-            </a:lvl7pPr>
-            <a:lvl8pPr marL="3200320" algn="l" defTabSz="914377" rtl="0" eaLnBrk="1" latinLnBrk="0" hangingPunct="1">
-              <a:defRPr sz="1800" kern="1200">
-                <a:solidFill>
-                  <a:schemeClr val="lt1"/>
-                </a:solidFill>
-                <a:latin typeface="+mn-lt"/>
-                <a:ea typeface="+mn-ea"/>
-                <a:cs typeface="+mn-cs"/>
-              </a:defRPr>
-            </a:lvl8pPr>
-            <a:lvl9pPr marL="3657509" algn="l" defTabSz="914377" rtl="0" eaLnBrk="1" latinLnBrk="0" hangingPunct="1">
-              <a:defRPr sz="1800" kern="1200">
-                <a:solidFill>
-                  <a:schemeClr val="lt1"/>
-                </a:solidFill>
-                <a:latin typeface="+mn-lt"/>
-                <a:ea typeface="+mn-ea"/>
-                <a:cs typeface="+mn-cs"/>
-              </a:defRPr>
-            </a:lvl9pPr>
-          </a:lstStyle>
-          <a:p>
-            <a:pPr algn="ctr"/>
-            <a:r>
-              <a:rPr lang="en-US" sz="1200" dirty="0" err="1">
-                <a:solidFill>
-                  <a:schemeClr val="bg1"/>
-                </a:solidFill>
-              </a:rPr>
-              <a:t>LLUI_PAINTER_impl.c</a:t>
-            </a:r>
-            <a:endParaRPr lang="en-US" sz="1200" dirty="0">
-              <a:solidFill>
-                <a:schemeClr val="bg1"/>
-              </a:solidFill>
-            </a:endParaRPr>
-          </a:p>
-        </p:txBody>
-      </p:sp>
-      <p:sp>
-        <p:nvSpPr>
-          <p:cNvPr id="27" name="Rounded Rectangle 31">
-            <a:extLst>
-              <a:ext uri="{FF2B5EF4-FFF2-40B4-BE49-F238E27FC236}">
-                <a16:creationId xmlns:a16="http://schemas.microsoft.com/office/drawing/2014/main" id="{C735D29A-CCB8-497C-AB88-7FF4DDC0A405}"/>
-              </a:ext>
-            </a:extLst>
-          </p:cNvPr>
-          <p:cNvSpPr/>
-          <p:nvPr/>
-        </p:nvSpPr>
-        <p:spPr>
-          <a:xfrm>
-            <a:off x="2602770" y="2336991"/>
-            <a:ext cx="1645920" cy="288000"/>
-          </a:xfrm>
-          <a:prstGeom prst="roundRect">
-            <a:avLst/>
-          </a:prstGeom>
-          <a:solidFill>
-            <a:srgbClr val="00AEC7"/>
-          </a:solidFill>
-          <a:ln>
-            <a:noFill/>
-          </a:ln>
-        </p:spPr>
-        <p:style>
-          <a:lnRef idx="2">
-            <a:schemeClr val="accent1">
-              <a:shade val="50000"/>
-            </a:schemeClr>
-          </a:lnRef>
-          <a:fillRef idx="1">
-            <a:schemeClr val="accent1"/>
-          </a:fillRef>
-          <a:effectRef idx="0">
-            <a:schemeClr val="accent1"/>
-          </a:effectRef>
-          <a:fontRef idx="minor">
-            <a:schemeClr val="lt1"/>
-          </a:fontRef>
-        </p:style>
-        <p:txBody>
-          <a:bodyPr rtlCol="0" anchor="ctr"/>
-          <a:lstStyle>
-            <a:defPPr>
-              <a:defRPr lang="en-US"/>
-            </a:defPPr>
-            <a:lvl1pPr marL="0" algn="l" defTabSz="914377" rtl="0" eaLnBrk="1" latinLnBrk="0" hangingPunct="1">
-              <a:defRPr sz="1800" kern="1200">
-                <a:solidFill>
-                  <a:schemeClr val="lt1"/>
-                </a:solidFill>
-                <a:latin typeface="+mn-lt"/>
-                <a:ea typeface="+mn-ea"/>
-                <a:cs typeface="+mn-cs"/>
-              </a:defRPr>
-            </a:lvl1pPr>
-            <a:lvl2pPr marL="457189" algn="l" defTabSz="914377" rtl="0" eaLnBrk="1" latinLnBrk="0" hangingPunct="1">
-              <a:defRPr sz="1800" kern="1200">
-                <a:solidFill>
-                  <a:schemeClr val="lt1"/>
-                </a:solidFill>
-                <a:latin typeface="+mn-lt"/>
-                <a:ea typeface="+mn-ea"/>
-                <a:cs typeface="+mn-cs"/>
-              </a:defRPr>
-            </a:lvl2pPr>
-            <a:lvl3pPr marL="914377" algn="l" defTabSz="914377" rtl="0" eaLnBrk="1" latinLnBrk="0" hangingPunct="1">
-              <a:defRPr sz="1800" kern="1200">
-                <a:solidFill>
-                  <a:schemeClr val="lt1"/>
-                </a:solidFill>
-                <a:latin typeface="+mn-lt"/>
-                <a:ea typeface="+mn-ea"/>
-                <a:cs typeface="+mn-cs"/>
-              </a:defRPr>
-            </a:lvl3pPr>
-            <a:lvl4pPr marL="1371566" algn="l" defTabSz="914377" rtl="0" eaLnBrk="1" latinLnBrk="0" hangingPunct="1">
-              <a:defRPr sz="1800" kern="1200">
-                <a:solidFill>
-                  <a:schemeClr val="lt1"/>
-                </a:solidFill>
-                <a:latin typeface="+mn-lt"/>
-                <a:ea typeface="+mn-ea"/>
-                <a:cs typeface="+mn-cs"/>
-              </a:defRPr>
-            </a:lvl4pPr>
-            <a:lvl5pPr marL="1828754" algn="l" defTabSz="914377" rtl="0" eaLnBrk="1" latinLnBrk="0" hangingPunct="1">
-              <a:defRPr sz="1800" kern="1200">
-                <a:solidFill>
-                  <a:schemeClr val="lt1"/>
-                </a:solidFill>
-                <a:latin typeface="+mn-lt"/>
-                <a:ea typeface="+mn-ea"/>
-                <a:cs typeface="+mn-cs"/>
-              </a:defRPr>
-            </a:lvl5pPr>
-            <a:lvl6pPr marL="2285943" algn="l" defTabSz="914377" rtl="0" eaLnBrk="1" latinLnBrk="0" hangingPunct="1">
-              <a:defRPr sz="1800" kern="1200">
-                <a:solidFill>
-                  <a:schemeClr val="lt1"/>
-                </a:solidFill>
-                <a:latin typeface="+mn-lt"/>
-                <a:ea typeface="+mn-ea"/>
-                <a:cs typeface="+mn-cs"/>
-              </a:defRPr>
-            </a:lvl6pPr>
-            <a:lvl7pPr marL="2743131" algn="l" defTabSz="914377" rtl="0" eaLnBrk="1" latinLnBrk="0" hangingPunct="1">
-              <a:defRPr sz="1800" kern="1200">
-                <a:solidFill>
-                  <a:schemeClr val="lt1"/>
-                </a:solidFill>
-                <a:latin typeface="+mn-lt"/>
-                <a:ea typeface="+mn-ea"/>
-                <a:cs typeface="+mn-cs"/>
-              </a:defRPr>
-            </a:lvl7pPr>
-            <a:lvl8pPr marL="3200320" algn="l" defTabSz="914377" rtl="0" eaLnBrk="1" latinLnBrk="0" hangingPunct="1">
-              <a:defRPr sz="1800" kern="1200">
-                <a:solidFill>
-                  <a:schemeClr val="lt1"/>
-                </a:solidFill>
-                <a:latin typeface="+mn-lt"/>
-                <a:ea typeface="+mn-ea"/>
-                <a:cs typeface="+mn-cs"/>
-              </a:defRPr>
-            </a:lvl8pPr>
-            <a:lvl9pPr marL="3657509" algn="l" defTabSz="914377" rtl="0" eaLnBrk="1" latinLnBrk="0" hangingPunct="1">
-              <a:defRPr sz="1800" kern="1200">
-                <a:solidFill>
-                  <a:schemeClr val="lt1"/>
-                </a:solidFill>
-                <a:latin typeface="+mn-lt"/>
-                <a:ea typeface="+mn-ea"/>
-                <a:cs typeface="+mn-cs"/>
-              </a:defRPr>
-            </a:lvl9pPr>
-          </a:lstStyle>
-          <a:p>
-            <a:pPr algn="ctr"/>
-            <a:r>
-              <a:rPr lang="en-US" sz="1200" dirty="0" err="1">
-                <a:solidFill>
-                  <a:schemeClr val="bg1"/>
-                </a:solidFill>
-              </a:rPr>
-              <a:t>LLUI_DISPLAY.h</a:t>
-            </a:r>
-            <a:endParaRPr lang="en-US" sz="1200" dirty="0">
-              <a:solidFill>
-                <a:schemeClr val="bg1"/>
-              </a:solidFill>
-            </a:endParaRPr>
-          </a:p>
-        </p:txBody>
-      </p:sp>
-      <p:sp>
-        <p:nvSpPr>
-          <p:cNvPr id="35" name="Rounded Rectangle 40">
-            <a:extLst>
-              <a:ext uri="{FF2B5EF4-FFF2-40B4-BE49-F238E27FC236}">
-                <a16:creationId xmlns:a16="http://schemas.microsoft.com/office/drawing/2014/main" id="{C89B4220-B9E4-487B-BBBE-B403464AA876}"/>
-              </a:ext>
-            </a:extLst>
-          </p:cNvPr>
-          <p:cNvSpPr/>
-          <p:nvPr/>
-        </p:nvSpPr>
-        <p:spPr>
-          <a:xfrm>
-            <a:off x="9082255" y="2858626"/>
-            <a:ext cx="1645920" cy="288000"/>
-          </a:xfrm>
-          <a:prstGeom prst="roundRect">
-            <a:avLst/>
-          </a:prstGeom>
-          <a:solidFill>
-            <a:srgbClr val="00AEC7"/>
-          </a:solidFill>
-          <a:ln>
-            <a:noFill/>
-          </a:ln>
-        </p:spPr>
-        <p:style>
-          <a:lnRef idx="2">
-            <a:schemeClr val="accent1">
-              <a:shade val="50000"/>
-            </a:schemeClr>
-          </a:lnRef>
-          <a:fillRef idx="1">
-            <a:schemeClr val="accent1"/>
-          </a:fillRef>
-          <a:effectRef idx="0">
-            <a:schemeClr val="accent1"/>
-          </a:effectRef>
-          <a:fontRef idx="minor">
-            <a:schemeClr val="lt1"/>
-          </a:fontRef>
-        </p:style>
-        <p:txBody>
-          <a:bodyPr rtlCol="0" anchor="ctr"/>
-          <a:lstStyle>
-            <a:defPPr>
-              <a:defRPr lang="en-US"/>
-            </a:defPPr>
-            <a:lvl1pPr marL="0" algn="l" defTabSz="914377" rtl="0" eaLnBrk="1" latinLnBrk="0" hangingPunct="1">
-              <a:defRPr sz="1800" kern="1200">
-                <a:solidFill>
-                  <a:schemeClr val="lt1"/>
-                </a:solidFill>
-                <a:latin typeface="+mn-lt"/>
-                <a:ea typeface="+mn-ea"/>
-                <a:cs typeface="+mn-cs"/>
-              </a:defRPr>
-            </a:lvl1pPr>
-            <a:lvl2pPr marL="457189" algn="l" defTabSz="914377" rtl="0" eaLnBrk="1" latinLnBrk="0" hangingPunct="1">
-              <a:defRPr sz="1800" kern="1200">
-                <a:solidFill>
-                  <a:schemeClr val="lt1"/>
-                </a:solidFill>
-                <a:latin typeface="+mn-lt"/>
-                <a:ea typeface="+mn-ea"/>
-                <a:cs typeface="+mn-cs"/>
-              </a:defRPr>
-            </a:lvl2pPr>
-            <a:lvl3pPr marL="914377" algn="l" defTabSz="914377" rtl="0" eaLnBrk="1" latinLnBrk="0" hangingPunct="1">
-              <a:defRPr sz="1800" kern="1200">
-                <a:solidFill>
-                  <a:schemeClr val="lt1"/>
-                </a:solidFill>
-                <a:latin typeface="+mn-lt"/>
-                <a:ea typeface="+mn-ea"/>
-                <a:cs typeface="+mn-cs"/>
-              </a:defRPr>
-            </a:lvl3pPr>
-            <a:lvl4pPr marL="1371566" algn="l" defTabSz="914377" rtl="0" eaLnBrk="1" latinLnBrk="0" hangingPunct="1">
-              <a:defRPr sz="1800" kern="1200">
-                <a:solidFill>
-                  <a:schemeClr val="lt1"/>
-                </a:solidFill>
-                <a:latin typeface="+mn-lt"/>
-                <a:ea typeface="+mn-ea"/>
-                <a:cs typeface="+mn-cs"/>
-              </a:defRPr>
-            </a:lvl4pPr>
-            <a:lvl5pPr marL="1828754" algn="l" defTabSz="914377" rtl="0" eaLnBrk="1" latinLnBrk="0" hangingPunct="1">
-              <a:defRPr sz="1800" kern="1200">
-                <a:solidFill>
-                  <a:schemeClr val="lt1"/>
-                </a:solidFill>
-                <a:latin typeface="+mn-lt"/>
-                <a:ea typeface="+mn-ea"/>
-                <a:cs typeface="+mn-cs"/>
-              </a:defRPr>
-            </a:lvl5pPr>
-            <a:lvl6pPr marL="2285943" algn="l" defTabSz="914377" rtl="0" eaLnBrk="1" latinLnBrk="0" hangingPunct="1">
-              <a:defRPr sz="1800" kern="1200">
-                <a:solidFill>
-                  <a:schemeClr val="lt1"/>
-                </a:solidFill>
-                <a:latin typeface="+mn-lt"/>
-                <a:ea typeface="+mn-ea"/>
-                <a:cs typeface="+mn-cs"/>
-              </a:defRPr>
-            </a:lvl6pPr>
-            <a:lvl7pPr marL="2743131" algn="l" defTabSz="914377" rtl="0" eaLnBrk="1" latinLnBrk="0" hangingPunct="1">
-              <a:defRPr sz="1800" kern="1200">
-                <a:solidFill>
-                  <a:schemeClr val="lt1"/>
-                </a:solidFill>
-                <a:latin typeface="+mn-lt"/>
-                <a:ea typeface="+mn-ea"/>
-                <a:cs typeface="+mn-cs"/>
-              </a:defRPr>
-            </a:lvl7pPr>
-            <a:lvl8pPr marL="3200320" algn="l" defTabSz="914377" rtl="0" eaLnBrk="1" latinLnBrk="0" hangingPunct="1">
-              <a:defRPr sz="1800" kern="1200">
-                <a:solidFill>
-                  <a:schemeClr val="lt1"/>
-                </a:solidFill>
-                <a:latin typeface="+mn-lt"/>
-                <a:ea typeface="+mn-ea"/>
-                <a:cs typeface="+mn-cs"/>
-              </a:defRPr>
-            </a:lvl8pPr>
-            <a:lvl9pPr marL="3657509" algn="l" defTabSz="914377" rtl="0" eaLnBrk="1" latinLnBrk="0" hangingPunct="1">
-              <a:defRPr sz="1800" kern="1200">
-                <a:solidFill>
-                  <a:schemeClr val="lt1"/>
-                </a:solidFill>
-                <a:latin typeface="+mn-lt"/>
-                <a:ea typeface="+mn-ea"/>
-                <a:cs typeface="+mn-cs"/>
-              </a:defRPr>
-            </a:lvl9pPr>
-          </a:lstStyle>
-          <a:p>
-            <a:pPr algn="ctr"/>
-            <a:r>
-              <a:rPr lang="en-US" sz="1200" dirty="0" err="1">
-                <a:solidFill>
-                  <a:schemeClr val="bg1"/>
-                </a:solidFill>
-              </a:rPr>
-              <a:t>LLDW_PAINTER_impl.c</a:t>
-            </a:r>
-            <a:endParaRPr lang="en-US" sz="1200" dirty="0">
-              <a:solidFill>
-                <a:schemeClr val="bg1"/>
-              </a:solidFill>
-            </a:endParaRPr>
-          </a:p>
-        </p:txBody>
-      </p:sp>
-      <p:sp>
-        <p:nvSpPr>
-          <p:cNvPr id="37" name="Rounded Rectangle 41">
-            <a:extLst>
-              <a:ext uri="{FF2B5EF4-FFF2-40B4-BE49-F238E27FC236}">
-                <a16:creationId xmlns:a16="http://schemas.microsoft.com/office/drawing/2014/main" id="{26A72297-D3A0-45D8-A817-12CE5A38DA98}"/>
-              </a:ext>
-            </a:extLst>
-          </p:cNvPr>
-          <p:cNvSpPr/>
-          <p:nvPr/>
-        </p:nvSpPr>
-        <p:spPr>
-          <a:xfrm>
-            <a:off x="9177434" y="793650"/>
-            <a:ext cx="1645920" cy="288000"/>
-          </a:xfrm>
-          <a:prstGeom prst="roundRect">
-            <a:avLst/>
-          </a:prstGeom>
-          <a:solidFill>
-            <a:schemeClr val="bg2">
-              <a:lumMod val="90000"/>
-            </a:schemeClr>
-          </a:solidFill>
-          <a:ln>
-            <a:noFill/>
-          </a:ln>
-        </p:spPr>
-        <p:style>
-          <a:lnRef idx="2">
-            <a:schemeClr val="accent1">
-              <a:shade val="50000"/>
-            </a:schemeClr>
-          </a:lnRef>
-          <a:fillRef idx="1">
-            <a:schemeClr val="accent1"/>
-          </a:fillRef>
-          <a:effectRef idx="0">
-            <a:schemeClr val="accent1"/>
-          </a:effectRef>
-          <a:fontRef idx="minor">
-            <a:schemeClr val="lt1"/>
-          </a:fontRef>
-        </p:style>
-        <p:txBody>
-          <a:bodyPr rtlCol="0" anchor="ctr"/>
-          <a:lstStyle>
-            <a:defPPr>
-              <a:defRPr lang="en-US"/>
-            </a:defPPr>
-            <a:lvl1pPr marL="0" algn="l" defTabSz="914377" rtl="0" eaLnBrk="1" latinLnBrk="0" hangingPunct="1">
-              <a:defRPr sz="1800" kern="1200">
-                <a:solidFill>
-                  <a:schemeClr val="lt1"/>
-                </a:solidFill>
-                <a:latin typeface="+mn-lt"/>
-                <a:ea typeface="+mn-ea"/>
-                <a:cs typeface="+mn-cs"/>
-              </a:defRPr>
-            </a:lvl1pPr>
-            <a:lvl2pPr marL="457189" algn="l" defTabSz="914377" rtl="0" eaLnBrk="1" latinLnBrk="0" hangingPunct="1">
-              <a:defRPr sz="1800" kern="1200">
-                <a:solidFill>
-                  <a:schemeClr val="lt1"/>
-                </a:solidFill>
-                <a:latin typeface="+mn-lt"/>
-                <a:ea typeface="+mn-ea"/>
-                <a:cs typeface="+mn-cs"/>
-              </a:defRPr>
-            </a:lvl2pPr>
-            <a:lvl3pPr marL="914377" algn="l" defTabSz="914377" rtl="0" eaLnBrk="1" latinLnBrk="0" hangingPunct="1">
-              <a:defRPr sz="1800" kern="1200">
-                <a:solidFill>
-                  <a:schemeClr val="lt1"/>
-                </a:solidFill>
-                <a:latin typeface="+mn-lt"/>
-                <a:ea typeface="+mn-ea"/>
-                <a:cs typeface="+mn-cs"/>
-              </a:defRPr>
-            </a:lvl3pPr>
-            <a:lvl4pPr marL="1371566" algn="l" defTabSz="914377" rtl="0" eaLnBrk="1" latinLnBrk="0" hangingPunct="1">
-              <a:defRPr sz="1800" kern="1200">
-                <a:solidFill>
-                  <a:schemeClr val="lt1"/>
-                </a:solidFill>
-                <a:latin typeface="+mn-lt"/>
-                <a:ea typeface="+mn-ea"/>
-                <a:cs typeface="+mn-cs"/>
-              </a:defRPr>
-            </a:lvl4pPr>
-            <a:lvl5pPr marL="1828754" algn="l" defTabSz="914377" rtl="0" eaLnBrk="1" latinLnBrk="0" hangingPunct="1">
-              <a:defRPr sz="1800" kern="1200">
-                <a:solidFill>
-                  <a:schemeClr val="lt1"/>
-                </a:solidFill>
-                <a:latin typeface="+mn-lt"/>
-                <a:ea typeface="+mn-ea"/>
-                <a:cs typeface="+mn-cs"/>
-              </a:defRPr>
-            </a:lvl5pPr>
-            <a:lvl6pPr marL="2285943" algn="l" defTabSz="914377" rtl="0" eaLnBrk="1" latinLnBrk="0" hangingPunct="1">
-              <a:defRPr sz="1800" kern="1200">
-                <a:solidFill>
-                  <a:schemeClr val="lt1"/>
-                </a:solidFill>
-                <a:latin typeface="+mn-lt"/>
-                <a:ea typeface="+mn-ea"/>
-                <a:cs typeface="+mn-cs"/>
-              </a:defRPr>
-            </a:lvl6pPr>
-            <a:lvl7pPr marL="2743131" algn="l" defTabSz="914377" rtl="0" eaLnBrk="1" latinLnBrk="0" hangingPunct="1">
-              <a:defRPr sz="1800" kern="1200">
-                <a:solidFill>
-                  <a:schemeClr val="lt1"/>
-                </a:solidFill>
-                <a:latin typeface="+mn-lt"/>
-                <a:ea typeface="+mn-ea"/>
-                <a:cs typeface="+mn-cs"/>
-              </a:defRPr>
-            </a:lvl7pPr>
-            <a:lvl8pPr marL="3200320" algn="l" defTabSz="914377" rtl="0" eaLnBrk="1" latinLnBrk="0" hangingPunct="1">
-              <a:defRPr sz="1800" kern="1200">
-                <a:solidFill>
-                  <a:schemeClr val="lt1"/>
-                </a:solidFill>
-                <a:latin typeface="+mn-lt"/>
-                <a:ea typeface="+mn-ea"/>
-                <a:cs typeface="+mn-cs"/>
-              </a:defRPr>
-            </a:lvl8pPr>
-            <a:lvl9pPr marL="3657509" algn="l" defTabSz="914377" rtl="0" eaLnBrk="1" latinLnBrk="0" hangingPunct="1">
-              <a:defRPr sz="1800" kern="1200">
-                <a:solidFill>
-                  <a:schemeClr val="lt1"/>
-                </a:solidFill>
-                <a:latin typeface="+mn-lt"/>
-                <a:ea typeface="+mn-ea"/>
-                <a:cs typeface="+mn-cs"/>
-              </a:defRPr>
-            </a:lvl9pPr>
-          </a:lstStyle>
-          <a:p>
-            <a:pPr algn="ctr"/>
-            <a:r>
-              <a:rPr lang="en-US" sz="1200" dirty="0">
-                <a:solidFill>
-                  <a:schemeClr val="tx2"/>
-                </a:solidFill>
-              </a:rPr>
-              <a:t>DRAWING-1.0</a:t>
-            </a:r>
-          </a:p>
-        </p:txBody>
-      </p:sp>
-      <p:sp>
-        <p:nvSpPr>
-          <p:cNvPr id="39" name="Rounded Rectangle 42">
-            <a:extLst>
-              <a:ext uri="{FF2B5EF4-FFF2-40B4-BE49-F238E27FC236}">
-                <a16:creationId xmlns:a16="http://schemas.microsoft.com/office/drawing/2014/main" id="{9A26067F-6975-486A-B9D9-65FE64D32F7D}"/>
-              </a:ext>
-            </a:extLst>
-          </p:cNvPr>
-          <p:cNvSpPr/>
-          <p:nvPr/>
-        </p:nvSpPr>
-        <p:spPr>
-          <a:xfrm>
-            <a:off x="9177434" y="1682138"/>
-            <a:ext cx="1645920" cy="288000"/>
-          </a:xfrm>
-          <a:prstGeom prst="roundRect">
-            <a:avLst/>
-          </a:prstGeom>
-          <a:solidFill>
-            <a:srgbClr val="00AEC7"/>
-          </a:solidFill>
-          <a:ln>
-            <a:noFill/>
-          </a:ln>
-        </p:spPr>
-        <p:style>
-          <a:lnRef idx="2">
-            <a:schemeClr val="accent1">
-              <a:shade val="50000"/>
-            </a:schemeClr>
-          </a:lnRef>
-          <a:fillRef idx="1">
-            <a:schemeClr val="accent1"/>
-          </a:fillRef>
-          <a:effectRef idx="0">
-            <a:schemeClr val="accent1"/>
-          </a:effectRef>
-          <a:fontRef idx="minor">
-            <a:schemeClr val="lt1"/>
-          </a:fontRef>
-        </p:style>
-        <p:txBody>
-          <a:bodyPr rtlCol="0" anchor="ctr"/>
-          <a:lstStyle>
-            <a:defPPr>
-              <a:defRPr lang="en-US"/>
-            </a:defPPr>
-            <a:lvl1pPr marL="0" algn="l" defTabSz="914377" rtl="0" eaLnBrk="1" latinLnBrk="0" hangingPunct="1">
-              <a:defRPr sz="1800" kern="1200">
-                <a:solidFill>
-                  <a:schemeClr val="lt1"/>
-                </a:solidFill>
-                <a:latin typeface="+mn-lt"/>
-                <a:ea typeface="+mn-ea"/>
-                <a:cs typeface="+mn-cs"/>
-              </a:defRPr>
-            </a:lvl1pPr>
-            <a:lvl2pPr marL="457189" algn="l" defTabSz="914377" rtl="0" eaLnBrk="1" latinLnBrk="0" hangingPunct="1">
-              <a:defRPr sz="1800" kern="1200">
-                <a:solidFill>
-                  <a:schemeClr val="lt1"/>
-                </a:solidFill>
-                <a:latin typeface="+mn-lt"/>
-                <a:ea typeface="+mn-ea"/>
-                <a:cs typeface="+mn-cs"/>
-              </a:defRPr>
-            </a:lvl2pPr>
-            <a:lvl3pPr marL="914377" algn="l" defTabSz="914377" rtl="0" eaLnBrk="1" latinLnBrk="0" hangingPunct="1">
-              <a:defRPr sz="1800" kern="1200">
-                <a:solidFill>
-                  <a:schemeClr val="lt1"/>
-                </a:solidFill>
-                <a:latin typeface="+mn-lt"/>
-                <a:ea typeface="+mn-ea"/>
-                <a:cs typeface="+mn-cs"/>
-              </a:defRPr>
-            </a:lvl3pPr>
-            <a:lvl4pPr marL="1371566" algn="l" defTabSz="914377" rtl="0" eaLnBrk="1" latinLnBrk="0" hangingPunct="1">
-              <a:defRPr sz="1800" kern="1200">
-                <a:solidFill>
-                  <a:schemeClr val="lt1"/>
-                </a:solidFill>
-                <a:latin typeface="+mn-lt"/>
-                <a:ea typeface="+mn-ea"/>
-                <a:cs typeface="+mn-cs"/>
-              </a:defRPr>
-            </a:lvl4pPr>
-            <a:lvl5pPr marL="1828754" algn="l" defTabSz="914377" rtl="0" eaLnBrk="1" latinLnBrk="0" hangingPunct="1">
-              <a:defRPr sz="1800" kern="1200">
-                <a:solidFill>
-                  <a:schemeClr val="lt1"/>
-                </a:solidFill>
-                <a:latin typeface="+mn-lt"/>
-                <a:ea typeface="+mn-ea"/>
-                <a:cs typeface="+mn-cs"/>
-              </a:defRPr>
-            </a:lvl5pPr>
-            <a:lvl6pPr marL="2285943" algn="l" defTabSz="914377" rtl="0" eaLnBrk="1" latinLnBrk="0" hangingPunct="1">
-              <a:defRPr sz="1800" kern="1200">
-                <a:solidFill>
-                  <a:schemeClr val="lt1"/>
-                </a:solidFill>
-                <a:latin typeface="+mn-lt"/>
-                <a:ea typeface="+mn-ea"/>
-                <a:cs typeface="+mn-cs"/>
-              </a:defRPr>
-            </a:lvl6pPr>
-            <a:lvl7pPr marL="2743131" algn="l" defTabSz="914377" rtl="0" eaLnBrk="1" latinLnBrk="0" hangingPunct="1">
-              <a:defRPr sz="1800" kern="1200">
-                <a:solidFill>
-                  <a:schemeClr val="lt1"/>
-                </a:solidFill>
-                <a:latin typeface="+mn-lt"/>
-                <a:ea typeface="+mn-ea"/>
-                <a:cs typeface="+mn-cs"/>
-              </a:defRPr>
-            </a:lvl7pPr>
-            <a:lvl8pPr marL="3200320" algn="l" defTabSz="914377" rtl="0" eaLnBrk="1" latinLnBrk="0" hangingPunct="1">
-              <a:defRPr sz="1800" kern="1200">
-                <a:solidFill>
-                  <a:schemeClr val="lt1"/>
-                </a:solidFill>
-                <a:latin typeface="+mn-lt"/>
-                <a:ea typeface="+mn-ea"/>
-                <a:cs typeface="+mn-cs"/>
-              </a:defRPr>
-            </a:lvl8pPr>
-            <a:lvl9pPr marL="3657509" algn="l" defTabSz="914377" rtl="0" eaLnBrk="1" latinLnBrk="0" hangingPunct="1">
-              <a:defRPr sz="1800" kern="1200">
-                <a:solidFill>
-                  <a:schemeClr val="lt1"/>
-                </a:solidFill>
-                <a:latin typeface="+mn-lt"/>
-                <a:ea typeface="+mn-ea"/>
-                <a:cs typeface="+mn-cs"/>
-              </a:defRPr>
-            </a:lvl9pPr>
-          </a:lstStyle>
-          <a:p>
-            <a:pPr algn="ctr"/>
-            <a:r>
-              <a:rPr lang="en-US" sz="1200" dirty="0" err="1">
-                <a:solidFill>
-                  <a:schemeClr val="bg1"/>
-                </a:solidFill>
-              </a:rPr>
-              <a:t>LLDW_PAINTER_impl.h</a:t>
-            </a:r>
-            <a:endParaRPr lang="en-US" sz="1200" dirty="0">
-              <a:solidFill>
-                <a:schemeClr val="bg1"/>
-              </a:solidFill>
-            </a:endParaRPr>
-          </a:p>
-        </p:txBody>
-      </p:sp>
-      <p:sp>
-        <p:nvSpPr>
-          <p:cNvPr id="43" name="Rectangle 42">
-            <a:extLst>
-              <a:ext uri="{FF2B5EF4-FFF2-40B4-BE49-F238E27FC236}">
-                <a16:creationId xmlns:a16="http://schemas.microsoft.com/office/drawing/2014/main" id="{D6B34BBD-ECEF-47DD-9E55-4CA4015DDD4F}"/>
-              </a:ext>
-            </a:extLst>
-          </p:cNvPr>
-          <p:cNvSpPr/>
-          <p:nvPr/>
-        </p:nvSpPr>
-        <p:spPr>
-          <a:xfrm>
-            <a:off x="6181071" y="3216969"/>
-            <a:ext cx="413896" cy="276999"/>
-          </a:xfrm>
-          <a:prstGeom prst="rect">
-            <a:avLst/>
-          </a:prstGeom>
-        </p:spPr>
-        <p:txBody>
-          <a:bodyPr wrap="none">
-            <a:spAutoFit/>
-          </a:bodyPr>
-          <a:lstStyle/>
-          <a:p>
-            <a:pPr algn="ctr"/>
-            <a:r>
-              <a:rPr lang="en-US" sz="1200" dirty="0"/>
-              <a:t>BSP</a:t>
-            </a:r>
-          </a:p>
-        </p:txBody>
-      </p:sp>
-      <p:sp>
-        <p:nvSpPr>
-          <p:cNvPr id="47" name="Rounded Rectangle 47">
-            <a:extLst>
-              <a:ext uri="{FF2B5EF4-FFF2-40B4-BE49-F238E27FC236}">
-                <a16:creationId xmlns:a16="http://schemas.microsoft.com/office/drawing/2014/main" id="{A5694037-ABF2-42AE-836E-F23DABEAF555}"/>
-              </a:ext>
-            </a:extLst>
-          </p:cNvPr>
-          <p:cNvSpPr/>
-          <p:nvPr/>
-        </p:nvSpPr>
-        <p:spPr>
-          <a:xfrm>
-            <a:off x="783960" y="4551422"/>
-            <a:ext cx="1645920" cy="288000"/>
-          </a:xfrm>
-          <a:prstGeom prst="roundRect">
-            <a:avLst/>
-          </a:prstGeom>
-          <a:solidFill>
-            <a:srgbClr val="00AEC7"/>
-          </a:solidFill>
-          <a:ln>
-            <a:noFill/>
-          </a:ln>
-        </p:spPr>
-        <p:style>
-          <a:lnRef idx="2">
-            <a:schemeClr val="accent1">
-              <a:shade val="50000"/>
-            </a:schemeClr>
-          </a:lnRef>
-          <a:fillRef idx="1">
-            <a:schemeClr val="accent1"/>
-          </a:fillRef>
-          <a:effectRef idx="0">
-            <a:schemeClr val="accent1"/>
-          </a:effectRef>
-          <a:fontRef idx="minor">
-            <a:schemeClr val="lt1"/>
-          </a:fontRef>
-        </p:style>
-        <p:txBody>
-          <a:bodyPr rtlCol="0" anchor="ctr"/>
-          <a:lstStyle>
-            <a:defPPr>
-              <a:defRPr lang="en-US"/>
-            </a:defPPr>
-            <a:lvl1pPr marL="0" algn="l" defTabSz="914377" rtl="0" eaLnBrk="1" latinLnBrk="0" hangingPunct="1">
-              <a:defRPr sz="1800" kern="1200">
-                <a:solidFill>
-                  <a:schemeClr val="lt1"/>
-                </a:solidFill>
-                <a:latin typeface="+mn-lt"/>
-                <a:ea typeface="+mn-ea"/>
-                <a:cs typeface="+mn-cs"/>
-              </a:defRPr>
-            </a:lvl1pPr>
-            <a:lvl2pPr marL="457189" algn="l" defTabSz="914377" rtl="0" eaLnBrk="1" latinLnBrk="0" hangingPunct="1">
-              <a:defRPr sz="1800" kern="1200">
-                <a:solidFill>
-                  <a:schemeClr val="lt1"/>
-                </a:solidFill>
-                <a:latin typeface="+mn-lt"/>
-                <a:ea typeface="+mn-ea"/>
-                <a:cs typeface="+mn-cs"/>
-              </a:defRPr>
-            </a:lvl2pPr>
-            <a:lvl3pPr marL="914377" algn="l" defTabSz="914377" rtl="0" eaLnBrk="1" latinLnBrk="0" hangingPunct="1">
-              <a:defRPr sz="1800" kern="1200">
-                <a:solidFill>
-                  <a:schemeClr val="lt1"/>
-                </a:solidFill>
-                <a:latin typeface="+mn-lt"/>
-                <a:ea typeface="+mn-ea"/>
-                <a:cs typeface="+mn-cs"/>
-              </a:defRPr>
-            </a:lvl3pPr>
-            <a:lvl4pPr marL="1371566" algn="l" defTabSz="914377" rtl="0" eaLnBrk="1" latinLnBrk="0" hangingPunct="1">
-              <a:defRPr sz="1800" kern="1200">
-                <a:solidFill>
-                  <a:schemeClr val="lt1"/>
-                </a:solidFill>
-                <a:latin typeface="+mn-lt"/>
-                <a:ea typeface="+mn-ea"/>
-                <a:cs typeface="+mn-cs"/>
-              </a:defRPr>
-            </a:lvl4pPr>
-            <a:lvl5pPr marL="1828754" algn="l" defTabSz="914377" rtl="0" eaLnBrk="1" latinLnBrk="0" hangingPunct="1">
-              <a:defRPr sz="1800" kern="1200">
-                <a:solidFill>
-                  <a:schemeClr val="lt1"/>
-                </a:solidFill>
-                <a:latin typeface="+mn-lt"/>
-                <a:ea typeface="+mn-ea"/>
-                <a:cs typeface="+mn-cs"/>
-              </a:defRPr>
-            </a:lvl5pPr>
-            <a:lvl6pPr marL="2285943" algn="l" defTabSz="914377" rtl="0" eaLnBrk="1" latinLnBrk="0" hangingPunct="1">
-              <a:defRPr sz="1800" kern="1200">
-                <a:solidFill>
-                  <a:schemeClr val="lt1"/>
-                </a:solidFill>
-                <a:latin typeface="+mn-lt"/>
-                <a:ea typeface="+mn-ea"/>
-                <a:cs typeface="+mn-cs"/>
-              </a:defRPr>
-            </a:lvl6pPr>
-            <a:lvl7pPr marL="2743131" algn="l" defTabSz="914377" rtl="0" eaLnBrk="1" latinLnBrk="0" hangingPunct="1">
-              <a:defRPr sz="1800" kern="1200">
-                <a:solidFill>
-                  <a:schemeClr val="lt1"/>
-                </a:solidFill>
-                <a:latin typeface="+mn-lt"/>
-                <a:ea typeface="+mn-ea"/>
-                <a:cs typeface="+mn-cs"/>
-              </a:defRPr>
-            </a:lvl7pPr>
-            <a:lvl8pPr marL="3200320" algn="l" defTabSz="914377" rtl="0" eaLnBrk="1" latinLnBrk="0" hangingPunct="1">
-              <a:defRPr sz="1800" kern="1200">
-                <a:solidFill>
-                  <a:schemeClr val="lt1"/>
-                </a:solidFill>
-                <a:latin typeface="+mn-lt"/>
-                <a:ea typeface="+mn-ea"/>
-                <a:cs typeface="+mn-cs"/>
-              </a:defRPr>
-            </a:lvl8pPr>
-            <a:lvl9pPr marL="3657509" algn="l" defTabSz="914377" rtl="0" eaLnBrk="1" latinLnBrk="0" hangingPunct="1">
-              <a:defRPr sz="1800" kern="1200">
-                <a:solidFill>
-                  <a:schemeClr val="lt1"/>
-                </a:solidFill>
-                <a:latin typeface="+mn-lt"/>
-                <a:ea typeface="+mn-ea"/>
-                <a:cs typeface="+mn-cs"/>
-              </a:defRPr>
-            </a:lvl9pPr>
-          </a:lstStyle>
-          <a:p>
-            <a:pPr algn="ctr"/>
-            <a:r>
-              <a:rPr lang="en-US" sz="1200" dirty="0" err="1">
-                <a:solidFill>
-                  <a:schemeClr val="bg1"/>
-                </a:solidFill>
-              </a:rPr>
-              <a:t>LLUI_DISPLAY_impl.c</a:t>
-            </a:r>
-            <a:endParaRPr lang="en-US" sz="1200" dirty="0">
-              <a:solidFill>
-                <a:schemeClr val="bg1"/>
-              </a:solidFill>
-            </a:endParaRPr>
-          </a:p>
-        </p:txBody>
-      </p:sp>
-      <p:sp>
-        <p:nvSpPr>
-          <p:cNvPr id="51" name="Rounded Rectangle 19">
-            <a:extLst>
-              <a:ext uri="{FF2B5EF4-FFF2-40B4-BE49-F238E27FC236}">
-                <a16:creationId xmlns:a16="http://schemas.microsoft.com/office/drawing/2014/main" id="{951B2EFE-A5FA-4ADD-84B9-65F8AB49479C}"/>
-              </a:ext>
-            </a:extLst>
-          </p:cNvPr>
-          <p:cNvSpPr/>
-          <p:nvPr/>
-        </p:nvSpPr>
-        <p:spPr>
-          <a:xfrm>
-            <a:off x="9177434" y="3683715"/>
-            <a:ext cx="1645920" cy="288000"/>
-          </a:xfrm>
-          <a:prstGeom prst="roundRect">
-            <a:avLst/>
-          </a:prstGeom>
-          <a:solidFill>
-            <a:srgbClr val="00AEC7"/>
-          </a:solidFill>
-          <a:ln>
-            <a:noFill/>
-          </a:ln>
-        </p:spPr>
-        <p:style>
-          <a:lnRef idx="2">
-            <a:schemeClr val="accent1">
-              <a:shade val="50000"/>
-            </a:schemeClr>
-          </a:lnRef>
-          <a:fillRef idx="1">
-            <a:schemeClr val="accent1"/>
-          </a:fillRef>
-          <a:effectRef idx="0">
-            <a:schemeClr val="accent1"/>
-          </a:effectRef>
-          <a:fontRef idx="minor">
-            <a:schemeClr val="lt1"/>
-          </a:fontRef>
-        </p:style>
-        <p:txBody>
-          <a:bodyPr rtlCol="0" anchor="ctr"/>
-          <a:lstStyle>
-            <a:defPPr>
-              <a:defRPr lang="en-US"/>
-            </a:defPPr>
-            <a:lvl1pPr marL="0" algn="l" defTabSz="914377" rtl="0" eaLnBrk="1" latinLnBrk="0" hangingPunct="1">
-              <a:defRPr sz="1800" kern="1200">
-                <a:solidFill>
-                  <a:schemeClr val="lt1"/>
-                </a:solidFill>
-                <a:latin typeface="+mn-lt"/>
-                <a:ea typeface="+mn-ea"/>
-                <a:cs typeface="+mn-cs"/>
-              </a:defRPr>
-            </a:lvl1pPr>
-            <a:lvl2pPr marL="457189" algn="l" defTabSz="914377" rtl="0" eaLnBrk="1" latinLnBrk="0" hangingPunct="1">
-              <a:defRPr sz="1800" kern="1200">
-                <a:solidFill>
-                  <a:schemeClr val="lt1"/>
-                </a:solidFill>
-                <a:latin typeface="+mn-lt"/>
-                <a:ea typeface="+mn-ea"/>
-                <a:cs typeface="+mn-cs"/>
-              </a:defRPr>
-            </a:lvl2pPr>
-            <a:lvl3pPr marL="914377" algn="l" defTabSz="914377" rtl="0" eaLnBrk="1" latinLnBrk="0" hangingPunct="1">
-              <a:defRPr sz="1800" kern="1200">
-                <a:solidFill>
-                  <a:schemeClr val="lt1"/>
-                </a:solidFill>
-                <a:latin typeface="+mn-lt"/>
-                <a:ea typeface="+mn-ea"/>
-                <a:cs typeface="+mn-cs"/>
-              </a:defRPr>
-            </a:lvl3pPr>
-            <a:lvl4pPr marL="1371566" algn="l" defTabSz="914377" rtl="0" eaLnBrk="1" latinLnBrk="0" hangingPunct="1">
-              <a:defRPr sz="1800" kern="1200">
-                <a:solidFill>
-                  <a:schemeClr val="lt1"/>
-                </a:solidFill>
-                <a:latin typeface="+mn-lt"/>
-                <a:ea typeface="+mn-ea"/>
-                <a:cs typeface="+mn-cs"/>
-              </a:defRPr>
-            </a:lvl4pPr>
-            <a:lvl5pPr marL="1828754" algn="l" defTabSz="914377" rtl="0" eaLnBrk="1" latinLnBrk="0" hangingPunct="1">
-              <a:defRPr sz="1800" kern="1200">
-                <a:solidFill>
-                  <a:schemeClr val="lt1"/>
-                </a:solidFill>
-                <a:latin typeface="+mn-lt"/>
-                <a:ea typeface="+mn-ea"/>
-                <a:cs typeface="+mn-cs"/>
-              </a:defRPr>
-            </a:lvl5pPr>
-            <a:lvl6pPr marL="2285943" algn="l" defTabSz="914377" rtl="0" eaLnBrk="1" latinLnBrk="0" hangingPunct="1">
-              <a:defRPr sz="1800" kern="1200">
-                <a:solidFill>
-                  <a:schemeClr val="lt1"/>
-                </a:solidFill>
-                <a:latin typeface="+mn-lt"/>
-                <a:ea typeface="+mn-ea"/>
-                <a:cs typeface="+mn-cs"/>
-              </a:defRPr>
-            </a:lvl6pPr>
-            <a:lvl7pPr marL="2743131" algn="l" defTabSz="914377" rtl="0" eaLnBrk="1" latinLnBrk="0" hangingPunct="1">
-              <a:defRPr sz="1800" kern="1200">
-                <a:solidFill>
-                  <a:schemeClr val="lt1"/>
-                </a:solidFill>
-                <a:latin typeface="+mn-lt"/>
-                <a:ea typeface="+mn-ea"/>
-                <a:cs typeface="+mn-cs"/>
-              </a:defRPr>
-            </a:lvl7pPr>
-            <a:lvl8pPr marL="3200320" algn="l" defTabSz="914377" rtl="0" eaLnBrk="1" latinLnBrk="0" hangingPunct="1">
-              <a:defRPr sz="1800" kern="1200">
-                <a:solidFill>
-                  <a:schemeClr val="lt1"/>
-                </a:solidFill>
-                <a:latin typeface="+mn-lt"/>
-                <a:ea typeface="+mn-ea"/>
-                <a:cs typeface="+mn-cs"/>
-              </a:defRPr>
-            </a:lvl8pPr>
-            <a:lvl9pPr marL="3657509" algn="l" defTabSz="914377" rtl="0" eaLnBrk="1" latinLnBrk="0" hangingPunct="1">
-              <a:defRPr sz="1800" kern="1200">
-                <a:solidFill>
-                  <a:schemeClr val="lt1"/>
-                </a:solidFill>
-                <a:latin typeface="+mn-lt"/>
-                <a:ea typeface="+mn-ea"/>
-                <a:cs typeface="+mn-cs"/>
-              </a:defRPr>
-            </a:lvl9pPr>
-          </a:lstStyle>
-          <a:p>
-            <a:pPr algn="ctr"/>
-            <a:r>
-              <a:rPr lang="en-US" sz="1200" dirty="0" err="1">
-                <a:solidFill>
-                  <a:schemeClr val="bg1"/>
-                </a:solidFill>
-              </a:rPr>
-              <a:t>dw_drawing.h</a:t>
-            </a:r>
-            <a:endParaRPr lang="en-US" sz="1200" dirty="0">
-              <a:solidFill>
-                <a:schemeClr val="bg1"/>
-              </a:solidFill>
-            </a:endParaRPr>
-          </a:p>
-        </p:txBody>
-      </p:sp>
-      <p:sp>
-        <p:nvSpPr>
-          <p:cNvPr id="53" name="Rounded Rectangle 19">
-            <a:extLst>
-              <a:ext uri="{FF2B5EF4-FFF2-40B4-BE49-F238E27FC236}">
-                <a16:creationId xmlns:a16="http://schemas.microsoft.com/office/drawing/2014/main" id="{EF663CCD-0A6E-4D03-8E19-3467F555BA25}"/>
-              </a:ext>
-            </a:extLst>
-          </p:cNvPr>
-          <p:cNvSpPr/>
-          <p:nvPr/>
-        </p:nvSpPr>
-        <p:spPr>
-          <a:xfrm>
-            <a:off x="5951116" y="2316997"/>
-            <a:ext cx="1280160" cy="288000"/>
-          </a:xfrm>
-          <a:prstGeom prst="roundRect">
-            <a:avLst/>
-          </a:prstGeom>
-          <a:solidFill>
-            <a:srgbClr val="00AEC7"/>
-          </a:solidFill>
-          <a:ln>
-            <a:noFill/>
-          </a:ln>
-        </p:spPr>
-        <p:style>
-          <a:lnRef idx="2">
-            <a:schemeClr val="accent1">
-              <a:shade val="50000"/>
-            </a:schemeClr>
-          </a:lnRef>
-          <a:fillRef idx="1">
-            <a:schemeClr val="accent1"/>
-          </a:fillRef>
-          <a:effectRef idx="0">
-            <a:schemeClr val="accent1"/>
-          </a:effectRef>
-          <a:fontRef idx="minor">
-            <a:schemeClr val="lt1"/>
-          </a:fontRef>
-        </p:style>
-        <p:txBody>
-          <a:bodyPr rtlCol="0" anchor="ctr"/>
-          <a:lstStyle>
-            <a:defPPr>
-              <a:defRPr lang="en-US"/>
-            </a:defPPr>
-            <a:lvl1pPr marL="0" algn="l" defTabSz="914377" rtl="0" eaLnBrk="1" latinLnBrk="0" hangingPunct="1">
-              <a:defRPr sz="1800" kern="1200">
-                <a:solidFill>
-                  <a:schemeClr val="lt1"/>
-                </a:solidFill>
-                <a:latin typeface="+mn-lt"/>
-                <a:ea typeface="+mn-ea"/>
-                <a:cs typeface="+mn-cs"/>
-              </a:defRPr>
-            </a:lvl1pPr>
-            <a:lvl2pPr marL="457189" algn="l" defTabSz="914377" rtl="0" eaLnBrk="1" latinLnBrk="0" hangingPunct="1">
-              <a:defRPr sz="1800" kern="1200">
-                <a:solidFill>
-                  <a:schemeClr val="lt1"/>
-                </a:solidFill>
-                <a:latin typeface="+mn-lt"/>
-                <a:ea typeface="+mn-ea"/>
-                <a:cs typeface="+mn-cs"/>
-              </a:defRPr>
-            </a:lvl2pPr>
-            <a:lvl3pPr marL="914377" algn="l" defTabSz="914377" rtl="0" eaLnBrk="1" latinLnBrk="0" hangingPunct="1">
-              <a:defRPr sz="1800" kern="1200">
-                <a:solidFill>
-                  <a:schemeClr val="lt1"/>
-                </a:solidFill>
-                <a:latin typeface="+mn-lt"/>
-                <a:ea typeface="+mn-ea"/>
-                <a:cs typeface="+mn-cs"/>
-              </a:defRPr>
-            </a:lvl3pPr>
-            <a:lvl4pPr marL="1371566" algn="l" defTabSz="914377" rtl="0" eaLnBrk="1" latinLnBrk="0" hangingPunct="1">
-              <a:defRPr sz="1800" kern="1200">
-                <a:solidFill>
-                  <a:schemeClr val="lt1"/>
-                </a:solidFill>
-                <a:latin typeface="+mn-lt"/>
-                <a:ea typeface="+mn-ea"/>
-                <a:cs typeface="+mn-cs"/>
-              </a:defRPr>
-            </a:lvl4pPr>
-            <a:lvl5pPr marL="1828754" algn="l" defTabSz="914377" rtl="0" eaLnBrk="1" latinLnBrk="0" hangingPunct="1">
-              <a:defRPr sz="1800" kern="1200">
-                <a:solidFill>
-                  <a:schemeClr val="lt1"/>
-                </a:solidFill>
-                <a:latin typeface="+mn-lt"/>
-                <a:ea typeface="+mn-ea"/>
-                <a:cs typeface="+mn-cs"/>
-              </a:defRPr>
-            </a:lvl5pPr>
-            <a:lvl6pPr marL="2285943" algn="l" defTabSz="914377" rtl="0" eaLnBrk="1" latinLnBrk="0" hangingPunct="1">
-              <a:defRPr sz="1800" kern="1200">
-                <a:solidFill>
-                  <a:schemeClr val="lt1"/>
-                </a:solidFill>
-                <a:latin typeface="+mn-lt"/>
-                <a:ea typeface="+mn-ea"/>
-                <a:cs typeface="+mn-cs"/>
-              </a:defRPr>
-            </a:lvl6pPr>
-            <a:lvl7pPr marL="2743131" algn="l" defTabSz="914377" rtl="0" eaLnBrk="1" latinLnBrk="0" hangingPunct="1">
-              <a:defRPr sz="1800" kern="1200">
-                <a:solidFill>
-                  <a:schemeClr val="lt1"/>
-                </a:solidFill>
-                <a:latin typeface="+mn-lt"/>
-                <a:ea typeface="+mn-ea"/>
-                <a:cs typeface="+mn-cs"/>
-              </a:defRPr>
-            </a:lvl7pPr>
-            <a:lvl8pPr marL="3200320" algn="l" defTabSz="914377" rtl="0" eaLnBrk="1" latinLnBrk="0" hangingPunct="1">
-              <a:defRPr sz="1800" kern="1200">
-                <a:solidFill>
-                  <a:schemeClr val="lt1"/>
-                </a:solidFill>
-                <a:latin typeface="+mn-lt"/>
-                <a:ea typeface="+mn-ea"/>
-                <a:cs typeface="+mn-cs"/>
-              </a:defRPr>
-            </a:lvl8pPr>
-            <a:lvl9pPr marL="3657509" algn="l" defTabSz="914377" rtl="0" eaLnBrk="1" latinLnBrk="0" hangingPunct="1">
-              <a:defRPr sz="1800" kern="1200">
-                <a:solidFill>
-                  <a:schemeClr val="lt1"/>
-                </a:solidFill>
-                <a:latin typeface="+mn-lt"/>
-                <a:ea typeface="+mn-ea"/>
-                <a:cs typeface="+mn-cs"/>
-              </a:defRPr>
-            </a:lvl9pPr>
-          </a:lstStyle>
-          <a:p>
-            <a:pPr algn="ctr"/>
-            <a:r>
-              <a:rPr lang="en-US" sz="1050" dirty="0" err="1">
-                <a:solidFill>
-                  <a:schemeClr val="bg1"/>
-                </a:solidFill>
-              </a:rPr>
-              <a:t>dw_drawing_soft.h</a:t>
-            </a:r>
-            <a:endParaRPr lang="en-US" sz="1050" dirty="0">
-              <a:solidFill>
-                <a:schemeClr val="bg1"/>
-              </a:solidFill>
-            </a:endParaRPr>
-          </a:p>
-        </p:txBody>
-      </p:sp>
-      <p:sp>
-        <p:nvSpPr>
-          <p:cNvPr id="55" name="Rounded Rectangle 11">
-            <a:extLst>
-              <a:ext uri="{FF2B5EF4-FFF2-40B4-BE49-F238E27FC236}">
-                <a16:creationId xmlns:a16="http://schemas.microsoft.com/office/drawing/2014/main" id="{F2ADE1F1-8F80-438E-89BD-B99C1999B5BA}"/>
-              </a:ext>
-            </a:extLst>
-          </p:cNvPr>
-          <p:cNvSpPr/>
-          <p:nvPr/>
-        </p:nvSpPr>
-        <p:spPr>
-          <a:xfrm>
-            <a:off x="4564024" y="1711464"/>
-            <a:ext cx="2667252" cy="288000"/>
-          </a:xfrm>
-          <a:prstGeom prst="roundRect">
-            <a:avLst/>
-          </a:prstGeom>
-          <a:solidFill>
-            <a:srgbClr val="EE502E"/>
-          </a:solidFill>
-          <a:ln>
-            <a:noFill/>
-          </a:ln>
-        </p:spPr>
-        <p:style>
-          <a:lnRef idx="2">
-            <a:schemeClr val="accent1">
-              <a:shade val="50000"/>
-            </a:schemeClr>
-          </a:lnRef>
-          <a:fillRef idx="1">
-            <a:schemeClr val="accent1"/>
-          </a:fillRef>
-          <a:effectRef idx="0">
-            <a:schemeClr val="accent1"/>
-          </a:effectRef>
-          <a:fontRef idx="minor">
-            <a:schemeClr val="lt1"/>
-          </a:fontRef>
-        </p:style>
-        <p:txBody>
-          <a:bodyPr rtlCol="0" anchor="ctr"/>
-          <a:lstStyle/>
-          <a:p>
-            <a:pPr algn="ctr"/>
-            <a:r>
-              <a:rPr lang="en-US" sz="1200" dirty="0"/>
-              <a:t>Software Algorithms</a:t>
-            </a:r>
-          </a:p>
-        </p:txBody>
-      </p:sp>
-      <p:grpSp>
-        <p:nvGrpSpPr>
-          <p:cNvPr id="69" name="Group 68">
-            <a:extLst>
-              <a:ext uri="{FF2B5EF4-FFF2-40B4-BE49-F238E27FC236}">
-                <a16:creationId xmlns:a16="http://schemas.microsoft.com/office/drawing/2014/main" id="{4153F155-4AE2-4638-A893-53D67D6ACE68}"/>
-              </a:ext>
-            </a:extLst>
-          </p:cNvPr>
-          <p:cNvGrpSpPr/>
-          <p:nvPr/>
-        </p:nvGrpSpPr>
-        <p:grpSpPr>
-          <a:xfrm>
-            <a:off x="321535" y="4196207"/>
-            <a:ext cx="1809751" cy="276999"/>
-            <a:chOff x="1181100" y="4410075"/>
-            <a:chExt cx="1809751" cy="276999"/>
-          </a:xfrm>
-        </p:grpSpPr>
-        <p:sp>
-          <p:nvSpPr>
-            <p:cNvPr id="67" name="Oval 66">
-              <a:extLst>
-                <a:ext uri="{FF2B5EF4-FFF2-40B4-BE49-F238E27FC236}">
-                  <a16:creationId xmlns:a16="http://schemas.microsoft.com/office/drawing/2014/main" id="{430FF09A-D724-41CE-8B6B-C8A9E2109DD7}"/>
-                </a:ext>
-              </a:extLst>
-            </p:cNvPr>
-            <p:cNvSpPr/>
-            <p:nvPr/>
-          </p:nvSpPr>
-          <p:spPr>
-            <a:xfrm>
-              <a:off x="1181100" y="4410075"/>
-              <a:ext cx="247650" cy="238125"/>
-            </a:xfrm>
-            <a:prstGeom prst="ellipse">
-              <a:avLst/>
-            </a:prstGeom>
-            <a:solidFill>
-              <a:schemeClr val="bg2">
-                <a:lumMod val="90000"/>
-              </a:schemeClr>
-            </a:solidFill>
-          </p:spPr>
-          <p:style>
-            <a:lnRef idx="2">
-              <a:schemeClr val="accent1">
-                <a:shade val="50000"/>
-              </a:schemeClr>
-            </a:lnRef>
-            <a:fillRef idx="1">
-              <a:schemeClr val="accent1"/>
-            </a:fillRef>
-            <a:effectRef idx="0">
-              <a:schemeClr val="accent1"/>
-            </a:effectRef>
-            <a:fontRef idx="minor">
-              <a:schemeClr val="lt1"/>
-            </a:fontRef>
-          </p:style>
-          <p:txBody>
-            <a:bodyPr rtlCol="0" anchor="ctr"/>
-            <a:lstStyle/>
-            <a:p>
-              <a:pPr algn="ctr"/>
-              <a:endParaRPr lang="en-US" dirty="0"/>
-            </a:p>
-          </p:txBody>
-        </p:sp>
-        <p:sp>
-          <p:nvSpPr>
-            <p:cNvPr id="68" name="TextBox 67">
-              <a:extLst>
-                <a:ext uri="{FF2B5EF4-FFF2-40B4-BE49-F238E27FC236}">
-                  <a16:creationId xmlns:a16="http://schemas.microsoft.com/office/drawing/2014/main" id="{BC94D93E-94BC-4701-A362-2E6A761D76CA}"/>
-                </a:ext>
-              </a:extLst>
-            </p:cNvPr>
-            <p:cNvSpPr txBox="1"/>
-            <p:nvPr/>
-          </p:nvSpPr>
-          <p:spPr>
-            <a:xfrm>
-              <a:off x="1428751" y="4410075"/>
-              <a:ext cx="1562100" cy="276999"/>
-            </a:xfrm>
-            <a:prstGeom prst="rect">
-              <a:avLst/>
-            </a:prstGeom>
-            <a:noFill/>
-          </p:spPr>
-          <p:txBody>
-            <a:bodyPr wrap="square" rtlCol="0">
-              <a:spAutoFit/>
-            </a:bodyPr>
-            <a:lstStyle/>
-            <a:p>
-              <a:r>
-                <a:rPr lang="en-US" sz="1200" dirty="0"/>
-                <a:t>Foundation library</a:t>
-              </a:r>
-            </a:p>
-          </p:txBody>
-        </p:sp>
-      </p:grpSp>
-      <p:grpSp>
-        <p:nvGrpSpPr>
-          <p:cNvPr id="70" name="Group 69">
-            <a:extLst>
-              <a:ext uri="{FF2B5EF4-FFF2-40B4-BE49-F238E27FC236}">
-                <a16:creationId xmlns:a16="http://schemas.microsoft.com/office/drawing/2014/main" id="{7FC92D7C-F8FF-4B3D-80E1-8245E81CFC64}"/>
-              </a:ext>
-            </a:extLst>
-          </p:cNvPr>
-          <p:cNvGrpSpPr/>
-          <p:nvPr/>
-        </p:nvGrpSpPr>
-        <p:grpSpPr>
-          <a:xfrm>
-            <a:off x="321535" y="4473206"/>
-            <a:ext cx="1809751" cy="276999"/>
-            <a:chOff x="1181100" y="4410075"/>
-            <a:chExt cx="1809751" cy="276999"/>
-          </a:xfrm>
-        </p:grpSpPr>
-        <p:sp>
-          <p:nvSpPr>
-            <p:cNvPr id="71" name="Oval 70">
-              <a:extLst>
-                <a:ext uri="{FF2B5EF4-FFF2-40B4-BE49-F238E27FC236}">
-                  <a16:creationId xmlns:a16="http://schemas.microsoft.com/office/drawing/2014/main" id="{D6B12055-8574-4D9C-8A73-8524AA28590A}"/>
-                </a:ext>
-              </a:extLst>
-            </p:cNvPr>
-            <p:cNvSpPr/>
-            <p:nvPr/>
-          </p:nvSpPr>
-          <p:spPr>
-            <a:xfrm>
-              <a:off x="1181100" y="4410075"/>
-              <a:ext cx="247650" cy="238125"/>
-            </a:xfrm>
-            <a:prstGeom prst="ellipse">
-              <a:avLst/>
-            </a:prstGeom>
-            <a:solidFill>
-              <a:srgbClr val="00AEC7"/>
-            </a:solidFill>
-          </p:spPr>
-          <p:style>
-            <a:lnRef idx="2">
-              <a:schemeClr val="accent1">
-                <a:shade val="50000"/>
-              </a:schemeClr>
-            </a:lnRef>
-            <a:fillRef idx="1">
-              <a:schemeClr val="accent1"/>
-            </a:fillRef>
-            <a:effectRef idx="0">
-              <a:schemeClr val="accent1"/>
-            </a:effectRef>
-            <a:fontRef idx="minor">
-              <a:schemeClr val="lt1"/>
-            </a:fontRef>
-          </p:style>
-          <p:txBody>
-            <a:bodyPr rtlCol="0" anchor="ctr"/>
-            <a:lstStyle/>
-            <a:p>
-              <a:pPr algn="ctr"/>
-              <a:endParaRPr lang="en-US" dirty="0"/>
-            </a:p>
-          </p:txBody>
-        </p:sp>
-        <p:sp>
-          <p:nvSpPr>
-            <p:cNvPr id="72" name="TextBox 71">
-              <a:extLst>
-                <a:ext uri="{FF2B5EF4-FFF2-40B4-BE49-F238E27FC236}">
-                  <a16:creationId xmlns:a16="http://schemas.microsoft.com/office/drawing/2014/main" id="{3F25C3E2-A8C1-44ED-AB5C-CFBA9A21701F}"/>
-                </a:ext>
-              </a:extLst>
-            </p:cNvPr>
-            <p:cNvSpPr txBox="1"/>
-            <p:nvPr/>
-          </p:nvSpPr>
-          <p:spPr>
-            <a:xfrm>
-              <a:off x="1428751" y="4410075"/>
-              <a:ext cx="1562100" cy="276999"/>
-            </a:xfrm>
-            <a:prstGeom prst="rect">
-              <a:avLst/>
-            </a:prstGeom>
-            <a:noFill/>
-          </p:spPr>
-          <p:txBody>
-            <a:bodyPr wrap="square" rtlCol="0">
-              <a:spAutoFit/>
-            </a:bodyPr>
-            <a:lstStyle/>
-            <a:p>
-              <a:r>
-                <a:rPr lang="en-US" sz="1200" dirty="0"/>
-                <a:t>C/H file (.c, .h)</a:t>
-              </a:r>
-            </a:p>
-          </p:txBody>
-        </p:sp>
-      </p:grpSp>
-      <p:grpSp>
-        <p:nvGrpSpPr>
-          <p:cNvPr id="73" name="Group 72">
-            <a:extLst>
-              <a:ext uri="{FF2B5EF4-FFF2-40B4-BE49-F238E27FC236}">
-                <a16:creationId xmlns:a16="http://schemas.microsoft.com/office/drawing/2014/main" id="{206EB95F-DCD3-406E-A4FD-DA8A77EAD71A}"/>
-              </a:ext>
-            </a:extLst>
-          </p:cNvPr>
-          <p:cNvGrpSpPr/>
-          <p:nvPr/>
-        </p:nvGrpSpPr>
-        <p:grpSpPr>
-          <a:xfrm>
-            <a:off x="321535" y="4754193"/>
-            <a:ext cx="1809751" cy="276999"/>
-            <a:chOff x="1181100" y="4410075"/>
-            <a:chExt cx="1809751" cy="276999"/>
-          </a:xfrm>
-        </p:grpSpPr>
-        <p:sp>
-          <p:nvSpPr>
-            <p:cNvPr id="74" name="Oval 73">
-              <a:extLst>
-                <a:ext uri="{FF2B5EF4-FFF2-40B4-BE49-F238E27FC236}">
-                  <a16:creationId xmlns:a16="http://schemas.microsoft.com/office/drawing/2014/main" id="{04529874-353A-4B5A-BA92-E997FB3D98A2}"/>
-                </a:ext>
-              </a:extLst>
-            </p:cNvPr>
-            <p:cNvSpPr/>
-            <p:nvPr/>
-          </p:nvSpPr>
-          <p:spPr>
-            <a:xfrm>
-              <a:off x="1181100" y="4410075"/>
-              <a:ext cx="247650" cy="238125"/>
-            </a:xfrm>
-            <a:prstGeom prst="ellipse">
-              <a:avLst/>
-            </a:prstGeom>
-            <a:solidFill>
-              <a:srgbClr val="EE502E"/>
-            </a:solidFill>
-          </p:spPr>
-          <p:style>
-            <a:lnRef idx="2">
-              <a:schemeClr val="accent1">
-                <a:shade val="50000"/>
-              </a:schemeClr>
-            </a:lnRef>
-            <a:fillRef idx="1">
-              <a:schemeClr val="accent1"/>
-            </a:fillRef>
-            <a:effectRef idx="0">
-              <a:schemeClr val="accent1"/>
-            </a:effectRef>
-            <a:fontRef idx="minor">
-              <a:schemeClr val="lt1"/>
-            </a:fontRef>
-          </p:style>
-          <p:txBody>
-            <a:bodyPr rtlCol="0" anchor="ctr"/>
-            <a:lstStyle/>
-            <a:p>
-              <a:pPr algn="ctr"/>
-              <a:endParaRPr lang="en-US" dirty="0"/>
-            </a:p>
-          </p:txBody>
-        </p:sp>
-        <p:sp>
-          <p:nvSpPr>
-            <p:cNvPr id="75" name="TextBox 74">
-              <a:extLst>
-                <a:ext uri="{FF2B5EF4-FFF2-40B4-BE49-F238E27FC236}">
-                  <a16:creationId xmlns:a16="http://schemas.microsoft.com/office/drawing/2014/main" id="{5B258D0E-39BB-43B3-8601-ECD846FB076B}"/>
-                </a:ext>
-              </a:extLst>
-            </p:cNvPr>
-            <p:cNvSpPr txBox="1"/>
-            <p:nvPr/>
-          </p:nvSpPr>
-          <p:spPr>
-            <a:xfrm>
-              <a:off x="1428751" y="4410075"/>
-              <a:ext cx="1562100" cy="276999"/>
-            </a:xfrm>
-            <a:prstGeom prst="rect">
-              <a:avLst/>
-            </a:prstGeom>
-            <a:noFill/>
-          </p:spPr>
-          <p:txBody>
-            <a:bodyPr wrap="square" rtlCol="0">
-              <a:spAutoFit/>
-            </a:bodyPr>
-            <a:lstStyle/>
-            <a:p>
-              <a:r>
-                <a:rPr lang="en-US" sz="1200" dirty="0"/>
-                <a:t>Archive file (.a)</a:t>
-              </a:r>
-            </a:p>
-          </p:txBody>
-        </p:sp>
-      </p:grpSp>
-      <p:sp>
-        <p:nvSpPr>
-          <p:cNvPr id="2" name="Rounded Rectangle 31">
-            <a:extLst>
-              <a:ext uri="{FF2B5EF4-FFF2-40B4-BE49-F238E27FC236}">
-                <a16:creationId xmlns:a16="http://schemas.microsoft.com/office/drawing/2014/main" id="{C9BC9F7D-0E89-496E-91FF-F58300258B97}"/>
-              </a:ext>
-            </a:extLst>
-          </p:cNvPr>
-          <p:cNvSpPr/>
-          <p:nvPr/>
-        </p:nvSpPr>
-        <p:spPr>
-          <a:xfrm>
-            <a:off x="4502350" y="4541629"/>
-            <a:ext cx="6321003" cy="288000"/>
-          </a:xfrm>
-          <a:prstGeom prst="roundRect">
-            <a:avLst/>
-          </a:prstGeom>
-          <a:solidFill>
-            <a:schemeClr val="accent6">
-              <a:lumMod val="40000"/>
-              <a:lumOff val="60000"/>
-            </a:schemeClr>
-          </a:solidFill>
-          <a:ln>
-            <a:noFill/>
-          </a:ln>
-        </p:spPr>
-        <p:style>
-          <a:lnRef idx="2">
-            <a:schemeClr val="accent1">
-              <a:shade val="50000"/>
-            </a:schemeClr>
-          </a:lnRef>
-          <a:fillRef idx="1">
-            <a:schemeClr val="accent1"/>
-          </a:fillRef>
-          <a:effectRef idx="0">
-            <a:schemeClr val="accent1"/>
-          </a:effectRef>
-          <a:fontRef idx="minor">
-            <a:schemeClr val="lt1"/>
-          </a:fontRef>
-        </p:style>
-        <p:txBody>
-          <a:bodyPr rtlCol="0" anchor="ctr"/>
-          <a:lstStyle>
-            <a:defPPr>
-              <a:defRPr lang="en-US"/>
-            </a:defPPr>
-            <a:lvl1pPr marL="0" algn="l" defTabSz="914377" rtl="0" eaLnBrk="1" latinLnBrk="0" hangingPunct="1">
-              <a:defRPr sz="1800" kern="1200">
-                <a:solidFill>
-                  <a:schemeClr val="lt1"/>
-                </a:solidFill>
-                <a:latin typeface="+mn-lt"/>
-                <a:ea typeface="+mn-ea"/>
-                <a:cs typeface="+mn-cs"/>
-              </a:defRPr>
-            </a:lvl1pPr>
-            <a:lvl2pPr marL="457189" algn="l" defTabSz="914377" rtl="0" eaLnBrk="1" latinLnBrk="0" hangingPunct="1">
-              <a:defRPr sz="1800" kern="1200">
-                <a:solidFill>
-                  <a:schemeClr val="lt1"/>
-                </a:solidFill>
-                <a:latin typeface="+mn-lt"/>
-                <a:ea typeface="+mn-ea"/>
-                <a:cs typeface="+mn-cs"/>
-              </a:defRPr>
-            </a:lvl2pPr>
-            <a:lvl3pPr marL="914377" algn="l" defTabSz="914377" rtl="0" eaLnBrk="1" latinLnBrk="0" hangingPunct="1">
-              <a:defRPr sz="1800" kern="1200">
-                <a:solidFill>
-                  <a:schemeClr val="lt1"/>
-                </a:solidFill>
-                <a:latin typeface="+mn-lt"/>
-                <a:ea typeface="+mn-ea"/>
-                <a:cs typeface="+mn-cs"/>
-              </a:defRPr>
-            </a:lvl3pPr>
-            <a:lvl4pPr marL="1371566" algn="l" defTabSz="914377" rtl="0" eaLnBrk="1" latinLnBrk="0" hangingPunct="1">
-              <a:defRPr sz="1800" kern="1200">
-                <a:solidFill>
-                  <a:schemeClr val="lt1"/>
-                </a:solidFill>
-                <a:latin typeface="+mn-lt"/>
-                <a:ea typeface="+mn-ea"/>
-                <a:cs typeface="+mn-cs"/>
-              </a:defRPr>
-            </a:lvl4pPr>
-            <a:lvl5pPr marL="1828754" algn="l" defTabSz="914377" rtl="0" eaLnBrk="1" latinLnBrk="0" hangingPunct="1">
-              <a:defRPr sz="1800" kern="1200">
-                <a:solidFill>
-                  <a:schemeClr val="lt1"/>
-                </a:solidFill>
-                <a:latin typeface="+mn-lt"/>
-                <a:ea typeface="+mn-ea"/>
-                <a:cs typeface="+mn-cs"/>
-              </a:defRPr>
-            </a:lvl5pPr>
-            <a:lvl6pPr marL="2285943" algn="l" defTabSz="914377" rtl="0" eaLnBrk="1" latinLnBrk="0" hangingPunct="1">
-              <a:defRPr sz="1800" kern="1200">
-                <a:solidFill>
-                  <a:schemeClr val="lt1"/>
-                </a:solidFill>
-                <a:latin typeface="+mn-lt"/>
-                <a:ea typeface="+mn-ea"/>
-                <a:cs typeface="+mn-cs"/>
-              </a:defRPr>
-            </a:lvl6pPr>
-            <a:lvl7pPr marL="2743131" algn="l" defTabSz="914377" rtl="0" eaLnBrk="1" latinLnBrk="0" hangingPunct="1">
-              <a:defRPr sz="1800" kern="1200">
-                <a:solidFill>
-                  <a:schemeClr val="lt1"/>
-                </a:solidFill>
-                <a:latin typeface="+mn-lt"/>
-                <a:ea typeface="+mn-ea"/>
-                <a:cs typeface="+mn-cs"/>
-              </a:defRPr>
-            </a:lvl7pPr>
-            <a:lvl8pPr marL="3200320" algn="l" defTabSz="914377" rtl="0" eaLnBrk="1" latinLnBrk="0" hangingPunct="1">
-              <a:defRPr sz="1800" kern="1200">
-                <a:solidFill>
-                  <a:schemeClr val="lt1"/>
-                </a:solidFill>
-                <a:latin typeface="+mn-lt"/>
-                <a:ea typeface="+mn-ea"/>
-                <a:cs typeface="+mn-cs"/>
-              </a:defRPr>
-            </a:lvl8pPr>
-            <a:lvl9pPr marL="3657509" algn="l" defTabSz="914377" rtl="0" eaLnBrk="1" latinLnBrk="0" hangingPunct="1">
-              <a:defRPr sz="1800" kern="1200">
-                <a:solidFill>
-                  <a:schemeClr val="lt1"/>
-                </a:solidFill>
-                <a:latin typeface="+mn-lt"/>
-                <a:ea typeface="+mn-ea"/>
-                <a:cs typeface="+mn-cs"/>
-              </a:defRPr>
-            </a:lvl9pPr>
-          </a:lstStyle>
-          <a:p>
-            <a:pPr algn="ctr"/>
-            <a:r>
-              <a:rPr lang="en-US" sz="1200" dirty="0">
-                <a:solidFill>
-                  <a:schemeClr val="tx2"/>
-                </a:solidFill>
-              </a:rPr>
-              <a:t>Drawings in BSP (GPU etc.)</a:t>
-            </a:r>
-          </a:p>
-        </p:txBody>
-      </p:sp>
-      <p:sp>
-        <p:nvSpPr>
-          <p:cNvPr id="3" name="Rounded Rectangle 46">
-            <a:extLst>
-              <a:ext uri="{FF2B5EF4-FFF2-40B4-BE49-F238E27FC236}">
-                <a16:creationId xmlns:a16="http://schemas.microsoft.com/office/drawing/2014/main" id="{4A671B8D-3A4C-47EF-AD41-712F59E1514A}"/>
-              </a:ext>
-            </a:extLst>
-          </p:cNvPr>
-          <p:cNvSpPr/>
-          <p:nvPr/>
-        </p:nvSpPr>
-        <p:spPr>
-          <a:xfrm>
-            <a:off x="748690" y="5321514"/>
-            <a:ext cx="10168691" cy="308802"/>
-          </a:xfrm>
-          <a:prstGeom prst="roundRect">
-            <a:avLst/>
-          </a:prstGeom>
-          <a:solidFill>
-            <a:schemeClr val="tx1">
-              <a:lumMod val="75000"/>
-              <a:lumOff val="25000"/>
-            </a:schemeClr>
-          </a:solidFill>
-          <a:ln>
-            <a:noFill/>
-          </a:ln>
-        </p:spPr>
-        <p:style>
-          <a:lnRef idx="2">
-            <a:schemeClr val="accent1">
-              <a:shade val="50000"/>
-            </a:schemeClr>
-          </a:lnRef>
-          <a:fillRef idx="1">
-            <a:schemeClr val="accent1"/>
-          </a:fillRef>
-          <a:effectRef idx="0">
-            <a:schemeClr val="accent1"/>
-          </a:effectRef>
-          <a:fontRef idx="minor">
-            <a:schemeClr val="lt1"/>
-          </a:fontRef>
-        </p:style>
-        <p:txBody>
-          <a:bodyPr rtlCol="0" anchor="ctr"/>
-          <a:lstStyle>
-            <a:defPPr>
-              <a:defRPr lang="en-US"/>
-            </a:defPPr>
-            <a:lvl1pPr marL="0" algn="l" defTabSz="914377" rtl="0" eaLnBrk="1" latinLnBrk="0" hangingPunct="1">
-              <a:defRPr sz="1800" kern="1200">
-                <a:solidFill>
-                  <a:schemeClr val="lt1"/>
-                </a:solidFill>
-                <a:latin typeface="+mn-lt"/>
-                <a:ea typeface="+mn-ea"/>
-                <a:cs typeface="+mn-cs"/>
-              </a:defRPr>
-            </a:lvl1pPr>
-            <a:lvl2pPr marL="457189" algn="l" defTabSz="914377" rtl="0" eaLnBrk="1" latinLnBrk="0" hangingPunct="1">
-              <a:defRPr sz="1800" kern="1200">
-                <a:solidFill>
-                  <a:schemeClr val="lt1"/>
-                </a:solidFill>
-                <a:latin typeface="+mn-lt"/>
-                <a:ea typeface="+mn-ea"/>
-                <a:cs typeface="+mn-cs"/>
-              </a:defRPr>
-            </a:lvl2pPr>
-            <a:lvl3pPr marL="914377" algn="l" defTabSz="914377" rtl="0" eaLnBrk="1" latinLnBrk="0" hangingPunct="1">
-              <a:defRPr sz="1800" kern="1200">
-                <a:solidFill>
-                  <a:schemeClr val="lt1"/>
-                </a:solidFill>
-                <a:latin typeface="+mn-lt"/>
-                <a:ea typeface="+mn-ea"/>
-                <a:cs typeface="+mn-cs"/>
-              </a:defRPr>
-            </a:lvl3pPr>
-            <a:lvl4pPr marL="1371566" algn="l" defTabSz="914377" rtl="0" eaLnBrk="1" latinLnBrk="0" hangingPunct="1">
-              <a:defRPr sz="1800" kern="1200">
-                <a:solidFill>
-                  <a:schemeClr val="lt1"/>
-                </a:solidFill>
-                <a:latin typeface="+mn-lt"/>
-                <a:ea typeface="+mn-ea"/>
-                <a:cs typeface="+mn-cs"/>
-              </a:defRPr>
-            </a:lvl4pPr>
-            <a:lvl5pPr marL="1828754" algn="l" defTabSz="914377" rtl="0" eaLnBrk="1" latinLnBrk="0" hangingPunct="1">
-              <a:defRPr sz="1800" kern="1200">
-                <a:solidFill>
-                  <a:schemeClr val="lt1"/>
-                </a:solidFill>
-                <a:latin typeface="+mn-lt"/>
-                <a:ea typeface="+mn-ea"/>
-                <a:cs typeface="+mn-cs"/>
-              </a:defRPr>
-            </a:lvl5pPr>
-            <a:lvl6pPr marL="2285943" algn="l" defTabSz="914377" rtl="0" eaLnBrk="1" latinLnBrk="0" hangingPunct="1">
-              <a:defRPr sz="1800" kern="1200">
-                <a:solidFill>
-                  <a:schemeClr val="lt1"/>
-                </a:solidFill>
-                <a:latin typeface="+mn-lt"/>
-                <a:ea typeface="+mn-ea"/>
-                <a:cs typeface="+mn-cs"/>
-              </a:defRPr>
-            </a:lvl6pPr>
-            <a:lvl7pPr marL="2743131" algn="l" defTabSz="914377" rtl="0" eaLnBrk="1" latinLnBrk="0" hangingPunct="1">
-              <a:defRPr sz="1800" kern="1200">
-                <a:solidFill>
-                  <a:schemeClr val="lt1"/>
-                </a:solidFill>
-                <a:latin typeface="+mn-lt"/>
-                <a:ea typeface="+mn-ea"/>
-                <a:cs typeface="+mn-cs"/>
-              </a:defRPr>
-            </a:lvl7pPr>
-            <a:lvl8pPr marL="3200320" algn="l" defTabSz="914377" rtl="0" eaLnBrk="1" latinLnBrk="0" hangingPunct="1">
-              <a:defRPr sz="1800" kern="1200">
-                <a:solidFill>
-                  <a:schemeClr val="lt1"/>
-                </a:solidFill>
-                <a:latin typeface="+mn-lt"/>
-                <a:ea typeface="+mn-ea"/>
-                <a:cs typeface="+mn-cs"/>
-              </a:defRPr>
-            </a:lvl8pPr>
-            <a:lvl9pPr marL="3657509" algn="l" defTabSz="914377" rtl="0" eaLnBrk="1" latinLnBrk="0" hangingPunct="1">
-              <a:defRPr sz="1800" kern="1200">
-                <a:solidFill>
-                  <a:schemeClr val="lt1"/>
-                </a:solidFill>
-                <a:latin typeface="+mn-lt"/>
-                <a:ea typeface="+mn-ea"/>
-                <a:cs typeface="+mn-cs"/>
-              </a:defRPr>
-            </a:lvl9pPr>
-          </a:lstStyle>
-          <a:p>
-            <a:pPr algn="ctr"/>
-            <a:r>
-              <a:rPr lang="en-US" sz="1200" dirty="0">
-                <a:solidFill>
-                  <a:schemeClr val="bg1"/>
-                </a:solidFill>
-              </a:rPr>
-              <a:t>hardware</a:t>
-            </a:r>
-          </a:p>
-        </p:txBody>
-      </p:sp>
-    </p:spTree>
-    <p:extLst>
-      <p:ext uri="{BB962C8B-B14F-4D97-AF65-F5344CB8AC3E}">
-        <p14:creationId xmlns:p14="http://schemas.microsoft.com/office/powerpoint/2010/main" val="856986903"/>
-      </p:ext>
-    </p:extLst>
-  </p:cSld>
-  <p:clrMapOvr>
-    <a:masterClrMapping/>
-  </p:clrMapOvr>
-</p:sld>
-</file>
-
-<file path=ppt/slides/slide7.xml><?xml version="1.0" encoding="utf-8"?>
 <p:sld xmlns:a="http://schemas.openxmlformats.org/drawingml/2006/main" xmlns:r="http://schemas.openxmlformats.org/officeDocument/2006/relationships" xmlns:p="http://schemas.openxmlformats.org/presentationml/2006/main">
   <p:cSld>
     <p:spTree>

--- a/VEEPortingGuide/images/uiLL.pptx
+++ b/VEEPortingGuide/images/uiLL.pptx
@@ -202,7 +202,7 @@
           <a:p>
             <a:fld id="{F47202D6-4449-4ABC-9430-570B72DCED4F}" type="datetimeFigureOut">
               <a:rPr lang="en-US" smtClean="0"/>
-              <a:t>23/06/02</a:t>
+              <a:t>23/06/06</a:t>
             </a:fld>
             <a:endParaRPr lang="en-US"/>
           </a:p>
@@ -786,7 +786,7 @@
           <a:p>
             <a:fld id="{4E285625-C24A-4341-90BC-6CD71F835625}" type="datetimeFigureOut">
               <a:rPr lang="en-GB" smtClean="0"/>
-              <a:t>02/06/2023</a:t>
+              <a:t>06/06/2023</a:t>
             </a:fld>
             <a:endParaRPr lang="en-GB"/>
           </a:p>
@@ -986,7 +986,7 @@
           <a:p>
             <a:fld id="{4E285625-C24A-4341-90BC-6CD71F835625}" type="datetimeFigureOut">
               <a:rPr lang="en-GB" smtClean="0"/>
-              <a:t>02/06/2023</a:t>
+              <a:t>06/06/2023</a:t>
             </a:fld>
             <a:endParaRPr lang="en-GB"/>
           </a:p>
@@ -1196,7 +1196,7 @@
           <a:p>
             <a:fld id="{4E285625-C24A-4341-90BC-6CD71F835625}" type="datetimeFigureOut">
               <a:rPr lang="en-GB" smtClean="0"/>
-              <a:t>02/06/2023</a:t>
+              <a:t>06/06/2023</a:t>
             </a:fld>
             <a:endParaRPr lang="en-GB"/>
           </a:p>
@@ -1396,7 +1396,7 @@
           <a:p>
             <a:fld id="{4E285625-C24A-4341-90BC-6CD71F835625}" type="datetimeFigureOut">
               <a:rPr lang="en-GB" smtClean="0"/>
-              <a:t>02/06/2023</a:t>
+              <a:t>06/06/2023</a:t>
             </a:fld>
             <a:endParaRPr lang="en-GB"/>
           </a:p>
@@ -1672,7 +1672,7 @@
           <a:p>
             <a:fld id="{4E285625-C24A-4341-90BC-6CD71F835625}" type="datetimeFigureOut">
               <a:rPr lang="en-GB" smtClean="0"/>
-              <a:t>02/06/2023</a:t>
+              <a:t>06/06/2023</a:t>
             </a:fld>
             <a:endParaRPr lang="en-GB"/>
           </a:p>
@@ -1940,7 +1940,7 @@
           <a:p>
             <a:fld id="{4E285625-C24A-4341-90BC-6CD71F835625}" type="datetimeFigureOut">
               <a:rPr lang="en-GB" smtClean="0"/>
-              <a:t>02/06/2023</a:t>
+              <a:t>06/06/2023</a:t>
             </a:fld>
             <a:endParaRPr lang="en-GB"/>
           </a:p>
@@ -2355,7 +2355,7 @@
           <a:p>
             <a:fld id="{4E285625-C24A-4341-90BC-6CD71F835625}" type="datetimeFigureOut">
               <a:rPr lang="en-GB" smtClean="0"/>
-              <a:t>02/06/2023</a:t>
+              <a:t>06/06/2023</a:t>
             </a:fld>
             <a:endParaRPr lang="en-GB"/>
           </a:p>
@@ -2497,7 +2497,7 @@
           <a:p>
             <a:fld id="{4E285625-C24A-4341-90BC-6CD71F835625}" type="datetimeFigureOut">
               <a:rPr lang="en-GB" smtClean="0"/>
-              <a:t>02/06/2023</a:t>
+              <a:t>06/06/2023</a:t>
             </a:fld>
             <a:endParaRPr lang="en-GB"/>
           </a:p>
@@ -2610,7 +2610,7 @@
           <a:p>
             <a:fld id="{4E285625-C24A-4341-90BC-6CD71F835625}" type="datetimeFigureOut">
               <a:rPr lang="en-GB" smtClean="0"/>
-              <a:t>02/06/2023</a:t>
+              <a:t>06/06/2023</a:t>
             </a:fld>
             <a:endParaRPr lang="en-GB"/>
           </a:p>
@@ -2923,7 +2923,7 @@
           <a:p>
             <a:fld id="{4E285625-C24A-4341-90BC-6CD71F835625}" type="datetimeFigureOut">
               <a:rPr lang="en-GB" smtClean="0"/>
-              <a:t>02/06/2023</a:t>
+              <a:t>06/06/2023</a:t>
             </a:fld>
             <a:endParaRPr lang="en-GB"/>
           </a:p>
@@ -3212,7 +3212,7 @@
           <a:p>
             <a:fld id="{4E285625-C24A-4341-90BC-6CD71F835625}" type="datetimeFigureOut">
               <a:rPr lang="en-GB" smtClean="0"/>
-              <a:t>02/06/2023</a:t>
+              <a:t>06/06/2023</a:t>
             </a:fld>
             <a:endParaRPr lang="en-GB"/>
           </a:p>
@@ -3455,7 +3455,7 @@
           <a:p>
             <a:fld id="{4E285625-C24A-4341-90BC-6CD71F835625}" type="datetimeFigureOut">
               <a:rPr lang="en-GB" smtClean="0"/>
-              <a:t>02/06/2023</a:t>
+              <a:t>06/06/2023</a:t>
             </a:fld>
             <a:endParaRPr lang="en-GB"/>
           </a:p>
@@ -4079,7 +4079,7 @@
             <a:avLst/>
           </a:prstGeom>
           <a:solidFill>
-            <a:srgbClr val="EE502E"/>
+            <a:srgbClr val="6CC24A"/>
           </a:solidFill>
           <a:ln>
             <a:noFill/>
@@ -4134,7 +4134,7 @@
             <a:avLst/>
           </a:prstGeom>
           <a:solidFill>
-            <a:srgbClr val="6CC24A"/>
+            <a:srgbClr val="00AEC7"/>
           </a:solidFill>
           <a:ln>
             <a:noFill/>
@@ -4447,7 +4447,7 @@
             <a:avLst/>
           </a:prstGeom>
           <a:solidFill>
-            <a:srgbClr val="6CC24A"/>
+            <a:srgbClr val="00AEC7"/>
           </a:solidFill>
           <a:ln>
             <a:noFill/>
@@ -4599,362 +4599,6 @@
         <p:spPr>
           <a:xfrm>
             <a:off x="8478557" y="4432159"/>
-            <a:ext cx="1645920" cy="288000"/>
-          </a:xfrm>
-          <a:prstGeom prst="roundRect">
-            <a:avLst/>
-          </a:prstGeom>
-          <a:solidFill>
-            <a:srgbClr val="6CC24A"/>
-          </a:solidFill>
-          <a:ln>
-            <a:noFill/>
-          </a:ln>
-        </p:spPr>
-        <p:style>
-          <a:lnRef idx="2">
-            <a:schemeClr val="accent1">
-              <a:shade val="50000"/>
-            </a:schemeClr>
-          </a:lnRef>
-          <a:fillRef idx="1">
-            <a:schemeClr val="accent1"/>
-          </a:fillRef>
-          <a:effectRef idx="0">
-            <a:schemeClr val="accent1"/>
-          </a:effectRef>
-          <a:fontRef idx="minor">
-            <a:schemeClr val="lt1"/>
-          </a:fontRef>
-        </p:style>
-        <p:txBody>
-          <a:bodyPr rtlCol="0" anchor="ctr"/>
-          <a:lstStyle>
-            <a:defPPr>
-              <a:defRPr lang="en-US"/>
-            </a:defPPr>
-            <a:lvl1pPr marL="0" algn="l" defTabSz="914377" rtl="0" eaLnBrk="1" latinLnBrk="0" hangingPunct="1">
-              <a:defRPr sz="1800" kern="1200">
-                <a:solidFill>
-                  <a:schemeClr val="lt1"/>
-                </a:solidFill>
-                <a:latin typeface="+mn-lt"/>
-                <a:ea typeface="+mn-ea"/>
-                <a:cs typeface="+mn-cs"/>
-              </a:defRPr>
-            </a:lvl1pPr>
-            <a:lvl2pPr marL="457189" algn="l" defTabSz="914377" rtl="0" eaLnBrk="1" latinLnBrk="0" hangingPunct="1">
-              <a:defRPr sz="1800" kern="1200">
-                <a:solidFill>
-                  <a:schemeClr val="lt1"/>
-                </a:solidFill>
-                <a:latin typeface="+mn-lt"/>
-                <a:ea typeface="+mn-ea"/>
-                <a:cs typeface="+mn-cs"/>
-              </a:defRPr>
-            </a:lvl2pPr>
-            <a:lvl3pPr marL="914377" algn="l" defTabSz="914377" rtl="0" eaLnBrk="1" latinLnBrk="0" hangingPunct="1">
-              <a:defRPr sz="1800" kern="1200">
-                <a:solidFill>
-                  <a:schemeClr val="lt1"/>
-                </a:solidFill>
-                <a:latin typeface="+mn-lt"/>
-                <a:ea typeface="+mn-ea"/>
-                <a:cs typeface="+mn-cs"/>
-              </a:defRPr>
-            </a:lvl3pPr>
-            <a:lvl4pPr marL="1371566" algn="l" defTabSz="914377" rtl="0" eaLnBrk="1" latinLnBrk="0" hangingPunct="1">
-              <a:defRPr sz="1800" kern="1200">
-                <a:solidFill>
-                  <a:schemeClr val="lt1"/>
-                </a:solidFill>
-                <a:latin typeface="+mn-lt"/>
-                <a:ea typeface="+mn-ea"/>
-                <a:cs typeface="+mn-cs"/>
-              </a:defRPr>
-            </a:lvl4pPr>
-            <a:lvl5pPr marL="1828754" algn="l" defTabSz="914377" rtl="0" eaLnBrk="1" latinLnBrk="0" hangingPunct="1">
-              <a:defRPr sz="1800" kern="1200">
-                <a:solidFill>
-                  <a:schemeClr val="lt1"/>
-                </a:solidFill>
-                <a:latin typeface="+mn-lt"/>
-                <a:ea typeface="+mn-ea"/>
-                <a:cs typeface="+mn-cs"/>
-              </a:defRPr>
-            </a:lvl5pPr>
-            <a:lvl6pPr marL="2285943" algn="l" defTabSz="914377" rtl="0" eaLnBrk="1" latinLnBrk="0" hangingPunct="1">
-              <a:defRPr sz="1800" kern="1200">
-                <a:solidFill>
-                  <a:schemeClr val="lt1"/>
-                </a:solidFill>
-                <a:latin typeface="+mn-lt"/>
-                <a:ea typeface="+mn-ea"/>
-                <a:cs typeface="+mn-cs"/>
-              </a:defRPr>
-            </a:lvl6pPr>
-            <a:lvl7pPr marL="2743131" algn="l" defTabSz="914377" rtl="0" eaLnBrk="1" latinLnBrk="0" hangingPunct="1">
-              <a:defRPr sz="1800" kern="1200">
-                <a:solidFill>
-                  <a:schemeClr val="lt1"/>
-                </a:solidFill>
-                <a:latin typeface="+mn-lt"/>
-                <a:ea typeface="+mn-ea"/>
-                <a:cs typeface="+mn-cs"/>
-              </a:defRPr>
-            </a:lvl7pPr>
-            <a:lvl8pPr marL="3200320" algn="l" defTabSz="914377" rtl="0" eaLnBrk="1" latinLnBrk="0" hangingPunct="1">
-              <a:defRPr sz="1800" kern="1200">
-                <a:solidFill>
-                  <a:schemeClr val="lt1"/>
-                </a:solidFill>
-                <a:latin typeface="+mn-lt"/>
-                <a:ea typeface="+mn-ea"/>
-                <a:cs typeface="+mn-cs"/>
-              </a:defRPr>
-            </a:lvl8pPr>
-            <a:lvl9pPr marL="3657509" algn="l" defTabSz="914377" rtl="0" eaLnBrk="1" latinLnBrk="0" hangingPunct="1">
-              <a:defRPr sz="1800" kern="1200">
-                <a:solidFill>
-                  <a:schemeClr val="lt1"/>
-                </a:solidFill>
-                <a:latin typeface="+mn-lt"/>
-                <a:ea typeface="+mn-ea"/>
-                <a:cs typeface="+mn-cs"/>
-              </a:defRPr>
-            </a:lvl9pPr>
-          </a:lstStyle>
-          <a:p>
-            <a:pPr algn="ctr"/>
-            <a:r>
-              <a:rPr lang="en-US" sz="1200" dirty="0" err="1">
-                <a:solidFill>
-                  <a:schemeClr val="bg1"/>
-                </a:solidFill>
-              </a:rPr>
-              <a:t>ui_drawing.h</a:t>
-            </a:r>
-            <a:endParaRPr lang="en-US" sz="1200" dirty="0">
-              <a:solidFill>
-                <a:schemeClr val="bg1"/>
-              </a:solidFill>
-            </a:endParaRPr>
-          </a:p>
-        </p:txBody>
-      </p:sp>
-      <p:sp>
-        <p:nvSpPr>
-          <p:cNvPr id="21" name="Rounded Rectangle 20">
-            <a:extLst>
-              <a:ext uri="{FF2B5EF4-FFF2-40B4-BE49-F238E27FC236}">
-                <a16:creationId xmlns:a16="http://schemas.microsoft.com/office/drawing/2014/main" id="{7434EAEF-0DC6-4D56-8FDB-667CD52CF390}"/>
-              </a:ext>
-            </a:extLst>
-          </p:cNvPr>
-          <p:cNvSpPr/>
-          <p:nvPr/>
-        </p:nvSpPr>
-        <p:spPr>
-          <a:xfrm>
-            <a:off x="5765301" y="2226369"/>
-            <a:ext cx="1280160" cy="288000"/>
-          </a:xfrm>
-          <a:prstGeom prst="roundRect">
-            <a:avLst/>
-          </a:prstGeom>
-          <a:solidFill>
-            <a:srgbClr val="6CC24A"/>
-          </a:solidFill>
-          <a:ln>
-            <a:noFill/>
-          </a:ln>
-        </p:spPr>
-        <p:style>
-          <a:lnRef idx="2">
-            <a:schemeClr val="accent1">
-              <a:shade val="50000"/>
-            </a:schemeClr>
-          </a:lnRef>
-          <a:fillRef idx="1">
-            <a:schemeClr val="accent1"/>
-          </a:fillRef>
-          <a:effectRef idx="0">
-            <a:schemeClr val="accent1"/>
-          </a:effectRef>
-          <a:fontRef idx="minor">
-            <a:schemeClr val="lt1"/>
-          </a:fontRef>
-        </p:style>
-        <p:txBody>
-          <a:bodyPr rtlCol="0" anchor="ctr"/>
-          <a:lstStyle>
-            <a:defPPr>
-              <a:defRPr lang="en-US"/>
-            </a:defPPr>
-            <a:lvl1pPr marL="0" algn="l" defTabSz="914377" rtl="0" eaLnBrk="1" latinLnBrk="0" hangingPunct="1">
-              <a:defRPr sz="1800" kern="1200">
-                <a:solidFill>
-                  <a:schemeClr val="lt1"/>
-                </a:solidFill>
-                <a:latin typeface="+mn-lt"/>
-                <a:ea typeface="+mn-ea"/>
-                <a:cs typeface="+mn-cs"/>
-              </a:defRPr>
-            </a:lvl1pPr>
-            <a:lvl2pPr marL="457189" algn="l" defTabSz="914377" rtl="0" eaLnBrk="1" latinLnBrk="0" hangingPunct="1">
-              <a:defRPr sz="1800" kern="1200">
-                <a:solidFill>
-                  <a:schemeClr val="lt1"/>
-                </a:solidFill>
-                <a:latin typeface="+mn-lt"/>
-                <a:ea typeface="+mn-ea"/>
-                <a:cs typeface="+mn-cs"/>
-              </a:defRPr>
-            </a:lvl2pPr>
-            <a:lvl3pPr marL="914377" algn="l" defTabSz="914377" rtl="0" eaLnBrk="1" latinLnBrk="0" hangingPunct="1">
-              <a:defRPr sz="1800" kern="1200">
-                <a:solidFill>
-                  <a:schemeClr val="lt1"/>
-                </a:solidFill>
-                <a:latin typeface="+mn-lt"/>
-                <a:ea typeface="+mn-ea"/>
-                <a:cs typeface="+mn-cs"/>
-              </a:defRPr>
-            </a:lvl3pPr>
-            <a:lvl4pPr marL="1371566" algn="l" defTabSz="914377" rtl="0" eaLnBrk="1" latinLnBrk="0" hangingPunct="1">
-              <a:defRPr sz="1800" kern="1200">
-                <a:solidFill>
-                  <a:schemeClr val="lt1"/>
-                </a:solidFill>
-                <a:latin typeface="+mn-lt"/>
-                <a:ea typeface="+mn-ea"/>
-                <a:cs typeface="+mn-cs"/>
-              </a:defRPr>
-            </a:lvl4pPr>
-            <a:lvl5pPr marL="1828754" algn="l" defTabSz="914377" rtl="0" eaLnBrk="1" latinLnBrk="0" hangingPunct="1">
-              <a:defRPr sz="1800" kern="1200">
-                <a:solidFill>
-                  <a:schemeClr val="lt1"/>
-                </a:solidFill>
-                <a:latin typeface="+mn-lt"/>
-                <a:ea typeface="+mn-ea"/>
-                <a:cs typeface="+mn-cs"/>
-              </a:defRPr>
-            </a:lvl5pPr>
-            <a:lvl6pPr marL="2285943" algn="l" defTabSz="914377" rtl="0" eaLnBrk="1" latinLnBrk="0" hangingPunct="1">
-              <a:defRPr sz="1800" kern="1200">
-                <a:solidFill>
-                  <a:schemeClr val="lt1"/>
-                </a:solidFill>
-                <a:latin typeface="+mn-lt"/>
-                <a:ea typeface="+mn-ea"/>
-                <a:cs typeface="+mn-cs"/>
-              </a:defRPr>
-            </a:lvl6pPr>
-            <a:lvl7pPr marL="2743131" algn="l" defTabSz="914377" rtl="0" eaLnBrk="1" latinLnBrk="0" hangingPunct="1">
-              <a:defRPr sz="1800" kern="1200">
-                <a:solidFill>
-                  <a:schemeClr val="lt1"/>
-                </a:solidFill>
-                <a:latin typeface="+mn-lt"/>
-                <a:ea typeface="+mn-ea"/>
-                <a:cs typeface="+mn-cs"/>
-              </a:defRPr>
-            </a:lvl7pPr>
-            <a:lvl8pPr marL="3200320" algn="l" defTabSz="914377" rtl="0" eaLnBrk="1" latinLnBrk="0" hangingPunct="1">
-              <a:defRPr sz="1800" kern="1200">
-                <a:solidFill>
-                  <a:schemeClr val="lt1"/>
-                </a:solidFill>
-                <a:latin typeface="+mn-lt"/>
-                <a:ea typeface="+mn-ea"/>
-                <a:cs typeface="+mn-cs"/>
-              </a:defRPr>
-            </a:lvl8pPr>
-            <a:lvl9pPr marL="3657509" algn="l" defTabSz="914377" rtl="0" eaLnBrk="1" latinLnBrk="0" hangingPunct="1">
-              <a:defRPr sz="1800" kern="1200">
-                <a:solidFill>
-                  <a:schemeClr val="lt1"/>
-                </a:solidFill>
-                <a:latin typeface="+mn-lt"/>
-                <a:ea typeface="+mn-ea"/>
-                <a:cs typeface="+mn-cs"/>
-              </a:defRPr>
-            </a:lvl9pPr>
-          </a:lstStyle>
-          <a:p>
-            <a:pPr algn="ctr"/>
-            <a:r>
-              <a:rPr lang="en-US" sz="1050" dirty="0" err="1">
-                <a:solidFill>
-                  <a:schemeClr val="bg1"/>
-                </a:solidFill>
-              </a:rPr>
-              <a:t>ui_drawing_soft.h</a:t>
-            </a:r>
-            <a:endParaRPr lang="en-US" sz="1050" dirty="0">
-              <a:solidFill>
-                <a:schemeClr val="bg1"/>
-              </a:solidFill>
-            </a:endParaRPr>
-          </a:p>
-        </p:txBody>
-      </p:sp>
-      <p:sp>
-        <p:nvSpPr>
-          <p:cNvPr id="23" name="Rectangle 22">
-            <a:extLst>
-              <a:ext uri="{FF2B5EF4-FFF2-40B4-BE49-F238E27FC236}">
-                <a16:creationId xmlns:a16="http://schemas.microsoft.com/office/drawing/2014/main" id="{B64FAF90-B7D6-48CD-AB2A-C5DC2F661945}"/>
-              </a:ext>
-            </a:extLst>
-          </p:cNvPr>
-          <p:cNvSpPr/>
-          <p:nvPr/>
-        </p:nvSpPr>
-        <p:spPr>
-          <a:xfrm>
-            <a:off x="8229600" y="3664148"/>
-            <a:ext cx="2767809" cy="276999"/>
-          </a:xfrm>
-          <a:prstGeom prst="rect">
-            <a:avLst/>
-          </a:prstGeom>
-        </p:spPr>
-        <p:txBody>
-          <a:bodyPr wrap="none">
-            <a:spAutoFit/>
-          </a:bodyPr>
-          <a:lstStyle/>
-          <a:p>
-            <a:pPr algn="ctr"/>
-            <a:r>
-              <a:rPr lang="en-US" sz="1200" dirty="0"/>
-              <a:t>CCO - </a:t>
-            </a:r>
-            <a:r>
-              <a:rPr lang="en-US" sz="1200" dirty="0" err="1"/>
-              <a:t>com.microej.clibrary.llimpl#microui</a:t>
-            </a:r>
-            <a:endParaRPr lang="en-US" sz="1200" dirty="0"/>
-          </a:p>
-        </p:txBody>
-      </p:sp>
-      <p:sp>
-        <p:nvSpPr>
-          <p:cNvPr id="25" name="Rounded Rectangle 29">
-            <a:extLst>
-              <a:ext uri="{FF2B5EF4-FFF2-40B4-BE49-F238E27FC236}">
-                <a16:creationId xmlns:a16="http://schemas.microsoft.com/office/drawing/2014/main" id="{6B4FEE64-729E-466E-949E-C24D6C2654B7}"/>
-              </a:ext>
-            </a:extLst>
-          </p:cNvPr>
-          <p:cNvSpPr/>
-          <p:nvPr/>
-        </p:nvSpPr>
-        <p:spPr>
-          <a:xfrm>
-            <a:off x="8478557" y="4074147"/>
             <a:ext cx="1645920" cy="288000"/>
           </a:xfrm>
           <a:prstGeom prst="roundRect">
@@ -5088,7 +4732,7 @@
                   <a:schemeClr val="bg1"/>
                 </a:solidFill>
               </a:rPr>
-              <a:t>LLUI_PAINTER_impl.c</a:t>
+              <a:t>ui_drawing.h</a:t>
             </a:r>
             <a:endParaRPr lang="en-US" sz="1200" dirty="0">
               <a:solidFill>
@@ -5100,10 +4744,10 @@
       </p:sp>
       <p:sp>
         <p:nvSpPr>
-          <p:cNvPr id="27" name="Rounded Rectangle 31">
-            <a:extLst>
-              <a:ext uri="{FF2B5EF4-FFF2-40B4-BE49-F238E27FC236}">
-                <a16:creationId xmlns:a16="http://schemas.microsoft.com/office/drawing/2014/main" id="{C735D29A-CCB8-497C-AB88-7FF4DDC0A405}"/>
+          <p:cNvPr id="21" name="Rounded Rectangle 20">
+            <a:extLst>
+              <a:ext uri="{FF2B5EF4-FFF2-40B4-BE49-F238E27FC236}">
+                <a16:creationId xmlns:a16="http://schemas.microsoft.com/office/drawing/2014/main" id="{7434EAEF-0DC6-4D56-8FDB-667CD52CF390}"/>
               </a:ext>
             </a:extLst>
           </p:cNvPr>
@@ -5112,14 +4756,14 @@
         </p:nvSpPr>
         <p:spPr>
           <a:xfrm>
-            <a:off x="4001867" y="2219599"/>
-            <a:ext cx="1645920" cy="288000"/>
+            <a:off x="5765301" y="2226369"/>
+            <a:ext cx="1280160" cy="288000"/>
           </a:xfrm>
           <a:prstGeom prst="roundRect">
             <a:avLst/>
           </a:prstGeom>
           <a:solidFill>
-            <a:srgbClr val="6CC24A"/>
+            <a:srgbClr val="00AEC7"/>
           </a:solidFill>
           <a:ln>
             <a:noFill/>
@@ -5241,14 +4885,14 @@
           <a:p>
             <a:pPr algn="ctr"/>
             <a:r>
-              <a:rPr lang="en-US" sz="1200" dirty="0" err="1">
+              <a:rPr lang="en-US" sz="1050" dirty="0" err="1">
                 <a:solidFill>
                   <a:schemeClr val="bg1"/>
                 </a:solidFill>
               </a:rPr>
-              <a:t>LLUI_DISPLAY.h</a:t>
+              <a:t>ui_drawing_soft.h</a:t>
             </a:r>
-            <a:endParaRPr lang="en-US" sz="1200" dirty="0">
+            <a:endParaRPr lang="en-US" sz="1050" dirty="0">
               <a:solidFill>
                 <a:schemeClr val="bg1"/>
               </a:solidFill>
@@ -5258,10 +4902,10 @@
       </p:sp>
       <p:sp>
         <p:nvSpPr>
-          <p:cNvPr id="29" name="Rounded Rectangle 28">
-            <a:extLst>
-              <a:ext uri="{FF2B5EF4-FFF2-40B4-BE49-F238E27FC236}">
-                <a16:creationId xmlns:a16="http://schemas.microsoft.com/office/drawing/2014/main" id="{71D98C80-760D-41F1-9913-2F96AEEBC8F4}"/>
+          <p:cNvPr id="23" name="Rectangle 22">
+            <a:extLst>
+              <a:ext uri="{FF2B5EF4-FFF2-40B4-BE49-F238E27FC236}">
+                <a16:creationId xmlns:a16="http://schemas.microsoft.com/office/drawing/2014/main" id="{B64FAF90-B7D6-48CD-AB2A-C5DC2F661945}"/>
               </a:ext>
             </a:extLst>
           </p:cNvPr>
@@ -5270,14 +4914,54 @@
         </p:nvSpPr>
         <p:spPr>
           <a:xfrm>
-            <a:off x="2242810" y="2625826"/>
+            <a:off x="8229600" y="3664148"/>
+            <a:ext cx="2767809" cy="276999"/>
+          </a:xfrm>
+          <a:prstGeom prst="rect">
+            <a:avLst/>
+          </a:prstGeom>
+        </p:spPr>
+        <p:txBody>
+          <a:bodyPr wrap="none">
+            <a:spAutoFit/>
+          </a:bodyPr>
+          <a:lstStyle/>
+          <a:p>
+            <a:pPr algn="ctr"/>
+            <a:r>
+              <a:rPr lang="en-US" sz="1200" dirty="0"/>
+              <a:t>CCO - </a:t>
+            </a:r>
+            <a:r>
+              <a:rPr lang="en-US" sz="1200" dirty="0" err="1"/>
+              <a:t>com.microej.clibrary.llimpl#microui</a:t>
+            </a:r>
+            <a:endParaRPr lang="en-US" sz="1200" dirty="0"/>
+          </a:p>
+        </p:txBody>
+      </p:sp>
+      <p:sp>
+        <p:nvSpPr>
+          <p:cNvPr id="25" name="Rounded Rectangle 29">
+            <a:extLst>
+              <a:ext uri="{FF2B5EF4-FFF2-40B4-BE49-F238E27FC236}">
+                <a16:creationId xmlns:a16="http://schemas.microsoft.com/office/drawing/2014/main" id="{6B4FEE64-729E-466E-949E-C24D6C2654B7}"/>
+              </a:ext>
+            </a:extLst>
+          </p:cNvPr>
+          <p:cNvSpPr/>
+          <p:nvPr/>
+        </p:nvSpPr>
+        <p:spPr>
+          <a:xfrm>
+            <a:off x="8478557" y="4074147"/>
             <a:ext cx="1645920" cy="288000"/>
           </a:xfrm>
           <a:prstGeom prst="roundRect">
             <a:avLst/>
           </a:prstGeom>
           <a:solidFill>
-            <a:srgbClr val="6CC24A"/>
+            <a:srgbClr val="EE502E"/>
           </a:solidFill>
           <a:ln>
             <a:noFill/>
@@ -5404,7 +5088,7 @@
                   <a:schemeClr val="bg1"/>
                 </a:solidFill>
               </a:rPr>
-              <a:t>LLUI_INPUT_impl.h</a:t>
+              <a:t>LLUI_PAINTER_impl.c</a:t>
             </a:r>
             <a:endParaRPr lang="en-US" sz="1200" dirty="0">
               <a:solidFill>
@@ -5416,10 +5100,10 @@
       </p:sp>
       <p:sp>
         <p:nvSpPr>
-          <p:cNvPr id="31" name="Rounded Rectangle 34">
-            <a:extLst>
-              <a:ext uri="{FF2B5EF4-FFF2-40B4-BE49-F238E27FC236}">
-                <a16:creationId xmlns:a16="http://schemas.microsoft.com/office/drawing/2014/main" id="{DB34D9E8-77F0-4DDC-B501-9D0ADCD10393}"/>
+          <p:cNvPr id="27" name="Rounded Rectangle 31">
+            <a:extLst>
+              <a:ext uri="{FF2B5EF4-FFF2-40B4-BE49-F238E27FC236}">
+                <a16:creationId xmlns:a16="http://schemas.microsoft.com/office/drawing/2014/main" id="{C735D29A-CCB8-497C-AB88-7FF4DDC0A405}"/>
               </a:ext>
             </a:extLst>
           </p:cNvPr>
@@ -5428,14 +5112,14 @@
         </p:nvSpPr>
         <p:spPr>
           <a:xfrm>
-            <a:off x="2242810" y="2243524"/>
+            <a:off x="4001867" y="2219599"/>
             <a:ext cx="1645920" cy="288000"/>
           </a:xfrm>
           <a:prstGeom prst="roundRect">
             <a:avLst/>
           </a:prstGeom>
           <a:solidFill>
-            <a:srgbClr val="6CC24A"/>
+            <a:srgbClr val="00AEC7"/>
           </a:solidFill>
           <a:ln>
             <a:noFill/>
@@ -5562,7 +5246,7 @@
                   <a:schemeClr val="bg1"/>
                 </a:solidFill>
               </a:rPr>
-              <a:t>LLUI_INPUT.h</a:t>
+              <a:t>LLUI_DISPLAY.h</a:t>
             </a:r>
             <a:endParaRPr lang="en-US" sz="1200" dirty="0">
               <a:solidFill>
@@ -5574,10 +5258,10 @@
       </p:sp>
       <p:sp>
         <p:nvSpPr>
-          <p:cNvPr id="33" name="Rounded Rectangle 39">
-            <a:extLst>
-              <a:ext uri="{FF2B5EF4-FFF2-40B4-BE49-F238E27FC236}">
-                <a16:creationId xmlns:a16="http://schemas.microsoft.com/office/drawing/2014/main" id="{082E1A94-96F0-477A-86D0-C304A8EE457A}"/>
+          <p:cNvPr id="29" name="Rounded Rectangle 28">
+            <a:extLst>
+              <a:ext uri="{FF2B5EF4-FFF2-40B4-BE49-F238E27FC236}">
+                <a16:creationId xmlns:a16="http://schemas.microsoft.com/office/drawing/2014/main" id="{71D98C80-760D-41F1-9913-2F96AEEBC8F4}"/>
               </a:ext>
             </a:extLst>
           </p:cNvPr>
@@ -5586,14 +5270,14 @@
         </p:nvSpPr>
         <p:spPr>
           <a:xfrm>
-            <a:off x="479375" y="2625826"/>
+            <a:off x="2242810" y="2625826"/>
             <a:ext cx="1645920" cy="288000"/>
           </a:xfrm>
           <a:prstGeom prst="roundRect">
             <a:avLst/>
           </a:prstGeom>
           <a:solidFill>
-            <a:srgbClr val="6CC24A"/>
+            <a:srgbClr val="00AEC7"/>
           </a:solidFill>
           <a:ln>
             <a:noFill/>
@@ -5720,6 +5404,322 @@
                   <a:schemeClr val="bg1"/>
                 </a:solidFill>
               </a:rPr>
+              <a:t>LLUI_INPUT_impl.h</a:t>
+            </a:r>
+            <a:endParaRPr lang="en-US" sz="1200" dirty="0">
+              <a:solidFill>
+                <a:schemeClr val="bg1"/>
+              </a:solidFill>
+            </a:endParaRPr>
+          </a:p>
+        </p:txBody>
+      </p:sp>
+      <p:sp>
+        <p:nvSpPr>
+          <p:cNvPr id="31" name="Rounded Rectangle 34">
+            <a:extLst>
+              <a:ext uri="{FF2B5EF4-FFF2-40B4-BE49-F238E27FC236}">
+                <a16:creationId xmlns:a16="http://schemas.microsoft.com/office/drawing/2014/main" id="{DB34D9E8-77F0-4DDC-B501-9D0ADCD10393}"/>
+              </a:ext>
+            </a:extLst>
+          </p:cNvPr>
+          <p:cNvSpPr/>
+          <p:nvPr/>
+        </p:nvSpPr>
+        <p:spPr>
+          <a:xfrm>
+            <a:off x="2242810" y="2243524"/>
+            <a:ext cx="1645920" cy="288000"/>
+          </a:xfrm>
+          <a:prstGeom prst="roundRect">
+            <a:avLst/>
+          </a:prstGeom>
+          <a:solidFill>
+            <a:srgbClr val="00AEC7"/>
+          </a:solidFill>
+          <a:ln>
+            <a:noFill/>
+          </a:ln>
+        </p:spPr>
+        <p:style>
+          <a:lnRef idx="2">
+            <a:schemeClr val="accent1">
+              <a:shade val="50000"/>
+            </a:schemeClr>
+          </a:lnRef>
+          <a:fillRef idx="1">
+            <a:schemeClr val="accent1"/>
+          </a:fillRef>
+          <a:effectRef idx="0">
+            <a:schemeClr val="accent1"/>
+          </a:effectRef>
+          <a:fontRef idx="minor">
+            <a:schemeClr val="lt1"/>
+          </a:fontRef>
+        </p:style>
+        <p:txBody>
+          <a:bodyPr rtlCol="0" anchor="ctr"/>
+          <a:lstStyle>
+            <a:defPPr>
+              <a:defRPr lang="en-US"/>
+            </a:defPPr>
+            <a:lvl1pPr marL="0" algn="l" defTabSz="914377" rtl="0" eaLnBrk="1" latinLnBrk="0" hangingPunct="1">
+              <a:defRPr sz="1800" kern="1200">
+                <a:solidFill>
+                  <a:schemeClr val="lt1"/>
+                </a:solidFill>
+                <a:latin typeface="+mn-lt"/>
+                <a:ea typeface="+mn-ea"/>
+                <a:cs typeface="+mn-cs"/>
+              </a:defRPr>
+            </a:lvl1pPr>
+            <a:lvl2pPr marL="457189" algn="l" defTabSz="914377" rtl="0" eaLnBrk="1" latinLnBrk="0" hangingPunct="1">
+              <a:defRPr sz="1800" kern="1200">
+                <a:solidFill>
+                  <a:schemeClr val="lt1"/>
+                </a:solidFill>
+                <a:latin typeface="+mn-lt"/>
+                <a:ea typeface="+mn-ea"/>
+                <a:cs typeface="+mn-cs"/>
+              </a:defRPr>
+            </a:lvl2pPr>
+            <a:lvl3pPr marL="914377" algn="l" defTabSz="914377" rtl="0" eaLnBrk="1" latinLnBrk="0" hangingPunct="1">
+              <a:defRPr sz="1800" kern="1200">
+                <a:solidFill>
+                  <a:schemeClr val="lt1"/>
+                </a:solidFill>
+                <a:latin typeface="+mn-lt"/>
+                <a:ea typeface="+mn-ea"/>
+                <a:cs typeface="+mn-cs"/>
+              </a:defRPr>
+            </a:lvl3pPr>
+            <a:lvl4pPr marL="1371566" algn="l" defTabSz="914377" rtl="0" eaLnBrk="1" latinLnBrk="0" hangingPunct="1">
+              <a:defRPr sz="1800" kern="1200">
+                <a:solidFill>
+                  <a:schemeClr val="lt1"/>
+                </a:solidFill>
+                <a:latin typeface="+mn-lt"/>
+                <a:ea typeface="+mn-ea"/>
+                <a:cs typeface="+mn-cs"/>
+              </a:defRPr>
+            </a:lvl4pPr>
+            <a:lvl5pPr marL="1828754" algn="l" defTabSz="914377" rtl="0" eaLnBrk="1" latinLnBrk="0" hangingPunct="1">
+              <a:defRPr sz="1800" kern="1200">
+                <a:solidFill>
+                  <a:schemeClr val="lt1"/>
+                </a:solidFill>
+                <a:latin typeface="+mn-lt"/>
+                <a:ea typeface="+mn-ea"/>
+                <a:cs typeface="+mn-cs"/>
+              </a:defRPr>
+            </a:lvl5pPr>
+            <a:lvl6pPr marL="2285943" algn="l" defTabSz="914377" rtl="0" eaLnBrk="1" latinLnBrk="0" hangingPunct="1">
+              <a:defRPr sz="1800" kern="1200">
+                <a:solidFill>
+                  <a:schemeClr val="lt1"/>
+                </a:solidFill>
+                <a:latin typeface="+mn-lt"/>
+                <a:ea typeface="+mn-ea"/>
+                <a:cs typeface="+mn-cs"/>
+              </a:defRPr>
+            </a:lvl6pPr>
+            <a:lvl7pPr marL="2743131" algn="l" defTabSz="914377" rtl="0" eaLnBrk="1" latinLnBrk="0" hangingPunct="1">
+              <a:defRPr sz="1800" kern="1200">
+                <a:solidFill>
+                  <a:schemeClr val="lt1"/>
+                </a:solidFill>
+                <a:latin typeface="+mn-lt"/>
+                <a:ea typeface="+mn-ea"/>
+                <a:cs typeface="+mn-cs"/>
+              </a:defRPr>
+            </a:lvl7pPr>
+            <a:lvl8pPr marL="3200320" algn="l" defTabSz="914377" rtl="0" eaLnBrk="1" latinLnBrk="0" hangingPunct="1">
+              <a:defRPr sz="1800" kern="1200">
+                <a:solidFill>
+                  <a:schemeClr val="lt1"/>
+                </a:solidFill>
+                <a:latin typeface="+mn-lt"/>
+                <a:ea typeface="+mn-ea"/>
+                <a:cs typeface="+mn-cs"/>
+              </a:defRPr>
+            </a:lvl8pPr>
+            <a:lvl9pPr marL="3657509" algn="l" defTabSz="914377" rtl="0" eaLnBrk="1" latinLnBrk="0" hangingPunct="1">
+              <a:defRPr sz="1800" kern="1200">
+                <a:solidFill>
+                  <a:schemeClr val="lt1"/>
+                </a:solidFill>
+                <a:latin typeface="+mn-lt"/>
+                <a:ea typeface="+mn-ea"/>
+                <a:cs typeface="+mn-cs"/>
+              </a:defRPr>
+            </a:lvl9pPr>
+          </a:lstStyle>
+          <a:p>
+            <a:pPr algn="ctr"/>
+            <a:r>
+              <a:rPr lang="en-US" sz="1200" dirty="0" err="1">
+                <a:solidFill>
+                  <a:schemeClr val="bg1"/>
+                </a:solidFill>
+              </a:rPr>
+              <a:t>LLUI_INPUT.h</a:t>
+            </a:r>
+            <a:endParaRPr lang="en-US" sz="1200" dirty="0">
+              <a:solidFill>
+                <a:schemeClr val="bg1"/>
+              </a:solidFill>
+            </a:endParaRPr>
+          </a:p>
+        </p:txBody>
+      </p:sp>
+      <p:sp>
+        <p:nvSpPr>
+          <p:cNvPr id="33" name="Rounded Rectangle 39">
+            <a:extLst>
+              <a:ext uri="{FF2B5EF4-FFF2-40B4-BE49-F238E27FC236}">
+                <a16:creationId xmlns:a16="http://schemas.microsoft.com/office/drawing/2014/main" id="{082E1A94-96F0-477A-86D0-C304A8EE457A}"/>
+              </a:ext>
+            </a:extLst>
+          </p:cNvPr>
+          <p:cNvSpPr/>
+          <p:nvPr/>
+        </p:nvSpPr>
+        <p:spPr>
+          <a:xfrm>
+            <a:off x="479375" y="2625826"/>
+            <a:ext cx="1645920" cy="288000"/>
+          </a:xfrm>
+          <a:prstGeom prst="roundRect">
+            <a:avLst/>
+          </a:prstGeom>
+          <a:solidFill>
+            <a:srgbClr val="00AEC7"/>
+          </a:solidFill>
+          <a:ln>
+            <a:noFill/>
+          </a:ln>
+        </p:spPr>
+        <p:style>
+          <a:lnRef idx="2">
+            <a:schemeClr val="accent1">
+              <a:shade val="50000"/>
+            </a:schemeClr>
+          </a:lnRef>
+          <a:fillRef idx="1">
+            <a:schemeClr val="accent1"/>
+          </a:fillRef>
+          <a:effectRef idx="0">
+            <a:schemeClr val="accent1"/>
+          </a:effectRef>
+          <a:fontRef idx="minor">
+            <a:schemeClr val="lt1"/>
+          </a:fontRef>
+        </p:style>
+        <p:txBody>
+          <a:bodyPr rtlCol="0" anchor="ctr"/>
+          <a:lstStyle>
+            <a:defPPr>
+              <a:defRPr lang="en-US"/>
+            </a:defPPr>
+            <a:lvl1pPr marL="0" algn="l" defTabSz="914377" rtl="0" eaLnBrk="1" latinLnBrk="0" hangingPunct="1">
+              <a:defRPr sz="1800" kern="1200">
+                <a:solidFill>
+                  <a:schemeClr val="lt1"/>
+                </a:solidFill>
+                <a:latin typeface="+mn-lt"/>
+                <a:ea typeface="+mn-ea"/>
+                <a:cs typeface="+mn-cs"/>
+              </a:defRPr>
+            </a:lvl1pPr>
+            <a:lvl2pPr marL="457189" algn="l" defTabSz="914377" rtl="0" eaLnBrk="1" latinLnBrk="0" hangingPunct="1">
+              <a:defRPr sz="1800" kern="1200">
+                <a:solidFill>
+                  <a:schemeClr val="lt1"/>
+                </a:solidFill>
+                <a:latin typeface="+mn-lt"/>
+                <a:ea typeface="+mn-ea"/>
+                <a:cs typeface="+mn-cs"/>
+              </a:defRPr>
+            </a:lvl2pPr>
+            <a:lvl3pPr marL="914377" algn="l" defTabSz="914377" rtl="0" eaLnBrk="1" latinLnBrk="0" hangingPunct="1">
+              <a:defRPr sz="1800" kern="1200">
+                <a:solidFill>
+                  <a:schemeClr val="lt1"/>
+                </a:solidFill>
+                <a:latin typeface="+mn-lt"/>
+                <a:ea typeface="+mn-ea"/>
+                <a:cs typeface="+mn-cs"/>
+              </a:defRPr>
+            </a:lvl3pPr>
+            <a:lvl4pPr marL="1371566" algn="l" defTabSz="914377" rtl="0" eaLnBrk="1" latinLnBrk="0" hangingPunct="1">
+              <a:defRPr sz="1800" kern="1200">
+                <a:solidFill>
+                  <a:schemeClr val="lt1"/>
+                </a:solidFill>
+                <a:latin typeface="+mn-lt"/>
+                <a:ea typeface="+mn-ea"/>
+                <a:cs typeface="+mn-cs"/>
+              </a:defRPr>
+            </a:lvl4pPr>
+            <a:lvl5pPr marL="1828754" algn="l" defTabSz="914377" rtl="0" eaLnBrk="1" latinLnBrk="0" hangingPunct="1">
+              <a:defRPr sz="1800" kern="1200">
+                <a:solidFill>
+                  <a:schemeClr val="lt1"/>
+                </a:solidFill>
+                <a:latin typeface="+mn-lt"/>
+                <a:ea typeface="+mn-ea"/>
+                <a:cs typeface="+mn-cs"/>
+              </a:defRPr>
+            </a:lvl5pPr>
+            <a:lvl6pPr marL="2285943" algn="l" defTabSz="914377" rtl="0" eaLnBrk="1" latinLnBrk="0" hangingPunct="1">
+              <a:defRPr sz="1800" kern="1200">
+                <a:solidFill>
+                  <a:schemeClr val="lt1"/>
+                </a:solidFill>
+                <a:latin typeface="+mn-lt"/>
+                <a:ea typeface="+mn-ea"/>
+                <a:cs typeface="+mn-cs"/>
+              </a:defRPr>
+            </a:lvl6pPr>
+            <a:lvl7pPr marL="2743131" algn="l" defTabSz="914377" rtl="0" eaLnBrk="1" latinLnBrk="0" hangingPunct="1">
+              <a:defRPr sz="1800" kern="1200">
+                <a:solidFill>
+                  <a:schemeClr val="lt1"/>
+                </a:solidFill>
+                <a:latin typeface="+mn-lt"/>
+                <a:ea typeface="+mn-ea"/>
+                <a:cs typeface="+mn-cs"/>
+              </a:defRPr>
+            </a:lvl7pPr>
+            <a:lvl8pPr marL="3200320" algn="l" defTabSz="914377" rtl="0" eaLnBrk="1" latinLnBrk="0" hangingPunct="1">
+              <a:defRPr sz="1800" kern="1200">
+                <a:solidFill>
+                  <a:schemeClr val="lt1"/>
+                </a:solidFill>
+                <a:latin typeface="+mn-lt"/>
+                <a:ea typeface="+mn-ea"/>
+                <a:cs typeface="+mn-cs"/>
+              </a:defRPr>
+            </a:lvl8pPr>
+            <a:lvl9pPr marL="3657509" algn="l" defTabSz="914377" rtl="0" eaLnBrk="1" latinLnBrk="0" hangingPunct="1">
+              <a:defRPr sz="1800" kern="1200">
+                <a:solidFill>
+                  <a:schemeClr val="lt1"/>
+                </a:solidFill>
+                <a:latin typeface="+mn-lt"/>
+                <a:ea typeface="+mn-ea"/>
+                <a:cs typeface="+mn-cs"/>
+              </a:defRPr>
+            </a:lvl9pPr>
+          </a:lstStyle>
+          <a:p>
+            <a:pPr algn="ctr"/>
+            <a:r>
+              <a:rPr lang="en-US" sz="1200" dirty="0" err="1">
+                <a:solidFill>
+                  <a:schemeClr val="bg1"/>
+                </a:solidFill>
+              </a:rPr>
               <a:t>LLUI_LED_impl.h</a:t>
             </a:r>
             <a:endParaRPr lang="en-US" sz="1200" dirty="0">
@@ -5751,7 +5751,7 @@
             <a:avLst/>
           </a:prstGeom>
           <a:solidFill>
-            <a:srgbClr val="00AEC7"/>
+            <a:srgbClr val="EE502E"/>
           </a:solidFill>
           <a:ln>
             <a:noFill/>
@@ -6064,7 +6064,7 @@
             <a:avLst/>
           </a:prstGeom>
           <a:solidFill>
-            <a:srgbClr val="6CC24A"/>
+            <a:srgbClr val="00AEC7"/>
           </a:solidFill>
           <a:ln>
             <a:noFill/>
@@ -6216,6 +6216,96 @@
         <p:spPr>
           <a:xfrm>
             <a:off x="2242810" y="1837488"/>
+            <a:ext cx="1645920" cy="288000"/>
+          </a:xfrm>
+          <a:prstGeom prst="roundRect">
+            <a:avLst/>
+          </a:prstGeom>
+          <a:solidFill>
+            <a:srgbClr val="6CC24A"/>
+          </a:solidFill>
+          <a:ln>
+            <a:noFill/>
+          </a:ln>
+        </p:spPr>
+        <p:style>
+          <a:lnRef idx="2">
+            <a:schemeClr val="accent1">
+              <a:shade val="50000"/>
+            </a:schemeClr>
+          </a:lnRef>
+          <a:fillRef idx="1">
+            <a:schemeClr val="accent1"/>
+          </a:fillRef>
+          <a:effectRef idx="0">
+            <a:schemeClr val="accent1"/>
+          </a:effectRef>
+          <a:fontRef idx="minor">
+            <a:schemeClr val="lt1"/>
+          </a:fontRef>
+        </p:style>
+        <p:txBody>
+          <a:bodyPr rtlCol="0" anchor="ctr"/>
+          <a:lstStyle/>
+          <a:p>
+            <a:pPr algn="ctr"/>
+            <a:r>
+              <a:rPr lang="en-US" sz="1200" dirty="0"/>
+              <a:t>Event Engine</a:t>
+            </a:r>
+          </a:p>
+        </p:txBody>
+      </p:sp>
+      <p:sp>
+        <p:nvSpPr>
+          <p:cNvPr id="43" name="Rectangle 42">
+            <a:extLst>
+              <a:ext uri="{FF2B5EF4-FFF2-40B4-BE49-F238E27FC236}">
+                <a16:creationId xmlns:a16="http://schemas.microsoft.com/office/drawing/2014/main" id="{D6B34BBD-ECEF-47DD-9E55-4CA4015DDD4F}"/>
+              </a:ext>
+            </a:extLst>
+          </p:cNvPr>
+          <p:cNvSpPr/>
+          <p:nvPr/>
+        </p:nvSpPr>
+        <p:spPr>
+          <a:xfrm>
+            <a:off x="332218" y="3628961"/>
+            <a:ext cx="413896" cy="276999"/>
+          </a:xfrm>
+          <a:prstGeom prst="rect">
+            <a:avLst/>
+          </a:prstGeom>
+        </p:spPr>
+        <p:txBody>
+          <a:bodyPr wrap="none">
+            <a:spAutoFit/>
+          </a:bodyPr>
+          <a:lstStyle/>
+          <a:p>
+            <a:pPr algn="ctr"/>
+            <a:r>
+              <a:rPr lang="en-US" sz="1200" dirty="0"/>
+              <a:t>BSP</a:t>
+            </a:r>
+          </a:p>
+        </p:txBody>
+      </p:sp>
+      <p:sp>
+        <p:nvSpPr>
+          <p:cNvPr id="45" name="Rounded Rectangle 46">
+            <a:extLst>
+              <a:ext uri="{FF2B5EF4-FFF2-40B4-BE49-F238E27FC236}">
+                <a16:creationId xmlns:a16="http://schemas.microsoft.com/office/drawing/2014/main" id="{3006C0CE-84FA-4D8C-A786-4B4DE7EDDE2E}"/>
+              </a:ext>
+            </a:extLst>
+          </p:cNvPr>
+          <p:cNvSpPr/>
+          <p:nvPr/>
+        </p:nvSpPr>
+        <p:spPr>
+          <a:xfrm>
+            <a:off x="2242810" y="4074147"/>
             <a:ext cx="1645920" cy="288000"/>
           </a:xfrm>
           <a:prstGeom prst="roundRect">
@@ -6246,22 +6336,125 @@
         </p:style>
         <p:txBody>
           <a:bodyPr rtlCol="0" anchor="ctr"/>
-          <a:lstStyle/>
+          <a:lstStyle>
+            <a:defPPr>
+              <a:defRPr lang="en-US"/>
+            </a:defPPr>
+            <a:lvl1pPr marL="0" algn="l" defTabSz="914377" rtl="0" eaLnBrk="1" latinLnBrk="0" hangingPunct="1">
+              <a:defRPr sz="1800" kern="1200">
+                <a:solidFill>
+                  <a:schemeClr val="lt1"/>
+                </a:solidFill>
+                <a:latin typeface="+mn-lt"/>
+                <a:ea typeface="+mn-ea"/>
+                <a:cs typeface="+mn-cs"/>
+              </a:defRPr>
+            </a:lvl1pPr>
+            <a:lvl2pPr marL="457189" algn="l" defTabSz="914377" rtl="0" eaLnBrk="1" latinLnBrk="0" hangingPunct="1">
+              <a:defRPr sz="1800" kern="1200">
+                <a:solidFill>
+                  <a:schemeClr val="lt1"/>
+                </a:solidFill>
+                <a:latin typeface="+mn-lt"/>
+                <a:ea typeface="+mn-ea"/>
+                <a:cs typeface="+mn-cs"/>
+              </a:defRPr>
+            </a:lvl2pPr>
+            <a:lvl3pPr marL="914377" algn="l" defTabSz="914377" rtl="0" eaLnBrk="1" latinLnBrk="0" hangingPunct="1">
+              <a:defRPr sz="1800" kern="1200">
+                <a:solidFill>
+                  <a:schemeClr val="lt1"/>
+                </a:solidFill>
+                <a:latin typeface="+mn-lt"/>
+                <a:ea typeface="+mn-ea"/>
+                <a:cs typeface="+mn-cs"/>
+              </a:defRPr>
+            </a:lvl3pPr>
+            <a:lvl4pPr marL="1371566" algn="l" defTabSz="914377" rtl="0" eaLnBrk="1" latinLnBrk="0" hangingPunct="1">
+              <a:defRPr sz="1800" kern="1200">
+                <a:solidFill>
+                  <a:schemeClr val="lt1"/>
+                </a:solidFill>
+                <a:latin typeface="+mn-lt"/>
+                <a:ea typeface="+mn-ea"/>
+                <a:cs typeface="+mn-cs"/>
+              </a:defRPr>
+            </a:lvl4pPr>
+            <a:lvl5pPr marL="1828754" algn="l" defTabSz="914377" rtl="0" eaLnBrk="1" latinLnBrk="0" hangingPunct="1">
+              <a:defRPr sz="1800" kern="1200">
+                <a:solidFill>
+                  <a:schemeClr val="lt1"/>
+                </a:solidFill>
+                <a:latin typeface="+mn-lt"/>
+                <a:ea typeface="+mn-ea"/>
+                <a:cs typeface="+mn-cs"/>
+              </a:defRPr>
+            </a:lvl5pPr>
+            <a:lvl6pPr marL="2285943" algn="l" defTabSz="914377" rtl="0" eaLnBrk="1" latinLnBrk="0" hangingPunct="1">
+              <a:defRPr sz="1800" kern="1200">
+                <a:solidFill>
+                  <a:schemeClr val="lt1"/>
+                </a:solidFill>
+                <a:latin typeface="+mn-lt"/>
+                <a:ea typeface="+mn-ea"/>
+                <a:cs typeface="+mn-cs"/>
+              </a:defRPr>
+            </a:lvl6pPr>
+            <a:lvl7pPr marL="2743131" algn="l" defTabSz="914377" rtl="0" eaLnBrk="1" latinLnBrk="0" hangingPunct="1">
+              <a:defRPr sz="1800" kern="1200">
+                <a:solidFill>
+                  <a:schemeClr val="lt1"/>
+                </a:solidFill>
+                <a:latin typeface="+mn-lt"/>
+                <a:ea typeface="+mn-ea"/>
+                <a:cs typeface="+mn-cs"/>
+              </a:defRPr>
+            </a:lvl7pPr>
+            <a:lvl8pPr marL="3200320" algn="l" defTabSz="914377" rtl="0" eaLnBrk="1" latinLnBrk="0" hangingPunct="1">
+              <a:defRPr sz="1800" kern="1200">
+                <a:solidFill>
+                  <a:schemeClr val="lt1"/>
+                </a:solidFill>
+                <a:latin typeface="+mn-lt"/>
+                <a:ea typeface="+mn-ea"/>
+                <a:cs typeface="+mn-cs"/>
+              </a:defRPr>
+            </a:lvl8pPr>
+            <a:lvl9pPr marL="3657509" algn="l" defTabSz="914377" rtl="0" eaLnBrk="1" latinLnBrk="0" hangingPunct="1">
+              <a:defRPr sz="1800" kern="1200">
+                <a:solidFill>
+                  <a:schemeClr val="lt1"/>
+                </a:solidFill>
+                <a:latin typeface="+mn-lt"/>
+                <a:ea typeface="+mn-ea"/>
+                <a:cs typeface="+mn-cs"/>
+              </a:defRPr>
+            </a:lvl9pPr>
+          </a:lstStyle>
           <a:p>
             <a:pPr algn="ctr"/>
             <a:r>
-              <a:rPr lang="en-US" sz="1200" dirty="0"/>
-              <a:t>Event Engine</a:t>
+              <a:rPr lang="en-US" sz="1200" dirty="0" err="1">
+                <a:solidFill>
+                  <a:schemeClr val="bg1"/>
+                </a:solidFill>
+              </a:rPr>
+              <a:t>LLUI_INPUT_impl.c</a:t>
             </a:r>
+            <a:endParaRPr lang="en-US" sz="1200" dirty="0">
+              <a:solidFill>
+                <a:schemeClr val="bg1"/>
+              </a:solidFill>
+            </a:endParaRPr>
           </a:p>
         </p:txBody>
       </p:sp>
       <p:sp>
         <p:nvSpPr>
-          <p:cNvPr id="43" name="Rectangle 42">
-            <a:extLst>
-              <a:ext uri="{FF2B5EF4-FFF2-40B4-BE49-F238E27FC236}">
-                <a16:creationId xmlns:a16="http://schemas.microsoft.com/office/drawing/2014/main" id="{D6B34BBD-ECEF-47DD-9E55-4CA4015DDD4F}"/>
+          <p:cNvPr id="47" name="Rounded Rectangle 47">
+            <a:extLst>
+              <a:ext uri="{FF2B5EF4-FFF2-40B4-BE49-F238E27FC236}">
+                <a16:creationId xmlns:a16="http://schemas.microsoft.com/office/drawing/2014/main" id="{A5694037-ABF2-42AE-836E-F23DABEAF555}"/>
               </a:ext>
             </a:extLst>
           </p:cNvPr>
@@ -6270,33 +6463,156 @@
         </p:nvSpPr>
         <p:spPr>
           <a:xfrm>
-            <a:off x="332218" y="3628961"/>
-            <a:ext cx="413896" cy="276999"/>
+            <a:off x="4001867" y="4074147"/>
+            <a:ext cx="1645920" cy="288000"/>
           </a:xfrm>
-          <a:prstGeom prst="rect">
+          <a:prstGeom prst="roundRect">
             <a:avLst/>
           </a:prstGeom>
+          <a:solidFill>
+            <a:srgbClr val="EE502E"/>
+          </a:solidFill>
+          <a:ln>
+            <a:noFill/>
+          </a:ln>
         </p:spPr>
+        <p:style>
+          <a:lnRef idx="2">
+            <a:schemeClr val="accent1">
+              <a:shade val="50000"/>
+            </a:schemeClr>
+          </a:lnRef>
+          <a:fillRef idx="1">
+            <a:schemeClr val="accent1"/>
+          </a:fillRef>
+          <a:effectRef idx="0">
+            <a:schemeClr val="accent1"/>
+          </a:effectRef>
+          <a:fontRef idx="minor">
+            <a:schemeClr val="lt1"/>
+          </a:fontRef>
+        </p:style>
         <p:txBody>
-          <a:bodyPr wrap="none">
-            <a:spAutoFit/>
-          </a:bodyPr>
-          <a:lstStyle/>
+          <a:bodyPr rtlCol="0" anchor="ctr"/>
+          <a:lstStyle>
+            <a:defPPr>
+              <a:defRPr lang="en-US"/>
+            </a:defPPr>
+            <a:lvl1pPr marL="0" algn="l" defTabSz="914377" rtl="0" eaLnBrk="1" latinLnBrk="0" hangingPunct="1">
+              <a:defRPr sz="1800" kern="1200">
+                <a:solidFill>
+                  <a:schemeClr val="lt1"/>
+                </a:solidFill>
+                <a:latin typeface="+mn-lt"/>
+                <a:ea typeface="+mn-ea"/>
+                <a:cs typeface="+mn-cs"/>
+              </a:defRPr>
+            </a:lvl1pPr>
+            <a:lvl2pPr marL="457189" algn="l" defTabSz="914377" rtl="0" eaLnBrk="1" latinLnBrk="0" hangingPunct="1">
+              <a:defRPr sz="1800" kern="1200">
+                <a:solidFill>
+                  <a:schemeClr val="lt1"/>
+                </a:solidFill>
+                <a:latin typeface="+mn-lt"/>
+                <a:ea typeface="+mn-ea"/>
+                <a:cs typeface="+mn-cs"/>
+              </a:defRPr>
+            </a:lvl2pPr>
+            <a:lvl3pPr marL="914377" algn="l" defTabSz="914377" rtl="0" eaLnBrk="1" latinLnBrk="0" hangingPunct="1">
+              <a:defRPr sz="1800" kern="1200">
+                <a:solidFill>
+                  <a:schemeClr val="lt1"/>
+                </a:solidFill>
+                <a:latin typeface="+mn-lt"/>
+                <a:ea typeface="+mn-ea"/>
+                <a:cs typeface="+mn-cs"/>
+              </a:defRPr>
+            </a:lvl3pPr>
+            <a:lvl4pPr marL="1371566" algn="l" defTabSz="914377" rtl="0" eaLnBrk="1" latinLnBrk="0" hangingPunct="1">
+              <a:defRPr sz="1800" kern="1200">
+                <a:solidFill>
+                  <a:schemeClr val="lt1"/>
+                </a:solidFill>
+                <a:latin typeface="+mn-lt"/>
+                <a:ea typeface="+mn-ea"/>
+                <a:cs typeface="+mn-cs"/>
+              </a:defRPr>
+            </a:lvl4pPr>
+            <a:lvl5pPr marL="1828754" algn="l" defTabSz="914377" rtl="0" eaLnBrk="1" latinLnBrk="0" hangingPunct="1">
+              <a:defRPr sz="1800" kern="1200">
+                <a:solidFill>
+                  <a:schemeClr val="lt1"/>
+                </a:solidFill>
+                <a:latin typeface="+mn-lt"/>
+                <a:ea typeface="+mn-ea"/>
+                <a:cs typeface="+mn-cs"/>
+              </a:defRPr>
+            </a:lvl5pPr>
+            <a:lvl6pPr marL="2285943" algn="l" defTabSz="914377" rtl="0" eaLnBrk="1" latinLnBrk="0" hangingPunct="1">
+              <a:defRPr sz="1800" kern="1200">
+                <a:solidFill>
+                  <a:schemeClr val="lt1"/>
+                </a:solidFill>
+                <a:latin typeface="+mn-lt"/>
+                <a:ea typeface="+mn-ea"/>
+                <a:cs typeface="+mn-cs"/>
+              </a:defRPr>
+            </a:lvl6pPr>
+            <a:lvl7pPr marL="2743131" algn="l" defTabSz="914377" rtl="0" eaLnBrk="1" latinLnBrk="0" hangingPunct="1">
+              <a:defRPr sz="1800" kern="1200">
+                <a:solidFill>
+                  <a:schemeClr val="lt1"/>
+                </a:solidFill>
+                <a:latin typeface="+mn-lt"/>
+                <a:ea typeface="+mn-ea"/>
+                <a:cs typeface="+mn-cs"/>
+              </a:defRPr>
+            </a:lvl7pPr>
+            <a:lvl8pPr marL="3200320" algn="l" defTabSz="914377" rtl="0" eaLnBrk="1" latinLnBrk="0" hangingPunct="1">
+              <a:defRPr sz="1800" kern="1200">
+                <a:solidFill>
+                  <a:schemeClr val="lt1"/>
+                </a:solidFill>
+                <a:latin typeface="+mn-lt"/>
+                <a:ea typeface="+mn-ea"/>
+                <a:cs typeface="+mn-cs"/>
+              </a:defRPr>
+            </a:lvl8pPr>
+            <a:lvl9pPr marL="3657509" algn="l" defTabSz="914377" rtl="0" eaLnBrk="1" latinLnBrk="0" hangingPunct="1">
+              <a:defRPr sz="1800" kern="1200">
+                <a:solidFill>
+                  <a:schemeClr val="lt1"/>
+                </a:solidFill>
+                <a:latin typeface="+mn-lt"/>
+                <a:ea typeface="+mn-ea"/>
+                <a:cs typeface="+mn-cs"/>
+              </a:defRPr>
+            </a:lvl9pPr>
+          </a:lstStyle>
           <a:p>
             <a:pPr algn="ctr"/>
             <a:r>
-              <a:rPr lang="en-US" sz="1200" dirty="0"/>
-              <a:t>BSP</a:t>
+              <a:rPr lang="en-US" sz="1200" dirty="0" err="1">
+                <a:solidFill>
+                  <a:schemeClr val="bg1"/>
+                </a:solidFill>
+              </a:rPr>
+              <a:t>LLUI_DISPLAY_impl.c</a:t>
             </a:r>
+            <a:endParaRPr lang="en-US" sz="1200" dirty="0">
+              <a:solidFill>
+                <a:schemeClr val="bg1"/>
+              </a:solidFill>
+            </a:endParaRPr>
           </a:p>
         </p:txBody>
       </p:sp>
       <p:sp>
         <p:nvSpPr>
-          <p:cNvPr id="45" name="Rounded Rectangle 46">
-            <a:extLst>
-              <a:ext uri="{FF2B5EF4-FFF2-40B4-BE49-F238E27FC236}">
-                <a16:creationId xmlns:a16="http://schemas.microsoft.com/office/drawing/2014/main" id="{3006C0CE-84FA-4D8C-A786-4B4DE7EDDE2E}"/>
+          <p:cNvPr id="49" name="Rounded Rectangle 48">
+            <a:extLst>
+              <a:ext uri="{FF2B5EF4-FFF2-40B4-BE49-F238E27FC236}">
+                <a16:creationId xmlns:a16="http://schemas.microsoft.com/office/drawing/2014/main" id="{91353A18-7AED-4983-963D-7743C7D308A0}"/>
               </a:ext>
             </a:extLst>
           </p:cNvPr>
@@ -6305,7 +6621,165 @@
         </p:nvSpPr>
         <p:spPr>
           <a:xfrm>
-            <a:off x="2242810" y="4074147"/>
+            <a:off x="479375" y="4074147"/>
+            <a:ext cx="1645920" cy="288000"/>
+          </a:xfrm>
+          <a:prstGeom prst="roundRect">
+            <a:avLst/>
+          </a:prstGeom>
+          <a:solidFill>
+            <a:srgbClr val="EE502E"/>
+          </a:solidFill>
+          <a:ln>
+            <a:noFill/>
+          </a:ln>
+        </p:spPr>
+        <p:style>
+          <a:lnRef idx="2">
+            <a:schemeClr val="accent1">
+              <a:shade val="50000"/>
+            </a:schemeClr>
+          </a:lnRef>
+          <a:fillRef idx="1">
+            <a:schemeClr val="accent1"/>
+          </a:fillRef>
+          <a:effectRef idx="0">
+            <a:schemeClr val="accent1"/>
+          </a:effectRef>
+          <a:fontRef idx="minor">
+            <a:schemeClr val="lt1"/>
+          </a:fontRef>
+        </p:style>
+        <p:txBody>
+          <a:bodyPr rtlCol="0" anchor="ctr"/>
+          <a:lstStyle>
+            <a:defPPr>
+              <a:defRPr lang="en-US"/>
+            </a:defPPr>
+            <a:lvl1pPr marL="0" algn="l" defTabSz="914377" rtl="0" eaLnBrk="1" latinLnBrk="0" hangingPunct="1">
+              <a:defRPr sz="1800" kern="1200">
+                <a:solidFill>
+                  <a:schemeClr val="lt1"/>
+                </a:solidFill>
+                <a:latin typeface="+mn-lt"/>
+                <a:ea typeface="+mn-ea"/>
+                <a:cs typeface="+mn-cs"/>
+              </a:defRPr>
+            </a:lvl1pPr>
+            <a:lvl2pPr marL="457189" algn="l" defTabSz="914377" rtl="0" eaLnBrk="1" latinLnBrk="0" hangingPunct="1">
+              <a:defRPr sz="1800" kern="1200">
+                <a:solidFill>
+                  <a:schemeClr val="lt1"/>
+                </a:solidFill>
+                <a:latin typeface="+mn-lt"/>
+                <a:ea typeface="+mn-ea"/>
+                <a:cs typeface="+mn-cs"/>
+              </a:defRPr>
+            </a:lvl2pPr>
+            <a:lvl3pPr marL="914377" algn="l" defTabSz="914377" rtl="0" eaLnBrk="1" latinLnBrk="0" hangingPunct="1">
+              <a:defRPr sz="1800" kern="1200">
+                <a:solidFill>
+                  <a:schemeClr val="lt1"/>
+                </a:solidFill>
+                <a:latin typeface="+mn-lt"/>
+                <a:ea typeface="+mn-ea"/>
+                <a:cs typeface="+mn-cs"/>
+              </a:defRPr>
+            </a:lvl3pPr>
+            <a:lvl4pPr marL="1371566" algn="l" defTabSz="914377" rtl="0" eaLnBrk="1" latinLnBrk="0" hangingPunct="1">
+              <a:defRPr sz="1800" kern="1200">
+                <a:solidFill>
+                  <a:schemeClr val="lt1"/>
+                </a:solidFill>
+                <a:latin typeface="+mn-lt"/>
+                <a:ea typeface="+mn-ea"/>
+                <a:cs typeface="+mn-cs"/>
+              </a:defRPr>
+            </a:lvl4pPr>
+            <a:lvl5pPr marL="1828754" algn="l" defTabSz="914377" rtl="0" eaLnBrk="1" latinLnBrk="0" hangingPunct="1">
+              <a:defRPr sz="1800" kern="1200">
+                <a:solidFill>
+                  <a:schemeClr val="lt1"/>
+                </a:solidFill>
+                <a:latin typeface="+mn-lt"/>
+                <a:ea typeface="+mn-ea"/>
+                <a:cs typeface="+mn-cs"/>
+              </a:defRPr>
+            </a:lvl5pPr>
+            <a:lvl6pPr marL="2285943" algn="l" defTabSz="914377" rtl="0" eaLnBrk="1" latinLnBrk="0" hangingPunct="1">
+              <a:defRPr sz="1800" kern="1200">
+                <a:solidFill>
+                  <a:schemeClr val="lt1"/>
+                </a:solidFill>
+                <a:latin typeface="+mn-lt"/>
+                <a:ea typeface="+mn-ea"/>
+                <a:cs typeface="+mn-cs"/>
+              </a:defRPr>
+            </a:lvl6pPr>
+            <a:lvl7pPr marL="2743131" algn="l" defTabSz="914377" rtl="0" eaLnBrk="1" latinLnBrk="0" hangingPunct="1">
+              <a:defRPr sz="1800" kern="1200">
+                <a:solidFill>
+                  <a:schemeClr val="lt1"/>
+                </a:solidFill>
+                <a:latin typeface="+mn-lt"/>
+                <a:ea typeface="+mn-ea"/>
+                <a:cs typeface="+mn-cs"/>
+              </a:defRPr>
+            </a:lvl7pPr>
+            <a:lvl8pPr marL="3200320" algn="l" defTabSz="914377" rtl="0" eaLnBrk="1" latinLnBrk="0" hangingPunct="1">
+              <a:defRPr sz="1800" kern="1200">
+                <a:solidFill>
+                  <a:schemeClr val="lt1"/>
+                </a:solidFill>
+                <a:latin typeface="+mn-lt"/>
+                <a:ea typeface="+mn-ea"/>
+                <a:cs typeface="+mn-cs"/>
+              </a:defRPr>
+            </a:lvl8pPr>
+            <a:lvl9pPr marL="3657509" algn="l" defTabSz="914377" rtl="0" eaLnBrk="1" latinLnBrk="0" hangingPunct="1">
+              <a:defRPr sz="1800" kern="1200">
+                <a:solidFill>
+                  <a:schemeClr val="lt1"/>
+                </a:solidFill>
+                <a:latin typeface="+mn-lt"/>
+                <a:ea typeface="+mn-ea"/>
+                <a:cs typeface="+mn-cs"/>
+              </a:defRPr>
+            </a:lvl9pPr>
+          </a:lstStyle>
+          <a:p>
+            <a:pPr algn="ctr"/>
+            <a:r>
+              <a:rPr lang="en-US" sz="1200" dirty="0" err="1">
+                <a:solidFill>
+                  <a:schemeClr val="bg1"/>
+                </a:solidFill>
+              </a:rPr>
+              <a:t>LLUI_LED_impl.c</a:t>
+            </a:r>
+            <a:endParaRPr lang="en-US" sz="1200" dirty="0">
+              <a:solidFill>
+                <a:schemeClr val="bg1"/>
+              </a:solidFill>
+            </a:endParaRPr>
+          </a:p>
+        </p:txBody>
+      </p:sp>
+      <p:sp>
+        <p:nvSpPr>
+          <p:cNvPr id="51" name="Rounded Rectangle 19">
+            <a:extLst>
+              <a:ext uri="{FF2B5EF4-FFF2-40B4-BE49-F238E27FC236}">
+                <a16:creationId xmlns:a16="http://schemas.microsoft.com/office/drawing/2014/main" id="{951B2EFE-A5FA-4ADD-84B9-65F8AB49479C}"/>
+              </a:ext>
+            </a:extLst>
+          </p:cNvPr>
+          <p:cNvSpPr/>
+          <p:nvPr/>
+        </p:nvSpPr>
+        <p:spPr>
+          <a:xfrm>
+            <a:off x="10213862" y="4432159"/>
             <a:ext cx="1645920" cy="288000"/>
           </a:xfrm>
           <a:prstGeom prst="roundRect">
@@ -6439,7 +6913,7 @@
                   <a:schemeClr val="bg1"/>
                 </a:solidFill>
               </a:rPr>
-              <a:t>LLUI_INPUT_impl.c</a:t>
+              <a:t>ui_image_drawing.h</a:t>
             </a:r>
             <a:endParaRPr lang="en-US" sz="1200" dirty="0">
               <a:solidFill>
@@ -6451,10 +6925,10 @@
       </p:sp>
       <p:sp>
         <p:nvSpPr>
-          <p:cNvPr id="47" name="Rounded Rectangle 47">
-            <a:extLst>
-              <a:ext uri="{FF2B5EF4-FFF2-40B4-BE49-F238E27FC236}">
-                <a16:creationId xmlns:a16="http://schemas.microsoft.com/office/drawing/2014/main" id="{A5694037-ABF2-42AE-836E-F23DABEAF555}"/>
+          <p:cNvPr id="53" name="Rounded Rectangle 19">
+            <a:extLst>
+              <a:ext uri="{FF2B5EF4-FFF2-40B4-BE49-F238E27FC236}">
+                <a16:creationId xmlns:a16="http://schemas.microsoft.com/office/drawing/2014/main" id="{EF663CCD-0A6E-4D03-8E19-3467F555BA25}"/>
               </a:ext>
             </a:extLst>
           </p:cNvPr>
@@ -6463,8 +6937,8 @@
         </p:nvSpPr>
         <p:spPr>
           <a:xfrm>
-            <a:off x="4001867" y="4074147"/>
-            <a:ext cx="1645920" cy="288000"/>
+            <a:off x="7085335" y="2226369"/>
+            <a:ext cx="1280160" cy="288000"/>
           </a:xfrm>
           <a:prstGeom prst="roundRect">
             <a:avLst/>
@@ -6592,480 +7066,6 @@
           <a:p>
             <a:pPr algn="ctr"/>
             <a:r>
-              <a:rPr lang="en-US" sz="1200" dirty="0" err="1">
-                <a:solidFill>
-                  <a:schemeClr val="bg1"/>
-                </a:solidFill>
-              </a:rPr>
-              <a:t>LLUI_DISPLAY_impl.c</a:t>
-            </a:r>
-            <a:endParaRPr lang="en-US" sz="1200" dirty="0">
-              <a:solidFill>
-                <a:schemeClr val="bg1"/>
-              </a:solidFill>
-            </a:endParaRPr>
-          </a:p>
-        </p:txBody>
-      </p:sp>
-      <p:sp>
-        <p:nvSpPr>
-          <p:cNvPr id="49" name="Rounded Rectangle 48">
-            <a:extLst>
-              <a:ext uri="{FF2B5EF4-FFF2-40B4-BE49-F238E27FC236}">
-                <a16:creationId xmlns:a16="http://schemas.microsoft.com/office/drawing/2014/main" id="{91353A18-7AED-4983-963D-7743C7D308A0}"/>
-              </a:ext>
-            </a:extLst>
-          </p:cNvPr>
-          <p:cNvSpPr/>
-          <p:nvPr/>
-        </p:nvSpPr>
-        <p:spPr>
-          <a:xfrm>
-            <a:off x="479375" y="4074147"/>
-            <a:ext cx="1645920" cy="288000"/>
-          </a:xfrm>
-          <a:prstGeom prst="roundRect">
-            <a:avLst/>
-          </a:prstGeom>
-          <a:solidFill>
-            <a:srgbClr val="00AEC7"/>
-          </a:solidFill>
-          <a:ln>
-            <a:noFill/>
-          </a:ln>
-        </p:spPr>
-        <p:style>
-          <a:lnRef idx="2">
-            <a:schemeClr val="accent1">
-              <a:shade val="50000"/>
-            </a:schemeClr>
-          </a:lnRef>
-          <a:fillRef idx="1">
-            <a:schemeClr val="accent1"/>
-          </a:fillRef>
-          <a:effectRef idx="0">
-            <a:schemeClr val="accent1"/>
-          </a:effectRef>
-          <a:fontRef idx="minor">
-            <a:schemeClr val="lt1"/>
-          </a:fontRef>
-        </p:style>
-        <p:txBody>
-          <a:bodyPr rtlCol="0" anchor="ctr"/>
-          <a:lstStyle>
-            <a:defPPr>
-              <a:defRPr lang="en-US"/>
-            </a:defPPr>
-            <a:lvl1pPr marL="0" algn="l" defTabSz="914377" rtl="0" eaLnBrk="1" latinLnBrk="0" hangingPunct="1">
-              <a:defRPr sz="1800" kern="1200">
-                <a:solidFill>
-                  <a:schemeClr val="lt1"/>
-                </a:solidFill>
-                <a:latin typeface="+mn-lt"/>
-                <a:ea typeface="+mn-ea"/>
-                <a:cs typeface="+mn-cs"/>
-              </a:defRPr>
-            </a:lvl1pPr>
-            <a:lvl2pPr marL="457189" algn="l" defTabSz="914377" rtl="0" eaLnBrk="1" latinLnBrk="0" hangingPunct="1">
-              <a:defRPr sz="1800" kern="1200">
-                <a:solidFill>
-                  <a:schemeClr val="lt1"/>
-                </a:solidFill>
-                <a:latin typeface="+mn-lt"/>
-                <a:ea typeface="+mn-ea"/>
-                <a:cs typeface="+mn-cs"/>
-              </a:defRPr>
-            </a:lvl2pPr>
-            <a:lvl3pPr marL="914377" algn="l" defTabSz="914377" rtl="0" eaLnBrk="1" latinLnBrk="0" hangingPunct="1">
-              <a:defRPr sz="1800" kern="1200">
-                <a:solidFill>
-                  <a:schemeClr val="lt1"/>
-                </a:solidFill>
-                <a:latin typeface="+mn-lt"/>
-                <a:ea typeface="+mn-ea"/>
-                <a:cs typeface="+mn-cs"/>
-              </a:defRPr>
-            </a:lvl3pPr>
-            <a:lvl4pPr marL="1371566" algn="l" defTabSz="914377" rtl="0" eaLnBrk="1" latinLnBrk="0" hangingPunct="1">
-              <a:defRPr sz="1800" kern="1200">
-                <a:solidFill>
-                  <a:schemeClr val="lt1"/>
-                </a:solidFill>
-                <a:latin typeface="+mn-lt"/>
-                <a:ea typeface="+mn-ea"/>
-                <a:cs typeface="+mn-cs"/>
-              </a:defRPr>
-            </a:lvl4pPr>
-            <a:lvl5pPr marL="1828754" algn="l" defTabSz="914377" rtl="0" eaLnBrk="1" latinLnBrk="0" hangingPunct="1">
-              <a:defRPr sz="1800" kern="1200">
-                <a:solidFill>
-                  <a:schemeClr val="lt1"/>
-                </a:solidFill>
-                <a:latin typeface="+mn-lt"/>
-                <a:ea typeface="+mn-ea"/>
-                <a:cs typeface="+mn-cs"/>
-              </a:defRPr>
-            </a:lvl5pPr>
-            <a:lvl6pPr marL="2285943" algn="l" defTabSz="914377" rtl="0" eaLnBrk="1" latinLnBrk="0" hangingPunct="1">
-              <a:defRPr sz="1800" kern="1200">
-                <a:solidFill>
-                  <a:schemeClr val="lt1"/>
-                </a:solidFill>
-                <a:latin typeface="+mn-lt"/>
-                <a:ea typeface="+mn-ea"/>
-                <a:cs typeface="+mn-cs"/>
-              </a:defRPr>
-            </a:lvl6pPr>
-            <a:lvl7pPr marL="2743131" algn="l" defTabSz="914377" rtl="0" eaLnBrk="1" latinLnBrk="0" hangingPunct="1">
-              <a:defRPr sz="1800" kern="1200">
-                <a:solidFill>
-                  <a:schemeClr val="lt1"/>
-                </a:solidFill>
-                <a:latin typeface="+mn-lt"/>
-                <a:ea typeface="+mn-ea"/>
-                <a:cs typeface="+mn-cs"/>
-              </a:defRPr>
-            </a:lvl7pPr>
-            <a:lvl8pPr marL="3200320" algn="l" defTabSz="914377" rtl="0" eaLnBrk="1" latinLnBrk="0" hangingPunct="1">
-              <a:defRPr sz="1800" kern="1200">
-                <a:solidFill>
-                  <a:schemeClr val="lt1"/>
-                </a:solidFill>
-                <a:latin typeface="+mn-lt"/>
-                <a:ea typeface="+mn-ea"/>
-                <a:cs typeface="+mn-cs"/>
-              </a:defRPr>
-            </a:lvl8pPr>
-            <a:lvl9pPr marL="3657509" algn="l" defTabSz="914377" rtl="0" eaLnBrk="1" latinLnBrk="0" hangingPunct="1">
-              <a:defRPr sz="1800" kern="1200">
-                <a:solidFill>
-                  <a:schemeClr val="lt1"/>
-                </a:solidFill>
-                <a:latin typeface="+mn-lt"/>
-                <a:ea typeface="+mn-ea"/>
-                <a:cs typeface="+mn-cs"/>
-              </a:defRPr>
-            </a:lvl9pPr>
-          </a:lstStyle>
-          <a:p>
-            <a:pPr algn="ctr"/>
-            <a:r>
-              <a:rPr lang="en-US" sz="1200" dirty="0" err="1">
-                <a:solidFill>
-                  <a:schemeClr val="bg1"/>
-                </a:solidFill>
-              </a:rPr>
-              <a:t>LLUI_LED_impl.c</a:t>
-            </a:r>
-            <a:endParaRPr lang="en-US" sz="1200" dirty="0">
-              <a:solidFill>
-                <a:schemeClr val="bg1"/>
-              </a:solidFill>
-            </a:endParaRPr>
-          </a:p>
-        </p:txBody>
-      </p:sp>
-      <p:sp>
-        <p:nvSpPr>
-          <p:cNvPr id="51" name="Rounded Rectangle 19">
-            <a:extLst>
-              <a:ext uri="{FF2B5EF4-FFF2-40B4-BE49-F238E27FC236}">
-                <a16:creationId xmlns:a16="http://schemas.microsoft.com/office/drawing/2014/main" id="{951B2EFE-A5FA-4ADD-84B9-65F8AB49479C}"/>
-              </a:ext>
-            </a:extLst>
-          </p:cNvPr>
-          <p:cNvSpPr/>
-          <p:nvPr/>
-        </p:nvSpPr>
-        <p:spPr>
-          <a:xfrm>
-            <a:off x="10213862" y="4432159"/>
-            <a:ext cx="1645920" cy="288000"/>
-          </a:xfrm>
-          <a:prstGeom prst="roundRect">
-            <a:avLst/>
-          </a:prstGeom>
-          <a:solidFill>
-            <a:srgbClr val="6CC24A"/>
-          </a:solidFill>
-          <a:ln>
-            <a:noFill/>
-          </a:ln>
-        </p:spPr>
-        <p:style>
-          <a:lnRef idx="2">
-            <a:schemeClr val="accent1">
-              <a:shade val="50000"/>
-            </a:schemeClr>
-          </a:lnRef>
-          <a:fillRef idx="1">
-            <a:schemeClr val="accent1"/>
-          </a:fillRef>
-          <a:effectRef idx="0">
-            <a:schemeClr val="accent1"/>
-          </a:effectRef>
-          <a:fontRef idx="minor">
-            <a:schemeClr val="lt1"/>
-          </a:fontRef>
-        </p:style>
-        <p:txBody>
-          <a:bodyPr rtlCol="0" anchor="ctr"/>
-          <a:lstStyle>
-            <a:defPPr>
-              <a:defRPr lang="en-US"/>
-            </a:defPPr>
-            <a:lvl1pPr marL="0" algn="l" defTabSz="914377" rtl="0" eaLnBrk="1" latinLnBrk="0" hangingPunct="1">
-              <a:defRPr sz="1800" kern="1200">
-                <a:solidFill>
-                  <a:schemeClr val="lt1"/>
-                </a:solidFill>
-                <a:latin typeface="+mn-lt"/>
-                <a:ea typeface="+mn-ea"/>
-                <a:cs typeface="+mn-cs"/>
-              </a:defRPr>
-            </a:lvl1pPr>
-            <a:lvl2pPr marL="457189" algn="l" defTabSz="914377" rtl="0" eaLnBrk="1" latinLnBrk="0" hangingPunct="1">
-              <a:defRPr sz="1800" kern="1200">
-                <a:solidFill>
-                  <a:schemeClr val="lt1"/>
-                </a:solidFill>
-                <a:latin typeface="+mn-lt"/>
-                <a:ea typeface="+mn-ea"/>
-                <a:cs typeface="+mn-cs"/>
-              </a:defRPr>
-            </a:lvl2pPr>
-            <a:lvl3pPr marL="914377" algn="l" defTabSz="914377" rtl="0" eaLnBrk="1" latinLnBrk="0" hangingPunct="1">
-              <a:defRPr sz="1800" kern="1200">
-                <a:solidFill>
-                  <a:schemeClr val="lt1"/>
-                </a:solidFill>
-                <a:latin typeface="+mn-lt"/>
-                <a:ea typeface="+mn-ea"/>
-                <a:cs typeface="+mn-cs"/>
-              </a:defRPr>
-            </a:lvl3pPr>
-            <a:lvl4pPr marL="1371566" algn="l" defTabSz="914377" rtl="0" eaLnBrk="1" latinLnBrk="0" hangingPunct="1">
-              <a:defRPr sz="1800" kern="1200">
-                <a:solidFill>
-                  <a:schemeClr val="lt1"/>
-                </a:solidFill>
-                <a:latin typeface="+mn-lt"/>
-                <a:ea typeface="+mn-ea"/>
-                <a:cs typeface="+mn-cs"/>
-              </a:defRPr>
-            </a:lvl4pPr>
-            <a:lvl5pPr marL="1828754" algn="l" defTabSz="914377" rtl="0" eaLnBrk="1" latinLnBrk="0" hangingPunct="1">
-              <a:defRPr sz="1800" kern="1200">
-                <a:solidFill>
-                  <a:schemeClr val="lt1"/>
-                </a:solidFill>
-                <a:latin typeface="+mn-lt"/>
-                <a:ea typeface="+mn-ea"/>
-                <a:cs typeface="+mn-cs"/>
-              </a:defRPr>
-            </a:lvl5pPr>
-            <a:lvl6pPr marL="2285943" algn="l" defTabSz="914377" rtl="0" eaLnBrk="1" latinLnBrk="0" hangingPunct="1">
-              <a:defRPr sz="1800" kern="1200">
-                <a:solidFill>
-                  <a:schemeClr val="lt1"/>
-                </a:solidFill>
-                <a:latin typeface="+mn-lt"/>
-                <a:ea typeface="+mn-ea"/>
-                <a:cs typeface="+mn-cs"/>
-              </a:defRPr>
-            </a:lvl6pPr>
-            <a:lvl7pPr marL="2743131" algn="l" defTabSz="914377" rtl="0" eaLnBrk="1" latinLnBrk="0" hangingPunct="1">
-              <a:defRPr sz="1800" kern="1200">
-                <a:solidFill>
-                  <a:schemeClr val="lt1"/>
-                </a:solidFill>
-                <a:latin typeface="+mn-lt"/>
-                <a:ea typeface="+mn-ea"/>
-                <a:cs typeface="+mn-cs"/>
-              </a:defRPr>
-            </a:lvl7pPr>
-            <a:lvl8pPr marL="3200320" algn="l" defTabSz="914377" rtl="0" eaLnBrk="1" latinLnBrk="0" hangingPunct="1">
-              <a:defRPr sz="1800" kern="1200">
-                <a:solidFill>
-                  <a:schemeClr val="lt1"/>
-                </a:solidFill>
-                <a:latin typeface="+mn-lt"/>
-                <a:ea typeface="+mn-ea"/>
-                <a:cs typeface="+mn-cs"/>
-              </a:defRPr>
-            </a:lvl8pPr>
-            <a:lvl9pPr marL="3657509" algn="l" defTabSz="914377" rtl="0" eaLnBrk="1" latinLnBrk="0" hangingPunct="1">
-              <a:defRPr sz="1800" kern="1200">
-                <a:solidFill>
-                  <a:schemeClr val="lt1"/>
-                </a:solidFill>
-                <a:latin typeface="+mn-lt"/>
-                <a:ea typeface="+mn-ea"/>
-                <a:cs typeface="+mn-cs"/>
-              </a:defRPr>
-            </a:lvl9pPr>
-          </a:lstStyle>
-          <a:p>
-            <a:pPr algn="ctr"/>
-            <a:r>
-              <a:rPr lang="en-US" sz="1200" dirty="0" err="1">
-                <a:solidFill>
-                  <a:schemeClr val="bg1"/>
-                </a:solidFill>
-              </a:rPr>
-              <a:t>ui_image_drawing.h</a:t>
-            </a:r>
-            <a:endParaRPr lang="en-US" sz="1200" dirty="0">
-              <a:solidFill>
-                <a:schemeClr val="bg1"/>
-              </a:solidFill>
-            </a:endParaRPr>
-          </a:p>
-        </p:txBody>
-      </p:sp>
-      <p:sp>
-        <p:nvSpPr>
-          <p:cNvPr id="53" name="Rounded Rectangle 19">
-            <a:extLst>
-              <a:ext uri="{FF2B5EF4-FFF2-40B4-BE49-F238E27FC236}">
-                <a16:creationId xmlns:a16="http://schemas.microsoft.com/office/drawing/2014/main" id="{EF663CCD-0A6E-4D03-8E19-3467F555BA25}"/>
-              </a:ext>
-            </a:extLst>
-          </p:cNvPr>
-          <p:cNvSpPr/>
-          <p:nvPr/>
-        </p:nvSpPr>
-        <p:spPr>
-          <a:xfrm>
-            <a:off x="7085335" y="2226369"/>
-            <a:ext cx="1280160" cy="288000"/>
-          </a:xfrm>
-          <a:prstGeom prst="roundRect">
-            <a:avLst/>
-          </a:prstGeom>
-          <a:solidFill>
-            <a:srgbClr val="6CC24A"/>
-          </a:solidFill>
-          <a:ln>
-            <a:noFill/>
-          </a:ln>
-        </p:spPr>
-        <p:style>
-          <a:lnRef idx="2">
-            <a:schemeClr val="accent1">
-              <a:shade val="50000"/>
-            </a:schemeClr>
-          </a:lnRef>
-          <a:fillRef idx="1">
-            <a:schemeClr val="accent1"/>
-          </a:fillRef>
-          <a:effectRef idx="0">
-            <a:schemeClr val="accent1"/>
-          </a:effectRef>
-          <a:fontRef idx="minor">
-            <a:schemeClr val="lt1"/>
-          </a:fontRef>
-        </p:style>
-        <p:txBody>
-          <a:bodyPr rtlCol="0" anchor="ctr"/>
-          <a:lstStyle>
-            <a:defPPr>
-              <a:defRPr lang="en-US"/>
-            </a:defPPr>
-            <a:lvl1pPr marL="0" algn="l" defTabSz="914377" rtl="0" eaLnBrk="1" latinLnBrk="0" hangingPunct="1">
-              <a:defRPr sz="1800" kern="1200">
-                <a:solidFill>
-                  <a:schemeClr val="lt1"/>
-                </a:solidFill>
-                <a:latin typeface="+mn-lt"/>
-                <a:ea typeface="+mn-ea"/>
-                <a:cs typeface="+mn-cs"/>
-              </a:defRPr>
-            </a:lvl1pPr>
-            <a:lvl2pPr marL="457189" algn="l" defTabSz="914377" rtl="0" eaLnBrk="1" latinLnBrk="0" hangingPunct="1">
-              <a:defRPr sz="1800" kern="1200">
-                <a:solidFill>
-                  <a:schemeClr val="lt1"/>
-                </a:solidFill>
-                <a:latin typeface="+mn-lt"/>
-                <a:ea typeface="+mn-ea"/>
-                <a:cs typeface="+mn-cs"/>
-              </a:defRPr>
-            </a:lvl2pPr>
-            <a:lvl3pPr marL="914377" algn="l" defTabSz="914377" rtl="0" eaLnBrk="1" latinLnBrk="0" hangingPunct="1">
-              <a:defRPr sz="1800" kern="1200">
-                <a:solidFill>
-                  <a:schemeClr val="lt1"/>
-                </a:solidFill>
-                <a:latin typeface="+mn-lt"/>
-                <a:ea typeface="+mn-ea"/>
-                <a:cs typeface="+mn-cs"/>
-              </a:defRPr>
-            </a:lvl3pPr>
-            <a:lvl4pPr marL="1371566" algn="l" defTabSz="914377" rtl="0" eaLnBrk="1" latinLnBrk="0" hangingPunct="1">
-              <a:defRPr sz="1800" kern="1200">
-                <a:solidFill>
-                  <a:schemeClr val="lt1"/>
-                </a:solidFill>
-                <a:latin typeface="+mn-lt"/>
-                <a:ea typeface="+mn-ea"/>
-                <a:cs typeface="+mn-cs"/>
-              </a:defRPr>
-            </a:lvl4pPr>
-            <a:lvl5pPr marL="1828754" algn="l" defTabSz="914377" rtl="0" eaLnBrk="1" latinLnBrk="0" hangingPunct="1">
-              <a:defRPr sz="1800" kern="1200">
-                <a:solidFill>
-                  <a:schemeClr val="lt1"/>
-                </a:solidFill>
-                <a:latin typeface="+mn-lt"/>
-                <a:ea typeface="+mn-ea"/>
-                <a:cs typeface="+mn-cs"/>
-              </a:defRPr>
-            </a:lvl5pPr>
-            <a:lvl6pPr marL="2285943" algn="l" defTabSz="914377" rtl="0" eaLnBrk="1" latinLnBrk="0" hangingPunct="1">
-              <a:defRPr sz="1800" kern="1200">
-                <a:solidFill>
-                  <a:schemeClr val="lt1"/>
-                </a:solidFill>
-                <a:latin typeface="+mn-lt"/>
-                <a:ea typeface="+mn-ea"/>
-                <a:cs typeface="+mn-cs"/>
-              </a:defRPr>
-            </a:lvl6pPr>
-            <a:lvl7pPr marL="2743131" algn="l" defTabSz="914377" rtl="0" eaLnBrk="1" latinLnBrk="0" hangingPunct="1">
-              <a:defRPr sz="1800" kern="1200">
-                <a:solidFill>
-                  <a:schemeClr val="lt1"/>
-                </a:solidFill>
-                <a:latin typeface="+mn-lt"/>
-                <a:ea typeface="+mn-ea"/>
-                <a:cs typeface="+mn-cs"/>
-              </a:defRPr>
-            </a:lvl7pPr>
-            <a:lvl8pPr marL="3200320" algn="l" defTabSz="914377" rtl="0" eaLnBrk="1" latinLnBrk="0" hangingPunct="1">
-              <a:defRPr sz="1800" kern="1200">
-                <a:solidFill>
-                  <a:schemeClr val="lt1"/>
-                </a:solidFill>
-                <a:latin typeface="+mn-lt"/>
-                <a:ea typeface="+mn-ea"/>
-                <a:cs typeface="+mn-cs"/>
-              </a:defRPr>
-            </a:lvl8pPr>
-            <a:lvl9pPr marL="3657509" algn="l" defTabSz="914377" rtl="0" eaLnBrk="1" latinLnBrk="0" hangingPunct="1">
-              <a:defRPr sz="1800" kern="1200">
-                <a:solidFill>
-                  <a:schemeClr val="lt1"/>
-                </a:solidFill>
-                <a:latin typeface="+mn-lt"/>
-                <a:ea typeface="+mn-ea"/>
-                <a:cs typeface="+mn-cs"/>
-              </a:defRPr>
-            </a:lvl9pPr>
-          </a:lstStyle>
-          <a:p>
-            <a:pPr algn="ctr"/>
-            <a:r>
               <a:rPr lang="en-US" sz="1050" dirty="0" err="1">
                 <a:solidFill>
                   <a:schemeClr val="bg1"/>
@@ -7102,7 +7102,7 @@
             <a:avLst/>
           </a:prstGeom>
           <a:solidFill>
-            <a:srgbClr val="EE502E"/>
+            <a:srgbClr val="6CC24A"/>
           </a:solidFill>
           <a:ln>
             <a:noFill/>
@@ -7284,7 +7284,7 @@
               <a:avLst/>
             </a:prstGeom>
             <a:solidFill>
-              <a:srgbClr val="00AEC7"/>
+              <a:srgbClr val="EE502E"/>
             </a:solidFill>
           </p:spPr>
           <p:style>
@@ -7389,7 +7389,7 @@
               <a:avLst/>
             </a:prstGeom>
             <a:solidFill>
-              <a:srgbClr val="EE502E"/>
+              <a:srgbClr val="6CC24A"/>
             </a:solidFill>
           </p:spPr>
           <p:style>
@@ -7474,164 +7474,6 @@
             <a:avLst/>
           </a:prstGeom>
           <a:solidFill>
-            <a:srgbClr val="6CC24A"/>
-          </a:solidFill>
-          <a:ln>
-            <a:noFill/>
-          </a:ln>
-        </p:spPr>
-        <p:style>
-          <a:lnRef idx="2">
-            <a:schemeClr val="accent1">
-              <a:shade val="50000"/>
-            </a:schemeClr>
-          </a:lnRef>
-          <a:fillRef idx="1">
-            <a:schemeClr val="accent1"/>
-          </a:fillRef>
-          <a:effectRef idx="0">
-            <a:schemeClr val="accent1"/>
-          </a:effectRef>
-          <a:fontRef idx="minor">
-            <a:schemeClr val="lt1"/>
-          </a:fontRef>
-        </p:style>
-        <p:txBody>
-          <a:bodyPr rtlCol="0" anchor="ctr"/>
-          <a:lstStyle>
-            <a:defPPr>
-              <a:defRPr lang="en-US"/>
-            </a:defPPr>
-            <a:lvl1pPr marL="0" algn="l" defTabSz="914377" rtl="0" eaLnBrk="1" latinLnBrk="0" hangingPunct="1">
-              <a:defRPr sz="1800" kern="1200">
-                <a:solidFill>
-                  <a:schemeClr val="lt1"/>
-                </a:solidFill>
-                <a:latin typeface="+mn-lt"/>
-                <a:ea typeface="+mn-ea"/>
-                <a:cs typeface="+mn-cs"/>
-              </a:defRPr>
-            </a:lvl1pPr>
-            <a:lvl2pPr marL="457189" algn="l" defTabSz="914377" rtl="0" eaLnBrk="1" latinLnBrk="0" hangingPunct="1">
-              <a:defRPr sz="1800" kern="1200">
-                <a:solidFill>
-                  <a:schemeClr val="lt1"/>
-                </a:solidFill>
-                <a:latin typeface="+mn-lt"/>
-                <a:ea typeface="+mn-ea"/>
-                <a:cs typeface="+mn-cs"/>
-              </a:defRPr>
-            </a:lvl2pPr>
-            <a:lvl3pPr marL="914377" algn="l" defTabSz="914377" rtl="0" eaLnBrk="1" latinLnBrk="0" hangingPunct="1">
-              <a:defRPr sz="1800" kern="1200">
-                <a:solidFill>
-                  <a:schemeClr val="lt1"/>
-                </a:solidFill>
-                <a:latin typeface="+mn-lt"/>
-                <a:ea typeface="+mn-ea"/>
-                <a:cs typeface="+mn-cs"/>
-              </a:defRPr>
-            </a:lvl3pPr>
-            <a:lvl4pPr marL="1371566" algn="l" defTabSz="914377" rtl="0" eaLnBrk="1" latinLnBrk="0" hangingPunct="1">
-              <a:defRPr sz="1800" kern="1200">
-                <a:solidFill>
-                  <a:schemeClr val="lt1"/>
-                </a:solidFill>
-                <a:latin typeface="+mn-lt"/>
-                <a:ea typeface="+mn-ea"/>
-                <a:cs typeface="+mn-cs"/>
-              </a:defRPr>
-            </a:lvl4pPr>
-            <a:lvl5pPr marL="1828754" algn="l" defTabSz="914377" rtl="0" eaLnBrk="1" latinLnBrk="0" hangingPunct="1">
-              <a:defRPr sz="1800" kern="1200">
-                <a:solidFill>
-                  <a:schemeClr val="lt1"/>
-                </a:solidFill>
-                <a:latin typeface="+mn-lt"/>
-                <a:ea typeface="+mn-ea"/>
-                <a:cs typeface="+mn-cs"/>
-              </a:defRPr>
-            </a:lvl5pPr>
-            <a:lvl6pPr marL="2285943" algn="l" defTabSz="914377" rtl="0" eaLnBrk="1" latinLnBrk="0" hangingPunct="1">
-              <a:defRPr sz="1800" kern="1200">
-                <a:solidFill>
-                  <a:schemeClr val="lt1"/>
-                </a:solidFill>
-                <a:latin typeface="+mn-lt"/>
-                <a:ea typeface="+mn-ea"/>
-                <a:cs typeface="+mn-cs"/>
-              </a:defRPr>
-            </a:lvl6pPr>
-            <a:lvl7pPr marL="2743131" algn="l" defTabSz="914377" rtl="0" eaLnBrk="1" latinLnBrk="0" hangingPunct="1">
-              <a:defRPr sz="1800" kern="1200">
-                <a:solidFill>
-                  <a:schemeClr val="lt1"/>
-                </a:solidFill>
-                <a:latin typeface="+mn-lt"/>
-                <a:ea typeface="+mn-ea"/>
-                <a:cs typeface="+mn-cs"/>
-              </a:defRPr>
-            </a:lvl7pPr>
-            <a:lvl8pPr marL="3200320" algn="l" defTabSz="914377" rtl="0" eaLnBrk="1" latinLnBrk="0" hangingPunct="1">
-              <a:defRPr sz="1800" kern="1200">
-                <a:solidFill>
-                  <a:schemeClr val="lt1"/>
-                </a:solidFill>
-                <a:latin typeface="+mn-lt"/>
-                <a:ea typeface="+mn-ea"/>
-                <a:cs typeface="+mn-cs"/>
-              </a:defRPr>
-            </a:lvl8pPr>
-            <a:lvl9pPr marL="3657509" algn="l" defTabSz="914377" rtl="0" eaLnBrk="1" latinLnBrk="0" hangingPunct="1">
-              <a:defRPr sz="1800" kern="1200">
-                <a:solidFill>
-                  <a:schemeClr val="lt1"/>
-                </a:solidFill>
-                <a:latin typeface="+mn-lt"/>
-                <a:ea typeface="+mn-ea"/>
-                <a:cs typeface="+mn-cs"/>
-              </a:defRPr>
-            </a:lvl9pPr>
-          </a:lstStyle>
-          <a:p>
-            <a:pPr algn="ctr"/>
-            <a:r>
-              <a:rPr lang="en-US" sz="1200" dirty="0" err="1">
-                <a:solidFill>
-                  <a:schemeClr val="bg1"/>
-                </a:solidFill>
-              </a:rPr>
-              <a:t>microui_constants.h</a:t>
-            </a:r>
-            <a:endParaRPr lang="en-US" sz="1200" dirty="0">
-              <a:solidFill>
-                <a:schemeClr val="bg1"/>
-              </a:solidFill>
-            </a:endParaRPr>
-          </a:p>
-        </p:txBody>
-      </p:sp>
-      <p:sp>
-        <p:nvSpPr>
-          <p:cNvPr id="3" name="Rounded Rectangle 47">
-            <a:extLst>
-              <a:ext uri="{FF2B5EF4-FFF2-40B4-BE49-F238E27FC236}">
-                <a16:creationId xmlns:a16="http://schemas.microsoft.com/office/drawing/2014/main" id="{AEFAECC8-9936-461D-00CD-90FA60D49176}"/>
-              </a:ext>
-            </a:extLst>
-          </p:cNvPr>
-          <p:cNvSpPr/>
-          <p:nvPr/>
-        </p:nvSpPr>
-        <p:spPr>
-          <a:xfrm>
-            <a:off x="4001867" y="4432159"/>
-            <a:ext cx="1645920" cy="288000"/>
-          </a:xfrm>
-          <a:prstGeom prst="roundRect">
-            <a:avLst/>
-          </a:prstGeom>
-          <a:solidFill>
             <a:srgbClr val="00AEC7"/>
           </a:solidFill>
           <a:ln>
@@ -7759,7 +7601,7 @@
                   <a:schemeClr val="bg1"/>
                 </a:solidFill>
               </a:rPr>
-              <a:t>ui_drawing_gpu.c</a:t>
+              <a:t>microui_constants.h</a:t>
             </a:r>
             <a:endParaRPr lang="en-US" sz="1200" dirty="0">
               <a:solidFill>
@@ -7771,10 +7613,10 @@
       </p:sp>
       <p:sp>
         <p:nvSpPr>
-          <p:cNvPr id="4" name="Rounded Rectangle 19">
-            <a:extLst>
-              <a:ext uri="{FF2B5EF4-FFF2-40B4-BE49-F238E27FC236}">
-                <a16:creationId xmlns:a16="http://schemas.microsoft.com/office/drawing/2014/main" id="{72651173-7860-DE52-23BF-67E19D1CF4E2}"/>
+          <p:cNvPr id="3" name="Rounded Rectangle 47">
+            <a:extLst>
+              <a:ext uri="{FF2B5EF4-FFF2-40B4-BE49-F238E27FC236}">
+                <a16:creationId xmlns:a16="http://schemas.microsoft.com/office/drawing/2014/main" id="{AEFAECC8-9936-461D-00CD-90FA60D49176}"/>
               </a:ext>
             </a:extLst>
           </p:cNvPr>
@@ -7783,14 +7625,14 @@
         </p:nvSpPr>
         <p:spPr>
           <a:xfrm>
-            <a:off x="8478557" y="4796342"/>
+            <a:off x="4001867" y="4432159"/>
             <a:ext cx="1645920" cy="288000"/>
           </a:xfrm>
           <a:prstGeom prst="roundRect">
             <a:avLst/>
           </a:prstGeom>
           <a:solidFill>
-            <a:srgbClr val="00AEC7"/>
+            <a:srgbClr val="EE502E"/>
           </a:solidFill>
           <a:ln>
             <a:noFill/>
@@ -7917,6 +7759,164 @@
                   <a:schemeClr val="bg1"/>
                 </a:solidFill>
               </a:rPr>
+              <a:t>ui_drawing_gpu.c</a:t>
+            </a:r>
+            <a:endParaRPr lang="en-US" sz="1200" dirty="0">
+              <a:solidFill>
+                <a:schemeClr val="bg1"/>
+              </a:solidFill>
+            </a:endParaRPr>
+          </a:p>
+        </p:txBody>
+      </p:sp>
+      <p:sp>
+        <p:nvSpPr>
+          <p:cNvPr id="4" name="Rounded Rectangle 19">
+            <a:extLst>
+              <a:ext uri="{FF2B5EF4-FFF2-40B4-BE49-F238E27FC236}">
+                <a16:creationId xmlns:a16="http://schemas.microsoft.com/office/drawing/2014/main" id="{72651173-7860-DE52-23BF-67E19D1CF4E2}"/>
+              </a:ext>
+            </a:extLst>
+          </p:cNvPr>
+          <p:cNvSpPr/>
+          <p:nvPr/>
+        </p:nvSpPr>
+        <p:spPr>
+          <a:xfrm>
+            <a:off x="8478557" y="4796342"/>
+            <a:ext cx="1645920" cy="288000"/>
+          </a:xfrm>
+          <a:prstGeom prst="roundRect">
+            <a:avLst/>
+          </a:prstGeom>
+          <a:solidFill>
+            <a:srgbClr val="EE502E"/>
+          </a:solidFill>
+          <a:ln>
+            <a:noFill/>
+          </a:ln>
+        </p:spPr>
+        <p:style>
+          <a:lnRef idx="2">
+            <a:schemeClr val="accent1">
+              <a:shade val="50000"/>
+            </a:schemeClr>
+          </a:lnRef>
+          <a:fillRef idx="1">
+            <a:schemeClr val="accent1"/>
+          </a:fillRef>
+          <a:effectRef idx="0">
+            <a:schemeClr val="accent1"/>
+          </a:effectRef>
+          <a:fontRef idx="minor">
+            <a:schemeClr val="lt1"/>
+          </a:fontRef>
+        </p:style>
+        <p:txBody>
+          <a:bodyPr rtlCol="0" anchor="ctr"/>
+          <a:lstStyle>
+            <a:defPPr>
+              <a:defRPr lang="en-US"/>
+            </a:defPPr>
+            <a:lvl1pPr marL="0" algn="l" defTabSz="914377" rtl="0" eaLnBrk="1" latinLnBrk="0" hangingPunct="1">
+              <a:defRPr sz="1800" kern="1200">
+                <a:solidFill>
+                  <a:schemeClr val="lt1"/>
+                </a:solidFill>
+                <a:latin typeface="+mn-lt"/>
+                <a:ea typeface="+mn-ea"/>
+                <a:cs typeface="+mn-cs"/>
+              </a:defRPr>
+            </a:lvl1pPr>
+            <a:lvl2pPr marL="457189" algn="l" defTabSz="914377" rtl="0" eaLnBrk="1" latinLnBrk="0" hangingPunct="1">
+              <a:defRPr sz="1800" kern="1200">
+                <a:solidFill>
+                  <a:schemeClr val="lt1"/>
+                </a:solidFill>
+                <a:latin typeface="+mn-lt"/>
+                <a:ea typeface="+mn-ea"/>
+                <a:cs typeface="+mn-cs"/>
+              </a:defRPr>
+            </a:lvl2pPr>
+            <a:lvl3pPr marL="914377" algn="l" defTabSz="914377" rtl="0" eaLnBrk="1" latinLnBrk="0" hangingPunct="1">
+              <a:defRPr sz="1800" kern="1200">
+                <a:solidFill>
+                  <a:schemeClr val="lt1"/>
+                </a:solidFill>
+                <a:latin typeface="+mn-lt"/>
+                <a:ea typeface="+mn-ea"/>
+                <a:cs typeface="+mn-cs"/>
+              </a:defRPr>
+            </a:lvl3pPr>
+            <a:lvl4pPr marL="1371566" algn="l" defTabSz="914377" rtl="0" eaLnBrk="1" latinLnBrk="0" hangingPunct="1">
+              <a:defRPr sz="1800" kern="1200">
+                <a:solidFill>
+                  <a:schemeClr val="lt1"/>
+                </a:solidFill>
+                <a:latin typeface="+mn-lt"/>
+                <a:ea typeface="+mn-ea"/>
+                <a:cs typeface="+mn-cs"/>
+              </a:defRPr>
+            </a:lvl4pPr>
+            <a:lvl5pPr marL="1828754" algn="l" defTabSz="914377" rtl="0" eaLnBrk="1" latinLnBrk="0" hangingPunct="1">
+              <a:defRPr sz="1800" kern="1200">
+                <a:solidFill>
+                  <a:schemeClr val="lt1"/>
+                </a:solidFill>
+                <a:latin typeface="+mn-lt"/>
+                <a:ea typeface="+mn-ea"/>
+                <a:cs typeface="+mn-cs"/>
+              </a:defRPr>
+            </a:lvl5pPr>
+            <a:lvl6pPr marL="2285943" algn="l" defTabSz="914377" rtl="0" eaLnBrk="1" latinLnBrk="0" hangingPunct="1">
+              <a:defRPr sz="1800" kern="1200">
+                <a:solidFill>
+                  <a:schemeClr val="lt1"/>
+                </a:solidFill>
+                <a:latin typeface="+mn-lt"/>
+                <a:ea typeface="+mn-ea"/>
+                <a:cs typeface="+mn-cs"/>
+              </a:defRPr>
+            </a:lvl6pPr>
+            <a:lvl7pPr marL="2743131" algn="l" defTabSz="914377" rtl="0" eaLnBrk="1" latinLnBrk="0" hangingPunct="1">
+              <a:defRPr sz="1800" kern="1200">
+                <a:solidFill>
+                  <a:schemeClr val="lt1"/>
+                </a:solidFill>
+                <a:latin typeface="+mn-lt"/>
+                <a:ea typeface="+mn-ea"/>
+                <a:cs typeface="+mn-cs"/>
+              </a:defRPr>
+            </a:lvl7pPr>
+            <a:lvl8pPr marL="3200320" algn="l" defTabSz="914377" rtl="0" eaLnBrk="1" latinLnBrk="0" hangingPunct="1">
+              <a:defRPr sz="1800" kern="1200">
+                <a:solidFill>
+                  <a:schemeClr val="lt1"/>
+                </a:solidFill>
+                <a:latin typeface="+mn-lt"/>
+                <a:ea typeface="+mn-ea"/>
+                <a:cs typeface="+mn-cs"/>
+              </a:defRPr>
+            </a:lvl8pPr>
+            <a:lvl9pPr marL="3657509" algn="l" defTabSz="914377" rtl="0" eaLnBrk="1" latinLnBrk="0" hangingPunct="1">
+              <a:defRPr sz="1800" kern="1200">
+                <a:solidFill>
+                  <a:schemeClr val="lt1"/>
+                </a:solidFill>
+                <a:latin typeface="+mn-lt"/>
+                <a:ea typeface="+mn-ea"/>
+                <a:cs typeface="+mn-cs"/>
+              </a:defRPr>
+            </a:lvl9pPr>
+          </a:lstStyle>
+          <a:p>
+            <a:pPr algn="ctr"/>
+            <a:r>
+              <a:rPr lang="en-US" sz="1200" dirty="0" err="1">
+                <a:solidFill>
+                  <a:schemeClr val="bg1"/>
+                </a:solidFill>
+              </a:rPr>
               <a:t>ui_drawing.c</a:t>
             </a:r>
             <a:endParaRPr lang="en-US" sz="1200" dirty="0">
@@ -7948,7 +7948,7 @@
             <a:avLst/>
           </a:prstGeom>
           <a:solidFill>
-            <a:srgbClr val="00AEC7"/>
+            <a:srgbClr val="EE502E"/>
           </a:solidFill>
           <a:ln>
             <a:noFill/>
@@ -8126,7 +8126,7 @@
               <a:avLst/>
             </a:prstGeom>
             <a:solidFill>
-              <a:schemeClr val="accent6"/>
+              <a:srgbClr val="00AEC7"/>
             </a:solidFill>
             <a:ln w="12700">
               <a:solidFill>
@@ -8430,7 +8430,7 @@
             <a:avLst/>
           </a:prstGeom>
           <a:solidFill>
-            <a:srgbClr val="EE502E"/>
+            <a:srgbClr val="6CC24A"/>
           </a:solidFill>
           <a:ln>
             <a:noFill/>
@@ -8485,7 +8485,7 @@
             <a:avLst/>
           </a:prstGeom>
           <a:solidFill>
-            <a:srgbClr val="00AEC7"/>
+            <a:srgbClr val="EE502E"/>
           </a:solidFill>
           <a:ln>
             <a:noFill/>
@@ -8798,7 +8798,7 @@
             <a:avLst/>
           </a:prstGeom>
           <a:solidFill>
-            <a:srgbClr val="00AEC7"/>
+            <a:srgbClr val="EE502E"/>
           </a:solidFill>
           <a:ln>
             <a:noFill/>
@@ -8956,7 +8956,7 @@
             <a:avLst/>
           </a:prstGeom>
           <a:solidFill>
-            <a:srgbClr val="00AEC7"/>
+            <a:srgbClr val="EE502E"/>
           </a:solidFill>
           <a:ln>
             <a:noFill/>
@@ -9114,7 +9114,7 @@
             <a:avLst/>
           </a:prstGeom>
           <a:solidFill>
-            <a:srgbClr val="00AEC7"/>
+            <a:srgbClr val="EE502E"/>
           </a:solidFill>
           <a:ln>
             <a:noFill/>
@@ -9308,7 +9308,7 @@
             <a:avLst/>
           </a:prstGeom>
           <a:solidFill>
-            <a:srgbClr val="00AEC7"/>
+            <a:srgbClr val="EE502E"/>
           </a:solidFill>
           <a:ln>
             <a:noFill/>
@@ -9461,7 +9461,7 @@
             <a:avLst/>
           </a:prstGeom>
           <a:solidFill>
-            <a:srgbClr val="00AEC7"/>
+            <a:srgbClr val="EE502E"/>
           </a:solidFill>
           <a:ln>
             <a:noFill/>
@@ -9619,7 +9619,7 @@
             <a:avLst/>
           </a:prstGeom>
           <a:solidFill>
-            <a:srgbClr val="00AEC7"/>
+            <a:srgbClr val="EE502E"/>
           </a:solidFill>
           <a:ln>
             <a:noFill/>
@@ -9777,7 +9777,7 @@
             <a:avLst/>
           </a:prstGeom>
           <a:solidFill>
-            <a:srgbClr val="00AEC7"/>
+            <a:srgbClr val="EE502E"/>
           </a:solidFill>
           <a:ln>
             <a:noFill/>
@@ -10090,7 +10090,7 @@
             <a:avLst/>
           </a:prstGeom>
           <a:solidFill>
-            <a:srgbClr val="00AEC7"/>
+            <a:srgbClr val="EE502E"/>
           </a:solidFill>
           <a:ln>
             <a:noFill/>
@@ -10242,6 +10242,96 @@
         <p:spPr>
           <a:xfrm>
             <a:off x="2242808" y="1807374"/>
+            <a:ext cx="1645920" cy="288000"/>
+          </a:xfrm>
+          <a:prstGeom prst="roundRect">
+            <a:avLst/>
+          </a:prstGeom>
+          <a:solidFill>
+            <a:srgbClr val="6CC24A"/>
+          </a:solidFill>
+          <a:ln>
+            <a:noFill/>
+          </a:ln>
+        </p:spPr>
+        <p:style>
+          <a:lnRef idx="2">
+            <a:schemeClr val="accent1">
+              <a:shade val="50000"/>
+            </a:schemeClr>
+          </a:lnRef>
+          <a:fillRef idx="1">
+            <a:schemeClr val="accent1"/>
+          </a:fillRef>
+          <a:effectRef idx="0">
+            <a:schemeClr val="accent1"/>
+          </a:effectRef>
+          <a:fontRef idx="minor">
+            <a:schemeClr val="lt1"/>
+          </a:fontRef>
+        </p:style>
+        <p:txBody>
+          <a:bodyPr rtlCol="0" anchor="ctr"/>
+          <a:lstStyle/>
+          <a:p>
+            <a:pPr algn="ctr"/>
+            <a:r>
+              <a:rPr lang="en-US" sz="1200" dirty="0"/>
+              <a:t>Event Engine</a:t>
+            </a:r>
+          </a:p>
+        </p:txBody>
+      </p:sp>
+      <p:sp>
+        <p:nvSpPr>
+          <p:cNvPr id="39" name="Rectangle 38">
+            <a:extLst>
+              <a:ext uri="{FF2B5EF4-FFF2-40B4-BE49-F238E27FC236}">
+                <a16:creationId xmlns:a16="http://schemas.microsoft.com/office/drawing/2014/main" id="{939EA1AE-77DB-413B-8030-2B4664CC265C}"/>
+              </a:ext>
+            </a:extLst>
+          </p:cNvPr>
+          <p:cNvSpPr/>
+          <p:nvPr/>
+        </p:nvSpPr>
+        <p:spPr>
+          <a:xfrm>
+            <a:off x="6173025" y="3196861"/>
+            <a:ext cx="1948098" cy="276999"/>
+          </a:xfrm>
+          <a:prstGeom prst="rect">
+            <a:avLst/>
+          </a:prstGeom>
+        </p:spPr>
+        <p:txBody>
+          <a:bodyPr wrap="none">
+            <a:spAutoFit/>
+          </a:bodyPr>
+          <a:lstStyle/>
+          <a:p>
+            <a:pPr algn="ctr"/>
+            <a:r>
+              <a:rPr lang="en-US" sz="1200" dirty="0"/>
+              <a:t>Front panel VEE Port project</a:t>
+            </a:r>
+          </a:p>
+        </p:txBody>
+      </p:sp>
+      <p:sp>
+        <p:nvSpPr>
+          <p:cNvPr id="41" name="Rounded Rectangle 46">
+            <a:extLst>
+              <a:ext uri="{FF2B5EF4-FFF2-40B4-BE49-F238E27FC236}">
+                <a16:creationId xmlns:a16="http://schemas.microsoft.com/office/drawing/2014/main" id="{68DD34FE-07AB-4BF0-91D6-E000186CD250}"/>
+              </a:ext>
+            </a:extLst>
+          </p:cNvPr>
+          <p:cNvSpPr/>
+          <p:nvPr/>
+        </p:nvSpPr>
+        <p:spPr>
+          <a:xfrm>
+            <a:off x="6297476" y="3588270"/>
             <a:ext cx="1645920" cy="288000"/>
           </a:xfrm>
           <a:prstGeom prst="roundRect">
@@ -10272,22 +10362,136 @@
         </p:style>
         <p:txBody>
           <a:bodyPr rtlCol="0" anchor="ctr"/>
-          <a:lstStyle/>
+          <a:lstStyle>
+            <a:defPPr>
+              <a:defRPr lang="en-US"/>
+            </a:defPPr>
+            <a:lvl1pPr marL="0" algn="l" defTabSz="914377" rtl="0" eaLnBrk="1" latinLnBrk="0" hangingPunct="1">
+              <a:defRPr sz="1800" kern="1200">
+                <a:solidFill>
+                  <a:schemeClr val="lt1"/>
+                </a:solidFill>
+                <a:latin typeface="+mn-lt"/>
+                <a:ea typeface="+mn-ea"/>
+                <a:cs typeface="+mn-cs"/>
+              </a:defRPr>
+            </a:lvl1pPr>
+            <a:lvl2pPr marL="457189" algn="l" defTabSz="914377" rtl="0" eaLnBrk="1" latinLnBrk="0" hangingPunct="1">
+              <a:defRPr sz="1800" kern="1200">
+                <a:solidFill>
+                  <a:schemeClr val="lt1"/>
+                </a:solidFill>
+                <a:latin typeface="+mn-lt"/>
+                <a:ea typeface="+mn-ea"/>
+                <a:cs typeface="+mn-cs"/>
+              </a:defRPr>
+            </a:lvl2pPr>
+            <a:lvl3pPr marL="914377" algn="l" defTabSz="914377" rtl="0" eaLnBrk="1" latinLnBrk="0" hangingPunct="1">
+              <a:defRPr sz="1800" kern="1200">
+                <a:solidFill>
+                  <a:schemeClr val="lt1"/>
+                </a:solidFill>
+                <a:latin typeface="+mn-lt"/>
+                <a:ea typeface="+mn-ea"/>
+                <a:cs typeface="+mn-cs"/>
+              </a:defRPr>
+            </a:lvl3pPr>
+            <a:lvl4pPr marL="1371566" algn="l" defTabSz="914377" rtl="0" eaLnBrk="1" latinLnBrk="0" hangingPunct="1">
+              <a:defRPr sz="1800" kern="1200">
+                <a:solidFill>
+                  <a:schemeClr val="lt1"/>
+                </a:solidFill>
+                <a:latin typeface="+mn-lt"/>
+                <a:ea typeface="+mn-ea"/>
+                <a:cs typeface="+mn-cs"/>
+              </a:defRPr>
+            </a:lvl4pPr>
+            <a:lvl5pPr marL="1828754" algn="l" defTabSz="914377" rtl="0" eaLnBrk="1" latinLnBrk="0" hangingPunct="1">
+              <a:defRPr sz="1800" kern="1200">
+                <a:solidFill>
+                  <a:schemeClr val="lt1"/>
+                </a:solidFill>
+                <a:latin typeface="+mn-lt"/>
+                <a:ea typeface="+mn-ea"/>
+                <a:cs typeface="+mn-cs"/>
+              </a:defRPr>
+            </a:lvl5pPr>
+            <a:lvl6pPr marL="2285943" algn="l" defTabSz="914377" rtl="0" eaLnBrk="1" latinLnBrk="0" hangingPunct="1">
+              <a:defRPr sz="1800" kern="1200">
+                <a:solidFill>
+                  <a:schemeClr val="lt1"/>
+                </a:solidFill>
+                <a:latin typeface="+mn-lt"/>
+                <a:ea typeface="+mn-ea"/>
+                <a:cs typeface="+mn-cs"/>
+              </a:defRPr>
+            </a:lvl6pPr>
+            <a:lvl7pPr marL="2743131" algn="l" defTabSz="914377" rtl="0" eaLnBrk="1" latinLnBrk="0" hangingPunct="1">
+              <a:defRPr sz="1800" kern="1200">
+                <a:solidFill>
+                  <a:schemeClr val="lt1"/>
+                </a:solidFill>
+                <a:latin typeface="+mn-lt"/>
+                <a:ea typeface="+mn-ea"/>
+                <a:cs typeface="+mn-cs"/>
+              </a:defRPr>
+            </a:lvl7pPr>
+            <a:lvl8pPr marL="3200320" algn="l" defTabSz="914377" rtl="0" eaLnBrk="1" latinLnBrk="0" hangingPunct="1">
+              <a:defRPr sz="1800" kern="1200">
+                <a:solidFill>
+                  <a:schemeClr val="lt1"/>
+                </a:solidFill>
+                <a:latin typeface="+mn-lt"/>
+                <a:ea typeface="+mn-ea"/>
+                <a:cs typeface="+mn-cs"/>
+              </a:defRPr>
+            </a:lvl8pPr>
+            <a:lvl9pPr marL="3657509" algn="l" defTabSz="914377" rtl="0" eaLnBrk="1" latinLnBrk="0" hangingPunct="1">
+              <a:defRPr sz="1800" kern="1200">
+                <a:solidFill>
+                  <a:schemeClr val="lt1"/>
+                </a:solidFill>
+                <a:latin typeface="+mn-lt"/>
+                <a:ea typeface="+mn-ea"/>
+                <a:cs typeface="+mn-cs"/>
+              </a:defRPr>
+            </a:lvl9pPr>
+          </a:lstStyle>
           <a:p>
             <a:pPr algn="ctr"/>
             <a:r>
-              <a:rPr lang="en-US" sz="1200" dirty="0"/>
-              <a:t>Event Engine</a:t>
+              <a:rPr lang="en-US" sz="1200" dirty="0">
+                <a:solidFill>
+                  <a:schemeClr val="bg1"/>
+                </a:solidFill>
+              </a:rPr>
+              <a:t>.</a:t>
+            </a:r>
+            <a:r>
+              <a:rPr lang="en-US" sz="1200" dirty="0" err="1">
+                <a:solidFill>
+                  <a:schemeClr val="bg1"/>
+                </a:solidFill>
+              </a:rPr>
+              <a:t>fp</a:t>
+            </a:r>
+            <a:r>
+              <a:rPr lang="en-US" sz="1200" dirty="0">
+                <a:solidFill>
+                  <a:schemeClr val="bg1"/>
+                </a:solidFill>
+              </a:rPr>
+              <a:t> file and resources</a:t>
             </a:r>
           </a:p>
         </p:txBody>
       </p:sp>
       <p:sp>
         <p:nvSpPr>
-          <p:cNvPr id="39" name="Rectangle 38">
-            <a:extLst>
-              <a:ext uri="{FF2B5EF4-FFF2-40B4-BE49-F238E27FC236}">
-                <a16:creationId xmlns:a16="http://schemas.microsoft.com/office/drawing/2014/main" id="{939EA1AE-77DB-413B-8030-2B4664CC265C}"/>
+          <p:cNvPr id="43" name="Rounded Rectangle 47">
+            <a:extLst>
+              <a:ext uri="{FF2B5EF4-FFF2-40B4-BE49-F238E27FC236}">
+                <a16:creationId xmlns:a16="http://schemas.microsoft.com/office/drawing/2014/main" id="{25C6878C-AE87-4AF3-B3A1-22F0D09B4D4C}"/>
               </a:ext>
             </a:extLst>
           </p:cNvPr>
@@ -10296,49 +10500,14 @@
         </p:nvSpPr>
         <p:spPr>
           <a:xfrm>
-            <a:off x="6173025" y="3196861"/>
-            <a:ext cx="1948098" cy="276999"/>
-          </a:xfrm>
-          <a:prstGeom prst="rect">
-            <a:avLst/>
-          </a:prstGeom>
-        </p:spPr>
-        <p:txBody>
-          <a:bodyPr wrap="none">
-            <a:spAutoFit/>
-          </a:bodyPr>
-          <a:lstStyle/>
-          <a:p>
-            <a:pPr algn="ctr"/>
-            <a:r>
-              <a:rPr lang="en-US" sz="1200" dirty="0"/>
-              <a:t>Front panel VEE Port project</a:t>
-            </a:r>
-          </a:p>
-        </p:txBody>
-      </p:sp>
-      <p:sp>
-        <p:nvSpPr>
-          <p:cNvPr id="41" name="Rounded Rectangle 46">
-            <a:extLst>
-              <a:ext uri="{FF2B5EF4-FFF2-40B4-BE49-F238E27FC236}">
-                <a16:creationId xmlns:a16="http://schemas.microsoft.com/office/drawing/2014/main" id="{68DD34FE-07AB-4BF0-91D6-E000186CD250}"/>
-              </a:ext>
-            </a:extLst>
-          </p:cNvPr>
-          <p:cNvSpPr/>
-          <p:nvPr/>
-        </p:nvSpPr>
-        <p:spPr>
-          <a:xfrm>
-            <a:off x="6297476" y="3588270"/>
+            <a:off x="8196963" y="3588270"/>
             <a:ext cx="1645920" cy="288000"/>
           </a:xfrm>
           <a:prstGeom prst="roundRect">
             <a:avLst/>
           </a:prstGeom>
           <a:solidFill>
-            <a:srgbClr val="00AEC7"/>
+            <a:srgbClr val="EE502E"/>
           </a:solidFill>
           <a:ln>
             <a:noFill/>
@@ -10465,33 +10634,17 @@
                   <a:schemeClr val="bg1"/>
                 </a:solidFill>
               </a:rPr>
-              <a:t>.</a:t>
-            </a:r>
-            <a:r>
-              <a:rPr lang="en-US" sz="1200" dirty="0" err="1">
-                <a:solidFill>
-                  <a:schemeClr val="bg1"/>
-                </a:solidFill>
-              </a:rPr>
-              <a:t>fp</a:t>
-            </a:r>
-            <a:r>
-              <a:rPr lang="en-US" sz="1200" dirty="0">
-                <a:solidFill>
-                  <a:schemeClr val="bg1"/>
-                </a:solidFill>
-              </a:rPr>
-              <a:t> file and resources</a:t>
+              <a:t>Widgets</a:t>
             </a:r>
           </a:p>
         </p:txBody>
       </p:sp>
       <p:sp>
         <p:nvSpPr>
-          <p:cNvPr id="43" name="Rounded Rectangle 47">
-            <a:extLst>
-              <a:ext uri="{FF2B5EF4-FFF2-40B4-BE49-F238E27FC236}">
-                <a16:creationId xmlns:a16="http://schemas.microsoft.com/office/drawing/2014/main" id="{25C6878C-AE87-4AF3-B3A1-22F0D09B4D4C}"/>
+          <p:cNvPr id="45" name="Rounded Rectangle 48">
+            <a:extLst>
+              <a:ext uri="{FF2B5EF4-FFF2-40B4-BE49-F238E27FC236}">
+                <a16:creationId xmlns:a16="http://schemas.microsoft.com/office/drawing/2014/main" id="{A858EF64-7E13-461B-8F85-C1030BFB7751}"/>
               </a:ext>
             </a:extLst>
           </p:cNvPr>
@@ -10500,14 +10653,14 @@
         </p:nvSpPr>
         <p:spPr>
           <a:xfrm>
-            <a:off x="8196963" y="3588270"/>
+            <a:off x="10084640" y="3588270"/>
             <a:ext cx="1645920" cy="288000"/>
           </a:xfrm>
           <a:prstGeom prst="roundRect">
             <a:avLst/>
           </a:prstGeom>
           <a:solidFill>
-            <a:srgbClr val="00AEC7"/>
+            <a:srgbClr val="EE502E"/>
           </a:solidFill>
           <a:ln>
             <a:noFill/>
@@ -10629,159 +10782,6 @@
           <a:p>
             <a:pPr algn="ctr"/>
             <a:r>
-              <a:rPr lang="en-US" sz="1200" dirty="0">
-                <a:solidFill>
-                  <a:schemeClr val="bg1"/>
-                </a:solidFill>
-              </a:rPr>
-              <a:t>Widgets</a:t>
-            </a:r>
-          </a:p>
-        </p:txBody>
-      </p:sp>
-      <p:sp>
-        <p:nvSpPr>
-          <p:cNvPr id="45" name="Rounded Rectangle 48">
-            <a:extLst>
-              <a:ext uri="{FF2B5EF4-FFF2-40B4-BE49-F238E27FC236}">
-                <a16:creationId xmlns:a16="http://schemas.microsoft.com/office/drawing/2014/main" id="{A858EF64-7E13-461B-8F85-C1030BFB7751}"/>
-              </a:ext>
-            </a:extLst>
-          </p:cNvPr>
-          <p:cNvSpPr/>
-          <p:nvPr/>
-        </p:nvSpPr>
-        <p:spPr>
-          <a:xfrm>
-            <a:off x="10084640" y="3588270"/>
-            <a:ext cx="1645920" cy="288000"/>
-          </a:xfrm>
-          <a:prstGeom prst="roundRect">
-            <a:avLst/>
-          </a:prstGeom>
-          <a:solidFill>
-            <a:srgbClr val="00AEC7"/>
-          </a:solidFill>
-          <a:ln>
-            <a:noFill/>
-          </a:ln>
-        </p:spPr>
-        <p:style>
-          <a:lnRef idx="2">
-            <a:schemeClr val="accent1">
-              <a:shade val="50000"/>
-            </a:schemeClr>
-          </a:lnRef>
-          <a:fillRef idx="1">
-            <a:schemeClr val="accent1"/>
-          </a:fillRef>
-          <a:effectRef idx="0">
-            <a:schemeClr val="accent1"/>
-          </a:effectRef>
-          <a:fontRef idx="minor">
-            <a:schemeClr val="lt1"/>
-          </a:fontRef>
-        </p:style>
-        <p:txBody>
-          <a:bodyPr rtlCol="0" anchor="ctr"/>
-          <a:lstStyle>
-            <a:defPPr>
-              <a:defRPr lang="en-US"/>
-            </a:defPPr>
-            <a:lvl1pPr marL="0" algn="l" defTabSz="914377" rtl="0" eaLnBrk="1" latinLnBrk="0" hangingPunct="1">
-              <a:defRPr sz="1800" kern="1200">
-                <a:solidFill>
-                  <a:schemeClr val="lt1"/>
-                </a:solidFill>
-                <a:latin typeface="+mn-lt"/>
-                <a:ea typeface="+mn-ea"/>
-                <a:cs typeface="+mn-cs"/>
-              </a:defRPr>
-            </a:lvl1pPr>
-            <a:lvl2pPr marL="457189" algn="l" defTabSz="914377" rtl="0" eaLnBrk="1" latinLnBrk="0" hangingPunct="1">
-              <a:defRPr sz="1800" kern="1200">
-                <a:solidFill>
-                  <a:schemeClr val="lt1"/>
-                </a:solidFill>
-                <a:latin typeface="+mn-lt"/>
-                <a:ea typeface="+mn-ea"/>
-                <a:cs typeface="+mn-cs"/>
-              </a:defRPr>
-            </a:lvl2pPr>
-            <a:lvl3pPr marL="914377" algn="l" defTabSz="914377" rtl="0" eaLnBrk="1" latinLnBrk="0" hangingPunct="1">
-              <a:defRPr sz="1800" kern="1200">
-                <a:solidFill>
-                  <a:schemeClr val="lt1"/>
-                </a:solidFill>
-                <a:latin typeface="+mn-lt"/>
-                <a:ea typeface="+mn-ea"/>
-                <a:cs typeface="+mn-cs"/>
-              </a:defRPr>
-            </a:lvl3pPr>
-            <a:lvl4pPr marL="1371566" algn="l" defTabSz="914377" rtl="0" eaLnBrk="1" latinLnBrk="0" hangingPunct="1">
-              <a:defRPr sz="1800" kern="1200">
-                <a:solidFill>
-                  <a:schemeClr val="lt1"/>
-                </a:solidFill>
-                <a:latin typeface="+mn-lt"/>
-                <a:ea typeface="+mn-ea"/>
-                <a:cs typeface="+mn-cs"/>
-              </a:defRPr>
-            </a:lvl4pPr>
-            <a:lvl5pPr marL="1828754" algn="l" defTabSz="914377" rtl="0" eaLnBrk="1" latinLnBrk="0" hangingPunct="1">
-              <a:defRPr sz="1800" kern="1200">
-                <a:solidFill>
-                  <a:schemeClr val="lt1"/>
-                </a:solidFill>
-                <a:latin typeface="+mn-lt"/>
-                <a:ea typeface="+mn-ea"/>
-                <a:cs typeface="+mn-cs"/>
-              </a:defRPr>
-            </a:lvl5pPr>
-            <a:lvl6pPr marL="2285943" algn="l" defTabSz="914377" rtl="0" eaLnBrk="1" latinLnBrk="0" hangingPunct="1">
-              <a:defRPr sz="1800" kern="1200">
-                <a:solidFill>
-                  <a:schemeClr val="lt1"/>
-                </a:solidFill>
-                <a:latin typeface="+mn-lt"/>
-                <a:ea typeface="+mn-ea"/>
-                <a:cs typeface="+mn-cs"/>
-              </a:defRPr>
-            </a:lvl6pPr>
-            <a:lvl7pPr marL="2743131" algn="l" defTabSz="914377" rtl="0" eaLnBrk="1" latinLnBrk="0" hangingPunct="1">
-              <a:defRPr sz="1800" kern="1200">
-                <a:solidFill>
-                  <a:schemeClr val="lt1"/>
-                </a:solidFill>
-                <a:latin typeface="+mn-lt"/>
-                <a:ea typeface="+mn-ea"/>
-                <a:cs typeface="+mn-cs"/>
-              </a:defRPr>
-            </a:lvl7pPr>
-            <a:lvl8pPr marL="3200320" algn="l" defTabSz="914377" rtl="0" eaLnBrk="1" latinLnBrk="0" hangingPunct="1">
-              <a:defRPr sz="1800" kern="1200">
-                <a:solidFill>
-                  <a:schemeClr val="lt1"/>
-                </a:solidFill>
-                <a:latin typeface="+mn-lt"/>
-                <a:ea typeface="+mn-ea"/>
-                <a:cs typeface="+mn-cs"/>
-              </a:defRPr>
-            </a:lvl8pPr>
-            <a:lvl9pPr marL="3657509" algn="l" defTabSz="914377" rtl="0" eaLnBrk="1" latinLnBrk="0" hangingPunct="1">
-              <a:defRPr sz="1800" kern="1200">
-                <a:solidFill>
-                  <a:schemeClr val="lt1"/>
-                </a:solidFill>
-                <a:latin typeface="+mn-lt"/>
-                <a:ea typeface="+mn-ea"/>
-                <a:cs typeface="+mn-cs"/>
-              </a:defRPr>
-            </a:lvl9pPr>
-          </a:lstStyle>
-          <a:p>
-            <a:pPr algn="ctr"/>
-            <a:r>
               <a:rPr lang="en-US" sz="1050" dirty="0">
                 <a:solidFill>
                   <a:schemeClr val="bg1"/>
@@ -10813,7 +10813,7 @@
             <a:avLst/>
           </a:prstGeom>
           <a:solidFill>
-            <a:srgbClr val="EE502E"/>
+            <a:srgbClr val="6CC24A"/>
           </a:solidFill>
           <a:ln>
             <a:noFill/>
@@ -10995,7 +10995,7 @@
               <a:avLst/>
             </a:prstGeom>
             <a:solidFill>
-              <a:srgbClr val="00AEC7"/>
+              <a:srgbClr val="EE502E"/>
             </a:solidFill>
           </p:spPr>
           <p:style>
@@ -11100,7 +11100,7 @@
               <a:avLst/>
             </a:prstGeom>
             <a:solidFill>
-              <a:srgbClr val="EE502E"/>
+              <a:srgbClr val="6CC24A"/>
             </a:solidFill>
           </p:spPr>
           <p:style>
@@ -11185,7 +11185,7 @@
             <a:avLst/>
           </a:prstGeom>
           <a:solidFill>
-            <a:srgbClr val="00AEC7"/>
+            <a:srgbClr val="EE502E"/>
           </a:solidFill>
           <a:ln>
             <a:noFill/>
@@ -11343,7 +11343,7 @@
             <a:avLst/>
           </a:prstGeom>
           <a:solidFill>
-            <a:srgbClr val="00AEC7"/>
+            <a:srgbClr val="EE502E"/>
           </a:solidFill>
           <a:ln>
             <a:noFill/>
@@ -11872,7 +11872,7 @@
             <a:avLst/>
           </a:prstGeom>
           <a:solidFill>
-            <a:srgbClr val="6CC24A"/>
+            <a:srgbClr val="00AEC7"/>
           </a:solidFill>
           <a:ln>
             <a:noFill/>
@@ -12024,6 +12024,862 @@
         <p:spPr>
           <a:xfrm>
             <a:off x="7021232" y="3026246"/>
+            <a:ext cx="1645920" cy="288000"/>
+          </a:xfrm>
+          <a:prstGeom prst="roundRect">
+            <a:avLst/>
+          </a:prstGeom>
+          <a:solidFill>
+            <a:srgbClr val="EE502E"/>
+          </a:solidFill>
+          <a:ln>
+            <a:noFill/>
+          </a:ln>
+        </p:spPr>
+        <p:style>
+          <a:lnRef idx="2">
+            <a:schemeClr val="accent1">
+              <a:shade val="50000"/>
+            </a:schemeClr>
+          </a:lnRef>
+          <a:fillRef idx="1">
+            <a:schemeClr val="accent1"/>
+          </a:fillRef>
+          <a:effectRef idx="0">
+            <a:schemeClr val="accent1"/>
+          </a:effectRef>
+          <a:fontRef idx="minor">
+            <a:schemeClr val="lt1"/>
+          </a:fontRef>
+        </p:style>
+        <p:txBody>
+          <a:bodyPr rtlCol="0" anchor="ctr"/>
+          <a:lstStyle>
+            <a:defPPr>
+              <a:defRPr lang="en-US"/>
+            </a:defPPr>
+            <a:lvl1pPr marL="0" algn="l" defTabSz="914377" rtl="0" eaLnBrk="1" latinLnBrk="0" hangingPunct="1">
+              <a:defRPr sz="1800" kern="1200">
+                <a:solidFill>
+                  <a:schemeClr val="lt1"/>
+                </a:solidFill>
+                <a:latin typeface="+mn-lt"/>
+                <a:ea typeface="+mn-ea"/>
+                <a:cs typeface="+mn-cs"/>
+              </a:defRPr>
+            </a:lvl1pPr>
+            <a:lvl2pPr marL="457189" algn="l" defTabSz="914377" rtl="0" eaLnBrk="1" latinLnBrk="0" hangingPunct="1">
+              <a:defRPr sz="1800" kern="1200">
+                <a:solidFill>
+                  <a:schemeClr val="lt1"/>
+                </a:solidFill>
+                <a:latin typeface="+mn-lt"/>
+                <a:ea typeface="+mn-ea"/>
+                <a:cs typeface="+mn-cs"/>
+              </a:defRPr>
+            </a:lvl2pPr>
+            <a:lvl3pPr marL="914377" algn="l" defTabSz="914377" rtl="0" eaLnBrk="1" latinLnBrk="0" hangingPunct="1">
+              <a:defRPr sz="1800" kern="1200">
+                <a:solidFill>
+                  <a:schemeClr val="lt1"/>
+                </a:solidFill>
+                <a:latin typeface="+mn-lt"/>
+                <a:ea typeface="+mn-ea"/>
+                <a:cs typeface="+mn-cs"/>
+              </a:defRPr>
+            </a:lvl3pPr>
+            <a:lvl4pPr marL="1371566" algn="l" defTabSz="914377" rtl="0" eaLnBrk="1" latinLnBrk="0" hangingPunct="1">
+              <a:defRPr sz="1800" kern="1200">
+                <a:solidFill>
+                  <a:schemeClr val="lt1"/>
+                </a:solidFill>
+                <a:latin typeface="+mn-lt"/>
+                <a:ea typeface="+mn-ea"/>
+                <a:cs typeface="+mn-cs"/>
+              </a:defRPr>
+            </a:lvl4pPr>
+            <a:lvl5pPr marL="1828754" algn="l" defTabSz="914377" rtl="0" eaLnBrk="1" latinLnBrk="0" hangingPunct="1">
+              <a:defRPr sz="1800" kern="1200">
+                <a:solidFill>
+                  <a:schemeClr val="lt1"/>
+                </a:solidFill>
+                <a:latin typeface="+mn-lt"/>
+                <a:ea typeface="+mn-ea"/>
+                <a:cs typeface="+mn-cs"/>
+              </a:defRPr>
+            </a:lvl5pPr>
+            <a:lvl6pPr marL="2285943" algn="l" defTabSz="914377" rtl="0" eaLnBrk="1" latinLnBrk="0" hangingPunct="1">
+              <a:defRPr sz="1800" kern="1200">
+                <a:solidFill>
+                  <a:schemeClr val="lt1"/>
+                </a:solidFill>
+                <a:latin typeface="+mn-lt"/>
+                <a:ea typeface="+mn-ea"/>
+                <a:cs typeface="+mn-cs"/>
+              </a:defRPr>
+            </a:lvl6pPr>
+            <a:lvl7pPr marL="2743131" algn="l" defTabSz="914377" rtl="0" eaLnBrk="1" latinLnBrk="0" hangingPunct="1">
+              <a:defRPr sz="1800" kern="1200">
+                <a:solidFill>
+                  <a:schemeClr val="lt1"/>
+                </a:solidFill>
+                <a:latin typeface="+mn-lt"/>
+                <a:ea typeface="+mn-ea"/>
+                <a:cs typeface="+mn-cs"/>
+              </a:defRPr>
+            </a:lvl7pPr>
+            <a:lvl8pPr marL="3200320" algn="l" defTabSz="914377" rtl="0" eaLnBrk="1" latinLnBrk="0" hangingPunct="1">
+              <a:defRPr sz="1800" kern="1200">
+                <a:solidFill>
+                  <a:schemeClr val="lt1"/>
+                </a:solidFill>
+                <a:latin typeface="+mn-lt"/>
+                <a:ea typeface="+mn-ea"/>
+                <a:cs typeface="+mn-cs"/>
+              </a:defRPr>
+            </a:lvl8pPr>
+            <a:lvl9pPr marL="3657509" algn="l" defTabSz="914377" rtl="0" eaLnBrk="1" latinLnBrk="0" hangingPunct="1">
+              <a:defRPr sz="1800" kern="1200">
+                <a:solidFill>
+                  <a:schemeClr val="lt1"/>
+                </a:solidFill>
+                <a:latin typeface="+mn-lt"/>
+                <a:ea typeface="+mn-ea"/>
+                <a:cs typeface="+mn-cs"/>
+              </a:defRPr>
+            </a:lvl9pPr>
+          </a:lstStyle>
+          <a:p>
+            <a:pPr algn="ctr"/>
+            <a:r>
+              <a:rPr lang="en-US" sz="1200" dirty="0" err="1">
+                <a:solidFill>
+                  <a:schemeClr val="bg1"/>
+                </a:solidFill>
+              </a:rPr>
+              <a:t>LLUI_LED_impl.c</a:t>
+            </a:r>
+            <a:endParaRPr lang="en-US" sz="1200" dirty="0">
+              <a:solidFill>
+                <a:schemeClr val="bg1"/>
+              </a:solidFill>
+            </a:endParaRPr>
+          </a:p>
+        </p:txBody>
+      </p:sp>
+      <p:sp>
+        <p:nvSpPr>
+          <p:cNvPr id="2" name="Rectangle 1">
+            <a:extLst>
+              <a:ext uri="{FF2B5EF4-FFF2-40B4-BE49-F238E27FC236}">
+                <a16:creationId xmlns:a16="http://schemas.microsoft.com/office/drawing/2014/main" id="{9DC5B66A-198E-484B-941E-A31EBDB4816E}"/>
+              </a:ext>
+            </a:extLst>
+          </p:cNvPr>
+          <p:cNvSpPr/>
+          <p:nvPr/>
+        </p:nvSpPr>
+        <p:spPr>
+          <a:xfrm>
+            <a:off x="6867524" y="2649498"/>
+            <a:ext cx="413896" cy="276999"/>
+          </a:xfrm>
+          <a:prstGeom prst="rect">
+            <a:avLst/>
+          </a:prstGeom>
+        </p:spPr>
+        <p:txBody>
+          <a:bodyPr wrap="none">
+            <a:spAutoFit/>
+          </a:bodyPr>
+          <a:lstStyle/>
+          <a:p>
+            <a:pPr algn="ctr"/>
+            <a:r>
+              <a:rPr lang="en-US" sz="1200" dirty="0"/>
+              <a:t>BSP</a:t>
+            </a:r>
+          </a:p>
+        </p:txBody>
+      </p:sp>
+      <p:sp>
+        <p:nvSpPr>
+          <p:cNvPr id="3" name="Rectangle 2">
+            <a:extLst>
+              <a:ext uri="{FF2B5EF4-FFF2-40B4-BE49-F238E27FC236}">
+                <a16:creationId xmlns:a16="http://schemas.microsoft.com/office/drawing/2014/main" id="{D999801C-7C4D-41AD-92C6-CD3699767636}"/>
+              </a:ext>
+            </a:extLst>
+          </p:cNvPr>
+          <p:cNvSpPr/>
+          <p:nvPr/>
+        </p:nvSpPr>
+        <p:spPr>
+          <a:xfrm>
+            <a:off x="6776595" y="1091577"/>
+            <a:ext cx="725070" cy="276999"/>
+          </a:xfrm>
+          <a:prstGeom prst="rect">
+            <a:avLst/>
+          </a:prstGeom>
+        </p:spPr>
+        <p:txBody>
+          <a:bodyPr wrap="none">
+            <a:spAutoFit/>
+          </a:bodyPr>
+          <a:lstStyle/>
+          <a:p>
+            <a:pPr algn="ctr"/>
+            <a:r>
+              <a:rPr lang="en-US" sz="1200" dirty="0"/>
+              <a:t>Platform</a:t>
+            </a:r>
+          </a:p>
+        </p:txBody>
+      </p:sp>
+      <p:sp>
+        <p:nvSpPr>
+          <p:cNvPr id="4" name="Rounded Rectangle 62">
+            <a:extLst>
+              <a:ext uri="{FF2B5EF4-FFF2-40B4-BE49-F238E27FC236}">
+                <a16:creationId xmlns:a16="http://schemas.microsoft.com/office/drawing/2014/main" id="{F7B6D143-4ECC-436C-8BB7-1CEEE974EC0E}"/>
+              </a:ext>
+            </a:extLst>
+          </p:cNvPr>
+          <p:cNvSpPr/>
+          <p:nvPr/>
+        </p:nvSpPr>
+        <p:spPr>
+          <a:xfrm>
+            <a:off x="9363074" y="2920961"/>
+            <a:ext cx="1924051" cy="524072"/>
+          </a:xfrm>
+          <a:prstGeom prst="roundRect">
+            <a:avLst>
+              <a:gd name="adj" fmla="val 5059"/>
+            </a:avLst>
+          </a:prstGeom>
+          <a:solidFill>
+            <a:schemeClr val="bg1">
+              <a:lumMod val="95000"/>
+            </a:schemeClr>
+          </a:solidFill>
+          <a:ln w="19050">
+            <a:noFill/>
+          </a:ln>
+        </p:spPr>
+        <p:style>
+          <a:lnRef idx="2">
+            <a:schemeClr val="accent1">
+              <a:shade val="50000"/>
+            </a:schemeClr>
+          </a:lnRef>
+          <a:fillRef idx="1">
+            <a:schemeClr val="accent1"/>
+          </a:fillRef>
+          <a:effectRef idx="0">
+            <a:schemeClr val="accent1"/>
+          </a:effectRef>
+          <a:fontRef idx="minor">
+            <a:schemeClr val="lt1"/>
+          </a:fontRef>
+        </p:style>
+        <p:txBody>
+          <a:bodyPr wrap="square" lIns="0" tIns="0" rIns="0" bIns="0" rtlCol="0" anchor="ctr"/>
+          <a:lstStyle/>
+          <a:p>
+            <a:pPr algn="ctr"/>
+            <a:endParaRPr lang="en-US" sz="1400" dirty="0">
+              <a:solidFill>
+                <a:schemeClr val="bg1">
+                  <a:lumMod val="95000"/>
+                </a:schemeClr>
+              </a:solidFill>
+            </a:endParaRPr>
+          </a:p>
+        </p:txBody>
+      </p:sp>
+      <p:sp>
+        <p:nvSpPr>
+          <p:cNvPr id="6" name="Rounded Rectangle 62">
+            <a:extLst>
+              <a:ext uri="{FF2B5EF4-FFF2-40B4-BE49-F238E27FC236}">
+                <a16:creationId xmlns:a16="http://schemas.microsoft.com/office/drawing/2014/main" id="{0E9E0BDC-2742-413A-A312-194042BCE944}"/>
+              </a:ext>
+            </a:extLst>
+          </p:cNvPr>
+          <p:cNvSpPr/>
+          <p:nvPr/>
+        </p:nvSpPr>
+        <p:spPr>
+          <a:xfrm>
+            <a:off x="9363074" y="1381327"/>
+            <a:ext cx="1924051" cy="974574"/>
+          </a:xfrm>
+          <a:prstGeom prst="roundRect">
+            <a:avLst>
+              <a:gd name="adj" fmla="val 5059"/>
+            </a:avLst>
+          </a:prstGeom>
+          <a:solidFill>
+            <a:schemeClr val="bg1">
+              <a:lumMod val="95000"/>
+            </a:schemeClr>
+          </a:solidFill>
+          <a:ln w="19050">
+            <a:noFill/>
+          </a:ln>
+        </p:spPr>
+        <p:style>
+          <a:lnRef idx="2">
+            <a:schemeClr val="accent1">
+              <a:shade val="50000"/>
+            </a:schemeClr>
+          </a:lnRef>
+          <a:fillRef idx="1">
+            <a:schemeClr val="accent1"/>
+          </a:fillRef>
+          <a:effectRef idx="0">
+            <a:schemeClr val="accent1"/>
+          </a:effectRef>
+          <a:fontRef idx="minor">
+            <a:schemeClr val="lt1"/>
+          </a:fontRef>
+        </p:style>
+        <p:txBody>
+          <a:bodyPr wrap="square" lIns="0" tIns="0" rIns="0" bIns="0" rtlCol="0" anchor="ctr"/>
+          <a:lstStyle/>
+          <a:p>
+            <a:pPr algn="ctr"/>
+            <a:endParaRPr lang="en-US" sz="1400" dirty="0">
+              <a:solidFill>
+                <a:schemeClr val="bg1">
+                  <a:lumMod val="95000"/>
+                </a:schemeClr>
+              </a:solidFill>
+            </a:endParaRPr>
+          </a:p>
+        </p:txBody>
+      </p:sp>
+      <p:sp>
+        <p:nvSpPr>
+          <p:cNvPr id="8" name="Rounded Rectangle 15">
+            <a:extLst>
+              <a:ext uri="{FF2B5EF4-FFF2-40B4-BE49-F238E27FC236}">
+                <a16:creationId xmlns:a16="http://schemas.microsoft.com/office/drawing/2014/main" id="{283AF155-B68F-4BAA-BCD3-39A1D9FB6C48}"/>
+              </a:ext>
+            </a:extLst>
+          </p:cNvPr>
+          <p:cNvSpPr/>
+          <p:nvPr/>
+        </p:nvSpPr>
+        <p:spPr>
+          <a:xfrm>
+            <a:off x="9516782" y="1518158"/>
+            <a:ext cx="1645920" cy="288000"/>
+          </a:xfrm>
+          <a:prstGeom prst="roundRect">
+            <a:avLst/>
+          </a:prstGeom>
+          <a:solidFill>
+            <a:schemeClr val="bg2">
+              <a:lumMod val="90000"/>
+            </a:schemeClr>
+          </a:solidFill>
+          <a:ln>
+            <a:noFill/>
+          </a:ln>
+        </p:spPr>
+        <p:style>
+          <a:lnRef idx="2">
+            <a:schemeClr val="accent1">
+              <a:shade val="50000"/>
+            </a:schemeClr>
+          </a:lnRef>
+          <a:fillRef idx="1">
+            <a:schemeClr val="accent1"/>
+          </a:fillRef>
+          <a:effectRef idx="0">
+            <a:schemeClr val="accent1"/>
+          </a:effectRef>
+          <a:fontRef idx="minor">
+            <a:schemeClr val="lt1"/>
+          </a:fontRef>
+        </p:style>
+        <p:txBody>
+          <a:bodyPr rtlCol="0" anchor="ctr"/>
+          <a:lstStyle>
+            <a:defPPr>
+              <a:defRPr lang="en-US"/>
+            </a:defPPr>
+            <a:lvl1pPr marL="0" algn="l" defTabSz="914377" rtl="0" eaLnBrk="1" latinLnBrk="0" hangingPunct="1">
+              <a:defRPr sz="1800" kern="1200">
+                <a:solidFill>
+                  <a:schemeClr val="lt1"/>
+                </a:solidFill>
+                <a:latin typeface="+mn-lt"/>
+                <a:ea typeface="+mn-ea"/>
+                <a:cs typeface="+mn-cs"/>
+              </a:defRPr>
+            </a:lvl1pPr>
+            <a:lvl2pPr marL="457189" algn="l" defTabSz="914377" rtl="0" eaLnBrk="1" latinLnBrk="0" hangingPunct="1">
+              <a:defRPr sz="1800" kern="1200">
+                <a:solidFill>
+                  <a:schemeClr val="lt1"/>
+                </a:solidFill>
+                <a:latin typeface="+mn-lt"/>
+                <a:ea typeface="+mn-ea"/>
+                <a:cs typeface="+mn-cs"/>
+              </a:defRPr>
+            </a:lvl2pPr>
+            <a:lvl3pPr marL="914377" algn="l" defTabSz="914377" rtl="0" eaLnBrk="1" latinLnBrk="0" hangingPunct="1">
+              <a:defRPr sz="1800" kern="1200">
+                <a:solidFill>
+                  <a:schemeClr val="lt1"/>
+                </a:solidFill>
+                <a:latin typeface="+mn-lt"/>
+                <a:ea typeface="+mn-ea"/>
+                <a:cs typeface="+mn-cs"/>
+              </a:defRPr>
+            </a:lvl3pPr>
+            <a:lvl4pPr marL="1371566" algn="l" defTabSz="914377" rtl="0" eaLnBrk="1" latinLnBrk="0" hangingPunct="1">
+              <a:defRPr sz="1800" kern="1200">
+                <a:solidFill>
+                  <a:schemeClr val="lt1"/>
+                </a:solidFill>
+                <a:latin typeface="+mn-lt"/>
+                <a:ea typeface="+mn-ea"/>
+                <a:cs typeface="+mn-cs"/>
+              </a:defRPr>
+            </a:lvl4pPr>
+            <a:lvl5pPr marL="1828754" algn="l" defTabSz="914377" rtl="0" eaLnBrk="1" latinLnBrk="0" hangingPunct="1">
+              <a:defRPr sz="1800" kern="1200">
+                <a:solidFill>
+                  <a:schemeClr val="lt1"/>
+                </a:solidFill>
+                <a:latin typeface="+mn-lt"/>
+                <a:ea typeface="+mn-ea"/>
+                <a:cs typeface="+mn-cs"/>
+              </a:defRPr>
+            </a:lvl5pPr>
+            <a:lvl6pPr marL="2285943" algn="l" defTabSz="914377" rtl="0" eaLnBrk="1" latinLnBrk="0" hangingPunct="1">
+              <a:defRPr sz="1800" kern="1200">
+                <a:solidFill>
+                  <a:schemeClr val="lt1"/>
+                </a:solidFill>
+                <a:latin typeface="+mn-lt"/>
+                <a:ea typeface="+mn-ea"/>
+                <a:cs typeface="+mn-cs"/>
+              </a:defRPr>
+            </a:lvl6pPr>
+            <a:lvl7pPr marL="2743131" algn="l" defTabSz="914377" rtl="0" eaLnBrk="1" latinLnBrk="0" hangingPunct="1">
+              <a:defRPr sz="1800" kern="1200">
+                <a:solidFill>
+                  <a:schemeClr val="lt1"/>
+                </a:solidFill>
+                <a:latin typeface="+mn-lt"/>
+                <a:ea typeface="+mn-ea"/>
+                <a:cs typeface="+mn-cs"/>
+              </a:defRPr>
+            </a:lvl7pPr>
+            <a:lvl8pPr marL="3200320" algn="l" defTabSz="914377" rtl="0" eaLnBrk="1" latinLnBrk="0" hangingPunct="1">
+              <a:defRPr sz="1800" kern="1200">
+                <a:solidFill>
+                  <a:schemeClr val="lt1"/>
+                </a:solidFill>
+                <a:latin typeface="+mn-lt"/>
+                <a:ea typeface="+mn-ea"/>
+                <a:cs typeface="+mn-cs"/>
+              </a:defRPr>
+            </a:lvl8pPr>
+            <a:lvl9pPr marL="3657509" algn="l" defTabSz="914377" rtl="0" eaLnBrk="1" latinLnBrk="0" hangingPunct="1">
+              <a:defRPr sz="1800" kern="1200">
+                <a:solidFill>
+                  <a:schemeClr val="lt1"/>
+                </a:solidFill>
+                <a:latin typeface="+mn-lt"/>
+                <a:ea typeface="+mn-ea"/>
+                <a:cs typeface="+mn-cs"/>
+              </a:defRPr>
+            </a:lvl9pPr>
+          </a:lstStyle>
+          <a:p>
+            <a:pPr algn="ctr"/>
+            <a:r>
+              <a:rPr lang="en-US" sz="1200" dirty="0">
+                <a:solidFill>
+                  <a:schemeClr val="tx2"/>
+                </a:solidFill>
+              </a:rPr>
+              <a:t>MICROUI-3.0</a:t>
+            </a:r>
+          </a:p>
+        </p:txBody>
+      </p:sp>
+      <p:sp>
+        <p:nvSpPr>
+          <p:cNvPr id="14" name="Rectangle 13">
+            <a:extLst>
+              <a:ext uri="{FF2B5EF4-FFF2-40B4-BE49-F238E27FC236}">
+                <a16:creationId xmlns:a16="http://schemas.microsoft.com/office/drawing/2014/main" id="{B20C4C04-6E6F-4B4C-B8BE-44378D96A8CF}"/>
+              </a:ext>
+            </a:extLst>
+          </p:cNvPr>
+          <p:cNvSpPr/>
+          <p:nvPr/>
+        </p:nvSpPr>
+        <p:spPr>
+          <a:xfrm>
+            <a:off x="9363074" y="2662249"/>
+            <a:ext cx="413896" cy="276999"/>
+          </a:xfrm>
+          <a:prstGeom prst="rect">
+            <a:avLst/>
+          </a:prstGeom>
+        </p:spPr>
+        <p:txBody>
+          <a:bodyPr wrap="none">
+            <a:spAutoFit/>
+          </a:bodyPr>
+          <a:lstStyle/>
+          <a:p>
+            <a:pPr algn="ctr"/>
+            <a:r>
+              <a:rPr lang="en-US" sz="1200" dirty="0"/>
+              <a:t>BSP</a:t>
+            </a:r>
+          </a:p>
+        </p:txBody>
+      </p:sp>
+      <p:sp>
+        <p:nvSpPr>
+          <p:cNvPr id="16" name="Rectangle 15">
+            <a:extLst>
+              <a:ext uri="{FF2B5EF4-FFF2-40B4-BE49-F238E27FC236}">
+                <a16:creationId xmlns:a16="http://schemas.microsoft.com/office/drawing/2014/main" id="{33B8B578-1702-4EDD-923E-8AF88A506FF9}"/>
+              </a:ext>
+            </a:extLst>
+          </p:cNvPr>
+          <p:cNvSpPr/>
+          <p:nvPr/>
+        </p:nvSpPr>
+        <p:spPr>
+          <a:xfrm>
+            <a:off x="9272145" y="1104328"/>
+            <a:ext cx="725070" cy="276999"/>
+          </a:xfrm>
+          <a:prstGeom prst="rect">
+            <a:avLst/>
+          </a:prstGeom>
+        </p:spPr>
+        <p:txBody>
+          <a:bodyPr wrap="none">
+            <a:spAutoFit/>
+          </a:bodyPr>
+          <a:lstStyle/>
+          <a:p>
+            <a:pPr algn="ctr"/>
+            <a:r>
+              <a:rPr lang="en-US" sz="1200" dirty="0"/>
+              <a:t>Platform</a:t>
+            </a:r>
+          </a:p>
+        </p:txBody>
+      </p:sp>
+      <p:sp>
+        <p:nvSpPr>
+          <p:cNvPr id="32" name="Rounded Rectangle 62">
+            <a:extLst>
+              <a:ext uri="{FF2B5EF4-FFF2-40B4-BE49-F238E27FC236}">
+                <a16:creationId xmlns:a16="http://schemas.microsoft.com/office/drawing/2014/main" id="{540BC4D0-ADBE-4508-B989-8C4819031778}"/>
+              </a:ext>
+            </a:extLst>
+          </p:cNvPr>
+          <p:cNvSpPr/>
+          <p:nvPr/>
+        </p:nvSpPr>
+        <p:spPr>
+          <a:xfrm>
+            <a:off x="1571623" y="3645557"/>
+            <a:ext cx="1924051" cy="524072"/>
+          </a:xfrm>
+          <a:prstGeom prst="roundRect">
+            <a:avLst>
+              <a:gd name="adj" fmla="val 5059"/>
+            </a:avLst>
+          </a:prstGeom>
+          <a:solidFill>
+            <a:schemeClr val="bg1">
+              <a:lumMod val="95000"/>
+            </a:schemeClr>
+          </a:solidFill>
+          <a:ln w="19050">
+            <a:noFill/>
+          </a:ln>
+        </p:spPr>
+        <p:style>
+          <a:lnRef idx="2">
+            <a:schemeClr val="accent1">
+              <a:shade val="50000"/>
+            </a:schemeClr>
+          </a:lnRef>
+          <a:fillRef idx="1">
+            <a:schemeClr val="accent1"/>
+          </a:fillRef>
+          <a:effectRef idx="0">
+            <a:schemeClr val="accent1"/>
+          </a:effectRef>
+          <a:fontRef idx="minor">
+            <a:schemeClr val="lt1"/>
+          </a:fontRef>
+        </p:style>
+        <p:txBody>
+          <a:bodyPr wrap="square" lIns="0" tIns="0" rIns="0" bIns="0" rtlCol="0" anchor="ctr"/>
+          <a:lstStyle/>
+          <a:p>
+            <a:pPr algn="ctr"/>
+            <a:endParaRPr lang="en-US" sz="1400" dirty="0">
+              <a:solidFill>
+                <a:schemeClr val="bg1">
+                  <a:lumMod val="95000"/>
+                </a:schemeClr>
+              </a:solidFill>
+            </a:endParaRPr>
+          </a:p>
+        </p:txBody>
+      </p:sp>
+      <p:sp>
+        <p:nvSpPr>
+          <p:cNvPr id="34" name="Rounded Rectangle 62">
+            <a:extLst>
+              <a:ext uri="{FF2B5EF4-FFF2-40B4-BE49-F238E27FC236}">
+                <a16:creationId xmlns:a16="http://schemas.microsoft.com/office/drawing/2014/main" id="{CB90652D-5643-4DB9-86C7-7CEFE36DFFF2}"/>
+              </a:ext>
+            </a:extLst>
+          </p:cNvPr>
+          <p:cNvSpPr/>
+          <p:nvPr/>
+        </p:nvSpPr>
+        <p:spPr>
+          <a:xfrm>
+            <a:off x="1571624" y="1483276"/>
+            <a:ext cx="1924051" cy="1397783"/>
+          </a:xfrm>
+          <a:prstGeom prst="roundRect">
+            <a:avLst>
+              <a:gd name="adj" fmla="val 5059"/>
+            </a:avLst>
+          </a:prstGeom>
+          <a:solidFill>
+            <a:schemeClr val="bg1">
+              <a:lumMod val="95000"/>
+            </a:schemeClr>
+          </a:solidFill>
+          <a:ln w="19050">
+            <a:noFill/>
+          </a:ln>
+        </p:spPr>
+        <p:style>
+          <a:lnRef idx="2">
+            <a:schemeClr val="accent1">
+              <a:shade val="50000"/>
+            </a:schemeClr>
+          </a:lnRef>
+          <a:fillRef idx="1">
+            <a:schemeClr val="accent1"/>
+          </a:fillRef>
+          <a:effectRef idx="0">
+            <a:schemeClr val="accent1"/>
+          </a:effectRef>
+          <a:fontRef idx="minor">
+            <a:schemeClr val="lt1"/>
+          </a:fontRef>
+        </p:style>
+        <p:txBody>
+          <a:bodyPr wrap="square" lIns="0" tIns="0" rIns="0" bIns="0" rtlCol="0" anchor="ctr"/>
+          <a:lstStyle/>
+          <a:p>
+            <a:pPr algn="ctr"/>
+            <a:endParaRPr lang="en-US" sz="1400" dirty="0">
+              <a:solidFill>
+                <a:schemeClr val="bg1">
+                  <a:lumMod val="95000"/>
+                </a:schemeClr>
+              </a:solidFill>
+            </a:endParaRPr>
+          </a:p>
+        </p:txBody>
+      </p:sp>
+      <p:sp>
+        <p:nvSpPr>
+          <p:cNvPr id="36" name="Rounded Rectangle 15">
+            <a:extLst>
+              <a:ext uri="{FF2B5EF4-FFF2-40B4-BE49-F238E27FC236}">
+                <a16:creationId xmlns:a16="http://schemas.microsoft.com/office/drawing/2014/main" id="{07D59B8C-4FC0-47B1-A8D0-A4C415FEA7D8}"/>
+              </a:ext>
+            </a:extLst>
+          </p:cNvPr>
+          <p:cNvSpPr/>
+          <p:nvPr/>
+        </p:nvSpPr>
+        <p:spPr>
+          <a:xfrm>
+            <a:off x="1725332" y="1620108"/>
+            <a:ext cx="1645920" cy="288000"/>
+          </a:xfrm>
+          <a:prstGeom prst="roundRect">
+            <a:avLst/>
+          </a:prstGeom>
+          <a:solidFill>
+            <a:schemeClr val="bg2">
+              <a:lumMod val="90000"/>
+            </a:schemeClr>
+          </a:solidFill>
+          <a:ln>
+            <a:noFill/>
+          </a:ln>
+        </p:spPr>
+        <p:style>
+          <a:lnRef idx="2">
+            <a:schemeClr val="accent1">
+              <a:shade val="50000"/>
+            </a:schemeClr>
+          </a:lnRef>
+          <a:fillRef idx="1">
+            <a:schemeClr val="accent1"/>
+          </a:fillRef>
+          <a:effectRef idx="0">
+            <a:schemeClr val="accent1"/>
+          </a:effectRef>
+          <a:fontRef idx="minor">
+            <a:schemeClr val="lt1"/>
+          </a:fontRef>
+        </p:style>
+        <p:txBody>
+          <a:bodyPr rtlCol="0" anchor="ctr"/>
+          <a:lstStyle>
+            <a:defPPr>
+              <a:defRPr lang="en-US"/>
+            </a:defPPr>
+            <a:lvl1pPr marL="0" algn="l" defTabSz="914377" rtl="0" eaLnBrk="1" latinLnBrk="0" hangingPunct="1">
+              <a:defRPr sz="1800" kern="1200">
+                <a:solidFill>
+                  <a:schemeClr val="lt1"/>
+                </a:solidFill>
+                <a:latin typeface="+mn-lt"/>
+                <a:ea typeface="+mn-ea"/>
+                <a:cs typeface="+mn-cs"/>
+              </a:defRPr>
+            </a:lvl1pPr>
+            <a:lvl2pPr marL="457189" algn="l" defTabSz="914377" rtl="0" eaLnBrk="1" latinLnBrk="0" hangingPunct="1">
+              <a:defRPr sz="1800" kern="1200">
+                <a:solidFill>
+                  <a:schemeClr val="lt1"/>
+                </a:solidFill>
+                <a:latin typeface="+mn-lt"/>
+                <a:ea typeface="+mn-ea"/>
+                <a:cs typeface="+mn-cs"/>
+              </a:defRPr>
+            </a:lvl2pPr>
+            <a:lvl3pPr marL="914377" algn="l" defTabSz="914377" rtl="0" eaLnBrk="1" latinLnBrk="0" hangingPunct="1">
+              <a:defRPr sz="1800" kern="1200">
+                <a:solidFill>
+                  <a:schemeClr val="lt1"/>
+                </a:solidFill>
+                <a:latin typeface="+mn-lt"/>
+                <a:ea typeface="+mn-ea"/>
+                <a:cs typeface="+mn-cs"/>
+              </a:defRPr>
+            </a:lvl3pPr>
+            <a:lvl4pPr marL="1371566" algn="l" defTabSz="914377" rtl="0" eaLnBrk="1" latinLnBrk="0" hangingPunct="1">
+              <a:defRPr sz="1800" kern="1200">
+                <a:solidFill>
+                  <a:schemeClr val="lt1"/>
+                </a:solidFill>
+                <a:latin typeface="+mn-lt"/>
+                <a:ea typeface="+mn-ea"/>
+                <a:cs typeface="+mn-cs"/>
+              </a:defRPr>
+            </a:lvl4pPr>
+            <a:lvl5pPr marL="1828754" algn="l" defTabSz="914377" rtl="0" eaLnBrk="1" latinLnBrk="0" hangingPunct="1">
+              <a:defRPr sz="1800" kern="1200">
+                <a:solidFill>
+                  <a:schemeClr val="lt1"/>
+                </a:solidFill>
+                <a:latin typeface="+mn-lt"/>
+                <a:ea typeface="+mn-ea"/>
+                <a:cs typeface="+mn-cs"/>
+              </a:defRPr>
+            </a:lvl5pPr>
+            <a:lvl6pPr marL="2285943" algn="l" defTabSz="914377" rtl="0" eaLnBrk="1" latinLnBrk="0" hangingPunct="1">
+              <a:defRPr sz="1800" kern="1200">
+                <a:solidFill>
+                  <a:schemeClr val="lt1"/>
+                </a:solidFill>
+                <a:latin typeface="+mn-lt"/>
+                <a:ea typeface="+mn-ea"/>
+                <a:cs typeface="+mn-cs"/>
+              </a:defRPr>
+            </a:lvl6pPr>
+            <a:lvl7pPr marL="2743131" algn="l" defTabSz="914377" rtl="0" eaLnBrk="1" latinLnBrk="0" hangingPunct="1">
+              <a:defRPr sz="1800" kern="1200">
+                <a:solidFill>
+                  <a:schemeClr val="lt1"/>
+                </a:solidFill>
+                <a:latin typeface="+mn-lt"/>
+                <a:ea typeface="+mn-ea"/>
+                <a:cs typeface="+mn-cs"/>
+              </a:defRPr>
+            </a:lvl7pPr>
+            <a:lvl8pPr marL="3200320" algn="l" defTabSz="914377" rtl="0" eaLnBrk="1" latinLnBrk="0" hangingPunct="1">
+              <a:defRPr sz="1800" kern="1200">
+                <a:solidFill>
+                  <a:schemeClr val="lt1"/>
+                </a:solidFill>
+                <a:latin typeface="+mn-lt"/>
+                <a:ea typeface="+mn-ea"/>
+                <a:cs typeface="+mn-cs"/>
+              </a:defRPr>
+            </a:lvl8pPr>
+            <a:lvl9pPr marL="3657509" algn="l" defTabSz="914377" rtl="0" eaLnBrk="1" latinLnBrk="0" hangingPunct="1">
+              <a:defRPr sz="1800" kern="1200">
+                <a:solidFill>
+                  <a:schemeClr val="lt1"/>
+                </a:solidFill>
+                <a:latin typeface="+mn-lt"/>
+                <a:ea typeface="+mn-ea"/>
+                <a:cs typeface="+mn-cs"/>
+              </a:defRPr>
+            </a:lvl9pPr>
+          </a:lstStyle>
+          <a:p>
+            <a:pPr algn="ctr"/>
+            <a:r>
+              <a:rPr lang="en-US" sz="1200" dirty="0">
+                <a:solidFill>
+                  <a:schemeClr val="tx2"/>
+                </a:solidFill>
+              </a:rPr>
+              <a:t>MICROUI-3.0</a:t>
+            </a:r>
+          </a:p>
+        </p:txBody>
+      </p:sp>
+      <p:sp>
+        <p:nvSpPr>
+          <p:cNvPr id="57" name="Rounded Rectangle 39">
+            <a:extLst>
+              <a:ext uri="{FF2B5EF4-FFF2-40B4-BE49-F238E27FC236}">
+                <a16:creationId xmlns:a16="http://schemas.microsoft.com/office/drawing/2014/main" id="{5D813620-EE80-456F-AAD2-8C0830914AD5}"/>
+              </a:ext>
+            </a:extLst>
+          </p:cNvPr>
+          <p:cNvSpPr/>
+          <p:nvPr/>
+        </p:nvSpPr>
+        <p:spPr>
+          <a:xfrm>
+            <a:off x="1725332" y="2400869"/>
             <a:ext cx="1645920" cy="288000"/>
           </a:xfrm>
           <a:prstGeom prst="roundRect">
@@ -12157,6 +13013,164 @@
                   <a:schemeClr val="bg1"/>
                 </a:solidFill>
               </a:rPr>
+              <a:t>LLUI_LED_impl.h</a:t>
+            </a:r>
+            <a:endParaRPr lang="en-US" sz="1200" dirty="0">
+              <a:solidFill>
+                <a:schemeClr val="bg1"/>
+              </a:solidFill>
+            </a:endParaRPr>
+          </a:p>
+        </p:txBody>
+      </p:sp>
+      <p:sp>
+        <p:nvSpPr>
+          <p:cNvPr id="59" name="Rounded Rectangle 48">
+            <a:extLst>
+              <a:ext uri="{FF2B5EF4-FFF2-40B4-BE49-F238E27FC236}">
+                <a16:creationId xmlns:a16="http://schemas.microsoft.com/office/drawing/2014/main" id="{2DAB42A1-BD9C-4E4D-B3E7-FD1CDBAEEED3}"/>
+              </a:ext>
+            </a:extLst>
+          </p:cNvPr>
+          <p:cNvSpPr/>
+          <p:nvPr/>
+        </p:nvSpPr>
+        <p:spPr>
+          <a:xfrm>
+            <a:off x="1725332" y="3763593"/>
+            <a:ext cx="1645920" cy="288000"/>
+          </a:xfrm>
+          <a:prstGeom prst="roundRect">
+            <a:avLst/>
+          </a:prstGeom>
+          <a:solidFill>
+            <a:srgbClr val="EE502E"/>
+          </a:solidFill>
+          <a:ln>
+            <a:noFill/>
+          </a:ln>
+        </p:spPr>
+        <p:style>
+          <a:lnRef idx="2">
+            <a:schemeClr val="accent1">
+              <a:shade val="50000"/>
+            </a:schemeClr>
+          </a:lnRef>
+          <a:fillRef idx="1">
+            <a:schemeClr val="accent1"/>
+          </a:fillRef>
+          <a:effectRef idx="0">
+            <a:schemeClr val="accent1"/>
+          </a:effectRef>
+          <a:fontRef idx="minor">
+            <a:schemeClr val="lt1"/>
+          </a:fontRef>
+        </p:style>
+        <p:txBody>
+          <a:bodyPr rtlCol="0" anchor="ctr"/>
+          <a:lstStyle>
+            <a:defPPr>
+              <a:defRPr lang="en-US"/>
+            </a:defPPr>
+            <a:lvl1pPr marL="0" algn="l" defTabSz="914377" rtl="0" eaLnBrk="1" latinLnBrk="0" hangingPunct="1">
+              <a:defRPr sz="1800" kern="1200">
+                <a:solidFill>
+                  <a:schemeClr val="lt1"/>
+                </a:solidFill>
+                <a:latin typeface="+mn-lt"/>
+                <a:ea typeface="+mn-ea"/>
+                <a:cs typeface="+mn-cs"/>
+              </a:defRPr>
+            </a:lvl1pPr>
+            <a:lvl2pPr marL="457189" algn="l" defTabSz="914377" rtl="0" eaLnBrk="1" latinLnBrk="0" hangingPunct="1">
+              <a:defRPr sz="1800" kern="1200">
+                <a:solidFill>
+                  <a:schemeClr val="lt1"/>
+                </a:solidFill>
+                <a:latin typeface="+mn-lt"/>
+                <a:ea typeface="+mn-ea"/>
+                <a:cs typeface="+mn-cs"/>
+              </a:defRPr>
+            </a:lvl2pPr>
+            <a:lvl3pPr marL="914377" algn="l" defTabSz="914377" rtl="0" eaLnBrk="1" latinLnBrk="0" hangingPunct="1">
+              <a:defRPr sz="1800" kern="1200">
+                <a:solidFill>
+                  <a:schemeClr val="lt1"/>
+                </a:solidFill>
+                <a:latin typeface="+mn-lt"/>
+                <a:ea typeface="+mn-ea"/>
+                <a:cs typeface="+mn-cs"/>
+              </a:defRPr>
+            </a:lvl3pPr>
+            <a:lvl4pPr marL="1371566" algn="l" defTabSz="914377" rtl="0" eaLnBrk="1" latinLnBrk="0" hangingPunct="1">
+              <a:defRPr sz="1800" kern="1200">
+                <a:solidFill>
+                  <a:schemeClr val="lt1"/>
+                </a:solidFill>
+                <a:latin typeface="+mn-lt"/>
+                <a:ea typeface="+mn-ea"/>
+                <a:cs typeface="+mn-cs"/>
+              </a:defRPr>
+            </a:lvl4pPr>
+            <a:lvl5pPr marL="1828754" algn="l" defTabSz="914377" rtl="0" eaLnBrk="1" latinLnBrk="0" hangingPunct="1">
+              <a:defRPr sz="1800" kern="1200">
+                <a:solidFill>
+                  <a:schemeClr val="lt1"/>
+                </a:solidFill>
+                <a:latin typeface="+mn-lt"/>
+                <a:ea typeface="+mn-ea"/>
+                <a:cs typeface="+mn-cs"/>
+              </a:defRPr>
+            </a:lvl5pPr>
+            <a:lvl6pPr marL="2285943" algn="l" defTabSz="914377" rtl="0" eaLnBrk="1" latinLnBrk="0" hangingPunct="1">
+              <a:defRPr sz="1800" kern="1200">
+                <a:solidFill>
+                  <a:schemeClr val="lt1"/>
+                </a:solidFill>
+                <a:latin typeface="+mn-lt"/>
+                <a:ea typeface="+mn-ea"/>
+                <a:cs typeface="+mn-cs"/>
+              </a:defRPr>
+            </a:lvl6pPr>
+            <a:lvl7pPr marL="2743131" algn="l" defTabSz="914377" rtl="0" eaLnBrk="1" latinLnBrk="0" hangingPunct="1">
+              <a:defRPr sz="1800" kern="1200">
+                <a:solidFill>
+                  <a:schemeClr val="lt1"/>
+                </a:solidFill>
+                <a:latin typeface="+mn-lt"/>
+                <a:ea typeface="+mn-ea"/>
+                <a:cs typeface="+mn-cs"/>
+              </a:defRPr>
+            </a:lvl7pPr>
+            <a:lvl8pPr marL="3200320" algn="l" defTabSz="914377" rtl="0" eaLnBrk="1" latinLnBrk="0" hangingPunct="1">
+              <a:defRPr sz="1800" kern="1200">
+                <a:solidFill>
+                  <a:schemeClr val="lt1"/>
+                </a:solidFill>
+                <a:latin typeface="+mn-lt"/>
+                <a:ea typeface="+mn-ea"/>
+                <a:cs typeface="+mn-cs"/>
+              </a:defRPr>
+            </a:lvl8pPr>
+            <a:lvl9pPr marL="3657509" algn="l" defTabSz="914377" rtl="0" eaLnBrk="1" latinLnBrk="0" hangingPunct="1">
+              <a:defRPr sz="1800" kern="1200">
+                <a:solidFill>
+                  <a:schemeClr val="lt1"/>
+                </a:solidFill>
+                <a:latin typeface="+mn-lt"/>
+                <a:ea typeface="+mn-ea"/>
+                <a:cs typeface="+mn-cs"/>
+              </a:defRPr>
+            </a:lvl9pPr>
+          </a:lstStyle>
+          <a:p>
+            <a:pPr algn="ctr"/>
+            <a:r>
+              <a:rPr lang="en-US" sz="1200" dirty="0" err="1">
+                <a:solidFill>
+                  <a:schemeClr val="bg1"/>
+                </a:solidFill>
+              </a:rPr>
               <a:t>LLUI_LED_impl.c</a:t>
             </a:r>
             <a:endParaRPr lang="en-US" sz="1200" dirty="0">
@@ -12167,12 +13181,314 @@
           </a:p>
         </p:txBody>
       </p:sp>
+      <p:sp>
+        <p:nvSpPr>
+          <p:cNvPr id="61" name="Rectangle 60">
+            <a:extLst>
+              <a:ext uri="{FF2B5EF4-FFF2-40B4-BE49-F238E27FC236}">
+                <a16:creationId xmlns:a16="http://schemas.microsoft.com/office/drawing/2014/main" id="{47B114B3-1D2C-4EAF-811D-2A57BE58E5C5}"/>
+              </a:ext>
+            </a:extLst>
+          </p:cNvPr>
+          <p:cNvSpPr/>
+          <p:nvPr/>
+        </p:nvSpPr>
+        <p:spPr>
+          <a:xfrm>
+            <a:off x="1571624" y="3386845"/>
+            <a:ext cx="413896" cy="276999"/>
+          </a:xfrm>
+          <a:prstGeom prst="rect">
+            <a:avLst/>
+          </a:prstGeom>
+        </p:spPr>
+        <p:txBody>
+          <a:bodyPr wrap="none">
+            <a:spAutoFit/>
+          </a:bodyPr>
+          <a:lstStyle/>
+          <a:p>
+            <a:pPr algn="ctr"/>
+            <a:r>
+              <a:rPr lang="en-US" sz="1200" dirty="0"/>
+              <a:t>BSP</a:t>
+            </a:r>
+          </a:p>
+        </p:txBody>
+      </p:sp>
+      <p:sp>
+        <p:nvSpPr>
+          <p:cNvPr id="63" name="Rectangle 62">
+            <a:extLst>
+              <a:ext uri="{FF2B5EF4-FFF2-40B4-BE49-F238E27FC236}">
+                <a16:creationId xmlns:a16="http://schemas.microsoft.com/office/drawing/2014/main" id="{2B088A74-365D-4296-B4A9-9320052DA0D1}"/>
+              </a:ext>
+            </a:extLst>
+          </p:cNvPr>
+          <p:cNvSpPr/>
+          <p:nvPr/>
+        </p:nvSpPr>
+        <p:spPr>
+          <a:xfrm>
+            <a:off x="1520932" y="1206278"/>
+            <a:ext cx="644600" cy="276999"/>
+          </a:xfrm>
+          <a:prstGeom prst="rect">
+            <a:avLst/>
+          </a:prstGeom>
+        </p:spPr>
+        <p:txBody>
+          <a:bodyPr wrap="none">
+            <a:spAutoFit/>
+          </a:bodyPr>
+          <a:lstStyle/>
+          <a:p>
+            <a:pPr algn="ctr"/>
+            <a:r>
+              <a:rPr lang="en-US" sz="1200" dirty="0"/>
+              <a:t>UI Pack</a:t>
+            </a:r>
+          </a:p>
+        </p:txBody>
+      </p:sp>
+      <p:sp>
+        <p:nvSpPr>
+          <p:cNvPr id="83" name="Rounded Rectangle 46">
+            <a:extLst>
+              <a:ext uri="{FF2B5EF4-FFF2-40B4-BE49-F238E27FC236}">
+                <a16:creationId xmlns:a16="http://schemas.microsoft.com/office/drawing/2014/main" id="{ACEE0B00-CC77-4F6C-BBE7-C33E34A8BE89}"/>
+              </a:ext>
+            </a:extLst>
+          </p:cNvPr>
+          <p:cNvSpPr/>
+          <p:nvPr/>
+        </p:nvSpPr>
+        <p:spPr>
+          <a:xfrm>
+            <a:off x="1586267" y="4418813"/>
+            <a:ext cx="1924050" cy="308802"/>
+          </a:xfrm>
+          <a:prstGeom prst="roundRect">
+            <a:avLst/>
+          </a:prstGeom>
+          <a:solidFill>
+            <a:schemeClr val="tx1">
+              <a:lumMod val="75000"/>
+              <a:lumOff val="25000"/>
+            </a:schemeClr>
+          </a:solidFill>
+          <a:ln>
+            <a:noFill/>
+          </a:ln>
+        </p:spPr>
+        <p:style>
+          <a:lnRef idx="2">
+            <a:schemeClr val="accent1">
+              <a:shade val="50000"/>
+            </a:schemeClr>
+          </a:lnRef>
+          <a:fillRef idx="1">
+            <a:schemeClr val="accent1"/>
+          </a:fillRef>
+          <a:effectRef idx="0">
+            <a:schemeClr val="accent1"/>
+          </a:effectRef>
+          <a:fontRef idx="minor">
+            <a:schemeClr val="lt1"/>
+          </a:fontRef>
+        </p:style>
+        <p:txBody>
+          <a:bodyPr rtlCol="0" anchor="ctr"/>
+          <a:lstStyle>
+            <a:defPPr>
+              <a:defRPr lang="en-US"/>
+            </a:defPPr>
+            <a:lvl1pPr marL="0" algn="l" defTabSz="914377" rtl="0" eaLnBrk="1" latinLnBrk="0" hangingPunct="1">
+              <a:defRPr sz="1800" kern="1200">
+                <a:solidFill>
+                  <a:schemeClr val="lt1"/>
+                </a:solidFill>
+                <a:latin typeface="+mn-lt"/>
+                <a:ea typeface="+mn-ea"/>
+                <a:cs typeface="+mn-cs"/>
+              </a:defRPr>
+            </a:lvl1pPr>
+            <a:lvl2pPr marL="457189" algn="l" defTabSz="914377" rtl="0" eaLnBrk="1" latinLnBrk="0" hangingPunct="1">
+              <a:defRPr sz="1800" kern="1200">
+                <a:solidFill>
+                  <a:schemeClr val="lt1"/>
+                </a:solidFill>
+                <a:latin typeface="+mn-lt"/>
+                <a:ea typeface="+mn-ea"/>
+                <a:cs typeface="+mn-cs"/>
+              </a:defRPr>
+            </a:lvl2pPr>
+            <a:lvl3pPr marL="914377" algn="l" defTabSz="914377" rtl="0" eaLnBrk="1" latinLnBrk="0" hangingPunct="1">
+              <a:defRPr sz="1800" kern="1200">
+                <a:solidFill>
+                  <a:schemeClr val="lt1"/>
+                </a:solidFill>
+                <a:latin typeface="+mn-lt"/>
+                <a:ea typeface="+mn-ea"/>
+                <a:cs typeface="+mn-cs"/>
+              </a:defRPr>
+            </a:lvl3pPr>
+            <a:lvl4pPr marL="1371566" algn="l" defTabSz="914377" rtl="0" eaLnBrk="1" latinLnBrk="0" hangingPunct="1">
+              <a:defRPr sz="1800" kern="1200">
+                <a:solidFill>
+                  <a:schemeClr val="lt1"/>
+                </a:solidFill>
+                <a:latin typeface="+mn-lt"/>
+                <a:ea typeface="+mn-ea"/>
+                <a:cs typeface="+mn-cs"/>
+              </a:defRPr>
+            </a:lvl4pPr>
+            <a:lvl5pPr marL="1828754" algn="l" defTabSz="914377" rtl="0" eaLnBrk="1" latinLnBrk="0" hangingPunct="1">
+              <a:defRPr sz="1800" kern="1200">
+                <a:solidFill>
+                  <a:schemeClr val="lt1"/>
+                </a:solidFill>
+                <a:latin typeface="+mn-lt"/>
+                <a:ea typeface="+mn-ea"/>
+                <a:cs typeface="+mn-cs"/>
+              </a:defRPr>
+            </a:lvl5pPr>
+            <a:lvl6pPr marL="2285943" algn="l" defTabSz="914377" rtl="0" eaLnBrk="1" latinLnBrk="0" hangingPunct="1">
+              <a:defRPr sz="1800" kern="1200">
+                <a:solidFill>
+                  <a:schemeClr val="lt1"/>
+                </a:solidFill>
+                <a:latin typeface="+mn-lt"/>
+                <a:ea typeface="+mn-ea"/>
+                <a:cs typeface="+mn-cs"/>
+              </a:defRPr>
+            </a:lvl6pPr>
+            <a:lvl7pPr marL="2743131" algn="l" defTabSz="914377" rtl="0" eaLnBrk="1" latinLnBrk="0" hangingPunct="1">
+              <a:defRPr sz="1800" kern="1200">
+                <a:solidFill>
+                  <a:schemeClr val="lt1"/>
+                </a:solidFill>
+                <a:latin typeface="+mn-lt"/>
+                <a:ea typeface="+mn-ea"/>
+                <a:cs typeface="+mn-cs"/>
+              </a:defRPr>
+            </a:lvl7pPr>
+            <a:lvl8pPr marL="3200320" algn="l" defTabSz="914377" rtl="0" eaLnBrk="1" latinLnBrk="0" hangingPunct="1">
+              <a:defRPr sz="1800" kern="1200">
+                <a:solidFill>
+                  <a:schemeClr val="lt1"/>
+                </a:solidFill>
+                <a:latin typeface="+mn-lt"/>
+                <a:ea typeface="+mn-ea"/>
+                <a:cs typeface="+mn-cs"/>
+              </a:defRPr>
+            </a:lvl8pPr>
+            <a:lvl9pPr marL="3657509" algn="l" defTabSz="914377" rtl="0" eaLnBrk="1" latinLnBrk="0" hangingPunct="1">
+              <a:defRPr sz="1800" kern="1200">
+                <a:solidFill>
+                  <a:schemeClr val="lt1"/>
+                </a:solidFill>
+                <a:latin typeface="+mn-lt"/>
+                <a:ea typeface="+mn-ea"/>
+                <a:cs typeface="+mn-cs"/>
+              </a:defRPr>
+            </a:lvl9pPr>
+          </a:lstStyle>
+          <a:p>
+            <a:pPr algn="ctr"/>
+            <a:r>
+              <a:rPr lang="en-US" sz="1200" dirty="0">
+                <a:solidFill>
+                  <a:schemeClr val="bg1"/>
+                </a:solidFill>
+              </a:rPr>
+              <a:t>hardware</a:t>
+            </a:r>
+          </a:p>
+        </p:txBody>
+      </p:sp>
+      <p:cxnSp>
+        <p:nvCxnSpPr>
+          <p:cNvPr id="85" name="Straight Connector 84">
+            <a:extLst>
+              <a:ext uri="{FF2B5EF4-FFF2-40B4-BE49-F238E27FC236}">
+                <a16:creationId xmlns:a16="http://schemas.microsoft.com/office/drawing/2014/main" id="{EAB2508B-07DF-4A6E-AF91-81DF9F6B8E5C}"/>
+              </a:ext>
+            </a:extLst>
+          </p:cNvPr>
+          <p:cNvCxnSpPr>
+            <a:cxnSpLocks/>
+          </p:cNvCxnSpPr>
+          <p:nvPr/>
+        </p:nvCxnSpPr>
+        <p:spPr>
+          <a:xfrm>
+            <a:off x="2548292" y="1908108"/>
+            <a:ext cx="0" cy="1845957"/>
+          </a:xfrm>
+          <a:prstGeom prst="line">
+            <a:avLst/>
+          </a:prstGeom>
+          <a:noFill/>
+          <a:ln w="28575" cap="flat" cmpd="sng" algn="ctr">
+            <a:solidFill>
+              <a:srgbClr val="717D83">
+                <a:lumMod val="60000"/>
+                <a:lumOff val="40000"/>
+              </a:srgbClr>
+            </a:solidFill>
+            <a:prstDash val="solid"/>
+            <a:headEnd type="none"/>
+            <a:tailEnd type="triangle"/>
+          </a:ln>
+          <a:effectLst/>
+        </p:spPr>
+      </p:cxnSp>
+      <p:cxnSp>
+        <p:nvCxnSpPr>
+          <p:cNvPr id="89" name="Straight Connector 88">
+            <a:extLst>
+              <a:ext uri="{FF2B5EF4-FFF2-40B4-BE49-F238E27FC236}">
+                <a16:creationId xmlns:a16="http://schemas.microsoft.com/office/drawing/2014/main" id="{F5F83AF0-B650-4B13-A694-230D8DDF3E71}"/>
+              </a:ext>
+            </a:extLst>
+          </p:cNvPr>
+          <p:cNvCxnSpPr>
+            <a:cxnSpLocks/>
+            <a:stCxn id="59" idx="2"/>
+            <a:endCxn id="83" idx="0"/>
+          </p:cNvCxnSpPr>
+          <p:nvPr/>
+        </p:nvCxnSpPr>
+        <p:spPr>
+          <a:xfrm>
+            <a:off x="2548292" y="4051593"/>
+            <a:ext cx="0" cy="367220"/>
+          </a:xfrm>
+          <a:prstGeom prst="line">
+            <a:avLst/>
+          </a:prstGeom>
+          <a:noFill/>
+          <a:ln w="28575" cap="flat" cmpd="sng" algn="ctr">
+            <a:solidFill>
+              <a:srgbClr val="717D83">
+                <a:lumMod val="60000"/>
+                <a:lumOff val="40000"/>
+              </a:srgbClr>
+            </a:solidFill>
+            <a:prstDash val="solid"/>
+            <a:headEnd type="none"/>
+            <a:tailEnd type="triangle"/>
+          </a:ln>
+          <a:effectLst/>
+        </p:spPr>
+      </p:cxnSp>
       <p:grpSp>
         <p:nvGrpSpPr>
-          <p:cNvPr id="69" name="Group 68">
-            <a:extLst>
-              <a:ext uri="{FF2B5EF4-FFF2-40B4-BE49-F238E27FC236}">
-                <a16:creationId xmlns:a16="http://schemas.microsoft.com/office/drawing/2014/main" id="{4153F155-4AE2-4638-A893-53D67D6ACE68}"/>
+          <p:cNvPr id="7" name="Group 6">
+            <a:extLst>
+              <a:ext uri="{FF2B5EF4-FFF2-40B4-BE49-F238E27FC236}">
+                <a16:creationId xmlns:a16="http://schemas.microsoft.com/office/drawing/2014/main" id="{8F6A983B-562A-945A-5135-CEE4BC8532B1}"/>
               </a:ext>
             </a:extLst>
           </p:cNvPr>
@@ -12181,7 +13497,7 @@
         </p:nvGrpSpPr>
         <p:grpSpPr>
           <a:xfrm>
-            <a:off x="6857401" y="3931504"/>
+            <a:off x="7332498" y="3997342"/>
             <a:ext cx="1809751" cy="276999"/>
             <a:chOff x="1181100" y="4410075"/>
             <a:chExt cx="1809751" cy="276999"/>
@@ -12189,10 +13505,10 @@
         </p:grpSpPr>
         <p:sp>
           <p:nvSpPr>
-            <p:cNvPr id="67" name="Oval 66">
+            <p:cNvPr id="10" name="Oval 9">
               <a:extLst>
                 <a:ext uri="{FF2B5EF4-FFF2-40B4-BE49-F238E27FC236}">
-                  <a16:creationId xmlns:a16="http://schemas.microsoft.com/office/drawing/2014/main" id="{430FF09A-D724-41CE-8B6B-C8A9E2109DD7}"/>
+                  <a16:creationId xmlns:a16="http://schemas.microsoft.com/office/drawing/2014/main" id="{09A5BD5B-C739-EE91-5BF1-240633D5393E}"/>
                 </a:ext>
               </a:extLst>
             </p:cNvPr>
@@ -12240,10 +13556,10 @@
         </p:sp>
         <p:sp>
           <p:nvSpPr>
-            <p:cNvPr id="68" name="TextBox 67">
+            <p:cNvPr id="11" name="TextBox 10">
               <a:extLst>
                 <a:ext uri="{FF2B5EF4-FFF2-40B4-BE49-F238E27FC236}">
-                  <a16:creationId xmlns:a16="http://schemas.microsoft.com/office/drawing/2014/main" id="{BC94D93E-94BC-4701-A362-2E6A761D76CA}"/>
+                  <a16:creationId xmlns:a16="http://schemas.microsoft.com/office/drawing/2014/main" id="{E11EC829-BD17-DFAD-29C0-717989E2AA8F}"/>
                 </a:ext>
               </a:extLst>
             </p:cNvPr>
@@ -12276,10 +13592,10 @@
       </p:grpSp>
       <p:grpSp>
         <p:nvGrpSpPr>
-          <p:cNvPr id="70" name="Group 69">
-            <a:extLst>
-              <a:ext uri="{FF2B5EF4-FFF2-40B4-BE49-F238E27FC236}">
-                <a16:creationId xmlns:a16="http://schemas.microsoft.com/office/drawing/2014/main" id="{7FC92D7C-F8FF-4B3D-80E1-8245E81CFC64}"/>
+          <p:cNvPr id="12" name="Group 11">
+            <a:extLst>
+              <a:ext uri="{FF2B5EF4-FFF2-40B4-BE49-F238E27FC236}">
+                <a16:creationId xmlns:a16="http://schemas.microsoft.com/office/drawing/2014/main" id="{26D78F55-12F8-540F-D4C0-914642BABA9D}"/>
               </a:ext>
             </a:extLst>
           </p:cNvPr>
@@ -12288,7 +13604,7 @@
         </p:nvGrpSpPr>
         <p:grpSpPr>
           <a:xfrm>
-            <a:off x="6857401" y="4208503"/>
+            <a:off x="7332498" y="4546066"/>
             <a:ext cx="1809751" cy="276999"/>
             <a:chOff x="1181100" y="4410075"/>
             <a:chExt cx="1809751" cy="276999"/>
@@ -12296,115 +13612,10 @@
         </p:grpSpPr>
         <p:sp>
           <p:nvSpPr>
-            <p:cNvPr id="71" name="Oval 70">
+            <p:cNvPr id="13" name="Oval 12">
               <a:extLst>
                 <a:ext uri="{FF2B5EF4-FFF2-40B4-BE49-F238E27FC236}">
-                  <a16:creationId xmlns:a16="http://schemas.microsoft.com/office/drawing/2014/main" id="{D6B12055-8574-4D9C-8A73-8524AA28590A}"/>
-                </a:ext>
-              </a:extLst>
-            </p:cNvPr>
-            <p:cNvSpPr/>
-            <p:nvPr/>
-          </p:nvSpPr>
-          <p:spPr>
-            <a:xfrm>
-              <a:off x="1181100" y="4410075"/>
-              <a:ext cx="247650" cy="238125"/>
-            </a:xfrm>
-            <a:prstGeom prst="ellipse">
-              <a:avLst/>
-            </a:prstGeom>
-            <a:solidFill>
-              <a:srgbClr val="00AEC7"/>
-            </a:solidFill>
-          </p:spPr>
-          <p:style>
-            <a:lnRef idx="2">
-              <a:schemeClr val="accent1">
-                <a:shade val="50000"/>
-              </a:schemeClr>
-            </a:lnRef>
-            <a:fillRef idx="1">
-              <a:schemeClr val="accent1"/>
-            </a:fillRef>
-            <a:effectRef idx="0">
-              <a:schemeClr val="accent1"/>
-            </a:effectRef>
-            <a:fontRef idx="minor">
-              <a:schemeClr val="lt1"/>
-            </a:fontRef>
-          </p:style>
-          <p:txBody>
-            <a:bodyPr rtlCol="0" anchor="ctr"/>
-            <a:lstStyle/>
-            <a:p>
-              <a:pPr algn="ctr"/>
-              <a:endParaRPr lang="en-US" dirty="0"/>
-            </a:p>
-          </p:txBody>
-        </p:sp>
-        <p:sp>
-          <p:nvSpPr>
-            <p:cNvPr id="72" name="TextBox 71">
-              <a:extLst>
-                <a:ext uri="{FF2B5EF4-FFF2-40B4-BE49-F238E27FC236}">
-                  <a16:creationId xmlns:a16="http://schemas.microsoft.com/office/drawing/2014/main" id="{3F25C3E2-A8C1-44ED-AB5C-CFBA9A21701F}"/>
-                </a:ext>
-              </a:extLst>
-            </p:cNvPr>
-            <p:cNvSpPr txBox="1"/>
-            <p:nvPr/>
-          </p:nvSpPr>
-          <p:spPr>
-            <a:xfrm>
-              <a:off x="1428751" y="4410075"/>
-              <a:ext cx="1562100" cy="276999"/>
-            </a:xfrm>
-            <a:prstGeom prst="rect">
-              <a:avLst/>
-            </a:prstGeom>
-            <a:noFill/>
-          </p:spPr>
-          <p:txBody>
-            <a:bodyPr wrap="square" rtlCol="0">
-              <a:spAutoFit/>
-            </a:bodyPr>
-            <a:lstStyle/>
-            <a:p>
-              <a:r>
-                <a:rPr lang="en-US" sz="1200" dirty="0"/>
-                <a:t>C/H file (.c, .h)</a:t>
-              </a:r>
-            </a:p>
-          </p:txBody>
-        </p:sp>
-      </p:grpSp>
-      <p:grpSp>
-        <p:nvGrpSpPr>
-          <p:cNvPr id="73" name="Group 72">
-            <a:extLst>
-              <a:ext uri="{FF2B5EF4-FFF2-40B4-BE49-F238E27FC236}">
-                <a16:creationId xmlns:a16="http://schemas.microsoft.com/office/drawing/2014/main" id="{206EB95F-DCD3-406E-A4FD-DA8A77EAD71A}"/>
-              </a:ext>
-            </a:extLst>
-          </p:cNvPr>
-          <p:cNvGrpSpPr/>
-          <p:nvPr/>
-        </p:nvGrpSpPr>
-        <p:grpSpPr>
-          <a:xfrm>
-            <a:off x="6857401" y="4489490"/>
-            <a:ext cx="1809751" cy="276999"/>
-            <a:chOff x="1181100" y="4410075"/>
-            <a:chExt cx="1809751" cy="276999"/>
-          </a:xfrm>
-        </p:grpSpPr>
-        <p:sp>
-          <p:nvSpPr>
-            <p:cNvPr id="74" name="Oval 73">
-              <a:extLst>
-                <a:ext uri="{FF2B5EF4-FFF2-40B4-BE49-F238E27FC236}">
-                  <a16:creationId xmlns:a16="http://schemas.microsoft.com/office/drawing/2014/main" id="{04529874-353A-4B5A-BA92-E997FB3D98A2}"/>
+                  <a16:creationId xmlns:a16="http://schemas.microsoft.com/office/drawing/2014/main" id="{9497B250-0C13-0F7C-4C7A-B2F59EFA3D38}"/>
                 </a:ext>
               </a:extLst>
             </p:cNvPr>
@@ -12450,10 +13661,115 @@
         </p:sp>
         <p:sp>
           <p:nvSpPr>
-            <p:cNvPr id="75" name="TextBox 74">
+            <p:cNvPr id="17" name="TextBox 16">
               <a:extLst>
                 <a:ext uri="{FF2B5EF4-FFF2-40B4-BE49-F238E27FC236}">
-                  <a16:creationId xmlns:a16="http://schemas.microsoft.com/office/drawing/2014/main" id="{5B258D0E-39BB-43B3-8601-ECD846FB076B}"/>
+                  <a16:creationId xmlns:a16="http://schemas.microsoft.com/office/drawing/2014/main" id="{D1D86B38-4598-CC58-23FE-D86B0FA39AB2}"/>
+                </a:ext>
+              </a:extLst>
+            </p:cNvPr>
+            <p:cNvSpPr txBox="1"/>
+            <p:nvPr/>
+          </p:nvSpPr>
+          <p:spPr>
+            <a:xfrm>
+              <a:off x="1428751" y="4410075"/>
+              <a:ext cx="1562100" cy="276999"/>
+            </a:xfrm>
+            <a:prstGeom prst="rect">
+              <a:avLst/>
+            </a:prstGeom>
+            <a:noFill/>
+          </p:spPr>
+          <p:txBody>
+            <a:bodyPr wrap="square" rtlCol="0">
+              <a:spAutoFit/>
+            </a:bodyPr>
+            <a:lstStyle/>
+            <a:p>
+              <a:r>
+                <a:rPr lang="en-US" sz="1200" dirty="0"/>
+                <a:t>C file</a:t>
+              </a:r>
+            </a:p>
+          </p:txBody>
+        </p:sp>
+      </p:grpSp>
+      <p:grpSp>
+        <p:nvGrpSpPr>
+          <p:cNvPr id="18" name="Group 17">
+            <a:extLst>
+              <a:ext uri="{FF2B5EF4-FFF2-40B4-BE49-F238E27FC236}">
+                <a16:creationId xmlns:a16="http://schemas.microsoft.com/office/drawing/2014/main" id="{0A5372D5-9952-EAB0-C570-307410F5215E}"/>
+              </a:ext>
+            </a:extLst>
+          </p:cNvPr>
+          <p:cNvGrpSpPr/>
+          <p:nvPr/>
+        </p:nvGrpSpPr>
+        <p:grpSpPr>
+          <a:xfrm>
+            <a:off x="7332498" y="4820428"/>
+            <a:ext cx="1809751" cy="276999"/>
+            <a:chOff x="1181100" y="4410075"/>
+            <a:chExt cx="1809751" cy="276999"/>
+          </a:xfrm>
+        </p:grpSpPr>
+        <p:sp>
+          <p:nvSpPr>
+            <p:cNvPr id="19" name="Oval 18">
+              <a:extLst>
+                <a:ext uri="{FF2B5EF4-FFF2-40B4-BE49-F238E27FC236}">
+                  <a16:creationId xmlns:a16="http://schemas.microsoft.com/office/drawing/2014/main" id="{82301391-2362-2355-F587-32BD96122602}"/>
+                </a:ext>
+              </a:extLst>
+            </p:cNvPr>
+            <p:cNvSpPr/>
+            <p:nvPr/>
+          </p:nvSpPr>
+          <p:spPr>
+            <a:xfrm>
+              <a:off x="1181100" y="4410075"/>
+              <a:ext cx="247650" cy="238125"/>
+            </a:xfrm>
+            <a:prstGeom prst="ellipse">
+              <a:avLst/>
+            </a:prstGeom>
+            <a:solidFill>
+              <a:srgbClr val="6CC24A"/>
+            </a:solidFill>
+          </p:spPr>
+          <p:style>
+            <a:lnRef idx="2">
+              <a:schemeClr val="accent1">
+                <a:shade val="50000"/>
+              </a:schemeClr>
+            </a:lnRef>
+            <a:fillRef idx="1">
+              <a:schemeClr val="accent1"/>
+            </a:fillRef>
+            <a:effectRef idx="0">
+              <a:schemeClr val="accent1"/>
+            </a:effectRef>
+            <a:fontRef idx="minor">
+              <a:schemeClr val="lt1"/>
+            </a:fontRef>
+          </p:style>
+          <p:txBody>
+            <a:bodyPr rtlCol="0" anchor="ctr"/>
+            <a:lstStyle/>
+            <a:p>
+              <a:pPr algn="ctr"/>
+              <a:endParaRPr lang="en-US" dirty="0"/>
+            </a:p>
+          </p:txBody>
+        </p:sp>
+        <p:sp>
+          <p:nvSpPr>
+            <p:cNvPr id="20" name="TextBox 19">
+              <a:extLst>
+                <a:ext uri="{FF2B5EF4-FFF2-40B4-BE49-F238E27FC236}">
+                  <a16:creationId xmlns:a16="http://schemas.microsoft.com/office/drawing/2014/main" id="{C104F1D6-6DA6-AF54-212D-BB3BCCA76396}"/>
                 </a:ext>
               </a:extLst>
             </p:cNvPr>
@@ -12484,1322 +13800,114 @@
           </p:txBody>
         </p:sp>
       </p:grpSp>
-      <p:sp>
-        <p:nvSpPr>
-          <p:cNvPr id="2" name="Rectangle 1">
-            <a:extLst>
-              <a:ext uri="{FF2B5EF4-FFF2-40B4-BE49-F238E27FC236}">
-                <a16:creationId xmlns:a16="http://schemas.microsoft.com/office/drawing/2014/main" id="{9DC5B66A-198E-484B-941E-A31EBDB4816E}"/>
-              </a:ext>
-            </a:extLst>
-          </p:cNvPr>
-          <p:cNvSpPr/>
+      <p:grpSp>
+        <p:nvGrpSpPr>
+          <p:cNvPr id="21" name="Group 20">
+            <a:extLst>
+              <a:ext uri="{FF2B5EF4-FFF2-40B4-BE49-F238E27FC236}">
+                <a16:creationId xmlns:a16="http://schemas.microsoft.com/office/drawing/2014/main" id="{96CD92CD-711E-A1A8-F54E-3B96AB64C0FC}"/>
+              </a:ext>
+            </a:extLst>
+          </p:cNvPr>
+          <p:cNvGrpSpPr/>
           <p:nvPr/>
-        </p:nvSpPr>
-        <p:spPr>
+        </p:nvGrpSpPr>
+        <p:grpSpPr>
           <a:xfrm>
-            <a:off x="6867524" y="2649498"/>
-            <a:ext cx="413896" cy="276999"/>
+            <a:off x="7332498" y="4271704"/>
+            <a:ext cx="1809751" cy="276999"/>
+            <a:chOff x="1181100" y="4410075"/>
+            <a:chExt cx="1809751" cy="276999"/>
           </a:xfrm>
-          <a:prstGeom prst="rect">
-            <a:avLst/>
-          </a:prstGeom>
-        </p:spPr>
-        <p:txBody>
-          <a:bodyPr wrap="none">
-            <a:spAutoFit/>
-          </a:bodyPr>
-          <a:lstStyle/>
-          <a:p>
-            <a:pPr algn="ctr"/>
-            <a:r>
-              <a:rPr lang="en-US" sz="1200" dirty="0"/>
-              <a:t>BSP</a:t>
-            </a:r>
-          </a:p>
-        </p:txBody>
-      </p:sp>
-      <p:sp>
-        <p:nvSpPr>
-          <p:cNvPr id="3" name="Rectangle 2">
-            <a:extLst>
-              <a:ext uri="{FF2B5EF4-FFF2-40B4-BE49-F238E27FC236}">
-                <a16:creationId xmlns:a16="http://schemas.microsoft.com/office/drawing/2014/main" id="{D999801C-7C4D-41AD-92C6-CD3699767636}"/>
-              </a:ext>
-            </a:extLst>
-          </p:cNvPr>
-          <p:cNvSpPr/>
-          <p:nvPr/>
-        </p:nvSpPr>
-        <p:spPr>
-          <a:xfrm>
-            <a:off x="6776595" y="1091577"/>
-            <a:ext cx="725070" cy="276999"/>
-          </a:xfrm>
-          <a:prstGeom prst="rect">
-            <a:avLst/>
-          </a:prstGeom>
-        </p:spPr>
-        <p:txBody>
-          <a:bodyPr wrap="none">
-            <a:spAutoFit/>
-          </a:bodyPr>
-          <a:lstStyle/>
-          <a:p>
-            <a:pPr algn="ctr"/>
-            <a:r>
-              <a:rPr lang="en-US" sz="1200" dirty="0"/>
-              <a:t>Platform</a:t>
-            </a:r>
-          </a:p>
-        </p:txBody>
-      </p:sp>
-      <p:sp>
-        <p:nvSpPr>
-          <p:cNvPr id="4" name="Rounded Rectangle 62">
-            <a:extLst>
-              <a:ext uri="{FF2B5EF4-FFF2-40B4-BE49-F238E27FC236}">
-                <a16:creationId xmlns:a16="http://schemas.microsoft.com/office/drawing/2014/main" id="{F7B6D143-4ECC-436C-8BB7-1CEEE974EC0E}"/>
-              </a:ext>
-            </a:extLst>
-          </p:cNvPr>
-          <p:cNvSpPr/>
-          <p:nvPr/>
-        </p:nvSpPr>
-        <p:spPr>
-          <a:xfrm>
-            <a:off x="9363074" y="2920961"/>
-            <a:ext cx="1924051" cy="524072"/>
-          </a:xfrm>
-          <a:prstGeom prst="roundRect">
-            <a:avLst>
-              <a:gd name="adj" fmla="val 5059"/>
-            </a:avLst>
-          </a:prstGeom>
-          <a:solidFill>
-            <a:schemeClr val="bg1">
-              <a:lumMod val="95000"/>
-            </a:schemeClr>
-          </a:solidFill>
-          <a:ln w="19050">
+        </p:grpSpPr>
+        <p:sp>
+          <p:nvSpPr>
+            <p:cNvPr id="23" name="Oval 22">
+              <a:extLst>
+                <a:ext uri="{FF2B5EF4-FFF2-40B4-BE49-F238E27FC236}">
+                  <a16:creationId xmlns:a16="http://schemas.microsoft.com/office/drawing/2014/main" id="{7C8DD966-21AF-E7BC-E210-1855D5607DD3}"/>
+                </a:ext>
+              </a:extLst>
+            </p:cNvPr>
+            <p:cNvSpPr/>
+            <p:nvPr/>
+          </p:nvSpPr>
+          <p:spPr>
+            <a:xfrm>
+              <a:off x="1181100" y="4410075"/>
+              <a:ext cx="247650" cy="238125"/>
+            </a:xfrm>
+            <a:prstGeom prst="ellipse">
+              <a:avLst/>
+            </a:prstGeom>
+            <a:solidFill>
+              <a:srgbClr val="00AEC7"/>
+            </a:solidFill>
+            <a:ln w="12700">
+              <a:solidFill>
+                <a:srgbClr val="2F528F"/>
+              </a:solidFill>
+            </a:ln>
+          </p:spPr>
+          <p:style>
+            <a:lnRef idx="1">
+              <a:schemeClr val="accent6"/>
+            </a:lnRef>
+            <a:fillRef idx="3">
+              <a:schemeClr val="accent6"/>
+            </a:fillRef>
+            <a:effectRef idx="2">
+              <a:schemeClr val="accent6"/>
+            </a:effectRef>
+            <a:fontRef idx="minor">
+              <a:schemeClr val="lt1"/>
+            </a:fontRef>
+          </p:style>
+          <p:txBody>
+            <a:bodyPr rtlCol="0" anchor="ctr"/>
+            <a:lstStyle/>
+            <a:p>
+              <a:pPr algn="ctr"/>
+              <a:endParaRPr lang="en-US" dirty="0"/>
+            </a:p>
+          </p:txBody>
+        </p:sp>
+        <p:sp>
+          <p:nvSpPr>
+            <p:cNvPr id="24" name="TextBox 23">
+              <a:extLst>
+                <a:ext uri="{FF2B5EF4-FFF2-40B4-BE49-F238E27FC236}">
+                  <a16:creationId xmlns:a16="http://schemas.microsoft.com/office/drawing/2014/main" id="{A05A78A9-2263-6321-0FE4-7BA14A7CE4CD}"/>
+                </a:ext>
+              </a:extLst>
+            </p:cNvPr>
+            <p:cNvSpPr txBox="1"/>
+            <p:nvPr/>
+          </p:nvSpPr>
+          <p:spPr>
+            <a:xfrm>
+              <a:off x="1428751" y="4410075"/>
+              <a:ext cx="1562100" cy="276999"/>
+            </a:xfrm>
+            <a:prstGeom prst="rect">
+              <a:avLst/>
+            </a:prstGeom>
             <a:noFill/>
-          </a:ln>
-        </p:spPr>
-        <p:style>
-          <a:lnRef idx="2">
-            <a:schemeClr val="accent1">
-              <a:shade val="50000"/>
-            </a:schemeClr>
-          </a:lnRef>
-          <a:fillRef idx="1">
-            <a:schemeClr val="accent1"/>
-          </a:fillRef>
-          <a:effectRef idx="0">
-            <a:schemeClr val="accent1"/>
-          </a:effectRef>
-          <a:fontRef idx="minor">
-            <a:schemeClr val="lt1"/>
-          </a:fontRef>
-        </p:style>
-        <p:txBody>
-          <a:bodyPr wrap="square" lIns="0" tIns="0" rIns="0" bIns="0" rtlCol="0" anchor="ctr"/>
-          <a:lstStyle/>
-          <a:p>
-            <a:pPr algn="ctr"/>
-            <a:endParaRPr lang="en-US" sz="1400" dirty="0">
-              <a:solidFill>
-                <a:schemeClr val="bg1">
-                  <a:lumMod val="95000"/>
-                </a:schemeClr>
-              </a:solidFill>
-            </a:endParaRPr>
-          </a:p>
-        </p:txBody>
-      </p:sp>
-      <p:sp>
-        <p:nvSpPr>
-          <p:cNvPr id="6" name="Rounded Rectangle 62">
-            <a:extLst>
-              <a:ext uri="{FF2B5EF4-FFF2-40B4-BE49-F238E27FC236}">
-                <a16:creationId xmlns:a16="http://schemas.microsoft.com/office/drawing/2014/main" id="{0E9E0BDC-2742-413A-A312-194042BCE944}"/>
-              </a:ext>
-            </a:extLst>
-          </p:cNvPr>
-          <p:cNvSpPr/>
-          <p:nvPr/>
-        </p:nvSpPr>
-        <p:spPr>
-          <a:xfrm>
-            <a:off x="9363074" y="1381327"/>
-            <a:ext cx="1924051" cy="974574"/>
-          </a:xfrm>
-          <a:prstGeom prst="roundRect">
-            <a:avLst>
-              <a:gd name="adj" fmla="val 5059"/>
-            </a:avLst>
-          </a:prstGeom>
-          <a:solidFill>
-            <a:schemeClr val="bg1">
-              <a:lumMod val="95000"/>
-            </a:schemeClr>
-          </a:solidFill>
-          <a:ln w="19050">
-            <a:noFill/>
-          </a:ln>
-        </p:spPr>
-        <p:style>
-          <a:lnRef idx="2">
-            <a:schemeClr val="accent1">
-              <a:shade val="50000"/>
-            </a:schemeClr>
-          </a:lnRef>
-          <a:fillRef idx="1">
-            <a:schemeClr val="accent1"/>
-          </a:fillRef>
-          <a:effectRef idx="0">
-            <a:schemeClr val="accent1"/>
-          </a:effectRef>
-          <a:fontRef idx="minor">
-            <a:schemeClr val="lt1"/>
-          </a:fontRef>
-        </p:style>
-        <p:txBody>
-          <a:bodyPr wrap="square" lIns="0" tIns="0" rIns="0" bIns="0" rtlCol="0" anchor="ctr"/>
-          <a:lstStyle/>
-          <a:p>
-            <a:pPr algn="ctr"/>
-            <a:endParaRPr lang="en-US" sz="1400" dirty="0">
-              <a:solidFill>
-                <a:schemeClr val="bg1">
-                  <a:lumMod val="95000"/>
-                </a:schemeClr>
-              </a:solidFill>
-            </a:endParaRPr>
-          </a:p>
-        </p:txBody>
-      </p:sp>
-      <p:sp>
-        <p:nvSpPr>
-          <p:cNvPr id="8" name="Rounded Rectangle 15">
-            <a:extLst>
-              <a:ext uri="{FF2B5EF4-FFF2-40B4-BE49-F238E27FC236}">
-                <a16:creationId xmlns:a16="http://schemas.microsoft.com/office/drawing/2014/main" id="{283AF155-B68F-4BAA-BCD3-39A1D9FB6C48}"/>
-              </a:ext>
-            </a:extLst>
-          </p:cNvPr>
-          <p:cNvSpPr/>
-          <p:nvPr/>
-        </p:nvSpPr>
-        <p:spPr>
-          <a:xfrm>
-            <a:off x="9516782" y="1518158"/>
-            <a:ext cx="1645920" cy="288000"/>
-          </a:xfrm>
-          <a:prstGeom prst="roundRect">
-            <a:avLst/>
-          </a:prstGeom>
-          <a:solidFill>
-            <a:schemeClr val="bg2">
-              <a:lumMod val="90000"/>
-            </a:schemeClr>
-          </a:solidFill>
-          <a:ln>
-            <a:noFill/>
-          </a:ln>
-        </p:spPr>
-        <p:style>
-          <a:lnRef idx="2">
-            <a:schemeClr val="accent1">
-              <a:shade val="50000"/>
-            </a:schemeClr>
-          </a:lnRef>
-          <a:fillRef idx="1">
-            <a:schemeClr val="accent1"/>
-          </a:fillRef>
-          <a:effectRef idx="0">
-            <a:schemeClr val="accent1"/>
-          </a:effectRef>
-          <a:fontRef idx="minor">
-            <a:schemeClr val="lt1"/>
-          </a:fontRef>
-        </p:style>
-        <p:txBody>
-          <a:bodyPr rtlCol="0" anchor="ctr"/>
-          <a:lstStyle>
-            <a:defPPr>
-              <a:defRPr lang="en-US"/>
-            </a:defPPr>
-            <a:lvl1pPr marL="0" algn="l" defTabSz="914377" rtl="0" eaLnBrk="1" latinLnBrk="0" hangingPunct="1">
-              <a:defRPr sz="1800" kern="1200">
-                <a:solidFill>
-                  <a:schemeClr val="lt1"/>
-                </a:solidFill>
-                <a:latin typeface="+mn-lt"/>
-                <a:ea typeface="+mn-ea"/>
-                <a:cs typeface="+mn-cs"/>
-              </a:defRPr>
-            </a:lvl1pPr>
-            <a:lvl2pPr marL="457189" algn="l" defTabSz="914377" rtl="0" eaLnBrk="1" latinLnBrk="0" hangingPunct="1">
-              <a:defRPr sz="1800" kern="1200">
-                <a:solidFill>
-                  <a:schemeClr val="lt1"/>
-                </a:solidFill>
-                <a:latin typeface="+mn-lt"/>
-                <a:ea typeface="+mn-ea"/>
-                <a:cs typeface="+mn-cs"/>
-              </a:defRPr>
-            </a:lvl2pPr>
-            <a:lvl3pPr marL="914377" algn="l" defTabSz="914377" rtl="0" eaLnBrk="1" latinLnBrk="0" hangingPunct="1">
-              <a:defRPr sz="1800" kern="1200">
-                <a:solidFill>
-                  <a:schemeClr val="lt1"/>
-                </a:solidFill>
-                <a:latin typeface="+mn-lt"/>
-                <a:ea typeface="+mn-ea"/>
-                <a:cs typeface="+mn-cs"/>
-              </a:defRPr>
-            </a:lvl3pPr>
-            <a:lvl4pPr marL="1371566" algn="l" defTabSz="914377" rtl="0" eaLnBrk="1" latinLnBrk="0" hangingPunct="1">
-              <a:defRPr sz="1800" kern="1200">
-                <a:solidFill>
-                  <a:schemeClr val="lt1"/>
-                </a:solidFill>
-                <a:latin typeface="+mn-lt"/>
-                <a:ea typeface="+mn-ea"/>
-                <a:cs typeface="+mn-cs"/>
-              </a:defRPr>
-            </a:lvl4pPr>
-            <a:lvl5pPr marL="1828754" algn="l" defTabSz="914377" rtl="0" eaLnBrk="1" latinLnBrk="0" hangingPunct="1">
-              <a:defRPr sz="1800" kern="1200">
-                <a:solidFill>
-                  <a:schemeClr val="lt1"/>
-                </a:solidFill>
-                <a:latin typeface="+mn-lt"/>
-                <a:ea typeface="+mn-ea"/>
-                <a:cs typeface="+mn-cs"/>
-              </a:defRPr>
-            </a:lvl5pPr>
-            <a:lvl6pPr marL="2285943" algn="l" defTabSz="914377" rtl="0" eaLnBrk="1" latinLnBrk="0" hangingPunct="1">
-              <a:defRPr sz="1800" kern="1200">
-                <a:solidFill>
-                  <a:schemeClr val="lt1"/>
-                </a:solidFill>
-                <a:latin typeface="+mn-lt"/>
-                <a:ea typeface="+mn-ea"/>
-                <a:cs typeface="+mn-cs"/>
-              </a:defRPr>
-            </a:lvl6pPr>
-            <a:lvl7pPr marL="2743131" algn="l" defTabSz="914377" rtl="0" eaLnBrk="1" latinLnBrk="0" hangingPunct="1">
-              <a:defRPr sz="1800" kern="1200">
-                <a:solidFill>
-                  <a:schemeClr val="lt1"/>
-                </a:solidFill>
-                <a:latin typeface="+mn-lt"/>
-                <a:ea typeface="+mn-ea"/>
-                <a:cs typeface="+mn-cs"/>
-              </a:defRPr>
-            </a:lvl7pPr>
-            <a:lvl8pPr marL="3200320" algn="l" defTabSz="914377" rtl="0" eaLnBrk="1" latinLnBrk="0" hangingPunct="1">
-              <a:defRPr sz="1800" kern="1200">
-                <a:solidFill>
-                  <a:schemeClr val="lt1"/>
-                </a:solidFill>
-                <a:latin typeface="+mn-lt"/>
-                <a:ea typeface="+mn-ea"/>
-                <a:cs typeface="+mn-cs"/>
-              </a:defRPr>
-            </a:lvl8pPr>
-            <a:lvl9pPr marL="3657509" algn="l" defTabSz="914377" rtl="0" eaLnBrk="1" latinLnBrk="0" hangingPunct="1">
-              <a:defRPr sz="1800" kern="1200">
-                <a:solidFill>
-                  <a:schemeClr val="lt1"/>
-                </a:solidFill>
-                <a:latin typeface="+mn-lt"/>
-                <a:ea typeface="+mn-ea"/>
-                <a:cs typeface="+mn-cs"/>
-              </a:defRPr>
-            </a:lvl9pPr>
-          </a:lstStyle>
-          <a:p>
-            <a:pPr algn="ctr"/>
-            <a:r>
-              <a:rPr lang="en-US" sz="1200" dirty="0">
-                <a:solidFill>
-                  <a:schemeClr val="tx2"/>
-                </a:solidFill>
-              </a:rPr>
-              <a:t>MICROUI-3.0</a:t>
-            </a:r>
-          </a:p>
-        </p:txBody>
-      </p:sp>
-      <p:sp>
-        <p:nvSpPr>
-          <p:cNvPr id="14" name="Rectangle 13">
-            <a:extLst>
-              <a:ext uri="{FF2B5EF4-FFF2-40B4-BE49-F238E27FC236}">
-                <a16:creationId xmlns:a16="http://schemas.microsoft.com/office/drawing/2014/main" id="{B20C4C04-6E6F-4B4C-B8BE-44378D96A8CF}"/>
-              </a:ext>
-            </a:extLst>
-          </p:cNvPr>
-          <p:cNvSpPr/>
-          <p:nvPr/>
-        </p:nvSpPr>
-        <p:spPr>
-          <a:xfrm>
-            <a:off x="9363074" y="2662249"/>
-            <a:ext cx="413896" cy="276999"/>
-          </a:xfrm>
-          <a:prstGeom prst="rect">
-            <a:avLst/>
-          </a:prstGeom>
-        </p:spPr>
-        <p:txBody>
-          <a:bodyPr wrap="none">
-            <a:spAutoFit/>
-          </a:bodyPr>
-          <a:lstStyle/>
-          <a:p>
-            <a:pPr algn="ctr"/>
-            <a:r>
-              <a:rPr lang="en-US" sz="1200" dirty="0"/>
-              <a:t>BSP</a:t>
-            </a:r>
-          </a:p>
-        </p:txBody>
-      </p:sp>
-      <p:sp>
-        <p:nvSpPr>
-          <p:cNvPr id="16" name="Rectangle 15">
-            <a:extLst>
-              <a:ext uri="{FF2B5EF4-FFF2-40B4-BE49-F238E27FC236}">
-                <a16:creationId xmlns:a16="http://schemas.microsoft.com/office/drawing/2014/main" id="{33B8B578-1702-4EDD-923E-8AF88A506FF9}"/>
-              </a:ext>
-            </a:extLst>
-          </p:cNvPr>
-          <p:cNvSpPr/>
-          <p:nvPr/>
-        </p:nvSpPr>
-        <p:spPr>
-          <a:xfrm>
-            <a:off x="9272145" y="1104328"/>
-            <a:ext cx="725070" cy="276999"/>
-          </a:xfrm>
-          <a:prstGeom prst="rect">
-            <a:avLst/>
-          </a:prstGeom>
-        </p:spPr>
-        <p:txBody>
-          <a:bodyPr wrap="none">
-            <a:spAutoFit/>
-          </a:bodyPr>
-          <a:lstStyle/>
-          <a:p>
-            <a:pPr algn="ctr"/>
-            <a:r>
-              <a:rPr lang="en-US" sz="1200" dirty="0"/>
-              <a:t>Platform</a:t>
-            </a:r>
-          </a:p>
-        </p:txBody>
-      </p:sp>
-      <p:sp>
-        <p:nvSpPr>
-          <p:cNvPr id="32" name="Rounded Rectangle 62">
-            <a:extLst>
-              <a:ext uri="{FF2B5EF4-FFF2-40B4-BE49-F238E27FC236}">
-                <a16:creationId xmlns:a16="http://schemas.microsoft.com/office/drawing/2014/main" id="{540BC4D0-ADBE-4508-B989-8C4819031778}"/>
-              </a:ext>
-            </a:extLst>
-          </p:cNvPr>
-          <p:cNvSpPr/>
-          <p:nvPr/>
-        </p:nvSpPr>
-        <p:spPr>
-          <a:xfrm>
-            <a:off x="1571623" y="3645557"/>
-            <a:ext cx="1924051" cy="524072"/>
-          </a:xfrm>
-          <a:prstGeom prst="roundRect">
-            <a:avLst>
-              <a:gd name="adj" fmla="val 5059"/>
-            </a:avLst>
-          </a:prstGeom>
-          <a:solidFill>
-            <a:schemeClr val="bg1">
-              <a:lumMod val="95000"/>
-            </a:schemeClr>
-          </a:solidFill>
-          <a:ln w="19050">
-            <a:noFill/>
-          </a:ln>
-        </p:spPr>
-        <p:style>
-          <a:lnRef idx="2">
-            <a:schemeClr val="accent1">
-              <a:shade val="50000"/>
-            </a:schemeClr>
-          </a:lnRef>
-          <a:fillRef idx="1">
-            <a:schemeClr val="accent1"/>
-          </a:fillRef>
-          <a:effectRef idx="0">
-            <a:schemeClr val="accent1"/>
-          </a:effectRef>
-          <a:fontRef idx="minor">
-            <a:schemeClr val="lt1"/>
-          </a:fontRef>
-        </p:style>
-        <p:txBody>
-          <a:bodyPr wrap="square" lIns="0" tIns="0" rIns="0" bIns="0" rtlCol="0" anchor="ctr"/>
-          <a:lstStyle/>
-          <a:p>
-            <a:pPr algn="ctr"/>
-            <a:endParaRPr lang="en-US" sz="1400" dirty="0">
-              <a:solidFill>
-                <a:schemeClr val="bg1">
-                  <a:lumMod val="95000"/>
-                </a:schemeClr>
-              </a:solidFill>
-            </a:endParaRPr>
-          </a:p>
-        </p:txBody>
-      </p:sp>
-      <p:sp>
-        <p:nvSpPr>
-          <p:cNvPr id="34" name="Rounded Rectangle 62">
-            <a:extLst>
-              <a:ext uri="{FF2B5EF4-FFF2-40B4-BE49-F238E27FC236}">
-                <a16:creationId xmlns:a16="http://schemas.microsoft.com/office/drawing/2014/main" id="{CB90652D-5643-4DB9-86C7-7CEFE36DFFF2}"/>
-              </a:ext>
-            </a:extLst>
-          </p:cNvPr>
-          <p:cNvSpPr/>
-          <p:nvPr/>
-        </p:nvSpPr>
-        <p:spPr>
-          <a:xfrm>
-            <a:off x="1571624" y="1483276"/>
-            <a:ext cx="1924051" cy="1397783"/>
-          </a:xfrm>
-          <a:prstGeom prst="roundRect">
-            <a:avLst>
-              <a:gd name="adj" fmla="val 5059"/>
-            </a:avLst>
-          </a:prstGeom>
-          <a:solidFill>
-            <a:schemeClr val="bg1">
-              <a:lumMod val="95000"/>
-            </a:schemeClr>
-          </a:solidFill>
-          <a:ln w="19050">
-            <a:noFill/>
-          </a:ln>
-        </p:spPr>
-        <p:style>
-          <a:lnRef idx="2">
-            <a:schemeClr val="accent1">
-              <a:shade val="50000"/>
-            </a:schemeClr>
-          </a:lnRef>
-          <a:fillRef idx="1">
-            <a:schemeClr val="accent1"/>
-          </a:fillRef>
-          <a:effectRef idx="0">
-            <a:schemeClr val="accent1"/>
-          </a:effectRef>
-          <a:fontRef idx="minor">
-            <a:schemeClr val="lt1"/>
-          </a:fontRef>
-        </p:style>
-        <p:txBody>
-          <a:bodyPr wrap="square" lIns="0" tIns="0" rIns="0" bIns="0" rtlCol="0" anchor="ctr"/>
-          <a:lstStyle/>
-          <a:p>
-            <a:pPr algn="ctr"/>
-            <a:endParaRPr lang="en-US" sz="1400" dirty="0">
-              <a:solidFill>
-                <a:schemeClr val="bg1">
-                  <a:lumMod val="95000"/>
-                </a:schemeClr>
-              </a:solidFill>
-            </a:endParaRPr>
-          </a:p>
-        </p:txBody>
-      </p:sp>
-      <p:sp>
-        <p:nvSpPr>
-          <p:cNvPr id="36" name="Rounded Rectangle 15">
-            <a:extLst>
-              <a:ext uri="{FF2B5EF4-FFF2-40B4-BE49-F238E27FC236}">
-                <a16:creationId xmlns:a16="http://schemas.microsoft.com/office/drawing/2014/main" id="{07D59B8C-4FC0-47B1-A8D0-A4C415FEA7D8}"/>
-              </a:ext>
-            </a:extLst>
-          </p:cNvPr>
-          <p:cNvSpPr/>
-          <p:nvPr/>
-        </p:nvSpPr>
-        <p:spPr>
-          <a:xfrm>
-            <a:off x="1725332" y="1620108"/>
-            <a:ext cx="1645920" cy="288000"/>
-          </a:xfrm>
-          <a:prstGeom prst="roundRect">
-            <a:avLst/>
-          </a:prstGeom>
-          <a:solidFill>
-            <a:schemeClr val="bg2">
-              <a:lumMod val="90000"/>
-            </a:schemeClr>
-          </a:solidFill>
-          <a:ln>
-            <a:noFill/>
-          </a:ln>
-        </p:spPr>
-        <p:style>
-          <a:lnRef idx="2">
-            <a:schemeClr val="accent1">
-              <a:shade val="50000"/>
-            </a:schemeClr>
-          </a:lnRef>
-          <a:fillRef idx="1">
-            <a:schemeClr val="accent1"/>
-          </a:fillRef>
-          <a:effectRef idx="0">
-            <a:schemeClr val="accent1"/>
-          </a:effectRef>
-          <a:fontRef idx="minor">
-            <a:schemeClr val="lt1"/>
-          </a:fontRef>
-        </p:style>
-        <p:txBody>
-          <a:bodyPr rtlCol="0" anchor="ctr"/>
-          <a:lstStyle>
-            <a:defPPr>
-              <a:defRPr lang="en-US"/>
-            </a:defPPr>
-            <a:lvl1pPr marL="0" algn="l" defTabSz="914377" rtl="0" eaLnBrk="1" latinLnBrk="0" hangingPunct="1">
-              <a:defRPr sz="1800" kern="1200">
-                <a:solidFill>
-                  <a:schemeClr val="lt1"/>
-                </a:solidFill>
-                <a:latin typeface="+mn-lt"/>
-                <a:ea typeface="+mn-ea"/>
-                <a:cs typeface="+mn-cs"/>
-              </a:defRPr>
-            </a:lvl1pPr>
-            <a:lvl2pPr marL="457189" algn="l" defTabSz="914377" rtl="0" eaLnBrk="1" latinLnBrk="0" hangingPunct="1">
-              <a:defRPr sz="1800" kern="1200">
-                <a:solidFill>
-                  <a:schemeClr val="lt1"/>
-                </a:solidFill>
-                <a:latin typeface="+mn-lt"/>
-                <a:ea typeface="+mn-ea"/>
-                <a:cs typeface="+mn-cs"/>
-              </a:defRPr>
-            </a:lvl2pPr>
-            <a:lvl3pPr marL="914377" algn="l" defTabSz="914377" rtl="0" eaLnBrk="1" latinLnBrk="0" hangingPunct="1">
-              <a:defRPr sz="1800" kern="1200">
-                <a:solidFill>
-                  <a:schemeClr val="lt1"/>
-                </a:solidFill>
-                <a:latin typeface="+mn-lt"/>
-                <a:ea typeface="+mn-ea"/>
-                <a:cs typeface="+mn-cs"/>
-              </a:defRPr>
-            </a:lvl3pPr>
-            <a:lvl4pPr marL="1371566" algn="l" defTabSz="914377" rtl="0" eaLnBrk="1" latinLnBrk="0" hangingPunct="1">
-              <a:defRPr sz="1800" kern="1200">
-                <a:solidFill>
-                  <a:schemeClr val="lt1"/>
-                </a:solidFill>
-                <a:latin typeface="+mn-lt"/>
-                <a:ea typeface="+mn-ea"/>
-                <a:cs typeface="+mn-cs"/>
-              </a:defRPr>
-            </a:lvl4pPr>
-            <a:lvl5pPr marL="1828754" algn="l" defTabSz="914377" rtl="0" eaLnBrk="1" latinLnBrk="0" hangingPunct="1">
-              <a:defRPr sz="1800" kern="1200">
-                <a:solidFill>
-                  <a:schemeClr val="lt1"/>
-                </a:solidFill>
-                <a:latin typeface="+mn-lt"/>
-                <a:ea typeface="+mn-ea"/>
-                <a:cs typeface="+mn-cs"/>
-              </a:defRPr>
-            </a:lvl5pPr>
-            <a:lvl6pPr marL="2285943" algn="l" defTabSz="914377" rtl="0" eaLnBrk="1" latinLnBrk="0" hangingPunct="1">
-              <a:defRPr sz="1800" kern="1200">
-                <a:solidFill>
-                  <a:schemeClr val="lt1"/>
-                </a:solidFill>
-                <a:latin typeface="+mn-lt"/>
-                <a:ea typeface="+mn-ea"/>
-                <a:cs typeface="+mn-cs"/>
-              </a:defRPr>
-            </a:lvl6pPr>
-            <a:lvl7pPr marL="2743131" algn="l" defTabSz="914377" rtl="0" eaLnBrk="1" latinLnBrk="0" hangingPunct="1">
-              <a:defRPr sz="1800" kern="1200">
-                <a:solidFill>
-                  <a:schemeClr val="lt1"/>
-                </a:solidFill>
-                <a:latin typeface="+mn-lt"/>
-                <a:ea typeface="+mn-ea"/>
-                <a:cs typeface="+mn-cs"/>
-              </a:defRPr>
-            </a:lvl7pPr>
-            <a:lvl8pPr marL="3200320" algn="l" defTabSz="914377" rtl="0" eaLnBrk="1" latinLnBrk="0" hangingPunct="1">
-              <a:defRPr sz="1800" kern="1200">
-                <a:solidFill>
-                  <a:schemeClr val="lt1"/>
-                </a:solidFill>
-                <a:latin typeface="+mn-lt"/>
-                <a:ea typeface="+mn-ea"/>
-                <a:cs typeface="+mn-cs"/>
-              </a:defRPr>
-            </a:lvl8pPr>
-            <a:lvl9pPr marL="3657509" algn="l" defTabSz="914377" rtl="0" eaLnBrk="1" latinLnBrk="0" hangingPunct="1">
-              <a:defRPr sz="1800" kern="1200">
-                <a:solidFill>
-                  <a:schemeClr val="lt1"/>
-                </a:solidFill>
-                <a:latin typeface="+mn-lt"/>
-                <a:ea typeface="+mn-ea"/>
-                <a:cs typeface="+mn-cs"/>
-              </a:defRPr>
-            </a:lvl9pPr>
-          </a:lstStyle>
-          <a:p>
-            <a:pPr algn="ctr"/>
-            <a:r>
-              <a:rPr lang="en-US" sz="1200" dirty="0">
-                <a:solidFill>
-                  <a:schemeClr val="tx2"/>
-                </a:solidFill>
-              </a:rPr>
-              <a:t>MICROUI-3.0</a:t>
-            </a:r>
-          </a:p>
-        </p:txBody>
-      </p:sp>
-      <p:sp>
-        <p:nvSpPr>
-          <p:cNvPr id="57" name="Rounded Rectangle 39">
-            <a:extLst>
-              <a:ext uri="{FF2B5EF4-FFF2-40B4-BE49-F238E27FC236}">
-                <a16:creationId xmlns:a16="http://schemas.microsoft.com/office/drawing/2014/main" id="{5D813620-EE80-456F-AAD2-8C0830914AD5}"/>
-              </a:ext>
-            </a:extLst>
-          </p:cNvPr>
-          <p:cNvSpPr/>
-          <p:nvPr/>
-        </p:nvSpPr>
-        <p:spPr>
-          <a:xfrm>
-            <a:off x="1725332" y="2400869"/>
-            <a:ext cx="1645920" cy="288000"/>
-          </a:xfrm>
-          <a:prstGeom prst="roundRect">
-            <a:avLst/>
-          </a:prstGeom>
-          <a:solidFill>
-            <a:srgbClr val="6CC24A"/>
-          </a:solidFill>
-          <a:ln>
-            <a:noFill/>
-          </a:ln>
-        </p:spPr>
-        <p:style>
-          <a:lnRef idx="2">
-            <a:schemeClr val="accent1">
-              <a:shade val="50000"/>
-            </a:schemeClr>
-          </a:lnRef>
-          <a:fillRef idx="1">
-            <a:schemeClr val="accent1"/>
-          </a:fillRef>
-          <a:effectRef idx="0">
-            <a:schemeClr val="accent1"/>
-          </a:effectRef>
-          <a:fontRef idx="minor">
-            <a:schemeClr val="lt1"/>
-          </a:fontRef>
-        </p:style>
-        <p:txBody>
-          <a:bodyPr rtlCol="0" anchor="ctr"/>
-          <a:lstStyle>
-            <a:defPPr>
-              <a:defRPr lang="en-US"/>
-            </a:defPPr>
-            <a:lvl1pPr marL="0" algn="l" defTabSz="914377" rtl="0" eaLnBrk="1" latinLnBrk="0" hangingPunct="1">
-              <a:defRPr sz="1800" kern="1200">
-                <a:solidFill>
-                  <a:schemeClr val="lt1"/>
-                </a:solidFill>
-                <a:latin typeface="+mn-lt"/>
-                <a:ea typeface="+mn-ea"/>
-                <a:cs typeface="+mn-cs"/>
-              </a:defRPr>
-            </a:lvl1pPr>
-            <a:lvl2pPr marL="457189" algn="l" defTabSz="914377" rtl="0" eaLnBrk="1" latinLnBrk="0" hangingPunct="1">
-              <a:defRPr sz="1800" kern="1200">
-                <a:solidFill>
-                  <a:schemeClr val="lt1"/>
-                </a:solidFill>
-                <a:latin typeface="+mn-lt"/>
-                <a:ea typeface="+mn-ea"/>
-                <a:cs typeface="+mn-cs"/>
-              </a:defRPr>
-            </a:lvl2pPr>
-            <a:lvl3pPr marL="914377" algn="l" defTabSz="914377" rtl="0" eaLnBrk="1" latinLnBrk="0" hangingPunct="1">
-              <a:defRPr sz="1800" kern="1200">
-                <a:solidFill>
-                  <a:schemeClr val="lt1"/>
-                </a:solidFill>
-                <a:latin typeface="+mn-lt"/>
-                <a:ea typeface="+mn-ea"/>
-                <a:cs typeface="+mn-cs"/>
-              </a:defRPr>
-            </a:lvl3pPr>
-            <a:lvl4pPr marL="1371566" algn="l" defTabSz="914377" rtl="0" eaLnBrk="1" latinLnBrk="0" hangingPunct="1">
-              <a:defRPr sz="1800" kern="1200">
-                <a:solidFill>
-                  <a:schemeClr val="lt1"/>
-                </a:solidFill>
-                <a:latin typeface="+mn-lt"/>
-                <a:ea typeface="+mn-ea"/>
-                <a:cs typeface="+mn-cs"/>
-              </a:defRPr>
-            </a:lvl4pPr>
-            <a:lvl5pPr marL="1828754" algn="l" defTabSz="914377" rtl="0" eaLnBrk="1" latinLnBrk="0" hangingPunct="1">
-              <a:defRPr sz="1800" kern="1200">
-                <a:solidFill>
-                  <a:schemeClr val="lt1"/>
-                </a:solidFill>
-                <a:latin typeface="+mn-lt"/>
-                <a:ea typeface="+mn-ea"/>
-                <a:cs typeface="+mn-cs"/>
-              </a:defRPr>
-            </a:lvl5pPr>
-            <a:lvl6pPr marL="2285943" algn="l" defTabSz="914377" rtl="0" eaLnBrk="1" latinLnBrk="0" hangingPunct="1">
-              <a:defRPr sz="1800" kern="1200">
-                <a:solidFill>
-                  <a:schemeClr val="lt1"/>
-                </a:solidFill>
-                <a:latin typeface="+mn-lt"/>
-                <a:ea typeface="+mn-ea"/>
-                <a:cs typeface="+mn-cs"/>
-              </a:defRPr>
-            </a:lvl6pPr>
-            <a:lvl7pPr marL="2743131" algn="l" defTabSz="914377" rtl="0" eaLnBrk="1" latinLnBrk="0" hangingPunct="1">
-              <a:defRPr sz="1800" kern="1200">
-                <a:solidFill>
-                  <a:schemeClr val="lt1"/>
-                </a:solidFill>
-                <a:latin typeface="+mn-lt"/>
-                <a:ea typeface="+mn-ea"/>
-                <a:cs typeface="+mn-cs"/>
-              </a:defRPr>
-            </a:lvl7pPr>
-            <a:lvl8pPr marL="3200320" algn="l" defTabSz="914377" rtl="0" eaLnBrk="1" latinLnBrk="0" hangingPunct="1">
-              <a:defRPr sz="1800" kern="1200">
-                <a:solidFill>
-                  <a:schemeClr val="lt1"/>
-                </a:solidFill>
-                <a:latin typeface="+mn-lt"/>
-                <a:ea typeface="+mn-ea"/>
-                <a:cs typeface="+mn-cs"/>
-              </a:defRPr>
-            </a:lvl8pPr>
-            <a:lvl9pPr marL="3657509" algn="l" defTabSz="914377" rtl="0" eaLnBrk="1" latinLnBrk="0" hangingPunct="1">
-              <a:defRPr sz="1800" kern="1200">
-                <a:solidFill>
-                  <a:schemeClr val="lt1"/>
-                </a:solidFill>
-                <a:latin typeface="+mn-lt"/>
-                <a:ea typeface="+mn-ea"/>
-                <a:cs typeface="+mn-cs"/>
-              </a:defRPr>
-            </a:lvl9pPr>
-          </a:lstStyle>
-          <a:p>
-            <a:pPr algn="ctr"/>
-            <a:r>
-              <a:rPr lang="en-US" sz="1200" dirty="0" err="1">
-                <a:solidFill>
-                  <a:schemeClr val="bg1"/>
-                </a:solidFill>
-              </a:rPr>
-              <a:t>LLUI_LED_impl.h</a:t>
-            </a:r>
-            <a:endParaRPr lang="en-US" sz="1200" dirty="0">
-              <a:solidFill>
-                <a:schemeClr val="bg1"/>
-              </a:solidFill>
-            </a:endParaRPr>
-          </a:p>
-        </p:txBody>
-      </p:sp>
-      <p:sp>
-        <p:nvSpPr>
-          <p:cNvPr id="59" name="Rounded Rectangle 48">
-            <a:extLst>
-              <a:ext uri="{FF2B5EF4-FFF2-40B4-BE49-F238E27FC236}">
-                <a16:creationId xmlns:a16="http://schemas.microsoft.com/office/drawing/2014/main" id="{2DAB42A1-BD9C-4E4D-B3E7-FD1CDBAEEED3}"/>
-              </a:ext>
-            </a:extLst>
-          </p:cNvPr>
-          <p:cNvSpPr/>
-          <p:nvPr/>
-        </p:nvSpPr>
-        <p:spPr>
-          <a:xfrm>
-            <a:off x="1725332" y="3763593"/>
-            <a:ext cx="1645920" cy="288000"/>
-          </a:xfrm>
-          <a:prstGeom prst="roundRect">
-            <a:avLst/>
-          </a:prstGeom>
-          <a:solidFill>
-            <a:srgbClr val="00AEC7"/>
-          </a:solidFill>
-          <a:ln>
-            <a:noFill/>
-          </a:ln>
-        </p:spPr>
-        <p:style>
-          <a:lnRef idx="2">
-            <a:schemeClr val="accent1">
-              <a:shade val="50000"/>
-            </a:schemeClr>
-          </a:lnRef>
-          <a:fillRef idx="1">
-            <a:schemeClr val="accent1"/>
-          </a:fillRef>
-          <a:effectRef idx="0">
-            <a:schemeClr val="accent1"/>
-          </a:effectRef>
-          <a:fontRef idx="minor">
-            <a:schemeClr val="lt1"/>
-          </a:fontRef>
-        </p:style>
-        <p:txBody>
-          <a:bodyPr rtlCol="0" anchor="ctr"/>
-          <a:lstStyle>
-            <a:defPPr>
-              <a:defRPr lang="en-US"/>
-            </a:defPPr>
-            <a:lvl1pPr marL="0" algn="l" defTabSz="914377" rtl="0" eaLnBrk="1" latinLnBrk="0" hangingPunct="1">
-              <a:defRPr sz="1800" kern="1200">
-                <a:solidFill>
-                  <a:schemeClr val="lt1"/>
-                </a:solidFill>
-                <a:latin typeface="+mn-lt"/>
-                <a:ea typeface="+mn-ea"/>
-                <a:cs typeface="+mn-cs"/>
-              </a:defRPr>
-            </a:lvl1pPr>
-            <a:lvl2pPr marL="457189" algn="l" defTabSz="914377" rtl="0" eaLnBrk="1" latinLnBrk="0" hangingPunct="1">
-              <a:defRPr sz="1800" kern="1200">
-                <a:solidFill>
-                  <a:schemeClr val="lt1"/>
-                </a:solidFill>
-                <a:latin typeface="+mn-lt"/>
-                <a:ea typeface="+mn-ea"/>
-                <a:cs typeface="+mn-cs"/>
-              </a:defRPr>
-            </a:lvl2pPr>
-            <a:lvl3pPr marL="914377" algn="l" defTabSz="914377" rtl="0" eaLnBrk="1" latinLnBrk="0" hangingPunct="1">
-              <a:defRPr sz="1800" kern="1200">
-                <a:solidFill>
-                  <a:schemeClr val="lt1"/>
-                </a:solidFill>
-                <a:latin typeface="+mn-lt"/>
-                <a:ea typeface="+mn-ea"/>
-                <a:cs typeface="+mn-cs"/>
-              </a:defRPr>
-            </a:lvl3pPr>
-            <a:lvl4pPr marL="1371566" algn="l" defTabSz="914377" rtl="0" eaLnBrk="1" latinLnBrk="0" hangingPunct="1">
-              <a:defRPr sz="1800" kern="1200">
-                <a:solidFill>
-                  <a:schemeClr val="lt1"/>
-                </a:solidFill>
-                <a:latin typeface="+mn-lt"/>
-                <a:ea typeface="+mn-ea"/>
-                <a:cs typeface="+mn-cs"/>
-              </a:defRPr>
-            </a:lvl4pPr>
-            <a:lvl5pPr marL="1828754" algn="l" defTabSz="914377" rtl="0" eaLnBrk="1" latinLnBrk="0" hangingPunct="1">
-              <a:defRPr sz="1800" kern="1200">
-                <a:solidFill>
-                  <a:schemeClr val="lt1"/>
-                </a:solidFill>
-                <a:latin typeface="+mn-lt"/>
-                <a:ea typeface="+mn-ea"/>
-                <a:cs typeface="+mn-cs"/>
-              </a:defRPr>
-            </a:lvl5pPr>
-            <a:lvl6pPr marL="2285943" algn="l" defTabSz="914377" rtl="0" eaLnBrk="1" latinLnBrk="0" hangingPunct="1">
-              <a:defRPr sz="1800" kern="1200">
-                <a:solidFill>
-                  <a:schemeClr val="lt1"/>
-                </a:solidFill>
-                <a:latin typeface="+mn-lt"/>
-                <a:ea typeface="+mn-ea"/>
-                <a:cs typeface="+mn-cs"/>
-              </a:defRPr>
-            </a:lvl6pPr>
-            <a:lvl7pPr marL="2743131" algn="l" defTabSz="914377" rtl="0" eaLnBrk="1" latinLnBrk="0" hangingPunct="1">
-              <a:defRPr sz="1800" kern="1200">
-                <a:solidFill>
-                  <a:schemeClr val="lt1"/>
-                </a:solidFill>
-                <a:latin typeface="+mn-lt"/>
-                <a:ea typeface="+mn-ea"/>
-                <a:cs typeface="+mn-cs"/>
-              </a:defRPr>
-            </a:lvl7pPr>
-            <a:lvl8pPr marL="3200320" algn="l" defTabSz="914377" rtl="0" eaLnBrk="1" latinLnBrk="0" hangingPunct="1">
-              <a:defRPr sz="1800" kern="1200">
-                <a:solidFill>
-                  <a:schemeClr val="lt1"/>
-                </a:solidFill>
-                <a:latin typeface="+mn-lt"/>
-                <a:ea typeface="+mn-ea"/>
-                <a:cs typeface="+mn-cs"/>
-              </a:defRPr>
-            </a:lvl8pPr>
-            <a:lvl9pPr marL="3657509" algn="l" defTabSz="914377" rtl="0" eaLnBrk="1" latinLnBrk="0" hangingPunct="1">
-              <a:defRPr sz="1800" kern="1200">
-                <a:solidFill>
-                  <a:schemeClr val="lt1"/>
-                </a:solidFill>
-                <a:latin typeface="+mn-lt"/>
-                <a:ea typeface="+mn-ea"/>
-                <a:cs typeface="+mn-cs"/>
-              </a:defRPr>
-            </a:lvl9pPr>
-          </a:lstStyle>
-          <a:p>
-            <a:pPr algn="ctr"/>
-            <a:r>
-              <a:rPr lang="en-US" sz="1200" dirty="0" err="1">
-                <a:solidFill>
-                  <a:schemeClr val="bg1"/>
-                </a:solidFill>
-              </a:rPr>
-              <a:t>LLUI_LED_impl.c</a:t>
-            </a:r>
-            <a:endParaRPr lang="en-US" sz="1200" dirty="0">
-              <a:solidFill>
-                <a:schemeClr val="bg1"/>
-              </a:solidFill>
-            </a:endParaRPr>
-          </a:p>
-        </p:txBody>
-      </p:sp>
-      <p:sp>
-        <p:nvSpPr>
-          <p:cNvPr id="61" name="Rectangle 60">
-            <a:extLst>
-              <a:ext uri="{FF2B5EF4-FFF2-40B4-BE49-F238E27FC236}">
-                <a16:creationId xmlns:a16="http://schemas.microsoft.com/office/drawing/2014/main" id="{47B114B3-1D2C-4EAF-811D-2A57BE58E5C5}"/>
-              </a:ext>
-            </a:extLst>
-          </p:cNvPr>
-          <p:cNvSpPr/>
-          <p:nvPr/>
-        </p:nvSpPr>
-        <p:spPr>
-          <a:xfrm>
-            <a:off x="1571624" y="3386845"/>
-            <a:ext cx="413896" cy="276999"/>
-          </a:xfrm>
-          <a:prstGeom prst="rect">
-            <a:avLst/>
-          </a:prstGeom>
-        </p:spPr>
-        <p:txBody>
-          <a:bodyPr wrap="none">
-            <a:spAutoFit/>
-          </a:bodyPr>
-          <a:lstStyle/>
-          <a:p>
-            <a:pPr algn="ctr"/>
-            <a:r>
-              <a:rPr lang="en-US" sz="1200" dirty="0"/>
-              <a:t>BSP</a:t>
-            </a:r>
-          </a:p>
-        </p:txBody>
-      </p:sp>
-      <p:sp>
-        <p:nvSpPr>
-          <p:cNvPr id="63" name="Rectangle 62">
-            <a:extLst>
-              <a:ext uri="{FF2B5EF4-FFF2-40B4-BE49-F238E27FC236}">
-                <a16:creationId xmlns:a16="http://schemas.microsoft.com/office/drawing/2014/main" id="{2B088A74-365D-4296-B4A9-9320052DA0D1}"/>
-              </a:ext>
-            </a:extLst>
-          </p:cNvPr>
-          <p:cNvSpPr/>
-          <p:nvPr/>
-        </p:nvSpPr>
-        <p:spPr>
-          <a:xfrm>
-            <a:off x="1520932" y="1206278"/>
-            <a:ext cx="644600" cy="276999"/>
-          </a:xfrm>
-          <a:prstGeom prst="rect">
-            <a:avLst/>
-          </a:prstGeom>
-        </p:spPr>
-        <p:txBody>
-          <a:bodyPr wrap="none">
-            <a:spAutoFit/>
-          </a:bodyPr>
-          <a:lstStyle/>
-          <a:p>
-            <a:pPr algn="ctr"/>
-            <a:r>
-              <a:rPr lang="en-US" sz="1200" dirty="0"/>
-              <a:t>UI Pack</a:t>
-            </a:r>
-          </a:p>
-        </p:txBody>
-      </p:sp>
-      <p:sp>
-        <p:nvSpPr>
-          <p:cNvPr id="83" name="Rounded Rectangle 46">
-            <a:extLst>
-              <a:ext uri="{FF2B5EF4-FFF2-40B4-BE49-F238E27FC236}">
-                <a16:creationId xmlns:a16="http://schemas.microsoft.com/office/drawing/2014/main" id="{ACEE0B00-CC77-4F6C-BBE7-C33E34A8BE89}"/>
-              </a:ext>
-            </a:extLst>
-          </p:cNvPr>
-          <p:cNvSpPr/>
-          <p:nvPr/>
-        </p:nvSpPr>
-        <p:spPr>
-          <a:xfrm>
-            <a:off x="1586267" y="4418813"/>
-            <a:ext cx="1924050" cy="308802"/>
-          </a:xfrm>
-          <a:prstGeom prst="roundRect">
-            <a:avLst/>
-          </a:prstGeom>
-          <a:solidFill>
-            <a:schemeClr val="tx1">
-              <a:lumMod val="75000"/>
-              <a:lumOff val="25000"/>
-            </a:schemeClr>
-          </a:solidFill>
-          <a:ln>
-            <a:noFill/>
-          </a:ln>
-        </p:spPr>
-        <p:style>
-          <a:lnRef idx="2">
-            <a:schemeClr val="accent1">
-              <a:shade val="50000"/>
-            </a:schemeClr>
-          </a:lnRef>
-          <a:fillRef idx="1">
-            <a:schemeClr val="accent1"/>
-          </a:fillRef>
-          <a:effectRef idx="0">
-            <a:schemeClr val="accent1"/>
-          </a:effectRef>
-          <a:fontRef idx="minor">
-            <a:schemeClr val="lt1"/>
-          </a:fontRef>
-        </p:style>
-        <p:txBody>
-          <a:bodyPr rtlCol="0" anchor="ctr"/>
-          <a:lstStyle>
-            <a:defPPr>
-              <a:defRPr lang="en-US"/>
-            </a:defPPr>
-            <a:lvl1pPr marL="0" algn="l" defTabSz="914377" rtl="0" eaLnBrk="1" latinLnBrk="0" hangingPunct="1">
-              <a:defRPr sz="1800" kern="1200">
-                <a:solidFill>
-                  <a:schemeClr val="lt1"/>
-                </a:solidFill>
-                <a:latin typeface="+mn-lt"/>
-                <a:ea typeface="+mn-ea"/>
-                <a:cs typeface="+mn-cs"/>
-              </a:defRPr>
-            </a:lvl1pPr>
-            <a:lvl2pPr marL="457189" algn="l" defTabSz="914377" rtl="0" eaLnBrk="1" latinLnBrk="0" hangingPunct="1">
-              <a:defRPr sz="1800" kern="1200">
-                <a:solidFill>
-                  <a:schemeClr val="lt1"/>
-                </a:solidFill>
-                <a:latin typeface="+mn-lt"/>
-                <a:ea typeface="+mn-ea"/>
-                <a:cs typeface="+mn-cs"/>
-              </a:defRPr>
-            </a:lvl2pPr>
-            <a:lvl3pPr marL="914377" algn="l" defTabSz="914377" rtl="0" eaLnBrk="1" latinLnBrk="0" hangingPunct="1">
-              <a:defRPr sz="1800" kern="1200">
-                <a:solidFill>
-                  <a:schemeClr val="lt1"/>
-                </a:solidFill>
-                <a:latin typeface="+mn-lt"/>
-                <a:ea typeface="+mn-ea"/>
-                <a:cs typeface="+mn-cs"/>
-              </a:defRPr>
-            </a:lvl3pPr>
-            <a:lvl4pPr marL="1371566" algn="l" defTabSz="914377" rtl="0" eaLnBrk="1" latinLnBrk="0" hangingPunct="1">
-              <a:defRPr sz="1800" kern="1200">
-                <a:solidFill>
-                  <a:schemeClr val="lt1"/>
-                </a:solidFill>
-                <a:latin typeface="+mn-lt"/>
-                <a:ea typeface="+mn-ea"/>
-                <a:cs typeface="+mn-cs"/>
-              </a:defRPr>
-            </a:lvl4pPr>
-            <a:lvl5pPr marL="1828754" algn="l" defTabSz="914377" rtl="0" eaLnBrk="1" latinLnBrk="0" hangingPunct="1">
-              <a:defRPr sz="1800" kern="1200">
-                <a:solidFill>
-                  <a:schemeClr val="lt1"/>
-                </a:solidFill>
-                <a:latin typeface="+mn-lt"/>
-                <a:ea typeface="+mn-ea"/>
-                <a:cs typeface="+mn-cs"/>
-              </a:defRPr>
-            </a:lvl5pPr>
-            <a:lvl6pPr marL="2285943" algn="l" defTabSz="914377" rtl="0" eaLnBrk="1" latinLnBrk="0" hangingPunct="1">
-              <a:defRPr sz="1800" kern="1200">
-                <a:solidFill>
-                  <a:schemeClr val="lt1"/>
-                </a:solidFill>
-                <a:latin typeface="+mn-lt"/>
-                <a:ea typeface="+mn-ea"/>
-                <a:cs typeface="+mn-cs"/>
-              </a:defRPr>
-            </a:lvl6pPr>
-            <a:lvl7pPr marL="2743131" algn="l" defTabSz="914377" rtl="0" eaLnBrk="1" latinLnBrk="0" hangingPunct="1">
-              <a:defRPr sz="1800" kern="1200">
-                <a:solidFill>
-                  <a:schemeClr val="lt1"/>
-                </a:solidFill>
-                <a:latin typeface="+mn-lt"/>
-                <a:ea typeface="+mn-ea"/>
-                <a:cs typeface="+mn-cs"/>
-              </a:defRPr>
-            </a:lvl7pPr>
-            <a:lvl8pPr marL="3200320" algn="l" defTabSz="914377" rtl="0" eaLnBrk="1" latinLnBrk="0" hangingPunct="1">
-              <a:defRPr sz="1800" kern="1200">
-                <a:solidFill>
-                  <a:schemeClr val="lt1"/>
-                </a:solidFill>
-                <a:latin typeface="+mn-lt"/>
-                <a:ea typeface="+mn-ea"/>
-                <a:cs typeface="+mn-cs"/>
-              </a:defRPr>
-            </a:lvl8pPr>
-            <a:lvl9pPr marL="3657509" algn="l" defTabSz="914377" rtl="0" eaLnBrk="1" latinLnBrk="0" hangingPunct="1">
-              <a:defRPr sz="1800" kern="1200">
-                <a:solidFill>
-                  <a:schemeClr val="lt1"/>
-                </a:solidFill>
-                <a:latin typeface="+mn-lt"/>
-                <a:ea typeface="+mn-ea"/>
-                <a:cs typeface="+mn-cs"/>
-              </a:defRPr>
-            </a:lvl9pPr>
-          </a:lstStyle>
-          <a:p>
-            <a:pPr algn="ctr"/>
-            <a:r>
-              <a:rPr lang="en-US" sz="1200" dirty="0">
-                <a:solidFill>
-                  <a:schemeClr val="bg1"/>
-                </a:solidFill>
-              </a:rPr>
-              <a:t>hardware</a:t>
-            </a:r>
-          </a:p>
-        </p:txBody>
-      </p:sp>
-      <p:cxnSp>
-        <p:nvCxnSpPr>
-          <p:cNvPr id="85" name="Straight Connector 84">
-            <a:extLst>
-              <a:ext uri="{FF2B5EF4-FFF2-40B4-BE49-F238E27FC236}">
-                <a16:creationId xmlns:a16="http://schemas.microsoft.com/office/drawing/2014/main" id="{EAB2508B-07DF-4A6E-AF91-81DF9F6B8E5C}"/>
-              </a:ext>
-            </a:extLst>
-          </p:cNvPr>
-          <p:cNvCxnSpPr>
-            <a:cxnSpLocks/>
-          </p:cNvCxnSpPr>
-          <p:nvPr/>
-        </p:nvCxnSpPr>
-        <p:spPr>
-          <a:xfrm>
-            <a:off x="2548292" y="1908108"/>
-            <a:ext cx="0" cy="1845957"/>
-          </a:xfrm>
-          <a:prstGeom prst="line">
-            <a:avLst/>
-          </a:prstGeom>
-          <a:noFill/>
-          <a:ln w="28575" cap="flat" cmpd="sng" algn="ctr">
-            <a:solidFill>
-              <a:srgbClr val="717D83">
-                <a:lumMod val="60000"/>
-                <a:lumOff val="40000"/>
-              </a:srgbClr>
-            </a:solidFill>
-            <a:prstDash val="solid"/>
-            <a:headEnd type="none"/>
-            <a:tailEnd type="triangle"/>
-          </a:ln>
-          <a:effectLst/>
-        </p:spPr>
-      </p:cxnSp>
-      <p:cxnSp>
-        <p:nvCxnSpPr>
-          <p:cNvPr id="89" name="Straight Connector 88">
-            <a:extLst>
-              <a:ext uri="{FF2B5EF4-FFF2-40B4-BE49-F238E27FC236}">
-                <a16:creationId xmlns:a16="http://schemas.microsoft.com/office/drawing/2014/main" id="{F5F83AF0-B650-4B13-A694-230D8DDF3E71}"/>
-              </a:ext>
-            </a:extLst>
-          </p:cNvPr>
-          <p:cNvCxnSpPr>
-            <a:cxnSpLocks/>
-            <a:stCxn id="59" idx="2"/>
-            <a:endCxn id="83" idx="0"/>
-          </p:cNvCxnSpPr>
-          <p:nvPr/>
-        </p:nvCxnSpPr>
-        <p:spPr>
-          <a:xfrm>
-            <a:off x="2548292" y="4051593"/>
-            <a:ext cx="0" cy="367220"/>
-          </a:xfrm>
-          <a:prstGeom prst="line">
-            <a:avLst/>
-          </a:prstGeom>
-          <a:noFill/>
-          <a:ln w="28575" cap="flat" cmpd="sng" algn="ctr">
-            <a:solidFill>
-              <a:srgbClr val="717D83">
-                <a:lumMod val="60000"/>
-                <a:lumOff val="40000"/>
-              </a:srgbClr>
-            </a:solidFill>
-            <a:prstDash val="solid"/>
-            <a:headEnd type="none"/>
-            <a:tailEnd type="triangle"/>
-          </a:ln>
-          <a:effectLst/>
-        </p:spPr>
-      </p:cxnSp>
+          </p:spPr>
+          <p:txBody>
+            <a:bodyPr wrap="square" rtlCol="0">
+              <a:spAutoFit/>
+            </a:bodyPr>
+            <a:lstStyle/>
+            <a:p>
+              <a:r>
+                <a:rPr lang="en-US" sz="1200" dirty="0"/>
+                <a:t>H file</a:t>
+              </a:r>
+            </a:p>
+          </p:txBody>
+        </p:sp>
+      </p:grpSp>
     </p:spTree>
     <p:extLst>
       <p:ext uri="{BB962C8B-B14F-4D97-AF65-F5344CB8AC3E}">
@@ -13975,7 +14083,7 @@
             <a:avLst/>
           </a:prstGeom>
           <a:solidFill>
-            <a:srgbClr val="6CC24A"/>
+            <a:srgbClr val="00AEC7"/>
           </a:solidFill>
           <a:ln>
             <a:noFill/>
@@ -14133,7 +14241,7 @@
             <a:avLst/>
           </a:prstGeom>
           <a:solidFill>
-            <a:srgbClr val="EE502E"/>
+            <a:srgbClr val="6CC24A"/>
           </a:solidFill>
           <a:ln>
             <a:noFill/>
@@ -14343,6 +14451,164 @@
             <a:avLst/>
           </a:prstGeom>
           <a:solidFill>
+            <a:srgbClr val="EE502E"/>
+          </a:solidFill>
+          <a:ln>
+            <a:noFill/>
+          </a:ln>
+        </p:spPr>
+        <p:style>
+          <a:lnRef idx="2">
+            <a:schemeClr val="accent1">
+              <a:shade val="50000"/>
+            </a:schemeClr>
+          </a:lnRef>
+          <a:fillRef idx="1">
+            <a:schemeClr val="accent1"/>
+          </a:fillRef>
+          <a:effectRef idx="0">
+            <a:schemeClr val="accent1"/>
+          </a:effectRef>
+          <a:fontRef idx="minor">
+            <a:schemeClr val="lt1"/>
+          </a:fontRef>
+        </p:style>
+        <p:txBody>
+          <a:bodyPr rtlCol="0" anchor="ctr"/>
+          <a:lstStyle>
+            <a:defPPr>
+              <a:defRPr lang="en-US"/>
+            </a:defPPr>
+            <a:lvl1pPr marL="0" algn="l" defTabSz="914377" rtl="0" eaLnBrk="1" latinLnBrk="0" hangingPunct="1">
+              <a:defRPr sz="1800" kern="1200">
+                <a:solidFill>
+                  <a:schemeClr val="lt1"/>
+                </a:solidFill>
+                <a:latin typeface="+mn-lt"/>
+                <a:ea typeface="+mn-ea"/>
+                <a:cs typeface="+mn-cs"/>
+              </a:defRPr>
+            </a:lvl1pPr>
+            <a:lvl2pPr marL="457189" algn="l" defTabSz="914377" rtl="0" eaLnBrk="1" latinLnBrk="0" hangingPunct="1">
+              <a:defRPr sz="1800" kern="1200">
+                <a:solidFill>
+                  <a:schemeClr val="lt1"/>
+                </a:solidFill>
+                <a:latin typeface="+mn-lt"/>
+                <a:ea typeface="+mn-ea"/>
+                <a:cs typeface="+mn-cs"/>
+              </a:defRPr>
+            </a:lvl2pPr>
+            <a:lvl3pPr marL="914377" algn="l" defTabSz="914377" rtl="0" eaLnBrk="1" latinLnBrk="0" hangingPunct="1">
+              <a:defRPr sz="1800" kern="1200">
+                <a:solidFill>
+                  <a:schemeClr val="lt1"/>
+                </a:solidFill>
+                <a:latin typeface="+mn-lt"/>
+                <a:ea typeface="+mn-ea"/>
+                <a:cs typeface="+mn-cs"/>
+              </a:defRPr>
+            </a:lvl3pPr>
+            <a:lvl4pPr marL="1371566" algn="l" defTabSz="914377" rtl="0" eaLnBrk="1" latinLnBrk="0" hangingPunct="1">
+              <a:defRPr sz="1800" kern="1200">
+                <a:solidFill>
+                  <a:schemeClr val="lt1"/>
+                </a:solidFill>
+                <a:latin typeface="+mn-lt"/>
+                <a:ea typeface="+mn-ea"/>
+                <a:cs typeface="+mn-cs"/>
+              </a:defRPr>
+            </a:lvl4pPr>
+            <a:lvl5pPr marL="1828754" algn="l" defTabSz="914377" rtl="0" eaLnBrk="1" latinLnBrk="0" hangingPunct="1">
+              <a:defRPr sz="1800" kern="1200">
+                <a:solidFill>
+                  <a:schemeClr val="lt1"/>
+                </a:solidFill>
+                <a:latin typeface="+mn-lt"/>
+                <a:ea typeface="+mn-ea"/>
+                <a:cs typeface="+mn-cs"/>
+              </a:defRPr>
+            </a:lvl5pPr>
+            <a:lvl6pPr marL="2285943" algn="l" defTabSz="914377" rtl="0" eaLnBrk="1" latinLnBrk="0" hangingPunct="1">
+              <a:defRPr sz="1800" kern="1200">
+                <a:solidFill>
+                  <a:schemeClr val="lt1"/>
+                </a:solidFill>
+                <a:latin typeface="+mn-lt"/>
+                <a:ea typeface="+mn-ea"/>
+                <a:cs typeface="+mn-cs"/>
+              </a:defRPr>
+            </a:lvl6pPr>
+            <a:lvl7pPr marL="2743131" algn="l" defTabSz="914377" rtl="0" eaLnBrk="1" latinLnBrk="0" hangingPunct="1">
+              <a:defRPr sz="1800" kern="1200">
+                <a:solidFill>
+                  <a:schemeClr val="lt1"/>
+                </a:solidFill>
+                <a:latin typeface="+mn-lt"/>
+                <a:ea typeface="+mn-ea"/>
+                <a:cs typeface="+mn-cs"/>
+              </a:defRPr>
+            </a:lvl7pPr>
+            <a:lvl8pPr marL="3200320" algn="l" defTabSz="914377" rtl="0" eaLnBrk="1" latinLnBrk="0" hangingPunct="1">
+              <a:defRPr sz="1800" kern="1200">
+                <a:solidFill>
+                  <a:schemeClr val="lt1"/>
+                </a:solidFill>
+                <a:latin typeface="+mn-lt"/>
+                <a:ea typeface="+mn-ea"/>
+                <a:cs typeface="+mn-cs"/>
+              </a:defRPr>
+            </a:lvl8pPr>
+            <a:lvl9pPr marL="3657509" algn="l" defTabSz="914377" rtl="0" eaLnBrk="1" latinLnBrk="0" hangingPunct="1">
+              <a:defRPr sz="1800" kern="1200">
+                <a:solidFill>
+                  <a:schemeClr val="lt1"/>
+                </a:solidFill>
+                <a:latin typeface="+mn-lt"/>
+                <a:ea typeface="+mn-ea"/>
+                <a:cs typeface="+mn-cs"/>
+              </a:defRPr>
+            </a:lvl9pPr>
+          </a:lstStyle>
+          <a:p>
+            <a:pPr algn="ctr"/>
+            <a:r>
+              <a:rPr lang="en-US" sz="1200" dirty="0" err="1">
+                <a:solidFill>
+                  <a:schemeClr val="bg1"/>
+                </a:solidFill>
+              </a:rPr>
+              <a:t>LLUI_INPUT_impl.c</a:t>
+            </a:r>
+            <a:endParaRPr lang="en-US" sz="1200" dirty="0">
+              <a:solidFill>
+                <a:schemeClr val="bg1"/>
+              </a:solidFill>
+            </a:endParaRPr>
+          </a:p>
+        </p:txBody>
+      </p:sp>
+      <p:sp>
+        <p:nvSpPr>
+          <p:cNvPr id="8" name="Rounded Rectangle 46">
+            <a:extLst>
+              <a:ext uri="{FF2B5EF4-FFF2-40B4-BE49-F238E27FC236}">
+                <a16:creationId xmlns:a16="http://schemas.microsoft.com/office/drawing/2014/main" id="{F0229A48-66C0-46F3-96E6-4B1F7983B8BB}"/>
+              </a:ext>
+            </a:extLst>
+          </p:cNvPr>
+          <p:cNvSpPr/>
+          <p:nvPr/>
+        </p:nvSpPr>
+        <p:spPr>
+          <a:xfrm>
+            <a:off x="5200023" y="2505725"/>
+            <a:ext cx="1645920" cy="288000"/>
+          </a:xfrm>
+          <a:prstGeom prst="roundRect">
+            <a:avLst/>
+          </a:prstGeom>
+          <a:solidFill>
             <a:srgbClr val="00AEC7"/>
           </a:solidFill>
           <a:ln>
@@ -14470,7 +14736,7 @@
                   <a:schemeClr val="bg1"/>
                 </a:solidFill>
               </a:rPr>
-              <a:t>LLUI_INPUT_impl.c</a:t>
+              <a:t>LLUI_INPUT_impl.h</a:t>
             </a:r>
             <a:endParaRPr lang="en-US" sz="1200" dirty="0">
               <a:solidFill>
@@ -14482,10 +14748,10 @@
       </p:sp>
       <p:sp>
         <p:nvSpPr>
-          <p:cNvPr id="8" name="Rounded Rectangle 46">
-            <a:extLst>
-              <a:ext uri="{FF2B5EF4-FFF2-40B4-BE49-F238E27FC236}">
-                <a16:creationId xmlns:a16="http://schemas.microsoft.com/office/drawing/2014/main" id="{F0229A48-66C0-46F3-96E6-4B1F7983B8BB}"/>
+          <p:cNvPr id="10" name="Rounded Rectangle 34">
+            <a:extLst>
+              <a:ext uri="{FF2B5EF4-FFF2-40B4-BE49-F238E27FC236}">
+                <a16:creationId xmlns:a16="http://schemas.microsoft.com/office/drawing/2014/main" id="{6238C6AD-80F3-45F7-8EF8-2FA4F019A61A}"/>
               </a:ext>
             </a:extLst>
           </p:cNvPr>
@@ -14494,14 +14760,14 @@
         </p:nvSpPr>
         <p:spPr>
           <a:xfrm>
-            <a:off x="5200023" y="2505725"/>
+            <a:off x="2422741" y="4024412"/>
             <a:ext cx="1645920" cy="288000"/>
           </a:xfrm>
           <a:prstGeom prst="roundRect">
             <a:avLst/>
           </a:prstGeom>
           <a:solidFill>
-            <a:srgbClr val="6CC24A"/>
+            <a:srgbClr val="00AEC7"/>
           </a:solidFill>
           <a:ln>
             <a:noFill/>
@@ -14628,7 +14894,7 @@
                   <a:schemeClr val="bg1"/>
                 </a:solidFill>
               </a:rPr>
-              <a:t>LLUI_INPUT_impl.h</a:t>
+              <a:t>Input_listener.h</a:t>
             </a:r>
             <a:endParaRPr lang="en-US" sz="1200" dirty="0">
               <a:solidFill>
@@ -14640,10 +14906,10 @@
       </p:sp>
       <p:sp>
         <p:nvSpPr>
-          <p:cNvPr id="10" name="Rounded Rectangle 34">
-            <a:extLst>
-              <a:ext uri="{FF2B5EF4-FFF2-40B4-BE49-F238E27FC236}">
-                <a16:creationId xmlns:a16="http://schemas.microsoft.com/office/drawing/2014/main" id="{6238C6AD-80F3-45F7-8EF8-2FA4F019A61A}"/>
+          <p:cNvPr id="12" name="Rounded Rectangle 34">
+            <a:extLst>
+              <a:ext uri="{FF2B5EF4-FFF2-40B4-BE49-F238E27FC236}">
+                <a16:creationId xmlns:a16="http://schemas.microsoft.com/office/drawing/2014/main" id="{E7123BB0-7490-4E6B-86CE-F4838CCF6D2E}"/>
               </a:ext>
             </a:extLst>
           </p:cNvPr>
@@ -14652,14 +14918,14 @@
         </p:nvSpPr>
         <p:spPr>
           <a:xfrm>
-            <a:off x="2422741" y="4024412"/>
+            <a:off x="1867107" y="3468974"/>
             <a:ext cx="1645920" cy="288000"/>
           </a:xfrm>
           <a:prstGeom prst="roundRect">
             <a:avLst/>
           </a:prstGeom>
           <a:solidFill>
-            <a:srgbClr val="6CC24A"/>
+            <a:srgbClr val="EE502E"/>
           </a:solidFill>
           <a:ln>
             <a:noFill/>
@@ -14786,164 +15052,6 @@
                   <a:schemeClr val="bg1"/>
                 </a:solidFill>
               </a:rPr>
-              <a:t>Input_listener.h</a:t>
-            </a:r>
-            <a:endParaRPr lang="en-US" sz="1200" dirty="0">
-              <a:solidFill>
-                <a:schemeClr val="bg1"/>
-              </a:solidFill>
-            </a:endParaRPr>
-          </a:p>
-        </p:txBody>
-      </p:sp>
-      <p:sp>
-        <p:nvSpPr>
-          <p:cNvPr id="12" name="Rounded Rectangle 34">
-            <a:extLst>
-              <a:ext uri="{FF2B5EF4-FFF2-40B4-BE49-F238E27FC236}">
-                <a16:creationId xmlns:a16="http://schemas.microsoft.com/office/drawing/2014/main" id="{E7123BB0-7490-4E6B-86CE-F4838CCF6D2E}"/>
-              </a:ext>
-            </a:extLst>
-          </p:cNvPr>
-          <p:cNvSpPr/>
-          <p:nvPr/>
-        </p:nvSpPr>
-        <p:spPr>
-          <a:xfrm>
-            <a:off x="1867107" y="3468974"/>
-            <a:ext cx="1645920" cy="288000"/>
-          </a:xfrm>
-          <a:prstGeom prst="roundRect">
-            <a:avLst/>
-          </a:prstGeom>
-          <a:solidFill>
-            <a:srgbClr val="6CC24A"/>
-          </a:solidFill>
-          <a:ln>
-            <a:noFill/>
-          </a:ln>
-        </p:spPr>
-        <p:style>
-          <a:lnRef idx="2">
-            <a:schemeClr val="accent1">
-              <a:shade val="50000"/>
-            </a:schemeClr>
-          </a:lnRef>
-          <a:fillRef idx="1">
-            <a:schemeClr val="accent1"/>
-          </a:fillRef>
-          <a:effectRef idx="0">
-            <a:schemeClr val="accent1"/>
-          </a:effectRef>
-          <a:fontRef idx="minor">
-            <a:schemeClr val="lt1"/>
-          </a:fontRef>
-        </p:style>
-        <p:txBody>
-          <a:bodyPr rtlCol="0" anchor="ctr"/>
-          <a:lstStyle>
-            <a:defPPr>
-              <a:defRPr lang="en-US"/>
-            </a:defPPr>
-            <a:lvl1pPr marL="0" algn="l" defTabSz="914377" rtl="0" eaLnBrk="1" latinLnBrk="0" hangingPunct="1">
-              <a:defRPr sz="1800" kern="1200">
-                <a:solidFill>
-                  <a:schemeClr val="lt1"/>
-                </a:solidFill>
-                <a:latin typeface="+mn-lt"/>
-                <a:ea typeface="+mn-ea"/>
-                <a:cs typeface="+mn-cs"/>
-              </a:defRPr>
-            </a:lvl1pPr>
-            <a:lvl2pPr marL="457189" algn="l" defTabSz="914377" rtl="0" eaLnBrk="1" latinLnBrk="0" hangingPunct="1">
-              <a:defRPr sz="1800" kern="1200">
-                <a:solidFill>
-                  <a:schemeClr val="lt1"/>
-                </a:solidFill>
-                <a:latin typeface="+mn-lt"/>
-                <a:ea typeface="+mn-ea"/>
-                <a:cs typeface="+mn-cs"/>
-              </a:defRPr>
-            </a:lvl2pPr>
-            <a:lvl3pPr marL="914377" algn="l" defTabSz="914377" rtl="0" eaLnBrk="1" latinLnBrk="0" hangingPunct="1">
-              <a:defRPr sz="1800" kern="1200">
-                <a:solidFill>
-                  <a:schemeClr val="lt1"/>
-                </a:solidFill>
-                <a:latin typeface="+mn-lt"/>
-                <a:ea typeface="+mn-ea"/>
-                <a:cs typeface="+mn-cs"/>
-              </a:defRPr>
-            </a:lvl3pPr>
-            <a:lvl4pPr marL="1371566" algn="l" defTabSz="914377" rtl="0" eaLnBrk="1" latinLnBrk="0" hangingPunct="1">
-              <a:defRPr sz="1800" kern="1200">
-                <a:solidFill>
-                  <a:schemeClr val="lt1"/>
-                </a:solidFill>
-                <a:latin typeface="+mn-lt"/>
-                <a:ea typeface="+mn-ea"/>
-                <a:cs typeface="+mn-cs"/>
-              </a:defRPr>
-            </a:lvl4pPr>
-            <a:lvl5pPr marL="1828754" algn="l" defTabSz="914377" rtl="0" eaLnBrk="1" latinLnBrk="0" hangingPunct="1">
-              <a:defRPr sz="1800" kern="1200">
-                <a:solidFill>
-                  <a:schemeClr val="lt1"/>
-                </a:solidFill>
-                <a:latin typeface="+mn-lt"/>
-                <a:ea typeface="+mn-ea"/>
-                <a:cs typeface="+mn-cs"/>
-              </a:defRPr>
-            </a:lvl5pPr>
-            <a:lvl6pPr marL="2285943" algn="l" defTabSz="914377" rtl="0" eaLnBrk="1" latinLnBrk="0" hangingPunct="1">
-              <a:defRPr sz="1800" kern="1200">
-                <a:solidFill>
-                  <a:schemeClr val="lt1"/>
-                </a:solidFill>
-                <a:latin typeface="+mn-lt"/>
-                <a:ea typeface="+mn-ea"/>
-                <a:cs typeface="+mn-cs"/>
-              </a:defRPr>
-            </a:lvl6pPr>
-            <a:lvl7pPr marL="2743131" algn="l" defTabSz="914377" rtl="0" eaLnBrk="1" latinLnBrk="0" hangingPunct="1">
-              <a:defRPr sz="1800" kern="1200">
-                <a:solidFill>
-                  <a:schemeClr val="lt1"/>
-                </a:solidFill>
-                <a:latin typeface="+mn-lt"/>
-                <a:ea typeface="+mn-ea"/>
-                <a:cs typeface="+mn-cs"/>
-              </a:defRPr>
-            </a:lvl7pPr>
-            <a:lvl8pPr marL="3200320" algn="l" defTabSz="914377" rtl="0" eaLnBrk="1" latinLnBrk="0" hangingPunct="1">
-              <a:defRPr sz="1800" kern="1200">
-                <a:solidFill>
-                  <a:schemeClr val="lt1"/>
-                </a:solidFill>
-                <a:latin typeface="+mn-lt"/>
-                <a:ea typeface="+mn-ea"/>
-                <a:cs typeface="+mn-cs"/>
-              </a:defRPr>
-            </a:lvl8pPr>
-            <a:lvl9pPr marL="3657509" algn="l" defTabSz="914377" rtl="0" eaLnBrk="1" latinLnBrk="0" hangingPunct="1">
-              <a:defRPr sz="1800" kern="1200">
-                <a:solidFill>
-                  <a:schemeClr val="lt1"/>
-                </a:solidFill>
-                <a:latin typeface="+mn-lt"/>
-                <a:ea typeface="+mn-ea"/>
-                <a:cs typeface="+mn-cs"/>
-              </a:defRPr>
-            </a:lvl9pPr>
-          </a:lstStyle>
-          <a:p>
-            <a:pPr algn="ctr"/>
-            <a:r>
-              <a:rPr lang="en-US" sz="1200" dirty="0" err="1">
-                <a:solidFill>
-                  <a:schemeClr val="bg1"/>
-                </a:solidFill>
-              </a:rPr>
               <a:t>Input_listener.c</a:t>
             </a:r>
             <a:endParaRPr lang="en-US" sz="1200" dirty="0">
@@ -14975,7 +15083,7 @@
             <a:avLst/>
           </a:prstGeom>
           <a:solidFill>
-            <a:srgbClr val="00AEC7"/>
+            <a:srgbClr val="EE502E"/>
           </a:solidFill>
           <a:ln>
             <a:noFill/>
@@ -15840,7 +15948,7 @@
             <a:avLst/>
           </a:prstGeom>
           <a:solidFill>
-            <a:srgbClr val="EE502E"/>
+            <a:srgbClr val="6CC24A"/>
           </a:solidFill>
           <a:ln>
             <a:noFill/>
@@ -15895,7 +16003,7 @@
             <a:avLst/>
           </a:prstGeom>
           <a:solidFill>
-            <a:srgbClr val="6CC24A"/>
+            <a:srgbClr val="00AEC7"/>
           </a:solidFill>
           <a:ln>
             <a:noFill/>
@@ -16208,7 +16316,7 @@
             <a:avLst/>
           </a:prstGeom>
           <a:solidFill>
-            <a:srgbClr val="6CC24A"/>
+            <a:srgbClr val="00AEC7"/>
           </a:solidFill>
           <a:ln>
             <a:noFill/>
@@ -16366,7 +16474,7 @@
             <a:avLst/>
           </a:prstGeom>
           <a:solidFill>
-            <a:srgbClr val="6CC24A"/>
+            <a:srgbClr val="00AEC7"/>
           </a:solidFill>
           <a:ln>
             <a:noFill/>
@@ -16524,7 +16632,7 @@
             <a:avLst/>
           </a:prstGeom>
           <a:solidFill>
-            <a:srgbClr val="6CC24A"/>
+            <a:srgbClr val="00AEC7"/>
           </a:solidFill>
           <a:ln>
             <a:noFill/>
@@ -16676,6 +16784,164 @@
         <p:spPr>
           <a:xfrm>
             <a:off x="6027947" y="3305032"/>
+            <a:ext cx="1444752" cy="288000"/>
+          </a:xfrm>
+          <a:prstGeom prst="roundRect">
+            <a:avLst/>
+          </a:prstGeom>
+          <a:solidFill>
+            <a:srgbClr val="EE502E"/>
+          </a:solidFill>
+          <a:ln>
+            <a:noFill/>
+          </a:ln>
+        </p:spPr>
+        <p:style>
+          <a:lnRef idx="2">
+            <a:schemeClr val="accent1">
+              <a:shade val="50000"/>
+            </a:schemeClr>
+          </a:lnRef>
+          <a:fillRef idx="1">
+            <a:schemeClr val="accent1"/>
+          </a:fillRef>
+          <a:effectRef idx="0">
+            <a:schemeClr val="accent1"/>
+          </a:effectRef>
+          <a:fontRef idx="minor">
+            <a:schemeClr val="lt1"/>
+          </a:fontRef>
+        </p:style>
+        <p:txBody>
+          <a:bodyPr rtlCol="0" anchor="ctr"/>
+          <a:lstStyle>
+            <a:defPPr>
+              <a:defRPr lang="en-US"/>
+            </a:defPPr>
+            <a:lvl1pPr marL="0" algn="l" defTabSz="914377" rtl="0" eaLnBrk="1" latinLnBrk="0" hangingPunct="1">
+              <a:defRPr sz="1800" kern="1200">
+                <a:solidFill>
+                  <a:schemeClr val="lt1"/>
+                </a:solidFill>
+                <a:latin typeface="+mn-lt"/>
+                <a:ea typeface="+mn-ea"/>
+                <a:cs typeface="+mn-cs"/>
+              </a:defRPr>
+            </a:lvl1pPr>
+            <a:lvl2pPr marL="457189" algn="l" defTabSz="914377" rtl="0" eaLnBrk="1" latinLnBrk="0" hangingPunct="1">
+              <a:defRPr sz="1800" kern="1200">
+                <a:solidFill>
+                  <a:schemeClr val="lt1"/>
+                </a:solidFill>
+                <a:latin typeface="+mn-lt"/>
+                <a:ea typeface="+mn-ea"/>
+                <a:cs typeface="+mn-cs"/>
+              </a:defRPr>
+            </a:lvl2pPr>
+            <a:lvl3pPr marL="914377" algn="l" defTabSz="914377" rtl="0" eaLnBrk="1" latinLnBrk="0" hangingPunct="1">
+              <a:defRPr sz="1800" kern="1200">
+                <a:solidFill>
+                  <a:schemeClr val="lt1"/>
+                </a:solidFill>
+                <a:latin typeface="+mn-lt"/>
+                <a:ea typeface="+mn-ea"/>
+                <a:cs typeface="+mn-cs"/>
+              </a:defRPr>
+            </a:lvl3pPr>
+            <a:lvl4pPr marL="1371566" algn="l" defTabSz="914377" rtl="0" eaLnBrk="1" latinLnBrk="0" hangingPunct="1">
+              <a:defRPr sz="1800" kern="1200">
+                <a:solidFill>
+                  <a:schemeClr val="lt1"/>
+                </a:solidFill>
+                <a:latin typeface="+mn-lt"/>
+                <a:ea typeface="+mn-ea"/>
+                <a:cs typeface="+mn-cs"/>
+              </a:defRPr>
+            </a:lvl4pPr>
+            <a:lvl5pPr marL="1828754" algn="l" defTabSz="914377" rtl="0" eaLnBrk="1" latinLnBrk="0" hangingPunct="1">
+              <a:defRPr sz="1800" kern="1200">
+                <a:solidFill>
+                  <a:schemeClr val="lt1"/>
+                </a:solidFill>
+                <a:latin typeface="+mn-lt"/>
+                <a:ea typeface="+mn-ea"/>
+                <a:cs typeface="+mn-cs"/>
+              </a:defRPr>
+            </a:lvl5pPr>
+            <a:lvl6pPr marL="2285943" algn="l" defTabSz="914377" rtl="0" eaLnBrk="1" latinLnBrk="0" hangingPunct="1">
+              <a:defRPr sz="1800" kern="1200">
+                <a:solidFill>
+                  <a:schemeClr val="lt1"/>
+                </a:solidFill>
+                <a:latin typeface="+mn-lt"/>
+                <a:ea typeface="+mn-ea"/>
+                <a:cs typeface="+mn-cs"/>
+              </a:defRPr>
+            </a:lvl6pPr>
+            <a:lvl7pPr marL="2743131" algn="l" defTabSz="914377" rtl="0" eaLnBrk="1" latinLnBrk="0" hangingPunct="1">
+              <a:defRPr sz="1800" kern="1200">
+                <a:solidFill>
+                  <a:schemeClr val="lt1"/>
+                </a:solidFill>
+                <a:latin typeface="+mn-lt"/>
+                <a:ea typeface="+mn-ea"/>
+                <a:cs typeface="+mn-cs"/>
+              </a:defRPr>
+            </a:lvl7pPr>
+            <a:lvl8pPr marL="3200320" algn="l" defTabSz="914377" rtl="0" eaLnBrk="1" latinLnBrk="0" hangingPunct="1">
+              <a:defRPr sz="1800" kern="1200">
+                <a:solidFill>
+                  <a:schemeClr val="lt1"/>
+                </a:solidFill>
+                <a:latin typeface="+mn-lt"/>
+                <a:ea typeface="+mn-ea"/>
+                <a:cs typeface="+mn-cs"/>
+              </a:defRPr>
+            </a:lvl8pPr>
+            <a:lvl9pPr marL="3657509" algn="l" defTabSz="914377" rtl="0" eaLnBrk="1" latinLnBrk="0" hangingPunct="1">
+              <a:defRPr sz="1800" kern="1200">
+                <a:solidFill>
+                  <a:schemeClr val="lt1"/>
+                </a:solidFill>
+                <a:latin typeface="+mn-lt"/>
+                <a:ea typeface="+mn-ea"/>
+                <a:cs typeface="+mn-cs"/>
+              </a:defRPr>
+            </a:lvl9pPr>
+          </a:lstStyle>
+          <a:p>
+            <a:pPr algn="ctr"/>
+            <a:r>
+              <a:rPr lang="en-US" sz="1100" dirty="0" err="1">
+                <a:solidFill>
+                  <a:schemeClr val="bg1"/>
+                </a:solidFill>
+              </a:rPr>
+              <a:t>LLUI_PAINTER_impl.c</a:t>
+            </a:r>
+            <a:endParaRPr lang="en-US" sz="1100" dirty="0">
+              <a:solidFill>
+                <a:schemeClr val="bg1"/>
+              </a:solidFill>
+            </a:endParaRPr>
+          </a:p>
+        </p:txBody>
+      </p:sp>
+      <p:sp>
+        <p:nvSpPr>
+          <p:cNvPr id="27" name="Rounded Rectangle 31">
+            <a:extLst>
+              <a:ext uri="{FF2B5EF4-FFF2-40B4-BE49-F238E27FC236}">
+                <a16:creationId xmlns:a16="http://schemas.microsoft.com/office/drawing/2014/main" id="{C735D29A-CCB8-497C-AB88-7FF4DDC0A405}"/>
+              </a:ext>
+            </a:extLst>
+          </p:cNvPr>
+          <p:cNvSpPr/>
+          <p:nvPr/>
+        </p:nvSpPr>
+        <p:spPr>
+          <a:xfrm>
+            <a:off x="1568558" y="2373298"/>
             <a:ext cx="1444752" cy="288000"/>
           </a:xfrm>
           <a:prstGeom prst="roundRect">
@@ -16804,164 +17070,6 @@
           <a:p>
             <a:pPr algn="ctr"/>
             <a:r>
-              <a:rPr lang="en-US" sz="1100" dirty="0" err="1">
-                <a:solidFill>
-                  <a:schemeClr val="bg1"/>
-                </a:solidFill>
-              </a:rPr>
-              <a:t>LLUI_PAINTER_impl.c</a:t>
-            </a:r>
-            <a:endParaRPr lang="en-US" sz="1100" dirty="0">
-              <a:solidFill>
-                <a:schemeClr val="bg1"/>
-              </a:solidFill>
-            </a:endParaRPr>
-          </a:p>
-        </p:txBody>
-      </p:sp>
-      <p:sp>
-        <p:nvSpPr>
-          <p:cNvPr id="27" name="Rounded Rectangle 31">
-            <a:extLst>
-              <a:ext uri="{FF2B5EF4-FFF2-40B4-BE49-F238E27FC236}">
-                <a16:creationId xmlns:a16="http://schemas.microsoft.com/office/drawing/2014/main" id="{C735D29A-CCB8-497C-AB88-7FF4DDC0A405}"/>
-              </a:ext>
-            </a:extLst>
-          </p:cNvPr>
-          <p:cNvSpPr/>
-          <p:nvPr/>
-        </p:nvSpPr>
-        <p:spPr>
-          <a:xfrm>
-            <a:off x="1568558" y="2373298"/>
-            <a:ext cx="1444752" cy="288000"/>
-          </a:xfrm>
-          <a:prstGeom prst="roundRect">
-            <a:avLst/>
-          </a:prstGeom>
-          <a:solidFill>
-            <a:srgbClr val="6CC24A"/>
-          </a:solidFill>
-          <a:ln>
-            <a:noFill/>
-          </a:ln>
-        </p:spPr>
-        <p:style>
-          <a:lnRef idx="2">
-            <a:schemeClr val="accent1">
-              <a:shade val="50000"/>
-            </a:schemeClr>
-          </a:lnRef>
-          <a:fillRef idx="1">
-            <a:schemeClr val="accent1"/>
-          </a:fillRef>
-          <a:effectRef idx="0">
-            <a:schemeClr val="accent1"/>
-          </a:effectRef>
-          <a:fontRef idx="minor">
-            <a:schemeClr val="lt1"/>
-          </a:fontRef>
-        </p:style>
-        <p:txBody>
-          <a:bodyPr rtlCol="0" anchor="ctr"/>
-          <a:lstStyle>
-            <a:defPPr>
-              <a:defRPr lang="en-US"/>
-            </a:defPPr>
-            <a:lvl1pPr marL="0" algn="l" defTabSz="914377" rtl="0" eaLnBrk="1" latinLnBrk="0" hangingPunct="1">
-              <a:defRPr sz="1800" kern="1200">
-                <a:solidFill>
-                  <a:schemeClr val="lt1"/>
-                </a:solidFill>
-                <a:latin typeface="+mn-lt"/>
-                <a:ea typeface="+mn-ea"/>
-                <a:cs typeface="+mn-cs"/>
-              </a:defRPr>
-            </a:lvl1pPr>
-            <a:lvl2pPr marL="457189" algn="l" defTabSz="914377" rtl="0" eaLnBrk="1" latinLnBrk="0" hangingPunct="1">
-              <a:defRPr sz="1800" kern="1200">
-                <a:solidFill>
-                  <a:schemeClr val="lt1"/>
-                </a:solidFill>
-                <a:latin typeface="+mn-lt"/>
-                <a:ea typeface="+mn-ea"/>
-                <a:cs typeface="+mn-cs"/>
-              </a:defRPr>
-            </a:lvl2pPr>
-            <a:lvl3pPr marL="914377" algn="l" defTabSz="914377" rtl="0" eaLnBrk="1" latinLnBrk="0" hangingPunct="1">
-              <a:defRPr sz="1800" kern="1200">
-                <a:solidFill>
-                  <a:schemeClr val="lt1"/>
-                </a:solidFill>
-                <a:latin typeface="+mn-lt"/>
-                <a:ea typeface="+mn-ea"/>
-                <a:cs typeface="+mn-cs"/>
-              </a:defRPr>
-            </a:lvl3pPr>
-            <a:lvl4pPr marL="1371566" algn="l" defTabSz="914377" rtl="0" eaLnBrk="1" latinLnBrk="0" hangingPunct="1">
-              <a:defRPr sz="1800" kern="1200">
-                <a:solidFill>
-                  <a:schemeClr val="lt1"/>
-                </a:solidFill>
-                <a:latin typeface="+mn-lt"/>
-                <a:ea typeface="+mn-ea"/>
-                <a:cs typeface="+mn-cs"/>
-              </a:defRPr>
-            </a:lvl4pPr>
-            <a:lvl5pPr marL="1828754" algn="l" defTabSz="914377" rtl="0" eaLnBrk="1" latinLnBrk="0" hangingPunct="1">
-              <a:defRPr sz="1800" kern="1200">
-                <a:solidFill>
-                  <a:schemeClr val="lt1"/>
-                </a:solidFill>
-                <a:latin typeface="+mn-lt"/>
-                <a:ea typeface="+mn-ea"/>
-                <a:cs typeface="+mn-cs"/>
-              </a:defRPr>
-            </a:lvl5pPr>
-            <a:lvl6pPr marL="2285943" algn="l" defTabSz="914377" rtl="0" eaLnBrk="1" latinLnBrk="0" hangingPunct="1">
-              <a:defRPr sz="1800" kern="1200">
-                <a:solidFill>
-                  <a:schemeClr val="lt1"/>
-                </a:solidFill>
-                <a:latin typeface="+mn-lt"/>
-                <a:ea typeface="+mn-ea"/>
-                <a:cs typeface="+mn-cs"/>
-              </a:defRPr>
-            </a:lvl6pPr>
-            <a:lvl7pPr marL="2743131" algn="l" defTabSz="914377" rtl="0" eaLnBrk="1" latinLnBrk="0" hangingPunct="1">
-              <a:defRPr sz="1800" kern="1200">
-                <a:solidFill>
-                  <a:schemeClr val="lt1"/>
-                </a:solidFill>
-                <a:latin typeface="+mn-lt"/>
-                <a:ea typeface="+mn-ea"/>
-                <a:cs typeface="+mn-cs"/>
-              </a:defRPr>
-            </a:lvl7pPr>
-            <a:lvl8pPr marL="3200320" algn="l" defTabSz="914377" rtl="0" eaLnBrk="1" latinLnBrk="0" hangingPunct="1">
-              <a:defRPr sz="1800" kern="1200">
-                <a:solidFill>
-                  <a:schemeClr val="lt1"/>
-                </a:solidFill>
-                <a:latin typeface="+mn-lt"/>
-                <a:ea typeface="+mn-ea"/>
-                <a:cs typeface="+mn-cs"/>
-              </a:defRPr>
-            </a:lvl8pPr>
-            <a:lvl9pPr marL="3657509" algn="l" defTabSz="914377" rtl="0" eaLnBrk="1" latinLnBrk="0" hangingPunct="1">
-              <a:defRPr sz="1800" kern="1200">
-                <a:solidFill>
-                  <a:schemeClr val="lt1"/>
-                </a:solidFill>
-                <a:latin typeface="+mn-lt"/>
-                <a:ea typeface="+mn-ea"/>
-                <a:cs typeface="+mn-cs"/>
-              </a:defRPr>
-            </a:lvl9pPr>
-          </a:lstStyle>
-          <a:p>
-            <a:pPr algn="ctr"/>
-            <a:r>
               <a:rPr lang="en-US" sz="1200" dirty="0" err="1">
                 <a:solidFill>
                   <a:schemeClr val="bg1"/>
@@ -16998,7 +17106,7 @@
             <a:avLst/>
           </a:prstGeom>
           <a:solidFill>
-            <a:srgbClr val="00AEC7"/>
+            <a:srgbClr val="EE502E"/>
           </a:solidFill>
           <a:ln>
             <a:noFill/>
@@ -17311,7 +17419,7 @@
             <a:avLst/>
           </a:prstGeom>
           <a:solidFill>
-            <a:srgbClr val="6CC24A"/>
+            <a:srgbClr val="00AEC7"/>
           </a:solidFill>
           <a:ln>
             <a:noFill/>
@@ -17499,6 +17607,164 @@
           <a:xfrm>
             <a:off x="113034" y="4393121"/>
             <a:ext cx="2826713" cy="288000"/>
+          </a:xfrm>
+          <a:prstGeom prst="roundRect">
+            <a:avLst/>
+          </a:prstGeom>
+          <a:solidFill>
+            <a:srgbClr val="EE502E"/>
+          </a:solidFill>
+          <a:ln>
+            <a:noFill/>
+          </a:ln>
+        </p:spPr>
+        <p:style>
+          <a:lnRef idx="2">
+            <a:schemeClr val="accent1">
+              <a:shade val="50000"/>
+            </a:schemeClr>
+          </a:lnRef>
+          <a:fillRef idx="1">
+            <a:schemeClr val="accent1"/>
+          </a:fillRef>
+          <a:effectRef idx="0">
+            <a:schemeClr val="accent1"/>
+          </a:effectRef>
+          <a:fontRef idx="minor">
+            <a:schemeClr val="lt1"/>
+          </a:fontRef>
+        </p:style>
+        <p:txBody>
+          <a:bodyPr rtlCol="0" anchor="ctr"/>
+          <a:lstStyle>
+            <a:defPPr>
+              <a:defRPr lang="en-US"/>
+            </a:defPPr>
+            <a:lvl1pPr marL="0" algn="l" defTabSz="914377" rtl="0" eaLnBrk="1" latinLnBrk="0" hangingPunct="1">
+              <a:defRPr sz="1800" kern="1200">
+                <a:solidFill>
+                  <a:schemeClr val="lt1"/>
+                </a:solidFill>
+                <a:latin typeface="+mn-lt"/>
+                <a:ea typeface="+mn-ea"/>
+                <a:cs typeface="+mn-cs"/>
+              </a:defRPr>
+            </a:lvl1pPr>
+            <a:lvl2pPr marL="457189" algn="l" defTabSz="914377" rtl="0" eaLnBrk="1" latinLnBrk="0" hangingPunct="1">
+              <a:defRPr sz="1800" kern="1200">
+                <a:solidFill>
+                  <a:schemeClr val="lt1"/>
+                </a:solidFill>
+                <a:latin typeface="+mn-lt"/>
+                <a:ea typeface="+mn-ea"/>
+                <a:cs typeface="+mn-cs"/>
+              </a:defRPr>
+            </a:lvl2pPr>
+            <a:lvl3pPr marL="914377" algn="l" defTabSz="914377" rtl="0" eaLnBrk="1" latinLnBrk="0" hangingPunct="1">
+              <a:defRPr sz="1800" kern="1200">
+                <a:solidFill>
+                  <a:schemeClr val="lt1"/>
+                </a:solidFill>
+                <a:latin typeface="+mn-lt"/>
+                <a:ea typeface="+mn-ea"/>
+                <a:cs typeface="+mn-cs"/>
+              </a:defRPr>
+            </a:lvl3pPr>
+            <a:lvl4pPr marL="1371566" algn="l" defTabSz="914377" rtl="0" eaLnBrk="1" latinLnBrk="0" hangingPunct="1">
+              <a:defRPr sz="1800" kern="1200">
+                <a:solidFill>
+                  <a:schemeClr val="lt1"/>
+                </a:solidFill>
+                <a:latin typeface="+mn-lt"/>
+                <a:ea typeface="+mn-ea"/>
+                <a:cs typeface="+mn-cs"/>
+              </a:defRPr>
+            </a:lvl4pPr>
+            <a:lvl5pPr marL="1828754" algn="l" defTabSz="914377" rtl="0" eaLnBrk="1" latinLnBrk="0" hangingPunct="1">
+              <a:defRPr sz="1800" kern="1200">
+                <a:solidFill>
+                  <a:schemeClr val="lt1"/>
+                </a:solidFill>
+                <a:latin typeface="+mn-lt"/>
+                <a:ea typeface="+mn-ea"/>
+                <a:cs typeface="+mn-cs"/>
+              </a:defRPr>
+            </a:lvl5pPr>
+            <a:lvl6pPr marL="2285943" algn="l" defTabSz="914377" rtl="0" eaLnBrk="1" latinLnBrk="0" hangingPunct="1">
+              <a:defRPr sz="1800" kern="1200">
+                <a:solidFill>
+                  <a:schemeClr val="lt1"/>
+                </a:solidFill>
+                <a:latin typeface="+mn-lt"/>
+                <a:ea typeface="+mn-ea"/>
+                <a:cs typeface="+mn-cs"/>
+              </a:defRPr>
+            </a:lvl6pPr>
+            <a:lvl7pPr marL="2743131" algn="l" defTabSz="914377" rtl="0" eaLnBrk="1" latinLnBrk="0" hangingPunct="1">
+              <a:defRPr sz="1800" kern="1200">
+                <a:solidFill>
+                  <a:schemeClr val="lt1"/>
+                </a:solidFill>
+                <a:latin typeface="+mn-lt"/>
+                <a:ea typeface="+mn-ea"/>
+                <a:cs typeface="+mn-cs"/>
+              </a:defRPr>
+            </a:lvl7pPr>
+            <a:lvl8pPr marL="3200320" algn="l" defTabSz="914377" rtl="0" eaLnBrk="1" latinLnBrk="0" hangingPunct="1">
+              <a:defRPr sz="1800" kern="1200">
+                <a:solidFill>
+                  <a:schemeClr val="lt1"/>
+                </a:solidFill>
+                <a:latin typeface="+mn-lt"/>
+                <a:ea typeface="+mn-ea"/>
+                <a:cs typeface="+mn-cs"/>
+              </a:defRPr>
+            </a:lvl8pPr>
+            <a:lvl9pPr marL="3657509" algn="l" defTabSz="914377" rtl="0" eaLnBrk="1" latinLnBrk="0" hangingPunct="1">
+              <a:defRPr sz="1800" kern="1200">
+                <a:solidFill>
+                  <a:schemeClr val="lt1"/>
+                </a:solidFill>
+                <a:latin typeface="+mn-lt"/>
+                <a:ea typeface="+mn-ea"/>
+                <a:cs typeface="+mn-cs"/>
+              </a:defRPr>
+            </a:lvl9pPr>
+          </a:lstStyle>
+          <a:p>
+            <a:pPr algn="ctr"/>
+            <a:r>
+              <a:rPr lang="en-US" sz="1200" dirty="0" err="1">
+                <a:solidFill>
+                  <a:schemeClr val="bg1"/>
+                </a:solidFill>
+              </a:rPr>
+              <a:t>LLUI_DISPLAY_impl.c</a:t>
+            </a:r>
+            <a:endParaRPr lang="en-US" sz="1200" dirty="0">
+              <a:solidFill>
+                <a:schemeClr val="bg1"/>
+              </a:solidFill>
+            </a:endParaRPr>
+          </a:p>
+        </p:txBody>
+      </p:sp>
+      <p:sp>
+        <p:nvSpPr>
+          <p:cNvPr id="53" name="Rounded Rectangle 19">
+            <a:extLst>
+              <a:ext uri="{FF2B5EF4-FFF2-40B4-BE49-F238E27FC236}">
+                <a16:creationId xmlns:a16="http://schemas.microsoft.com/office/drawing/2014/main" id="{EF663CCD-0A6E-4D03-8E19-3467F555BA25}"/>
+              </a:ext>
+            </a:extLst>
+          </p:cNvPr>
+          <p:cNvSpPr/>
+          <p:nvPr/>
+        </p:nvSpPr>
+        <p:spPr>
+          <a:xfrm>
+            <a:off x="4539233" y="2355538"/>
+            <a:ext cx="1444752" cy="288000"/>
           </a:xfrm>
           <a:prstGeom prst="roundRect">
             <a:avLst/>
@@ -17631,164 +17897,6 @@
                   <a:schemeClr val="bg1"/>
                 </a:solidFill>
               </a:rPr>
-              <a:t>LLUI_DISPLAY_impl.c</a:t>
-            </a:r>
-            <a:endParaRPr lang="en-US" sz="1200" dirty="0">
-              <a:solidFill>
-                <a:schemeClr val="bg1"/>
-              </a:solidFill>
-            </a:endParaRPr>
-          </a:p>
-        </p:txBody>
-      </p:sp>
-      <p:sp>
-        <p:nvSpPr>
-          <p:cNvPr id="53" name="Rounded Rectangle 19">
-            <a:extLst>
-              <a:ext uri="{FF2B5EF4-FFF2-40B4-BE49-F238E27FC236}">
-                <a16:creationId xmlns:a16="http://schemas.microsoft.com/office/drawing/2014/main" id="{EF663CCD-0A6E-4D03-8E19-3467F555BA25}"/>
-              </a:ext>
-            </a:extLst>
-          </p:cNvPr>
-          <p:cNvSpPr/>
-          <p:nvPr/>
-        </p:nvSpPr>
-        <p:spPr>
-          <a:xfrm>
-            <a:off x="4539233" y="2355538"/>
-            <a:ext cx="1444752" cy="288000"/>
-          </a:xfrm>
-          <a:prstGeom prst="roundRect">
-            <a:avLst/>
-          </a:prstGeom>
-          <a:solidFill>
-            <a:srgbClr val="6CC24A"/>
-          </a:solidFill>
-          <a:ln>
-            <a:noFill/>
-          </a:ln>
-        </p:spPr>
-        <p:style>
-          <a:lnRef idx="2">
-            <a:schemeClr val="accent1">
-              <a:shade val="50000"/>
-            </a:schemeClr>
-          </a:lnRef>
-          <a:fillRef idx="1">
-            <a:schemeClr val="accent1"/>
-          </a:fillRef>
-          <a:effectRef idx="0">
-            <a:schemeClr val="accent1"/>
-          </a:effectRef>
-          <a:fontRef idx="minor">
-            <a:schemeClr val="lt1"/>
-          </a:fontRef>
-        </p:style>
-        <p:txBody>
-          <a:bodyPr rtlCol="0" anchor="ctr"/>
-          <a:lstStyle>
-            <a:defPPr>
-              <a:defRPr lang="en-US"/>
-            </a:defPPr>
-            <a:lvl1pPr marL="0" algn="l" defTabSz="914377" rtl="0" eaLnBrk="1" latinLnBrk="0" hangingPunct="1">
-              <a:defRPr sz="1800" kern="1200">
-                <a:solidFill>
-                  <a:schemeClr val="lt1"/>
-                </a:solidFill>
-                <a:latin typeface="+mn-lt"/>
-                <a:ea typeface="+mn-ea"/>
-                <a:cs typeface="+mn-cs"/>
-              </a:defRPr>
-            </a:lvl1pPr>
-            <a:lvl2pPr marL="457189" algn="l" defTabSz="914377" rtl="0" eaLnBrk="1" latinLnBrk="0" hangingPunct="1">
-              <a:defRPr sz="1800" kern="1200">
-                <a:solidFill>
-                  <a:schemeClr val="lt1"/>
-                </a:solidFill>
-                <a:latin typeface="+mn-lt"/>
-                <a:ea typeface="+mn-ea"/>
-                <a:cs typeface="+mn-cs"/>
-              </a:defRPr>
-            </a:lvl2pPr>
-            <a:lvl3pPr marL="914377" algn="l" defTabSz="914377" rtl="0" eaLnBrk="1" latinLnBrk="0" hangingPunct="1">
-              <a:defRPr sz="1800" kern="1200">
-                <a:solidFill>
-                  <a:schemeClr val="lt1"/>
-                </a:solidFill>
-                <a:latin typeface="+mn-lt"/>
-                <a:ea typeface="+mn-ea"/>
-                <a:cs typeface="+mn-cs"/>
-              </a:defRPr>
-            </a:lvl3pPr>
-            <a:lvl4pPr marL="1371566" algn="l" defTabSz="914377" rtl="0" eaLnBrk="1" latinLnBrk="0" hangingPunct="1">
-              <a:defRPr sz="1800" kern="1200">
-                <a:solidFill>
-                  <a:schemeClr val="lt1"/>
-                </a:solidFill>
-                <a:latin typeface="+mn-lt"/>
-                <a:ea typeface="+mn-ea"/>
-                <a:cs typeface="+mn-cs"/>
-              </a:defRPr>
-            </a:lvl4pPr>
-            <a:lvl5pPr marL="1828754" algn="l" defTabSz="914377" rtl="0" eaLnBrk="1" latinLnBrk="0" hangingPunct="1">
-              <a:defRPr sz="1800" kern="1200">
-                <a:solidFill>
-                  <a:schemeClr val="lt1"/>
-                </a:solidFill>
-                <a:latin typeface="+mn-lt"/>
-                <a:ea typeface="+mn-ea"/>
-                <a:cs typeface="+mn-cs"/>
-              </a:defRPr>
-            </a:lvl5pPr>
-            <a:lvl6pPr marL="2285943" algn="l" defTabSz="914377" rtl="0" eaLnBrk="1" latinLnBrk="0" hangingPunct="1">
-              <a:defRPr sz="1800" kern="1200">
-                <a:solidFill>
-                  <a:schemeClr val="lt1"/>
-                </a:solidFill>
-                <a:latin typeface="+mn-lt"/>
-                <a:ea typeface="+mn-ea"/>
-                <a:cs typeface="+mn-cs"/>
-              </a:defRPr>
-            </a:lvl6pPr>
-            <a:lvl7pPr marL="2743131" algn="l" defTabSz="914377" rtl="0" eaLnBrk="1" latinLnBrk="0" hangingPunct="1">
-              <a:defRPr sz="1800" kern="1200">
-                <a:solidFill>
-                  <a:schemeClr val="lt1"/>
-                </a:solidFill>
-                <a:latin typeface="+mn-lt"/>
-                <a:ea typeface="+mn-ea"/>
-                <a:cs typeface="+mn-cs"/>
-              </a:defRPr>
-            </a:lvl7pPr>
-            <a:lvl8pPr marL="3200320" algn="l" defTabSz="914377" rtl="0" eaLnBrk="1" latinLnBrk="0" hangingPunct="1">
-              <a:defRPr sz="1800" kern="1200">
-                <a:solidFill>
-                  <a:schemeClr val="lt1"/>
-                </a:solidFill>
-                <a:latin typeface="+mn-lt"/>
-                <a:ea typeface="+mn-ea"/>
-                <a:cs typeface="+mn-cs"/>
-              </a:defRPr>
-            </a:lvl8pPr>
-            <a:lvl9pPr marL="3657509" algn="l" defTabSz="914377" rtl="0" eaLnBrk="1" latinLnBrk="0" hangingPunct="1">
-              <a:defRPr sz="1800" kern="1200">
-                <a:solidFill>
-                  <a:schemeClr val="lt1"/>
-                </a:solidFill>
-                <a:latin typeface="+mn-lt"/>
-                <a:ea typeface="+mn-ea"/>
-                <a:cs typeface="+mn-cs"/>
-              </a:defRPr>
-            </a:lvl9pPr>
-          </a:lstStyle>
-          <a:p>
-            <a:pPr algn="ctr"/>
-            <a:r>
-              <a:rPr lang="en-US" sz="1200" dirty="0" err="1">
-                <a:solidFill>
-                  <a:schemeClr val="bg1"/>
-                </a:solidFill>
-              </a:rPr>
               <a:t>dw_drawing_soft.h</a:t>
             </a:r>
             <a:endParaRPr lang="en-US" sz="1200" dirty="0">
@@ -17820,7 +17928,7 @@
             <a:avLst/>
           </a:prstGeom>
           <a:solidFill>
-            <a:srgbClr val="EE502E"/>
+            <a:srgbClr val="6CC24A"/>
           </a:solidFill>
           <a:ln>
             <a:noFill/>
@@ -18867,7 +18975,7 @@
               <a:avLst/>
             </a:prstGeom>
             <a:solidFill>
-              <a:srgbClr val="6CC24A"/>
+              <a:srgbClr val="00AEC7"/>
             </a:solidFill>
             <a:ln>
               <a:noFill/>
@@ -19129,7 +19237,7 @@
             <a:avLst/>
           </a:prstGeom>
           <a:solidFill>
-            <a:srgbClr val="00AEC7"/>
+            <a:srgbClr val="EE502E"/>
           </a:solidFill>
           <a:ln>
             <a:noFill/>
@@ -19433,7 +19541,7 @@
             <a:avLst/>
           </a:prstGeom>
           <a:solidFill>
-            <a:srgbClr val="00AEC7"/>
+            <a:srgbClr val="EE502E"/>
           </a:solidFill>
           <a:ln>
             <a:noFill/>
@@ -19591,7 +19699,7 @@
             <a:avLst/>
           </a:prstGeom>
           <a:solidFill>
-            <a:srgbClr val="00AEC7"/>
+            <a:srgbClr val="EE502E"/>
           </a:solidFill>
           <a:ln>
             <a:noFill/>
@@ -19749,7 +19857,7 @@
             <a:avLst/>
           </a:prstGeom>
           <a:solidFill>
-            <a:srgbClr val="00AEC7"/>
+            <a:srgbClr val="EE502E"/>
           </a:solidFill>
           <a:ln>
             <a:noFill/>
@@ -20293,7 +20401,7 @@
               <a:avLst/>
             </a:prstGeom>
             <a:solidFill>
-              <a:srgbClr val="6CC24A"/>
+              <a:srgbClr val="00AEC7"/>
             </a:solidFill>
             <a:ln>
               <a:noFill/>
@@ -20446,7 +20554,7 @@
               <a:avLst/>
             </a:prstGeom>
             <a:solidFill>
-              <a:srgbClr val="00AEC7"/>
+              <a:srgbClr val="EE502E"/>
             </a:solidFill>
             <a:ln>
               <a:noFill/>
@@ -20600,7 +20708,7 @@
             <a:avLst/>
           </a:prstGeom>
           <a:solidFill>
-            <a:srgbClr val="6CC24A"/>
+            <a:srgbClr val="00AEC7"/>
           </a:solidFill>
           <a:ln>
             <a:noFill/>
@@ -20758,7 +20866,7 @@
             <a:avLst/>
           </a:prstGeom>
           <a:solidFill>
-            <a:srgbClr val="6CC24A"/>
+            <a:srgbClr val="00AEC7"/>
           </a:solidFill>
           <a:ln>
             <a:noFill/>
@@ -21014,7 +21122,7 @@
             <a:avLst/>
           </a:prstGeom>
           <a:solidFill>
-            <a:srgbClr val="00AEC7"/>
+            <a:srgbClr val="EE502E"/>
           </a:solidFill>
           <a:ln>
             <a:noFill/>
@@ -21283,7 +21391,7 @@
               <a:avLst/>
             </a:prstGeom>
             <a:solidFill>
-              <a:srgbClr val="6CC24A"/>
+              <a:srgbClr val="00AEC7"/>
             </a:solidFill>
             <a:ln>
               <a:noFill/>
@@ -21436,7 +21544,7 @@
               <a:avLst/>
             </a:prstGeom>
             <a:solidFill>
-              <a:srgbClr val="00AEC7"/>
+              <a:srgbClr val="EE502E"/>
             </a:solidFill>
             <a:ln>
               <a:noFill/>

--- a/VEEPortingGuide/images/uiLL.pptx
+++ b/VEEPortingGuide/images/uiLL.pptx
@@ -202,7 +202,7 @@
           <a:p>
             <a:fld id="{F47202D6-4449-4ABC-9430-570B72DCED4F}" type="datetimeFigureOut">
               <a:rPr lang="en-US" smtClean="0"/>
-              <a:t>23/06/06</a:t>
+              <a:t>23/07/07</a:t>
             </a:fld>
             <a:endParaRPr lang="en-US"/>
           </a:p>
@@ -786,7 +786,7 @@
           <a:p>
             <a:fld id="{4E285625-C24A-4341-90BC-6CD71F835625}" type="datetimeFigureOut">
               <a:rPr lang="en-GB" smtClean="0"/>
-              <a:t>06/06/2023</a:t>
+              <a:t>07/07/2023</a:t>
             </a:fld>
             <a:endParaRPr lang="en-GB"/>
           </a:p>
@@ -986,7 +986,7 @@
           <a:p>
             <a:fld id="{4E285625-C24A-4341-90BC-6CD71F835625}" type="datetimeFigureOut">
               <a:rPr lang="en-GB" smtClean="0"/>
-              <a:t>06/06/2023</a:t>
+              <a:t>07/07/2023</a:t>
             </a:fld>
             <a:endParaRPr lang="en-GB"/>
           </a:p>
@@ -1196,7 +1196,7 @@
           <a:p>
             <a:fld id="{4E285625-C24A-4341-90BC-6CD71F835625}" type="datetimeFigureOut">
               <a:rPr lang="en-GB" smtClean="0"/>
-              <a:t>06/06/2023</a:t>
+              <a:t>07/07/2023</a:t>
             </a:fld>
             <a:endParaRPr lang="en-GB"/>
           </a:p>
@@ -1396,7 +1396,7 @@
           <a:p>
             <a:fld id="{4E285625-C24A-4341-90BC-6CD71F835625}" type="datetimeFigureOut">
               <a:rPr lang="en-GB" smtClean="0"/>
-              <a:t>06/06/2023</a:t>
+              <a:t>07/07/2023</a:t>
             </a:fld>
             <a:endParaRPr lang="en-GB"/>
           </a:p>
@@ -1672,7 +1672,7 @@
           <a:p>
             <a:fld id="{4E285625-C24A-4341-90BC-6CD71F835625}" type="datetimeFigureOut">
               <a:rPr lang="en-GB" smtClean="0"/>
-              <a:t>06/06/2023</a:t>
+              <a:t>07/07/2023</a:t>
             </a:fld>
             <a:endParaRPr lang="en-GB"/>
           </a:p>
@@ -1940,7 +1940,7 @@
           <a:p>
             <a:fld id="{4E285625-C24A-4341-90BC-6CD71F835625}" type="datetimeFigureOut">
               <a:rPr lang="en-GB" smtClean="0"/>
-              <a:t>06/06/2023</a:t>
+              <a:t>07/07/2023</a:t>
             </a:fld>
             <a:endParaRPr lang="en-GB"/>
           </a:p>
@@ -2355,7 +2355,7 @@
           <a:p>
             <a:fld id="{4E285625-C24A-4341-90BC-6CD71F835625}" type="datetimeFigureOut">
               <a:rPr lang="en-GB" smtClean="0"/>
-              <a:t>06/06/2023</a:t>
+              <a:t>07/07/2023</a:t>
             </a:fld>
             <a:endParaRPr lang="en-GB"/>
           </a:p>
@@ -2497,7 +2497,7 @@
           <a:p>
             <a:fld id="{4E285625-C24A-4341-90BC-6CD71F835625}" type="datetimeFigureOut">
               <a:rPr lang="en-GB" smtClean="0"/>
-              <a:t>06/06/2023</a:t>
+              <a:t>07/07/2023</a:t>
             </a:fld>
             <a:endParaRPr lang="en-GB"/>
           </a:p>
@@ -2610,7 +2610,7 @@
           <a:p>
             <a:fld id="{4E285625-C24A-4341-90BC-6CD71F835625}" type="datetimeFigureOut">
               <a:rPr lang="en-GB" smtClean="0"/>
-              <a:t>06/06/2023</a:t>
+              <a:t>07/07/2023</a:t>
             </a:fld>
             <a:endParaRPr lang="en-GB"/>
           </a:p>
@@ -2923,7 +2923,7 @@
           <a:p>
             <a:fld id="{4E285625-C24A-4341-90BC-6CD71F835625}" type="datetimeFigureOut">
               <a:rPr lang="en-GB" smtClean="0"/>
-              <a:t>06/06/2023</a:t>
+              <a:t>07/07/2023</a:t>
             </a:fld>
             <a:endParaRPr lang="en-GB"/>
           </a:p>
@@ -3212,7 +3212,7 @@
           <a:p>
             <a:fld id="{4E285625-C24A-4341-90BC-6CD71F835625}" type="datetimeFigureOut">
               <a:rPr lang="en-GB" smtClean="0"/>
-              <a:t>06/06/2023</a:t>
+              <a:t>07/07/2023</a:t>
             </a:fld>
             <a:endParaRPr lang="en-GB"/>
           </a:p>
@@ -3455,7 +3455,7 @@
           <a:p>
             <a:fld id="{4E285625-C24A-4341-90BC-6CD71F835625}" type="datetimeFigureOut">
               <a:rPr lang="en-GB" smtClean="0"/>
-              <a:t>06/06/2023</a:t>
+              <a:t>07/07/2023</a:t>
             </a:fld>
             <a:endParaRPr lang="en-GB"/>
           </a:p>
@@ -19431,8 +19431,8 @@
         </p:nvSpPr>
         <p:spPr>
           <a:xfrm>
-            <a:off x="5055568" y="2880659"/>
-            <a:ext cx="1861683" cy="1273820"/>
+            <a:off x="5268632" y="1991701"/>
+            <a:ext cx="1861683" cy="859070"/>
           </a:xfrm>
           <a:prstGeom prst="roundRect">
             <a:avLst>
@@ -19471,6 +19471,16 @@
           <a:lstStyle/>
           <a:p>
             <a:pPr algn="ctr"/>
+            <a:r>
+              <a:rPr lang="en-US" sz="1200">
+                <a:solidFill>
+                  <a:schemeClr val="bg1">
+                    <a:lumMod val="95000"/>
+                  </a:schemeClr>
+                </a:solidFill>
+              </a:rPr>
+              <a:t>M0092MEJAUI-2963</a:t>
+            </a:r>
             <a:endParaRPr lang="en-US" sz="1200" dirty="0">
               <a:solidFill>
                 <a:schemeClr val="bg1">
@@ -19495,7 +19505,7 @@
         </p:nvSpPr>
         <p:spPr>
           <a:xfrm>
-            <a:off x="5055568" y="2622705"/>
+            <a:off x="5268632" y="1733747"/>
             <a:ext cx="2296168" cy="276999"/>
           </a:xfrm>
           <a:prstGeom prst="rect">
@@ -19534,7 +19544,7 @@
         </p:nvSpPr>
         <p:spPr>
           <a:xfrm>
-            <a:off x="5139479" y="2995109"/>
+            <a:off x="5352543" y="2106151"/>
             <a:ext cx="1645920" cy="288000"/>
           </a:xfrm>
           <a:prstGeom prst="roundRect">
@@ -19668,7 +19678,7 @@
                   <a:schemeClr val="bg1"/>
                 </a:solidFill>
               </a:rPr>
-              <a:t>ui_drawing_vglite.c</a:t>
+              <a:t>ui_vglite.c</a:t>
             </a:r>
             <a:endParaRPr lang="en-US" sz="1200" dirty="0">
               <a:solidFill>
@@ -19678,322 +19688,6 @@
           </a:p>
         </p:txBody>
       </p:sp>
-      <p:sp>
-        <p:nvSpPr>
-          <p:cNvPr id="7" name="Rounded Rectangle 29">
-            <a:extLst>
-              <a:ext uri="{FF2B5EF4-FFF2-40B4-BE49-F238E27FC236}">
-                <a16:creationId xmlns:a16="http://schemas.microsoft.com/office/drawing/2014/main" id="{52B0C09E-03A3-195B-108C-9AD23AF3EAB8}"/>
-              </a:ext>
-            </a:extLst>
-          </p:cNvPr>
-          <p:cNvSpPr/>
-          <p:nvPr/>
-        </p:nvSpPr>
-        <p:spPr>
-          <a:xfrm>
-            <a:off x="5139479" y="3368422"/>
-            <a:ext cx="1645920" cy="288000"/>
-          </a:xfrm>
-          <a:prstGeom prst="roundRect">
-            <a:avLst/>
-          </a:prstGeom>
-          <a:solidFill>
-            <a:srgbClr val="EE502E"/>
-          </a:solidFill>
-          <a:ln>
-            <a:noFill/>
-          </a:ln>
-        </p:spPr>
-        <p:style>
-          <a:lnRef idx="2">
-            <a:schemeClr val="accent1">
-              <a:shade val="50000"/>
-            </a:schemeClr>
-          </a:lnRef>
-          <a:fillRef idx="1">
-            <a:schemeClr val="accent1"/>
-          </a:fillRef>
-          <a:effectRef idx="0">
-            <a:schemeClr val="accent1"/>
-          </a:effectRef>
-          <a:fontRef idx="minor">
-            <a:schemeClr val="lt1"/>
-          </a:fontRef>
-        </p:style>
-        <p:txBody>
-          <a:bodyPr rtlCol="0" anchor="ctr"/>
-          <a:lstStyle>
-            <a:defPPr>
-              <a:defRPr lang="en-US"/>
-            </a:defPPr>
-            <a:lvl1pPr marL="0" algn="l" defTabSz="914377" rtl="0" eaLnBrk="1" latinLnBrk="0" hangingPunct="1">
-              <a:defRPr sz="1800" kern="1200">
-                <a:solidFill>
-                  <a:schemeClr val="lt1"/>
-                </a:solidFill>
-                <a:latin typeface="+mn-lt"/>
-                <a:ea typeface="+mn-ea"/>
-                <a:cs typeface="+mn-cs"/>
-              </a:defRPr>
-            </a:lvl1pPr>
-            <a:lvl2pPr marL="457189" algn="l" defTabSz="914377" rtl="0" eaLnBrk="1" latinLnBrk="0" hangingPunct="1">
-              <a:defRPr sz="1800" kern="1200">
-                <a:solidFill>
-                  <a:schemeClr val="lt1"/>
-                </a:solidFill>
-                <a:latin typeface="+mn-lt"/>
-                <a:ea typeface="+mn-ea"/>
-                <a:cs typeface="+mn-cs"/>
-              </a:defRPr>
-            </a:lvl2pPr>
-            <a:lvl3pPr marL="914377" algn="l" defTabSz="914377" rtl="0" eaLnBrk="1" latinLnBrk="0" hangingPunct="1">
-              <a:defRPr sz="1800" kern="1200">
-                <a:solidFill>
-                  <a:schemeClr val="lt1"/>
-                </a:solidFill>
-                <a:latin typeface="+mn-lt"/>
-                <a:ea typeface="+mn-ea"/>
-                <a:cs typeface="+mn-cs"/>
-              </a:defRPr>
-            </a:lvl3pPr>
-            <a:lvl4pPr marL="1371566" algn="l" defTabSz="914377" rtl="0" eaLnBrk="1" latinLnBrk="0" hangingPunct="1">
-              <a:defRPr sz="1800" kern="1200">
-                <a:solidFill>
-                  <a:schemeClr val="lt1"/>
-                </a:solidFill>
-                <a:latin typeface="+mn-lt"/>
-                <a:ea typeface="+mn-ea"/>
-                <a:cs typeface="+mn-cs"/>
-              </a:defRPr>
-            </a:lvl4pPr>
-            <a:lvl5pPr marL="1828754" algn="l" defTabSz="914377" rtl="0" eaLnBrk="1" latinLnBrk="0" hangingPunct="1">
-              <a:defRPr sz="1800" kern="1200">
-                <a:solidFill>
-                  <a:schemeClr val="lt1"/>
-                </a:solidFill>
-                <a:latin typeface="+mn-lt"/>
-                <a:ea typeface="+mn-ea"/>
-                <a:cs typeface="+mn-cs"/>
-              </a:defRPr>
-            </a:lvl5pPr>
-            <a:lvl6pPr marL="2285943" algn="l" defTabSz="914377" rtl="0" eaLnBrk="1" latinLnBrk="0" hangingPunct="1">
-              <a:defRPr sz="1800" kern="1200">
-                <a:solidFill>
-                  <a:schemeClr val="lt1"/>
-                </a:solidFill>
-                <a:latin typeface="+mn-lt"/>
-                <a:ea typeface="+mn-ea"/>
-                <a:cs typeface="+mn-cs"/>
-              </a:defRPr>
-            </a:lvl6pPr>
-            <a:lvl7pPr marL="2743131" algn="l" defTabSz="914377" rtl="0" eaLnBrk="1" latinLnBrk="0" hangingPunct="1">
-              <a:defRPr sz="1800" kern="1200">
-                <a:solidFill>
-                  <a:schemeClr val="lt1"/>
-                </a:solidFill>
-                <a:latin typeface="+mn-lt"/>
-                <a:ea typeface="+mn-ea"/>
-                <a:cs typeface="+mn-cs"/>
-              </a:defRPr>
-            </a:lvl7pPr>
-            <a:lvl8pPr marL="3200320" algn="l" defTabSz="914377" rtl="0" eaLnBrk="1" latinLnBrk="0" hangingPunct="1">
-              <a:defRPr sz="1800" kern="1200">
-                <a:solidFill>
-                  <a:schemeClr val="lt1"/>
-                </a:solidFill>
-                <a:latin typeface="+mn-lt"/>
-                <a:ea typeface="+mn-ea"/>
-                <a:cs typeface="+mn-cs"/>
-              </a:defRPr>
-            </a:lvl8pPr>
-            <a:lvl9pPr marL="3657509" algn="l" defTabSz="914377" rtl="0" eaLnBrk="1" latinLnBrk="0" hangingPunct="1">
-              <a:defRPr sz="1800" kern="1200">
-                <a:solidFill>
-                  <a:schemeClr val="lt1"/>
-                </a:solidFill>
-                <a:latin typeface="+mn-lt"/>
-                <a:ea typeface="+mn-ea"/>
-                <a:cs typeface="+mn-cs"/>
-              </a:defRPr>
-            </a:lvl9pPr>
-          </a:lstStyle>
-          <a:p>
-            <a:pPr algn="ctr"/>
-            <a:r>
-              <a:rPr lang="en-US" sz="1200" dirty="0" err="1">
-                <a:solidFill>
-                  <a:schemeClr val="bg1"/>
-                </a:solidFill>
-              </a:rPr>
-              <a:t>display_vglite.c</a:t>
-            </a:r>
-            <a:endParaRPr lang="en-US" sz="1200" dirty="0">
-              <a:solidFill>
-                <a:schemeClr val="bg1"/>
-              </a:solidFill>
-            </a:endParaRPr>
-          </a:p>
-        </p:txBody>
-      </p:sp>
-      <p:sp>
-        <p:nvSpPr>
-          <p:cNvPr id="13" name="Rounded Rectangle 29">
-            <a:extLst>
-              <a:ext uri="{FF2B5EF4-FFF2-40B4-BE49-F238E27FC236}">
-                <a16:creationId xmlns:a16="http://schemas.microsoft.com/office/drawing/2014/main" id="{F0100BDB-F62D-EF14-CD74-FAC87EBFD6BA}"/>
-              </a:ext>
-            </a:extLst>
-          </p:cNvPr>
-          <p:cNvSpPr/>
-          <p:nvPr/>
-        </p:nvSpPr>
-        <p:spPr>
-          <a:xfrm>
-            <a:off x="5139479" y="3727620"/>
-            <a:ext cx="1645920" cy="288000"/>
-          </a:xfrm>
-          <a:prstGeom prst="roundRect">
-            <a:avLst/>
-          </a:prstGeom>
-          <a:solidFill>
-            <a:srgbClr val="EE502E"/>
-          </a:solidFill>
-          <a:ln>
-            <a:noFill/>
-          </a:ln>
-        </p:spPr>
-        <p:style>
-          <a:lnRef idx="2">
-            <a:schemeClr val="accent1">
-              <a:shade val="50000"/>
-            </a:schemeClr>
-          </a:lnRef>
-          <a:fillRef idx="1">
-            <a:schemeClr val="accent1"/>
-          </a:fillRef>
-          <a:effectRef idx="0">
-            <a:schemeClr val="accent1"/>
-          </a:effectRef>
-          <a:fontRef idx="minor">
-            <a:schemeClr val="lt1"/>
-          </a:fontRef>
-        </p:style>
-        <p:txBody>
-          <a:bodyPr rtlCol="0" anchor="ctr"/>
-          <a:lstStyle>
-            <a:defPPr>
-              <a:defRPr lang="en-US"/>
-            </a:defPPr>
-            <a:lvl1pPr marL="0" algn="l" defTabSz="914377" rtl="0" eaLnBrk="1" latinLnBrk="0" hangingPunct="1">
-              <a:defRPr sz="1800" kern="1200">
-                <a:solidFill>
-                  <a:schemeClr val="lt1"/>
-                </a:solidFill>
-                <a:latin typeface="+mn-lt"/>
-                <a:ea typeface="+mn-ea"/>
-                <a:cs typeface="+mn-cs"/>
-              </a:defRPr>
-            </a:lvl1pPr>
-            <a:lvl2pPr marL="457189" algn="l" defTabSz="914377" rtl="0" eaLnBrk="1" latinLnBrk="0" hangingPunct="1">
-              <a:defRPr sz="1800" kern="1200">
-                <a:solidFill>
-                  <a:schemeClr val="lt1"/>
-                </a:solidFill>
-                <a:latin typeface="+mn-lt"/>
-                <a:ea typeface="+mn-ea"/>
-                <a:cs typeface="+mn-cs"/>
-              </a:defRPr>
-            </a:lvl2pPr>
-            <a:lvl3pPr marL="914377" algn="l" defTabSz="914377" rtl="0" eaLnBrk="1" latinLnBrk="0" hangingPunct="1">
-              <a:defRPr sz="1800" kern="1200">
-                <a:solidFill>
-                  <a:schemeClr val="lt1"/>
-                </a:solidFill>
-                <a:latin typeface="+mn-lt"/>
-                <a:ea typeface="+mn-ea"/>
-                <a:cs typeface="+mn-cs"/>
-              </a:defRPr>
-            </a:lvl3pPr>
-            <a:lvl4pPr marL="1371566" algn="l" defTabSz="914377" rtl="0" eaLnBrk="1" latinLnBrk="0" hangingPunct="1">
-              <a:defRPr sz="1800" kern="1200">
-                <a:solidFill>
-                  <a:schemeClr val="lt1"/>
-                </a:solidFill>
-                <a:latin typeface="+mn-lt"/>
-                <a:ea typeface="+mn-ea"/>
-                <a:cs typeface="+mn-cs"/>
-              </a:defRPr>
-            </a:lvl4pPr>
-            <a:lvl5pPr marL="1828754" algn="l" defTabSz="914377" rtl="0" eaLnBrk="1" latinLnBrk="0" hangingPunct="1">
-              <a:defRPr sz="1800" kern="1200">
-                <a:solidFill>
-                  <a:schemeClr val="lt1"/>
-                </a:solidFill>
-                <a:latin typeface="+mn-lt"/>
-                <a:ea typeface="+mn-ea"/>
-                <a:cs typeface="+mn-cs"/>
-              </a:defRPr>
-            </a:lvl5pPr>
-            <a:lvl6pPr marL="2285943" algn="l" defTabSz="914377" rtl="0" eaLnBrk="1" latinLnBrk="0" hangingPunct="1">
-              <a:defRPr sz="1800" kern="1200">
-                <a:solidFill>
-                  <a:schemeClr val="lt1"/>
-                </a:solidFill>
-                <a:latin typeface="+mn-lt"/>
-                <a:ea typeface="+mn-ea"/>
-                <a:cs typeface="+mn-cs"/>
-              </a:defRPr>
-            </a:lvl6pPr>
-            <a:lvl7pPr marL="2743131" algn="l" defTabSz="914377" rtl="0" eaLnBrk="1" latinLnBrk="0" hangingPunct="1">
-              <a:defRPr sz="1800" kern="1200">
-                <a:solidFill>
-                  <a:schemeClr val="lt1"/>
-                </a:solidFill>
-                <a:latin typeface="+mn-lt"/>
-                <a:ea typeface="+mn-ea"/>
-                <a:cs typeface="+mn-cs"/>
-              </a:defRPr>
-            </a:lvl7pPr>
-            <a:lvl8pPr marL="3200320" algn="l" defTabSz="914377" rtl="0" eaLnBrk="1" latinLnBrk="0" hangingPunct="1">
-              <a:defRPr sz="1800" kern="1200">
-                <a:solidFill>
-                  <a:schemeClr val="lt1"/>
-                </a:solidFill>
-                <a:latin typeface="+mn-lt"/>
-                <a:ea typeface="+mn-ea"/>
-                <a:cs typeface="+mn-cs"/>
-              </a:defRPr>
-            </a:lvl8pPr>
-            <a:lvl9pPr marL="3657509" algn="l" defTabSz="914377" rtl="0" eaLnBrk="1" latinLnBrk="0" hangingPunct="1">
-              <a:defRPr sz="1800" kern="1200">
-                <a:solidFill>
-                  <a:schemeClr val="lt1"/>
-                </a:solidFill>
-                <a:latin typeface="+mn-lt"/>
-                <a:ea typeface="+mn-ea"/>
-                <a:cs typeface="+mn-cs"/>
-              </a:defRPr>
-            </a:lvl9pPr>
-          </a:lstStyle>
-          <a:p>
-            <a:pPr algn="ctr"/>
-            <a:r>
-              <a:rPr lang="en-US" sz="1200" dirty="0" err="1">
-                <a:solidFill>
-                  <a:schemeClr val="bg1"/>
-                </a:solidFill>
-              </a:rPr>
-              <a:t>vglite_path.c</a:t>
-            </a:r>
-            <a:endParaRPr lang="en-US" sz="1200" dirty="0">
-              <a:solidFill>
-                <a:schemeClr val="bg1"/>
-              </a:solidFill>
-            </a:endParaRPr>
-          </a:p>
-        </p:txBody>
-      </p:sp>
       <p:grpSp>
         <p:nvGrpSpPr>
           <p:cNvPr id="130" name="Group 129">
@@ -20008,7 +19702,7 @@
         </p:nvGrpSpPr>
         <p:grpSpPr>
           <a:xfrm>
-            <a:off x="289228" y="3610338"/>
+            <a:off x="343758" y="3386184"/>
             <a:ext cx="1046818" cy="544141"/>
             <a:chOff x="195827" y="6170286"/>
             <a:chExt cx="1046818" cy="544141"/>
@@ -20182,9 +19876,9 @@
           <p:nvPr/>
         </p:nvCxnSpPr>
         <p:spPr>
-          <a:xfrm flipV="1">
-            <a:off x="6917251" y="3510439"/>
-            <a:ext cx="876363" cy="7130"/>
+          <a:xfrm>
+            <a:off x="7130315" y="2421236"/>
+            <a:ext cx="876363" cy="11737"/>
           </a:xfrm>
           <a:prstGeom prst="straightConnector1">
             <a:avLst/>
@@ -20219,7 +19913,7 @@
           </p:cNvPr>
           <p:cNvCxnSpPr>
             <a:cxnSpLocks/>
-            <a:stCxn id="16" idx="1"/>
+            <a:stCxn id="12" idx="1"/>
             <a:endCxn id="25" idx="3"/>
           </p:cNvCxnSpPr>
           <p:nvPr/>
@@ -20227,7 +19921,7 @@
         <p:spPr>
           <a:xfrm flipH="1" flipV="1">
             <a:off x="4319222" y="2419752"/>
-            <a:ext cx="820257" cy="719357"/>
+            <a:ext cx="1033321" cy="188449"/>
           </a:xfrm>
           <a:prstGeom prst="straightConnector1">
             <a:avLst/>
@@ -20265,7 +19959,7 @@
         </p:nvGrpSpPr>
         <p:grpSpPr>
           <a:xfrm>
-            <a:off x="7793614" y="2815642"/>
+            <a:off x="8006678" y="1738176"/>
             <a:ext cx="1786503" cy="1112595"/>
             <a:chOff x="9856130" y="1428812"/>
             <a:chExt cx="1786503" cy="1112595"/>
@@ -21017,7 +20711,7 @@
         </p:nvSpPr>
         <p:spPr>
           <a:xfrm>
-            <a:off x="5049795" y="1618538"/>
+            <a:off x="5262859" y="924890"/>
             <a:ext cx="1867456" cy="535449"/>
           </a:xfrm>
           <a:prstGeom prst="roundRect">
@@ -21081,7 +20775,7 @@
         </p:nvSpPr>
         <p:spPr>
           <a:xfrm>
-            <a:off x="5049795" y="1360584"/>
+            <a:off x="5262859" y="666936"/>
             <a:ext cx="2296168" cy="276999"/>
           </a:xfrm>
           <a:prstGeom prst="rect">
@@ -21115,7 +20809,7 @@
         </p:nvSpPr>
         <p:spPr>
           <a:xfrm>
-            <a:off x="5151462" y="1732988"/>
+            <a:off x="5364526" y="1039340"/>
             <a:ext cx="1645920" cy="288000"/>
           </a:xfrm>
           <a:prstGeom prst="roundRect">
@@ -21268,7 +20962,7 @@
         </p:nvGrpSpPr>
         <p:grpSpPr>
           <a:xfrm>
-            <a:off x="7799910" y="1195549"/>
+            <a:off x="8012974" y="501901"/>
             <a:ext cx="1786503" cy="1112595"/>
             <a:chOff x="9856130" y="1428812"/>
             <a:chExt cx="1786503" cy="1112595"/>
@@ -21695,7 +21389,7 @@
         </p:nvCxnSpPr>
         <p:spPr>
           <a:xfrm>
-            <a:off x="6797382" y="1876988"/>
+            <a:off x="7010446" y="1183340"/>
             <a:ext cx="1002528" cy="13358"/>
           </a:xfrm>
           <a:prstGeom prst="straightConnector1">
@@ -21738,8 +21432,952 @@
         </p:nvCxnSpPr>
         <p:spPr>
           <a:xfrm flipH="1">
-            <a:off x="4319222" y="1876988"/>
-            <a:ext cx="832240" cy="542764"/>
+            <a:off x="4319222" y="1183340"/>
+            <a:ext cx="1045304" cy="1236412"/>
+          </a:xfrm>
+          <a:prstGeom prst="straightConnector1">
+            <a:avLst/>
+          </a:prstGeom>
+          <a:ln>
+            <a:tailEnd type="triangle"/>
+          </a:ln>
+        </p:spPr>
+        <p:style>
+          <a:lnRef idx="1">
+            <a:schemeClr val="accent1"/>
+          </a:lnRef>
+          <a:fillRef idx="0">
+            <a:schemeClr val="accent1"/>
+          </a:fillRef>
+          <a:effectRef idx="0">
+            <a:schemeClr val="accent1"/>
+          </a:effectRef>
+          <a:fontRef idx="minor">
+            <a:schemeClr val="tx1"/>
+          </a:fontRef>
+        </p:style>
+      </p:cxnSp>
+      <p:sp>
+        <p:nvSpPr>
+          <p:cNvPr id="12" name="Rounded Rectangle 29">
+            <a:extLst>
+              <a:ext uri="{FF2B5EF4-FFF2-40B4-BE49-F238E27FC236}">
+                <a16:creationId xmlns:a16="http://schemas.microsoft.com/office/drawing/2014/main" id="{B93FACB5-410A-3C17-3BDA-115A8B845353}"/>
+              </a:ext>
+            </a:extLst>
+          </p:cNvPr>
+          <p:cNvSpPr/>
+          <p:nvPr/>
+        </p:nvSpPr>
+        <p:spPr>
+          <a:xfrm>
+            <a:off x="5352543" y="2464201"/>
+            <a:ext cx="1645920" cy="288000"/>
+          </a:xfrm>
+          <a:prstGeom prst="roundRect">
+            <a:avLst/>
+          </a:prstGeom>
+          <a:solidFill>
+            <a:srgbClr val="EE502E"/>
+          </a:solidFill>
+          <a:ln>
+            <a:noFill/>
+          </a:ln>
+        </p:spPr>
+        <p:style>
+          <a:lnRef idx="2">
+            <a:schemeClr val="accent1">
+              <a:shade val="50000"/>
+            </a:schemeClr>
+          </a:lnRef>
+          <a:fillRef idx="1">
+            <a:schemeClr val="accent1"/>
+          </a:fillRef>
+          <a:effectRef idx="0">
+            <a:schemeClr val="accent1"/>
+          </a:effectRef>
+          <a:fontRef idx="minor">
+            <a:schemeClr val="lt1"/>
+          </a:fontRef>
+        </p:style>
+        <p:txBody>
+          <a:bodyPr rtlCol="0" anchor="ctr"/>
+          <a:lstStyle>
+            <a:defPPr>
+              <a:defRPr lang="en-US"/>
+            </a:defPPr>
+            <a:lvl1pPr marL="0" algn="l" defTabSz="914377" rtl="0" eaLnBrk="1" latinLnBrk="0" hangingPunct="1">
+              <a:defRPr sz="1800" kern="1200">
+                <a:solidFill>
+                  <a:schemeClr val="lt1"/>
+                </a:solidFill>
+                <a:latin typeface="+mn-lt"/>
+                <a:ea typeface="+mn-ea"/>
+                <a:cs typeface="+mn-cs"/>
+              </a:defRPr>
+            </a:lvl1pPr>
+            <a:lvl2pPr marL="457189" algn="l" defTabSz="914377" rtl="0" eaLnBrk="1" latinLnBrk="0" hangingPunct="1">
+              <a:defRPr sz="1800" kern="1200">
+                <a:solidFill>
+                  <a:schemeClr val="lt1"/>
+                </a:solidFill>
+                <a:latin typeface="+mn-lt"/>
+                <a:ea typeface="+mn-ea"/>
+                <a:cs typeface="+mn-cs"/>
+              </a:defRPr>
+            </a:lvl2pPr>
+            <a:lvl3pPr marL="914377" algn="l" defTabSz="914377" rtl="0" eaLnBrk="1" latinLnBrk="0" hangingPunct="1">
+              <a:defRPr sz="1800" kern="1200">
+                <a:solidFill>
+                  <a:schemeClr val="lt1"/>
+                </a:solidFill>
+                <a:latin typeface="+mn-lt"/>
+                <a:ea typeface="+mn-ea"/>
+                <a:cs typeface="+mn-cs"/>
+              </a:defRPr>
+            </a:lvl3pPr>
+            <a:lvl4pPr marL="1371566" algn="l" defTabSz="914377" rtl="0" eaLnBrk="1" latinLnBrk="0" hangingPunct="1">
+              <a:defRPr sz="1800" kern="1200">
+                <a:solidFill>
+                  <a:schemeClr val="lt1"/>
+                </a:solidFill>
+                <a:latin typeface="+mn-lt"/>
+                <a:ea typeface="+mn-ea"/>
+                <a:cs typeface="+mn-cs"/>
+              </a:defRPr>
+            </a:lvl4pPr>
+            <a:lvl5pPr marL="1828754" algn="l" defTabSz="914377" rtl="0" eaLnBrk="1" latinLnBrk="0" hangingPunct="1">
+              <a:defRPr sz="1800" kern="1200">
+                <a:solidFill>
+                  <a:schemeClr val="lt1"/>
+                </a:solidFill>
+                <a:latin typeface="+mn-lt"/>
+                <a:ea typeface="+mn-ea"/>
+                <a:cs typeface="+mn-cs"/>
+              </a:defRPr>
+            </a:lvl5pPr>
+            <a:lvl6pPr marL="2285943" algn="l" defTabSz="914377" rtl="0" eaLnBrk="1" latinLnBrk="0" hangingPunct="1">
+              <a:defRPr sz="1800" kern="1200">
+                <a:solidFill>
+                  <a:schemeClr val="lt1"/>
+                </a:solidFill>
+                <a:latin typeface="+mn-lt"/>
+                <a:ea typeface="+mn-ea"/>
+                <a:cs typeface="+mn-cs"/>
+              </a:defRPr>
+            </a:lvl6pPr>
+            <a:lvl7pPr marL="2743131" algn="l" defTabSz="914377" rtl="0" eaLnBrk="1" latinLnBrk="0" hangingPunct="1">
+              <a:defRPr sz="1800" kern="1200">
+                <a:solidFill>
+                  <a:schemeClr val="lt1"/>
+                </a:solidFill>
+                <a:latin typeface="+mn-lt"/>
+                <a:ea typeface="+mn-ea"/>
+                <a:cs typeface="+mn-cs"/>
+              </a:defRPr>
+            </a:lvl7pPr>
+            <a:lvl8pPr marL="3200320" algn="l" defTabSz="914377" rtl="0" eaLnBrk="1" latinLnBrk="0" hangingPunct="1">
+              <a:defRPr sz="1800" kern="1200">
+                <a:solidFill>
+                  <a:schemeClr val="lt1"/>
+                </a:solidFill>
+                <a:latin typeface="+mn-lt"/>
+                <a:ea typeface="+mn-ea"/>
+                <a:cs typeface="+mn-cs"/>
+              </a:defRPr>
+            </a:lvl8pPr>
+            <a:lvl9pPr marL="3657509" algn="l" defTabSz="914377" rtl="0" eaLnBrk="1" latinLnBrk="0" hangingPunct="1">
+              <a:defRPr sz="1800" kern="1200">
+                <a:solidFill>
+                  <a:schemeClr val="lt1"/>
+                </a:solidFill>
+                <a:latin typeface="+mn-lt"/>
+                <a:ea typeface="+mn-ea"/>
+                <a:cs typeface="+mn-cs"/>
+              </a:defRPr>
+            </a:lvl9pPr>
+          </a:lstStyle>
+          <a:p>
+            <a:pPr algn="ctr"/>
+            <a:r>
+              <a:rPr lang="en-US" sz="1200" dirty="0" err="1">
+                <a:solidFill>
+                  <a:schemeClr val="bg1"/>
+                </a:solidFill>
+              </a:rPr>
+              <a:t>ui_drawing_vglite</a:t>
+            </a:r>
+            <a:r>
+              <a:rPr lang="en-US" sz="1200" dirty="0">
+                <a:solidFill>
+                  <a:schemeClr val="bg1"/>
+                </a:solidFill>
+              </a:rPr>
+              <a:t>*.c</a:t>
+            </a:r>
+          </a:p>
+        </p:txBody>
+      </p:sp>
+      <p:sp>
+        <p:nvSpPr>
+          <p:cNvPr id="19" name="Rounded Rectangle 62">
+            <a:extLst>
+              <a:ext uri="{FF2B5EF4-FFF2-40B4-BE49-F238E27FC236}">
+                <a16:creationId xmlns:a16="http://schemas.microsoft.com/office/drawing/2014/main" id="{98719147-86BD-A488-C9BF-2DF22DC31CED}"/>
+              </a:ext>
+            </a:extLst>
+          </p:cNvPr>
+          <p:cNvSpPr/>
+          <p:nvPr/>
+        </p:nvSpPr>
+        <p:spPr>
+          <a:xfrm>
+            <a:off x="5262859" y="3452392"/>
+            <a:ext cx="1867456" cy="535449"/>
+          </a:xfrm>
+          <a:prstGeom prst="roundRect">
+            <a:avLst>
+              <a:gd name="adj" fmla="val 5059"/>
+            </a:avLst>
+          </a:prstGeom>
+          <a:solidFill>
+            <a:schemeClr val="bg1">
+              <a:lumMod val="95000"/>
+            </a:schemeClr>
+          </a:solidFill>
+          <a:ln w="19050">
+            <a:solidFill>
+              <a:schemeClr val="tx2"/>
+            </a:solidFill>
+          </a:ln>
+        </p:spPr>
+        <p:style>
+          <a:lnRef idx="2">
+            <a:schemeClr val="accent1">
+              <a:shade val="50000"/>
+            </a:schemeClr>
+          </a:lnRef>
+          <a:fillRef idx="1">
+            <a:schemeClr val="accent1"/>
+          </a:fillRef>
+          <a:effectRef idx="0">
+            <a:schemeClr val="accent1"/>
+          </a:effectRef>
+          <a:fontRef idx="minor">
+            <a:schemeClr val="lt1"/>
+          </a:fontRef>
+        </p:style>
+        <p:txBody>
+          <a:bodyPr wrap="square" lIns="0" tIns="0" rIns="0" bIns="0" rtlCol="0" anchor="ctr"/>
+          <a:lstStyle/>
+          <a:p>
+            <a:pPr algn="ctr"/>
+            <a:endParaRPr lang="en-US" sz="1200" dirty="0">
+              <a:solidFill>
+                <a:schemeClr val="bg1">
+                  <a:lumMod val="95000"/>
+                </a:schemeClr>
+              </a:solidFill>
+            </a:endParaRPr>
+          </a:p>
+        </p:txBody>
+      </p:sp>
+      <p:sp>
+        <p:nvSpPr>
+          <p:cNvPr id="20" name="Rectangle 19">
+            <a:extLst>
+              <a:ext uri="{FF2B5EF4-FFF2-40B4-BE49-F238E27FC236}">
+                <a16:creationId xmlns:a16="http://schemas.microsoft.com/office/drawing/2014/main" id="{00C15642-25C0-6E3E-C2CC-8634603C4BC5}"/>
+              </a:ext>
+            </a:extLst>
+          </p:cNvPr>
+          <p:cNvSpPr/>
+          <p:nvPr/>
+        </p:nvSpPr>
+        <p:spPr>
+          <a:xfrm>
+            <a:off x="5262859" y="3194438"/>
+            <a:ext cx="2296168" cy="276999"/>
+          </a:xfrm>
+          <a:prstGeom prst="rect">
+            <a:avLst/>
+          </a:prstGeom>
+        </p:spPr>
+        <p:txBody>
+          <a:bodyPr wrap="square">
+            <a:spAutoFit/>
+          </a:bodyPr>
+          <a:lstStyle/>
+          <a:p>
+            <a:r>
+              <a:rPr lang="en-US" sz="1200" dirty="0"/>
+              <a:t>C Module </a:t>
+            </a:r>
+            <a:r>
+              <a:rPr lang="en-US" sz="1200" dirty="0" err="1"/>
+              <a:t>MicroUI-NemaGFX</a:t>
+            </a:r>
+            <a:endParaRPr lang="en-US" sz="1200" dirty="0"/>
+          </a:p>
+        </p:txBody>
+      </p:sp>
+      <p:sp>
+        <p:nvSpPr>
+          <p:cNvPr id="21" name="Rounded Rectangle 29">
+            <a:extLst>
+              <a:ext uri="{FF2B5EF4-FFF2-40B4-BE49-F238E27FC236}">
+                <a16:creationId xmlns:a16="http://schemas.microsoft.com/office/drawing/2014/main" id="{180813BF-CC6A-72C8-297A-E7FB18698D9E}"/>
+              </a:ext>
+            </a:extLst>
+          </p:cNvPr>
+          <p:cNvSpPr/>
+          <p:nvPr/>
+        </p:nvSpPr>
+        <p:spPr>
+          <a:xfrm>
+            <a:off x="5364526" y="3566842"/>
+            <a:ext cx="1645920" cy="288000"/>
+          </a:xfrm>
+          <a:prstGeom prst="roundRect">
+            <a:avLst/>
+          </a:prstGeom>
+          <a:solidFill>
+            <a:srgbClr val="EE502E"/>
+          </a:solidFill>
+          <a:ln>
+            <a:noFill/>
+          </a:ln>
+        </p:spPr>
+        <p:style>
+          <a:lnRef idx="2">
+            <a:schemeClr val="accent1">
+              <a:shade val="50000"/>
+            </a:schemeClr>
+          </a:lnRef>
+          <a:fillRef idx="1">
+            <a:schemeClr val="accent1"/>
+          </a:fillRef>
+          <a:effectRef idx="0">
+            <a:schemeClr val="accent1"/>
+          </a:effectRef>
+          <a:fontRef idx="minor">
+            <a:schemeClr val="lt1"/>
+          </a:fontRef>
+        </p:style>
+        <p:txBody>
+          <a:bodyPr rtlCol="0" anchor="ctr"/>
+          <a:lstStyle>
+            <a:defPPr>
+              <a:defRPr lang="en-US"/>
+            </a:defPPr>
+            <a:lvl1pPr marL="0" algn="l" defTabSz="914377" rtl="0" eaLnBrk="1" latinLnBrk="0" hangingPunct="1">
+              <a:defRPr sz="1800" kern="1200">
+                <a:solidFill>
+                  <a:schemeClr val="lt1"/>
+                </a:solidFill>
+                <a:latin typeface="+mn-lt"/>
+                <a:ea typeface="+mn-ea"/>
+                <a:cs typeface="+mn-cs"/>
+              </a:defRPr>
+            </a:lvl1pPr>
+            <a:lvl2pPr marL="457189" algn="l" defTabSz="914377" rtl="0" eaLnBrk="1" latinLnBrk="0" hangingPunct="1">
+              <a:defRPr sz="1800" kern="1200">
+                <a:solidFill>
+                  <a:schemeClr val="lt1"/>
+                </a:solidFill>
+                <a:latin typeface="+mn-lt"/>
+                <a:ea typeface="+mn-ea"/>
+                <a:cs typeface="+mn-cs"/>
+              </a:defRPr>
+            </a:lvl2pPr>
+            <a:lvl3pPr marL="914377" algn="l" defTabSz="914377" rtl="0" eaLnBrk="1" latinLnBrk="0" hangingPunct="1">
+              <a:defRPr sz="1800" kern="1200">
+                <a:solidFill>
+                  <a:schemeClr val="lt1"/>
+                </a:solidFill>
+                <a:latin typeface="+mn-lt"/>
+                <a:ea typeface="+mn-ea"/>
+                <a:cs typeface="+mn-cs"/>
+              </a:defRPr>
+            </a:lvl3pPr>
+            <a:lvl4pPr marL="1371566" algn="l" defTabSz="914377" rtl="0" eaLnBrk="1" latinLnBrk="0" hangingPunct="1">
+              <a:defRPr sz="1800" kern="1200">
+                <a:solidFill>
+                  <a:schemeClr val="lt1"/>
+                </a:solidFill>
+                <a:latin typeface="+mn-lt"/>
+                <a:ea typeface="+mn-ea"/>
+                <a:cs typeface="+mn-cs"/>
+              </a:defRPr>
+            </a:lvl4pPr>
+            <a:lvl5pPr marL="1828754" algn="l" defTabSz="914377" rtl="0" eaLnBrk="1" latinLnBrk="0" hangingPunct="1">
+              <a:defRPr sz="1800" kern="1200">
+                <a:solidFill>
+                  <a:schemeClr val="lt1"/>
+                </a:solidFill>
+                <a:latin typeface="+mn-lt"/>
+                <a:ea typeface="+mn-ea"/>
+                <a:cs typeface="+mn-cs"/>
+              </a:defRPr>
+            </a:lvl5pPr>
+            <a:lvl6pPr marL="2285943" algn="l" defTabSz="914377" rtl="0" eaLnBrk="1" latinLnBrk="0" hangingPunct="1">
+              <a:defRPr sz="1800" kern="1200">
+                <a:solidFill>
+                  <a:schemeClr val="lt1"/>
+                </a:solidFill>
+                <a:latin typeface="+mn-lt"/>
+                <a:ea typeface="+mn-ea"/>
+                <a:cs typeface="+mn-cs"/>
+              </a:defRPr>
+            </a:lvl6pPr>
+            <a:lvl7pPr marL="2743131" algn="l" defTabSz="914377" rtl="0" eaLnBrk="1" latinLnBrk="0" hangingPunct="1">
+              <a:defRPr sz="1800" kern="1200">
+                <a:solidFill>
+                  <a:schemeClr val="lt1"/>
+                </a:solidFill>
+                <a:latin typeface="+mn-lt"/>
+                <a:ea typeface="+mn-ea"/>
+                <a:cs typeface="+mn-cs"/>
+              </a:defRPr>
+            </a:lvl7pPr>
+            <a:lvl8pPr marL="3200320" algn="l" defTabSz="914377" rtl="0" eaLnBrk="1" latinLnBrk="0" hangingPunct="1">
+              <a:defRPr sz="1800" kern="1200">
+                <a:solidFill>
+                  <a:schemeClr val="lt1"/>
+                </a:solidFill>
+                <a:latin typeface="+mn-lt"/>
+                <a:ea typeface="+mn-ea"/>
+                <a:cs typeface="+mn-cs"/>
+              </a:defRPr>
+            </a:lvl8pPr>
+            <a:lvl9pPr marL="3657509" algn="l" defTabSz="914377" rtl="0" eaLnBrk="1" latinLnBrk="0" hangingPunct="1">
+              <a:defRPr sz="1800" kern="1200">
+                <a:solidFill>
+                  <a:schemeClr val="lt1"/>
+                </a:solidFill>
+                <a:latin typeface="+mn-lt"/>
+                <a:ea typeface="+mn-ea"/>
+                <a:cs typeface="+mn-cs"/>
+              </a:defRPr>
+            </a:lvl9pPr>
+          </a:lstStyle>
+          <a:p>
+            <a:pPr algn="ctr"/>
+            <a:r>
+              <a:rPr lang="en-US" sz="1200" dirty="0" err="1">
+                <a:solidFill>
+                  <a:schemeClr val="bg1"/>
+                </a:solidFill>
+              </a:rPr>
+              <a:t>ui_drawing_nema.c</a:t>
+            </a:r>
+            <a:endParaRPr lang="en-US" sz="1200" dirty="0">
+              <a:solidFill>
+                <a:schemeClr val="bg1"/>
+              </a:solidFill>
+            </a:endParaRPr>
+          </a:p>
+        </p:txBody>
+      </p:sp>
+      <p:grpSp>
+        <p:nvGrpSpPr>
+          <p:cNvPr id="22" name="Group 21">
+            <a:extLst>
+              <a:ext uri="{FF2B5EF4-FFF2-40B4-BE49-F238E27FC236}">
+                <a16:creationId xmlns:a16="http://schemas.microsoft.com/office/drawing/2014/main" id="{D29B8950-F205-A05E-8E48-76E51376A578}"/>
+              </a:ext>
+            </a:extLst>
+          </p:cNvPr>
+          <p:cNvGrpSpPr/>
+          <p:nvPr/>
+        </p:nvGrpSpPr>
+        <p:grpSpPr>
+          <a:xfrm>
+            <a:off x="8012974" y="3029403"/>
+            <a:ext cx="1786503" cy="1112595"/>
+            <a:chOff x="9856130" y="1428812"/>
+            <a:chExt cx="1786503" cy="1112595"/>
+          </a:xfrm>
+        </p:grpSpPr>
+        <p:sp>
+          <p:nvSpPr>
+            <p:cNvPr id="23" name="Rounded Rectangle 62">
+              <a:extLst>
+                <a:ext uri="{FF2B5EF4-FFF2-40B4-BE49-F238E27FC236}">
+                  <a16:creationId xmlns:a16="http://schemas.microsoft.com/office/drawing/2014/main" id="{477D9621-0508-2EB3-2E8F-5929A059E472}"/>
+                </a:ext>
+              </a:extLst>
+            </p:cNvPr>
+            <p:cNvSpPr/>
+            <p:nvPr/>
+          </p:nvSpPr>
+          <p:spPr>
+            <a:xfrm>
+              <a:off x="9856130" y="1705811"/>
+              <a:ext cx="1786503" cy="835596"/>
+            </a:xfrm>
+            <a:prstGeom prst="roundRect">
+              <a:avLst>
+                <a:gd name="adj" fmla="val 5059"/>
+              </a:avLst>
+            </a:prstGeom>
+            <a:solidFill>
+              <a:schemeClr val="bg1">
+                <a:lumMod val="95000"/>
+              </a:schemeClr>
+            </a:solidFill>
+            <a:ln w="19050">
+              <a:noFill/>
+            </a:ln>
+          </p:spPr>
+          <p:style>
+            <a:lnRef idx="2">
+              <a:schemeClr val="accent1">
+                <a:shade val="50000"/>
+              </a:schemeClr>
+            </a:lnRef>
+            <a:fillRef idx="1">
+              <a:schemeClr val="accent1"/>
+            </a:fillRef>
+            <a:effectRef idx="0">
+              <a:schemeClr val="accent1"/>
+            </a:effectRef>
+            <a:fontRef idx="minor">
+              <a:schemeClr val="lt1"/>
+            </a:fontRef>
+          </p:style>
+          <p:txBody>
+            <a:bodyPr wrap="square" lIns="0" tIns="0" rIns="0" bIns="0" rtlCol="0" anchor="ctr"/>
+            <a:lstStyle/>
+            <a:p>
+              <a:pPr algn="ctr"/>
+              <a:endParaRPr lang="en-US" sz="1200" dirty="0">
+                <a:solidFill>
+                  <a:schemeClr val="bg1">
+                    <a:lumMod val="95000"/>
+                  </a:schemeClr>
+                </a:solidFill>
+              </a:endParaRPr>
+            </a:p>
+          </p:txBody>
+        </p:sp>
+        <p:sp>
+          <p:nvSpPr>
+            <p:cNvPr id="24" name="Rectangle 23">
+              <a:extLst>
+                <a:ext uri="{FF2B5EF4-FFF2-40B4-BE49-F238E27FC236}">
+                  <a16:creationId xmlns:a16="http://schemas.microsoft.com/office/drawing/2014/main" id="{7EE6E51A-A973-9A32-5C2C-024BA46B7D59}"/>
+                </a:ext>
+              </a:extLst>
+            </p:cNvPr>
+            <p:cNvSpPr/>
+            <p:nvPr/>
+          </p:nvSpPr>
+          <p:spPr>
+            <a:xfrm>
+              <a:off x="9856130" y="1428812"/>
+              <a:ext cx="1752852" cy="276999"/>
+            </a:xfrm>
+            <a:prstGeom prst="rect">
+              <a:avLst/>
+            </a:prstGeom>
+          </p:spPr>
+          <p:txBody>
+            <a:bodyPr wrap="none">
+              <a:spAutoFit/>
+            </a:bodyPr>
+            <a:lstStyle/>
+            <a:p>
+              <a:r>
+                <a:rPr lang="en-US" sz="1200" dirty="0"/>
+                <a:t>Driver </a:t>
+              </a:r>
+              <a:r>
+                <a:rPr lang="en-US" sz="1200" dirty="0" err="1"/>
+                <a:t>ThinkSilicon</a:t>
+              </a:r>
+              <a:r>
+                <a:rPr lang="en-US" sz="1200" dirty="0"/>
+                <a:t> </a:t>
+              </a:r>
+              <a:r>
+                <a:rPr lang="en-US" sz="1200" dirty="0" err="1"/>
+                <a:t>Nema</a:t>
+              </a:r>
+              <a:endParaRPr lang="en-US" sz="1200" dirty="0"/>
+            </a:p>
+          </p:txBody>
+        </p:sp>
+        <p:sp>
+          <p:nvSpPr>
+            <p:cNvPr id="27" name="Rounded Rectangle 12">
+              <a:extLst>
+                <a:ext uri="{FF2B5EF4-FFF2-40B4-BE49-F238E27FC236}">
+                  <a16:creationId xmlns:a16="http://schemas.microsoft.com/office/drawing/2014/main" id="{9E18D48C-7622-7B6A-11EB-76F747D6C355}"/>
+                </a:ext>
+              </a:extLst>
+            </p:cNvPr>
+            <p:cNvSpPr/>
+            <p:nvPr/>
+          </p:nvSpPr>
+          <p:spPr>
+            <a:xfrm>
+              <a:off x="9920126" y="1811781"/>
+              <a:ext cx="1645920" cy="288000"/>
+            </a:xfrm>
+            <a:prstGeom prst="roundRect">
+              <a:avLst/>
+            </a:prstGeom>
+            <a:solidFill>
+              <a:srgbClr val="00AEC7"/>
+            </a:solidFill>
+            <a:ln>
+              <a:noFill/>
+            </a:ln>
+          </p:spPr>
+          <p:style>
+            <a:lnRef idx="2">
+              <a:schemeClr val="accent1">
+                <a:shade val="50000"/>
+              </a:schemeClr>
+            </a:lnRef>
+            <a:fillRef idx="1">
+              <a:schemeClr val="accent1"/>
+            </a:fillRef>
+            <a:effectRef idx="0">
+              <a:schemeClr val="accent1"/>
+            </a:effectRef>
+            <a:fontRef idx="minor">
+              <a:schemeClr val="lt1"/>
+            </a:fontRef>
+          </p:style>
+          <p:txBody>
+            <a:bodyPr rtlCol="0" anchor="ctr"/>
+            <a:lstStyle>
+              <a:defPPr>
+                <a:defRPr lang="en-US"/>
+              </a:defPPr>
+              <a:lvl1pPr marL="0" algn="l" defTabSz="914377" rtl="0" eaLnBrk="1" latinLnBrk="0" hangingPunct="1">
+                <a:defRPr sz="1800" kern="1200">
+                  <a:solidFill>
+                    <a:schemeClr val="lt1"/>
+                  </a:solidFill>
+                  <a:latin typeface="+mn-lt"/>
+                  <a:ea typeface="+mn-ea"/>
+                  <a:cs typeface="+mn-cs"/>
+                </a:defRPr>
+              </a:lvl1pPr>
+              <a:lvl2pPr marL="457189" algn="l" defTabSz="914377" rtl="0" eaLnBrk="1" latinLnBrk="0" hangingPunct="1">
+                <a:defRPr sz="1800" kern="1200">
+                  <a:solidFill>
+                    <a:schemeClr val="lt1"/>
+                  </a:solidFill>
+                  <a:latin typeface="+mn-lt"/>
+                  <a:ea typeface="+mn-ea"/>
+                  <a:cs typeface="+mn-cs"/>
+                </a:defRPr>
+              </a:lvl2pPr>
+              <a:lvl3pPr marL="914377" algn="l" defTabSz="914377" rtl="0" eaLnBrk="1" latinLnBrk="0" hangingPunct="1">
+                <a:defRPr sz="1800" kern="1200">
+                  <a:solidFill>
+                    <a:schemeClr val="lt1"/>
+                  </a:solidFill>
+                  <a:latin typeface="+mn-lt"/>
+                  <a:ea typeface="+mn-ea"/>
+                  <a:cs typeface="+mn-cs"/>
+                </a:defRPr>
+              </a:lvl3pPr>
+              <a:lvl4pPr marL="1371566" algn="l" defTabSz="914377" rtl="0" eaLnBrk="1" latinLnBrk="0" hangingPunct="1">
+                <a:defRPr sz="1800" kern="1200">
+                  <a:solidFill>
+                    <a:schemeClr val="lt1"/>
+                  </a:solidFill>
+                  <a:latin typeface="+mn-lt"/>
+                  <a:ea typeface="+mn-ea"/>
+                  <a:cs typeface="+mn-cs"/>
+                </a:defRPr>
+              </a:lvl4pPr>
+              <a:lvl5pPr marL="1828754" algn="l" defTabSz="914377" rtl="0" eaLnBrk="1" latinLnBrk="0" hangingPunct="1">
+                <a:defRPr sz="1800" kern="1200">
+                  <a:solidFill>
+                    <a:schemeClr val="lt1"/>
+                  </a:solidFill>
+                  <a:latin typeface="+mn-lt"/>
+                  <a:ea typeface="+mn-ea"/>
+                  <a:cs typeface="+mn-cs"/>
+                </a:defRPr>
+              </a:lvl5pPr>
+              <a:lvl6pPr marL="2285943" algn="l" defTabSz="914377" rtl="0" eaLnBrk="1" latinLnBrk="0" hangingPunct="1">
+                <a:defRPr sz="1800" kern="1200">
+                  <a:solidFill>
+                    <a:schemeClr val="lt1"/>
+                  </a:solidFill>
+                  <a:latin typeface="+mn-lt"/>
+                  <a:ea typeface="+mn-ea"/>
+                  <a:cs typeface="+mn-cs"/>
+                </a:defRPr>
+              </a:lvl6pPr>
+              <a:lvl7pPr marL="2743131" algn="l" defTabSz="914377" rtl="0" eaLnBrk="1" latinLnBrk="0" hangingPunct="1">
+                <a:defRPr sz="1800" kern="1200">
+                  <a:solidFill>
+                    <a:schemeClr val="lt1"/>
+                  </a:solidFill>
+                  <a:latin typeface="+mn-lt"/>
+                  <a:ea typeface="+mn-ea"/>
+                  <a:cs typeface="+mn-cs"/>
+                </a:defRPr>
+              </a:lvl7pPr>
+              <a:lvl8pPr marL="3200320" algn="l" defTabSz="914377" rtl="0" eaLnBrk="1" latinLnBrk="0" hangingPunct="1">
+                <a:defRPr sz="1800" kern="1200">
+                  <a:solidFill>
+                    <a:schemeClr val="lt1"/>
+                  </a:solidFill>
+                  <a:latin typeface="+mn-lt"/>
+                  <a:ea typeface="+mn-ea"/>
+                  <a:cs typeface="+mn-cs"/>
+                </a:defRPr>
+              </a:lvl8pPr>
+              <a:lvl9pPr marL="3657509" algn="l" defTabSz="914377" rtl="0" eaLnBrk="1" latinLnBrk="0" hangingPunct="1">
+                <a:defRPr sz="1800" kern="1200">
+                  <a:solidFill>
+                    <a:schemeClr val="lt1"/>
+                  </a:solidFill>
+                  <a:latin typeface="+mn-lt"/>
+                  <a:ea typeface="+mn-ea"/>
+                  <a:cs typeface="+mn-cs"/>
+                </a:defRPr>
+              </a:lvl9pPr>
+            </a:lstStyle>
+            <a:p>
+              <a:pPr algn="ctr"/>
+              <a:r>
+                <a:rPr lang="en-US" sz="1200" dirty="0">
+                  <a:solidFill>
+                    <a:schemeClr val="bg1"/>
+                  </a:solidFill>
+                </a:rPr>
+                <a:t>[…]</a:t>
+              </a:r>
+            </a:p>
+          </p:txBody>
+        </p:sp>
+        <p:sp>
+          <p:nvSpPr>
+            <p:cNvPr id="28" name="Rounded Rectangle 28">
+              <a:extLst>
+                <a:ext uri="{FF2B5EF4-FFF2-40B4-BE49-F238E27FC236}">
+                  <a16:creationId xmlns:a16="http://schemas.microsoft.com/office/drawing/2014/main" id="{6AE3FAF2-5076-FBDF-1702-09F8ADF2F8C3}"/>
+                </a:ext>
+              </a:extLst>
+            </p:cNvPr>
+            <p:cNvSpPr/>
+            <p:nvPr/>
+          </p:nvSpPr>
+          <p:spPr>
+            <a:xfrm>
+              <a:off x="9908678" y="2185734"/>
+              <a:ext cx="1645920" cy="288000"/>
+            </a:xfrm>
+            <a:prstGeom prst="roundRect">
+              <a:avLst/>
+            </a:prstGeom>
+            <a:solidFill>
+              <a:srgbClr val="EE502E"/>
+            </a:solidFill>
+            <a:ln>
+              <a:noFill/>
+            </a:ln>
+          </p:spPr>
+          <p:style>
+            <a:lnRef idx="2">
+              <a:schemeClr val="accent1">
+                <a:shade val="50000"/>
+              </a:schemeClr>
+            </a:lnRef>
+            <a:fillRef idx="1">
+              <a:schemeClr val="accent1"/>
+            </a:fillRef>
+            <a:effectRef idx="0">
+              <a:schemeClr val="accent1"/>
+            </a:effectRef>
+            <a:fontRef idx="minor">
+              <a:schemeClr val="lt1"/>
+            </a:fontRef>
+          </p:style>
+          <p:txBody>
+            <a:bodyPr rtlCol="0" anchor="ctr"/>
+            <a:lstStyle>
+              <a:defPPr>
+                <a:defRPr lang="en-US"/>
+              </a:defPPr>
+              <a:lvl1pPr marL="0" algn="l" defTabSz="914377" rtl="0" eaLnBrk="1" latinLnBrk="0" hangingPunct="1">
+                <a:defRPr sz="1800" kern="1200">
+                  <a:solidFill>
+                    <a:schemeClr val="lt1"/>
+                  </a:solidFill>
+                  <a:latin typeface="+mn-lt"/>
+                  <a:ea typeface="+mn-ea"/>
+                  <a:cs typeface="+mn-cs"/>
+                </a:defRPr>
+              </a:lvl1pPr>
+              <a:lvl2pPr marL="457189" algn="l" defTabSz="914377" rtl="0" eaLnBrk="1" latinLnBrk="0" hangingPunct="1">
+                <a:defRPr sz="1800" kern="1200">
+                  <a:solidFill>
+                    <a:schemeClr val="lt1"/>
+                  </a:solidFill>
+                  <a:latin typeface="+mn-lt"/>
+                  <a:ea typeface="+mn-ea"/>
+                  <a:cs typeface="+mn-cs"/>
+                </a:defRPr>
+              </a:lvl2pPr>
+              <a:lvl3pPr marL="914377" algn="l" defTabSz="914377" rtl="0" eaLnBrk="1" latinLnBrk="0" hangingPunct="1">
+                <a:defRPr sz="1800" kern="1200">
+                  <a:solidFill>
+                    <a:schemeClr val="lt1"/>
+                  </a:solidFill>
+                  <a:latin typeface="+mn-lt"/>
+                  <a:ea typeface="+mn-ea"/>
+                  <a:cs typeface="+mn-cs"/>
+                </a:defRPr>
+              </a:lvl3pPr>
+              <a:lvl4pPr marL="1371566" algn="l" defTabSz="914377" rtl="0" eaLnBrk="1" latinLnBrk="0" hangingPunct="1">
+                <a:defRPr sz="1800" kern="1200">
+                  <a:solidFill>
+                    <a:schemeClr val="lt1"/>
+                  </a:solidFill>
+                  <a:latin typeface="+mn-lt"/>
+                  <a:ea typeface="+mn-ea"/>
+                  <a:cs typeface="+mn-cs"/>
+                </a:defRPr>
+              </a:lvl4pPr>
+              <a:lvl5pPr marL="1828754" algn="l" defTabSz="914377" rtl="0" eaLnBrk="1" latinLnBrk="0" hangingPunct="1">
+                <a:defRPr sz="1800" kern="1200">
+                  <a:solidFill>
+                    <a:schemeClr val="lt1"/>
+                  </a:solidFill>
+                  <a:latin typeface="+mn-lt"/>
+                  <a:ea typeface="+mn-ea"/>
+                  <a:cs typeface="+mn-cs"/>
+                </a:defRPr>
+              </a:lvl5pPr>
+              <a:lvl6pPr marL="2285943" algn="l" defTabSz="914377" rtl="0" eaLnBrk="1" latinLnBrk="0" hangingPunct="1">
+                <a:defRPr sz="1800" kern="1200">
+                  <a:solidFill>
+                    <a:schemeClr val="lt1"/>
+                  </a:solidFill>
+                  <a:latin typeface="+mn-lt"/>
+                  <a:ea typeface="+mn-ea"/>
+                  <a:cs typeface="+mn-cs"/>
+                </a:defRPr>
+              </a:lvl6pPr>
+              <a:lvl7pPr marL="2743131" algn="l" defTabSz="914377" rtl="0" eaLnBrk="1" latinLnBrk="0" hangingPunct="1">
+                <a:defRPr sz="1800" kern="1200">
+                  <a:solidFill>
+                    <a:schemeClr val="lt1"/>
+                  </a:solidFill>
+                  <a:latin typeface="+mn-lt"/>
+                  <a:ea typeface="+mn-ea"/>
+                  <a:cs typeface="+mn-cs"/>
+                </a:defRPr>
+              </a:lvl7pPr>
+              <a:lvl8pPr marL="3200320" algn="l" defTabSz="914377" rtl="0" eaLnBrk="1" latinLnBrk="0" hangingPunct="1">
+                <a:defRPr sz="1800" kern="1200">
+                  <a:solidFill>
+                    <a:schemeClr val="lt1"/>
+                  </a:solidFill>
+                  <a:latin typeface="+mn-lt"/>
+                  <a:ea typeface="+mn-ea"/>
+                  <a:cs typeface="+mn-cs"/>
+                </a:defRPr>
+              </a:lvl8pPr>
+              <a:lvl9pPr marL="3657509" algn="l" defTabSz="914377" rtl="0" eaLnBrk="1" latinLnBrk="0" hangingPunct="1">
+                <a:defRPr sz="1800" kern="1200">
+                  <a:solidFill>
+                    <a:schemeClr val="lt1"/>
+                  </a:solidFill>
+                  <a:latin typeface="+mn-lt"/>
+                  <a:ea typeface="+mn-ea"/>
+                  <a:cs typeface="+mn-cs"/>
+                </a:defRPr>
+              </a:lvl9pPr>
+            </a:lstStyle>
+            <a:p>
+              <a:pPr algn="ctr"/>
+              <a:r>
+                <a:rPr lang="en-US" sz="1200" dirty="0">
+                  <a:solidFill>
+                    <a:schemeClr val="bg1"/>
+                  </a:solidFill>
+                </a:rPr>
+                <a:t>[…]</a:t>
+              </a:r>
+            </a:p>
+          </p:txBody>
+        </p:sp>
+      </p:grpSp>
+      <p:cxnSp>
+        <p:nvCxnSpPr>
+          <p:cNvPr id="29" name="Straight Arrow Connector 28">
+            <a:extLst>
+              <a:ext uri="{FF2B5EF4-FFF2-40B4-BE49-F238E27FC236}">
+                <a16:creationId xmlns:a16="http://schemas.microsoft.com/office/drawing/2014/main" id="{AE302DCC-D45D-A74D-29A0-2DC092D93D06}"/>
+              </a:ext>
+            </a:extLst>
+          </p:cNvPr>
+          <p:cNvCxnSpPr>
+            <a:cxnSpLocks/>
+            <a:stCxn id="21" idx="3"/>
+            <a:endCxn id="23" idx="1"/>
+          </p:cNvCxnSpPr>
+          <p:nvPr/>
+        </p:nvCxnSpPr>
+        <p:spPr>
+          <a:xfrm>
+            <a:off x="7010446" y="3710842"/>
+            <a:ext cx="1002528" cy="13358"/>
+          </a:xfrm>
+          <a:prstGeom prst="straightConnector1">
+            <a:avLst/>
+          </a:prstGeom>
+          <a:ln>
+            <a:tailEnd type="triangle"/>
+          </a:ln>
+        </p:spPr>
+        <p:style>
+          <a:lnRef idx="1">
+            <a:schemeClr val="accent2"/>
+          </a:lnRef>
+          <a:fillRef idx="0">
+            <a:schemeClr val="accent2"/>
+          </a:fillRef>
+          <a:effectRef idx="0">
+            <a:schemeClr val="accent2"/>
+          </a:effectRef>
+          <a:fontRef idx="minor">
+            <a:schemeClr val="tx1"/>
+          </a:fontRef>
+        </p:style>
+      </p:cxnSp>
+      <p:cxnSp>
+        <p:nvCxnSpPr>
+          <p:cNvPr id="30" name="Straight Arrow Connector 29">
+            <a:extLst>
+              <a:ext uri="{FF2B5EF4-FFF2-40B4-BE49-F238E27FC236}">
+                <a16:creationId xmlns:a16="http://schemas.microsoft.com/office/drawing/2014/main" id="{52CC0BB4-C231-3148-D278-E697B72F0016}"/>
+              </a:ext>
+            </a:extLst>
+          </p:cNvPr>
+          <p:cNvCxnSpPr>
+            <a:cxnSpLocks/>
+            <a:stCxn id="21" idx="1"/>
+            <a:endCxn id="25" idx="3"/>
+          </p:cNvCxnSpPr>
+          <p:nvPr/>
+        </p:nvCxnSpPr>
+        <p:spPr>
+          <a:xfrm flipH="1" flipV="1">
+            <a:off x="4319222" y="2419752"/>
+            <a:ext cx="1045304" cy="1291090"/>
           </a:xfrm>
           <a:prstGeom prst="straightConnector1">
             <a:avLst/>

--- a/VEEPortingGuide/images/uiLL.pptx
+++ b/VEEPortingGuide/images/uiLL.pptx
@@ -202,7 +202,7 @@
           <a:p>
             <a:fld id="{F47202D6-4449-4ABC-9430-570B72DCED4F}" type="datetimeFigureOut">
               <a:rPr lang="en-US" smtClean="0"/>
-              <a:t>23/07/07</a:t>
+              <a:t>12/1/2025</a:t>
             </a:fld>
             <a:endParaRPr lang="en-US"/>
           </a:p>
@@ -786,7 +786,7 @@
           <a:p>
             <a:fld id="{4E285625-C24A-4341-90BC-6CD71F835625}" type="datetimeFigureOut">
               <a:rPr lang="en-GB" smtClean="0"/>
-              <a:t>07/07/2023</a:t>
+              <a:t>01/12/2025</a:t>
             </a:fld>
             <a:endParaRPr lang="en-GB"/>
           </a:p>
@@ -986,7 +986,7 @@
           <a:p>
             <a:fld id="{4E285625-C24A-4341-90BC-6CD71F835625}" type="datetimeFigureOut">
               <a:rPr lang="en-GB" smtClean="0"/>
-              <a:t>07/07/2023</a:t>
+              <a:t>01/12/2025</a:t>
             </a:fld>
             <a:endParaRPr lang="en-GB"/>
           </a:p>
@@ -1196,7 +1196,7 @@
           <a:p>
             <a:fld id="{4E285625-C24A-4341-90BC-6CD71F835625}" type="datetimeFigureOut">
               <a:rPr lang="en-GB" smtClean="0"/>
-              <a:t>07/07/2023</a:t>
+              <a:t>01/12/2025</a:t>
             </a:fld>
             <a:endParaRPr lang="en-GB"/>
           </a:p>
@@ -1396,7 +1396,7 @@
           <a:p>
             <a:fld id="{4E285625-C24A-4341-90BC-6CD71F835625}" type="datetimeFigureOut">
               <a:rPr lang="en-GB" smtClean="0"/>
-              <a:t>07/07/2023</a:t>
+              <a:t>01/12/2025</a:t>
             </a:fld>
             <a:endParaRPr lang="en-GB"/>
           </a:p>
@@ -1672,7 +1672,7 @@
           <a:p>
             <a:fld id="{4E285625-C24A-4341-90BC-6CD71F835625}" type="datetimeFigureOut">
               <a:rPr lang="en-GB" smtClean="0"/>
-              <a:t>07/07/2023</a:t>
+              <a:t>01/12/2025</a:t>
             </a:fld>
             <a:endParaRPr lang="en-GB"/>
           </a:p>
@@ -1940,7 +1940,7 @@
           <a:p>
             <a:fld id="{4E285625-C24A-4341-90BC-6CD71F835625}" type="datetimeFigureOut">
               <a:rPr lang="en-GB" smtClean="0"/>
-              <a:t>07/07/2023</a:t>
+              <a:t>01/12/2025</a:t>
             </a:fld>
             <a:endParaRPr lang="en-GB"/>
           </a:p>
@@ -2355,7 +2355,7 @@
           <a:p>
             <a:fld id="{4E285625-C24A-4341-90BC-6CD71F835625}" type="datetimeFigureOut">
               <a:rPr lang="en-GB" smtClean="0"/>
-              <a:t>07/07/2023</a:t>
+              <a:t>01/12/2025</a:t>
             </a:fld>
             <a:endParaRPr lang="en-GB"/>
           </a:p>
@@ -2497,7 +2497,7 @@
           <a:p>
             <a:fld id="{4E285625-C24A-4341-90BC-6CD71F835625}" type="datetimeFigureOut">
               <a:rPr lang="en-GB" smtClean="0"/>
-              <a:t>07/07/2023</a:t>
+              <a:t>01/12/2025</a:t>
             </a:fld>
             <a:endParaRPr lang="en-GB"/>
           </a:p>
@@ -2610,7 +2610,7 @@
           <a:p>
             <a:fld id="{4E285625-C24A-4341-90BC-6CD71F835625}" type="datetimeFigureOut">
               <a:rPr lang="en-GB" smtClean="0"/>
-              <a:t>07/07/2023</a:t>
+              <a:t>01/12/2025</a:t>
             </a:fld>
             <a:endParaRPr lang="en-GB"/>
           </a:p>
@@ -2923,7 +2923,7 @@
           <a:p>
             <a:fld id="{4E285625-C24A-4341-90BC-6CD71F835625}" type="datetimeFigureOut">
               <a:rPr lang="en-GB" smtClean="0"/>
-              <a:t>07/07/2023</a:t>
+              <a:t>01/12/2025</a:t>
             </a:fld>
             <a:endParaRPr lang="en-GB"/>
           </a:p>
@@ -3212,7 +3212,7 @@
           <a:p>
             <a:fld id="{4E285625-C24A-4341-90BC-6CD71F835625}" type="datetimeFigureOut">
               <a:rPr lang="en-GB" smtClean="0"/>
-              <a:t>07/07/2023</a:t>
+              <a:t>01/12/2025</a:t>
             </a:fld>
             <a:endParaRPr lang="en-GB"/>
           </a:p>
@@ -3455,7 +3455,7 @@
           <a:p>
             <a:fld id="{4E285625-C24A-4341-90BC-6CD71F835625}" type="datetimeFigureOut">
               <a:rPr lang="en-GB" smtClean="0"/>
-              <a:t>07/07/2023</a:t>
+              <a:t>01/12/2025</a:t>
             </a:fld>
             <a:endParaRPr lang="en-GB"/>
           </a:p>
@@ -12216,8 +12216,8 @@
         </p:nvSpPr>
         <p:spPr>
           <a:xfrm>
-            <a:off x="6776595" y="1091577"/>
-            <a:ext cx="725070" cy="276999"/>
+            <a:off x="6895575" y="1091577"/>
+            <a:ext cx="720198" cy="276999"/>
           </a:xfrm>
           <a:prstGeom prst="rect">
             <a:avLst/>
@@ -12232,7 +12232,7 @@
             <a:pPr algn="ctr"/>
             <a:r>
               <a:rPr lang="en-US" sz="1200" dirty="0"/>
-              <a:t>Platform</a:t>
+              <a:t>VEE Port</a:t>
             </a:r>
           </a:p>
         </p:txBody>
@@ -12565,8 +12565,8 @@
         </p:nvSpPr>
         <p:spPr>
           <a:xfrm>
-            <a:off x="9272145" y="1104328"/>
-            <a:ext cx="725070" cy="276999"/>
+            <a:off x="9310443" y="1104328"/>
+            <a:ext cx="720198" cy="276999"/>
           </a:xfrm>
           <a:prstGeom prst="rect">
             <a:avLst/>
@@ -12581,7 +12581,7 @@
             <a:pPr algn="ctr"/>
             <a:r>
               <a:rPr lang="en-US" sz="1200" dirty="0"/>
-              <a:t>Platform</a:t>
+              <a:t>VEE Port</a:t>
             </a:r>
           </a:p>
         </p:txBody>
